--- a/micro.pptx
+++ b/micro.pptx
@@ -8736,337 +8736,6 @@
           <a:chExt cx="0" cy="0"/>
         </a:xfrm>
       </p:grpSpPr>
-      <p:grpSp>
-        <p:nvGrpSpPr>
-          <p:cNvPr id="54" name="Group 53"/>
-          <p:cNvGrpSpPr/>
-          <p:nvPr/>
-        </p:nvGrpSpPr>
-        <p:grpSpPr>
-          <a:xfrm>
-            <a:off x="9317495" y="3002918"/>
-            <a:ext cx="13119440" cy="9613447"/>
-            <a:chOff x="9317495" y="3002918"/>
-            <a:chExt cx="13119440" cy="9613447"/>
-          </a:xfrm>
-        </p:grpSpPr>
-        <p:sp>
-          <p:nvSpPr>
-            <p:cNvPr id="53" name="Rectangle 52"/>
-            <p:cNvSpPr/>
-            <p:nvPr/>
-          </p:nvSpPr>
-          <p:spPr>
-            <a:xfrm>
-              <a:off x="14478000" y="6816627"/>
-              <a:ext cx="7958935" cy="5799738"/>
-            </a:xfrm>
-            <a:prstGeom prst="rect">
-              <a:avLst/>
-            </a:prstGeom>
-            <a:gradFill flip="none" rotWithShape="1">
-              <a:gsLst>
-                <a:gs pos="0">
-                  <a:schemeClr val="accent4">
-                    <a:shade val="30000"/>
-                    <a:satMod val="115000"/>
-                  </a:schemeClr>
-                </a:gs>
-                <a:gs pos="50000">
-                  <a:schemeClr val="accent4">
-                    <a:shade val="67500"/>
-                    <a:satMod val="115000"/>
-                  </a:schemeClr>
-                </a:gs>
-                <a:gs pos="100000">
-                  <a:schemeClr val="accent4">
-                    <a:shade val="100000"/>
-                    <a:satMod val="115000"/>
-                  </a:schemeClr>
-                </a:gs>
-              </a:gsLst>
-              <a:lin ang="13500000" scaled="1"/>
-              <a:tileRect/>
-            </a:gradFill>
-            <a:ln w="34925"/>
-          </p:spPr>
-          <p:style>
-            <a:lnRef idx="2">
-              <a:schemeClr val="accent4">
-                <a:shade val="50000"/>
-              </a:schemeClr>
-            </a:lnRef>
-            <a:fillRef idx="1">
-              <a:schemeClr val="accent4"/>
-            </a:fillRef>
-            <a:effectRef idx="0">
-              <a:schemeClr val="accent4"/>
-            </a:effectRef>
-            <a:fontRef idx="minor">
-              <a:schemeClr val="lt1"/>
-            </a:fontRef>
-          </p:style>
-          <p:txBody>
-            <a:bodyPr rtlCol="0" anchor="ctr"/>
-            <a:lstStyle/>
-            <a:p>
-              <a:pPr>
-                <a:lnSpc>
-                  <a:spcPct val="150000"/>
-                </a:lnSpc>
-                <a:defRPr sz="2400" i="1"/>
-              </a:pPr>
-              <a:r>
-                <a:rPr lang="sv-SE" dirty="0"/>
-                <a:t>	org.springframework.cloud:</a:t>
-              </a:r>
-            </a:p>
-            <a:p>
-              <a:pPr lvl="3">
-                <a:lnSpc>
-                  <a:spcPct val="150000"/>
-                </a:lnSpc>
-                <a:defRPr sz="2400" i="1"/>
-              </a:pPr>
-              <a:r>
-                <a:rPr lang="sv-SE" dirty="0"/>
-                <a:t>spring-cloud-config-server</a:t>
-              </a:r>
-            </a:p>
-            <a:p>
-              <a:pPr lvl="3">
-                <a:lnSpc>
-                  <a:spcPct val="150000"/>
-                </a:lnSpc>
-                <a:defRPr sz="2400" i="1"/>
-              </a:pPr>
-              <a:r>
-                <a:rPr lang="sv-SE" dirty="0"/>
-                <a:t>spring-cloud-config-client</a:t>
-              </a:r>
-            </a:p>
-            <a:p>
-              <a:pPr lvl="3">
-                <a:lnSpc>
-                  <a:spcPct val="150000"/>
-                </a:lnSpc>
-                <a:defRPr sz="2400" i="1"/>
-              </a:pPr>
-              <a:r>
-                <a:rPr lang="sv-SE" dirty="0"/>
-                <a:t>spring-cloud-starter-netflix-eureka-server</a:t>
-              </a:r>
-            </a:p>
-            <a:p>
-              <a:pPr lvl="3">
-                <a:lnSpc>
-                  <a:spcPct val="150000"/>
-                </a:lnSpc>
-                <a:defRPr sz="2400" i="1"/>
-              </a:pPr>
-              <a:r>
-                <a:rPr lang="sv-SE" dirty="0"/>
-                <a:t>spring-cloud-starter-netflix-eureka-client</a:t>
-              </a:r>
-            </a:p>
-            <a:p>
-              <a:pPr lvl="3">
-                <a:lnSpc>
-                  <a:spcPct val="150000"/>
-                </a:lnSpc>
-                <a:defRPr sz="2400" i="1"/>
-              </a:pPr>
-              <a:r>
-                <a:rPr lang="sv-SE" dirty="0"/>
-                <a:t>spring-cloud-starter-netflix-ribbon</a:t>
-              </a:r>
-            </a:p>
-            <a:p>
-              <a:pPr lvl="3">
-                <a:lnSpc>
-                  <a:spcPct val="150000"/>
-                </a:lnSpc>
-                <a:defRPr sz="2400" i="1"/>
-              </a:pPr>
-              <a:r>
-                <a:rPr lang="sv-SE" dirty="0"/>
-                <a:t>spring-cloud-starter-netflix-zuul</a:t>
-              </a:r>
-            </a:p>
-            <a:p>
-              <a:pPr lvl="3">
-                <a:lnSpc>
-                  <a:spcPct val="150000"/>
-                </a:lnSpc>
-                <a:defRPr sz="2400" i="1"/>
-              </a:pPr>
-              <a:r>
-                <a:rPr lang="sv-SE" dirty="0"/>
-                <a:t>spring-cloud-starter-openfeign</a:t>
-              </a:r>
-            </a:p>
-            <a:p>
-              <a:pPr lvl="3">
-                <a:lnSpc>
-                  <a:spcPct val="150000"/>
-                </a:lnSpc>
-                <a:defRPr sz="2400" i="1"/>
-              </a:pPr>
-              <a:r>
-                <a:rPr lang="sv-SE" dirty="0"/>
-                <a:t>spring-cloud-starter-sleuth</a:t>
-              </a:r>
-            </a:p>
-          </p:txBody>
-        </p:sp>
-        <p:sp>
-          <p:nvSpPr>
-            <p:cNvPr id="174" name="Eureka"/>
-            <p:cNvSpPr/>
-            <p:nvPr/>
-          </p:nvSpPr>
-          <p:spPr>
-            <a:xfrm>
-              <a:off x="13610491" y="3002918"/>
-              <a:ext cx="1388052" cy="527414"/>
-            </a:xfrm>
-            <a:prstGeom prst="roundRect">
-              <a:avLst>
-                <a:gd name="adj" fmla="val 36120"/>
-              </a:avLst>
-            </a:prstGeom>
-            <a:solidFill>
-              <a:schemeClr val="accent2">
-                <a:hueOff val="89372"/>
-                <a:lumOff val="-8823"/>
-              </a:schemeClr>
-            </a:solidFill>
-            <a:ln w="12700" cap="flat">
-              <a:noFill/>
-              <a:miter lim="400000"/>
-            </a:ln>
-            <a:effectLst/>
-            <a:extLst>
-              <a:ext uri="{C572A759-6A51-4108-AA02-DFA0A04FC94B}">
-                <ma14:wrappingTextBoxFlag xmlns:ma14="http://schemas.microsoft.com/office/mac/drawingml/2011/main" xmlns:a14="http://schemas.microsoft.com/office/drawing/2010/main" xmlns:m="http://schemas.openxmlformats.org/officeDocument/2006/math" xmlns="" val="1"/>
-              </a:ext>
-            </a:extLst>
-          </p:spPr>
-          <p:txBody>
-            <a:bodyPr wrap="square" lIns="50800" tIns="50800" rIns="50800" bIns="50800" numCol="1" anchor="ctr">
-              <a:noAutofit/>
-            </a:bodyPr>
-            <a:lstStyle>
-              <a:lvl1pPr>
-                <a:defRPr sz="2000" b="0"/>
-              </a:lvl1pPr>
-            </a:lstStyle>
-            <a:p>
-              <a:r>
-                <a:t>Eureka</a:t>
-              </a:r>
-            </a:p>
-          </p:txBody>
-        </p:sp>
-        <p:sp>
-          <p:nvSpPr>
-            <p:cNvPr id="175" name="Ribbon"/>
-            <p:cNvSpPr/>
-            <p:nvPr/>
-          </p:nvSpPr>
-          <p:spPr>
-            <a:xfrm>
-              <a:off x="15090984" y="3975850"/>
-              <a:ext cx="1388051" cy="527414"/>
-            </a:xfrm>
-            <a:prstGeom prst="roundRect">
-              <a:avLst>
-                <a:gd name="adj" fmla="val 36120"/>
-              </a:avLst>
-            </a:prstGeom>
-            <a:solidFill>
-              <a:schemeClr val="accent2">
-                <a:hueOff val="89372"/>
-                <a:lumOff val="-8823"/>
-              </a:schemeClr>
-            </a:solidFill>
-            <a:ln w="12700" cap="flat">
-              <a:noFill/>
-              <a:miter lim="400000"/>
-            </a:ln>
-            <a:effectLst/>
-            <a:extLst>
-              <a:ext uri="{C572A759-6A51-4108-AA02-DFA0A04FC94B}">
-                <ma14:wrappingTextBoxFlag xmlns:ma14="http://schemas.microsoft.com/office/mac/drawingml/2011/main" xmlns:a14="http://schemas.microsoft.com/office/drawing/2010/main" xmlns:m="http://schemas.openxmlformats.org/officeDocument/2006/math" xmlns="" val="1"/>
-              </a:ext>
-            </a:extLst>
-          </p:spPr>
-          <p:txBody>
-            <a:bodyPr wrap="square" lIns="50800" tIns="50800" rIns="50800" bIns="50800" numCol="1" anchor="ctr">
-              <a:noAutofit/>
-            </a:bodyPr>
-            <a:lstStyle>
-              <a:lvl1pPr>
-                <a:defRPr sz="2000" b="0"/>
-              </a:lvl1pPr>
-            </a:lstStyle>
-            <a:p>
-              <a:r>
-                <a:t>Ribbon</a:t>
-              </a:r>
-            </a:p>
-          </p:txBody>
-        </p:sp>
-        <p:sp>
-          <p:nvSpPr>
-            <p:cNvPr id="176" name="Zuul"/>
-            <p:cNvSpPr/>
-            <p:nvPr/>
-          </p:nvSpPr>
-          <p:spPr>
-            <a:xfrm>
-              <a:off x="9317495" y="3002918"/>
-              <a:ext cx="1388051" cy="527414"/>
-            </a:xfrm>
-            <a:prstGeom prst="roundRect">
-              <a:avLst>
-                <a:gd name="adj" fmla="val 36120"/>
-              </a:avLst>
-            </a:prstGeom>
-            <a:solidFill>
-              <a:schemeClr val="accent2">
-                <a:hueOff val="89372"/>
-                <a:lumOff val="-8823"/>
-              </a:schemeClr>
-            </a:solidFill>
-            <a:ln w="12700" cap="flat">
-              <a:noFill/>
-              <a:miter lim="400000"/>
-            </a:ln>
-            <a:effectLst/>
-            <a:extLst>
-              <a:ext uri="{C572A759-6A51-4108-AA02-DFA0A04FC94B}">
-                <ma14:wrappingTextBoxFlag xmlns:ma14="http://schemas.microsoft.com/office/mac/drawingml/2011/main" xmlns:a14="http://schemas.microsoft.com/office/drawing/2010/main" xmlns:m="http://schemas.openxmlformats.org/officeDocument/2006/math" xmlns="" val="1"/>
-              </a:ext>
-            </a:extLst>
-          </p:spPr>
-          <p:txBody>
-            <a:bodyPr wrap="square" lIns="50800" tIns="50800" rIns="50800" bIns="50800" numCol="1" anchor="ctr">
-              <a:noAutofit/>
-            </a:bodyPr>
-            <a:lstStyle>
-              <a:lvl1pPr>
-                <a:defRPr sz="2000" b="0"/>
-              </a:lvl1pPr>
-            </a:lstStyle>
-            <a:p>
-              <a:r>
-                <a:t>Zuul</a:t>
-              </a:r>
-            </a:p>
-          </p:txBody>
-        </p:sp>
-      </p:grpSp>
       <p:sp>
         <p:nvSpPr>
           <p:cNvPr id="144" name="Gateway"/>
@@ -10437,6 +10106,337 @@
           <a:fontRef idx="none"/>
         </p:style>
       </p:cxnSp>
+      <p:grpSp>
+        <p:nvGrpSpPr>
+          <p:cNvPr id="54" name="Group 53"/>
+          <p:cNvGrpSpPr/>
+          <p:nvPr/>
+        </p:nvGrpSpPr>
+        <p:grpSpPr>
+          <a:xfrm>
+            <a:off x="9317495" y="3002918"/>
+            <a:ext cx="13119440" cy="9613447"/>
+            <a:chOff x="9317495" y="3002918"/>
+            <a:chExt cx="13119440" cy="9613447"/>
+          </a:xfrm>
+        </p:grpSpPr>
+        <p:sp>
+          <p:nvSpPr>
+            <p:cNvPr id="53" name="Rectangle 52"/>
+            <p:cNvSpPr/>
+            <p:nvPr/>
+          </p:nvSpPr>
+          <p:spPr>
+            <a:xfrm>
+              <a:off x="14478000" y="6816627"/>
+              <a:ext cx="7958935" cy="5799738"/>
+            </a:xfrm>
+            <a:prstGeom prst="rect">
+              <a:avLst/>
+            </a:prstGeom>
+            <a:gradFill flip="none" rotWithShape="1">
+              <a:gsLst>
+                <a:gs pos="0">
+                  <a:schemeClr val="accent4">
+                    <a:shade val="30000"/>
+                    <a:satMod val="115000"/>
+                  </a:schemeClr>
+                </a:gs>
+                <a:gs pos="50000">
+                  <a:schemeClr val="accent4">
+                    <a:shade val="67500"/>
+                    <a:satMod val="115000"/>
+                  </a:schemeClr>
+                </a:gs>
+                <a:gs pos="100000">
+                  <a:schemeClr val="accent4">
+                    <a:shade val="100000"/>
+                    <a:satMod val="115000"/>
+                  </a:schemeClr>
+                </a:gs>
+              </a:gsLst>
+              <a:lin ang="13500000" scaled="1"/>
+              <a:tileRect/>
+            </a:gradFill>
+            <a:ln w="34925"/>
+          </p:spPr>
+          <p:style>
+            <a:lnRef idx="2">
+              <a:schemeClr val="accent4">
+                <a:shade val="50000"/>
+              </a:schemeClr>
+            </a:lnRef>
+            <a:fillRef idx="1">
+              <a:schemeClr val="accent4"/>
+            </a:fillRef>
+            <a:effectRef idx="0">
+              <a:schemeClr val="accent4"/>
+            </a:effectRef>
+            <a:fontRef idx="minor">
+              <a:schemeClr val="lt1"/>
+            </a:fontRef>
+          </p:style>
+          <p:txBody>
+            <a:bodyPr rtlCol="0" anchor="ctr"/>
+            <a:lstStyle/>
+            <a:p>
+              <a:pPr>
+                <a:lnSpc>
+                  <a:spcPct val="150000"/>
+                </a:lnSpc>
+                <a:defRPr sz="2400" i="1"/>
+              </a:pPr>
+              <a:r>
+                <a:rPr lang="sv-SE" dirty="0"/>
+                <a:t>	org.springframework.cloud:</a:t>
+              </a:r>
+            </a:p>
+            <a:p>
+              <a:pPr lvl="3">
+                <a:lnSpc>
+                  <a:spcPct val="150000"/>
+                </a:lnSpc>
+                <a:defRPr sz="2400" i="1"/>
+              </a:pPr>
+              <a:r>
+                <a:rPr lang="sv-SE" dirty="0"/>
+                <a:t>spring-cloud-config-server</a:t>
+              </a:r>
+            </a:p>
+            <a:p>
+              <a:pPr lvl="3">
+                <a:lnSpc>
+                  <a:spcPct val="150000"/>
+                </a:lnSpc>
+                <a:defRPr sz="2400" i="1"/>
+              </a:pPr>
+              <a:r>
+                <a:rPr lang="sv-SE" dirty="0"/>
+                <a:t>spring-cloud-config-client</a:t>
+              </a:r>
+            </a:p>
+            <a:p>
+              <a:pPr lvl="3">
+                <a:lnSpc>
+                  <a:spcPct val="150000"/>
+                </a:lnSpc>
+                <a:defRPr sz="2400" i="1"/>
+              </a:pPr>
+              <a:r>
+                <a:rPr lang="sv-SE" dirty="0"/>
+                <a:t>spring-cloud-starter-netflix-eureka-server</a:t>
+              </a:r>
+            </a:p>
+            <a:p>
+              <a:pPr lvl="3">
+                <a:lnSpc>
+                  <a:spcPct val="150000"/>
+                </a:lnSpc>
+                <a:defRPr sz="2400" i="1"/>
+              </a:pPr>
+              <a:r>
+                <a:rPr lang="sv-SE" dirty="0"/>
+                <a:t>spring-cloud-starter-netflix-eureka-client</a:t>
+              </a:r>
+            </a:p>
+            <a:p>
+              <a:pPr lvl="3">
+                <a:lnSpc>
+                  <a:spcPct val="150000"/>
+                </a:lnSpc>
+                <a:defRPr sz="2400" i="1"/>
+              </a:pPr>
+              <a:r>
+                <a:rPr lang="sv-SE" dirty="0"/>
+                <a:t>spring-cloud-starter-netflix-ribbon</a:t>
+              </a:r>
+            </a:p>
+            <a:p>
+              <a:pPr lvl="3">
+                <a:lnSpc>
+                  <a:spcPct val="150000"/>
+                </a:lnSpc>
+                <a:defRPr sz="2400" i="1"/>
+              </a:pPr>
+              <a:r>
+                <a:rPr lang="sv-SE" dirty="0"/>
+                <a:t>spring-cloud-starter-netflix-zuul</a:t>
+              </a:r>
+            </a:p>
+            <a:p>
+              <a:pPr lvl="3">
+                <a:lnSpc>
+                  <a:spcPct val="150000"/>
+                </a:lnSpc>
+                <a:defRPr sz="2400" i="1"/>
+              </a:pPr>
+              <a:r>
+                <a:rPr lang="sv-SE" dirty="0"/>
+                <a:t>spring-cloud-starter-openfeign</a:t>
+              </a:r>
+            </a:p>
+            <a:p>
+              <a:pPr lvl="3">
+                <a:lnSpc>
+                  <a:spcPct val="150000"/>
+                </a:lnSpc>
+                <a:defRPr sz="2400" i="1"/>
+              </a:pPr>
+              <a:r>
+                <a:rPr lang="sv-SE" dirty="0"/>
+                <a:t>spring-cloud-starter-sleuth</a:t>
+              </a:r>
+            </a:p>
+          </p:txBody>
+        </p:sp>
+        <p:sp>
+          <p:nvSpPr>
+            <p:cNvPr id="174" name="Eureka"/>
+            <p:cNvSpPr/>
+            <p:nvPr/>
+          </p:nvSpPr>
+          <p:spPr>
+            <a:xfrm>
+              <a:off x="13610491" y="3002918"/>
+              <a:ext cx="1388052" cy="527414"/>
+            </a:xfrm>
+            <a:prstGeom prst="roundRect">
+              <a:avLst>
+                <a:gd name="adj" fmla="val 36120"/>
+              </a:avLst>
+            </a:prstGeom>
+            <a:solidFill>
+              <a:schemeClr val="accent2">
+                <a:hueOff val="89372"/>
+                <a:lumOff val="-8823"/>
+              </a:schemeClr>
+            </a:solidFill>
+            <a:ln w="12700" cap="flat">
+              <a:noFill/>
+              <a:miter lim="400000"/>
+            </a:ln>
+            <a:effectLst/>
+            <a:extLst>
+              <a:ext uri="{C572A759-6A51-4108-AA02-DFA0A04FC94B}">
+                <ma14:wrappingTextBoxFlag xmlns:ma14="http://schemas.microsoft.com/office/mac/drawingml/2011/main" xmlns:a14="http://schemas.microsoft.com/office/drawing/2010/main" xmlns:m="http://schemas.openxmlformats.org/officeDocument/2006/math" xmlns="" val="1"/>
+              </a:ext>
+            </a:extLst>
+          </p:spPr>
+          <p:txBody>
+            <a:bodyPr wrap="square" lIns="50800" tIns="50800" rIns="50800" bIns="50800" numCol="1" anchor="ctr">
+              <a:noAutofit/>
+            </a:bodyPr>
+            <a:lstStyle>
+              <a:lvl1pPr>
+                <a:defRPr sz="2000" b="0"/>
+              </a:lvl1pPr>
+            </a:lstStyle>
+            <a:p>
+              <a:r>
+                <a:t>Eureka</a:t>
+              </a:r>
+            </a:p>
+          </p:txBody>
+        </p:sp>
+        <p:sp>
+          <p:nvSpPr>
+            <p:cNvPr id="175" name="Ribbon"/>
+            <p:cNvSpPr/>
+            <p:nvPr/>
+          </p:nvSpPr>
+          <p:spPr>
+            <a:xfrm>
+              <a:off x="15090984" y="3975850"/>
+              <a:ext cx="1388051" cy="527414"/>
+            </a:xfrm>
+            <a:prstGeom prst="roundRect">
+              <a:avLst>
+                <a:gd name="adj" fmla="val 36120"/>
+              </a:avLst>
+            </a:prstGeom>
+            <a:solidFill>
+              <a:schemeClr val="accent2">
+                <a:hueOff val="89372"/>
+                <a:lumOff val="-8823"/>
+              </a:schemeClr>
+            </a:solidFill>
+            <a:ln w="12700" cap="flat">
+              <a:noFill/>
+              <a:miter lim="400000"/>
+            </a:ln>
+            <a:effectLst/>
+            <a:extLst>
+              <a:ext uri="{C572A759-6A51-4108-AA02-DFA0A04FC94B}">
+                <ma14:wrappingTextBoxFlag xmlns:ma14="http://schemas.microsoft.com/office/mac/drawingml/2011/main" xmlns:a14="http://schemas.microsoft.com/office/drawing/2010/main" xmlns:m="http://schemas.openxmlformats.org/officeDocument/2006/math" xmlns="" val="1"/>
+              </a:ext>
+            </a:extLst>
+          </p:spPr>
+          <p:txBody>
+            <a:bodyPr wrap="square" lIns="50800" tIns="50800" rIns="50800" bIns="50800" numCol="1" anchor="ctr">
+              <a:noAutofit/>
+            </a:bodyPr>
+            <a:lstStyle>
+              <a:lvl1pPr>
+                <a:defRPr sz="2000" b="0"/>
+              </a:lvl1pPr>
+            </a:lstStyle>
+            <a:p>
+              <a:r>
+                <a:t>Ribbon</a:t>
+              </a:r>
+            </a:p>
+          </p:txBody>
+        </p:sp>
+        <p:sp>
+          <p:nvSpPr>
+            <p:cNvPr id="176" name="Zuul"/>
+            <p:cNvSpPr/>
+            <p:nvPr/>
+          </p:nvSpPr>
+          <p:spPr>
+            <a:xfrm>
+              <a:off x="9317495" y="3002918"/>
+              <a:ext cx="1388051" cy="527414"/>
+            </a:xfrm>
+            <a:prstGeom prst="roundRect">
+              <a:avLst>
+                <a:gd name="adj" fmla="val 36120"/>
+              </a:avLst>
+            </a:prstGeom>
+            <a:solidFill>
+              <a:schemeClr val="accent2">
+                <a:hueOff val="89372"/>
+                <a:lumOff val="-8823"/>
+              </a:schemeClr>
+            </a:solidFill>
+            <a:ln w="12700" cap="flat">
+              <a:noFill/>
+              <a:miter lim="400000"/>
+            </a:ln>
+            <a:effectLst/>
+            <a:extLst>
+              <a:ext uri="{C572A759-6A51-4108-AA02-DFA0A04FC94B}">
+                <ma14:wrappingTextBoxFlag xmlns:ma14="http://schemas.microsoft.com/office/mac/drawingml/2011/main" xmlns:a14="http://schemas.microsoft.com/office/drawing/2010/main" xmlns:m="http://schemas.openxmlformats.org/officeDocument/2006/math" xmlns="" val="1"/>
+              </a:ext>
+            </a:extLst>
+          </p:spPr>
+          <p:txBody>
+            <a:bodyPr wrap="square" lIns="50800" tIns="50800" rIns="50800" bIns="50800" numCol="1" anchor="ctr">
+              <a:noAutofit/>
+            </a:bodyPr>
+            <a:lstStyle>
+              <a:lvl1pPr>
+                <a:defRPr sz="2000" b="0"/>
+              </a:lvl1pPr>
+            </a:lstStyle>
+            <a:p>
+              <a:r>
+                <a:t>Zuul</a:t>
+              </a:r>
+            </a:p>
+          </p:txBody>
+        </p:sp>
+      </p:grpSp>
     </p:spTree>
   </p:cSld>
   <p:clrMapOvr>

--- a/micro.pptx
+++ b/micro.pptx
@@ -1,11 +1,11 @@
 
 <file path=ppt/presentation.xml><?xml version="1.0" encoding="utf-8"?>
-<p:presentation xmlns:a="http://schemas.openxmlformats.org/drawingml/2006/main" xmlns:r="http://schemas.openxmlformats.org/officeDocument/2006/relationships" xmlns:p="http://schemas.openxmlformats.org/presentationml/2006/main">
+<p:presentation xmlns:a="http://schemas.openxmlformats.org/drawingml/2006/main" xmlns:r="http://schemas.openxmlformats.org/officeDocument/2006/relationships" xmlns:p="http://schemas.openxmlformats.org/presentationml/2006/main" saveSubsetFonts="1">
   <p:sldMasterIdLst>
     <p:sldMasterId id="2147483661" r:id="rId1"/>
   </p:sldMasterIdLst>
   <p:notesMasterIdLst>
-    <p:notesMasterId r:id="rId11"/>
+    <p:notesMasterId r:id="rId12"/>
   </p:notesMasterIdLst>
   <p:sldIdLst>
     <p:sldId id="265" r:id="rId2"/>
@@ -14,9 +14,10 @@
     <p:sldId id="264" r:id="rId5"/>
     <p:sldId id="258" r:id="rId6"/>
     <p:sldId id="257" r:id="rId7"/>
-    <p:sldId id="259" r:id="rId8"/>
-    <p:sldId id="260" r:id="rId9"/>
-    <p:sldId id="266" r:id="rId10"/>
+    <p:sldId id="267" r:id="rId8"/>
+    <p:sldId id="259" r:id="rId9"/>
+    <p:sldId id="260" r:id="rId10"/>
+    <p:sldId id="266" r:id="rId11"/>
   </p:sldIdLst>
   <p:sldSz cx="24384000" cy="13716000"/>
   <p:notesSz cx="6858000" cy="9144000"/>
@@ -142,6 +143,6750 @@
 </p1510:revInfo>
 </file>
 
+<file path=ppt/diagrams/colors1.xml><?xml version="1.0" encoding="utf-8"?>
+<dgm:colorsDef xmlns:dgm="http://schemas.openxmlformats.org/drawingml/2006/diagram" xmlns:a="http://schemas.openxmlformats.org/drawingml/2006/main" uniqueId="urn:microsoft.com/office/officeart/2005/8/colors/accent1_2">
+  <dgm:title val=""/>
+  <dgm:desc val=""/>
+  <dgm:catLst>
+    <dgm:cat type="accent1" pri="11200"/>
+  </dgm:catLst>
+  <dgm:styleLbl name="node0">
+    <dgm:fillClrLst meth="repeat">
+      <a:schemeClr val="accent1"/>
+    </dgm:fillClrLst>
+    <dgm:linClrLst meth="repeat">
+      <a:schemeClr val="lt1"/>
+    </dgm:linClrLst>
+    <dgm:effectClrLst/>
+    <dgm:txLinClrLst/>
+    <dgm:txFillClrLst/>
+    <dgm:txEffectClrLst/>
+  </dgm:styleLbl>
+  <dgm:styleLbl name="alignNode1">
+    <dgm:fillClrLst meth="repeat">
+      <a:schemeClr val="accent1"/>
+    </dgm:fillClrLst>
+    <dgm:linClrLst meth="repeat">
+      <a:schemeClr val="accent1"/>
+    </dgm:linClrLst>
+    <dgm:effectClrLst/>
+    <dgm:txLinClrLst/>
+    <dgm:txFillClrLst/>
+    <dgm:txEffectClrLst/>
+  </dgm:styleLbl>
+  <dgm:styleLbl name="node1">
+    <dgm:fillClrLst meth="repeat">
+      <a:schemeClr val="accent1"/>
+    </dgm:fillClrLst>
+    <dgm:linClrLst meth="repeat">
+      <a:schemeClr val="lt1"/>
+    </dgm:linClrLst>
+    <dgm:effectClrLst/>
+    <dgm:txLinClrLst/>
+    <dgm:txFillClrLst/>
+    <dgm:txEffectClrLst/>
+  </dgm:styleLbl>
+  <dgm:styleLbl name="lnNode1">
+    <dgm:fillClrLst meth="repeat">
+      <a:schemeClr val="accent1"/>
+    </dgm:fillClrLst>
+    <dgm:linClrLst meth="repeat">
+      <a:schemeClr val="lt1"/>
+    </dgm:linClrLst>
+    <dgm:effectClrLst/>
+    <dgm:txLinClrLst/>
+    <dgm:txFillClrLst/>
+    <dgm:txEffectClrLst/>
+  </dgm:styleLbl>
+  <dgm:styleLbl name="vennNode1">
+    <dgm:fillClrLst meth="repeat">
+      <a:schemeClr val="accent1">
+        <a:alpha val="50000"/>
+      </a:schemeClr>
+    </dgm:fillClrLst>
+    <dgm:linClrLst meth="repeat">
+      <a:schemeClr val="lt1"/>
+    </dgm:linClrLst>
+    <dgm:effectClrLst/>
+    <dgm:txLinClrLst/>
+    <dgm:txFillClrLst/>
+    <dgm:txEffectClrLst/>
+  </dgm:styleLbl>
+  <dgm:styleLbl name="node2">
+    <dgm:fillClrLst meth="repeat">
+      <a:schemeClr val="accent1"/>
+    </dgm:fillClrLst>
+    <dgm:linClrLst meth="repeat">
+      <a:schemeClr val="lt1"/>
+    </dgm:linClrLst>
+    <dgm:effectClrLst/>
+    <dgm:txLinClrLst/>
+    <dgm:txFillClrLst/>
+    <dgm:txEffectClrLst/>
+  </dgm:styleLbl>
+  <dgm:styleLbl name="node3">
+    <dgm:fillClrLst meth="repeat">
+      <a:schemeClr val="accent1"/>
+    </dgm:fillClrLst>
+    <dgm:linClrLst meth="repeat">
+      <a:schemeClr val="lt1"/>
+    </dgm:linClrLst>
+    <dgm:effectClrLst/>
+    <dgm:txLinClrLst/>
+    <dgm:txFillClrLst/>
+    <dgm:txEffectClrLst/>
+  </dgm:styleLbl>
+  <dgm:styleLbl name="node4">
+    <dgm:fillClrLst meth="repeat">
+      <a:schemeClr val="accent1"/>
+    </dgm:fillClrLst>
+    <dgm:linClrLst meth="repeat">
+      <a:schemeClr val="lt1"/>
+    </dgm:linClrLst>
+    <dgm:effectClrLst/>
+    <dgm:txLinClrLst/>
+    <dgm:txFillClrLst/>
+    <dgm:txEffectClrLst/>
+  </dgm:styleLbl>
+  <dgm:styleLbl name="fgImgPlace1">
+    <dgm:fillClrLst meth="repeat">
+      <a:schemeClr val="accent1">
+        <a:tint val="50000"/>
+      </a:schemeClr>
+    </dgm:fillClrLst>
+    <dgm:linClrLst meth="repeat">
+      <a:schemeClr val="lt1"/>
+    </dgm:linClrLst>
+    <dgm:effectClrLst/>
+    <dgm:txLinClrLst/>
+    <dgm:txFillClrLst meth="repeat">
+      <a:schemeClr val="lt1"/>
+    </dgm:txFillClrLst>
+    <dgm:txEffectClrLst/>
+  </dgm:styleLbl>
+  <dgm:styleLbl name="alignImgPlace1">
+    <dgm:fillClrLst meth="repeat">
+      <a:schemeClr val="accent1">
+        <a:tint val="50000"/>
+      </a:schemeClr>
+    </dgm:fillClrLst>
+    <dgm:linClrLst meth="repeat">
+      <a:schemeClr val="lt1"/>
+    </dgm:linClrLst>
+    <dgm:effectClrLst/>
+    <dgm:txLinClrLst/>
+    <dgm:txFillClrLst meth="repeat">
+      <a:schemeClr val="lt1"/>
+    </dgm:txFillClrLst>
+    <dgm:txEffectClrLst/>
+  </dgm:styleLbl>
+  <dgm:styleLbl name="bgImgPlace1">
+    <dgm:fillClrLst meth="repeat">
+      <a:schemeClr val="accent1">
+        <a:tint val="50000"/>
+      </a:schemeClr>
+    </dgm:fillClrLst>
+    <dgm:linClrLst meth="repeat">
+      <a:schemeClr val="lt1"/>
+    </dgm:linClrLst>
+    <dgm:effectClrLst/>
+    <dgm:txLinClrLst/>
+    <dgm:txFillClrLst meth="repeat">
+      <a:schemeClr val="lt1"/>
+    </dgm:txFillClrLst>
+    <dgm:txEffectClrLst/>
+  </dgm:styleLbl>
+  <dgm:styleLbl name="sibTrans2D1">
+    <dgm:fillClrLst meth="repeat">
+      <a:schemeClr val="accent1">
+        <a:tint val="60000"/>
+      </a:schemeClr>
+    </dgm:fillClrLst>
+    <dgm:linClrLst meth="repeat">
+      <a:schemeClr val="accent1">
+        <a:tint val="60000"/>
+      </a:schemeClr>
+    </dgm:linClrLst>
+    <dgm:effectClrLst/>
+    <dgm:txLinClrLst/>
+    <dgm:txFillClrLst/>
+    <dgm:txEffectClrLst/>
+  </dgm:styleLbl>
+  <dgm:styleLbl name="fgSibTrans2D1">
+    <dgm:fillClrLst meth="repeat">
+      <a:schemeClr val="accent1">
+        <a:tint val="60000"/>
+      </a:schemeClr>
+    </dgm:fillClrLst>
+    <dgm:linClrLst meth="repeat">
+      <a:schemeClr val="accent1">
+        <a:tint val="60000"/>
+      </a:schemeClr>
+    </dgm:linClrLst>
+    <dgm:effectClrLst/>
+    <dgm:txLinClrLst/>
+    <dgm:txFillClrLst/>
+    <dgm:txEffectClrLst/>
+  </dgm:styleLbl>
+  <dgm:styleLbl name="bgSibTrans2D1">
+    <dgm:fillClrLst meth="repeat">
+      <a:schemeClr val="accent1">
+        <a:tint val="60000"/>
+      </a:schemeClr>
+    </dgm:fillClrLst>
+    <dgm:linClrLst meth="repeat">
+      <a:schemeClr val="accent1">
+        <a:tint val="60000"/>
+      </a:schemeClr>
+    </dgm:linClrLst>
+    <dgm:effectClrLst/>
+    <dgm:txLinClrLst/>
+    <dgm:txFillClrLst/>
+    <dgm:txEffectClrLst/>
+  </dgm:styleLbl>
+  <dgm:styleLbl name="sibTrans1D1">
+    <dgm:fillClrLst meth="repeat">
+      <a:schemeClr val="accent1"/>
+    </dgm:fillClrLst>
+    <dgm:linClrLst meth="repeat">
+      <a:schemeClr val="accent1"/>
+    </dgm:linClrLst>
+    <dgm:effectClrLst/>
+    <dgm:txLinClrLst/>
+    <dgm:txFillClrLst meth="repeat">
+      <a:schemeClr val="tx1"/>
+    </dgm:txFillClrLst>
+    <dgm:txEffectClrLst/>
+  </dgm:styleLbl>
+  <dgm:styleLbl name="callout">
+    <dgm:fillClrLst meth="repeat">
+      <a:schemeClr val="accent1"/>
+    </dgm:fillClrLst>
+    <dgm:linClrLst meth="repeat">
+      <a:schemeClr val="accent1">
+        <a:tint val="50000"/>
+      </a:schemeClr>
+    </dgm:linClrLst>
+    <dgm:effectClrLst/>
+    <dgm:txLinClrLst/>
+    <dgm:txFillClrLst meth="repeat">
+      <a:schemeClr val="tx1"/>
+    </dgm:txFillClrLst>
+    <dgm:txEffectClrLst/>
+  </dgm:styleLbl>
+  <dgm:styleLbl name="asst0">
+    <dgm:fillClrLst meth="repeat">
+      <a:schemeClr val="accent1"/>
+    </dgm:fillClrLst>
+    <dgm:linClrLst meth="repeat">
+      <a:schemeClr val="lt1"/>
+    </dgm:linClrLst>
+    <dgm:effectClrLst/>
+    <dgm:txLinClrLst/>
+    <dgm:txFillClrLst/>
+    <dgm:txEffectClrLst/>
+  </dgm:styleLbl>
+  <dgm:styleLbl name="asst1">
+    <dgm:fillClrLst meth="repeat">
+      <a:schemeClr val="accent1"/>
+    </dgm:fillClrLst>
+    <dgm:linClrLst meth="repeat">
+      <a:schemeClr val="lt1"/>
+    </dgm:linClrLst>
+    <dgm:effectClrLst/>
+    <dgm:txLinClrLst/>
+    <dgm:txFillClrLst/>
+    <dgm:txEffectClrLst/>
+  </dgm:styleLbl>
+  <dgm:styleLbl name="asst2">
+    <dgm:fillClrLst meth="repeat">
+      <a:schemeClr val="accent1"/>
+    </dgm:fillClrLst>
+    <dgm:linClrLst meth="repeat">
+      <a:schemeClr val="lt1"/>
+    </dgm:linClrLst>
+    <dgm:effectClrLst/>
+    <dgm:txLinClrLst/>
+    <dgm:txFillClrLst/>
+    <dgm:txEffectClrLst/>
+  </dgm:styleLbl>
+  <dgm:styleLbl name="asst3">
+    <dgm:fillClrLst meth="repeat">
+      <a:schemeClr val="accent1"/>
+    </dgm:fillClrLst>
+    <dgm:linClrLst meth="repeat">
+      <a:schemeClr val="lt1"/>
+    </dgm:linClrLst>
+    <dgm:effectClrLst/>
+    <dgm:txLinClrLst/>
+    <dgm:txFillClrLst/>
+    <dgm:txEffectClrLst/>
+  </dgm:styleLbl>
+  <dgm:styleLbl name="asst4">
+    <dgm:fillClrLst meth="repeat">
+      <a:schemeClr val="accent1"/>
+    </dgm:fillClrLst>
+    <dgm:linClrLst meth="repeat">
+      <a:schemeClr val="lt1"/>
+    </dgm:linClrLst>
+    <dgm:effectClrLst/>
+    <dgm:txLinClrLst/>
+    <dgm:txFillClrLst/>
+    <dgm:txEffectClrLst/>
+  </dgm:styleLbl>
+  <dgm:styleLbl name="parChTrans2D1">
+    <dgm:fillClrLst meth="repeat">
+      <a:schemeClr val="accent1">
+        <a:tint val="60000"/>
+      </a:schemeClr>
+    </dgm:fillClrLst>
+    <dgm:linClrLst meth="repeat">
+      <a:schemeClr val="accent1">
+        <a:tint val="60000"/>
+      </a:schemeClr>
+    </dgm:linClrLst>
+    <dgm:effectClrLst/>
+    <dgm:txLinClrLst/>
+    <dgm:txFillClrLst meth="repeat">
+      <a:schemeClr val="lt1"/>
+    </dgm:txFillClrLst>
+    <dgm:txEffectClrLst/>
+  </dgm:styleLbl>
+  <dgm:styleLbl name="parChTrans2D2">
+    <dgm:fillClrLst meth="repeat">
+      <a:schemeClr val="accent1"/>
+    </dgm:fillClrLst>
+    <dgm:linClrLst meth="repeat">
+      <a:schemeClr val="accent1"/>
+    </dgm:linClrLst>
+    <dgm:effectClrLst/>
+    <dgm:txLinClrLst/>
+    <dgm:txFillClrLst meth="repeat">
+      <a:schemeClr val="lt1"/>
+    </dgm:txFillClrLst>
+    <dgm:txEffectClrLst/>
+  </dgm:styleLbl>
+  <dgm:styleLbl name="parChTrans2D3">
+    <dgm:fillClrLst meth="repeat">
+      <a:schemeClr val="accent1"/>
+    </dgm:fillClrLst>
+    <dgm:linClrLst meth="repeat">
+      <a:schemeClr val="accent1"/>
+    </dgm:linClrLst>
+    <dgm:effectClrLst/>
+    <dgm:txLinClrLst/>
+    <dgm:txFillClrLst meth="repeat">
+      <a:schemeClr val="lt1"/>
+    </dgm:txFillClrLst>
+    <dgm:txEffectClrLst/>
+  </dgm:styleLbl>
+  <dgm:styleLbl name="parChTrans2D4">
+    <dgm:fillClrLst meth="repeat">
+      <a:schemeClr val="accent1"/>
+    </dgm:fillClrLst>
+    <dgm:linClrLst meth="repeat">
+      <a:schemeClr val="accent1"/>
+    </dgm:linClrLst>
+    <dgm:effectClrLst/>
+    <dgm:txLinClrLst/>
+    <dgm:txFillClrLst meth="repeat">
+      <a:schemeClr val="lt1"/>
+    </dgm:txFillClrLst>
+    <dgm:txEffectClrLst/>
+  </dgm:styleLbl>
+  <dgm:styleLbl name="parChTrans1D1">
+    <dgm:fillClrLst meth="repeat">
+      <a:schemeClr val="accent1"/>
+    </dgm:fillClrLst>
+    <dgm:linClrLst meth="repeat">
+      <a:schemeClr val="accent1">
+        <a:shade val="60000"/>
+      </a:schemeClr>
+    </dgm:linClrLst>
+    <dgm:effectClrLst/>
+    <dgm:txLinClrLst/>
+    <dgm:txFillClrLst meth="repeat">
+      <a:schemeClr val="tx1"/>
+    </dgm:txFillClrLst>
+    <dgm:txEffectClrLst/>
+  </dgm:styleLbl>
+  <dgm:styleLbl name="parChTrans1D2">
+    <dgm:fillClrLst meth="repeat">
+      <a:schemeClr val="accent1"/>
+    </dgm:fillClrLst>
+    <dgm:linClrLst meth="repeat">
+      <a:schemeClr val="accent1">
+        <a:shade val="60000"/>
+      </a:schemeClr>
+    </dgm:linClrLst>
+    <dgm:effectClrLst/>
+    <dgm:txLinClrLst/>
+    <dgm:txFillClrLst meth="repeat">
+      <a:schemeClr val="tx1"/>
+    </dgm:txFillClrLst>
+    <dgm:txEffectClrLst/>
+  </dgm:styleLbl>
+  <dgm:styleLbl name="parChTrans1D3">
+    <dgm:fillClrLst meth="repeat">
+      <a:schemeClr val="accent1"/>
+    </dgm:fillClrLst>
+    <dgm:linClrLst meth="repeat">
+      <a:schemeClr val="accent1">
+        <a:shade val="80000"/>
+      </a:schemeClr>
+    </dgm:linClrLst>
+    <dgm:effectClrLst/>
+    <dgm:txLinClrLst/>
+    <dgm:txFillClrLst meth="repeat">
+      <a:schemeClr val="tx1"/>
+    </dgm:txFillClrLst>
+    <dgm:txEffectClrLst/>
+  </dgm:styleLbl>
+  <dgm:styleLbl name="parChTrans1D4">
+    <dgm:fillClrLst meth="repeat">
+      <a:schemeClr val="accent1"/>
+    </dgm:fillClrLst>
+    <dgm:linClrLst meth="repeat">
+      <a:schemeClr val="accent1">
+        <a:shade val="80000"/>
+      </a:schemeClr>
+    </dgm:linClrLst>
+    <dgm:effectClrLst/>
+    <dgm:txLinClrLst/>
+    <dgm:txFillClrLst meth="repeat">
+      <a:schemeClr val="tx1"/>
+    </dgm:txFillClrLst>
+    <dgm:txEffectClrLst/>
+  </dgm:styleLbl>
+  <dgm:styleLbl name="fgAcc1">
+    <dgm:fillClrLst meth="repeat">
+      <a:schemeClr val="lt1">
+        <a:alpha val="90000"/>
+      </a:schemeClr>
+    </dgm:fillClrLst>
+    <dgm:linClrLst meth="repeat">
+      <a:schemeClr val="accent1"/>
+    </dgm:linClrLst>
+    <dgm:effectClrLst/>
+    <dgm:txLinClrLst/>
+    <dgm:txFillClrLst meth="repeat">
+      <a:schemeClr val="dk1"/>
+    </dgm:txFillClrLst>
+    <dgm:txEffectClrLst/>
+  </dgm:styleLbl>
+  <dgm:styleLbl name="conFgAcc1">
+    <dgm:fillClrLst meth="repeat">
+      <a:schemeClr val="lt1">
+        <a:alpha val="90000"/>
+      </a:schemeClr>
+    </dgm:fillClrLst>
+    <dgm:linClrLst meth="repeat">
+      <a:schemeClr val="accent1"/>
+    </dgm:linClrLst>
+    <dgm:effectClrLst/>
+    <dgm:txLinClrLst/>
+    <dgm:txFillClrLst meth="repeat">
+      <a:schemeClr val="dk1"/>
+    </dgm:txFillClrLst>
+    <dgm:txEffectClrLst/>
+  </dgm:styleLbl>
+  <dgm:styleLbl name="alignAcc1">
+    <dgm:fillClrLst meth="repeat">
+      <a:schemeClr val="lt1">
+        <a:alpha val="90000"/>
+      </a:schemeClr>
+    </dgm:fillClrLst>
+    <dgm:linClrLst meth="repeat">
+      <a:schemeClr val="accent1"/>
+    </dgm:linClrLst>
+    <dgm:effectClrLst/>
+    <dgm:txLinClrLst/>
+    <dgm:txFillClrLst meth="repeat">
+      <a:schemeClr val="dk1"/>
+    </dgm:txFillClrLst>
+    <dgm:txEffectClrLst/>
+  </dgm:styleLbl>
+  <dgm:styleLbl name="trAlignAcc1">
+    <dgm:fillClrLst meth="repeat">
+      <a:schemeClr val="lt1">
+        <a:alpha val="40000"/>
+      </a:schemeClr>
+    </dgm:fillClrLst>
+    <dgm:linClrLst meth="repeat">
+      <a:schemeClr val="accent1"/>
+    </dgm:linClrLst>
+    <dgm:effectClrLst/>
+    <dgm:txLinClrLst/>
+    <dgm:txFillClrLst meth="repeat">
+      <a:schemeClr val="dk1"/>
+    </dgm:txFillClrLst>
+    <dgm:txEffectClrLst/>
+  </dgm:styleLbl>
+  <dgm:styleLbl name="bgAcc1">
+    <dgm:fillClrLst meth="repeat">
+      <a:schemeClr val="lt1">
+        <a:alpha val="90000"/>
+      </a:schemeClr>
+    </dgm:fillClrLst>
+    <dgm:linClrLst meth="repeat">
+      <a:schemeClr val="accent1"/>
+    </dgm:linClrLst>
+    <dgm:effectClrLst/>
+    <dgm:txLinClrLst/>
+    <dgm:txFillClrLst meth="repeat">
+      <a:schemeClr val="dk1"/>
+    </dgm:txFillClrLst>
+    <dgm:txEffectClrLst/>
+  </dgm:styleLbl>
+  <dgm:styleLbl name="solidFgAcc1">
+    <dgm:fillClrLst meth="repeat">
+      <a:schemeClr val="lt1"/>
+    </dgm:fillClrLst>
+    <dgm:linClrLst meth="repeat">
+      <a:schemeClr val="accent1"/>
+    </dgm:linClrLst>
+    <dgm:effectClrLst/>
+    <dgm:txLinClrLst/>
+    <dgm:txFillClrLst meth="repeat">
+      <a:schemeClr val="dk1"/>
+    </dgm:txFillClrLst>
+    <dgm:txEffectClrLst/>
+  </dgm:styleLbl>
+  <dgm:styleLbl name="solidAlignAcc1">
+    <dgm:fillClrLst meth="repeat">
+      <a:schemeClr val="lt1"/>
+    </dgm:fillClrLst>
+    <dgm:linClrLst meth="repeat">
+      <a:schemeClr val="accent1"/>
+    </dgm:linClrLst>
+    <dgm:effectClrLst/>
+    <dgm:txLinClrLst/>
+    <dgm:txFillClrLst meth="repeat">
+      <a:schemeClr val="dk1"/>
+    </dgm:txFillClrLst>
+    <dgm:txEffectClrLst/>
+  </dgm:styleLbl>
+  <dgm:styleLbl name="solidBgAcc1">
+    <dgm:fillClrLst meth="repeat">
+      <a:schemeClr val="lt1"/>
+    </dgm:fillClrLst>
+    <dgm:linClrLst meth="repeat">
+      <a:schemeClr val="accent1"/>
+    </dgm:linClrLst>
+    <dgm:effectClrLst/>
+    <dgm:txLinClrLst/>
+    <dgm:txFillClrLst meth="repeat">
+      <a:schemeClr val="dk1"/>
+    </dgm:txFillClrLst>
+    <dgm:txEffectClrLst/>
+  </dgm:styleLbl>
+  <dgm:styleLbl name="fgAccFollowNode1">
+    <dgm:fillClrLst meth="repeat">
+      <a:schemeClr val="accent1">
+        <a:alpha val="90000"/>
+        <a:tint val="40000"/>
+      </a:schemeClr>
+    </dgm:fillClrLst>
+    <dgm:linClrLst meth="repeat">
+      <a:schemeClr val="accent1">
+        <a:alpha val="90000"/>
+        <a:tint val="40000"/>
+      </a:schemeClr>
+    </dgm:linClrLst>
+    <dgm:effectClrLst/>
+    <dgm:txLinClrLst/>
+    <dgm:txFillClrLst meth="repeat">
+      <a:schemeClr val="dk1"/>
+    </dgm:txFillClrLst>
+    <dgm:txEffectClrLst/>
+  </dgm:styleLbl>
+  <dgm:styleLbl name="alignAccFollowNode1">
+    <dgm:fillClrLst meth="repeat">
+      <a:schemeClr val="accent1">
+        <a:alpha val="90000"/>
+        <a:tint val="40000"/>
+      </a:schemeClr>
+    </dgm:fillClrLst>
+    <dgm:linClrLst meth="repeat">
+      <a:schemeClr val="accent1">
+        <a:alpha val="90000"/>
+        <a:tint val="40000"/>
+      </a:schemeClr>
+    </dgm:linClrLst>
+    <dgm:effectClrLst/>
+    <dgm:txLinClrLst/>
+    <dgm:txFillClrLst meth="repeat">
+      <a:schemeClr val="dk1"/>
+    </dgm:txFillClrLst>
+    <dgm:txEffectClrLst/>
+  </dgm:styleLbl>
+  <dgm:styleLbl name="bgAccFollowNode1">
+    <dgm:fillClrLst meth="repeat">
+      <a:schemeClr val="accent1">
+        <a:alpha val="90000"/>
+        <a:tint val="40000"/>
+      </a:schemeClr>
+    </dgm:fillClrLst>
+    <dgm:linClrLst meth="repeat">
+      <a:schemeClr val="accent1">
+        <a:alpha val="90000"/>
+        <a:tint val="40000"/>
+      </a:schemeClr>
+    </dgm:linClrLst>
+    <dgm:effectClrLst/>
+    <dgm:txLinClrLst/>
+    <dgm:txFillClrLst meth="repeat">
+      <a:schemeClr val="dk1"/>
+    </dgm:txFillClrLst>
+    <dgm:txEffectClrLst/>
+  </dgm:styleLbl>
+  <dgm:styleLbl name="fgAcc0">
+    <dgm:fillClrLst meth="repeat">
+      <a:schemeClr val="lt1">
+        <a:alpha val="90000"/>
+      </a:schemeClr>
+    </dgm:fillClrLst>
+    <dgm:linClrLst meth="repeat">
+      <a:schemeClr val="accent1"/>
+    </dgm:linClrLst>
+    <dgm:effectClrLst/>
+    <dgm:txLinClrLst/>
+    <dgm:txFillClrLst meth="repeat">
+      <a:schemeClr val="dk1"/>
+    </dgm:txFillClrLst>
+    <dgm:txEffectClrLst/>
+  </dgm:styleLbl>
+  <dgm:styleLbl name="fgAcc2">
+    <dgm:fillClrLst meth="repeat">
+      <a:schemeClr val="lt1">
+        <a:alpha val="90000"/>
+      </a:schemeClr>
+    </dgm:fillClrLst>
+    <dgm:linClrLst meth="repeat">
+      <a:schemeClr val="accent1"/>
+    </dgm:linClrLst>
+    <dgm:effectClrLst/>
+    <dgm:txLinClrLst/>
+    <dgm:txFillClrLst meth="repeat">
+      <a:schemeClr val="dk1"/>
+    </dgm:txFillClrLst>
+    <dgm:txEffectClrLst/>
+  </dgm:styleLbl>
+  <dgm:styleLbl name="fgAcc3">
+    <dgm:fillClrLst meth="repeat">
+      <a:schemeClr val="lt1">
+        <a:alpha val="90000"/>
+      </a:schemeClr>
+    </dgm:fillClrLst>
+    <dgm:linClrLst meth="repeat">
+      <a:schemeClr val="accent1"/>
+    </dgm:linClrLst>
+    <dgm:effectClrLst/>
+    <dgm:txLinClrLst/>
+    <dgm:txFillClrLst meth="repeat">
+      <a:schemeClr val="dk1"/>
+    </dgm:txFillClrLst>
+    <dgm:txEffectClrLst/>
+  </dgm:styleLbl>
+  <dgm:styleLbl name="fgAcc4">
+    <dgm:fillClrLst meth="repeat">
+      <a:schemeClr val="lt1">
+        <a:alpha val="90000"/>
+      </a:schemeClr>
+    </dgm:fillClrLst>
+    <dgm:linClrLst meth="repeat">
+      <a:schemeClr val="accent1"/>
+    </dgm:linClrLst>
+    <dgm:effectClrLst/>
+    <dgm:txLinClrLst/>
+    <dgm:txFillClrLst meth="repeat">
+      <a:schemeClr val="dk1"/>
+    </dgm:txFillClrLst>
+    <dgm:txEffectClrLst/>
+  </dgm:styleLbl>
+  <dgm:styleLbl name="bgShp">
+    <dgm:fillClrLst meth="repeat">
+      <a:schemeClr val="accent1">
+        <a:tint val="40000"/>
+      </a:schemeClr>
+    </dgm:fillClrLst>
+    <dgm:linClrLst meth="repeat">
+      <a:schemeClr val="accent1"/>
+    </dgm:linClrLst>
+    <dgm:effectClrLst/>
+    <dgm:txLinClrLst/>
+    <dgm:txFillClrLst meth="repeat">
+      <a:schemeClr val="dk1"/>
+    </dgm:txFillClrLst>
+    <dgm:txEffectClrLst/>
+  </dgm:styleLbl>
+  <dgm:styleLbl name="dkBgShp">
+    <dgm:fillClrLst meth="repeat">
+      <a:schemeClr val="accent1">
+        <a:shade val="80000"/>
+      </a:schemeClr>
+    </dgm:fillClrLst>
+    <dgm:linClrLst meth="repeat">
+      <a:schemeClr val="accent1"/>
+    </dgm:linClrLst>
+    <dgm:effectClrLst/>
+    <dgm:txLinClrLst/>
+    <dgm:txFillClrLst meth="repeat">
+      <a:schemeClr val="lt1"/>
+    </dgm:txFillClrLst>
+    <dgm:txEffectClrLst/>
+  </dgm:styleLbl>
+  <dgm:styleLbl name="trBgShp">
+    <dgm:fillClrLst meth="repeat">
+      <a:schemeClr val="accent1">
+        <a:tint val="50000"/>
+        <a:alpha val="40000"/>
+      </a:schemeClr>
+    </dgm:fillClrLst>
+    <dgm:linClrLst meth="repeat">
+      <a:schemeClr val="accent1"/>
+    </dgm:linClrLst>
+    <dgm:effectClrLst/>
+    <dgm:txLinClrLst/>
+    <dgm:txFillClrLst meth="repeat">
+      <a:schemeClr val="lt1"/>
+    </dgm:txFillClrLst>
+    <dgm:txEffectClrLst/>
+  </dgm:styleLbl>
+  <dgm:styleLbl name="fgShp">
+    <dgm:fillClrLst meth="repeat">
+      <a:schemeClr val="accent1">
+        <a:tint val="60000"/>
+      </a:schemeClr>
+    </dgm:fillClrLst>
+    <dgm:linClrLst meth="repeat">
+      <a:schemeClr val="lt1"/>
+    </dgm:linClrLst>
+    <dgm:effectClrLst/>
+    <dgm:txLinClrLst/>
+    <dgm:txFillClrLst meth="repeat">
+      <a:schemeClr val="dk1"/>
+    </dgm:txFillClrLst>
+    <dgm:txEffectClrLst/>
+  </dgm:styleLbl>
+  <dgm:styleLbl name="revTx">
+    <dgm:fillClrLst meth="repeat">
+      <a:schemeClr val="lt1">
+        <a:alpha val="0"/>
+      </a:schemeClr>
+    </dgm:fillClrLst>
+    <dgm:linClrLst meth="repeat">
+      <a:schemeClr val="dk1">
+        <a:alpha val="0"/>
+      </a:schemeClr>
+    </dgm:linClrLst>
+    <dgm:effectClrLst/>
+    <dgm:txLinClrLst/>
+    <dgm:txFillClrLst meth="repeat">
+      <a:schemeClr val="tx1"/>
+    </dgm:txFillClrLst>
+    <dgm:txEffectClrLst/>
+  </dgm:styleLbl>
+</dgm:colorsDef>
+</file>
+
+<file path=ppt/diagrams/data1.xml><?xml version="1.0" encoding="utf-8"?>
+<dgm:dataModel xmlns:dgm="http://schemas.openxmlformats.org/drawingml/2006/diagram" xmlns:a="http://schemas.openxmlformats.org/drawingml/2006/main">
+  <dgm:ptLst>
+    <dgm:pt modelId="{8C9E4BFF-CAB2-CA4B-AC38-169F97ACE085}" type="doc">
+      <dgm:prSet loTypeId="urn:microsoft.com/office/officeart/2005/8/layout/hierarchy3" loCatId="hierarchy" qsTypeId="urn:microsoft.com/office/officeart/2005/8/quickstyle/simple4" qsCatId="simple" csTypeId="urn:microsoft.com/office/officeart/2005/8/colors/accent1_2" csCatId="accent1" phldr="1"/>
+      <dgm:spPr/>
+      <dgm:t>
+        <a:bodyPr/>
+        <a:lstStyle/>
+        <a:p>
+          <a:endParaRPr lang="sv-SE"/>
+        </a:p>
+      </dgm:t>
+    </dgm:pt>
+    <dgm:pt modelId="{BC2F6A9C-7E11-8843-909C-7524AC24EF74}">
+      <dgm:prSet phldrT="[Text]"/>
+      <dgm:spPr/>
+      <dgm:t>
+        <a:bodyPr/>
+        <a:lstStyle/>
+        <a:p>
+          <a:r>
+            <a:rPr lang="sv-SE" dirty="0" err="1" smtClean="0"/>
+            <a:t>Decomposition</a:t>
+          </a:r>
+          <a:endParaRPr lang="sv-SE" dirty="0"/>
+        </a:p>
+      </dgm:t>
+    </dgm:pt>
+    <dgm:pt modelId="{E74EE543-CA04-F145-8C2C-973726CF888D}" type="parTrans" cxnId="{138D2E8A-A7DE-C749-B256-255F837C9B26}">
+      <dgm:prSet/>
+      <dgm:spPr/>
+      <dgm:t>
+        <a:bodyPr/>
+        <a:lstStyle/>
+        <a:p>
+          <a:endParaRPr lang="sv-SE"/>
+        </a:p>
+      </dgm:t>
+    </dgm:pt>
+    <dgm:pt modelId="{304072C6-D50F-E241-9949-5D2E6D6A45A6}" type="sibTrans" cxnId="{138D2E8A-A7DE-C749-B256-255F837C9B26}">
+      <dgm:prSet/>
+      <dgm:spPr/>
+      <dgm:t>
+        <a:bodyPr/>
+        <a:lstStyle/>
+        <a:p>
+          <a:endParaRPr lang="sv-SE"/>
+        </a:p>
+      </dgm:t>
+    </dgm:pt>
+    <dgm:pt modelId="{30F79B44-4175-0447-9B90-DC48F80634AA}">
+      <dgm:prSet phldrT="[Text]"/>
+      <dgm:spPr/>
+      <dgm:t>
+        <a:bodyPr/>
+        <a:lstStyle/>
+        <a:p>
+          <a:r>
+            <a:rPr lang="sv-SE" dirty="0" smtClean="0"/>
+            <a:t>Integration</a:t>
+          </a:r>
+          <a:endParaRPr lang="sv-SE" dirty="0"/>
+        </a:p>
+      </dgm:t>
+    </dgm:pt>
+    <dgm:pt modelId="{E5A19938-299B-A84E-9871-2A3F83A8B3E2}" type="parTrans" cxnId="{8D7F3960-5DF8-1844-9B1F-1DB3F2E857ED}">
+      <dgm:prSet/>
+      <dgm:spPr/>
+      <dgm:t>
+        <a:bodyPr/>
+        <a:lstStyle/>
+        <a:p>
+          <a:endParaRPr lang="sv-SE"/>
+        </a:p>
+      </dgm:t>
+    </dgm:pt>
+    <dgm:pt modelId="{62D51130-FAEC-8F48-9B75-34BB9D61EBF1}" type="sibTrans" cxnId="{8D7F3960-5DF8-1844-9B1F-1DB3F2E857ED}">
+      <dgm:prSet/>
+      <dgm:spPr/>
+      <dgm:t>
+        <a:bodyPr/>
+        <a:lstStyle/>
+        <a:p>
+          <a:endParaRPr lang="sv-SE"/>
+        </a:p>
+      </dgm:t>
+    </dgm:pt>
+    <dgm:pt modelId="{C3B3EE29-7650-D847-BF0E-56E004971D9E}">
+      <dgm:prSet phldrT="[Text]"/>
+      <dgm:spPr/>
+      <dgm:t>
+        <a:bodyPr/>
+        <a:lstStyle/>
+        <a:p>
+          <a:r>
+            <a:rPr lang="sv-SE" dirty="0" err="1" smtClean="0"/>
+            <a:t>Database</a:t>
+          </a:r>
+          <a:endParaRPr lang="sv-SE" dirty="0"/>
+        </a:p>
+      </dgm:t>
+    </dgm:pt>
+    <dgm:pt modelId="{DF3A4CCB-BB66-AE4C-AB6E-640F0A985BE5}" type="parTrans" cxnId="{249326FE-BDA2-4A4D-B2E2-64F64E930732}">
+      <dgm:prSet/>
+      <dgm:spPr/>
+      <dgm:t>
+        <a:bodyPr/>
+        <a:lstStyle/>
+        <a:p>
+          <a:endParaRPr lang="sv-SE"/>
+        </a:p>
+      </dgm:t>
+    </dgm:pt>
+    <dgm:pt modelId="{A8D07737-9909-0A47-BBFF-A79E106B0DD2}" type="sibTrans" cxnId="{249326FE-BDA2-4A4D-B2E2-64F64E930732}">
+      <dgm:prSet/>
+      <dgm:spPr/>
+      <dgm:t>
+        <a:bodyPr/>
+        <a:lstStyle/>
+        <a:p>
+          <a:endParaRPr lang="sv-SE"/>
+        </a:p>
+      </dgm:t>
+    </dgm:pt>
+    <dgm:pt modelId="{3B9DD3ED-2748-EF49-8D8F-59F1BD233C77}">
+      <dgm:prSet/>
+      <dgm:spPr/>
+      <dgm:t>
+        <a:bodyPr/>
+        <a:lstStyle/>
+        <a:p>
+          <a:r>
+            <a:rPr lang="sv-SE" dirty="0" err="1" smtClean="0"/>
+            <a:t>Observability</a:t>
+          </a:r>
+          <a:endParaRPr lang="sv-SE" dirty="0"/>
+        </a:p>
+      </dgm:t>
+    </dgm:pt>
+    <dgm:pt modelId="{5451993E-F53E-8641-923A-5B03E2891BF3}" type="parTrans" cxnId="{FE700C19-B1A9-FB4E-BE86-C63F81D8D851}">
+      <dgm:prSet/>
+      <dgm:spPr/>
+      <dgm:t>
+        <a:bodyPr/>
+        <a:lstStyle/>
+        <a:p>
+          <a:endParaRPr lang="sv-SE"/>
+        </a:p>
+      </dgm:t>
+    </dgm:pt>
+    <dgm:pt modelId="{64FC6623-249D-4043-9F64-66BAE1C720A8}" type="sibTrans" cxnId="{FE700C19-B1A9-FB4E-BE86-C63F81D8D851}">
+      <dgm:prSet/>
+      <dgm:spPr/>
+      <dgm:t>
+        <a:bodyPr/>
+        <a:lstStyle/>
+        <a:p>
+          <a:endParaRPr lang="sv-SE"/>
+        </a:p>
+      </dgm:t>
+    </dgm:pt>
+    <dgm:pt modelId="{AB2D4FFB-420B-3B48-A8DD-09165EDEA661}">
+      <dgm:prSet/>
+      <dgm:spPr/>
+      <dgm:t>
+        <a:bodyPr/>
+        <a:lstStyle/>
+        <a:p>
+          <a:r>
+            <a:rPr lang="sv-SE" dirty="0" smtClean="0"/>
+            <a:t>Cross-</a:t>
+          </a:r>
+          <a:r>
+            <a:rPr lang="sv-SE" dirty="0" err="1" smtClean="0"/>
+            <a:t>cutting</a:t>
+          </a:r>
+          <a:r>
+            <a:rPr lang="sv-SE" dirty="0" smtClean="0"/>
+            <a:t> </a:t>
+          </a:r>
+          <a:r>
+            <a:rPr lang="sv-SE" dirty="0" err="1" smtClean="0"/>
+            <a:t>concerns</a:t>
+          </a:r>
+          <a:endParaRPr lang="sv-SE" dirty="0"/>
+        </a:p>
+      </dgm:t>
+    </dgm:pt>
+    <dgm:pt modelId="{4ECB2C74-6544-2149-BE28-D0D712051E2A}" type="parTrans" cxnId="{CDED4B28-DEC3-AE4D-A22F-FB87BE18BEA9}">
+      <dgm:prSet/>
+      <dgm:spPr/>
+      <dgm:t>
+        <a:bodyPr/>
+        <a:lstStyle/>
+        <a:p>
+          <a:endParaRPr lang="sv-SE"/>
+        </a:p>
+      </dgm:t>
+    </dgm:pt>
+    <dgm:pt modelId="{CE84FCC2-0E78-7742-A72C-81A8AABCB49B}" type="sibTrans" cxnId="{CDED4B28-DEC3-AE4D-A22F-FB87BE18BEA9}">
+      <dgm:prSet/>
+      <dgm:spPr/>
+      <dgm:t>
+        <a:bodyPr/>
+        <a:lstStyle/>
+        <a:p>
+          <a:endParaRPr lang="sv-SE"/>
+        </a:p>
+      </dgm:t>
+    </dgm:pt>
+    <dgm:pt modelId="{6B033119-D868-E847-9A36-49EE32C4D92D}">
+      <dgm:prSet/>
+      <dgm:spPr/>
+      <dgm:t>
+        <a:bodyPr/>
+        <a:lstStyle/>
+        <a:p>
+          <a:r>
+            <a:rPr lang="sv-SE" dirty="0" err="1" smtClean="0"/>
+            <a:t>Decompose</a:t>
+          </a:r>
+          <a:r>
+            <a:rPr lang="sv-SE" dirty="0" smtClean="0"/>
+            <a:t> by business </a:t>
+          </a:r>
+          <a:r>
+            <a:rPr lang="sv-SE" dirty="0" err="1" smtClean="0"/>
+            <a:t>capability</a:t>
+          </a:r>
+          <a:endParaRPr lang="sv-SE" dirty="0"/>
+        </a:p>
+      </dgm:t>
+    </dgm:pt>
+    <dgm:pt modelId="{4796CC2A-072E-3B48-B1CE-3CEA109564D7}" type="parTrans" cxnId="{38E032A6-DB6B-ED44-9819-328699F96936}">
+      <dgm:prSet/>
+      <dgm:spPr/>
+      <dgm:t>
+        <a:bodyPr/>
+        <a:lstStyle/>
+        <a:p>
+          <a:endParaRPr lang="sv-SE"/>
+        </a:p>
+      </dgm:t>
+    </dgm:pt>
+    <dgm:pt modelId="{5BE100CC-4AF5-F242-B20F-5EC8D82C6022}" type="sibTrans" cxnId="{38E032A6-DB6B-ED44-9819-328699F96936}">
+      <dgm:prSet/>
+      <dgm:spPr/>
+      <dgm:t>
+        <a:bodyPr/>
+        <a:lstStyle/>
+        <a:p>
+          <a:endParaRPr lang="sv-SE"/>
+        </a:p>
+      </dgm:t>
+    </dgm:pt>
+    <dgm:pt modelId="{95C153EA-CEC5-8E46-BDD0-FF1F5F5D8946}">
+      <dgm:prSet/>
+      <dgm:spPr/>
+      <dgm:t>
+        <a:bodyPr/>
+        <a:lstStyle/>
+        <a:p>
+          <a:r>
+            <a:rPr lang="sv-SE" dirty="0" smtClean="0"/>
+            <a:t>API </a:t>
+          </a:r>
+          <a:r>
+            <a:rPr lang="sv-SE" dirty="0" err="1" smtClean="0"/>
+            <a:t>gateway</a:t>
+          </a:r>
+          <a:endParaRPr lang="sv-SE" dirty="0"/>
+        </a:p>
+      </dgm:t>
+    </dgm:pt>
+    <dgm:pt modelId="{1BEB4DB2-F3AF-0948-A45F-7A3E4C5D3309}" type="parTrans" cxnId="{64DC8CFE-432B-F844-A453-028DEBDDD4F5}">
+      <dgm:prSet/>
+      <dgm:spPr/>
+      <dgm:t>
+        <a:bodyPr/>
+        <a:lstStyle/>
+        <a:p>
+          <a:endParaRPr lang="sv-SE"/>
+        </a:p>
+      </dgm:t>
+    </dgm:pt>
+    <dgm:pt modelId="{38E8EBDC-F70C-3144-AFD4-0DC71818924B}" type="sibTrans" cxnId="{64DC8CFE-432B-F844-A453-028DEBDDD4F5}">
+      <dgm:prSet/>
+      <dgm:spPr/>
+      <dgm:t>
+        <a:bodyPr/>
+        <a:lstStyle/>
+        <a:p>
+          <a:endParaRPr lang="sv-SE"/>
+        </a:p>
+      </dgm:t>
+    </dgm:pt>
+    <dgm:pt modelId="{DB86642D-4804-CC40-BD23-A4F83DF5F0C5}">
+      <dgm:prSet/>
+      <dgm:spPr/>
+      <dgm:t>
+        <a:bodyPr/>
+        <a:lstStyle/>
+        <a:p>
+          <a:r>
+            <a:rPr lang="sv-SE" dirty="0" err="1" smtClean="0"/>
+            <a:t>Database</a:t>
+          </a:r>
+          <a:r>
+            <a:rPr lang="sv-SE" dirty="0" smtClean="0"/>
+            <a:t> per service</a:t>
+          </a:r>
+          <a:endParaRPr lang="sv-SE" dirty="0"/>
+        </a:p>
+      </dgm:t>
+    </dgm:pt>
+    <dgm:pt modelId="{69269003-88C9-1E45-86D9-81A038AB06BB}" type="parTrans" cxnId="{78E0F2D9-66D1-6A4A-B2C4-CDDD36B5D65E}">
+      <dgm:prSet/>
+      <dgm:spPr/>
+      <dgm:t>
+        <a:bodyPr/>
+        <a:lstStyle/>
+        <a:p>
+          <a:endParaRPr lang="sv-SE"/>
+        </a:p>
+      </dgm:t>
+    </dgm:pt>
+    <dgm:pt modelId="{E32880CE-F665-C843-A53E-1A85189ECC70}" type="sibTrans" cxnId="{78E0F2D9-66D1-6A4A-B2C4-CDDD36B5D65E}">
+      <dgm:prSet/>
+      <dgm:spPr/>
+      <dgm:t>
+        <a:bodyPr/>
+        <a:lstStyle/>
+        <a:p>
+          <a:endParaRPr lang="sv-SE"/>
+        </a:p>
+      </dgm:t>
+    </dgm:pt>
+    <dgm:pt modelId="{581C3FA8-5094-734C-A750-7E3C676F4D38}">
+      <dgm:prSet/>
+      <dgm:spPr/>
+      <dgm:t>
+        <a:bodyPr/>
+        <a:lstStyle/>
+        <a:p>
+          <a:r>
+            <a:rPr lang="sv-SE" dirty="0" err="1" smtClean="0"/>
+            <a:t>Distributed</a:t>
+          </a:r>
+          <a:r>
+            <a:rPr lang="sv-SE" dirty="0" smtClean="0"/>
+            <a:t> </a:t>
+          </a:r>
+          <a:r>
+            <a:rPr lang="sv-SE" dirty="0" err="1" smtClean="0"/>
+            <a:t>tracing</a:t>
+          </a:r>
+          <a:endParaRPr lang="sv-SE" dirty="0"/>
+        </a:p>
+      </dgm:t>
+    </dgm:pt>
+    <dgm:pt modelId="{C1E20CDE-4D7D-574E-8B98-EEBFB9DC0575}" type="parTrans" cxnId="{7A2E1986-F470-0140-A31D-DFB38D7AAB54}">
+      <dgm:prSet/>
+      <dgm:spPr/>
+      <dgm:t>
+        <a:bodyPr/>
+        <a:lstStyle/>
+        <a:p>
+          <a:endParaRPr lang="sv-SE"/>
+        </a:p>
+      </dgm:t>
+    </dgm:pt>
+    <dgm:pt modelId="{492102E2-3E9D-2248-A643-9AA0881552EC}" type="sibTrans" cxnId="{7A2E1986-F470-0140-A31D-DFB38D7AAB54}">
+      <dgm:prSet/>
+      <dgm:spPr/>
+      <dgm:t>
+        <a:bodyPr/>
+        <a:lstStyle/>
+        <a:p>
+          <a:endParaRPr lang="sv-SE"/>
+        </a:p>
+      </dgm:t>
+    </dgm:pt>
+    <dgm:pt modelId="{1C2BF606-7889-884D-B2C3-8F4329B41B6F}">
+      <dgm:prSet/>
+      <dgm:spPr/>
+      <dgm:t>
+        <a:bodyPr/>
+        <a:lstStyle/>
+        <a:p>
+          <a:r>
+            <a:rPr lang="sv-SE" dirty="0" err="1" smtClean="0"/>
+            <a:t>External</a:t>
+          </a:r>
+          <a:r>
+            <a:rPr lang="sv-SE" dirty="0" smtClean="0"/>
+            <a:t> </a:t>
+          </a:r>
+          <a:r>
+            <a:rPr lang="sv-SE" dirty="0" err="1" smtClean="0"/>
+            <a:t>configuration</a:t>
+          </a:r>
+          <a:endParaRPr lang="sv-SE" dirty="0"/>
+        </a:p>
+      </dgm:t>
+    </dgm:pt>
+    <dgm:pt modelId="{9EA4F0D8-AFB8-9C4F-AD38-D863EB144B49}" type="parTrans" cxnId="{1CEBADE3-AAAC-5548-96AA-6BE2E6A6FF63}">
+      <dgm:prSet/>
+      <dgm:spPr/>
+      <dgm:t>
+        <a:bodyPr/>
+        <a:lstStyle/>
+        <a:p>
+          <a:endParaRPr lang="sv-SE"/>
+        </a:p>
+      </dgm:t>
+    </dgm:pt>
+    <dgm:pt modelId="{7A9877DE-B2C8-F94A-8A58-098ABE6B0B45}" type="sibTrans" cxnId="{1CEBADE3-AAAC-5548-96AA-6BE2E6A6FF63}">
+      <dgm:prSet/>
+      <dgm:spPr/>
+      <dgm:t>
+        <a:bodyPr/>
+        <a:lstStyle/>
+        <a:p>
+          <a:endParaRPr lang="sv-SE"/>
+        </a:p>
+      </dgm:t>
+    </dgm:pt>
+    <dgm:pt modelId="{01EBFDE8-C378-7F4C-BD98-554284A0E5C9}">
+      <dgm:prSet/>
+      <dgm:spPr/>
+      <dgm:t>
+        <a:bodyPr/>
+        <a:lstStyle/>
+        <a:p>
+          <a:r>
+            <a:rPr lang="sv-SE" dirty="0" smtClean="0"/>
+            <a:t>Service </a:t>
+          </a:r>
+          <a:r>
+            <a:rPr lang="sv-SE" dirty="0" err="1" smtClean="0"/>
+            <a:t>discovery</a:t>
+          </a:r>
+          <a:endParaRPr lang="sv-SE" dirty="0"/>
+        </a:p>
+      </dgm:t>
+    </dgm:pt>
+    <dgm:pt modelId="{E2B9DE80-792B-784C-AC7B-89F49D669051}" type="parTrans" cxnId="{A8878435-3AB3-7448-AA4A-21A3245DD394}">
+      <dgm:prSet/>
+      <dgm:spPr/>
+      <dgm:t>
+        <a:bodyPr/>
+        <a:lstStyle/>
+        <a:p>
+          <a:endParaRPr lang="sv-SE"/>
+        </a:p>
+      </dgm:t>
+    </dgm:pt>
+    <dgm:pt modelId="{2AC0B513-8A8D-5343-89EF-BAD248A5EF44}" type="sibTrans" cxnId="{A8878435-3AB3-7448-AA4A-21A3245DD394}">
+      <dgm:prSet/>
+      <dgm:spPr/>
+      <dgm:t>
+        <a:bodyPr/>
+        <a:lstStyle/>
+        <a:p>
+          <a:endParaRPr lang="sv-SE"/>
+        </a:p>
+      </dgm:t>
+    </dgm:pt>
+    <dgm:pt modelId="{90065FB4-1826-9C42-A95D-E5205B0D2A21}">
+      <dgm:prSet/>
+      <dgm:spPr/>
+      <dgm:t>
+        <a:bodyPr/>
+        <a:lstStyle/>
+        <a:p>
+          <a:r>
+            <a:rPr lang="sv-SE" smtClean="0"/>
+            <a:t>Circuit breaker</a:t>
+          </a:r>
+          <a:endParaRPr lang="sv-SE"/>
+        </a:p>
+      </dgm:t>
+    </dgm:pt>
+    <dgm:pt modelId="{1F97262F-6ACA-1540-A7D7-FBA3F6A00267}" type="parTrans" cxnId="{C6EBF69F-0BE3-5445-8819-803C9EA67451}">
+      <dgm:prSet/>
+      <dgm:spPr/>
+      <dgm:t>
+        <a:bodyPr/>
+        <a:lstStyle/>
+        <a:p>
+          <a:endParaRPr lang="sv-SE"/>
+        </a:p>
+      </dgm:t>
+    </dgm:pt>
+    <dgm:pt modelId="{3CC6AE1A-D232-654F-A902-07177FE8D332}" type="sibTrans" cxnId="{C6EBF69F-0BE3-5445-8819-803C9EA67451}">
+      <dgm:prSet/>
+      <dgm:spPr/>
+      <dgm:t>
+        <a:bodyPr/>
+        <a:lstStyle/>
+        <a:p>
+          <a:endParaRPr lang="sv-SE"/>
+        </a:p>
+      </dgm:t>
+    </dgm:pt>
+    <dgm:pt modelId="{E3D77634-0B74-7F49-AED8-EB4E87F0AE16}">
+      <dgm:prSet/>
+      <dgm:spPr/>
+      <dgm:t>
+        <a:bodyPr/>
+        <a:lstStyle/>
+        <a:p>
+          <a:r>
+            <a:rPr lang="sv-SE" dirty="0" err="1" smtClean="0"/>
+            <a:t>Blue</a:t>
+          </a:r>
+          <a:r>
+            <a:rPr lang="sv-SE" dirty="0" smtClean="0"/>
+            <a:t>-green</a:t>
+          </a:r>
+          <a:r>
+            <a:rPr lang="sv-SE" baseline="0" dirty="0" smtClean="0"/>
+            <a:t> </a:t>
+          </a:r>
+          <a:r>
+            <a:rPr lang="sv-SE" baseline="0" dirty="0" err="1" smtClean="0"/>
+            <a:t>deployment</a:t>
+          </a:r>
+          <a:endParaRPr lang="sv-SE" dirty="0"/>
+        </a:p>
+      </dgm:t>
+    </dgm:pt>
+    <dgm:pt modelId="{2689F9CB-6E19-B94F-B118-EE4267CE3DC1}" type="parTrans" cxnId="{96BBCF17-3F5F-E047-8996-7F5BEE83F214}">
+      <dgm:prSet/>
+      <dgm:spPr/>
+      <dgm:t>
+        <a:bodyPr/>
+        <a:lstStyle/>
+        <a:p>
+          <a:endParaRPr lang="sv-SE"/>
+        </a:p>
+      </dgm:t>
+    </dgm:pt>
+    <dgm:pt modelId="{C68287E1-1FAA-EA4B-8373-D4AD80277CD9}" type="sibTrans" cxnId="{96BBCF17-3F5F-E047-8996-7F5BEE83F214}">
+      <dgm:prSet/>
+      <dgm:spPr/>
+      <dgm:t>
+        <a:bodyPr/>
+        <a:lstStyle/>
+        <a:p>
+          <a:endParaRPr lang="sv-SE"/>
+        </a:p>
+      </dgm:t>
+    </dgm:pt>
+    <dgm:pt modelId="{E4974165-44D4-E343-B37A-06932FBD8C78}">
+      <dgm:prSet/>
+      <dgm:spPr/>
+      <dgm:t>
+        <a:bodyPr/>
+        <a:lstStyle/>
+        <a:p>
+          <a:r>
+            <a:rPr lang="sv-SE" dirty="0" smtClean="0"/>
+            <a:t>Health check API</a:t>
+          </a:r>
+          <a:endParaRPr lang="sv-SE" dirty="0"/>
+        </a:p>
+      </dgm:t>
+    </dgm:pt>
+    <dgm:pt modelId="{7BAA9D93-6076-1343-865C-57642284A013}" type="parTrans" cxnId="{01A2D111-6E7C-CC40-9EBC-7B0DB789F14E}">
+      <dgm:prSet/>
+      <dgm:spPr/>
+      <dgm:t>
+        <a:bodyPr/>
+        <a:lstStyle/>
+        <a:p>
+          <a:endParaRPr lang="sv-SE"/>
+        </a:p>
+      </dgm:t>
+    </dgm:pt>
+    <dgm:pt modelId="{AC86FD35-6CE2-8C43-AA63-2591EC75B29E}" type="sibTrans" cxnId="{01A2D111-6E7C-CC40-9EBC-7B0DB789F14E}">
+      <dgm:prSet/>
+      <dgm:spPr/>
+      <dgm:t>
+        <a:bodyPr/>
+        <a:lstStyle/>
+        <a:p>
+          <a:endParaRPr lang="sv-SE"/>
+        </a:p>
+      </dgm:t>
+    </dgm:pt>
+    <dgm:pt modelId="{CED99F05-BCAE-EF45-A3E1-044495CA744A}">
+      <dgm:prSet/>
+      <dgm:spPr/>
+      <dgm:t>
+        <a:bodyPr/>
+        <a:lstStyle/>
+        <a:p>
+          <a:r>
+            <a:rPr lang="sv-SE" dirty="0" smtClean="0"/>
+            <a:t>Log aggregation</a:t>
+          </a:r>
+          <a:endParaRPr lang="sv-SE" dirty="0"/>
+        </a:p>
+      </dgm:t>
+    </dgm:pt>
+    <dgm:pt modelId="{350A6079-297C-044C-B7DC-7FB116CFBE24}" type="parTrans" cxnId="{24251D92-B672-7444-B075-B0227E298B2C}">
+      <dgm:prSet/>
+      <dgm:spPr/>
+      <dgm:t>
+        <a:bodyPr/>
+        <a:lstStyle/>
+        <a:p>
+          <a:endParaRPr lang="sv-SE"/>
+        </a:p>
+      </dgm:t>
+    </dgm:pt>
+    <dgm:pt modelId="{5A17B6A8-ABA5-1744-92DE-4DD865BC83EA}" type="sibTrans" cxnId="{24251D92-B672-7444-B075-B0227E298B2C}">
+      <dgm:prSet/>
+      <dgm:spPr/>
+      <dgm:t>
+        <a:bodyPr/>
+        <a:lstStyle/>
+        <a:p>
+          <a:endParaRPr lang="sv-SE"/>
+        </a:p>
+      </dgm:t>
+    </dgm:pt>
+    <dgm:pt modelId="{12D85FD8-D8E8-AB40-8D73-5FF52F46408E}">
+      <dgm:prSet/>
+      <dgm:spPr/>
+      <dgm:t>
+        <a:bodyPr/>
+        <a:lstStyle/>
+        <a:p>
+          <a:r>
+            <a:rPr lang="sv-SE" dirty="0" err="1" smtClean="0"/>
+            <a:t>Performance</a:t>
+          </a:r>
+          <a:r>
+            <a:rPr lang="sv-SE" dirty="0" smtClean="0"/>
+            <a:t> </a:t>
+          </a:r>
+          <a:r>
+            <a:rPr lang="sv-SE" dirty="0" err="1" smtClean="0"/>
+            <a:t>metrics</a:t>
+          </a:r>
+          <a:endParaRPr lang="sv-SE" dirty="0"/>
+        </a:p>
+      </dgm:t>
+    </dgm:pt>
+    <dgm:pt modelId="{A7797738-648C-E84B-BEEA-E407527F6133}" type="parTrans" cxnId="{5B0E9879-B7EE-7F43-836A-334013F207AF}">
+      <dgm:prSet/>
+      <dgm:spPr/>
+      <dgm:t>
+        <a:bodyPr/>
+        <a:lstStyle/>
+        <a:p>
+          <a:endParaRPr lang="sv-SE"/>
+        </a:p>
+      </dgm:t>
+    </dgm:pt>
+    <dgm:pt modelId="{A6A5AB42-BED2-ED45-9D42-0F81DC3AFC99}" type="sibTrans" cxnId="{5B0E9879-B7EE-7F43-836A-334013F207AF}">
+      <dgm:prSet/>
+      <dgm:spPr/>
+      <dgm:t>
+        <a:bodyPr/>
+        <a:lstStyle/>
+        <a:p>
+          <a:endParaRPr lang="sv-SE"/>
+        </a:p>
+      </dgm:t>
+    </dgm:pt>
+    <dgm:pt modelId="{5040CBB7-6B79-F347-8D96-8C21AABC535A}">
+      <dgm:prSet/>
+      <dgm:spPr/>
+      <dgm:t>
+        <a:bodyPr/>
+        <a:lstStyle/>
+        <a:p>
+          <a:r>
+            <a:rPr lang="sv-SE" dirty="0" err="1" smtClean="0"/>
+            <a:t>Shared</a:t>
+          </a:r>
+          <a:r>
+            <a:rPr lang="sv-SE" dirty="0" smtClean="0"/>
+            <a:t> </a:t>
+          </a:r>
+          <a:r>
+            <a:rPr lang="sv-SE" dirty="0" err="1" smtClean="0"/>
+            <a:t>database</a:t>
+          </a:r>
+          <a:r>
+            <a:rPr lang="sv-SE" dirty="0" smtClean="0"/>
+            <a:t> per service</a:t>
+          </a:r>
+          <a:endParaRPr lang="sv-SE" dirty="0"/>
+        </a:p>
+      </dgm:t>
+    </dgm:pt>
+    <dgm:pt modelId="{CD96CB7D-C792-5044-B256-0F69152057B2}" type="parTrans" cxnId="{0F960C79-58A4-954A-B5D3-E5867F8FA9DA}">
+      <dgm:prSet/>
+      <dgm:spPr/>
+      <dgm:t>
+        <a:bodyPr/>
+        <a:lstStyle/>
+        <a:p>
+          <a:endParaRPr lang="sv-SE"/>
+        </a:p>
+      </dgm:t>
+    </dgm:pt>
+    <dgm:pt modelId="{8BE3A325-8F2E-144B-B52F-52BECA564182}" type="sibTrans" cxnId="{0F960C79-58A4-954A-B5D3-E5867F8FA9DA}">
+      <dgm:prSet/>
+      <dgm:spPr/>
+      <dgm:t>
+        <a:bodyPr/>
+        <a:lstStyle/>
+        <a:p>
+          <a:endParaRPr lang="sv-SE"/>
+        </a:p>
+      </dgm:t>
+    </dgm:pt>
+    <dgm:pt modelId="{AC94164F-EF63-8944-AB99-37867A4A2754}">
+      <dgm:prSet/>
+      <dgm:spPr/>
+      <dgm:t>
+        <a:bodyPr/>
+        <a:lstStyle/>
+        <a:p>
+          <a:r>
+            <a:rPr lang="sv-SE" dirty="0" smtClean="0"/>
+            <a:t>CQRS</a:t>
+          </a:r>
+          <a:endParaRPr lang="sv-SE" dirty="0"/>
+        </a:p>
+      </dgm:t>
+    </dgm:pt>
+    <dgm:pt modelId="{220F5BFE-174B-9B4B-A34D-0FB81B43AB04}" type="parTrans" cxnId="{426E7902-CDB5-8A44-8A9A-C6CE3392222E}">
+      <dgm:prSet/>
+      <dgm:spPr/>
+      <dgm:t>
+        <a:bodyPr/>
+        <a:lstStyle/>
+        <a:p>
+          <a:endParaRPr lang="sv-SE"/>
+        </a:p>
+      </dgm:t>
+    </dgm:pt>
+    <dgm:pt modelId="{B4922AA5-0266-B54E-893C-2BEDBDF77259}" type="sibTrans" cxnId="{426E7902-CDB5-8A44-8A9A-C6CE3392222E}">
+      <dgm:prSet/>
+      <dgm:spPr/>
+      <dgm:t>
+        <a:bodyPr/>
+        <a:lstStyle/>
+        <a:p>
+          <a:endParaRPr lang="sv-SE"/>
+        </a:p>
+      </dgm:t>
+    </dgm:pt>
+    <dgm:pt modelId="{022103AC-4018-754D-963C-B499051EFBD4}">
+      <dgm:prSet/>
+      <dgm:spPr/>
+      <dgm:t>
+        <a:bodyPr/>
+        <a:lstStyle/>
+        <a:p>
+          <a:r>
+            <a:rPr lang="sv-SE" dirty="0" smtClean="0"/>
+            <a:t>Event </a:t>
+          </a:r>
+          <a:r>
+            <a:rPr lang="sv-SE" dirty="0" err="1" smtClean="0"/>
+            <a:t>sourcing</a:t>
+          </a:r>
+          <a:endParaRPr lang="sv-SE" dirty="0"/>
+        </a:p>
+      </dgm:t>
+    </dgm:pt>
+    <dgm:pt modelId="{2E464FC8-372B-0840-9C46-AC51F9DC237D}" type="parTrans" cxnId="{15DD5196-72B1-2E40-8F57-E63A4FD18BE9}">
+      <dgm:prSet/>
+      <dgm:spPr/>
+      <dgm:t>
+        <a:bodyPr/>
+        <a:lstStyle/>
+        <a:p>
+          <a:endParaRPr lang="sv-SE"/>
+        </a:p>
+      </dgm:t>
+    </dgm:pt>
+    <dgm:pt modelId="{414A506F-D213-4341-87DB-6C6716CA128A}" type="sibTrans" cxnId="{15DD5196-72B1-2E40-8F57-E63A4FD18BE9}">
+      <dgm:prSet/>
+      <dgm:spPr/>
+      <dgm:t>
+        <a:bodyPr/>
+        <a:lstStyle/>
+        <a:p>
+          <a:endParaRPr lang="sv-SE"/>
+        </a:p>
+      </dgm:t>
+    </dgm:pt>
+    <dgm:pt modelId="{A82CACC5-F42E-064B-8E44-8B9A88624D91}">
+      <dgm:prSet/>
+      <dgm:spPr/>
+      <dgm:t>
+        <a:bodyPr/>
+        <a:lstStyle/>
+        <a:p>
+          <a:r>
+            <a:rPr lang="sv-SE" dirty="0" smtClean="0"/>
+            <a:t>Saga</a:t>
+          </a:r>
+          <a:endParaRPr lang="sv-SE" dirty="0"/>
+        </a:p>
+      </dgm:t>
+    </dgm:pt>
+    <dgm:pt modelId="{76A8FD56-8E3F-D345-8378-2FEB0F3F5A1B}" type="parTrans" cxnId="{34CDE49E-536A-0A48-9AEE-5AC06C860CF5}">
+      <dgm:prSet/>
+      <dgm:spPr/>
+      <dgm:t>
+        <a:bodyPr/>
+        <a:lstStyle/>
+        <a:p>
+          <a:endParaRPr lang="sv-SE"/>
+        </a:p>
+      </dgm:t>
+    </dgm:pt>
+    <dgm:pt modelId="{2D96D299-61EF-9F48-8B12-BD717D02CA9A}" type="sibTrans" cxnId="{34CDE49E-536A-0A48-9AEE-5AC06C860CF5}">
+      <dgm:prSet/>
+      <dgm:spPr/>
+      <dgm:t>
+        <a:bodyPr/>
+        <a:lstStyle/>
+        <a:p>
+          <a:endParaRPr lang="sv-SE"/>
+        </a:p>
+      </dgm:t>
+    </dgm:pt>
+    <dgm:pt modelId="{4A7F969D-6F85-5F49-978D-8EDB2F3FCEDA}">
+      <dgm:prSet/>
+      <dgm:spPr/>
+      <dgm:t>
+        <a:bodyPr/>
+        <a:lstStyle/>
+        <a:p>
+          <a:r>
+            <a:rPr lang="sv-SE" dirty="0" smtClean="0"/>
+            <a:t>Aggregator</a:t>
+          </a:r>
+          <a:endParaRPr lang="sv-SE" dirty="0"/>
+        </a:p>
+      </dgm:t>
+    </dgm:pt>
+    <dgm:pt modelId="{FD2CA399-C523-4A4E-90F8-D9BF87E7D3B3}" type="parTrans" cxnId="{7926F177-3C91-4445-886C-C13F1F16656F}">
+      <dgm:prSet/>
+      <dgm:spPr/>
+      <dgm:t>
+        <a:bodyPr/>
+        <a:lstStyle/>
+        <a:p>
+          <a:endParaRPr lang="sv-SE"/>
+        </a:p>
+      </dgm:t>
+    </dgm:pt>
+    <dgm:pt modelId="{5C27C758-4485-6A4E-B446-0381D4EF82FB}" type="sibTrans" cxnId="{7926F177-3C91-4445-886C-C13F1F16656F}">
+      <dgm:prSet/>
+      <dgm:spPr/>
+      <dgm:t>
+        <a:bodyPr/>
+        <a:lstStyle/>
+        <a:p>
+          <a:endParaRPr lang="sv-SE"/>
+        </a:p>
+      </dgm:t>
+    </dgm:pt>
+    <dgm:pt modelId="{04504A01-5E2C-DD43-B58C-87F73E768EBD}">
+      <dgm:prSet/>
+      <dgm:spPr/>
+      <dgm:t>
+        <a:bodyPr/>
+        <a:lstStyle/>
+        <a:p>
+          <a:r>
+            <a:rPr lang="sv-SE" dirty="0" err="1" smtClean="0"/>
+            <a:t>Chained</a:t>
+          </a:r>
+          <a:r>
+            <a:rPr lang="sv-SE" dirty="0" smtClean="0"/>
+            <a:t> </a:t>
+          </a:r>
+          <a:r>
+            <a:rPr lang="sv-SE" dirty="0" err="1" smtClean="0"/>
+            <a:t>microservie</a:t>
+          </a:r>
+          <a:endParaRPr lang="sv-SE" dirty="0"/>
+        </a:p>
+      </dgm:t>
+    </dgm:pt>
+    <dgm:pt modelId="{B5B75E05-EF80-E747-9198-DF820A337C1F}" type="parTrans" cxnId="{DEE58B18-B376-E049-95D8-2AF669CFCB45}">
+      <dgm:prSet/>
+      <dgm:spPr/>
+      <dgm:t>
+        <a:bodyPr/>
+        <a:lstStyle/>
+        <a:p>
+          <a:endParaRPr lang="sv-SE"/>
+        </a:p>
+      </dgm:t>
+    </dgm:pt>
+    <dgm:pt modelId="{4CD87961-0E8E-D442-AC26-753C370EA560}" type="sibTrans" cxnId="{DEE58B18-B376-E049-95D8-2AF669CFCB45}">
+      <dgm:prSet/>
+      <dgm:spPr/>
+      <dgm:t>
+        <a:bodyPr/>
+        <a:lstStyle/>
+        <a:p>
+          <a:endParaRPr lang="sv-SE"/>
+        </a:p>
+      </dgm:t>
+    </dgm:pt>
+    <dgm:pt modelId="{95879CAB-8A88-894F-9319-DC3D9D078ECF}">
+      <dgm:prSet/>
+      <dgm:spPr/>
+      <dgm:t>
+        <a:bodyPr/>
+        <a:lstStyle/>
+        <a:p>
+          <a:r>
+            <a:rPr lang="sv-SE" dirty="0" err="1" smtClean="0"/>
+            <a:t>Branch</a:t>
+          </a:r>
+          <a:endParaRPr lang="sv-SE" dirty="0"/>
+        </a:p>
+      </dgm:t>
+    </dgm:pt>
+    <dgm:pt modelId="{DCA3CA39-85A7-3D45-9EC0-A49266F95969}" type="parTrans" cxnId="{E63BEF6F-1C76-7F4A-A954-95D6CBD4B417}">
+      <dgm:prSet/>
+      <dgm:spPr/>
+      <dgm:t>
+        <a:bodyPr/>
+        <a:lstStyle/>
+        <a:p>
+          <a:endParaRPr lang="sv-SE"/>
+        </a:p>
+      </dgm:t>
+    </dgm:pt>
+    <dgm:pt modelId="{538182AB-42EF-F94D-8336-346BF33A0179}" type="sibTrans" cxnId="{E63BEF6F-1C76-7F4A-A954-95D6CBD4B417}">
+      <dgm:prSet/>
+      <dgm:spPr/>
+      <dgm:t>
+        <a:bodyPr/>
+        <a:lstStyle/>
+        <a:p>
+          <a:endParaRPr lang="sv-SE"/>
+        </a:p>
+      </dgm:t>
+    </dgm:pt>
+    <dgm:pt modelId="{FF2A1A52-F8A8-504F-884D-16CB55095D85}">
+      <dgm:prSet/>
+      <dgm:spPr/>
+      <dgm:t>
+        <a:bodyPr/>
+        <a:lstStyle/>
+        <a:p>
+          <a:r>
+            <a:rPr lang="sv-SE" dirty="0" err="1" smtClean="0"/>
+            <a:t>Client-side</a:t>
+          </a:r>
+          <a:r>
+            <a:rPr lang="sv-SE" dirty="0" smtClean="0"/>
+            <a:t> UI </a:t>
+          </a:r>
+          <a:r>
+            <a:rPr lang="sv-SE" dirty="0" err="1" smtClean="0"/>
+            <a:t>composition</a:t>
+          </a:r>
+          <a:endParaRPr lang="sv-SE" dirty="0"/>
+        </a:p>
+      </dgm:t>
+    </dgm:pt>
+    <dgm:pt modelId="{DDD61991-06ED-1545-BA21-EDD6F9D3A5AE}" type="parTrans" cxnId="{DE95DFEC-24E5-A042-8EC2-D56A28F7A7D7}">
+      <dgm:prSet/>
+      <dgm:spPr/>
+      <dgm:t>
+        <a:bodyPr/>
+        <a:lstStyle/>
+        <a:p>
+          <a:endParaRPr lang="sv-SE"/>
+        </a:p>
+      </dgm:t>
+    </dgm:pt>
+    <dgm:pt modelId="{F98D55F2-7ECB-9047-B3EC-CA9CBADD6D87}" type="sibTrans" cxnId="{DE95DFEC-24E5-A042-8EC2-D56A28F7A7D7}">
+      <dgm:prSet/>
+      <dgm:spPr/>
+      <dgm:t>
+        <a:bodyPr/>
+        <a:lstStyle/>
+        <a:p>
+          <a:endParaRPr lang="sv-SE"/>
+        </a:p>
+      </dgm:t>
+    </dgm:pt>
+    <dgm:pt modelId="{433D4762-2E07-5742-ACA9-3719AED32337}" type="pres">
+      <dgm:prSet presAssocID="{8C9E4BFF-CAB2-CA4B-AC38-169F97ACE085}" presName="diagram" presStyleCnt="0">
+        <dgm:presLayoutVars>
+          <dgm:chPref val="1"/>
+          <dgm:dir/>
+          <dgm:animOne val="branch"/>
+          <dgm:animLvl val="lvl"/>
+          <dgm:resizeHandles/>
+        </dgm:presLayoutVars>
+      </dgm:prSet>
+      <dgm:spPr/>
+    </dgm:pt>
+    <dgm:pt modelId="{226D57C1-439F-8049-B9EE-BB4CC1B2BA0E}" type="pres">
+      <dgm:prSet presAssocID="{BC2F6A9C-7E11-8843-909C-7524AC24EF74}" presName="root" presStyleCnt="0"/>
+      <dgm:spPr/>
+    </dgm:pt>
+    <dgm:pt modelId="{6E0D68F9-5B36-7C47-A238-634E6E8EDD0C}" type="pres">
+      <dgm:prSet presAssocID="{BC2F6A9C-7E11-8843-909C-7524AC24EF74}" presName="rootComposite" presStyleCnt="0"/>
+      <dgm:spPr/>
+    </dgm:pt>
+    <dgm:pt modelId="{599F2041-C41F-E94A-B236-37C277C718DA}" type="pres">
+      <dgm:prSet presAssocID="{BC2F6A9C-7E11-8843-909C-7524AC24EF74}" presName="rootText" presStyleLbl="node1" presStyleIdx="0" presStyleCnt="5"/>
+      <dgm:spPr/>
+    </dgm:pt>
+    <dgm:pt modelId="{3C079137-847C-034A-9689-46F4555D1345}" type="pres">
+      <dgm:prSet presAssocID="{BC2F6A9C-7E11-8843-909C-7524AC24EF74}" presName="rootConnector" presStyleLbl="node1" presStyleIdx="0" presStyleCnt="5"/>
+      <dgm:spPr/>
+    </dgm:pt>
+    <dgm:pt modelId="{FF789B8E-20F0-9641-AAC8-D3B60800E88A}" type="pres">
+      <dgm:prSet presAssocID="{BC2F6A9C-7E11-8843-909C-7524AC24EF74}" presName="childShape" presStyleCnt="0"/>
+      <dgm:spPr/>
+    </dgm:pt>
+    <dgm:pt modelId="{E86BDBCE-28FF-1442-A35E-A17F0344C8AB}" type="pres">
+      <dgm:prSet presAssocID="{4796CC2A-072E-3B48-B1CE-3CEA109564D7}" presName="Name13" presStyleLbl="parChTrans1D2" presStyleIdx="0" presStyleCnt="19"/>
+      <dgm:spPr/>
+    </dgm:pt>
+    <dgm:pt modelId="{AAF27C23-627A-714A-8558-F43E4B9B12E1}" type="pres">
+      <dgm:prSet presAssocID="{6B033119-D868-E847-9A36-49EE32C4D92D}" presName="childText" presStyleLbl="bgAcc1" presStyleIdx="0" presStyleCnt="19">
+        <dgm:presLayoutVars>
+          <dgm:bulletEnabled val="1"/>
+        </dgm:presLayoutVars>
+      </dgm:prSet>
+      <dgm:spPr/>
+    </dgm:pt>
+    <dgm:pt modelId="{11B5191D-9A3C-3442-B2EA-8D6606FEEB9B}" type="pres">
+      <dgm:prSet presAssocID="{30F79B44-4175-0447-9B90-DC48F80634AA}" presName="root" presStyleCnt="0"/>
+      <dgm:spPr/>
+    </dgm:pt>
+    <dgm:pt modelId="{9F20D259-8F4D-E440-B008-9BDF6067AB83}" type="pres">
+      <dgm:prSet presAssocID="{30F79B44-4175-0447-9B90-DC48F80634AA}" presName="rootComposite" presStyleCnt="0"/>
+      <dgm:spPr/>
+    </dgm:pt>
+    <dgm:pt modelId="{4C6483A4-C398-1447-8656-C8DB469EB102}" type="pres">
+      <dgm:prSet presAssocID="{30F79B44-4175-0447-9B90-DC48F80634AA}" presName="rootText" presStyleLbl="node1" presStyleIdx="1" presStyleCnt="5"/>
+      <dgm:spPr/>
+    </dgm:pt>
+    <dgm:pt modelId="{E2EAF38F-076D-D24F-87D9-BF7AEC7F2E3A}" type="pres">
+      <dgm:prSet presAssocID="{30F79B44-4175-0447-9B90-DC48F80634AA}" presName="rootConnector" presStyleLbl="node1" presStyleIdx="1" presStyleCnt="5"/>
+      <dgm:spPr/>
+    </dgm:pt>
+    <dgm:pt modelId="{AE992D56-AD6F-9D4C-9787-EF910296ACD7}" type="pres">
+      <dgm:prSet presAssocID="{30F79B44-4175-0447-9B90-DC48F80634AA}" presName="childShape" presStyleCnt="0"/>
+      <dgm:spPr/>
+    </dgm:pt>
+    <dgm:pt modelId="{AB3E1156-5BE7-A741-9F25-24C31315604D}" type="pres">
+      <dgm:prSet presAssocID="{1BEB4DB2-F3AF-0948-A45F-7A3E4C5D3309}" presName="Name13" presStyleLbl="parChTrans1D2" presStyleIdx="1" presStyleCnt="19"/>
+      <dgm:spPr/>
+    </dgm:pt>
+    <dgm:pt modelId="{4286BA54-4F69-D546-AF73-7A636A163BB1}" type="pres">
+      <dgm:prSet presAssocID="{95C153EA-CEC5-8E46-BDD0-FF1F5F5D8946}" presName="childText" presStyleLbl="bgAcc1" presStyleIdx="1" presStyleCnt="19">
+        <dgm:presLayoutVars>
+          <dgm:bulletEnabled val="1"/>
+        </dgm:presLayoutVars>
+      </dgm:prSet>
+      <dgm:spPr/>
+      <dgm:t>
+        <a:bodyPr/>
+        <a:lstStyle/>
+        <a:p>
+          <a:endParaRPr lang="sv-SE"/>
+        </a:p>
+      </dgm:t>
+    </dgm:pt>
+    <dgm:pt modelId="{DE746AC9-2AA2-414F-B619-959704074796}" type="pres">
+      <dgm:prSet presAssocID="{FD2CA399-C523-4A4E-90F8-D9BF87E7D3B3}" presName="Name13" presStyleLbl="parChTrans1D2" presStyleIdx="2" presStyleCnt="19"/>
+      <dgm:spPr/>
+    </dgm:pt>
+    <dgm:pt modelId="{C898A761-BEEA-B648-B14B-06DEACEE0937}" type="pres">
+      <dgm:prSet presAssocID="{4A7F969D-6F85-5F49-978D-8EDB2F3FCEDA}" presName="childText" presStyleLbl="bgAcc1" presStyleIdx="2" presStyleCnt="19">
+        <dgm:presLayoutVars>
+          <dgm:bulletEnabled val="1"/>
+        </dgm:presLayoutVars>
+      </dgm:prSet>
+      <dgm:spPr/>
+    </dgm:pt>
+    <dgm:pt modelId="{D703E236-A92B-2049-94C4-5A5BF4D4DC16}" type="pres">
+      <dgm:prSet presAssocID="{B5B75E05-EF80-E747-9198-DF820A337C1F}" presName="Name13" presStyleLbl="parChTrans1D2" presStyleIdx="3" presStyleCnt="19"/>
+      <dgm:spPr/>
+    </dgm:pt>
+    <dgm:pt modelId="{054436DC-02A9-5043-9BB8-977BD5DF1A2F}" type="pres">
+      <dgm:prSet presAssocID="{04504A01-5E2C-DD43-B58C-87F73E768EBD}" presName="childText" presStyleLbl="bgAcc1" presStyleIdx="3" presStyleCnt="19">
+        <dgm:presLayoutVars>
+          <dgm:bulletEnabled val="1"/>
+        </dgm:presLayoutVars>
+      </dgm:prSet>
+      <dgm:spPr/>
+    </dgm:pt>
+    <dgm:pt modelId="{AE72C6B8-52CF-5849-BE39-8F0F949C6428}" type="pres">
+      <dgm:prSet presAssocID="{DCA3CA39-85A7-3D45-9EC0-A49266F95969}" presName="Name13" presStyleLbl="parChTrans1D2" presStyleIdx="4" presStyleCnt="19"/>
+      <dgm:spPr/>
+    </dgm:pt>
+    <dgm:pt modelId="{BF27FAB3-9E94-E24B-9966-C37C7445823C}" type="pres">
+      <dgm:prSet presAssocID="{95879CAB-8A88-894F-9319-DC3D9D078ECF}" presName="childText" presStyleLbl="bgAcc1" presStyleIdx="4" presStyleCnt="19">
+        <dgm:presLayoutVars>
+          <dgm:bulletEnabled val="1"/>
+        </dgm:presLayoutVars>
+      </dgm:prSet>
+      <dgm:spPr/>
+    </dgm:pt>
+    <dgm:pt modelId="{677D1732-88D3-704D-9669-242C49F71D92}" type="pres">
+      <dgm:prSet presAssocID="{DDD61991-06ED-1545-BA21-EDD6F9D3A5AE}" presName="Name13" presStyleLbl="parChTrans1D2" presStyleIdx="5" presStyleCnt="19"/>
+      <dgm:spPr/>
+    </dgm:pt>
+    <dgm:pt modelId="{9B120F63-1ED7-FC4E-8A4C-FA030E659E54}" type="pres">
+      <dgm:prSet presAssocID="{FF2A1A52-F8A8-504F-884D-16CB55095D85}" presName="childText" presStyleLbl="bgAcc1" presStyleIdx="5" presStyleCnt="19">
+        <dgm:presLayoutVars>
+          <dgm:bulletEnabled val="1"/>
+        </dgm:presLayoutVars>
+      </dgm:prSet>
+      <dgm:spPr/>
+    </dgm:pt>
+    <dgm:pt modelId="{CBB1DDDB-C7A0-B34D-B354-C38F6E16C712}" type="pres">
+      <dgm:prSet presAssocID="{C3B3EE29-7650-D847-BF0E-56E004971D9E}" presName="root" presStyleCnt="0"/>
+      <dgm:spPr/>
+    </dgm:pt>
+    <dgm:pt modelId="{3D6ED661-DB27-284B-BE2A-DBC9060A1530}" type="pres">
+      <dgm:prSet presAssocID="{C3B3EE29-7650-D847-BF0E-56E004971D9E}" presName="rootComposite" presStyleCnt="0"/>
+      <dgm:spPr/>
+    </dgm:pt>
+    <dgm:pt modelId="{5A1B82EF-2272-0B4E-87A7-1F6DD399FF18}" type="pres">
+      <dgm:prSet presAssocID="{C3B3EE29-7650-D847-BF0E-56E004971D9E}" presName="rootText" presStyleLbl="node1" presStyleIdx="2" presStyleCnt="5"/>
+      <dgm:spPr/>
+    </dgm:pt>
+    <dgm:pt modelId="{7991F218-6410-894C-AACB-8A4F29049695}" type="pres">
+      <dgm:prSet presAssocID="{C3B3EE29-7650-D847-BF0E-56E004971D9E}" presName="rootConnector" presStyleLbl="node1" presStyleIdx="2" presStyleCnt="5"/>
+      <dgm:spPr/>
+    </dgm:pt>
+    <dgm:pt modelId="{EC8637DF-1FEB-C44C-91E3-11EBF02A1201}" type="pres">
+      <dgm:prSet presAssocID="{C3B3EE29-7650-D847-BF0E-56E004971D9E}" presName="childShape" presStyleCnt="0"/>
+      <dgm:spPr/>
+    </dgm:pt>
+    <dgm:pt modelId="{847A49F8-2D89-9044-B496-3261551FA8D4}" type="pres">
+      <dgm:prSet presAssocID="{69269003-88C9-1E45-86D9-81A038AB06BB}" presName="Name13" presStyleLbl="parChTrans1D2" presStyleIdx="6" presStyleCnt="19"/>
+      <dgm:spPr/>
+    </dgm:pt>
+    <dgm:pt modelId="{FA6C4AE9-1911-5845-9F25-DE14F676416A}" type="pres">
+      <dgm:prSet presAssocID="{DB86642D-4804-CC40-BD23-A4F83DF5F0C5}" presName="childText" presStyleLbl="bgAcc1" presStyleIdx="6" presStyleCnt="19">
+        <dgm:presLayoutVars>
+          <dgm:bulletEnabled val="1"/>
+        </dgm:presLayoutVars>
+      </dgm:prSet>
+      <dgm:spPr/>
+    </dgm:pt>
+    <dgm:pt modelId="{C7218F20-992C-144C-8D56-AADBEAC09C56}" type="pres">
+      <dgm:prSet presAssocID="{CD96CB7D-C792-5044-B256-0F69152057B2}" presName="Name13" presStyleLbl="parChTrans1D2" presStyleIdx="7" presStyleCnt="19"/>
+      <dgm:spPr/>
+    </dgm:pt>
+    <dgm:pt modelId="{8D712520-BFF8-344F-81A1-47936F22B863}" type="pres">
+      <dgm:prSet presAssocID="{5040CBB7-6B79-F347-8D96-8C21AABC535A}" presName="childText" presStyleLbl="bgAcc1" presStyleIdx="7" presStyleCnt="19">
+        <dgm:presLayoutVars>
+          <dgm:bulletEnabled val="1"/>
+        </dgm:presLayoutVars>
+      </dgm:prSet>
+      <dgm:spPr/>
+    </dgm:pt>
+    <dgm:pt modelId="{FF6E5BDC-A960-F24A-B954-4486C9D91F66}" type="pres">
+      <dgm:prSet presAssocID="{220F5BFE-174B-9B4B-A34D-0FB81B43AB04}" presName="Name13" presStyleLbl="parChTrans1D2" presStyleIdx="8" presStyleCnt="19"/>
+      <dgm:spPr/>
+    </dgm:pt>
+    <dgm:pt modelId="{D062EF39-DAC3-2140-BDB2-1D18C68FB8BA}" type="pres">
+      <dgm:prSet presAssocID="{AC94164F-EF63-8944-AB99-37867A4A2754}" presName="childText" presStyleLbl="bgAcc1" presStyleIdx="8" presStyleCnt="19">
+        <dgm:presLayoutVars>
+          <dgm:bulletEnabled val="1"/>
+        </dgm:presLayoutVars>
+      </dgm:prSet>
+      <dgm:spPr/>
+    </dgm:pt>
+    <dgm:pt modelId="{999A89F6-D06D-8948-BFEB-63BAC2CD1842}" type="pres">
+      <dgm:prSet presAssocID="{2E464FC8-372B-0840-9C46-AC51F9DC237D}" presName="Name13" presStyleLbl="parChTrans1D2" presStyleIdx="9" presStyleCnt="19"/>
+      <dgm:spPr/>
+    </dgm:pt>
+    <dgm:pt modelId="{790F802C-CF3A-AC42-BDC8-AA98AE54F2C0}" type="pres">
+      <dgm:prSet presAssocID="{022103AC-4018-754D-963C-B499051EFBD4}" presName="childText" presStyleLbl="bgAcc1" presStyleIdx="9" presStyleCnt="19">
+        <dgm:presLayoutVars>
+          <dgm:bulletEnabled val="1"/>
+        </dgm:presLayoutVars>
+      </dgm:prSet>
+      <dgm:spPr/>
+    </dgm:pt>
+    <dgm:pt modelId="{A785FC01-3D4C-D74E-9B94-73FB2BCCB0DE}" type="pres">
+      <dgm:prSet presAssocID="{76A8FD56-8E3F-D345-8378-2FEB0F3F5A1B}" presName="Name13" presStyleLbl="parChTrans1D2" presStyleIdx="10" presStyleCnt="19"/>
+      <dgm:spPr/>
+    </dgm:pt>
+    <dgm:pt modelId="{FB581FAE-4DD0-6046-B963-E5390C8095FF}" type="pres">
+      <dgm:prSet presAssocID="{A82CACC5-F42E-064B-8E44-8B9A88624D91}" presName="childText" presStyleLbl="bgAcc1" presStyleIdx="10" presStyleCnt="19">
+        <dgm:presLayoutVars>
+          <dgm:bulletEnabled val="1"/>
+        </dgm:presLayoutVars>
+      </dgm:prSet>
+      <dgm:spPr/>
+    </dgm:pt>
+    <dgm:pt modelId="{3485C4A5-3DDE-BE41-950B-88E420D62F55}" type="pres">
+      <dgm:prSet presAssocID="{3B9DD3ED-2748-EF49-8D8F-59F1BD233C77}" presName="root" presStyleCnt="0"/>
+      <dgm:spPr/>
+    </dgm:pt>
+    <dgm:pt modelId="{CAA14799-5D5E-B647-89C7-65D170DE167F}" type="pres">
+      <dgm:prSet presAssocID="{3B9DD3ED-2748-EF49-8D8F-59F1BD233C77}" presName="rootComposite" presStyleCnt="0"/>
+      <dgm:spPr/>
+    </dgm:pt>
+    <dgm:pt modelId="{CA79BDC7-9524-9D4A-8350-EEF56E4E5D3E}" type="pres">
+      <dgm:prSet presAssocID="{3B9DD3ED-2748-EF49-8D8F-59F1BD233C77}" presName="rootText" presStyleLbl="node1" presStyleIdx="3" presStyleCnt="5"/>
+      <dgm:spPr/>
+    </dgm:pt>
+    <dgm:pt modelId="{51B69B03-36BA-1745-9EBC-3C5522849354}" type="pres">
+      <dgm:prSet presAssocID="{3B9DD3ED-2748-EF49-8D8F-59F1BD233C77}" presName="rootConnector" presStyleLbl="node1" presStyleIdx="3" presStyleCnt="5"/>
+      <dgm:spPr/>
+    </dgm:pt>
+    <dgm:pt modelId="{D8A16D2D-1814-2F48-ADAB-09D995CC53FD}" type="pres">
+      <dgm:prSet presAssocID="{3B9DD3ED-2748-EF49-8D8F-59F1BD233C77}" presName="childShape" presStyleCnt="0"/>
+      <dgm:spPr/>
+    </dgm:pt>
+    <dgm:pt modelId="{0EB9291A-2FC5-AF4E-A7DC-0C56AD37184D}" type="pres">
+      <dgm:prSet presAssocID="{C1E20CDE-4D7D-574E-8B98-EEBFB9DC0575}" presName="Name13" presStyleLbl="parChTrans1D2" presStyleIdx="11" presStyleCnt="19"/>
+      <dgm:spPr/>
+    </dgm:pt>
+    <dgm:pt modelId="{9DC8DFF7-5DC9-5349-B7E6-4A8ADC2EE825}" type="pres">
+      <dgm:prSet presAssocID="{581C3FA8-5094-734C-A750-7E3C676F4D38}" presName="childText" presStyleLbl="bgAcc1" presStyleIdx="11" presStyleCnt="19">
+        <dgm:presLayoutVars>
+          <dgm:bulletEnabled val="1"/>
+        </dgm:presLayoutVars>
+      </dgm:prSet>
+      <dgm:spPr/>
+    </dgm:pt>
+    <dgm:pt modelId="{55A9E830-5180-9245-B419-D704E253EB8D}" type="pres">
+      <dgm:prSet presAssocID="{7BAA9D93-6076-1343-865C-57642284A013}" presName="Name13" presStyleLbl="parChTrans1D2" presStyleIdx="12" presStyleCnt="19"/>
+      <dgm:spPr/>
+    </dgm:pt>
+    <dgm:pt modelId="{EE0B15EE-A370-F14D-B2CE-AC4BF45DF5E3}" type="pres">
+      <dgm:prSet presAssocID="{E4974165-44D4-E343-B37A-06932FBD8C78}" presName="childText" presStyleLbl="bgAcc1" presStyleIdx="12" presStyleCnt="19">
+        <dgm:presLayoutVars>
+          <dgm:bulletEnabled val="1"/>
+        </dgm:presLayoutVars>
+      </dgm:prSet>
+      <dgm:spPr/>
+      <dgm:t>
+        <a:bodyPr/>
+        <a:lstStyle/>
+        <a:p>
+          <a:endParaRPr lang="sv-SE"/>
+        </a:p>
+      </dgm:t>
+    </dgm:pt>
+    <dgm:pt modelId="{7C3221A8-FE6C-8A44-A30C-ABC2FB33B0D1}" type="pres">
+      <dgm:prSet presAssocID="{350A6079-297C-044C-B7DC-7FB116CFBE24}" presName="Name13" presStyleLbl="parChTrans1D2" presStyleIdx="13" presStyleCnt="19"/>
+      <dgm:spPr/>
+    </dgm:pt>
+    <dgm:pt modelId="{A8A72C08-E272-1C4B-A67A-4AF5CBEADE6C}" type="pres">
+      <dgm:prSet presAssocID="{CED99F05-BCAE-EF45-A3E1-044495CA744A}" presName="childText" presStyleLbl="bgAcc1" presStyleIdx="13" presStyleCnt="19">
+        <dgm:presLayoutVars>
+          <dgm:bulletEnabled val="1"/>
+        </dgm:presLayoutVars>
+      </dgm:prSet>
+      <dgm:spPr/>
+    </dgm:pt>
+    <dgm:pt modelId="{E4DF5847-9D80-BA4A-B9EA-744D6827D637}" type="pres">
+      <dgm:prSet presAssocID="{A7797738-648C-E84B-BEEA-E407527F6133}" presName="Name13" presStyleLbl="parChTrans1D2" presStyleIdx="14" presStyleCnt="19"/>
+      <dgm:spPr/>
+    </dgm:pt>
+    <dgm:pt modelId="{260D9F0C-556A-E54D-95B8-9FE74908E1AF}" type="pres">
+      <dgm:prSet presAssocID="{12D85FD8-D8E8-AB40-8D73-5FF52F46408E}" presName="childText" presStyleLbl="bgAcc1" presStyleIdx="14" presStyleCnt="19">
+        <dgm:presLayoutVars>
+          <dgm:bulletEnabled val="1"/>
+        </dgm:presLayoutVars>
+      </dgm:prSet>
+      <dgm:spPr/>
+    </dgm:pt>
+    <dgm:pt modelId="{3C824867-2824-B14D-A1AB-BFA483D9927E}" type="pres">
+      <dgm:prSet presAssocID="{AB2D4FFB-420B-3B48-A8DD-09165EDEA661}" presName="root" presStyleCnt="0"/>
+      <dgm:spPr/>
+    </dgm:pt>
+    <dgm:pt modelId="{21E11B1B-D3C3-B843-86F2-0106247649B6}" type="pres">
+      <dgm:prSet presAssocID="{AB2D4FFB-420B-3B48-A8DD-09165EDEA661}" presName="rootComposite" presStyleCnt="0"/>
+      <dgm:spPr/>
+    </dgm:pt>
+    <dgm:pt modelId="{B8A017BA-55B1-4447-A97A-4D5EC8FEBF7D}" type="pres">
+      <dgm:prSet presAssocID="{AB2D4FFB-420B-3B48-A8DD-09165EDEA661}" presName="rootText" presStyleLbl="node1" presStyleIdx="4" presStyleCnt="5"/>
+      <dgm:spPr/>
+    </dgm:pt>
+    <dgm:pt modelId="{706E8076-A3D6-5149-ACD8-9B0437D17472}" type="pres">
+      <dgm:prSet presAssocID="{AB2D4FFB-420B-3B48-A8DD-09165EDEA661}" presName="rootConnector" presStyleLbl="node1" presStyleIdx="4" presStyleCnt="5"/>
+      <dgm:spPr/>
+    </dgm:pt>
+    <dgm:pt modelId="{386FC1F7-BC92-814A-BF06-9AABB9AAB537}" type="pres">
+      <dgm:prSet presAssocID="{AB2D4FFB-420B-3B48-A8DD-09165EDEA661}" presName="childShape" presStyleCnt="0"/>
+      <dgm:spPr/>
+    </dgm:pt>
+    <dgm:pt modelId="{A2FB4E40-6805-9147-822B-0F18CE1F2DA3}" type="pres">
+      <dgm:prSet presAssocID="{9EA4F0D8-AFB8-9C4F-AD38-D863EB144B49}" presName="Name13" presStyleLbl="parChTrans1D2" presStyleIdx="15" presStyleCnt="19"/>
+      <dgm:spPr/>
+    </dgm:pt>
+    <dgm:pt modelId="{DBA91A91-B818-024E-BFD5-B77629F9E05E}" type="pres">
+      <dgm:prSet presAssocID="{1C2BF606-7889-884D-B2C3-8F4329B41B6F}" presName="childText" presStyleLbl="bgAcc1" presStyleIdx="15" presStyleCnt="19">
+        <dgm:presLayoutVars>
+          <dgm:bulletEnabled val="1"/>
+        </dgm:presLayoutVars>
+      </dgm:prSet>
+      <dgm:spPr/>
+    </dgm:pt>
+    <dgm:pt modelId="{60F5DC4F-591F-5E4D-B152-59F99353A982}" type="pres">
+      <dgm:prSet presAssocID="{E2B9DE80-792B-784C-AC7B-89F49D669051}" presName="Name13" presStyleLbl="parChTrans1D2" presStyleIdx="16" presStyleCnt="19"/>
+      <dgm:spPr/>
+    </dgm:pt>
+    <dgm:pt modelId="{6273F139-0EB5-B34A-A43D-3760CF98B48F}" type="pres">
+      <dgm:prSet presAssocID="{01EBFDE8-C378-7F4C-BD98-554284A0E5C9}" presName="childText" presStyleLbl="bgAcc1" presStyleIdx="16" presStyleCnt="19">
+        <dgm:presLayoutVars>
+          <dgm:bulletEnabled val="1"/>
+        </dgm:presLayoutVars>
+      </dgm:prSet>
+      <dgm:spPr/>
+    </dgm:pt>
+    <dgm:pt modelId="{5B681BFB-1A66-6741-A8B8-2D3628CA9A62}" type="pres">
+      <dgm:prSet presAssocID="{1F97262F-6ACA-1540-A7D7-FBA3F6A00267}" presName="Name13" presStyleLbl="parChTrans1D2" presStyleIdx="17" presStyleCnt="19"/>
+      <dgm:spPr/>
+    </dgm:pt>
+    <dgm:pt modelId="{58979EEC-3B5B-7345-81E9-57F17AB95FC4}" type="pres">
+      <dgm:prSet presAssocID="{90065FB4-1826-9C42-A95D-E5205B0D2A21}" presName="childText" presStyleLbl="bgAcc1" presStyleIdx="17" presStyleCnt="19">
+        <dgm:presLayoutVars>
+          <dgm:bulletEnabled val="1"/>
+        </dgm:presLayoutVars>
+      </dgm:prSet>
+      <dgm:spPr/>
+    </dgm:pt>
+    <dgm:pt modelId="{AFCA6584-A1E7-C34D-B5E7-B2A61CD0DFE6}" type="pres">
+      <dgm:prSet presAssocID="{2689F9CB-6E19-B94F-B118-EE4267CE3DC1}" presName="Name13" presStyleLbl="parChTrans1D2" presStyleIdx="18" presStyleCnt="19"/>
+      <dgm:spPr/>
+    </dgm:pt>
+    <dgm:pt modelId="{B7913CDF-40BE-4340-A439-C97A306A7920}" type="pres">
+      <dgm:prSet presAssocID="{E3D77634-0B74-7F49-AED8-EB4E87F0AE16}" presName="childText" presStyleLbl="bgAcc1" presStyleIdx="18" presStyleCnt="19">
+        <dgm:presLayoutVars>
+          <dgm:bulletEnabled val="1"/>
+        </dgm:presLayoutVars>
+      </dgm:prSet>
+      <dgm:spPr/>
+    </dgm:pt>
+  </dgm:ptLst>
+  <dgm:cxnLst>
+    <dgm:cxn modelId="{7A182209-DCCE-DC41-AD18-B1C6E5068FBB}" type="presOf" srcId="{BC2F6A9C-7E11-8843-909C-7524AC24EF74}" destId="{599F2041-C41F-E94A-B236-37C277C718DA}" srcOrd="0" destOrd="0" presId="urn:microsoft.com/office/officeart/2005/8/layout/hierarchy3"/>
+    <dgm:cxn modelId="{84E04D9C-ED46-5647-B55C-A250275DA983}" type="presOf" srcId="{350A6079-297C-044C-B7DC-7FB116CFBE24}" destId="{7C3221A8-FE6C-8A44-A30C-ABC2FB33B0D1}" srcOrd="0" destOrd="0" presId="urn:microsoft.com/office/officeart/2005/8/layout/hierarchy3"/>
+    <dgm:cxn modelId="{C7A46ACB-F940-034C-9E36-ED24A0AEE97A}" type="presOf" srcId="{12D85FD8-D8E8-AB40-8D73-5FF52F46408E}" destId="{260D9F0C-556A-E54D-95B8-9FE74908E1AF}" srcOrd="0" destOrd="0" presId="urn:microsoft.com/office/officeart/2005/8/layout/hierarchy3"/>
+    <dgm:cxn modelId="{38E032A6-DB6B-ED44-9819-328699F96936}" srcId="{BC2F6A9C-7E11-8843-909C-7524AC24EF74}" destId="{6B033119-D868-E847-9A36-49EE32C4D92D}" srcOrd="0" destOrd="0" parTransId="{4796CC2A-072E-3B48-B1CE-3CEA109564D7}" sibTransId="{5BE100CC-4AF5-F242-B20F-5EC8D82C6022}"/>
+    <dgm:cxn modelId="{78E0F2D9-66D1-6A4A-B2C4-CDDD36B5D65E}" srcId="{C3B3EE29-7650-D847-BF0E-56E004971D9E}" destId="{DB86642D-4804-CC40-BD23-A4F83DF5F0C5}" srcOrd="0" destOrd="0" parTransId="{69269003-88C9-1E45-86D9-81A038AB06BB}" sibTransId="{E32880CE-F665-C843-A53E-1A85189ECC70}"/>
+    <dgm:cxn modelId="{E5C5F216-6083-B24E-B64B-86AB45715D0B}" type="presOf" srcId="{5040CBB7-6B79-F347-8D96-8C21AABC535A}" destId="{8D712520-BFF8-344F-81A1-47936F22B863}" srcOrd="0" destOrd="0" presId="urn:microsoft.com/office/officeart/2005/8/layout/hierarchy3"/>
+    <dgm:cxn modelId="{FE700C19-B1A9-FB4E-BE86-C63F81D8D851}" srcId="{8C9E4BFF-CAB2-CA4B-AC38-169F97ACE085}" destId="{3B9DD3ED-2748-EF49-8D8F-59F1BD233C77}" srcOrd="3" destOrd="0" parTransId="{5451993E-F53E-8641-923A-5B03E2891BF3}" sibTransId="{64FC6623-249D-4043-9F64-66BAE1C720A8}"/>
+    <dgm:cxn modelId="{426E7902-CDB5-8A44-8A9A-C6CE3392222E}" srcId="{C3B3EE29-7650-D847-BF0E-56E004971D9E}" destId="{AC94164F-EF63-8944-AB99-37867A4A2754}" srcOrd="2" destOrd="0" parTransId="{220F5BFE-174B-9B4B-A34D-0FB81B43AB04}" sibTransId="{B4922AA5-0266-B54E-893C-2BEDBDF77259}"/>
+    <dgm:cxn modelId="{217EE38C-1B2E-4443-871C-0A6E2C1C8F6D}" type="presOf" srcId="{6B033119-D868-E847-9A36-49EE32C4D92D}" destId="{AAF27C23-627A-714A-8558-F43E4B9B12E1}" srcOrd="0" destOrd="0" presId="urn:microsoft.com/office/officeart/2005/8/layout/hierarchy3"/>
+    <dgm:cxn modelId="{A4DF8CDF-AB75-DE41-B761-FA052C0EC3FF}" type="presOf" srcId="{01EBFDE8-C378-7F4C-BD98-554284A0E5C9}" destId="{6273F139-0EB5-B34A-A43D-3760CF98B48F}" srcOrd="0" destOrd="0" presId="urn:microsoft.com/office/officeart/2005/8/layout/hierarchy3"/>
+    <dgm:cxn modelId="{195E497E-29DE-C34D-9C91-55395ED6805E}" type="presOf" srcId="{C3B3EE29-7650-D847-BF0E-56E004971D9E}" destId="{7991F218-6410-894C-AACB-8A4F29049695}" srcOrd="1" destOrd="0" presId="urn:microsoft.com/office/officeart/2005/8/layout/hierarchy3"/>
+    <dgm:cxn modelId="{DEE58B18-B376-E049-95D8-2AF669CFCB45}" srcId="{30F79B44-4175-0447-9B90-DC48F80634AA}" destId="{04504A01-5E2C-DD43-B58C-87F73E768EBD}" srcOrd="2" destOrd="0" parTransId="{B5B75E05-EF80-E747-9198-DF820A337C1F}" sibTransId="{4CD87961-0E8E-D442-AC26-753C370EA560}"/>
+    <dgm:cxn modelId="{89E42E94-887B-6648-B120-F09C1C1859CF}" type="presOf" srcId="{8C9E4BFF-CAB2-CA4B-AC38-169F97ACE085}" destId="{433D4762-2E07-5742-ACA9-3719AED32337}" srcOrd="0" destOrd="0" presId="urn:microsoft.com/office/officeart/2005/8/layout/hierarchy3"/>
+    <dgm:cxn modelId="{34CDE49E-536A-0A48-9AEE-5AC06C860CF5}" srcId="{C3B3EE29-7650-D847-BF0E-56E004971D9E}" destId="{A82CACC5-F42E-064B-8E44-8B9A88624D91}" srcOrd="4" destOrd="0" parTransId="{76A8FD56-8E3F-D345-8378-2FEB0F3F5A1B}" sibTransId="{2D96D299-61EF-9F48-8B12-BD717D02CA9A}"/>
+    <dgm:cxn modelId="{7926F177-3C91-4445-886C-C13F1F16656F}" srcId="{30F79B44-4175-0447-9B90-DC48F80634AA}" destId="{4A7F969D-6F85-5F49-978D-8EDB2F3FCEDA}" srcOrd="1" destOrd="0" parTransId="{FD2CA399-C523-4A4E-90F8-D9BF87E7D3B3}" sibTransId="{5C27C758-4485-6A4E-B446-0381D4EF82FB}"/>
+    <dgm:cxn modelId="{C6EBF69F-0BE3-5445-8819-803C9EA67451}" srcId="{AB2D4FFB-420B-3B48-A8DD-09165EDEA661}" destId="{90065FB4-1826-9C42-A95D-E5205B0D2A21}" srcOrd="2" destOrd="0" parTransId="{1F97262F-6ACA-1540-A7D7-FBA3F6A00267}" sibTransId="{3CC6AE1A-D232-654F-A902-07177FE8D332}"/>
+    <dgm:cxn modelId="{2A4D186A-1E8F-AB47-80F2-AB5536D3D539}" type="presOf" srcId="{04504A01-5E2C-DD43-B58C-87F73E768EBD}" destId="{054436DC-02A9-5043-9BB8-977BD5DF1A2F}" srcOrd="0" destOrd="0" presId="urn:microsoft.com/office/officeart/2005/8/layout/hierarchy3"/>
+    <dgm:cxn modelId="{138D2E8A-A7DE-C749-B256-255F837C9B26}" srcId="{8C9E4BFF-CAB2-CA4B-AC38-169F97ACE085}" destId="{BC2F6A9C-7E11-8843-909C-7524AC24EF74}" srcOrd="0" destOrd="0" parTransId="{E74EE543-CA04-F145-8C2C-973726CF888D}" sibTransId="{304072C6-D50F-E241-9949-5D2E6D6A45A6}"/>
+    <dgm:cxn modelId="{F78094B3-029B-734D-B2B3-0692BD59B355}" type="presOf" srcId="{AB2D4FFB-420B-3B48-A8DD-09165EDEA661}" destId="{B8A017BA-55B1-4447-A97A-4D5EC8FEBF7D}" srcOrd="0" destOrd="0" presId="urn:microsoft.com/office/officeart/2005/8/layout/hierarchy3"/>
+    <dgm:cxn modelId="{03657F31-1B6D-364D-B4A7-E287E4626D50}" type="presOf" srcId="{BC2F6A9C-7E11-8843-909C-7524AC24EF74}" destId="{3C079137-847C-034A-9689-46F4555D1345}" srcOrd="1" destOrd="0" presId="urn:microsoft.com/office/officeart/2005/8/layout/hierarchy3"/>
+    <dgm:cxn modelId="{DE95DFEC-24E5-A042-8EC2-D56A28F7A7D7}" srcId="{30F79B44-4175-0447-9B90-DC48F80634AA}" destId="{FF2A1A52-F8A8-504F-884D-16CB55095D85}" srcOrd="4" destOrd="0" parTransId="{DDD61991-06ED-1545-BA21-EDD6F9D3A5AE}" sibTransId="{F98D55F2-7ECB-9047-B3EC-CA9CBADD6D87}"/>
+    <dgm:cxn modelId="{01A2D111-6E7C-CC40-9EBC-7B0DB789F14E}" srcId="{3B9DD3ED-2748-EF49-8D8F-59F1BD233C77}" destId="{E4974165-44D4-E343-B37A-06932FBD8C78}" srcOrd="1" destOrd="0" parTransId="{7BAA9D93-6076-1343-865C-57642284A013}" sibTransId="{AC86FD35-6CE2-8C43-AA63-2591EC75B29E}"/>
+    <dgm:cxn modelId="{15DD5196-72B1-2E40-8F57-E63A4FD18BE9}" srcId="{C3B3EE29-7650-D847-BF0E-56E004971D9E}" destId="{022103AC-4018-754D-963C-B499051EFBD4}" srcOrd="3" destOrd="0" parTransId="{2E464FC8-372B-0840-9C46-AC51F9DC237D}" sibTransId="{414A506F-D213-4341-87DB-6C6716CA128A}"/>
+    <dgm:cxn modelId="{BD6AAFB6-3851-D045-9193-2118B5E4158E}" type="presOf" srcId="{A7797738-648C-E84B-BEEA-E407527F6133}" destId="{E4DF5847-9D80-BA4A-B9EA-744D6827D637}" srcOrd="0" destOrd="0" presId="urn:microsoft.com/office/officeart/2005/8/layout/hierarchy3"/>
+    <dgm:cxn modelId="{E63BEF6F-1C76-7F4A-A954-95D6CBD4B417}" srcId="{30F79B44-4175-0447-9B90-DC48F80634AA}" destId="{95879CAB-8A88-894F-9319-DC3D9D078ECF}" srcOrd="3" destOrd="0" parTransId="{DCA3CA39-85A7-3D45-9EC0-A49266F95969}" sibTransId="{538182AB-42EF-F94D-8336-346BF33A0179}"/>
+    <dgm:cxn modelId="{0CFD0CFC-F410-1346-B2AC-B7BF7F2D1B93}" type="presOf" srcId="{7BAA9D93-6076-1343-865C-57642284A013}" destId="{55A9E830-5180-9245-B419-D704E253EB8D}" srcOrd="0" destOrd="0" presId="urn:microsoft.com/office/officeart/2005/8/layout/hierarchy3"/>
+    <dgm:cxn modelId="{794F08C8-D380-FB40-8E71-F2C44EF205C0}" type="presOf" srcId="{2689F9CB-6E19-B94F-B118-EE4267CE3DC1}" destId="{AFCA6584-A1E7-C34D-B5E7-B2A61CD0DFE6}" srcOrd="0" destOrd="0" presId="urn:microsoft.com/office/officeart/2005/8/layout/hierarchy3"/>
+    <dgm:cxn modelId="{C2C02586-AC9A-284B-BD08-5396A1252FF8}" type="presOf" srcId="{4796CC2A-072E-3B48-B1CE-3CEA109564D7}" destId="{E86BDBCE-28FF-1442-A35E-A17F0344C8AB}" srcOrd="0" destOrd="0" presId="urn:microsoft.com/office/officeart/2005/8/layout/hierarchy3"/>
+    <dgm:cxn modelId="{24251D92-B672-7444-B075-B0227E298B2C}" srcId="{3B9DD3ED-2748-EF49-8D8F-59F1BD233C77}" destId="{CED99F05-BCAE-EF45-A3E1-044495CA744A}" srcOrd="2" destOrd="0" parTransId="{350A6079-297C-044C-B7DC-7FB116CFBE24}" sibTransId="{5A17B6A8-ABA5-1744-92DE-4DD865BC83EA}"/>
+    <dgm:cxn modelId="{1B9E4746-0D2F-454B-8F72-FD89BE4973F6}" type="presOf" srcId="{C1E20CDE-4D7D-574E-8B98-EEBFB9DC0575}" destId="{0EB9291A-2FC5-AF4E-A7DC-0C56AD37184D}" srcOrd="0" destOrd="0" presId="urn:microsoft.com/office/officeart/2005/8/layout/hierarchy3"/>
+    <dgm:cxn modelId="{64A752CA-7A14-CD43-B222-7B2D01B88A27}" type="presOf" srcId="{90065FB4-1826-9C42-A95D-E5205B0D2A21}" destId="{58979EEC-3B5B-7345-81E9-57F17AB95FC4}" srcOrd="0" destOrd="0" presId="urn:microsoft.com/office/officeart/2005/8/layout/hierarchy3"/>
+    <dgm:cxn modelId="{8D7F3960-5DF8-1844-9B1F-1DB3F2E857ED}" srcId="{8C9E4BFF-CAB2-CA4B-AC38-169F97ACE085}" destId="{30F79B44-4175-0447-9B90-DC48F80634AA}" srcOrd="1" destOrd="0" parTransId="{E5A19938-299B-A84E-9871-2A3F83A8B3E2}" sibTransId="{62D51130-FAEC-8F48-9B75-34BB9D61EBF1}"/>
+    <dgm:cxn modelId="{AFCD207A-4850-7249-81F7-2663E8A62E60}" type="presOf" srcId="{581C3FA8-5094-734C-A750-7E3C676F4D38}" destId="{9DC8DFF7-5DC9-5349-B7E6-4A8ADC2EE825}" srcOrd="0" destOrd="0" presId="urn:microsoft.com/office/officeart/2005/8/layout/hierarchy3"/>
+    <dgm:cxn modelId="{CDED4B28-DEC3-AE4D-A22F-FB87BE18BEA9}" srcId="{8C9E4BFF-CAB2-CA4B-AC38-169F97ACE085}" destId="{AB2D4FFB-420B-3B48-A8DD-09165EDEA661}" srcOrd="4" destOrd="0" parTransId="{4ECB2C74-6544-2149-BE28-D0D712051E2A}" sibTransId="{CE84FCC2-0E78-7742-A72C-81A8AABCB49B}"/>
+    <dgm:cxn modelId="{DA3BBB37-7063-B54E-8448-ACFBD71D74A8}" type="presOf" srcId="{E2B9DE80-792B-784C-AC7B-89F49D669051}" destId="{60F5DC4F-591F-5E4D-B152-59F99353A982}" srcOrd="0" destOrd="0" presId="urn:microsoft.com/office/officeart/2005/8/layout/hierarchy3"/>
+    <dgm:cxn modelId="{249326FE-BDA2-4A4D-B2E2-64F64E930732}" srcId="{8C9E4BFF-CAB2-CA4B-AC38-169F97ACE085}" destId="{C3B3EE29-7650-D847-BF0E-56E004971D9E}" srcOrd="2" destOrd="0" parTransId="{DF3A4CCB-BB66-AE4C-AB6E-640F0A985BE5}" sibTransId="{A8D07737-9909-0A47-BBFF-A79E106B0DD2}"/>
+    <dgm:cxn modelId="{79CA182F-32AA-DA4D-AF0C-F1AC803060E9}" type="presOf" srcId="{B5B75E05-EF80-E747-9198-DF820A337C1F}" destId="{D703E236-A92B-2049-94C4-5A5BF4D4DC16}" srcOrd="0" destOrd="0" presId="urn:microsoft.com/office/officeart/2005/8/layout/hierarchy3"/>
+    <dgm:cxn modelId="{7C8CC17D-A930-8A4F-B8DF-A6089AACB3B5}" type="presOf" srcId="{3B9DD3ED-2748-EF49-8D8F-59F1BD233C77}" destId="{CA79BDC7-9524-9D4A-8350-EEF56E4E5D3E}" srcOrd="0" destOrd="0" presId="urn:microsoft.com/office/officeart/2005/8/layout/hierarchy3"/>
+    <dgm:cxn modelId="{E9DF8DE5-F15A-4B41-84B1-E70C161D30B1}" type="presOf" srcId="{A82CACC5-F42E-064B-8E44-8B9A88624D91}" destId="{FB581FAE-4DD0-6046-B963-E5390C8095FF}" srcOrd="0" destOrd="0" presId="urn:microsoft.com/office/officeart/2005/8/layout/hierarchy3"/>
+    <dgm:cxn modelId="{A8878435-3AB3-7448-AA4A-21A3245DD394}" srcId="{AB2D4FFB-420B-3B48-A8DD-09165EDEA661}" destId="{01EBFDE8-C378-7F4C-BD98-554284A0E5C9}" srcOrd="1" destOrd="0" parTransId="{E2B9DE80-792B-784C-AC7B-89F49D669051}" sibTransId="{2AC0B513-8A8D-5343-89EF-BAD248A5EF44}"/>
+    <dgm:cxn modelId="{AC617B54-C499-AA40-9D90-81E18174F363}" type="presOf" srcId="{3B9DD3ED-2748-EF49-8D8F-59F1BD233C77}" destId="{51B69B03-36BA-1745-9EBC-3C5522849354}" srcOrd="1" destOrd="0" presId="urn:microsoft.com/office/officeart/2005/8/layout/hierarchy3"/>
+    <dgm:cxn modelId="{AB7883B2-721F-484A-B996-932B95CEC6BC}" type="presOf" srcId="{4A7F969D-6F85-5F49-978D-8EDB2F3FCEDA}" destId="{C898A761-BEEA-B648-B14B-06DEACEE0937}" srcOrd="0" destOrd="0" presId="urn:microsoft.com/office/officeart/2005/8/layout/hierarchy3"/>
+    <dgm:cxn modelId="{776D781A-0E29-BE47-B9BD-CF3B8A7848C9}" type="presOf" srcId="{95879CAB-8A88-894F-9319-DC3D9D078ECF}" destId="{BF27FAB3-9E94-E24B-9966-C37C7445823C}" srcOrd="0" destOrd="0" presId="urn:microsoft.com/office/officeart/2005/8/layout/hierarchy3"/>
+    <dgm:cxn modelId="{23909A36-88FD-944C-A7D8-DF6D693C852E}" type="presOf" srcId="{30F79B44-4175-0447-9B90-DC48F80634AA}" destId="{4C6483A4-C398-1447-8656-C8DB469EB102}" srcOrd="0" destOrd="0" presId="urn:microsoft.com/office/officeart/2005/8/layout/hierarchy3"/>
+    <dgm:cxn modelId="{CBDFF7A2-0143-DC4A-BD33-988D6582C571}" type="presOf" srcId="{95C153EA-CEC5-8E46-BDD0-FF1F5F5D8946}" destId="{4286BA54-4F69-D546-AF73-7A636A163BB1}" srcOrd="0" destOrd="0" presId="urn:microsoft.com/office/officeart/2005/8/layout/hierarchy3"/>
+    <dgm:cxn modelId="{E3263737-FDEB-1F43-897D-CA63200C64E7}" type="presOf" srcId="{DB86642D-4804-CC40-BD23-A4F83DF5F0C5}" destId="{FA6C4AE9-1911-5845-9F25-DE14F676416A}" srcOrd="0" destOrd="0" presId="urn:microsoft.com/office/officeart/2005/8/layout/hierarchy3"/>
+    <dgm:cxn modelId="{64DC8CFE-432B-F844-A453-028DEBDDD4F5}" srcId="{30F79B44-4175-0447-9B90-DC48F80634AA}" destId="{95C153EA-CEC5-8E46-BDD0-FF1F5F5D8946}" srcOrd="0" destOrd="0" parTransId="{1BEB4DB2-F3AF-0948-A45F-7A3E4C5D3309}" sibTransId="{38E8EBDC-F70C-3144-AFD4-0DC71818924B}"/>
+    <dgm:cxn modelId="{E1EE1B77-1264-D94B-B976-60889EF510D3}" type="presOf" srcId="{022103AC-4018-754D-963C-B499051EFBD4}" destId="{790F802C-CF3A-AC42-BDC8-AA98AE54F2C0}" srcOrd="0" destOrd="0" presId="urn:microsoft.com/office/officeart/2005/8/layout/hierarchy3"/>
+    <dgm:cxn modelId="{C38EC5AC-9DB8-514F-A063-AEAABE5187AA}" type="presOf" srcId="{AB2D4FFB-420B-3B48-A8DD-09165EDEA661}" destId="{706E8076-A3D6-5149-ACD8-9B0437D17472}" srcOrd="1" destOrd="0" presId="urn:microsoft.com/office/officeart/2005/8/layout/hierarchy3"/>
+    <dgm:cxn modelId="{B91E5B0A-04F3-FD47-88D8-E1DDE5C2D32F}" type="presOf" srcId="{CED99F05-BCAE-EF45-A3E1-044495CA744A}" destId="{A8A72C08-E272-1C4B-A67A-4AF5CBEADE6C}" srcOrd="0" destOrd="0" presId="urn:microsoft.com/office/officeart/2005/8/layout/hierarchy3"/>
+    <dgm:cxn modelId="{5B0E9879-B7EE-7F43-836A-334013F207AF}" srcId="{3B9DD3ED-2748-EF49-8D8F-59F1BD233C77}" destId="{12D85FD8-D8E8-AB40-8D73-5FF52F46408E}" srcOrd="3" destOrd="0" parTransId="{A7797738-648C-E84B-BEEA-E407527F6133}" sibTransId="{A6A5AB42-BED2-ED45-9D42-0F81DC3AFC99}"/>
+    <dgm:cxn modelId="{55F604B0-56CA-C64F-B3A5-D0D514A25B1E}" type="presOf" srcId="{C3B3EE29-7650-D847-BF0E-56E004971D9E}" destId="{5A1B82EF-2272-0B4E-87A7-1F6DD399FF18}" srcOrd="0" destOrd="0" presId="urn:microsoft.com/office/officeart/2005/8/layout/hierarchy3"/>
+    <dgm:cxn modelId="{FA0E22E7-7321-A44B-A36A-855F96C2BAE5}" type="presOf" srcId="{FD2CA399-C523-4A4E-90F8-D9BF87E7D3B3}" destId="{DE746AC9-2AA2-414F-B619-959704074796}" srcOrd="0" destOrd="0" presId="urn:microsoft.com/office/officeart/2005/8/layout/hierarchy3"/>
+    <dgm:cxn modelId="{1CEBADE3-AAAC-5548-96AA-6BE2E6A6FF63}" srcId="{AB2D4FFB-420B-3B48-A8DD-09165EDEA661}" destId="{1C2BF606-7889-884D-B2C3-8F4329B41B6F}" srcOrd="0" destOrd="0" parTransId="{9EA4F0D8-AFB8-9C4F-AD38-D863EB144B49}" sibTransId="{7A9877DE-B2C8-F94A-8A58-098ABE6B0B45}"/>
+    <dgm:cxn modelId="{0CBC05C3-F4F7-3849-A54B-7A2E4A02B6B5}" type="presOf" srcId="{DDD61991-06ED-1545-BA21-EDD6F9D3A5AE}" destId="{677D1732-88D3-704D-9669-242C49F71D92}" srcOrd="0" destOrd="0" presId="urn:microsoft.com/office/officeart/2005/8/layout/hierarchy3"/>
+    <dgm:cxn modelId="{96BBCF17-3F5F-E047-8996-7F5BEE83F214}" srcId="{AB2D4FFB-420B-3B48-A8DD-09165EDEA661}" destId="{E3D77634-0B74-7F49-AED8-EB4E87F0AE16}" srcOrd="3" destOrd="0" parTransId="{2689F9CB-6E19-B94F-B118-EE4267CE3DC1}" sibTransId="{C68287E1-1FAA-EA4B-8373-D4AD80277CD9}"/>
+    <dgm:cxn modelId="{0E91F738-F012-4B46-82A9-0CC0C48D798C}" type="presOf" srcId="{FF2A1A52-F8A8-504F-884D-16CB55095D85}" destId="{9B120F63-1ED7-FC4E-8A4C-FA030E659E54}" srcOrd="0" destOrd="0" presId="urn:microsoft.com/office/officeart/2005/8/layout/hierarchy3"/>
+    <dgm:cxn modelId="{8646569E-B9E0-1945-80EF-FA696F17A476}" type="presOf" srcId="{69269003-88C9-1E45-86D9-81A038AB06BB}" destId="{847A49F8-2D89-9044-B496-3261551FA8D4}" srcOrd="0" destOrd="0" presId="urn:microsoft.com/office/officeart/2005/8/layout/hierarchy3"/>
+    <dgm:cxn modelId="{5206BAD1-4ABB-A147-88B5-DD79E07A84ED}" type="presOf" srcId="{9EA4F0D8-AFB8-9C4F-AD38-D863EB144B49}" destId="{A2FB4E40-6805-9147-822B-0F18CE1F2DA3}" srcOrd="0" destOrd="0" presId="urn:microsoft.com/office/officeart/2005/8/layout/hierarchy3"/>
+    <dgm:cxn modelId="{0F960C79-58A4-954A-B5D3-E5867F8FA9DA}" srcId="{C3B3EE29-7650-D847-BF0E-56E004971D9E}" destId="{5040CBB7-6B79-F347-8D96-8C21AABC535A}" srcOrd="1" destOrd="0" parTransId="{CD96CB7D-C792-5044-B256-0F69152057B2}" sibTransId="{8BE3A325-8F2E-144B-B52F-52BECA564182}"/>
+    <dgm:cxn modelId="{CB22B68A-0F99-114A-9ADF-91121AC92E8A}" type="presOf" srcId="{30F79B44-4175-0447-9B90-DC48F80634AA}" destId="{E2EAF38F-076D-D24F-87D9-BF7AEC7F2E3A}" srcOrd="1" destOrd="0" presId="urn:microsoft.com/office/officeart/2005/8/layout/hierarchy3"/>
+    <dgm:cxn modelId="{9A211A38-717E-A244-A049-827C7EFE3F15}" type="presOf" srcId="{CD96CB7D-C792-5044-B256-0F69152057B2}" destId="{C7218F20-992C-144C-8D56-AADBEAC09C56}" srcOrd="0" destOrd="0" presId="urn:microsoft.com/office/officeart/2005/8/layout/hierarchy3"/>
+    <dgm:cxn modelId="{76DD47A8-2FBA-DF45-90D3-0B90E9DCBD0E}" type="presOf" srcId="{1F97262F-6ACA-1540-A7D7-FBA3F6A00267}" destId="{5B681BFB-1A66-6741-A8B8-2D3628CA9A62}" srcOrd="0" destOrd="0" presId="urn:microsoft.com/office/officeart/2005/8/layout/hierarchy3"/>
+    <dgm:cxn modelId="{7A2E1986-F470-0140-A31D-DFB38D7AAB54}" srcId="{3B9DD3ED-2748-EF49-8D8F-59F1BD233C77}" destId="{581C3FA8-5094-734C-A750-7E3C676F4D38}" srcOrd="0" destOrd="0" parTransId="{C1E20CDE-4D7D-574E-8B98-EEBFB9DC0575}" sibTransId="{492102E2-3E9D-2248-A643-9AA0881552EC}"/>
+    <dgm:cxn modelId="{073C6200-7121-BD4E-89F1-7C8D1892113B}" type="presOf" srcId="{220F5BFE-174B-9B4B-A34D-0FB81B43AB04}" destId="{FF6E5BDC-A960-F24A-B954-4486C9D91F66}" srcOrd="0" destOrd="0" presId="urn:microsoft.com/office/officeart/2005/8/layout/hierarchy3"/>
+    <dgm:cxn modelId="{A84FBB3D-E797-5E44-B73B-7926030F8239}" type="presOf" srcId="{76A8FD56-8E3F-D345-8378-2FEB0F3F5A1B}" destId="{A785FC01-3D4C-D74E-9B94-73FB2BCCB0DE}" srcOrd="0" destOrd="0" presId="urn:microsoft.com/office/officeart/2005/8/layout/hierarchy3"/>
+    <dgm:cxn modelId="{82E5DA36-E4C7-0A4D-B56A-11233658528E}" type="presOf" srcId="{E4974165-44D4-E343-B37A-06932FBD8C78}" destId="{EE0B15EE-A370-F14D-B2CE-AC4BF45DF5E3}" srcOrd="0" destOrd="0" presId="urn:microsoft.com/office/officeart/2005/8/layout/hierarchy3"/>
+    <dgm:cxn modelId="{95780AF1-5C49-7347-9588-80BE85ECA074}" type="presOf" srcId="{1BEB4DB2-F3AF-0948-A45F-7A3E4C5D3309}" destId="{AB3E1156-5BE7-A741-9F25-24C31315604D}" srcOrd="0" destOrd="0" presId="urn:microsoft.com/office/officeart/2005/8/layout/hierarchy3"/>
+    <dgm:cxn modelId="{33818D45-E053-0245-A7C1-63BAF7E1A7C8}" type="presOf" srcId="{1C2BF606-7889-884D-B2C3-8F4329B41B6F}" destId="{DBA91A91-B818-024E-BFD5-B77629F9E05E}" srcOrd="0" destOrd="0" presId="urn:microsoft.com/office/officeart/2005/8/layout/hierarchy3"/>
+    <dgm:cxn modelId="{DADF3893-6A10-134F-A55C-69EDB8BFDDD2}" type="presOf" srcId="{E3D77634-0B74-7F49-AED8-EB4E87F0AE16}" destId="{B7913CDF-40BE-4340-A439-C97A306A7920}" srcOrd="0" destOrd="0" presId="urn:microsoft.com/office/officeart/2005/8/layout/hierarchy3"/>
+    <dgm:cxn modelId="{2DB43B80-02D7-CC4C-9B3A-244D18559EF5}" type="presOf" srcId="{2E464FC8-372B-0840-9C46-AC51F9DC237D}" destId="{999A89F6-D06D-8948-BFEB-63BAC2CD1842}" srcOrd="0" destOrd="0" presId="urn:microsoft.com/office/officeart/2005/8/layout/hierarchy3"/>
+    <dgm:cxn modelId="{B7E78BA4-3BC6-004E-96D3-57E46EB9D30A}" type="presOf" srcId="{AC94164F-EF63-8944-AB99-37867A4A2754}" destId="{D062EF39-DAC3-2140-BDB2-1D18C68FB8BA}" srcOrd="0" destOrd="0" presId="urn:microsoft.com/office/officeart/2005/8/layout/hierarchy3"/>
+    <dgm:cxn modelId="{BACA4A4A-3B85-4545-A8FE-B47735B0CA0D}" type="presOf" srcId="{DCA3CA39-85A7-3D45-9EC0-A49266F95969}" destId="{AE72C6B8-52CF-5849-BE39-8F0F949C6428}" srcOrd="0" destOrd="0" presId="urn:microsoft.com/office/officeart/2005/8/layout/hierarchy3"/>
+    <dgm:cxn modelId="{4FE3E477-70FD-094A-8897-7EAF996F7757}" type="presParOf" srcId="{433D4762-2E07-5742-ACA9-3719AED32337}" destId="{226D57C1-439F-8049-B9EE-BB4CC1B2BA0E}" srcOrd="0" destOrd="0" presId="urn:microsoft.com/office/officeart/2005/8/layout/hierarchy3"/>
+    <dgm:cxn modelId="{90AB5E40-FD64-D44A-8269-47E2225DDA25}" type="presParOf" srcId="{226D57C1-439F-8049-B9EE-BB4CC1B2BA0E}" destId="{6E0D68F9-5B36-7C47-A238-634E6E8EDD0C}" srcOrd="0" destOrd="0" presId="urn:microsoft.com/office/officeart/2005/8/layout/hierarchy3"/>
+    <dgm:cxn modelId="{AF88CE82-A2AD-2E4A-B04D-9A4B9EF48797}" type="presParOf" srcId="{6E0D68F9-5B36-7C47-A238-634E6E8EDD0C}" destId="{599F2041-C41F-E94A-B236-37C277C718DA}" srcOrd="0" destOrd="0" presId="urn:microsoft.com/office/officeart/2005/8/layout/hierarchy3"/>
+    <dgm:cxn modelId="{EB672DCB-C25C-5744-80DD-CE7ED87C17DA}" type="presParOf" srcId="{6E0D68F9-5B36-7C47-A238-634E6E8EDD0C}" destId="{3C079137-847C-034A-9689-46F4555D1345}" srcOrd="1" destOrd="0" presId="urn:microsoft.com/office/officeart/2005/8/layout/hierarchy3"/>
+    <dgm:cxn modelId="{EEE68082-84E3-484F-9442-3D28B7CC43FB}" type="presParOf" srcId="{226D57C1-439F-8049-B9EE-BB4CC1B2BA0E}" destId="{FF789B8E-20F0-9641-AAC8-D3B60800E88A}" srcOrd="1" destOrd="0" presId="urn:microsoft.com/office/officeart/2005/8/layout/hierarchy3"/>
+    <dgm:cxn modelId="{351961A2-115A-DE41-9E7B-5C58552F5C06}" type="presParOf" srcId="{FF789B8E-20F0-9641-AAC8-D3B60800E88A}" destId="{E86BDBCE-28FF-1442-A35E-A17F0344C8AB}" srcOrd="0" destOrd="0" presId="urn:microsoft.com/office/officeart/2005/8/layout/hierarchy3"/>
+    <dgm:cxn modelId="{86444368-825C-3F4E-BF5B-9DAA7F669B95}" type="presParOf" srcId="{FF789B8E-20F0-9641-AAC8-D3B60800E88A}" destId="{AAF27C23-627A-714A-8558-F43E4B9B12E1}" srcOrd="1" destOrd="0" presId="urn:microsoft.com/office/officeart/2005/8/layout/hierarchy3"/>
+    <dgm:cxn modelId="{69A018DF-3BC9-0543-ACDA-89D36EC87743}" type="presParOf" srcId="{433D4762-2E07-5742-ACA9-3719AED32337}" destId="{11B5191D-9A3C-3442-B2EA-8D6606FEEB9B}" srcOrd="1" destOrd="0" presId="urn:microsoft.com/office/officeart/2005/8/layout/hierarchy3"/>
+    <dgm:cxn modelId="{1D8F54DC-72D6-BE4F-897B-82F8C365C7B0}" type="presParOf" srcId="{11B5191D-9A3C-3442-B2EA-8D6606FEEB9B}" destId="{9F20D259-8F4D-E440-B008-9BDF6067AB83}" srcOrd="0" destOrd="0" presId="urn:microsoft.com/office/officeart/2005/8/layout/hierarchy3"/>
+    <dgm:cxn modelId="{7EEE3EE9-574C-5A49-A1F7-E94623CD2F48}" type="presParOf" srcId="{9F20D259-8F4D-E440-B008-9BDF6067AB83}" destId="{4C6483A4-C398-1447-8656-C8DB469EB102}" srcOrd="0" destOrd="0" presId="urn:microsoft.com/office/officeart/2005/8/layout/hierarchy3"/>
+    <dgm:cxn modelId="{281162A0-21D3-CA4C-8D8B-11458420A627}" type="presParOf" srcId="{9F20D259-8F4D-E440-B008-9BDF6067AB83}" destId="{E2EAF38F-076D-D24F-87D9-BF7AEC7F2E3A}" srcOrd="1" destOrd="0" presId="urn:microsoft.com/office/officeart/2005/8/layout/hierarchy3"/>
+    <dgm:cxn modelId="{347F25D0-04DB-B04A-A0B8-F46B55445CF5}" type="presParOf" srcId="{11B5191D-9A3C-3442-B2EA-8D6606FEEB9B}" destId="{AE992D56-AD6F-9D4C-9787-EF910296ACD7}" srcOrd="1" destOrd="0" presId="urn:microsoft.com/office/officeart/2005/8/layout/hierarchy3"/>
+    <dgm:cxn modelId="{335D3C00-F184-5643-9C81-4CB1E5C56B5D}" type="presParOf" srcId="{AE992D56-AD6F-9D4C-9787-EF910296ACD7}" destId="{AB3E1156-5BE7-A741-9F25-24C31315604D}" srcOrd="0" destOrd="0" presId="urn:microsoft.com/office/officeart/2005/8/layout/hierarchy3"/>
+    <dgm:cxn modelId="{F1A3BA06-CCFA-2A49-BC77-038B0CB78C9D}" type="presParOf" srcId="{AE992D56-AD6F-9D4C-9787-EF910296ACD7}" destId="{4286BA54-4F69-D546-AF73-7A636A163BB1}" srcOrd="1" destOrd="0" presId="urn:microsoft.com/office/officeart/2005/8/layout/hierarchy3"/>
+    <dgm:cxn modelId="{90DCE851-0823-4C49-8858-5F929AC5C0F3}" type="presParOf" srcId="{AE992D56-AD6F-9D4C-9787-EF910296ACD7}" destId="{DE746AC9-2AA2-414F-B619-959704074796}" srcOrd="2" destOrd="0" presId="urn:microsoft.com/office/officeart/2005/8/layout/hierarchy3"/>
+    <dgm:cxn modelId="{44F8943D-ACE2-7B41-877B-DF6EDDA538DD}" type="presParOf" srcId="{AE992D56-AD6F-9D4C-9787-EF910296ACD7}" destId="{C898A761-BEEA-B648-B14B-06DEACEE0937}" srcOrd="3" destOrd="0" presId="urn:microsoft.com/office/officeart/2005/8/layout/hierarchy3"/>
+    <dgm:cxn modelId="{3D67A124-C690-6442-972A-1F7CFFFB5FDA}" type="presParOf" srcId="{AE992D56-AD6F-9D4C-9787-EF910296ACD7}" destId="{D703E236-A92B-2049-94C4-5A5BF4D4DC16}" srcOrd="4" destOrd="0" presId="urn:microsoft.com/office/officeart/2005/8/layout/hierarchy3"/>
+    <dgm:cxn modelId="{D0AD3A34-8BA4-5A4D-9919-1A585EA7CCA1}" type="presParOf" srcId="{AE992D56-AD6F-9D4C-9787-EF910296ACD7}" destId="{054436DC-02A9-5043-9BB8-977BD5DF1A2F}" srcOrd="5" destOrd="0" presId="urn:microsoft.com/office/officeart/2005/8/layout/hierarchy3"/>
+    <dgm:cxn modelId="{8710C078-5558-9B42-89BE-F57C5663783F}" type="presParOf" srcId="{AE992D56-AD6F-9D4C-9787-EF910296ACD7}" destId="{AE72C6B8-52CF-5849-BE39-8F0F949C6428}" srcOrd="6" destOrd="0" presId="urn:microsoft.com/office/officeart/2005/8/layout/hierarchy3"/>
+    <dgm:cxn modelId="{1143E49B-FCC8-774B-9EEA-8A18BE2AAD9E}" type="presParOf" srcId="{AE992D56-AD6F-9D4C-9787-EF910296ACD7}" destId="{BF27FAB3-9E94-E24B-9966-C37C7445823C}" srcOrd="7" destOrd="0" presId="urn:microsoft.com/office/officeart/2005/8/layout/hierarchy3"/>
+    <dgm:cxn modelId="{93AD2833-AF65-0149-93F8-DD67EE7CF515}" type="presParOf" srcId="{AE992D56-AD6F-9D4C-9787-EF910296ACD7}" destId="{677D1732-88D3-704D-9669-242C49F71D92}" srcOrd="8" destOrd="0" presId="urn:microsoft.com/office/officeart/2005/8/layout/hierarchy3"/>
+    <dgm:cxn modelId="{BE46932B-AB2A-A344-A41F-B50D430204F8}" type="presParOf" srcId="{AE992D56-AD6F-9D4C-9787-EF910296ACD7}" destId="{9B120F63-1ED7-FC4E-8A4C-FA030E659E54}" srcOrd="9" destOrd="0" presId="urn:microsoft.com/office/officeart/2005/8/layout/hierarchy3"/>
+    <dgm:cxn modelId="{DCEE3207-CCB8-8F41-8F60-96AA41BF6D6C}" type="presParOf" srcId="{433D4762-2E07-5742-ACA9-3719AED32337}" destId="{CBB1DDDB-C7A0-B34D-B354-C38F6E16C712}" srcOrd="2" destOrd="0" presId="urn:microsoft.com/office/officeart/2005/8/layout/hierarchy3"/>
+    <dgm:cxn modelId="{2714CD59-BB03-7343-92AE-6823E9F66423}" type="presParOf" srcId="{CBB1DDDB-C7A0-B34D-B354-C38F6E16C712}" destId="{3D6ED661-DB27-284B-BE2A-DBC9060A1530}" srcOrd="0" destOrd="0" presId="urn:microsoft.com/office/officeart/2005/8/layout/hierarchy3"/>
+    <dgm:cxn modelId="{8CD7E62D-EB94-8440-9815-6B3CE1162B25}" type="presParOf" srcId="{3D6ED661-DB27-284B-BE2A-DBC9060A1530}" destId="{5A1B82EF-2272-0B4E-87A7-1F6DD399FF18}" srcOrd="0" destOrd="0" presId="urn:microsoft.com/office/officeart/2005/8/layout/hierarchy3"/>
+    <dgm:cxn modelId="{4A3D144C-34E0-7246-86A9-611760BFE5DB}" type="presParOf" srcId="{3D6ED661-DB27-284B-BE2A-DBC9060A1530}" destId="{7991F218-6410-894C-AACB-8A4F29049695}" srcOrd="1" destOrd="0" presId="urn:microsoft.com/office/officeart/2005/8/layout/hierarchy3"/>
+    <dgm:cxn modelId="{C6140789-5ACA-9C44-B371-62948871F31F}" type="presParOf" srcId="{CBB1DDDB-C7A0-B34D-B354-C38F6E16C712}" destId="{EC8637DF-1FEB-C44C-91E3-11EBF02A1201}" srcOrd="1" destOrd="0" presId="urn:microsoft.com/office/officeart/2005/8/layout/hierarchy3"/>
+    <dgm:cxn modelId="{45760085-51BF-D54C-B1E5-4D0539818D0A}" type="presParOf" srcId="{EC8637DF-1FEB-C44C-91E3-11EBF02A1201}" destId="{847A49F8-2D89-9044-B496-3261551FA8D4}" srcOrd="0" destOrd="0" presId="urn:microsoft.com/office/officeart/2005/8/layout/hierarchy3"/>
+    <dgm:cxn modelId="{9DDD64A6-C6A7-1D4D-A69F-35302A89CBF2}" type="presParOf" srcId="{EC8637DF-1FEB-C44C-91E3-11EBF02A1201}" destId="{FA6C4AE9-1911-5845-9F25-DE14F676416A}" srcOrd="1" destOrd="0" presId="urn:microsoft.com/office/officeart/2005/8/layout/hierarchy3"/>
+    <dgm:cxn modelId="{2E342B49-DA31-314A-B69D-312328BAD49E}" type="presParOf" srcId="{EC8637DF-1FEB-C44C-91E3-11EBF02A1201}" destId="{C7218F20-992C-144C-8D56-AADBEAC09C56}" srcOrd="2" destOrd="0" presId="urn:microsoft.com/office/officeart/2005/8/layout/hierarchy3"/>
+    <dgm:cxn modelId="{106E4CC9-445C-5D4D-84DA-596EB9AAEA10}" type="presParOf" srcId="{EC8637DF-1FEB-C44C-91E3-11EBF02A1201}" destId="{8D712520-BFF8-344F-81A1-47936F22B863}" srcOrd="3" destOrd="0" presId="urn:microsoft.com/office/officeart/2005/8/layout/hierarchy3"/>
+    <dgm:cxn modelId="{439B239D-DDFF-A747-89A1-CC80E12AEE74}" type="presParOf" srcId="{EC8637DF-1FEB-C44C-91E3-11EBF02A1201}" destId="{FF6E5BDC-A960-F24A-B954-4486C9D91F66}" srcOrd="4" destOrd="0" presId="urn:microsoft.com/office/officeart/2005/8/layout/hierarchy3"/>
+    <dgm:cxn modelId="{0D760C5C-836A-244A-B020-21A10ABDCA4F}" type="presParOf" srcId="{EC8637DF-1FEB-C44C-91E3-11EBF02A1201}" destId="{D062EF39-DAC3-2140-BDB2-1D18C68FB8BA}" srcOrd="5" destOrd="0" presId="urn:microsoft.com/office/officeart/2005/8/layout/hierarchy3"/>
+    <dgm:cxn modelId="{274B7667-AFED-4240-8ED5-8A2FFFB073A3}" type="presParOf" srcId="{EC8637DF-1FEB-C44C-91E3-11EBF02A1201}" destId="{999A89F6-D06D-8948-BFEB-63BAC2CD1842}" srcOrd="6" destOrd="0" presId="urn:microsoft.com/office/officeart/2005/8/layout/hierarchy3"/>
+    <dgm:cxn modelId="{1022AB71-3320-E848-90AA-11952E8C7560}" type="presParOf" srcId="{EC8637DF-1FEB-C44C-91E3-11EBF02A1201}" destId="{790F802C-CF3A-AC42-BDC8-AA98AE54F2C0}" srcOrd="7" destOrd="0" presId="urn:microsoft.com/office/officeart/2005/8/layout/hierarchy3"/>
+    <dgm:cxn modelId="{EE4483CF-E151-AA4F-A3E9-8713F452FE8B}" type="presParOf" srcId="{EC8637DF-1FEB-C44C-91E3-11EBF02A1201}" destId="{A785FC01-3D4C-D74E-9B94-73FB2BCCB0DE}" srcOrd="8" destOrd="0" presId="urn:microsoft.com/office/officeart/2005/8/layout/hierarchy3"/>
+    <dgm:cxn modelId="{BF9C086D-EFC9-2643-8AEB-C129685CFB71}" type="presParOf" srcId="{EC8637DF-1FEB-C44C-91E3-11EBF02A1201}" destId="{FB581FAE-4DD0-6046-B963-E5390C8095FF}" srcOrd="9" destOrd="0" presId="urn:microsoft.com/office/officeart/2005/8/layout/hierarchy3"/>
+    <dgm:cxn modelId="{12CC2412-565D-E14A-8A28-C54879FD35A9}" type="presParOf" srcId="{433D4762-2E07-5742-ACA9-3719AED32337}" destId="{3485C4A5-3DDE-BE41-950B-88E420D62F55}" srcOrd="3" destOrd="0" presId="urn:microsoft.com/office/officeart/2005/8/layout/hierarchy3"/>
+    <dgm:cxn modelId="{1B3A5801-D259-2D4A-AA96-DDD2F6F8017E}" type="presParOf" srcId="{3485C4A5-3DDE-BE41-950B-88E420D62F55}" destId="{CAA14799-5D5E-B647-89C7-65D170DE167F}" srcOrd="0" destOrd="0" presId="urn:microsoft.com/office/officeart/2005/8/layout/hierarchy3"/>
+    <dgm:cxn modelId="{D0129DAA-F80D-8344-8328-9C96FBA6EFD1}" type="presParOf" srcId="{CAA14799-5D5E-B647-89C7-65D170DE167F}" destId="{CA79BDC7-9524-9D4A-8350-EEF56E4E5D3E}" srcOrd="0" destOrd="0" presId="urn:microsoft.com/office/officeart/2005/8/layout/hierarchy3"/>
+    <dgm:cxn modelId="{6C593035-BBF4-F94B-B517-479A95735033}" type="presParOf" srcId="{CAA14799-5D5E-B647-89C7-65D170DE167F}" destId="{51B69B03-36BA-1745-9EBC-3C5522849354}" srcOrd="1" destOrd="0" presId="urn:microsoft.com/office/officeart/2005/8/layout/hierarchy3"/>
+    <dgm:cxn modelId="{5D0D04CD-C5AE-4941-AF48-B0684D441AA6}" type="presParOf" srcId="{3485C4A5-3DDE-BE41-950B-88E420D62F55}" destId="{D8A16D2D-1814-2F48-ADAB-09D995CC53FD}" srcOrd="1" destOrd="0" presId="urn:microsoft.com/office/officeart/2005/8/layout/hierarchy3"/>
+    <dgm:cxn modelId="{2C17AB7A-78F0-464F-8BCE-CF8C05314ECF}" type="presParOf" srcId="{D8A16D2D-1814-2F48-ADAB-09D995CC53FD}" destId="{0EB9291A-2FC5-AF4E-A7DC-0C56AD37184D}" srcOrd="0" destOrd="0" presId="urn:microsoft.com/office/officeart/2005/8/layout/hierarchy3"/>
+    <dgm:cxn modelId="{489E4202-154B-264C-B2C3-8BA2116FE7C1}" type="presParOf" srcId="{D8A16D2D-1814-2F48-ADAB-09D995CC53FD}" destId="{9DC8DFF7-5DC9-5349-B7E6-4A8ADC2EE825}" srcOrd="1" destOrd="0" presId="urn:microsoft.com/office/officeart/2005/8/layout/hierarchy3"/>
+    <dgm:cxn modelId="{C62A16CF-C76A-3B46-928C-C507F1E41A4B}" type="presParOf" srcId="{D8A16D2D-1814-2F48-ADAB-09D995CC53FD}" destId="{55A9E830-5180-9245-B419-D704E253EB8D}" srcOrd="2" destOrd="0" presId="urn:microsoft.com/office/officeart/2005/8/layout/hierarchy3"/>
+    <dgm:cxn modelId="{718B0D9F-DA82-C54E-9BA7-A69DAE3EFAE3}" type="presParOf" srcId="{D8A16D2D-1814-2F48-ADAB-09D995CC53FD}" destId="{EE0B15EE-A370-F14D-B2CE-AC4BF45DF5E3}" srcOrd="3" destOrd="0" presId="urn:microsoft.com/office/officeart/2005/8/layout/hierarchy3"/>
+    <dgm:cxn modelId="{DC68636E-5AD2-F343-A62C-521DF2E010AB}" type="presParOf" srcId="{D8A16D2D-1814-2F48-ADAB-09D995CC53FD}" destId="{7C3221A8-FE6C-8A44-A30C-ABC2FB33B0D1}" srcOrd="4" destOrd="0" presId="urn:microsoft.com/office/officeart/2005/8/layout/hierarchy3"/>
+    <dgm:cxn modelId="{AA18E9BD-E2E6-5348-9F51-5DC36EDC24D2}" type="presParOf" srcId="{D8A16D2D-1814-2F48-ADAB-09D995CC53FD}" destId="{A8A72C08-E272-1C4B-A67A-4AF5CBEADE6C}" srcOrd="5" destOrd="0" presId="urn:microsoft.com/office/officeart/2005/8/layout/hierarchy3"/>
+    <dgm:cxn modelId="{F5D8A4F9-9A10-6F44-AF78-9463966DE4B7}" type="presParOf" srcId="{D8A16D2D-1814-2F48-ADAB-09D995CC53FD}" destId="{E4DF5847-9D80-BA4A-B9EA-744D6827D637}" srcOrd="6" destOrd="0" presId="urn:microsoft.com/office/officeart/2005/8/layout/hierarchy3"/>
+    <dgm:cxn modelId="{AF0E78BC-6453-0B42-80C9-1730CB35B34B}" type="presParOf" srcId="{D8A16D2D-1814-2F48-ADAB-09D995CC53FD}" destId="{260D9F0C-556A-E54D-95B8-9FE74908E1AF}" srcOrd="7" destOrd="0" presId="urn:microsoft.com/office/officeart/2005/8/layout/hierarchy3"/>
+    <dgm:cxn modelId="{589E63EE-1A82-C64B-8ABF-8AB75B037AAA}" type="presParOf" srcId="{433D4762-2E07-5742-ACA9-3719AED32337}" destId="{3C824867-2824-B14D-A1AB-BFA483D9927E}" srcOrd="4" destOrd="0" presId="urn:microsoft.com/office/officeart/2005/8/layout/hierarchy3"/>
+    <dgm:cxn modelId="{60A48FAE-10F8-6749-99DE-4C821BCDDCD4}" type="presParOf" srcId="{3C824867-2824-B14D-A1AB-BFA483D9927E}" destId="{21E11B1B-D3C3-B843-86F2-0106247649B6}" srcOrd="0" destOrd="0" presId="urn:microsoft.com/office/officeart/2005/8/layout/hierarchy3"/>
+    <dgm:cxn modelId="{2D8EACF3-0475-0C47-827D-FEDBBA61BC5D}" type="presParOf" srcId="{21E11B1B-D3C3-B843-86F2-0106247649B6}" destId="{B8A017BA-55B1-4447-A97A-4D5EC8FEBF7D}" srcOrd="0" destOrd="0" presId="urn:microsoft.com/office/officeart/2005/8/layout/hierarchy3"/>
+    <dgm:cxn modelId="{A2A2F8F8-686B-1F4A-9394-556060D77B03}" type="presParOf" srcId="{21E11B1B-D3C3-B843-86F2-0106247649B6}" destId="{706E8076-A3D6-5149-ACD8-9B0437D17472}" srcOrd="1" destOrd="0" presId="urn:microsoft.com/office/officeart/2005/8/layout/hierarchy3"/>
+    <dgm:cxn modelId="{6721557E-D305-E842-B042-58BFC450DB21}" type="presParOf" srcId="{3C824867-2824-B14D-A1AB-BFA483D9927E}" destId="{386FC1F7-BC92-814A-BF06-9AABB9AAB537}" srcOrd="1" destOrd="0" presId="urn:microsoft.com/office/officeart/2005/8/layout/hierarchy3"/>
+    <dgm:cxn modelId="{903F0AC9-E719-2F46-93AD-530002173B22}" type="presParOf" srcId="{386FC1F7-BC92-814A-BF06-9AABB9AAB537}" destId="{A2FB4E40-6805-9147-822B-0F18CE1F2DA3}" srcOrd="0" destOrd="0" presId="urn:microsoft.com/office/officeart/2005/8/layout/hierarchy3"/>
+    <dgm:cxn modelId="{8092BA32-8F6F-A34F-A295-4B38E95C2660}" type="presParOf" srcId="{386FC1F7-BC92-814A-BF06-9AABB9AAB537}" destId="{DBA91A91-B818-024E-BFD5-B77629F9E05E}" srcOrd="1" destOrd="0" presId="urn:microsoft.com/office/officeart/2005/8/layout/hierarchy3"/>
+    <dgm:cxn modelId="{6F3786EA-582A-B144-9F6C-51759C6154CB}" type="presParOf" srcId="{386FC1F7-BC92-814A-BF06-9AABB9AAB537}" destId="{60F5DC4F-591F-5E4D-B152-59F99353A982}" srcOrd="2" destOrd="0" presId="urn:microsoft.com/office/officeart/2005/8/layout/hierarchy3"/>
+    <dgm:cxn modelId="{C1400C2F-A6E6-4941-8208-08464822B72E}" type="presParOf" srcId="{386FC1F7-BC92-814A-BF06-9AABB9AAB537}" destId="{6273F139-0EB5-B34A-A43D-3760CF98B48F}" srcOrd="3" destOrd="0" presId="urn:microsoft.com/office/officeart/2005/8/layout/hierarchy3"/>
+    <dgm:cxn modelId="{21DF9274-F03D-0249-B665-E50AFFCFE949}" type="presParOf" srcId="{386FC1F7-BC92-814A-BF06-9AABB9AAB537}" destId="{5B681BFB-1A66-6741-A8B8-2D3628CA9A62}" srcOrd="4" destOrd="0" presId="urn:microsoft.com/office/officeart/2005/8/layout/hierarchy3"/>
+    <dgm:cxn modelId="{F1AAAC16-13F5-1A4A-BB26-B387925C1808}" type="presParOf" srcId="{386FC1F7-BC92-814A-BF06-9AABB9AAB537}" destId="{58979EEC-3B5B-7345-81E9-57F17AB95FC4}" srcOrd="5" destOrd="0" presId="urn:microsoft.com/office/officeart/2005/8/layout/hierarchy3"/>
+    <dgm:cxn modelId="{95A4FE01-148A-5041-80D4-A138A11553BB}" type="presParOf" srcId="{386FC1F7-BC92-814A-BF06-9AABB9AAB537}" destId="{AFCA6584-A1E7-C34D-B5E7-B2A61CD0DFE6}" srcOrd="6" destOrd="0" presId="urn:microsoft.com/office/officeart/2005/8/layout/hierarchy3"/>
+    <dgm:cxn modelId="{1BFC80B3-BA0B-E744-AA2D-E68B800DCF15}" type="presParOf" srcId="{386FC1F7-BC92-814A-BF06-9AABB9AAB537}" destId="{B7913CDF-40BE-4340-A439-C97A306A7920}" srcOrd="7" destOrd="0" presId="urn:microsoft.com/office/officeart/2005/8/layout/hierarchy3"/>
+  </dgm:cxnLst>
+  <dgm:bg/>
+  <dgm:whole/>
+  <dgm:extLst>
+    <a:ext uri="http://schemas.microsoft.com/office/drawing/2008/diagram">
+      <dsp:dataModelExt xmlns:dsp="http://schemas.microsoft.com/office/drawing/2008/diagram" relId="rId6" minVer="http://schemas.openxmlformats.org/drawingml/2006/diagram"/>
+    </a:ext>
+  </dgm:extLst>
+</dgm:dataModel>
+</file>
+
+<file path=ppt/diagrams/drawing1.xml><?xml version="1.0" encoding="utf-8"?>
+<dsp:drawing xmlns:dgm="http://schemas.openxmlformats.org/drawingml/2006/diagram" xmlns:dsp="http://schemas.microsoft.com/office/drawing/2008/diagram" xmlns:a="http://schemas.openxmlformats.org/drawingml/2006/main">
+  <dsp:spTree>
+    <dsp:nvGrpSpPr>
+      <dsp:cNvPr id="0" name=""/>
+      <dsp:cNvGrpSpPr/>
+    </dsp:nvGrpSpPr>
+    <dsp:grpSpPr/>
+    <dsp:sp modelId="{599F2041-C41F-E94A-B236-37C277C718DA}">
+      <dsp:nvSpPr>
+        <dsp:cNvPr id="0" name=""/>
+        <dsp:cNvSpPr/>
+      </dsp:nvSpPr>
+      <dsp:spPr>
+        <a:xfrm>
+          <a:off x="7937" y="512795"/>
+          <a:ext cx="2706687" cy="1353343"/>
+        </a:xfrm>
+        <a:prstGeom prst="roundRect">
+          <a:avLst>
+            <a:gd name="adj" fmla="val 10000"/>
+          </a:avLst>
+        </a:prstGeom>
+        <a:gradFill rotWithShape="0">
+          <a:gsLst>
+            <a:gs pos="0">
+              <a:schemeClr val="accent1">
+                <a:hueOff val="0"/>
+                <a:satOff val="0"/>
+                <a:lumOff val="0"/>
+                <a:alphaOff val="0"/>
+                <a:tint val="98000"/>
+                <a:lumMod val="114000"/>
+              </a:schemeClr>
+            </a:gs>
+            <a:gs pos="100000">
+              <a:schemeClr val="accent1">
+                <a:hueOff val="0"/>
+                <a:satOff val="0"/>
+                <a:lumOff val="0"/>
+                <a:alphaOff val="0"/>
+                <a:shade val="90000"/>
+                <a:lumMod val="84000"/>
+              </a:schemeClr>
+            </a:gs>
+          </a:gsLst>
+          <a:lin ang="5400000" scaled="0"/>
+        </a:gradFill>
+        <a:ln>
+          <a:noFill/>
+        </a:ln>
+        <a:effectLst>
+          <a:outerShdw blurRad="38100" dist="25400" dir="5400000" rotWithShape="0">
+            <a:srgbClr val="000000">
+              <a:alpha val="45000"/>
+            </a:srgbClr>
+          </a:outerShdw>
+        </a:effectLst>
+      </dsp:spPr>
+      <dsp:style>
+        <a:lnRef idx="0">
+          <a:scrgbClr r="0" g="0" b="0"/>
+        </a:lnRef>
+        <a:fillRef idx="3">
+          <a:scrgbClr r="0" g="0" b="0"/>
+        </a:fillRef>
+        <a:effectRef idx="2">
+          <a:scrgbClr r="0" g="0" b="0"/>
+        </a:effectRef>
+        <a:fontRef idx="minor">
+          <a:schemeClr val="lt1"/>
+        </a:fontRef>
+      </dsp:style>
+      <dsp:txBody>
+        <a:bodyPr spcFirstLastPara="0" vert="horz" wrap="square" lIns="49530" tIns="33020" rIns="49530" bIns="33020" numCol="1" spcCol="1270" anchor="ctr" anchorCtr="0">
+          <a:noAutofit/>
+        </a:bodyPr>
+        <a:lstStyle/>
+        <a:p>
+          <a:pPr lvl="0" algn="ctr" defTabSz="1155700">
+            <a:lnSpc>
+              <a:spcPct val="90000"/>
+            </a:lnSpc>
+            <a:spcBef>
+              <a:spcPct val="0"/>
+            </a:spcBef>
+            <a:spcAft>
+              <a:spcPct val="35000"/>
+            </a:spcAft>
+          </a:pPr>
+          <a:r>
+            <a:rPr lang="sv-SE" sz="2600" kern="1200" dirty="0" err="1" smtClean="0"/>
+            <a:t>Decomposition</a:t>
+          </a:r>
+          <a:endParaRPr lang="sv-SE" sz="2600" kern="1200" dirty="0"/>
+        </a:p>
+      </dsp:txBody>
+      <dsp:txXfrm>
+        <a:off x="47575" y="552433"/>
+        <a:ext cx="2627411" cy="1274067"/>
+      </dsp:txXfrm>
+    </dsp:sp>
+    <dsp:sp modelId="{E86BDBCE-28FF-1442-A35E-A17F0344C8AB}">
+      <dsp:nvSpPr>
+        <dsp:cNvPr id="0" name=""/>
+        <dsp:cNvSpPr/>
+      </dsp:nvSpPr>
+      <dsp:spPr>
+        <a:xfrm>
+          <a:off x="278606" y="1866139"/>
+          <a:ext cx="270668" cy="1015007"/>
+        </a:xfrm>
+        <a:custGeom>
+          <a:avLst/>
+          <a:gdLst/>
+          <a:ahLst/>
+          <a:cxnLst/>
+          <a:rect l="0" t="0" r="0" b="0"/>
+          <a:pathLst>
+            <a:path>
+              <a:moveTo>
+                <a:pt x="0" y="0"/>
+              </a:moveTo>
+              <a:lnTo>
+                <a:pt x="0" y="1015007"/>
+              </a:lnTo>
+              <a:lnTo>
+                <a:pt x="270668" y="1015007"/>
+              </a:lnTo>
+            </a:path>
+          </a:pathLst>
+        </a:custGeom>
+        <a:noFill/>
+        <a:ln w="9525" cap="rnd" cmpd="sng" algn="ctr">
+          <a:solidFill>
+            <a:schemeClr val="accent1">
+              <a:shade val="60000"/>
+              <a:hueOff val="0"/>
+              <a:satOff val="0"/>
+              <a:lumOff val="0"/>
+              <a:alphaOff val="0"/>
+            </a:schemeClr>
+          </a:solidFill>
+          <a:prstDash val="solid"/>
+        </a:ln>
+        <a:effectLst/>
+      </dsp:spPr>
+      <dsp:style>
+        <a:lnRef idx="1">
+          <a:scrgbClr r="0" g="0" b="0"/>
+        </a:lnRef>
+        <a:fillRef idx="0">
+          <a:scrgbClr r="0" g="0" b="0"/>
+        </a:fillRef>
+        <a:effectRef idx="0">
+          <a:scrgbClr r="0" g="0" b="0"/>
+        </a:effectRef>
+        <a:fontRef idx="minor"/>
+      </dsp:style>
+    </dsp:sp>
+    <dsp:sp modelId="{AAF27C23-627A-714A-8558-F43E4B9B12E1}">
+      <dsp:nvSpPr>
+        <dsp:cNvPr id="0" name=""/>
+        <dsp:cNvSpPr/>
+      </dsp:nvSpPr>
+      <dsp:spPr>
+        <a:xfrm>
+          <a:off x="549275" y="2204475"/>
+          <a:ext cx="2165350" cy="1353343"/>
+        </a:xfrm>
+        <a:prstGeom prst="roundRect">
+          <a:avLst>
+            <a:gd name="adj" fmla="val 10000"/>
+          </a:avLst>
+        </a:prstGeom>
+        <a:solidFill>
+          <a:schemeClr val="lt1">
+            <a:alpha val="90000"/>
+            <a:hueOff val="0"/>
+            <a:satOff val="0"/>
+            <a:lumOff val="0"/>
+            <a:alphaOff val="0"/>
+          </a:schemeClr>
+        </a:solidFill>
+        <a:ln w="9525" cap="rnd" cmpd="sng" algn="ctr">
+          <a:solidFill>
+            <a:schemeClr val="accent1">
+              <a:hueOff val="0"/>
+              <a:satOff val="0"/>
+              <a:lumOff val="0"/>
+              <a:alphaOff val="0"/>
+            </a:schemeClr>
+          </a:solidFill>
+          <a:prstDash val="solid"/>
+        </a:ln>
+        <a:effectLst/>
+      </dsp:spPr>
+      <dsp:style>
+        <a:lnRef idx="1">
+          <a:scrgbClr r="0" g="0" b="0"/>
+        </a:lnRef>
+        <a:fillRef idx="1">
+          <a:scrgbClr r="0" g="0" b="0"/>
+        </a:fillRef>
+        <a:effectRef idx="0">
+          <a:scrgbClr r="0" g="0" b="0"/>
+        </a:effectRef>
+        <a:fontRef idx="minor"/>
+      </dsp:style>
+      <dsp:txBody>
+        <a:bodyPr spcFirstLastPara="0" vert="horz" wrap="square" lIns="45720" tIns="30480" rIns="45720" bIns="30480" numCol="1" spcCol="1270" anchor="ctr" anchorCtr="0">
+          <a:noAutofit/>
+        </a:bodyPr>
+        <a:lstStyle/>
+        <a:p>
+          <a:pPr lvl="0" algn="ctr" defTabSz="1066800">
+            <a:lnSpc>
+              <a:spcPct val="90000"/>
+            </a:lnSpc>
+            <a:spcBef>
+              <a:spcPct val="0"/>
+            </a:spcBef>
+            <a:spcAft>
+              <a:spcPct val="35000"/>
+            </a:spcAft>
+          </a:pPr>
+          <a:r>
+            <a:rPr lang="sv-SE" sz="2400" kern="1200" dirty="0" err="1" smtClean="0"/>
+            <a:t>Decompose</a:t>
+          </a:r>
+          <a:r>
+            <a:rPr lang="sv-SE" sz="2400" kern="1200" dirty="0" smtClean="0"/>
+            <a:t> by business </a:t>
+          </a:r>
+          <a:r>
+            <a:rPr lang="sv-SE" sz="2400" kern="1200" dirty="0" err="1" smtClean="0"/>
+            <a:t>capability</a:t>
+          </a:r>
+          <a:endParaRPr lang="sv-SE" sz="2400" kern="1200" dirty="0"/>
+        </a:p>
+      </dsp:txBody>
+      <dsp:txXfrm>
+        <a:off x="588913" y="2244113"/>
+        <a:ext cx="2086074" cy="1274067"/>
+      </dsp:txXfrm>
+    </dsp:sp>
+    <dsp:sp modelId="{4C6483A4-C398-1447-8656-C8DB469EB102}">
+      <dsp:nvSpPr>
+        <dsp:cNvPr id="0" name=""/>
+        <dsp:cNvSpPr/>
+      </dsp:nvSpPr>
+      <dsp:spPr>
+        <a:xfrm>
+          <a:off x="3391296" y="512795"/>
+          <a:ext cx="2706687" cy="1353343"/>
+        </a:xfrm>
+        <a:prstGeom prst="roundRect">
+          <a:avLst>
+            <a:gd name="adj" fmla="val 10000"/>
+          </a:avLst>
+        </a:prstGeom>
+        <a:gradFill rotWithShape="0">
+          <a:gsLst>
+            <a:gs pos="0">
+              <a:schemeClr val="accent1">
+                <a:hueOff val="0"/>
+                <a:satOff val="0"/>
+                <a:lumOff val="0"/>
+                <a:alphaOff val="0"/>
+                <a:tint val="98000"/>
+                <a:lumMod val="114000"/>
+              </a:schemeClr>
+            </a:gs>
+            <a:gs pos="100000">
+              <a:schemeClr val="accent1">
+                <a:hueOff val="0"/>
+                <a:satOff val="0"/>
+                <a:lumOff val="0"/>
+                <a:alphaOff val="0"/>
+                <a:shade val="90000"/>
+                <a:lumMod val="84000"/>
+              </a:schemeClr>
+            </a:gs>
+          </a:gsLst>
+          <a:lin ang="5400000" scaled="0"/>
+        </a:gradFill>
+        <a:ln>
+          <a:noFill/>
+        </a:ln>
+        <a:effectLst>
+          <a:outerShdw blurRad="38100" dist="25400" dir="5400000" rotWithShape="0">
+            <a:srgbClr val="000000">
+              <a:alpha val="45000"/>
+            </a:srgbClr>
+          </a:outerShdw>
+        </a:effectLst>
+      </dsp:spPr>
+      <dsp:style>
+        <a:lnRef idx="0">
+          <a:scrgbClr r="0" g="0" b="0"/>
+        </a:lnRef>
+        <a:fillRef idx="3">
+          <a:scrgbClr r="0" g="0" b="0"/>
+        </a:fillRef>
+        <a:effectRef idx="2">
+          <a:scrgbClr r="0" g="0" b="0"/>
+        </a:effectRef>
+        <a:fontRef idx="minor">
+          <a:schemeClr val="lt1"/>
+        </a:fontRef>
+      </dsp:style>
+      <dsp:txBody>
+        <a:bodyPr spcFirstLastPara="0" vert="horz" wrap="square" lIns="49530" tIns="33020" rIns="49530" bIns="33020" numCol="1" spcCol="1270" anchor="ctr" anchorCtr="0">
+          <a:noAutofit/>
+        </a:bodyPr>
+        <a:lstStyle/>
+        <a:p>
+          <a:pPr lvl="0" algn="ctr" defTabSz="1155700">
+            <a:lnSpc>
+              <a:spcPct val="90000"/>
+            </a:lnSpc>
+            <a:spcBef>
+              <a:spcPct val="0"/>
+            </a:spcBef>
+            <a:spcAft>
+              <a:spcPct val="35000"/>
+            </a:spcAft>
+          </a:pPr>
+          <a:r>
+            <a:rPr lang="sv-SE" sz="2600" kern="1200" dirty="0" smtClean="0"/>
+            <a:t>Integration</a:t>
+          </a:r>
+          <a:endParaRPr lang="sv-SE" sz="2600" kern="1200" dirty="0"/>
+        </a:p>
+      </dsp:txBody>
+      <dsp:txXfrm>
+        <a:off x="3430934" y="552433"/>
+        <a:ext cx="2627411" cy="1274067"/>
+      </dsp:txXfrm>
+    </dsp:sp>
+    <dsp:sp modelId="{AB3E1156-5BE7-A741-9F25-24C31315604D}">
+      <dsp:nvSpPr>
+        <dsp:cNvPr id="0" name=""/>
+        <dsp:cNvSpPr/>
+      </dsp:nvSpPr>
+      <dsp:spPr>
+        <a:xfrm>
+          <a:off x="3661965" y="1866139"/>
+          <a:ext cx="270668" cy="1015007"/>
+        </a:xfrm>
+        <a:custGeom>
+          <a:avLst/>
+          <a:gdLst/>
+          <a:ahLst/>
+          <a:cxnLst/>
+          <a:rect l="0" t="0" r="0" b="0"/>
+          <a:pathLst>
+            <a:path>
+              <a:moveTo>
+                <a:pt x="0" y="0"/>
+              </a:moveTo>
+              <a:lnTo>
+                <a:pt x="0" y="1015007"/>
+              </a:lnTo>
+              <a:lnTo>
+                <a:pt x="270668" y="1015007"/>
+              </a:lnTo>
+            </a:path>
+          </a:pathLst>
+        </a:custGeom>
+        <a:noFill/>
+        <a:ln w="9525" cap="rnd" cmpd="sng" algn="ctr">
+          <a:solidFill>
+            <a:schemeClr val="accent1">
+              <a:shade val="60000"/>
+              <a:hueOff val="0"/>
+              <a:satOff val="0"/>
+              <a:lumOff val="0"/>
+              <a:alphaOff val="0"/>
+            </a:schemeClr>
+          </a:solidFill>
+          <a:prstDash val="solid"/>
+        </a:ln>
+        <a:effectLst/>
+      </dsp:spPr>
+      <dsp:style>
+        <a:lnRef idx="1">
+          <a:scrgbClr r="0" g="0" b="0"/>
+        </a:lnRef>
+        <a:fillRef idx="0">
+          <a:scrgbClr r="0" g="0" b="0"/>
+        </a:fillRef>
+        <a:effectRef idx="0">
+          <a:scrgbClr r="0" g="0" b="0"/>
+        </a:effectRef>
+        <a:fontRef idx="minor"/>
+      </dsp:style>
+    </dsp:sp>
+    <dsp:sp modelId="{4286BA54-4F69-D546-AF73-7A636A163BB1}">
+      <dsp:nvSpPr>
+        <dsp:cNvPr id="0" name=""/>
+        <dsp:cNvSpPr/>
+      </dsp:nvSpPr>
+      <dsp:spPr>
+        <a:xfrm>
+          <a:off x="3932634" y="2204475"/>
+          <a:ext cx="2165350" cy="1353343"/>
+        </a:xfrm>
+        <a:prstGeom prst="roundRect">
+          <a:avLst>
+            <a:gd name="adj" fmla="val 10000"/>
+          </a:avLst>
+        </a:prstGeom>
+        <a:solidFill>
+          <a:schemeClr val="lt1">
+            <a:alpha val="90000"/>
+            <a:hueOff val="0"/>
+            <a:satOff val="0"/>
+            <a:lumOff val="0"/>
+            <a:alphaOff val="0"/>
+          </a:schemeClr>
+        </a:solidFill>
+        <a:ln w="9525" cap="rnd" cmpd="sng" algn="ctr">
+          <a:solidFill>
+            <a:schemeClr val="accent1">
+              <a:hueOff val="0"/>
+              <a:satOff val="0"/>
+              <a:lumOff val="0"/>
+              <a:alphaOff val="0"/>
+            </a:schemeClr>
+          </a:solidFill>
+          <a:prstDash val="solid"/>
+        </a:ln>
+        <a:effectLst/>
+      </dsp:spPr>
+      <dsp:style>
+        <a:lnRef idx="1">
+          <a:scrgbClr r="0" g="0" b="0"/>
+        </a:lnRef>
+        <a:fillRef idx="1">
+          <a:scrgbClr r="0" g="0" b="0"/>
+        </a:fillRef>
+        <a:effectRef idx="0">
+          <a:scrgbClr r="0" g="0" b="0"/>
+        </a:effectRef>
+        <a:fontRef idx="minor"/>
+      </dsp:style>
+      <dsp:txBody>
+        <a:bodyPr spcFirstLastPara="0" vert="horz" wrap="square" lIns="45720" tIns="30480" rIns="45720" bIns="30480" numCol="1" spcCol="1270" anchor="ctr" anchorCtr="0">
+          <a:noAutofit/>
+        </a:bodyPr>
+        <a:lstStyle/>
+        <a:p>
+          <a:pPr lvl="0" algn="ctr" defTabSz="1066800">
+            <a:lnSpc>
+              <a:spcPct val="90000"/>
+            </a:lnSpc>
+            <a:spcBef>
+              <a:spcPct val="0"/>
+            </a:spcBef>
+            <a:spcAft>
+              <a:spcPct val="35000"/>
+            </a:spcAft>
+          </a:pPr>
+          <a:r>
+            <a:rPr lang="sv-SE" sz="2400" kern="1200" dirty="0" smtClean="0"/>
+            <a:t>API </a:t>
+          </a:r>
+          <a:r>
+            <a:rPr lang="sv-SE" sz="2400" kern="1200" dirty="0" err="1" smtClean="0"/>
+            <a:t>gateway</a:t>
+          </a:r>
+          <a:endParaRPr lang="sv-SE" sz="2400" kern="1200" dirty="0"/>
+        </a:p>
+      </dsp:txBody>
+      <dsp:txXfrm>
+        <a:off x="3972272" y="2244113"/>
+        <a:ext cx="2086074" cy="1274067"/>
+      </dsp:txXfrm>
+    </dsp:sp>
+    <dsp:sp modelId="{DE746AC9-2AA2-414F-B619-959704074796}">
+      <dsp:nvSpPr>
+        <dsp:cNvPr id="0" name=""/>
+        <dsp:cNvSpPr/>
+      </dsp:nvSpPr>
+      <dsp:spPr>
+        <a:xfrm>
+          <a:off x="3661965" y="1866139"/>
+          <a:ext cx="270668" cy="2706687"/>
+        </a:xfrm>
+        <a:custGeom>
+          <a:avLst/>
+          <a:gdLst/>
+          <a:ahLst/>
+          <a:cxnLst/>
+          <a:rect l="0" t="0" r="0" b="0"/>
+          <a:pathLst>
+            <a:path>
+              <a:moveTo>
+                <a:pt x="0" y="0"/>
+              </a:moveTo>
+              <a:lnTo>
+                <a:pt x="0" y="2706687"/>
+              </a:lnTo>
+              <a:lnTo>
+                <a:pt x="270668" y="2706687"/>
+              </a:lnTo>
+            </a:path>
+          </a:pathLst>
+        </a:custGeom>
+        <a:noFill/>
+        <a:ln w="9525" cap="rnd" cmpd="sng" algn="ctr">
+          <a:solidFill>
+            <a:schemeClr val="accent1">
+              <a:shade val="60000"/>
+              <a:hueOff val="0"/>
+              <a:satOff val="0"/>
+              <a:lumOff val="0"/>
+              <a:alphaOff val="0"/>
+            </a:schemeClr>
+          </a:solidFill>
+          <a:prstDash val="solid"/>
+        </a:ln>
+        <a:effectLst/>
+      </dsp:spPr>
+      <dsp:style>
+        <a:lnRef idx="1">
+          <a:scrgbClr r="0" g="0" b="0"/>
+        </a:lnRef>
+        <a:fillRef idx="0">
+          <a:scrgbClr r="0" g="0" b="0"/>
+        </a:fillRef>
+        <a:effectRef idx="0">
+          <a:scrgbClr r="0" g="0" b="0"/>
+        </a:effectRef>
+        <a:fontRef idx="minor"/>
+      </dsp:style>
+    </dsp:sp>
+    <dsp:sp modelId="{C898A761-BEEA-B648-B14B-06DEACEE0937}">
+      <dsp:nvSpPr>
+        <dsp:cNvPr id="0" name=""/>
+        <dsp:cNvSpPr/>
+      </dsp:nvSpPr>
+      <dsp:spPr>
+        <a:xfrm>
+          <a:off x="3932634" y="3896154"/>
+          <a:ext cx="2165350" cy="1353343"/>
+        </a:xfrm>
+        <a:prstGeom prst="roundRect">
+          <a:avLst>
+            <a:gd name="adj" fmla="val 10000"/>
+          </a:avLst>
+        </a:prstGeom>
+        <a:solidFill>
+          <a:schemeClr val="lt1">
+            <a:alpha val="90000"/>
+            <a:hueOff val="0"/>
+            <a:satOff val="0"/>
+            <a:lumOff val="0"/>
+            <a:alphaOff val="0"/>
+          </a:schemeClr>
+        </a:solidFill>
+        <a:ln w="9525" cap="rnd" cmpd="sng" algn="ctr">
+          <a:solidFill>
+            <a:schemeClr val="accent1">
+              <a:hueOff val="0"/>
+              <a:satOff val="0"/>
+              <a:lumOff val="0"/>
+              <a:alphaOff val="0"/>
+            </a:schemeClr>
+          </a:solidFill>
+          <a:prstDash val="solid"/>
+        </a:ln>
+        <a:effectLst/>
+      </dsp:spPr>
+      <dsp:style>
+        <a:lnRef idx="1">
+          <a:scrgbClr r="0" g="0" b="0"/>
+        </a:lnRef>
+        <a:fillRef idx="1">
+          <a:scrgbClr r="0" g="0" b="0"/>
+        </a:fillRef>
+        <a:effectRef idx="0">
+          <a:scrgbClr r="0" g="0" b="0"/>
+        </a:effectRef>
+        <a:fontRef idx="minor"/>
+      </dsp:style>
+      <dsp:txBody>
+        <a:bodyPr spcFirstLastPara="0" vert="horz" wrap="square" lIns="45720" tIns="30480" rIns="45720" bIns="30480" numCol="1" spcCol="1270" anchor="ctr" anchorCtr="0">
+          <a:noAutofit/>
+        </a:bodyPr>
+        <a:lstStyle/>
+        <a:p>
+          <a:pPr lvl="0" algn="ctr" defTabSz="1066800">
+            <a:lnSpc>
+              <a:spcPct val="90000"/>
+            </a:lnSpc>
+            <a:spcBef>
+              <a:spcPct val="0"/>
+            </a:spcBef>
+            <a:spcAft>
+              <a:spcPct val="35000"/>
+            </a:spcAft>
+          </a:pPr>
+          <a:r>
+            <a:rPr lang="sv-SE" sz="2400" kern="1200" dirty="0" smtClean="0"/>
+            <a:t>Aggregator</a:t>
+          </a:r>
+          <a:endParaRPr lang="sv-SE" sz="2400" kern="1200" dirty="0"/>
+        </a:p>
+      </dsp:txBody>
+      <dsp:txXfrm>
+        <a:off x="3972272" y="3935792"/>
+        <a:ext cx="2086074" cy="1274067"/>
+      </dsp:txXfrm>
+    </dsp:sp>
+    <dsp:sp modelId="{D703E236-A92B-2049-94C4-5A5BF4D4DC16}">
+      <dsp:nvSpPr>
+        <dsp:cNvPr id="0" name=""/>
+        <dsp:cNvSpPr/>
+      </dsp:nvSpPr>
+      <dsp:spPr>
+        <a:xfrm>
+          <a:off x="3661965" y="1866139"/>
+          <a:ext cx="270668" cy="4398367"/>
+        </a:xfrm>
+        <a:custGeom>
+          <a:avLst/>
+          <a:gdLst/>
+          <a:ahLst/>
+          <a:cxnLst/>
+          <a:rect l="0" t="0" r="0" b="0"/>
+          <a:pathLst>
+            <a:path>
+              <a:moveTo>
+                <a:pt x="0" y="0"/>
+              </a:moveTo>
+              <a:lnTo>
+                <a:pt x="0" y="4398367"/>
+              </a:lnTo>
+              <a:lnTo>
+                <a:pt x="270668" y="4398367"/>
+              </a:lnTo>
+            </a:path>
+          </a:pathLst>
+        </a:custGeom>
+        <a:noFill/>
+        <a:ln w="9525" cap="rnd" cmpd="sng" algn="ctr">
+          <a:solidFill>
+            <a:schemeClr val="accent1">
+              <a:shade val="60000"/>
+              <a:hueOff val="0"/>
+              <a:satOff val="0"/>
+              <a:lumOff val="0"/>
+              <a:alphaOff val="0"/>
+            </a:schemeClr>
+          </a:solidFill>
+          <a:prstDash val="solid"/>
+        </a:ln>
+        <a:effectLst/>
+      </dsp:spPr>
+      <dsp:style>
+        <a:lnRef idx="1">
+          <a:scrgbClr r="0" g="0" b="0"/>
+        </a:lnRef>
+        <a:fillRef idx="0">
+          <a:scrgbClr r="0" g="0" b="0"/>
+        </a:fillRef>
+        <a:effectRef idx="0">
+          <a:scrgbClr r="0" g="0" b="0"/>
+        </a:effectRef>
+        <a:fontRef idx="minor"/>
+      </dsp:style>
+    </dsp:sp>
+    <dsp:sp modelId="{054436DC-02A9-5043-9BB8-977BD5DF1A2F}">
+      <dsp:nvSpPr>
+        <dsp:cNvPr id="0" name=""/>
+        <dsp:cNvSpPr/>
+      </dsp:nvSpPr>
+      <dsp:spPr>
+        <a:xfrm>
+          <a:off x="3932634" y="5587834"/>
+          <a:ext cx="2165350" cy="1353343"/>
+        </a:xfrm>
+        <a:prstGeom prst="roundRect">
+          <a:avLst>
+            <a:gd name="adj" fmla="val 10000"/>
+          </a:avLst>
+        </a:prstGeom>
+        <a:solidFill>
+          <a:schemeClr val="lt1">
+            <a:alpha val="90000"/>
+            <a:hueOff val="0"/>
+            <a:satOff val="0"/>
+            <a:lumOff val="0"/>
+            <a:alphaOff val="0"/>
+          </a:schemeClr>
+        </a:solidFill>
+        <a:ln w="9525" cap="rnd" cmpd="sng" algn="ctr">
+          <a:solidFill>
+            <a:schemeClr val="accent1">
+              <a:hueOff val="0"/>
+              <a:satOff val="0"/>
+              <a:lumOff val="0"/>
+              <a:alphaOff val="0"/>
+            </a:schemeClr>
+          </a:solidFill>
+          <a:prstDash val="solid"/>
+        </a:ln>
+        <a:effectLst/>
+      </dsp:spPr>
+      <dsp:style>
+        <a:lnRef idx="1">
+          <a:scrgbClr r="0" g="0" b="0"/>
+        </a:lnRef>
+        <a:fillRef idx="1">
+          <a:scrgbClr r="0" g="0" b="0"/>
+        </a:fillRef>
+        <a:effectRef idx="0">
+          <a:scrgbClr r="0" g="0" b="0"/>
+        </a:effectRef>
+        <a:fontRef idx="minor"/>
+      </dsp:style>
+      <dsp:txBody>
+        <a:bodyPr spcFirstLastPara="0" vert="horz" wrap="square" lIns="45720" tIns="30480" rIns="45720" bIns="30480" numCol="1" spcCol="1270" anchor="ctr" anchorCtr="0">
+          <a:noAutofit/>
+        </a:bodyPr>
+        <a:lstStyle/>
+        <a:p>
+          <a:pPr lvl="0" algn="ctr" defTabSz="1066800">
+            <a:lnSpc>
+              <a:spcPct val="90000"/>
+            </a:lnSpc>
+            <a:spcBef>
+              <a:spcPct val="0"/>
+            </a:spcBef>
+            <a:spcAft>
+              <a:spcPct val="35000"/>
+            </a:spcAft>
+          </a:pPr>
+          <a:r>
+            <a:rPr lang="sv-SE" sz="2400" kern="1200" dirty="0" err="1" smtClean="0"/>
+            <a:t>Chained</a:t>
+          </a:r>
+          <a:r>
+            <a:rPr lang="sv-SE" sz="2400" kern="1200" dirty="0" smtClean="0"/>
+            <a:t> </a:t>
+          </a:r>
+          <a:r>
+            <a:rPr lang="sv-SE" sz="2400" kern="1200" dirty="0" err="1" smtClean="0"/>
+            <a:t>microservie</a:t>
+          </a:r>
+          <a:endParaRPr lang="sv-SE" sz="2400" kern="1200" dirty="0"/>
+        </a:p>
+      </dsp:txBody>
+      <dsp:txXfrm>
+        <a:off x="3972272" y="5627472"/>
+        <a:ext cx="2086074" cy="1274067"/>
+      </dsp:txXfrm>
+    </dsp:sp>
+    <dsp:sp modelId="{AE72C6B8-52CF-5849-BE39-8F0F949C6428}">
+      <dsp:nvSpPr>
+        <dsp:cNvPr id="0" name=""/>
+        <dsp:cNvSpPr/>
+      </dsp:nvSpPr>
+      <dsp:spPr>
+        <a:xfrm>
+          <a:off x="3661965" y="1866139"/>
+          <a:ext cx="270668" cy="6090046"/>
+        </a:xfrm>
+        <a:custGeom>
+          <a:avLst/>
+          <a:gdLst/>
+          <a:ahLst/>
+          <a:cxnLst/>
+          <a:rect l="0" t="0" r="0" b="0"/>
+          <a:pathLst>
+            <a:path>
+              <a:moveTo>
+                <a:pt x="0" y="0"/>
+              </a:moveTo>
+              <a:lnTo>
+                <a:pt x="0" y="6090046"/>
+              </a:lnTo>
+              <a:lnTo>
+                <a:pt x="270668" y="6090046"/>
+              </a:lnTo>
+            </a:path>
+          </a:pathLst>
+        </a:custGeom>
+        <a:noFill/>
+        <a:ln w="9525" cap="rnd" cmpd="sng" algn="ctr">
+          <a:solidFill>
+            <a:schemeClr val="accent1">
+              <a:shade val="60000"/>
+              <a:hueOff val="0"/>
+              <a:satOff val="0"/>
+              <a:lumOff val="0"/>
+              <a:alphaOff val="0"/>
+            </a:schemeClr>
+          </a:solidFill>
+          <a:prstDash val="solid"/>
+        </a:ln>
+        <a:effectLst/>
+      </dsp:spPr>
+      <dsp:style>
+        <a:lnRef idx="1">
+          <a:scrgbClr r="0" g="0" b="0"/>
+        </a:lnRef>
+        <a:fillRef idx="0">
+          <a:scrgbClr r="0" g="0" b="0"/>
+        </a:fillRef>
+        <a:effectRef idx="0">
+          <a:scrgbClr r="0" g="0" b="0"/>
+        </a:effectRef>
+        <a:fontRef idx="minor"/>
+      </dsp:style>
+    </dsp:sp>
+    <dsp:sp modelId="{BF27FAB3-9E94-E24B-9966-C37C7445823C}">
+      <dsp:nvSpPr>
+        <dsp:cNvPr id="0" name=""/>
+        <dsp:cNvSpPr/>
+      </dsp:nvSpPr>
+      <dsp:spPr>
+        <a:xfrm>
+          <a:off x="3932634" y="7279514"/>
+          <a:ext cx="2165350" cy="1353343"/>
+        </a:xfrm>
+        <a:prstGeom prst="roundRect">
+          <a:avLst>
+            <a:gd name="adj" fmla="val 10000"/>
+          </a:avLst>
+        </a:prstGeom>
+        <a:solidFill>
+          <a:schemeClr val="lt1">
+            <a:alpha val="90000"/>
+            <a:hueOff val="0"/>
+            <a:satOff val="0"/>
+            <a:lumOff val="0"/>
+            <a:alphaOff val="0"/>
+          </a:schemeClr>
+        </a:solidFill>
+        <a:ln w="9525" cap="rnd" cmpd="sng" algn="ctr">
+          <a:solidFill>
+            <a:schemeClr val="accent1">
+              <a:hueOff val="0"/>
+              <a:satOff val="0"/>
+              <a:lumOff val="0"/>
+              <a:alphaOff val="0"/>
+            </a:schemeClr>
+          </a:solidFill>
+          <a:prstDash val="solid"/>
+        </a:ln>
+        <a:effectLst/>
+      </dsp:spPr>
+      <dsp:style>
+        <a:lnRef idx="1">
+          <a:scrgbClr r="0" g="0" b="0"/>
+        </a:lnRef>
+        <a:fillRef idx="1">
+          <a:scrgbClr r="0" g="0" b="0"/>
+        </a:fillRef>
+        <a:effectRef idx="0">
+          <a:scrgbClr r="0" g="0" b="0"/>
+        </a:effectRef>
+        <a:fontRef idx="minor"/>
+      </dsp:style>
+      <dsp:txBody>
+        <a:bodyPr spcFirstLastPara="0" vert="horz" wrap="square" lIns="45720" tIns="30480" rIns="45720" bIns="30480" numCol="1" spcCol="1270" anchor="ctr" anchorCtr="0">
+          <a:noAutofit/>
+        </a:bodyPr>
+        <a:lstStyle/>
+        <a:p>
+          <a:pPr lvl="0" algn="ctr" defTabSz="1066800">
+            <a:lnSpc>
+              <a:spcPct val="90000"/>
+            </a:lnSpc>
+            <a:spcBef>
+              <a:spcPct val="0"/>
+            </a:spcBef>
+            <a:spcAft>
+              <a:spcPct val="35000"/>
+            </a:spcAft>
+          </a:pPr>
+          <a:r>
+            <a:rPr lang="sv-SE" sz="2400" kern="1200" dirty="0" err="1" smtClean="0"/>
+            <a:t>Branch</a:t>
+          </a:r>
+          <a:endParaRPr lang="sv-SE" sz="2400" kern="1200" dirty="0"/>
+        </a:p>
+      </dsp:txBody>
+      <dsp:txXfrm>
+        <a:off x="3972272" y="7319152"/>
+        <a:ext cx="2086074" cy="1274067"/>
+      </dsp:txXfrm>
+    </dsp:sp>
+    <dsp:sp modelId="{677D1732-88D3-704D-9669-242C49F71D92}">
+      <dsp:nvSpPr>
+        <dsp:cNvPr id="0" name=""/>
+        <dsp:cNvSpPr/>
+      </dsp:nvSpPr>
+      <dsp:spPr>
+        <a:xfrm>
+          <a:off x="3661965" y="1866139"/>
+          <a:ext cx="270668" cy="7781726"/>
+        </a:xfrm>
+        <a:custGeom>
+          <a:avLst/>
+          <a:gdLst/>
+          <a:ahLst/>
+          <a:cxnLst/>
+          <a:rect l="0" t="0" r="0" b="0"/>
+          <a:pathLst>
+            <a:path>
+              <a:moveTo>
+                <a:pt x="0" y="0"/>
+              </a:moveTo>
+              <a:lnTo>
+                <a:pt x="0" y="7781726"/>
+              </a:lnTo>
+              <a:lnTo>
+                <a:pt x="270668" y="7781726"/>
+              </a:lnTo>
+            </a:path>
+          </a:pathLst>
+        </a:custGeom>
+        <a:noFill/>
+        <a:ln w="9525" cap="rnd" cmpd="sng" algn="ctr">
+          <a:solidFill>
+            <a:schemeClr val="accent1">
+              <a:shade val="60000"/>
+              <a:hueOff val="0"/>
+              <a:satOff val="0"/>
+              <a:lumOff val="0"/>
+              <a:alphaOff val="0"/>
+            </a:schemeClr>
+          </a:solidFill>
+          <a:prstDash val="solid"/>
+        </a:ln>
+        <a:effectLst/>
+      </dsp:spPr>
+      <dsp:style>
+        <a:lnRef idx="1">
+          <a:scrgbClr r="0" g="0" b="0"/>
+        </a:lnRef>
+        <a:fillRef idx="0">
+          <a:scrgbClr r="0" g="0" b="0"/>
+        </a:fillRef>
+        <a:effectRef idx="0">
+          <a:scrgbClr r="0" g="0" b="0"/>
+        </a:effectRef>
+        <a:fontRef idx="minor"/>
+      </dsp:style>
+    </dsp:sp>
+    <dsp:sp modelId="{9B120F63-1ED7-FC4E-8A4C-FA030E659E54}">
+      <dsp:nvSpPr>
+        <dsp:cNvPr id="0" name=""/>
+        <dsp:cNvSpPr/>
+      </dsp:nvSpPr>
+      <dsp:spPr>
+        <a:xfrm>
+          <a:off x="3932634" y="8971193"/>
+          <a:ext cx="2165350" cy="1353343"/>
+        </a:xfrm>
+        <a:prstGeom prst="roundRect">
+          <a:avLst>
+            <a:gd name="adj" fmla="val 10000"/>
+          </a:avLst>
+        </a:prstGeom>
+        <a:solidFill>
+          <a:schemeClr val="lt1">
+            <a:alpha val="90000"/>
+            <a:hueOff val="0"/>
+            <a:satOff val="0"/>
+            <a:lumOff val="0"/>
+            <a:alphaOff val="0"/>
+          </a:schemeClr>
+        </a:solidFill>
+        <a:ln w="9525" cap="rnd" cmpd="sng" algn="ctr">
+          <a:solidFill>
+            <a:schemeClr val="accent1">
+              <a:hueOff val="0"/>
+              <a:satOff val="0"/>
+              <a:lumOff val="0"/>
+              <a:alphaOff val="0"/>
+            </a:schemeClr>
+          </a:solidFill>
+          <a:prstDash val="solid"/>
+        </a:ln>
+        <a:effectLst/>
+      </dsp:spPr>
+      <dsp:style>
+        <a:lnRef idx="1">
+          <a:scrgbClr r="0" g="0" b="0"/>
+        </a:lnRef>
+        <a:fillRef idx="1">
+          <a:scrgbClr r="0" g="0" b="0"/>
+        </a:fillRef>
+        <a:effectRef idx="0">
+          <a:scrgbClr r="0" g="0" b="0"/>
+        </a:effectRef>
+        <a:fontRef idx="minor"/>
+      </dsp:style>
+      <dsp:txBody>
+        <a:bodyPr spcFirstLastPara="0" vert="horz" wrap="square" lIns="45720" tIns="30480" rIns="45720" bIns="30480" numCol="1" spcCol="1270" anchor="ctr" anchorCtr="0">
+          <a:noAutofit/>
+        </a:bodyPr>
+        <a:lstStyle/>
+        <a:p>
+          <a:pPr lvl="0" algn="ctr" defTabSz="1066800">
+            <a:lnSpc>
+              <a:spcPct val="90000"/>
+            </a:lnSpc>
+            <a:spcBef>
+              <a:spcPct val="0"/>
+            </a:spcBef>
+            <a:spcAft>
+              <a:spcPct val="35000"/>
+            </a:spcAft>
+          </a:pPr>
+          <a:r>
+            <a:rPr lang="sv-SE" sz="2400" kern="1200" dirty="0" err="1" smtClean="0"/>
+            <a:t>Client-side</a:t>
+          </a:r>
+          <a:r>
+            <a:rPr lang="sv-SE" sz="2400" kern="1200" dirty="0" smtClean="0"/>
+            <a:t> UI </a:t>
+          </a:r>
+          <a:r>
+            <a:rPr lang="sv-SE" sz="2400" kern="1200" dirty="0" err="1" smtClean="0"/>
+            <a:t>composition</a:t>
+          </a:r>
+          <a:endParaRPr lang="sv-SE" sz="2400" kern="1200" dirty="0"/>
+        </a:p>
+      </dsp:txBody>
+      <dsp:txXfrm>
+        <a:off x="3972272" y="9010831"/>
+        <a:ext cx="2086074" cy="1274067"/>
+      </dsp:txXfrm>
+    </dsp:sp>
+    <dsp:sp modelId="{5A1B82EF-2272-0B4E-87A7-1F6DD399FF18}">
+      <dsp:nvSpPr>
+        <dsp:cNvPr id="0" name=""/>
+        <dsp:cNvSpPr/>
+      </dsp:nvSpPr>
+      <dsp:spPr>
+        <a:xfrm>
+          <a:off x="6774656" y="512795"/>
+          <a:ext cx="2706687" cy="1353343"/>
+        </a:xfrm>
+        <a:prstGeom prst="roundRect">
+          <a:avLst>
+            <a:gd name="adj" fmla="val 10000"/>
+          </a:avLst>
+        </a:prstGeom>
+        <a:gradFill rotWithShape="0">
+          <a:gsLst>
+            <a:gs pos="0">
+              <a:schemeClr val="accent1">
+                <a:hueOff val="0"/>
+                <a:satOff val="0"/>
+                <a:lumOff val="0"/>
+                <a:alphaOff val="0"/>
+                <a:tint val="98000"/>
+                <a:lumMod val="114000"/>
+              </a:schemeClr>
+            </a:gs>
+            <a:gs pos="100000">
+              <a:schemeClr val="accent1">
+                <a:hueOff val="0"/>
+                <a:satOff val="0"/>
+                <a:lumOff val="0"/>
+                <a:alphaOff val="0"/>
+                <a:shade val="90000"/>
+                <a:lumMod val="84000"/>
+              </a:schemeClr>
+            </a:gs>
+          </a:gsLst>
+          <a:lin ang="5400000" scaled="0"/>
+        </a:gradFill>
+        <a:ln>
+          <a:noFill/>
+        </a:ln>
+        <a:effectLst>
+          <a:outerShdw blurRad="38100" dist="25400" dir="5400000" rotWithShape="0">
+            <a:srgbClr val="000000">
+              <a:alpha val="45000"/>
+            </a:srgbClr>
+          </a:outerShdw>
+        </a:effectLst>
+      </dsp:spPr>
+      <dsp:style>
+        <a:lnRef idx="0">
+          <a:scrgbClr r="0" g="0" b="0"/>
+        </a:lnRef>
+        <a:fillRef idx="3">
+          <a:scrgbClr r="0" g="0" b="0"/>
+        </a:fillRef>
+        <a:effectRef idx="2">
+          <a:scrgbClr r="0" g="0" b="0"/>
+        </a:effectRef>
+        <a:fontRef idx="minor">
+          <a:schemeClr val="lt1"/>
+        </a:fontRef>
+      </dsp:style>
+      <dsp:txBody>
+        <a:bodyPr spcFirstLastPara="0" vert="horz" wrap="square" lIns="49530" tIns="33020" rIns="49530" bIns="33020" numCol="1" spcCol="1270" anchor="ctr" anchorCtr="0">
+          <a:noAutofit/>
+        </a:bodyPr>
+        <a:lstStyle/>
+        <a:p>
+          <a:pPr lvl="0" algn="ctr" defTabSz="1155700">
+            <a:lnSpc>
+              <a:spcPct val="90000"/>
+            </a:lnSpc>
+            <a:spcBef>
+              <a:spcPct val="0"/>
+            </a:spcBef>
+            <a:spcAft>
+              <a:spcPct val="35000"/>
+            </a:spcAft>
+          </a:pPr>
+          <a:r>
+            <a:rPr lang="sv-SE" sz="2600" kern="1200" dirty="0" err="1" smtClean="0"/>
+            <a:t>Database</a:t>
+          </a:r>
+          <a:endParaRPr lang="sv-SE" sz="2600" kern="1200" dirty="0"/>
+        </a:p>
+      </dsp:txBody>
+      <dsp:txXfrm>
+        <a:off x="6814294" y="552433"/>
+        <a:ext cx="2627411" cy="1274067"/>
+      </dsp:txXfrm>
+    </dsp:sp>
+    <dsp:sp modelId="{847A49F8-2D89-9044-B496-3261551FA8D4}">
+      <dsp:nvSpPr>
+        <dsp:cNvPr id="0" name=""/>
+        <dsp:cNvSpPr/>
+      </dsp:nvSpPr>
+      <dsp:spPr>
+        <a:xfrm>
+          <a:off x="7045325" y="1866139"/>
+          <a:ext cx="270668" cy="1015007"/>
+        </a:xfrm>
+        <a:custGeom>
+          <a:avLst/>
+          <a:gdLst/>
+          <a:ahLst/>
+          <a:cxnLst/>
+          <a:rect l="0" t="0" r="0" b="0"/>
+          <a:pathLst>
+            <a:path>
+              <a:moveTo>
+                <a:pt x="0" y="0"/>
+              </a:moveTo>
+              <a:lnTo>
+                <a:pt x="0" y="1015007"/>
+              </a:lnTo>
+              <a:lnTo>
+                <a:pt x="270668" y="1015007"/>
+              </a:lnTo>
+            </a:path>
+          </a:pathLst>
+        </a:custGeom>
+        <a:noFill/>
+        <a:ln w="9525" cap="rnd" cmpd="sng" algn="ctr">
+          <a:solidFill>
+            <a:schemeClr val="accent1">
+              <a:shade val="60000"/>
+              <a:hueOff val="0"/>
+              <a:satOff val="0"/>
+              <a:lumOff val="0"/>
+              <a:alphaOff val="0"/>
+            </a:schemeClr>
+          </a:solidFill>
+          <a:prstDash val="solid"/>
+        </a:ln>
+        <a:effectLst/>
+      </dsp:spPr>
+      <dsp:style>
+        <a:lnRef idx="1">
+          <a:scrgbClr r="0" g="0" b="0"/>
+        </a:lnRef>
+        <a:fillRef idx="0">
+          <a:scrgbClr r="0" g="0" b="0"/>
+        </a:fillRef>
+        <a:effectRef idx="0">
+          <a:scrgbClr r="0" g="0" b="0"/>
+        </a:effectRef>
+        <a:fontRef idx="minor"/>
+      </dsp:style>
+    </dsp:sp>
+    <dsp:sp modelId="{FA6C4AE9-1911-5845-9F25-DE14F676416A}">
+      <dsp:nvSpPr>
+        <dsp:cNvPr id="0" name=""/>
+        <dsp:cNvSpPr/>
+      </dsp:nvSpPr>
+      <dsp:spPr>
+        <a:xfrm>
+          <a:off x="7315993" y="2204475"/>
+          <a:ext cx="2165350" cy="1353343"/>
+        </a:xfrm>
+        <a:prstGeom prst="roundRect">
+          <a:avLst>
+            <a:gd name="adj" fmla="val 10000"/>
+          </a:avLst>
+        </a:prstGeom>
+        <a:solidFill>
+          <a:schemeClr val="lt1">
+            <a:alpha val="90000"/>
+            <a:hueOff val="0"/>
+            <a:satOff val="0"/>
+            <a:lumOff val="0"/>
+            <a:alphaOff val="0"/>
+          </a:schemeClr>
+        </a:solidFill>
+        <a:ln w="9525" cap="rnd" cmpd="sng" algn="ctr">
+          <a:solidFill>
+            <a:schemeClr val="accent1">
+              <a:hueOff val="0"/>
+              <a:satOff val="0"/>
+              <a:lumOff val="0"/>
+              <a:alphaOff val="0"/>
+            </a:schemeClr>
+          </a:solidFill>
+          <a:prstDash val="solid"/>
+        </a:ln>
+        <a:effectLst/>
+      </dsp:spPr>
+      <dsp:style>
+        <a:lnRef idx="1">
+          <a:scrgbClr r="0" g="0" b="0"/>
+        </a:lnRef>
+        <a:fillRef idx="1">
+          <a:scrgbClr r="0" g="0" b="0"/>
+        </a:fillRef>
+        <a:effectRef idx="0">
+          <a:scrgbClr r="0" g="0" b="0"/>
+        </a:effectRef>
+        <a:fontRef idx="minor"/>
+      </dsp:style>
+      <dsp:txBody>
+        <a:bodyPr spcFirstLastPara="0" vert="horz" wrap="square" lIns="45720" tIns="30480" rIns="45720" bIns="30480" numCol="1" spcCol="1270" anchor="ctr" anchorCtr="0">
+          <a:noAutofit/>
+        </a:bodyPr>
+        <a:lstStyle/>
+        <a:p>
+          <a:pPr lvl="0" algn="ctr" defTabSz="1066800">
+            <a:lnSpc>
+              <a:spcPct val="90000"/>
+            </a:lnSpc>
+            <a:spcBef>
+              <a:spcPct val="0"/>
+            </a:spcBef>
+            <a:spcAft>
+              <a:spcPct val="35000"/>
+            </a:spcAft>
+          </a:pPr>
+          <a:r>
+            <a:rPr lang="sv-SE" sz="2400" kern="1200" dirty="0" err="1" smtClean="0"/>
+            <a:t>Database</a:t>
+          </a:r>
+          <a:r>
+            <a:rPr lang="sv-SE" sz="2400" kern="1200" dirty="0" smtClean="0"/>
+            <a:t> per service</a:t>
+          </a:r>
+          <a:endParaRPr lang="sv-SE" sz="2400" kern="1200" dirty="0"/>
+        </a:p>
+      </dsp:txBody>
+      <dsp:txXfrm>
+        <a:off x="7355631" y="2244113"/>
+        <a:ext cx="2086074" cy="1274067"/>
+      </dsp:txXfrm>
+    </dsp:sp>
+    <dsp:sp modelId="{C7218F20-992C-144C-8D56-AADBEAC09C56}">
+      <dsp:nvSpPr>
+        <dsp:cNvPr id="0" name=""/>
+        <dsp:cNvSpPr/>
+      </dsp:nvSpPr>
+      <dsp:spPr>
+        <a:xfrm>
+          <a:off x="7045325" y="1866139"/>
+          <a:ext cx="270668" cy="2706687"/>
+        </a:xfrm>
+        <a:custGeom>
+          <a:avLst/>
+          <a:gdLst/>
+          <a:ahLst/>
+          <a:cxnLst/>
+          <a:rect l="0" t="0" r="0" b="0"/>
+          <a:pathLst>
+            <a:path>
+              <a:moveTo>
+                <a:pt x="0" y="0"/>
+              </a:moveTo>
+              <a:lnTo>
+                <a:pt x="0" y="2706687"/>
+              </a:lnTo>
+              <a:lnTo>
+                <a:pt x="270668" y="2706687"/>
+              </a:lnTo>
+            </a:path>
+          </a:pathLst>
+        </a:custGeom>
+        <a:noFill/>
+        <a:ln w="9525" cap="rnd" cmpd="sng" algn="ctr">
+          <a:solidFill>
+            <a:schemeClr val="accent1">
+              <a:shade val="60000"/>
+              <a:hueOff val="0"/>
+              <a:satOff val="0"/>
+              <a:lumOff val="0"/>
+              <a:alphaOff val="0"/>
+            </a:schemeClr>
+          </a:solidFill>
+          <a:prstDash val="solid"/>
+        </a:ln>
+        <a:effectLst/>
+      </dsp:spPr>
+      <dsp:style>
+        <a:lnRef idx="1">
+          <a:scrgbClr r="0" g="0" b="0"/>
+        </a:lnRef>
+        <a:fillRef idx="0">
+          <a:scrgbClr r="0" g="0" b="0"/>
+        </a:fillRef>
+        <a:effectRef idx="0">
+          <a:scrgbClr r="0" g="0" b="0"/>
+        </a:effectRef>
+        <a:fontRef idx="minor"/>
+      </dsp:style>
+    </dsp:sp>
+    <dsp:sp modelId="{8D712520-BFF8-344F-81A1-47936F22B863}">
+      <dsp:nvSpPr>
+        <dsp:cNvPr id="0" name=""/>
+        <dsp:cNvSpPr/>
+      </dsp:nvSpPr>
+      <dsp:spPr>
+        <a:xfrm>
+          <a:off x="7315993" y="3896154"/>
+          <a:ext cx="2165350" cy="1353343"/>
+        </a:xfrm>
+        <a:prstGeom prst="roundRect">
+          <a:avLst>
+            <a:gd name="adj" fmla="val 10000"/>
+          </a:avLst>
+        </a:prstGeom>
+        <a:solidFill>
+          <a:schemeClr val="lt1">
+            <a:alpha val="90000"/>
+            <a:hueOff val="0"/>
+            <a:satOff val="0"/>
+            <a:lumOff val="0"/>
+            <a:alphaOff val="0"/>
+          </a:schemeClr>
+        </a:solidFill>
+        <a:ln w="9525" cap="rnd" cmpd="sng" algn="ctr">
+          <a:solidFill>
+            <a:schemeClr val="accent1">
+              <a:hueOff val="0"/>
+              <a:satOff val="0"/>
+              <a:lumOff val="0"/>
+              <a:alphaOff val="0"/>
+            </a:schemeClr>
+          </a:solidFill>
+          <a:prstDash val="solid"/>
+        </a:ln>
+        <a:effectLst/>
+      </dsp:spPr>
+      <dsp:style>
+        <a:lnRef idx="1">
+          <a:scrgbClr r="0" g="0" b="0"/>
+        </a:lnRef>
+        <a:fillRef idx="1">
+          <a:scrgbClr r="0" g="0" b="0"/>
+        </a:fillRef>
+        <a:effectRef idx="0">
+          <a:scrgbClr r="0" g="0" b="0"/>
+        </a:effectRef>
+        <a:fontRef idx="minor"/>
+      </dsp:style>
+      <dsp:txBody>
+        <a:bodyPr spcFirstLastPara="0" vert="horz" wrap="square" lIns="45720" tIns="30480" rIns="45720" bIns="30480" numCol="1" spcCol="1270" anchor="ctr" anchorCtr="0">
+          <a:noAutofit/>
+        </a:bodyPr>
+        <a:lstStyle/>
+        <a:p>
+          <a:pPr lvl="0" algn="ctr" defTabSz="1066800">
+            <a:lnSpc>
+              <a:spcPct val="90000"/>
+            </a:lnSpc>
+            <a:spcBef>
+              <a:spcPct val="0"/>
+            </a:spcBef>
+            <a:spcAft>
+              <a:spcPct val="35000"/>
+            </a:spcAft>
+          </a:pPr>
+          <a:r>
+            <a:rPr lang="sv-SE" sz="2400" kern="1200" dirty="0" err="1" smtClean="0"/>
+            <a:t>Shared</a:t>
+          </a:r>
+          <a:r>
+            <a:rPr lang="sv-SE" sz="2400" kern="1200" dirty="0" smtClean="0"/>
+            <a:t> </a:t>
+          </a:r>
+          <a:r>
+            <a:rPr lang="sv-SE" sz="2400" kern="1200" dirty="0" err="1" smtClean="0"/>
+            <a:t>database</a:t>
+          </a:r>
+          <a:r>
+            <a:rPr lang="sv-SE" sz="2400" kern="1200" dirty="0" smtClean="0"/>
+            <a:t> per service</a:t>
+          </a:r>
+          <a:endParaRPr lang="sv-SE" sz="2400" kern="1200" dirty="0"/>
+        </a:p>
+      </dsp:txBody>
+      <dsp:txXfrm>
+        <a:off x="7355631" y="3935792"/>
+        <a:ext cx="2086074" cy="1274067"/>
+      </dsp:txXfrm>
+    </dsp:sp>
+    <dsp:sp modelId="{FF6E5BDC-A960-F24A-B954-4486C9D91F66}">
+      <dsp:nvSpPr>
+        <dsp:cNvPr id="0" name=""/>
+        <dsp:cNvSpPr/>
+      </dsp:nvSpPr>
+      <dsp:spPr>
+        <a:xfrm>
+          <a:off x="7045325" y="1866139"/>
+          <a:ext cx="270668" cy="4398367"/>
+        </a:xfrm>
+        <a:custGeom>
+          <a:avLst/>
+          <a:gdLst/>
+          <a:ahLst/>
+          <a:cxnLst/>
+          <a:rect l="0" t="0" r="0" b="0"/>
+          <a:pathLst>
+            <a:path>
+              <a:moveTo>
+                <a:pt x="0" y="0"/>
+              </a:moveTo>
+              <a:lnTo>
+                <a:pt x="0" y="4398367"/>
+              </a:lnTo>
+              <a:lnTo>
+                <a:pt x="270668" y="4398367"/>
+              </a:lnTo>
+            </a:path>
+          </a:pathLst>
+        </a:custGeom>
+        <a:noFill/>
+        <a:ln w="9525" cap="rnd" cmpd="sng" algn="ctr">
+          <a:solidFill>
+            <a:schemeClr val="accent1">
+              <a:shade val="60000"/>
+              <a:hueOff val="0"/>
+              <a:satOff val="0"/>
+              <a:lumOff val="0"/>
+              <a:alphaOff val="0"/>
+            </a:schemeClr>
+          </a:solidFill>
+          <a:prstDash val="solid"/>
+        </a:ln>
+        <a:effectLst/>
+      </dsp:spPr>
+      <dsp:style>
+        <a:lnRef idx="1">
+          <a:scrgbClr r="0" g="0" b="0"/>
+        </a:lnRef>
+        <a:fillRef idx="0">
+          <a:scrgbClr r="0" g="0" b="0"/>
+        </a:fillRef>
+        <a:effectRef idx="0">
+          <a:scrgbClr r="0" g="0" b="0"/>
+        </a:effectRef>
+        <a:fontRef idx="minor"/>
+      </dsp:style>
+    </dsp:sp>
+    <dsp:sp modelId="{D062EF39-DAC3-2140-BDB2-1D18C68FB8BA}">
+      <dsp:nvSpPr>
+        <dsp:cNvPr id="0" name=""/>
+        <dsp:cNvSpPr/>
+      </dsp:nvSpPr>
+      <dsp:spPr>
+        <a:xfrm>
+          <a:off x="7315993" y="5587834"/>
+          <a:ext cx="2165350" cy="1353343"/>
+        </a:xfrm>
+        <a:prstGeom prst="roundRect">
+          <a:avLst>
+            <a:gd name="adj" fmla="val 10000"/>
+          </a:avLst>
+        </a:prstGeom>
+        <a:solidFill>
+          <a:schemeClr val="lt1">
+            <a:alpha val="90000"/>
+            <a:hueOff val="0"/>
+            <a:satOff val="0"/>
+            <a:lumOff val="0"/>
+            <a:alphaOff val="0"/>
+          </a:schemeClr>
+        </a:solidFill>
+        <a:ln w="9525" cap="rnd" cmpd="sng" algn="ctr">
+          <a:solidFill>
+            <a:schemeClr val="accent1">
+              <a:hueOff val="0"/>
+              <a:satOff val="0"/>
+              <a:lumOff val="0"/>
+              <a:alphaOff val="0"/>
+            </a:schemeClr>
+          </a:solidFill>
+          <a:prstDash val="solid"/>
+        </a:ln>
+        <a:effectLst/>
+      </dsp:spPr>
+      <dsp:style>
+        <a:lnRef idx="1">
+          <a:scrgbClr r="0" g="0" b="0"/>
+        </a:lnRef>
+        <a:fillRef idx="1">
+          <a:scrgbClr r="0" g="0" b="0"/>
+        </a:fillRef>
+        <a:effectRef idx="0">
+          <a:scrgbClr r="0" g="0" b="0"/>
+        </a:effectRef>
+        <a:fontRef idx="minor"/>
+      </dsp:style>
+      <dsp:txBody>
+        <a:bodyPr spcFirstLastPara="0" vert="horz" wrap="square" lIns="45720" tIns="30480" rIns="45720" bIns="30480" numCol="1" spcCol="1270" anchor="ctr" anchorCtr="0">
+          <a:noAutofit/>
+        </a:bodyPr>
+        <a:lstStyle/>
+        <a:p>
+          <a:pPr lvl="0" algn="ctr" defTabSz="1066800">
+            <a:lnSpc>
+              <a:spcPct val="90000"/>
+            </a:lnSpc>
+            <a:spcBef>
+              <a:spcPct val="0"/>
+            </a:spcBef>
+            <a:spcAft>
+              <a:spcPct val="35000"/>
+            </a:spcAft>
+          </a:pPr>
+          <a:r>
+            <a:rPr lang="sv-SE" sz="2400" kern="1200" dirty="0" smtClean="0"/>
+            <a:t>CQRS</a:t>
+          </a:r>
+          <a:endParaRPr lang="sv-SE" sz="2400" kern="1200" dirty="0"/>
+        </a:p>
+      </dsp:txBody>
+      <dsp:txXfrm>
+        <a:off x="7355631" y="5627472"/>
+        <a:ext cx="2086074" cy="1274067"/>
+      </dsp:txXfrm>
+    </dsp:sp>
+    <dsp:sp modelId="{999A89F6-D06D-8948-BFEB-63BAC2CD1842}">
+      <dsp:nvSpPr>
+        <dsp:cNvPr id="0" name=""/>
+        <dsp:cNvSpPr/>
+      </dsp:nvSpPr>
+      <dsp:spPr>
+        <a:xfrm>
+          <a:off x="7045325" y="1866139"/>
+          <a:ext cx="270668" cy="6090046"/>
+        </a:xfrm>
+        <a:custGeom>
+          <a:avLst/>
+          <a:gdLst/>
+          <a:ahLst/>
+          <a:cxnLst/>
+          <a:rect l="0" t="0" r="0" b="0"/>
+          <a:pathLst>
+            <a:path>
+              <a:moveTo>
+                <a:pt x="0" y="0"/>
+              </a:moveTo>
+              <a:lnTo>
+                <a:pt x="0" y="6090046"/>
+              </a:lnTo>
+              <a:lnTo>
+                <a:pt x="270668" y="6090046"/>
+              </a:lnTo>
+            </a:path>
+          </a:pathLst>
+        </a:custGeom>
+        <a:noFill/>
+        <a:ln w="9525" cap="rnd" cmpd="sng" algn="ctr">
+          <a:solidFill>
+            <a:schemeClr val="accent1">
+              <a:shade val="60000"/>
+              <a:hueOff val="0"/>
+              <a:satOff val="0"/>
+              <a:lumOff val="0"/>
+              <a:alphaOff val="0"/>
+            </a:schemeClr>
+          </a:solidFill>
+          <a:prstDash val="solid"/>
+        </a:ln>
+        <a:effectLst/>
+      </dsp:spPr>
+      <dsp:style>
+        <a:lnRef idx="1">
+          <a:scrgbClr r="0" g="0" b="0"/>
+        </a:lnRef>
+        <a:fillRef idx="0">
+          <a:scrgbClr r="0" g="0" b="0"/>
+        </a:fillRef>
+        <a:effectRef idx="0">
+          <a:scrgbClr r="0" g="0" b="0"/>
+        </a:effectRef>
+        <a:fontRef idx="minor"/>
+      </dsp:style>
+    </dsp:sp>
+    <dsp:sp modelId="{790F802C-CF3A-AC42-BDC8-AA98AE54F2C0}">
+      <dsp:nvSpPr>
+        <dsp:cNvPr id="0" name=""/>
+        <dsp:cNvSpPr/>
+      </dsp:nvSpPr>
+      <dsp:spPr>
+        <a:xfrm>
+          <a:off x="7315993" y="7279514"/>
+          <a:ext cx="2165350" cy="1353343"/>
+        </a:xfrm>
+        <a:prstGeom prst="roundRect">
+          <a:avLst>
+            <a:gd name="adj" fmla="val 10000"/>
+          </a:avLst>
+        </a:prstGeom>
+        <a:solidFill>
+          <a:schemeClr val="lt1">
+            <a:alpha val="90000"/>
+            <a:hueOff val="0"/>
+            <a:satOff val="0"/>
+            <a:lumOff val="0"/>
+            <a:alphaOff val="0"/>
+          </a:schemeClr>
+        </a:solidFill>
+        <a:ln w="9525" cap="rnd" cmpd="sng" algn="ctr">
+          <a:solidFill>
+            <a:schemeClr val="accent1">
+              <a:hueOff val="0"/>
+              <a:satOff val="0"/>
+              <a:lumOff val="0"/>
+              <a:alphaOff val="0"/>
+            </a:schemeClr>
+          </a:solidFill>
+          <a:prstDash val="solid"/>
+        </a:ln>
+        <a:effectLst/>
+      </dsp:spPr>
+      <dsp:style>
+        <a:lnRef idx="1">
+          <a:scrgbClr r="0" g="0" b="0"/>
+        </a:lnRef>
+        <a:fillRef idx="1">
+          <a:scrgbClr r="0" g="0" b="0"/>
+        </a:fillRef>
+        <a:effectRef idx="0">
+          <a:scrgbClr r="0" g="0" b="0"/>
+        </a:effectRef>
+        <a:fontRef idx="minor"/>
+      </dsp:style>
+      <dsp:txBody>
+        <a:bodyPr spcFirstLastPara="0" vert="horz" wrap="square" lIns="45720" tIns="30480" rIns="45720" bIns="30480" numCol="1" spcCol="1270" anchor="ctr" anchorCtr="0">
+          <a:noAutofit/>
+        </a:bodyPr>
+        <a:lstStyle/>
+        <a:p>
+          <a:pPr lvl="0" algn="ctr" defTabSz="1066800">
+            <a:lnSpc>
+              <a:spcPct val="90000"/>
+            </a:lnSpc>
+            <a:spcBef>
+              <a:spcPct val="0"/>
+            </a:spcBef>
+            <a:spcAft>
+              <a:spcPct val="35000"/>
+            </a:spcAft>
+          </a:pPr>
+          <a:r>
+            <a:rPr lang="sv-SE" sz="2400" kern="1200" dirty="0" smtClean="0"/>
+            <a:t>Event </a:t>
+          </a:r>
+          <a:r>
+            <a:rPr lang="sv-SE" sz="2400" kern="1200" dirty="0" err="1" smtClean="0"/>
+            <a:t>sourcing</a:t>
+          </a:r>
+          <a:endParaRPr lang="sv-SE" sz="2400" kern="1200" dirty="0"/>
+        </a:p>
+      </dsp:txBody>
+      <dsp:txXfrm>
+        <a:off x="7355631" y="7319152"/>
+        <a:ext cx="2086074" cy="1274067"/>
+      </dsp:txXfrm>
+    </dsp:sp>
+    <dsp:sp modelId="{A785FC01-3D4C-D74E-9B94-73FB2BCCB0DE}">
+      <dsp:nvSpPr>
+        <dsp:cNvPr id="0" name=""/>
+        <dsp:cNvSpPr/>
+      </dsp:nvSpPr>
+      <dsp:spPr>
+        <a:xfrm>
+          <a:off x="7045325" y="1866139"/>
+          <a:ext cx="270668" cy="7781726"/>
+        </a:xfrm>
+        <a:custGeom>
+          <a:avLst/>
+          <a:gdLst/>
+          <a:ahLst/>
+          <a:cxnLst/>
+          <a:rect l="0" t="0" r="0" b="0"/>
+          <a:pathLst>
+            <a:path>
+              <a:moveTo>
+                <a:pt x="0" y="0"/>
+              </a:moveTo>
+              <a:lnTo>
+                <a:pt x="0" y="7781726"/>
+              </a:lnTo>
+              <a:lnTo>
+                <a:pt x="270668" y="7781726"/>
+              </a:lnTo>
+            </a:path>
+          </a:pathLst>
+        </a:custGeom>
+        <a:noFill/>
+        <a:ln w="9525" cap="rnd" cmpd="sng" algn="ctr">
+          <a:solidFill>
+            <a:schemeClr val="accent1">
+              <a:shade val="60000"/>
+              <a:hueOff val="0"/>
+              <a:satOff val="0"/>
+              <a:lumOff val="0"/>
+              <a:alphaOff val="0"/>
+            </a:schemeClr>
+          </a:solidFill>
+          <a:prstDash val="solid"/>
+        </a:ln>
+        <a:effectLst/>
+      </dsp:spPr>
+      <dsp:style>
+        <a:lnRef idx="1">
+          <a:scrgbClr r="0" g="0" b="0"/>
+        </a:lnRef>
+        <a:fillRef idx="0">
+          <a:scrgbClr r="0" g="0" b="0"/>
+        </a:fillRef>
+        <a:effectRef idx="0">
+          <a:scrgbClr r="0" g="0" b="0"/>
+        </a:effectRef>
+        <a:fontRef idx="minor"/>
+      </dsp:style>
+    </dsp:sp>
+    <dsp:sp modelId="{FB581FAE-4DD0-6046-B963-E5390C8095FF}">
+      <dsp:nvSpPr>
+        <dsp:cNvPr id="0" name=""/>
+        <dsp:cNvSpPr/>
+      </dsp:nvSpPr>
+      <dsp:spPr>
+        <a:xfrm>
+          <a:off x="7315993" y="8971193"/>
+          <a:ext cx="2165350" cy="1353343"/>
+        </a:xfrm>
+        <a:prstGeom prst="roundRect">
+          <a:avLst>
+            <a:gd name="adj" fmla="val 10000"/>
+          </a:avLst>
+        </a:prstGeom>
+        <a:solidFill>
+          <a:schemeClr val="lt1">
+            <a:alpha val="90000"/>
+            <a:hueOff val="0"/>
+            <a:satOff val="0"/>
+            <a:lumOff val="0"/>
+            <a:alphaOff val="0"/>
+          </a:schemeClr>
+        </a:solidFill>
+        <a:ln w="9525" cap="rnd" cmpd="sng" algn="ctr">
+          <a:solidFill>
+            <a:schemeClr val="accent1">
+              <a:hueOff val="0"/>
+              <a:satOff val="0"/>
+              <a:lumOff val="0"/>
+              <a:alphaOff val="0"/>
+            </a:schemeClr>
+          </a:solidFill>
+          <a:prstDash val="solid"/>
+        </a:ln>
+        <a:effectLst/>
+      </dsp:spPr>
+      <dsp:style>
+        <a:lnRef idx="1">
+          <a:scrgbClr r="0" g="0" b="0"/>
+        </a:lnRef>
+        <a:fillRef idx="1">
+          <a:scrgbClr r="0" g="0" b="0"/>
+        </a:fillRef>
+        <a:effectRef idx="0">
+          <a:scrgbClr r="0" g="0" b="0"/>
+        </a:effectRef>
+        <a:fontRef idx="minor"/>
+      </dsp:style>
+      <dsp:txBody>
+        <a:bodyPr spcFirstLastPara="0" vert="horz" wrap="square" lIns="45720" tIns="30480" rIns="45720" bIns="30480" numCol="1" spcCol="1270" anchor="ctr" anchorCtr="0">
+          <a:noAutofit/>
+        </a:bodyPr>
+        <a:lstStyle/>
+        <a:p>
+          <a:pPr lvl="0" algn="ctr" defTabSz="1066800">
+            <a:lnSpc>
+              <a:spcPct val="90000"/>
+            </a:lnSpc>
+            <a:spcBef>
+              <a:spcPct val="0"/>
+            </a:spcBef>
+            <a:spcAft>
+              <a:spcPct val="35000"/>
+            </a:spcAft>
+          </a:pPr>
+          <a:r>
+            <a:rPr lang="sv-SE" sz="2400" kern="1200" dirty="0" smtClean="0"/>
+            <a:t>Saga</a:t>
+          </a:r>
+          <a:endParaRPr lang="sv-SE" sz="2400" kern="1200" dirty="0"/>
+        </a:p>
+      </dsp:txBody>
+      <dsp:txXfrm>
+        <a:off x="7355631" y="9010831"/>
+        <a:ext cx="2086074" cy="1274067"/>
+      </dsp:txXfrm>
+    </dsp:sp>
+    <dsp:sp modelId="{CA79BDC7-9524-9D4A-8350-EEF56E4E5D3E}">
+      <dsp:nvSpPr>
+        <dsp:cNvPr id="0" name=""/>
+        <dsp:cNvSpPr/>
+      </dsp:nvSpPr>
+      <dsp:spPr>
+        <a:xfrm>
+          <a:off x="10158015" y="512795"/>
+          <a:ext cx="2706687" cy="1353343"/>
+        </a:xfrm>
+        <a:prstGeom prst="roundRect">
+          <a:avLst>
+            <a:gd name="adj" fmla="val 10000"/>
+          </a:avLst>
+        </a:prstGeom>
+        <a:gradFill rotWithShape="0">
+          <a:gsLst>
+            <a:gs pos="0">
+              <a:schemeClr val="accent1">
+                <a:hueOff val="0"/>
+                <a:satOff val="0"/>
+                <a:lumOff val="0"/>
+                <a:alphaOff val="0"/>
+                <a:tint val="98000"/>
+                <a:lumMod val="114000"/>
+              </a:schemeClr>
+            </a:gs>
+            <a:gs pos="100000">
+              <a:schemeClr val="accent1">
+                <a:hueOff val="0"/>
+                <a:satOff val="0"/>
+                <a:lumOff val="0"/>
+                <a:alphaOff val="0"/>
+                <a:shade val="90000"/>
+                <a:lumMod val="84000"/>
+              </a:schemeClr>
+            </a:gs>
+          </a:gsLst>
+          <a:lin ang="5400000" scaled="0"/>
+        </a:gradFill>
+        <a:ln>
+          <a:noFill/>
+        </a:ln>
+        <a:effectLst>
+          <a:outerShdw blurRad="38100" dist="25400" dir="5400000" rotWithShape="0">
+            <a:srgbClr val="000000">
+              <a:alpha val="45000"/>
+            </a:srgbClr>
+          </a:outerShdw>
+        </a:effectLst>
+      </dsp:spPr>
+      <dsp:style>
+        <a:lnRef idx="0">
+          <a:scrgbClr r="0" g="0" b="0"/>
+        </a:lnRef>
+        <a:fillRef idx="3">
+          <a:scrgbClr r="0" g="0" b="0"/>
+        </a:fillRef>
+        <a:effectRef idx="2">
+          <a:scrgbClr r="0" g="0" b="0"/>
+        </a:effectRef>
+        <a:fontRef idx="minor">
+          <a:schemeClr val="lt1"/>
+        </a:fontRef>
+      </dsp:style>
+      <dsp:txBody>
+        <a:bodyPr spcFirstLastPara="0" vert="horz" wrap="square" lIns="49530" tIns="33020" rIns="49530" bIns="33020" numCol="1" spcCol="1270" anchor="ctr" anchorCtr="0">
+          <a:noAutofit/>
+        </a:bodyPr>
+        <a:lstStyle/>
+        <a:p>
+          <a:pPr lvl="0" algn="ctr" defTabSz="1155700">
+            <a:lnSpc>
+              <a:spcPct val="90000"/>
+            </a:lnSpc>
+            <a:spcBef>
+              <a:spcPct val="0"/>
+            </a:spcBef>
+            <a:spcAft>
+              <a:spcPct val="35000"/>
+            </a:spcAft>
+          </a:pPr>
+          <a:r>
+            <a:rPr lang="sv-SE" sz="2600" kern="1200" dirty="0" err="1" smtClean="0"/>
+            <a:t>Observability</a:t>
+          </a:r>
+          <a:endParaRPr lang="sv-SE" sz="2600" kern="1200" dirty="0"/>
+        </a:p>
+      </dsp:txBody>
+      <dsp:txXfrm>
+        <a:off x="10197653" y="552433"/>
+        <a:ext cx="2627411" cy="1274067"/>
+      </dsp:txXfrm>
+    </dsp:sp>
+    <dsp:sp modelId="{0EB9291A-2FC5-AF4E-A7DC-0C56AD37184D}">
+      <dsp:nvSpPr>
+        <dsp:cNvPr id="0" name=""/>
+        <dsp:cNvSpPr/>
+      </dsp:nvSpPr>
+      <dsp:spPr>
+        <a:xfrm>
+          <a:off x="10428684" y="1866139"/>
+          <a:ext cx="270668" cy="1015007"/>
+        </a:xfrm>
+        <a:custGeom>
+          <a:avLst/>
+          <a:gdLst/>
+          <a:ahLst/>
+          <a:cxnLst/>
+          <a:rect l="0" t="0" r="0" b="0"/>
+          <a:pathLst>
+            <a:path>
+              <a:moveTo>
+                <a:pt x="0" y="0"/>
+              </a:moveTo>
+              <a:lnTo>
+                <a:pt x="0" y="1015007"/>
+              </a:lnTo>
+              <a:lnTo>
+                <a:pt x="270668" y="1015007"/>
+              </a:lnTo>
+            </a:path>
+          </a:pathLst>
+        </a:custGeom>
+        <a:noFill/>
+        <a:ln w="9525" cap="rnd" cmpd="sng" algn="ctr">
+          <a:solidFill>
+            <a:schemeClr val="accent1">
+              <a:shade val="60000"/>
+              <a:hueOff val="0"/>
+              <a:satOff val="0"/>
+              <a:lumOff val="0"/>
+              <a:alphaOff val="0"/>
+            </a:schemeClr>
+          </a:solidFill>
+          <a:prstDash val="solid"/>
+        </a:ln>
+        <a:effectLst/>
+      </dsp:spPr>
+      <dsp:style>
+        <a:lnRef idx="1">
+          <a:scrgbClr r="0" g="0" b="0"/>
+        </a:lnRef>
+        <a:fillRef idx="0">
+          <a:scrgbClr r="0" g="0" b="0"/>
+        </a:fillRef>
+        <a:effectRef idx="0">
+          <a:scrgbClr r="0" g="0" b="0"/>
+        </a:effectRef>
+        <a:fontRef idx="minor"/>
+      </dsp:style>
+    </dsp:sp>
+    <dsp:sp modelId="{9DC8DFF7-5DC9-5349-B7E6-4A8ADC2EE825}">
+      <dsp:nvSpPr>
+        <dsp:cNvPr id="0" name=""/>
+        <dsp:cNvSpPr/>
+      </dsp:nvSpPr>
+      <dsp:spPr>
+        <a:xfrm>
+          <a:off x="10699353" y="2204475"/>
+          <a:ext cx="2165350" cy="1353343"/>
+        </a:xfrm>
+        <a:prstGeom prst="roundRect">
+          <a:avLst>
+            <a:gd name="adj" fmla="val 10000"/>
+          </a:avLst>
+        </a:prstGeom>
+        <a:solidFill>
+          <a:schemeClr val="lt1">
+            <a:alpha val="90000"/>
+            <a:hueOff val="0"/>
+            <a:satOff val="0"/>
+            <a:lumOff val="0"/>
+            <a:alphaOff val="0"/>
+          </a:schemeClr>
+        </a:solidFill>
+        <a:ln w="9525" cap="rnd" cmpd="sng" algn="ctr">
+          <a:solidFill>
+            <a:schemeClr val="accent1">
+              <a:hueOff val="0"/>
+              <a:satOff val="0"/>
+              <a:lumOff val="0"/>
+              <a:alphaOff val="0"/>
+            </a:schemeClr>
+          </a:solidFill>
+          <a:prstDash val="solid"/>
+        </a:ln>
+        <a:effectLst/>
+      </dsp:spPr>
+      <dsp:style>
+        <a:lnRef idx="1">
+          <a:scrgbClr r="0" g="0" b="0"/>
+        </a:lnRef>
+        <a:fillRef idx="1">
+          <a:scrgbClr r="0" g="0" b="0"/>
+        </a:fillRef>
+        <a:effectRef idx="0">
+          <a:scrgbClr r="0" g="0" b="0"/>
+        </a:effectRef>
+        <a:fontRef idx="minor"/>
+      </dsp:style>
+      <dsp:txBody>
+        <a:bodyPr spcFirstLastPara="0" vert="horz" wrap="square" lIns="45720" tIns="30480" rIns="45720" bIns="30480" numCol="1" spcCol="1270" anchor="ctr" anchorCtr="0">
+          <a:noAutofit/>
+        </a:bodyPr>
+        <a:lstStyle/>
+        <a:p>
+          <a:pPr lvl="0" algn="ctr" defTabSz="1066800">
+            <a:lnSpc>
+              <a:spcPct val="90000"/>
+            </a:lnSpc>
+            <a:spcBef>
+              <a:spcPct val="0"/>
+            </a:spcBef>
+            <a:spcAft>
+              <a:spcPct val="35000"/>
+            </a:spcAft>
+          </a:pPr>
+          <a:r>
+            <a:rPr lang="sv-SE" sz="2400" kern="1200" dirty="0" err="1" smtClean="0"/>
+            <a:t>Distributed</a:t>
+          </a:r>
+          <a:r>
+            <a:rPr lang="sv-SE" sz="2400" kern="1200" dirty="0" smtClean="0"/>
+            <a:t> </a:t>
+          </a:r>
+          <a:r>
+            <a:rPr lang="sv-SE" sz="2400" kern="1200" dirty="0" err="1" smtClean="0"/>
+            <a:t>tracing</a:t>
+          </a:r>
+          <a:endParaRPr lang="sv-SE" sz="2400" kern="1200" dirty="0"/>
+        </a:p>
+      </dsp:txBody>
+      <dsp:txXfrm>
+        <a:off x="10738991" y="2244113"/>
+        <a:ext cx="2086074" cy="1274067"/>
+      </dsp:txXfrm>
+    </dsp:sp>
+    <dsp:sp modelId="{55A9E830-5180-9245-B419-D704E253EB8D}">
+      <dsp:nvSpPr>
+        <dsp:cNvPr id="0" name=""/>
+        <dsp:cNvSpPr/>
+      </dsp:nvSpPr>
+      <dsp:spPr>
+        <a:xfrm>
+          <a:off x="10428684" y="1866139"/>
+          <a:ext cx="270668" cy="2706687"/>
+        </a:xfrm>
+        <a:custGeom>
+          <a:avLst/>
+          <a:gdLst/>
+          <a:ahLst/>
+          <a:cxnLst/>
+          <a:rect l="0" t="0" r="0" b="0"/>
+          <a:pathLst>
+            <a:path>
+              <a:moveTo>
+                <a:pt x="0" y="0"/>
+              </a:moveTo>
+              <a:lnTo>
+                <a:pt x="0" y="2706687"/>
+              </a:lnTo>
+              <a:lnTo>
+                <a:pt x="270668" y="2706687"/>
+              </a:lnTo>
+            </a:path>
+          </a:pathLst>
+        </a:custGeom>
+        <a:noFill/>
+        <a:ln w="9525" cap="rnd" cmpd="sng" algn="ctr">
+          <a:solidFill>
+            <a:schemeClr val="accent1">
+              <a:shade val="60000"/>
+              <a:hueOff val="0"/>
+              <a:satOff val="0"/>
+              <a:lumOff val="0"/>
+              <a:alphaOff val="0"/>
+            </a:schemeClr>
+          </a:solidFill>
+          <a:prstDash val="solid"/>
+        </a:ln>
+        <a:effectLst/>
+      </dsp:spPr>
+      <dsp:style>
+        <a:lnRef idx="1">
+          <a:scrgbClr r="0" g="0" b="0"/>
+        </a:lnRef>
+        <a:fillRef idx="0">
+          <a:scrgbClr r="0" g="0" b="0"/>
+        </a:fillRef>
+        <a:effectRef idx="0">
+          <a:scrgbClr r="0" g="0" b="0"/>
+        </a:effectRef>
+        <a:fontRef idx="minor"/>
+      </dsp:style>
+    </dsp:sp>
+    <dsp:sp modelId="{EE0B15EE-A370-F14D-B2CE-AC4BF45DF5E3}">
+      <dsp:nvSpPr>
+        <dsp:cNvPr id="0" name=""/>
+        <dsp:cNvSpPr/>
+      </dsp:nvSpPr>
+      <dsp:spPr>
+        <a:xfrm>
+          <a:off x="10699353" y="3896154"/>
+          <a:ext cx="2165350" cy="1353343"/>
+        </a:xfrm>
+        <a:prstGeom prst="roundRect">
+          <a:avLst>
+            <a:gd name="adj" fmla="val 10000"/>
+          </a:avLst>
+        </a:prstGeom>
+        <a:solidFill>
+          <a:schemeClr val="lt1">
+            <a:alpha val="90000"/>
+            <a:hueOff val="0"/>
+            <a:satOff val="0"/>
+            <a:lumOff val="0"/>
+            <a:alphaOff val="0"/>
+          </a:schemeClr>
+        </a:solidFill>
+        <a:ln w="9525" cap="rnd" cmpd="sng" algn="ctr">
+          <a:solidFill>
+            <a:schemeClr val="accent1">
+              <a:hueOff val="0"/>
+              <a:satOff val="0"/>
+              <a:lumOff val="0"/>
+              <a:alphaOff val="0"/>
+            </a:schemeClr>
+          </a:solidFill>
+          <a:prstDash val="solid"/>
+        </a:ln>
+        <a:effectLst/>
+      </dsp:spPr>
+      <dsp:style>
+        <a:lnRef idx="1">
+          <a:scrgbClr r="0" g="0" b="0"/>
+        </a:lnRef>
+        <a:fillRef idx="1">
+          <a:scrgbClr r="0" g="0" b="0"/>
+        </a:fillRef>
+        <a:effectRef idx="0">
+          <a:scrgbClr r="0" g="0" b="0"/>
+        </a:effectRef>
+        <a:fontRef idx="minor"/>
+      </dsp:style>
+      <dsp:txBody>
+        <a:bodyPr spcFirstLastPara="0" vert="horz" wrap="square" lIns="45720" tIns="30480" rIns="45720" bIns="30480" numCol="1" spcCol="1270" anchor="ctr" anchorCtr="0">
+          <a:noAutofit/>
+        </a:bodyPr>
+        <a:lstStyle/>
+        <a:p>
+          <a:pPr lvl="0" algn="ctr" defTabSz="1066800">
+            <a:lnSpc>
+              <a:spcPct val="90000"/>
+            </a:lnSpc>
+            <a:spcBef>
+              <a:spcPct val="0"/>
+            </a:spcBef>
+            <a:spcAft>
+              <a:spcPct val="35000"/>
+            </a:spcAft>
+          </a:pPr>
+          <a:r>
+            <a:rPr lang="sv-SE" sz="2400" kern="1200" dirty="0" smtClean="0"/>
+            <a:t>Health check API</a:t>
+          </a:r>
+          <a:endParaRPr lang="sv-SE" sz="2400" kern="1200" dirty="0"/>
+        </a:p>
+      </dsp:txBody>
+      <dsp:txXfrm>
+        <a:off x="10738991" y="3935792"/>
+        <a:ext cx="2086074" cy="1274067"/>
+      </dsp:txXfrm>
+    </dsp:sp>
+    <dsp:sp modelId="{7C3221A8-FE6C-8A44-A30C-ABC2FB33B0D1}">
+      <dsp:nvSpPr>
+        <dsp:cNvPr id="0" name=""/>
+        <dsp:cNvSpPr/>
+      </dsp:nvSpPr>
+      <dsp:spPr>
+        <a:xfrm>
+          <a:off x="10428684" y="1866139"/>
+          <a:ext cx="270668" cy="4398367"/>
+        </a:xfrm>
+        <a:custGeom>
+          <a:avLst/>
+          <a:gdLst/>
+          <a:ahLst/>
+          <a:cxnLst/>
+          <a:rect l="0" t="0" r="0" b="0"/>
+          <a:pathLst>
+            <a:path>
+              <a:moveTo>
+                <a:pt x="0" y="0"/>
+              </a:moveTo>
+              <a:lnTo>
+                <a:pt x="0" y="4398367"/>
+              </a:lnTo>
+              <a:lnTo>
+                <a:pt x="270668" y="4398367"/>
+              </a:lnTo>
+            </a:path>
+          </a:pathLst>
+        </a:custGeom>
+        <a:noFill/>
+        <a:ln w="9525" cap="rnd" cmpd="sng" algn="ctr">
+          <a:solidFill>
+            <a:schemeClr val="accent1">
+              <a:shade val="60000"/>
+              <a:hueOff val="0"/>
+              <a:satOff val="0"/>
+              <a:lumOff val="0"/>
+              <a:alphaOff val="0"/>
+            </a:schemeClr>
+          </a:solidFill>
+          <a:prstDash val="solid"/>
+        </a:ln>
+        <a:effectLst/>
+      </dsp:spPr>
+      <dsp:style>
+        <a:lnRef idx="1">
+          <a:scrgbClr r="0" g="0" b="0"/>
+        </a:lnRef>
+        <a:fillRef idx="0">
+          <a:scrgbClr r="0" g="0" b="0"/>
+        </a:fillRef>
+        <a:effectRef idx="0">
+          <a:scrgbClr r="0" g="0" b="0"/>
+        </a:effectRef>
+        <a:fontRef idx="minor"/>
+      </dsp:style>
+    </dsp:sp>
+    <dsp:sp modelId="{A8A72C08-E272-1C4B-A67A-4AF5CBEADE6C}">
+      <dsp:nvSpPr>
+        <dsp:cNvPr id="0" name=""/>
+        <dsp:cNvSpPr/>
+      </dsp:nvSpPr>
+      <dsp:spPr>
+        <a:xfrm>
+          <a:off x="10699353" y="5587834"/>
+          <a:ext cx="2165350" cy="1353343"/>
+        </a:xfrm>
+        <a:prstGeom prst="roundRect">
+          <a:avLst>
+            <a:gd name="adj" fmla="val 10000"/>
+          </a:avLst>
+        </a:prstGeom>
+        <a:solidFill>
+          <a:schemeClr val="lt1">
+            <a:alpha val="90000"/>
+            <a:hueOff val="0"/>
+            <a:satOff val="0"/>
+            <a:lumOff val="0"/>
+            <a:alphaOff val="0"/>
+          </a:schemeClr>
+        </a:solidFill>
+        <a:ln w="9525" cap="rnd" cmpd="sng" algn="ctr">
+          <a:solidFill>
+            <a:schemeClr val="accent1">
+              <a:hueOff val="0"/>
+              <a:satOff val="0"/>
+              <a:lumOff val="0"/>
+              <a:alphaOff val="0"/>
+            </a:schemeClr>
+          </a:solidFill>
+          <a:prstDash val="solid"/>
+        </a:ln>
+        <a:effectLst/>
+      </dsp:spPr>
+      <dsp:style>
+        <a:lnRef idx="1">
+          <a:scrgbClr r="0" g="0" b="0"/>
+        </a:lnRef>
+        <a:fillRef idx="1">
+          <a:scrgbClr r="0" g="0" b="0"/>
+        </a:fillRef>
+        <a:effectRef idx="0">
+          <a:scrgbClr r="0" g="0" b="0"/>
+        </a:effectRef>
+        <a:fontRef idx="minor"/>
+      </dsp:style>
+      <dsp:txBody>
+        <a:bodyPr spcFirstLastPara="0" vert="horz" wrap="square" lIns="45720" tIns="30480" rIns="45720" bIns="30480" numCol="1" spcCol="1270" anchor="ctr" anchorCtr="0">
+          <a:noAutofit/>
+        </a:bodyPr>
+        <a:lstStyle/>
+        <a:p>
+          <a:pPr lvl="0" algn="ctr" defTabSz="1066800">
+            <a:lnSpc>
+              <a:spcPct val="90000"/>
+            </a:lnSpc>
+            <a:spcBef>
+              <a:spcPct val="0"/>
+            </a:spcBef>
+            <a:spcAft>
+              <a:spcPct val="35000"/>
+            </a:spcAft>
+          </a:pPr>
+          <a:r>
+            <a:rPr lang="sv-SE" sz="2400" kern="1200" dirty="0" smtClean="0"/>
+            <a:t>Log aggregation</a:t>
+          </a:r>
+          <a:endParaRPr lang="sv-SE" sz="2400" kern="1200" dirty="0"/>
+        </a:p>
+      </dsp:txBody>
+      <dsp:txXfrm>
+        <a:off x="10738991" y="5627472"/>
+        <a:ext cx="2086074" cy="1274067"/>
+      </dsp:txXfrm>
+    </dsp:sp>
+    <dsp:sp modelId="{E4DF5847-9D80-BA4A-B9EA-744D6827D637}">
+      <dsp:nvSpPr>
+        <dsp:cNvPr id="0" name=""/>
+        <dsp:cNvSpPr/>
+      </dsp:nvSpPr>
+      <dsp:spPr>
+        <a:xfrm>
+          <a:off x="10428684" y="1866139"/>
+          <a:ext cx="270668" cy="6090046"/>
+        </a:xfrm>
+        <a:custGeom>
+          <a:avLst/>
+          <a:gdLst/>
+          <a:ahLst/>
+          <a:cxnLst/>
+          <a:rect l="0" t="0" r="0" b="0"/>
+          <a:pathLst>
+            <a:path>
+              <a:moveTo>
+                <a:pt x="0" y="0"/>
+              </a:moveTo>
+              <a:lnTo>
+                <a:pt x="0" y="6090046"/>
+              </a:lnTo>
+              <a:lnTo>
+                <a:pt x="270668" y="6090046"/>
+              </a:lnTo>
+            </a:path>
+          </a:pathLst>
+        </a:custGeom>
+        <a:noFill/>
+        <a:ln w="9525" cap="rnd" cmpd="sng" algn="ctr">
+          <a:solidFill>
+            <a:schemeClr val="accent1">
+              <a:shade val="60000"/>
+              <a:hueOff val="0"/>
+              <a:satOff val="0"/>
+              <a:lumOff val="0"/>
+              <a:alphaOff val="0"/>
+            </a:schemeClr>
+          </a:solidFill>
+          <a:prstDash val="solid"/>
+        </a:ln>
+        <a:effectLst/>
+      </dsp:spPr>
+      <dsp:style>
+        <a:lnRef idx="1">
+          <a:scrgbClr r="0" g="0" b="0"/>
+        </a:lnRef>
+        <a:fillRef idx="0">
+          <a:scrgbClr r="0" g="0" b="0"/>
+        </a:fillRef>
+        <a:effectRef idx="0">
+          <a:scrgbClr r="0" g="0" b="0"/>
+        </a:effectRef>
+        <a:fontRef idx="minor"/>
+      </dsp:style>
+    </dsp:sp>
+    <dsp:sp modelId="{260D9F0C-556A-E54D-95B8-9FE74908E1AF}">
+      <dsp:nvSpPr>
+        <dsp:cNvPr id="0" name=""/>
+        <dsp:cNvSpPr/>
+      </dsp:nvSpPr>
+      <dsp:spPr>
+        <a:xfrm>
+          <a:off x="10699353" y="7279514"/>
+          <a:ext cx="2165350" cy="1353343"/>
+        </a:xfrm>
+        <a:prstGeom prst="roundRect">
+          <a:avLst>
+            <a:gd name="adj" fmla="val 10000"/>
+          </a:avLst>
+        </a:prstGeom>
+        <a:solidFill>
+          <a:schemeClr val="lt1">
+            <a:alpha val="90000"/>
+            <a:hueOff val="0"/>
+            <a:satOff val="0"/>
+            <a:lumOff val="0"/>
+            <a:alphaOff val="0"/>
+          </a:schemeClr>
+        </a:solidFill>
+        <a:ln w="9525" cap="rnd" cmpd="sng" algn="ctr">
+          <a:solidFill>
+            <a:schemeClr val="accent1">
+              <a:hueOff val="0"/>
+              <a:satOff val="0"/>
+              <a:lumOff val="0"/>
+              <a:alphaOff val="0"/>
+            </a:schemeClr>
+          </a:solidFill>
+          <a:prstDash val="solid"/>
+        </a:ln>
+        <a:effectLst/>
+      </dsp:spPr>
+      <dsp:style>
+        <a:lnRef idx="1">
+          <a:scrgbClr r="0" g="0" b="0"/>
+        </a:lnRef>
+        <a:fillRef idx="1">
+          <a:scrgbClr r="0" g="0" b="0"/>
+        </a:fillRef>
+        <a:effectRef idx="0">
+          <a:scrgbClr r="0" g="0" b="0"/>
+        </a:effectRef>
+        <a:fontRef idx="minor"/>
+      </dsp:style>
+      <dsp:txBody>
+        <a:bodyPr spcFirstLastPara="0" vert="horz" wrap="square" lIns="45720" tIns="30480" rIns="45720" bIns="30480" numCol="1" spcCol="1270" anchor="ctr" anchorCtr="0">
+          <a:noAutofit/>
+        </a:bodyPr>
+        <a:lstStyle/>
+        <a:p>
+          <a:pPr lvl="0" algn="ctr" defTabSz="1066800">
+            <a:lnSpc>
+              <a:spcPct val="90000"/>
+            </a:lnSpc>
+            <a:spcBef>
+              <a:spcPct val="0"/>
+            </a:spcBef>
+            <a:spcAft>
+              <a:spcPct val="35000"/>
+            </a:spcAft>
+          </a:pPr>
+          <a:r>
+            <a:rPr lang="sv-SE" sz="2400" kern="1200" dirty="0" err="1" smtClean="0"/>
+            <a:t>Performance</a:t>
+          </a:r>
+          <a:r>
+            <a:rPr lang="sv-SE" sz="2400" kern="1200" dirty="0" smtClean="0"/>
+            <a:t> </a:t>
+          </a:r>
+          <a:r>
+            <a:rPr lang="sv-SE" sz="2400" kern="1200" dirty="0" err="1" smtClean="0"/>
+            <a:t>metrics</a:t>
+          </a:r>
+          <a:endParaRPr lang="sv-SE" sz="2400" kern="1200" dirty="0"/>
+        </a:p>
+      </dsp:txBody>
+      <dsp:txXfrm>
+        <a:off x="10738991" y="7319152"/>
+        <a:ext cx="2086074" cy="1274067"/>
+      </dsp:txXfrm>
+    </dsp:sp>
+    <dsp:sp modelId="{B8A017BA-55B1-4447-A97A-4D5EC8FEBF7D}">
+      <dsp:nvSpPr>
+        <dsp:cNvPr id="0" name=""/>
+        <dsp:cNvSpPr/>
+      </dsp:nvSpPr>
+      <dsp:spPr>
+        <a:xfrm>
+          <a:off x="13541374" y="512795"/>
+          <a:ext cx="2706687" cy="1353343"/>
+        </a:xfrm>
+        <a:prstGeom prst="roundRect">
+          <a:avLst>
+            <a:gd name="adj" fmla="val 10000"/>
+          </a:avLst>
+        </a:prstGeom>
+        <a:gradFill rotWithShape="0">
+          <a:gsLst>
+            <a:gs pos="0">
+              <a:schemeClr val="accent1">
+                <a:hueOff val="0"/>
+                <a:satOff val="0"/>
+                <a:lumOff val="0"/>
+                <a:alphaOff val="0"/>
+                <a:tint val="98000"/>
+                <a:lumMod val="114000"/>
+              </a:schemeClr>
+            </a:gs>
+            <a:gs pos="100000">
+              <a:schemeClr val="accent1">
+                <a:hueOff val="0"/>
+                <a:satOff val="0"/>
+                <a:lumOff val="0"/>
+                <a:alphaOff val="0"/>
+                <a:shade val="90000"/>
+                <a:lumMod val="84000"/>
+              </a:schemeClr>
+            </a:gs>
+          </a:gsLst>
+          <a:lin ang="5400000" scaled="0"/>
+        </a:gradFill>
+        <a:ln>
+          <a:noFill/>
+        </a:ln>
+        <a:effectLst>
+          <a:outerShdw blurRad="38100" dist="25400" dir="5400000" rotWithShape="0">
+            <a:srgbClr val="000000">
+              <a:alpha val="45000"/>
+            </a:srgbClr>
+          </a:outerShdw>
+        </a:effectLst>
+      </dsp:spPr>
+      <dsp:style>
+        <a:lnRef idx="0">
+          <a:scrgbClr r="0" g="0" b="0"/>
+        </a:lnRef>
+        <a:fillRef idx="3">
+          <a:scrgbClr r="0" g="0" b="0"/>
+        </a:fillRef>
+        <a:effectRef idx="2">
+          <a:scrgbClr r="0" g="0" b="0"/>
+        </a:effectRef>
+        <a:fontRef idx="minor">
+          <a:schemeClr val="lt1"/>
+        </a:fontRef>
+      </dsp:style>
+      <dsp:txBody>
+        <a:bodyPr spcFirstLastPara="0" vert="horz" wrap="square" lIns="49530" tIns="33020" rIns="49530" bIns="33020" numCol="1" spcCol="1270" anchor="ctr" anchorCtr="0">
+          <a:noAutofit/>
+        </a:bodyPr>
+        <a:lstStyle/>
+        <a:p>
+          <a:pPr lvl="0" algn="ctr" defTabSz="1155700">
+            <a:lnSpc>
+              <a:spcPct val="90000"/>
+            </a:lnSpc>
+            <a:spcBef>
+              <a:spcPct val="0"/>
+            </a:spcBef>
+            <a:spcAft>
+              <a:spcPct val="35000"/>
+            </a:spcAft>
+          </a:pPr>
+          <a:r>
+            <a:rPr lang="sv-SE" sz="2600" kern="1200" dirty="0" smtClean="0"/>
+            <a:t>Cross-</a:t>
+          </a:r>
+          <a:r>
+            <a:rPr lang="sv-SE" sz="2600" kern="1200" dirty="0" err="1" smtClean="0"/>
+            <a:t>cutting</a:t>
+          </a:r>
+          <a:r>
+            <a:rPr lang="sv-SE" sz="2600" kern="1200" dirty="0" smtClean="0"/>
+            <a:t> </a:t>
+          </a:r>
+          <a:r>
+            <a:rPr lang="sv-SE" sz="2600" kern="1200" dirty="0" err="1" smtClean="0"/>
+            <a:t>concerns</a:t>
+          </a:r>
+          <a:endParaRPr lang="sv-SE" sz="2600" kern="1200" dirty="0"/>
+        </a:p>
+      </dsp:txBody>
+      <dsp:txXfrm>
+        <a:off x="13581012" y="552433"/>
+        <a:ext cx="2627411" cy="1274067"/>
+      </dsp:txXfrm>
+    </dsp:sp>
+    <dsp:sp modelId="{A2FB4E40-6805-9147-822B-0F18CE1F2DA3}">
+      <dsp:nvSpPr>
+        <dsp:cNvPr id="0" name=""/>
+        <dsp:cNvSpPr/>
+      </dsp:nvSpPr>
+      <dsp:spPr>
+        <a:xfrm>
+          <a:off x="13812043" y="1866139"/>
+          <a:ext cx="270668" cy="1015007"/>
+        </a:xfrm>
+        <a:custGeom>
+          <a:avLst/>
+          <a:gdLst/>
+          <a:ahLst/>
+          <a:cxnLst/>
+          <a:rect l="0" t="0" r="0" b="0"/>
+          <a:pathLst>
+            <a:path>
+              <a:moveTo>
+                <a:pt x="0" y="0"/>
+              </a:moveTo>
+              <a:lnTo>
+                <a:pt x="0" y="1015007"/>
+              </a:lnTo>
+              <a:lnTo>
+                <a:pt x="270668" y="1015007"/>
+              </a:lnTo>
+            </a:path>
+          </a:pathLst>
+        </a:custGeom>
+        <a:noFill/>
+        <a:ln w="9525" cap="rnd" cmpd="sng" algn="ctr">
+          <a:solidFill>
+            <a:schemeClr val="accent1">
+              <a:shade val="60000"/>
+              <a:hueOff val="0"/>
+              <a:satOff val="0"/>
+              <a:lumOff val="0"/>
+              <a:alphaOff val="0"/>
+            </a:schemeClr>
+          </a:solidFill>
+          <a:prstDash val="solid"/>
+        </a:ln>
+        <a:effectLst/>
+      </dsp:spPr>
+      <dsp:style>
+        <a:lnRef idx="1">
+          <a:scrgbClr r="0" g="0" b="0"/>
+        </a:lnRef>
+        <a:fillRef idx="0">
+          <a:scrgbClr r="0" g="0" b="0"/>
+        </a:fillRef>
+        <a:effectRef idx="0">
+          <a:scrgbClr r="0" g="0" b="0"/>
+        </a:effectRef>
+        <a:fontRef idx="minor"/>
+      </dsp:style>
+    </dsp:sp>
+    <dsp:sp modelId="{DBA91A91-B818-024E-BFD5-B77629F9E05E}">
+      <dsp:nvSpPr>
+        <dsp:cNvPr id="0" name=""/>
+        <dsp:cNvSpPr/>
+      </dsp:nvSpPr>
+      <dsp:spPr>
+        <a:xfrm>
+          <a:off x="14082712" y="2204475"/>
+          <a:ext cx="2165350" cy="1353343"/>
+        </a:xfrm>
+        <a:prstGeom prst="roundRect">
+          <a:avLst>
+            <a:gd name="adj" fmla="val 10000"/>
+          </a:avLst>
+        </a:prstGeom>
+        <a:solidFill>
+          <a:schemeClr val="lt1">
+            <a:alpha val="90000"/>
+            <a:hueOff val="0"/>
+            <a:satOff val="0"/>
+            <a:lumOff val="0"/>
+            <a:alphaOff val="0"/>
+          </a:schemeClr>
+        </a:solidFill>
+        <a:ln w="9525" cap="rnd" cmpd="sng" algn="ctr">
+          <a:solidFill>
+            <a:schemeClr val="accent1">
+              <a:hueOff val="0"/>
+              <a:satOff val="0"/>
+              <a:lumOff val="0"/>
+              <a:alphaOff val="0"/>
+            </a:schemeClr>
+          </a:solidFill>
+          <a:prstDash val="solid"/>
+        </a:ln>
+        <a:effectLst/>
+      </dsp:spPr>
+      <dsp:style>
+        <a:lnRef idx="1">
+          <a:scrgbClr r="0" g="0" b="0"/>
+        </a:lnRef>
+        <a:fillRef idx="1">
+          <a:scrgbClr r="0" g="0" b="0"/>
+        </a:fillRef>
+        <a:effectRef idx="0">
+          <a:scrgbClr r="0" g="0" b="0"/>
+        </a:effectRef>
+        <a:fontRef idx="minor"/>
+      </dsp:style>
+      <dsp:txBody>
+        <a:bodyPr spcFirstLastPara="0" vert="horz" wrap="square" lIns="45720" tIns="30480" rIns="45720" bIns="30480" numCol="1" spcCol="1270" anchor="ctr" anchorCtr="0">
+          <a:noAutofit/>
+        </a:bodyPr>
+        <a:lstStyle/>
+        <a:p>
+          <a:pPr lvl="0" algn="ctr" defTabSz="1066800">
+            <a:lnSpc>
+              <a:spcPct val="90000"/>
+            </a:lnSpc>
+            <a:spcBef>
+              <a:spcPct val="0"/>
+            </a:spcBef>
+            <a:spcAft>
+              <a:spcPct val="35000"/>
+            </a:spcAft>
+          </a:pPr>
+          <a:r>
+            <a:rPr lang="sv-SE" sz="2400" kern="1200" dirty="0" err="1" smtClean="0"/>
+            <a:t>External</a:t>
+          </a:r>
+          <a:r>
+            <a:rPr lang="sv-SE" sz="2400" kern="1200" dirty="0" smtClean="0"/>
+            <a:t> </a:t>
+          </a:r>
+          <a:r>
+            <a:rPr lang="sv-SE" sz="2400" kern="1200" dirty="0" err="1" smtClean="0"/>
+            <a:t>configuration</a:t>
+          </a:r>
+          <a:endParaRPr lang="sv-SE" sz="2400" kern="1200" dirty="0"/>
+        </a:p>
+      </dsp:txBody>
+      <dsp:txXfrm>
+        <a:off x="14122350" y="2244113"/>
+        <a:ext cx="2086074" cy="1274067"/>
+      </dsp:txXfrm>
+    </dsp:sp>
+    <dsp:sp modelId="{60F5DC4F-591F-5E4D-B152-59F99353A982}">
+      <dsp:nvSpPr>
+        <dsp:cNvPr id="0" name=""/>
+        <dsp:cNvSpPr/>
+      </dsp:nvSpPr>
+      <dsp:spPr>
+        <a:xfrm>
+          <a:off x="13812043" y="1866139"/>
+          <a:ext cx="270668" cy="2706687"/>
+        </a:xfrm>
+        <a:custGeom>
+          <a:avLst/>
+          <a:gdLst/>
+          <a:ahLst/>
+          <a:cxnLst/>
+          <a:rect l="0" t="0" r="0" b="0"/>
+          <a:pathLst>
+            <a:path>
+              <a:moveTo>
+                <a:pt x="0" y="0"/>
+              </a:moveTo>
+              <a:lnTo>
+                <a:pt x="0" y="2706687"/>
+              </a:lnTo>
+              <a:lnTo>
+                <a:pt x="270668" y="2706687"/>
+              </a:lnTo>
+            </a:path>
+          </a:pathLst>
+        </a:custGeom>
+        <a:noFill/>
+        <a:ln w="9525" cap="rnd" cmpd="sng" algn="ctr">
+          <a:solidFill>
+            <a:schemeClr val="accent1">
+              <a:shade val="60000"/>
+              <a:hueOff val="0"/>
+              <a:satOff val="0"/>
+              <a:lumOff val="0"/>
+              <a:alphaOff val="0"/>
+            </a:schemeClr>
+          </a:solidFill>
+          <a:prstDash val="solid"/>
+        </a:ln>
+        <a:effectLst/>
+      </dsp:spPr>
+      <dsp:style>
+        <a:lnRef idx="1">
+          <a:scrgbClr r="0" g="0" b="0"/>
+        </a:lnRef>
+        <a:fillRef idx="0">
+          <a:scrgbClr r="0" g="0" b="0"/>
+        </a:fillRef>
+        <a:effectRef idx="0">
+          <a:scrgbClr r="0" g="0" b="0"/>
+        </a:effectRef>
+        <a:fontRef idx="minor"/>
+      </dsp:style>
+    </dsp:sp>
+    <dsp:sp modelId="{6273F139-0EB5-B34A-A43D-3760CF98B48F}">
+      <dsp:nvSpPr>
+        <dsp:cNvPr id="0" name=""/>
+        <dsp:cNvSpPr/>
+      </dsp:nvSpPr>
+      <dsp:spPr>
+        <a:xfrm>
+          <a:off x="14082712" y="3896154"/>
+          <a:ext cx="2165350" cy="1353343"/>
+        </a:xfrm>
+        <a:prstGeom prst="roundRect">
+          <a:avLst>
+            <a:gd name="adj" fmla="val 10000"/>
+          </a:avLst>
+        </a:prstGeom>
+        <a:solidFill>
+          <a:schemeClr val="lt1">
+            <a:alpha val="90000"/>
+            <a:hueOff val="0"/>
+            <a:satOff val="0"/>
+            <a:lumOff val="0"/>
+            <a:alphaOff val="0"/>
+          </a:schemeClr>
+        </a:solidFill>
+        <a:ln w="9525" cap="rnd" cmpd="sng" algn="ctr">
+          <a:solidFill>
+            <a:schemeClr val="accent1">
+              <a:hueOff val="0"/>
+              <a:satOff val="0"/>
+              <a:lumOff val="0"/>
+              <a:alphaOff val="0"/>
+            </a:schemeClr>
+          </a:solidFill>
+          <a:prstDash val="solid"/>
+        </a:ln>
+        <a:effectLst/>
+      </dsp:spPr>
+      <dsp:style>
+        <a:lnRef idx="1">
+          <a:scrgbClr r="0" g="0" b="0"/>
+        </a:lnRef>
+        <a:fillRef idx="1">
+          <a:scrgbClr r="0" g="0" b="0"/>
+        </a:fillRef>
+        <a:effectRef idx="0">
+          <a:scrgbClr r="0" g="0" b="0"/>
+        </a:effectRef>
+        <a:fontRef idx="minor"/>
+      </dsp:style>
+      <dsp:txBody>
+        <a:bodyPr spcFirstLastPara="0" vert="horz" wrap="square" lIns="45720" tIns="30480" rIns="45720" bIns="30480" numCol="1" spcCol="1270" anchor="ctr" anchorCtr="0">
+          <a:noAutofit/>
+        </a:bodyPr>
+        <a:lstStyle/>
+        <a:p>
+          <a:pPr lvl="0" algn="ctr" defTabSz="1066800">
+            <a:lnSpc>
+              <a:spcPct val="90000"/>
+            </a:lnSpc>
+            <a:spcBef>
+              <a:spcPct val="0"/>
+            </a:spcBef>
+            <a:spcAft>
+              <a:spcPct val="35000"/>
+            </a:spcAft>
+          </a:pPr>
+          <a:r>
+            <a:rPr lang="sv-SE" sz="2400" kern="1200" dirty="0" smtClean="0"/>
+            <a:t>Service </a:t>
+          </a:r>
+          <a:r>
+            <a:rPr lang="sv-SE" sz="2400" kern="1200" dirty="0" err="1" smtClean="0"/>
+            <a:t>discovery</a:t>
+          </a:r>
+          <a:endParaRPr lang="sv-SE" sz="2400" kern="1200" dirty="0"/>
+        </a:p>
+      </dsp:txBody>
+      <dsp:txXfrm>
+        <a:off x="14122350" y="3935792"/>
+        <a:ext cx="2086074" cy="1274067"/>
+      </dsp:txXfrm>
+    </dsp:sp>
+    <dsp:sp modelId="{5B681BFB-1A66-6741-A8B8-2D3628CA9A62}">
+      <dsp:nvSpPr>
+        <dsp:cNvPr id="0" name=""/>
+        <dsp:cNvSpPr/>
+      </dsp:nvSpPr>
+      <dsp:spPr>
+        <a:xfrm>
+          <a:off x="13812043" y="1866139"/>
+          <a:ext cx="270668" cy="4398367"/>
+        </a:xfrm>
+        <a:custGeom>
+          <a:avLst/>
+          <a:gdLst/>
+          <a:ahLst/>
+          <a:cxnLst/>
+          <a:rect l="0" t="0" r="0" b="0"/>
+          <a:pathLst>
+            <a:path>
+              <a:moveTo>
+                <a:pt x="0" y="0"/>
+              </a:moveTo>
+              <a:lnTo>
+                <a:pt x="0" y="4398367"/>
+              </a:lnTo>
+              <a:lnTo>
+                <a:pt x="270668" y="4398367"/>
+              </a:lnTo>
+            </a:path>
+          </a:pathLst>
+        </a:custGeom>
+        <a:noFill/>
+        <a:ln w="9525" cap="rnd" cmpd="sng" algn="ctr">
+          <a:solidFill>
+            <a:schemeClr val="accent1">
+              <a:shade val="60000"/>
+              <a:hueOff val="0"/>
+              <a:satOff val="0"/>
+              <a:lumOff val="0"/>
+              <a:alphaOff val="0"/>
+            </a:schemeClr>
+          </a:solidFill>
+          <a:prstDash val="solid"/>
+        </a:ln>
+        <a:effectLst/>
+      </dsp:spPr>
+      <dsp:style>
+        <a:lnRef idx="1">
+          <a:scrgbClr r="0" g="0" b="0"/>
+        </a:lnRef>
+        <a:fillRef idx="0">
+          <a:scrgbClr r="0" g="0" b="0"/>
+        </a:fillRef>
+        <a:effectRef idx="0">
+          <a:scrgbClr r="0" g="0" b="0"/>
+        </a:effectRef>
+        <a:fontRef idx="minor"/>
+      </dsp:style>
+    </dsp:sp>
+    <dsp:sp modelId="{58979EEC-3B5B-7345-81E9-57F17AB95FC4}">
+      <dsp:nvSpPr>
+        <dsp:cNvPr id="0" name=""/>
+        <dsp:cNvSpPr/>
+      </dsp:nvSpPr>
+      <dsp:spPr>
+        <a:xfrm>
+          <a:off x="14082712" y="5587834"/>
+          <a:ext cx="2165350" cy="1353343"/>
+        </a:xfrm>
+        <a:prstGeom prst="roundRect">
+          <a:avLst>
+            <a:gd name="adj" fmla="val 10000"/>
+          </a:avLst>
+        </a:prstGeom>
+        <a:solidFill>
+          <a:schemeClr val="lt1">
+            <a:alpha val="90000"/>
+            <a:hueOff val="0"/>
+            <a:satOff val="0"/>
+            <a:lumOff val="0"/>
+            <a:alphaOff val="0"/>
+          </a:schemeClr>
+        </a:solidFill>
+        <a:ln w="9525" cap="rnd" cmpd="sng" algn="ctr">
+          <a:solidFill>
+            <a:schemeClr val="accent1">
+              <a:hueOff val="0"/>
+              <a:satOff val="0"/>
+              <a:lumOff val="0"/>
+              <a:alphaOff val="0"/>
+            </a:schemeClr>
+          </a:solidFill>
+          <a:prstDash val="solid"/>
+        </a:ln>
+        <a:effectLst/>
+      </dsp:spPr>
+      <dsp:style>
+        <a:lnRef idx="1">
+          <a:scrgbClr r="0" g="0" b="0"/>
+        </a:lnRef>
+        <a:fillRef idx="1">
+          <a:scrgbClr r="0" g="0" b="0"/>
+        </a:fillRef>
+        <a:effectRef idx="0">
+          <a:scrgbClr r="0" g="0" b="0"/>
+        </a:effectRef>
+        <a:fontRef idx="minor"/>
+      </dsp:style>
+      <dsp:txBody>
+        <a:bodyPr spcFirstLastPara="0" vert="horz" wrap="square" lIns="45720" tIns="30480" rIns="45720" bIns="30480" numCol="1" spcCol="1270" anchor="ctr" anchorCtr="0">
+          <a:noAutofit/>
+        </a:bodyPr>
+        <a:lstStyle/>
+        <a:p>
+          <a:pPr lvl="0" algn="ctr" defTabSz="1066800">
+            <a:lnSpc>
+              <a:spcPct val="90000"/>
+            </a:lnSpc>
+            <a:spcBef>
+              <a:spcPct val="0"/>
+            </a:spcBef>
+            <a:spcAft>
+              <a:spcPct val="35000"/>
+            </a:spcAft>
+          </a:pPr>
+          <a:r>
+            <a:rPr lang="sv-SE" sz="2400" kern="1200" smtClean="0"/>
+            <a:t>Circuit breaker</a:t>
+          </a:r>
+          <a:endParaRPr lang="sv-SE" sz="2400" kern="1200"/>
+        </a:p>
+      </dsp:txBody>
+      <dsp:txXfrm>
+        <a:off x="14122350" y="5627472"/>
+        <a:ext cx="2086074" cy="1274067"/>
+      </dsp:txXfrm>
+    </dsp:sp>
+    <dsp:sp modelId="{AFCA6584-A1E7-C34D-B5E7-B2A61CD0DFE6}">
+      <dsp:nvSpPr>
+        <dsp:cNvPr id="0" name=""/>
+        <dsp:cNvSpPr/>
+      </dsp:nvSpPr>
+      <dsp:spPr>
+        <a:xfrm>
+          <a:off x="13812043" y="1866139"/>
+          <a:ext cx="270668" cy="6090046"/>
+        </a:xfrm>
+        <a:custGeom>
+          <a:avLst/>
+          <a:gdLst/>
+          <a:ahLst/>
+          <a:cxnLst/>
+          <a:rect l="0" t="0" r="0" b="0"/>
+          <a:pathLst>
+            <a:path>
+              <a:moveTo>
+                <a:pt x="0" y="0"/>
+              </a:moveTo>
+              <a:lnTo>
+                <a:pt x="0" y="6090046"/>
+              </a:lnTo>
+              <a:lnTo>
+                <a:pt x="270668" y="6090046"/>
+              </a:lnTo>
+            </a:path>
+          </a:pathLst>
+        </a:custGeom>
+        <a:noFill/>
+        <a:ln w="9525" cap="rnd" cmpd="sng" algn="ctr">
+          <a:solidFill>
+            <a:schemeClr val="accent1">
+              <a:shade val="60000"/>
+              <a:hueOff val="0"/>
+              <a:satOff val="0"/>
+              <a:lumOff val="0"/>
+              <a:alphaOff val="0"/>
+            </a:schemeClr>
+          </a:solidFill>
+          <a:prstDash val="solid"/>
+        </a:ln>
+        <a:effectLst/>
+      </dsp:spPr>
+      <dsp:style>
+        <a:lnRef idx="1">
+          <a:scrgbClr r="0" g="0" b="0"/>
+        </a:lnRef>
+        <a:fillRef idx="0">
+          <a:scrgbClr r="0" g="0" b="0"/>
+        </a:fillRef>
+        <a:effectRef idx="0">
+          <a:scrgbClr r="0" g="0" b="0"/>
+        </a:effectRef>
+        <a:fontRef idx="minor"/>
+      </dsp:style>
+    </dsp:sp>
+    <dsp:sp modelId="{B7913CDF-40BE-4340-A439-C97A306A7920}">
+      <dsp:nvSpPr>
+        <dsp:cNvPr id="0" name=""/>
+        <dsp:cNvSpPr/>
+      </dsp:nvSpPr>
+      <dsp:spPr>
+        <a:xfrm>
+          <a:off x="14082712" y="7279514"/>
+          <a:ext cx="2165350" cy="1353343"/>
+        </a:xfrm>
+        <a:prstGeom prst="roundRect">
+          <a:avLst>
+            <a:gd name="adj" fmla="val 10000"/>
+          </a:avLst>
+        </a:prstGeom>
+        <a:solidFill>
+          <a:schemeClr val="lt1">
+            <a:alpha val="90000"/>
+            <a:hueOff val="0"/>
+            <a:satOff val="0"/>
+            <a:lumOff val="0"/>
+            <a:alphaOff val="0"/>
+          </a:schemeClr>
+        </a:solidFill>
+        <a:ln w="9525" cap="rnd" cmpd="sng" algn="ctr">
+          <a:solidFill>
+            <a:schemeClr val="accent1">
+              <a:hueOff val="0"/>
+              <a:satOff val="0"/>
+              <a:lumOff val="0"/>
+              <a:alphaOff val="0"/>
+            </a:schemeClr>
+          </a:solidFill>
+          <a:prstDash val="solid"/>
+        </a:ln>
+        <a:effectLst/>
+      </dsp:spPr>
+      <dsp:style>
+        <a:lnRef idx="1">
+          <a:scrgbClr r="0" g="0" b="0"/>
+        </a:lnRef>
+        <a:fillRef idx="1">
+          <a:scrgbClr r="0" g="0" b="0"/>
+        </a:fillRef>
+        <a:effectRef idx="0">
+          <a:scrgbClr r="0" g="0" b="0"/>
+        </a:effectRef>
+        <a:fontRef idx="minor"/>
+      </dsp:style>
+      <dsp:txBody>
+        <a:bodyPr spcFirstLastPara="0" vert="horz" wrap="square" lIns="45720" tIns="30480" rIns="45720" bIns="30480" numCol="1" spcCol="1270" anchor="ctr" anchorCtr="0">
+          <a:noAutofit/>
+        </a:bodyPr>
+        <a:lstStyle/>
+        <a:p>
+          <a:pPr lvl="0" algn="ctr" defTabSz="1066800">
+            <a:lnSpc>
+              <a:spcPct val="90000"/>
+            </a:lnSpc>
+            <a:spcBef>
+              <a:spcPct val="0"/>
+            </a:spcBef>
+            <a:spcAft>
+              <a:spcPct val="35000"/>
+            </a:spcAft>
+          </a:pPr>
+          <a:r>
+            <a:rPr lang="sv-SE" sz="2400" kern="1200" dirty="0" err="1" smtClean="0"/>
+            <a:t>Blue</a:t>
+          </a:r>
+          <a:r>
+            <a:rPr lang="sv-SE" sz="2400" kern="1200" dirty="0" smtClean="0"/>
+            <a:t>-green</a:t>
+          </a:r>
+          <a:r>
+            <a:rPr lang="sv-SE" sz="2400" kern="1200" baseline="0" dirty="0" smtClean="0"/>
+            <a:t> </a:t>
+          </a:r>
+          <a:r>
+            <a:rPr lang="sv-SE" sz="2400" kern="1200" baseline="0" dirty="0" err="1" smtClean="0"/>
+            <a:t>deployment</a:t>
+          </a:r>
+          <a:endParaRPr lang="sv-SE" sz="2400" kern="1200" dirty="0"/>
+        </a:p>
+      </dsp:txBody>
+      <dsp:txXfrm>
+        <a:off x="14122350" y="7319152"/>
+        <a:ext cx="2086074" cy="1274067"/>
+      </dsp:txXfrm>
+    </dsp:sp>
+  </dsp:spTree>
+</dsp:drawing>
+</file>
+
+<file path=ppt/diagrams/layout1.xml><?xml version="1.0" encoding="utf-8"?>
+<dgm:layoutDef xmlns:dgm="http://schemas.openxmlformats.org/drawingml/2006/diagram" xmlns:a="http://schemas.openxmlformats.org/drawingml/2006/main" uniqueId="urn:microsoft.com/office/officeart/2005/8/layout/hierarchy3">
+  <dgm:title val=""/>
+  <dgm:desc val=""/>
+  <dgm:catLst>
+    <dgm:cat type="hierarchy" pri="7000"/>
+    <dgm:cat type="list" pri="23000"/>
+    <dgm:cat type="relationship" pri="15000"/>
+    <dgm:cat type="convert" pri="7000"/>
+  </dgm:catLst>
+  <dgm:sampData>
+    <dgm:dataModel>
+      <dgm:ptLst>
+        <dgm:pt modelId="0" type="doc"/>
+        <dgm:pt modelId="1">
+          <dgm:prSet phldr="1"/>
+        </dgm:pt>
+        <dgm:pt modelId="11">
+          <dgm:prSet phldr="1"/>
+        </dgm:pt>
+        <dgm:pt modelId="12">
+          <dgm:prSet phldr="1"/>
+        </dgm:pt>
+        <dgm:pt modelId="2">
+          <dgm:prSet phldr="1"/>
+        </dgm:pt>
+        <dgm:pt modelId="21">
+          <dgm:prSet phldr="1"/>
+        </dgm:pt>
+        <dgm:pt modelId="22">
+          <dgm:prSet phldr="1"/>
+        </dgm:pt>
+      </dgm:ptLst>
+      <dgm:cxnLst>
+        <dgm:cxn modelId="4" srcId="0" destId="1" srcOrd="0" destOrd="0"/>
+        <dgm:cxn modelId="5" srcId="1" destId="11" srcOrd="0" destOrd="0"/>
+        <dgm:cxn modelId="6" srcId="1" destId="12" srcOrd="1" destOrd="0"/>
+        <dgm:cxn modelId="7" srcId="0" destId="2" srcOrd="1" destOrd="0"/>
+        <dgm:cxn modelId="8" srcId="2" destId="21" srcOrd="0" destOrd="0"/>
+        <dgm:cxn modelId="9" srcId="2" destId="22" srcOrd="1" destOrd="0"/>
+      </dgm:cxnLst>
+      <dgm:bg/>
+      <dgm:whole/>
+    </dgm:dataModel>
+  </dgm:sampData>
+  <dgm:styleData>
+    <dgm:dataModel>
+      <dgm:ptLst>
+        <dgm:pt modelId="0" type="doc"/>
+        <dgm:pt modelId="1"/>
+        <dgm:pt modelId="11"/>
+        <dgm:pt modelId="2"/>
+        <dgm:pt modelId="21"/>
+      </dgm:ptLst>
+      <dgm:cxnLst>
+        <dgm:cxn modelId="4" srcId="0" destId="1" srcOrd="0" destOrd="0"/>
+        <dgm:cxn modelId="5" srcId="0" destId="2" srcOrd="1" destOrd="0"/>
+        <dgm:cxn modelId="13" srcId="1" destId="11" srcOrd="0" destOrd="0"/>
+        <dgm:cxn modelId="23" srcId="2" destId="21" srcOrd="0" destOrd="0"/>
+      </dgm:cxnLst>
+      <dgm:bg/>
+      <dgm:whole/>
+    </dgm:dataModel>
+  </dgm:styleData>
+  <dgm:clrData>
+    <dgm:dataModel>
+      <dgm:ptLst>
+        <dgm:pt modelId="0" type="doc"/>
+        <dgm:pt modelId="1"/>
+        <dgm:pt modelId="11"/>
+        <dgm:pt modelId="2"/>
+        <dgm:pt modelId="21"/>
+        <dgm:pt modelId="3"/>
+        <dgm:pt modelId="31"/>
+        <dgm:pt modelId="4"/>
+        <dgm:pt modelId="41"/>
+      </dgm:ptLst>
+      <dgm:cxnLst>
+        <dgm:cxn modelId="5" srcId="0" destId="1" srcOrd="0" destOrd="0"/>
+        <dgm:cxn modelId="6" srcId="0" destId="2" srcOrd="1" destOrd="0"/>
+        <dgm:cxn modelId="7" srcId="0" destId="3" srcOrd="2" destOrd="0"/>
+        <dgm:cxn modelId="8" srcId="0" destId="4" srcOrd="3" destOrd="0"/>
+        <dgm:cxn modelId="13" srcId="1" destId="11" srcOrd="0" destOrd="0"/>
+        <dgm:cxn modelId="23" srcId="2" destId="21" srcOrd="0" destOrd="0"/>
+        <dgm:cxn modelId="33" srcId="3" destId="31" srcOrd="0" destOrd="0"/>
+        <dgm:cxn modelId="43" srcId="4" destId="41" srcOrd="0" destOrd="0"/>
+      </dgm:cxnLst>
+      <dgm:bg/>
+      <dgm:whole/>
+    </dgm:dataModel>
+  </dgm:clrData>
+  <dgm:layoutNode name="diagram">
+    <dgm:varLst>
+      <dgm:chPref val="1"/>
+      <dgm:dir/>
+      <dgm:animOne val="branch"/>
+      <dgm:animLvl val="lvl"/>
+      <dgm:resizeHandles/>
+    </dgm:varLst>
+    <dgm:choose name="Name0">
+      <dgm:if name="Name1" func="var" arg="dir" op="equ" val="norm">
+        <dgm:alg type="hierChild">
+          <dgm:param type="linDir" val="fromL"/>
+        </dgm:alg>
+      </dgm:if>
+      <dgm:else name="Name2">
+        <dgm:alg type="hierChild">
+          <dgm:param type="linDir" val="fromR"/>
+        </dgm:alg>
+      </dgm:else>
+    </dgm:choose>
+    <dgm:shape xmlns:r="http://schemas.openxmlformats.org/officeDocument/2006/relationships" r:blip="">
+      <dgm:adjLst/>
+    </dgm:shape>
+    <dgm:presOf/>
+    <dgm:constrLst>
+      <dgm:constr type="primFontSz" for="des" forName="rootText" op="equ" val="65"/>
+      <dgm:constr type="primFontSz" for="des" forName="childText" op="equ" val="65"/>
+      <dgm:constr type="w" for="des" forName="rootComposite" refType="w"/>
+      <dgm:constr type="h" for="des" forName="rootComposite" refType="w" fact="0.5"/>
+      <dgm:constr type="w" for="des" forName="childText" refType="w" refFor="des" refForName="rootComposite" fact="0.8"/>
+      <dgm:constr type="h" for="des" forName="childText" refType="h" refFor="des" refForName="rootComposite"/>
+      <dgm:constr type="sibSp" refType="w" refFor="des" refForName="rootComposite" fact="0.25"/>
+      <dgm:constr type="sibSp" for="des" forName="childShape" refType="h" refFor="des" refForName="childText" fact="0.25"/>
+      <dgm:constr type="sp" for="des" forName="root" refType="h" refFor="des" refForName="childText" fact="0.25"/>
+    </dgm:constrLst>
+    <dgm:ruleLst/>
+    <dgm:forEach name="Name3" axis="ch">
+      <dgm:forEach name="Name4" axis="self" ptType="node" cnt="1">
+        <dgm:layoutNode name="root">
+          <dgm:choose name="Name5">
+            <dgm:if name="Name6" func="var" arg="dir" op="equ" val="norm">
+              <dgm:alg type="hierRoot">
+                <dgm:param type="hierAlign" val="tL"/>
+              </dgm:alg>
+            </dgm:if>
+            <dgm:else name="Name7">
+              <dgm:alg type="hierRoot">
+                <dgm:param type="hierAlign" val="tR"/>
+              </dgm:alg>
+            </dgm:else>
+          </dgm:choose>
+          <dgm:shape xmlns:r="http://schemas.openxmlformats.org/officeDocument/2006/relationships" r:blip="">
+            <dgm:adjLst/>
+          </dgm:shape>
+          <dgm:presOf/>
+          <dgm:constrLst>
+            <dgm:constr type="alignOff" val="0.2"/>
+          </dgm:constrLst>
+          <dgm:ruleLst/>
+          <dgm:layoutNode name="rootComposite">
+            <dgm:alg type="composite"/>
+            <dgm:shape xmlns:r="http://schemas.openxmlformats.org/officeDocument/2006/relationships" r:blip="">
+              <dgm:adjLst/>
+            </dgm:shape>
+            <dgm:presOf axis="self" ptType="node" cnt="1"/>
+            <dgm:choose name="Name8">
+              <dgm:if name="Name9" func="var" arg="dir" op="equ" val="norm">
+                <dgm:constrLst>
+                  <dgm:constr type="l" for="ch" forName="rootText"/>
+                  <dgm:constr type="t" for="ch" forName="rootText"/>
+                  <dgm:constr type="w" for="ch" forName="rootText" refType="w"/>
+                  <dgm:constr type="h" for="ch" forName="rootText" refType="h"/>
+                  <dgm:constr type="l" for="ch" forName="rootConnector"/>
+                  <dgm:constr type="t" for="ch" forName="rootConnector"/>
+                  <dgm:constr type="w" for="ch" forName="rootConnector" refType="w" refFor="ch" refForName="rootText" fact="0.2"/>
+                  <dgm:constr type="h" for="ch" forName="rootConnector" refType="h" refFor="ch" refForName="rootText"/>
+                </dgm:constrLst>
+              </dgm:if>
+              <dgm:else name="Name10">
+                <dgm:constrLst>
+                  <dgm:constr type="l" for="ch" forName="rootText"/>
+                  <dgm:constr type="t" for="ch" forName="rootText"/>
+                  <dgm:constr type="w" for="ch" forName="rootText" refType="w"/>
+                  <dgm:constr type="h" for="ch" forName="rootText" refType="h"/>
+                  <dgm:constr type="r" for="ch" forName="rootConnector" refType="w"/>
+                  <dgm:constr type="t" for="ch" forName="rootConnector"/>
+                  <dgm:constr type="w" for="ch" forName="rootConnector" refType="w" refFor="ch" refForName="rootText" fact="0.2"/>
+                  <dgm:constr type="h" for="ch" forName="rootConnector" refType="h" refFor="ch" refForName="rootText"/>
+                </dgm:constrLst>
+              </dgm:else>
+            </dgm:choose>
+            <dgm:ruleLst/>
+            <dgm:layoutNode name="rootText" styleLbl="node1">
+              <dgm:alg type="tx"/>
+              <dgm:shape xmlns:r="http://schemas.openxmlformats.org/officeDocument/2006/relationships" type="roundRect" r:blip="">
+                <dgm:adjLst>
+                  <dgm:adj idx="1" val="0.1"/>
+                </dgm:adjLst>
+              </dgm:shape>
+              <dgm:presOf axis="self" ptType="node" cnt="1"/>
+              <dgm:constrLst>
+                <dgm:constr type="tMarg" refType="primFontSz" fact="0.1"/>
+                <dgm:constr type="bMarg" refType="primFontSz" fact="0.1"/>
+                <dgm:constr type="lMarg" refType="primFontSz" fact="0.15"/>
+                <dgm:constr type="rMarg" refType="primFontSz" fact="0.15"/>
+              </dgm:constrLst>
+              <dgm:ruleLst>
+                <dgm:rule type="primFontSz" val="5" fact="NaN" max="NaN"/>
+              </dgm:ruleLst>
+            </dgm:layoutNode>
+            <dgm:layoutNode name="rootConnector" moveWith="rootText">
+              <dgm:alg type="sp"/>
+              <dgm:shape xmlns:r="http://schemas.openxmlformats.org/officeDocument/2006/relationships" type="roundRect" r:blip="" hideGeom="1">
+                <dgm:adjLst>
+                  <dgm:adj idx="1" val="0.1"/>
+                </dgm:adjLst>
+              </dgm:shape>
+              <dgm:presOf axis="self" ptType="node" cnt="1"/>
+              <dgm:constrLst/>
+              <dgm:ruleLst/>
+            </dgm:layoutNode>
+          </dgm:layoutNode>
+          <dgm:layoutNode name="childShape">
+            <dgm:alg type="hierChild">
+              <dgm:param type="chAlign" val="l"/>
+              <dgm:param type="linDir" val="fromT"/>
+            </dgm:alg>
+            <dgm:shape xmlns:r="http://schemas.openxmlformats.org/officeDocument/2006/relationships" r:blip="">
+              <dgm:adjLst/>
+            </dgm:shape>
+            <dgm:presOf/>
+            <dgm:constrLst/>
+            <dgm:ruleLst/>
+            <dgm:forEach name="Name11" axis="ch">
+              <dgm:forEach name="Name12" axis="self" ptType="parTrans" cnt="1">
+                <dgm:layoutNode name="Name13">
+                  <dgm:choose name="Name14">
+                    <dgm:if name="Name15" func="var" arg="dir" op="equ" val="norm">
+                      <dgm:alg type="conn">
+                        <dgm:param type="dim" val="1D"/>
+                        <dgm:param type="endSty" val="noArr"/>
+                        <dgm:param type="connRout" val="bend"/>
+                        <dgm:param type="srcNode" val="rootConnector"/>
+                        <dgm:param type="begPts" val="bCtr"/>
+                        <dgm:param type="endPts" val="midL"/>
+                      </dgm:alg>
+                    </dgm:if>
+                    <dgm:else name="Name16">
+                      <dgm:alg type="conn">
+                        <dgm:param type="dim" val="1D"/>
+                        <dgm:param type="endSty" val="noArr"/>
+                        <dgm:param type="connRout" val="bend"/>
+                        <dgm:param type="srcNode" val="rootConnector"/>
+                        <dgm:param type="begPts" val="bCtr"/>
+                        <dgm:param type="endPts" val="midR"/>
+                      </dgm:alg>
+                    </dgm:else>
+                  </dgm:choose>
+                  <dgm:shape xmlns:r="http://schemas.openxmlformats.org/officeDocument/2006/relationships" type="conn" r:blip="">
+                    <dgm:adjLst/>
+                  </dgm:shape>
+                  <dgm:presOf axis="self"/>
+                  <dgm:constrLst>
+                    <dgm:constr type="begPad"/>
+                    <dgm:constr type="endPad"/>
+                  </dgm:constrLst>
+                  <dgm:ruleLst/>
+                </dgm:layoutNode>
+              </dgm:forEach>
+              <dgm:forEach name="Name17" axis="self" ptType="node">
+                <dgm:layoutNode name="childText" styleLbl="bgAcc1">
+                  <dgm:varLst>
+                    <dgm:bulletEnabled val="1"/>
+                  </dgm:varLst>
+                  <dgm:alg type="tx"/>
+                  <dgm:shape xmlns:r="http://schemas.openxmlformats.org/officeDocument/2006/relationships" type="roundRect" r:blip="">
+                    <dgm:adjLst>
+                      <dgm:adj idx="1" val="0.1"/>
+                    </dgm:adjLst>
+                  </dgm:shape>
+                  <dgm:presOf axis="self desOrSelf" ptType="node node" st="1 1" cnt="1 0"/>
+                  <dgm:constrLst>
+                    <dgm:constr type="tMarg" refType="primFontSz" fact="0.1"/>
+                    <dgm:constr type="bMarg" refType="primFontSz" fact="0.1"/>
+                    <dgm:constr type="lMarg" refType="primFontSz" fact="0.15"/>
+                    <dgm:constr type="rMarg" refType="primFontSz" fact="0.15"/>
+                  </dgm:constrLst>
+                  <dgm:ruleLst>
+                    <dgm:rule type="primFontSz" val="5" fact="NaN" max="NaN"/>
+                  </dgm:ruleLst>
+                </dgm:layoutNode>
+              </dgm:forEach>
+            </dgm:forEach>
+          </dgm:layoutNode>
+        </dgm:layoutNode>
+      </dgm:forEach>
+    </dgm:forEach>
+  </dgm:layoutNode>
+</dgm:layoutDef>
+</file>
+
+<file path=ppt/diagrams/quickStyle1.xml><?xml version="1.0" encoding="utf-8"?>
+<dgm:styleDef xmlns:dgm="http://schemas.openxmlformats.org/drawingml/2006/diagram" xmlns:a="http://schemas.openxmlformats.org/drawingml/2006/main" uniqueId="urn:microsoft.com/office/officeart/2005/8/quickstyle/simple4">
+  <dgm:title val=""/>
+  <dgm:desc val=""/>
+  <dgm:catLst>
+    <dgm:cat type="simple" pri="10400"/>
+  </dgm:catLst>
+  <dgm:scene3d>
+    <a:camera prst="orthographicFront"/>
+    <a:lightRig rig="threePt" dir="t"/>
+  </dgm:scene3d>
+  <dgm:styleLbl name="node0">
+    <dgm:scene3d>
+      <a:camera prst="orthographicFront"/>
+      <a:lightRig rig="threePt" dir="t"/>
+    </dgm:scene3d>
+    <dgm:sp3d/>
+    <dgm:txPr/>
+    <dgm:style>
+      <a:lnRef idx="0">
+        <a:scrgbClr r="0" g="0" b="0"/>
+      </a:lnRef>
+      <a:fillRef idx="3">
+        <a:scrgbClr r="0" g="0" b="0"/>
+      </a:fillRef>
+      <a:effectRef idx="2">
+        <a:scrgbClr r="0" g="0" b="0"/>
+      </a:effectRef>
+      <a:fontRef idx="minor">
+        <a:schemeClr val="lt1"/>
+      </a:fontRef>
+    </dgm:style>
+  </dgm:styleLbl>
+  <dgm:styleLbl name="lnNode1">
+    <dgm:scene3d>
+      <a:camera prst="orthographicFront"/>
+      <a:lightRig rig="threePt" dir="t"/>
+    </dgm:scene3d>
+    <dgm:sp3d/>
+    <dgm:txPr/>
+    <dgm:style>
+      <a:lnRef idx="1">
+        <a:scrgbClr r="0" g="0" b="0"/>
+      </a:lnRef>
+      <a:fillRef idx="3">
+        <a:scrgbClr r="0" g="0" b="0"/>
+      </a:fillRef>
+      <a:effectRef idx="2">
+        <a:scrgbClr r="0" g="0" b="0"/>
+      </a:effectRef>
+      <a:fontRef idx="minor">
+        <a:schemeClr val="lt1"/>
+      </a:fontRef>
+    </dgm:style>
+  </dgm:styleLbl>
+  <dgm:styleLbl name="vennNode1">
+    <dgm:scene3d>
+      <a:camera prst="orthographicFront"/>
+      <a:lightRig rig="threePt" dir="t"/>
+    </dgm:scene3d>
+    <dgm:sp3d/>
+    <dgm:txPr/>
+    <dgm:style>
+      <a:lnRef idx="0">
+        <a:scrgbClr r="0" g="0" b="0"/>
+      </a:lnRef>
+      <a:fillRef idx="3">
+        <a:scrgbClr r="0" g="0" b="0"/>
+      </a:fillRef>
+      <a:effectRef idx="0">
+        <a:scrgbClr r="0" g="0" b="0"/>
+      </a:effectRef>
+      <a:fontRef idx="minor">
+        <a:schemeClr val="tx1"/>
+      </a:fontRef>
+    </dgm:style>
+  </dgm:styleLbl>
+  <dgm:styleLbl name="alignNode1">
+    <dgm:scene3d>
+      <a:camera prst="orthographicFront"/>
+      <a:lightRig rig="threePt" dir="t"/>
+    </dgm:scene3d>
+    <dgm:sp3d/>
+    <dgm:txPr/>
+    <dgm:style>
+      <a:lnRef idx="1">
+        <a:scrgbClr r="0" g="0" b="0"/>
+      </a:lnRef>
+      <a:fillRef idx="3">
+        <a:scrgbClr r="0" g="0" b="0"/>
+      </a:fillRef>
+      <a:effectRef idx="2">
+        <a:scrgbClr r="0" g="0" b="0"/>
+      </a:effectRef>
+      <a:fontRef idx="minor">
+        <a:schemeClr val="lt1"/>
+      </a:fontRef>
+    </dgm:style>
+  </dgm:styleLbl>
+  <dgm:styleLbl name="node1">
+    <dgm:scene3d>
+      <a:camera prst="orthographicFront"/>
+      <a:lightRig rig="threePt" dir="t"/>
+    </dgm:scene3d>
+    <dgm:sp3d/>
+    <dgm:txPr/>
+    <dgm:style>
+      <a:lnRef idx="0">
+        <a:scrgbClr r="0" g="0" b="0"/>
+      </a:lnRef>
+      <a:fillRef idx="3">
+        <a:scrgbClr r="0" g="0" b="0"/>
+      </a:fillRef>
+      <a:effectRef idx="2">
+        <a:scrgbClr r="0" g="0" b="0"/>
+      </a:effectRef>
+      <a:fontRef idx="minor">
+        <a:schemeClr val="lt1"/>
+      </a:fontRef>
+    </dgm:style>
+  </dgm:styleLbl>
+  <dgm:styleLbl name="node2">
+    <dgm:scene3d>
+      <a:camera prst="orthographicFront"/>
+      <a:lightRig rig="threePt" dir="t"/>
+    </dgm:scene3d>
+    <dgm:sp3d/>
+    <dgm:txPr/>
+    <dgm:style>
+      <a:lnRef idx="0">
+        <a:scrgbClr r="0" g="0" b="0"/>
+      </a:lnRef>
+      <a:fillRef idx="3">
+        <a:scrgbClr r="0" g="0" b="0"/>
+      </a:fillRef>
+      <a:effectRef idx="2">
+        <a:scrgbClr r="0" g="0" b="0"/>
+      </a:effectRef>
+      <a:fontRef idx="minor">
+        <a:schemeClr val="lt1"/>
+      </a:fontRef>
+    </dgm:style>
+  </dgm:styleLbl>
+  <dgm:styleLbl name="node3">
+    <dgm:scene3d>
+      <a:camera prst="orthographicFront"/>
+      <a:lightRig rig="threePt" dir="t"/>
+    </dgm:scene3d>
+    <dgm:sp3d/>
+    <dgm:txPr/>
+    <dgm:style>
+      <a:lnRef idx="0">
+        <a:scrgbClr r="0" g="0" b="0"/>
+      </a:lnRef>
+      <a:fillRef idx="3">
+        <a:scrgbClr r="0" g="0" b="0"/>
+      </a:fillRef>
+      <a:effectRef idx="2">
+        <a:scrgbClr r="0" g="0" b="0"/>
+      </a:effectRef>
+      <a:fontRef idx="minor">
+        <a:schemeClr val="lt1"/>
+      </a:fontRef>
+    </dgm:style>
+  </dgm:styleLbl>
+  <dgm:styleLbl name="node4">
+    <dgm:scene3d>
+      <a:camera prst="orthographicFront"/>
+      <a:lightRig rig="threePt" dir="t"/>
+    </dgm:scene3d>
+    <dgm:sp3d/>
+    <dgm:txPr/>
+    <dgm:style>
+      <a:lnRef idx="0">
+        <a:scrgbClr r="0" g="0" b="0"/>
+      </a:lnRef>
+      <a:fillRef idx="3">
+        <a:scrgbClr r="0" g="0" b="0"/>
+      </a:fillRef>
+      <a:effectRef idx="2">
+        <a:scrgbClr r="0" g="0" b="0"/>
+      </a:effectRef>
+      <a:fontRef idx="minor">
+        <a:schemeClr val="lt1"/>
+      </a:fontRef>
+    </dgm:style>
+  </dgm:styleLbl>
+  <dgm:styleLbl name="fgImgPlace1">
+    <dgm:scene3d>
+      <a:camera prst="orthographicFront"/>
+      <a:lightRig rig="threePt" dir="t"/>
+    </dgm:scene3d>
+    <dgm:sp3d/>
+    <dgm:txPr/>
+    <dgm:style>
+      <a:lnRef idx="0">
+        <a:scrgbClr r="0" g="0" b="0"/>
+      </a:lnRef>
+      <a:fillRef idx="1">
+        <a:scrgbClr r="0" g="0" b="0"/>
+      </a:fillRef>
+      <a:effectRef idx="2">
+        <a:scrgbClr r="0" g="0" b="0"/>
+      </a:effectRef>
+      <a:fontRef idx="minor"/>
+    </dgm:style>
+  </dgm:styleLbl>
+  <dgm:styleLbl name="alignImgPlace1">
+    <dgm:scene3d>
+      <a:camera prst="orthographicFront"/>
+      <a:lightRig rig="threePt" dir="t"/>
+    </dgm:scene3d>
+    <dgm:sp3d/>
+    <dgm:txPr/>
+    <dgm:style>
+      <a:lnRef idx="0">
+        <a:scrgbClr r="0" g="0" b="0"/>
+      </a:lnRef>
+      <a:fillRef idx="1">
+        <a:scrgbClr r="0" g="0" b="0"/>
+      </a:fillRef>
+      <a:effectRef idx="2">
+        <a:scrgbClr r="0" g="0" b="0"/>
+      </a:effectRef>
+      <a:fontRef idx="minor"/>
+    </dgm:style>
+  </dgm:styleLbl>
+  <dgm:styleLbl name="bgImgPlace1">
+    <dgm:scene3d>
+      <a:camera prst="orthographicFront"/>
+      <a:lightRig rig="threePt" dir="t"/>
+    </dgm:scene3d>
+    <dgm:sp3d/>
+    <dgm:txPr/>
+    <dgm:style>
+      <a:lnRef idx="0">
+        <a:scrgbClr r="0" g="0" b="0"/>
+      </a:lnRef>
+      <a:fillRef idx="1">
+        <a:scrgbClr r="0" g="0" b="0"/>
+      </a:fillRef>
+      <a:effectRef idx="2">
+        <a:scrgbClr r="0" g="0" b="0"/>
+      </a:effectRef>
+      <a:fontRef idx="minor"/>
+    </dgm:style>
+  </dgm:styleLbl>
+  <dgm:styleLbl name="sibTrans2D1">
+    <dgm:scene3d>
+      <a:camera prst="orthographicFront"/>
+      <a:lightRig rig="threePt" dir="t"/>
+    </dgm:scene3d>
+    <dgm:sp3d/>
+    <dgm:txPr/>
+    <dgm:style>
+      <a:lnRef idx="0">
+        <a:scrgbClr r="0" g="0" b="0"/>
+      </a:lnRef>
+      <a:fillRef idx="3">
+        <a:scrgbClr r="0" g="0" b="0"/>
+      </a:fillRef>
+      <a:effectRef idx="2">
+        <a:scrgbClr r="0" g="0" b="0"/>
+      </a:effectRef>
+      <a:fontRef idx="minor">
+        <a:schemeClr val="lt1"/>
+      </a:fontRef>
+    </dgm:style>
+  </dgm:styleLbl>
+  <dgm:styleLbl name="fgSibTrans2D1">
+    <dgm:scene3d>
+      <a:camera prst="orthographicFront"/>
+      <a:lightRig rig="threePt" dir="t"/>
+    </dgm:scene3d>
+    <dgm:sp3d/>
+    <dgm:txPr/>
+    <dgm:style>
+      <a:lnRef idx="0">
+        <a:scrgbClr r="0" g="0" b="0"/>
+      </a:lnRef>
+      <a:fillRef idx="3">
+        <a:scrgbClr r="0" g="0" b="0"/>
+      </a:fillRef>
+      <a:effectRef idx="2">
+        <a:scrgbClr r="0" g="0" b="0"/>
+      </a:effectRef>
+      <a:fontRef idx="minor">
+        <a:schemeClr val="lt1"/>
+      </a:fontRef>
+    </dgm:style>
+  </dgm:styleLbl>
+  <dgm:styleLbl name="bgSibTrans2D1">
+    <dgm:scene3d>
+      <a:camera prst="orthographicFront"/>
+      <a:lightRig rig="threePt" dir="t"/>
+    </dgm:scene3d>
+    <dgm:sp3d/>
+    <dgm:txPr/>
+    <dgm:style>
+      <a:lnRef idx="0">
+        <a:scrgbClr r="0" g="0" b="0"/>
+      </a:lnRef>
+      <a:fillRef idx="3">
+        <a:scrgbClr r="0" g="0" b="0"/>
+      </a:fillRef>
+      <a:effectRef idx="2">
+        <a:scrgbClr r="0" g="0" b="0"/>
+      </a:effectRef>
+      <a:fontRef idx="minor">
+        <a:schemeClr val="lt1"/>
+      </a:fontRef>
+    </dgm:style>
+  </dgm:styleLbl>
+  <dgm:styleLbl name="sibTrans1D1">
+    <dgm:scene3d>
+      <a:camera prst="orthographicFront"/>
+      <a:lightRig rig="threePt" dir="t"/>
+    </dgm:scene3d>
+    <dgm:sp3d/>
+    <dgm:txPr/>
+    <dgm:style>
+      <a:lnRef idx="1">
+        <a:scrgbClr r="0" g="0" b="0"/>
+      </a:lnRef>
+      <a:fillRef idx="0">
+        <a:scrgbClr r="0" g="0" b="0"/>
+      </a:fillRef>
+      <a:effectRef idx="0">
+        <a:scrgbClr r="0" g="0" b="0"/>
+      </a:effectRef>
+      <a:fontRef idx="minor"/>
+    </dgm:style>
+  </dgm:styleLbl>
+  <dgm:styleLbl name="callout">
+    <dgm:scene3d>
+      <a:camera prst="orthographicFront"/>
+      <a:lightRig rig="threePt" dir="t"/>
+    </dgm:scene3d>
+    <dgm:sp3d/>
+    <dgm:txPr/>
+    <dgm:style>
+      <a:lnRef idx="2">
+        <a:scrgbClr r="0" g="0" b="0"/>
+      </a:lnRef>
+      <a:fillRef idx="1">
+        <a:scrgbClr r="0" g="0" b="0"/>
+      </a:fillRef>
+      <a:effectRef idx="1">
+        <a:scrgbClr r="0" g="0" b="0"/>
+      </a:effectRef>
+      <a:fontRef idx="minor"/>
+    </dgm:style>
+  </dgm:styleLbl>
+  <dgm:styleLbl name="asst0">
+    <dgm:scene3d>
+      <a:camera prst="orthographicFront"/>
+      <a:lightRig rig="threePt" dir="t"/>
+    </dgm:scene3d>
+    <dgm:sp3d/>
+    <dgm:txPr/>
+    <dgm:style>
+      <a:lnRef idx="0">
+        <a:scrgbClr r="0" g="0" b="0"/>
+      </a:lnRef>
+      <a:fillRef idx="3">
+        <a:scrgbClr r="0" g="0" b="0"/>
+      </a:fillRef>
+      <a:effectRef idx="2">
+        <a:scrgbClr r="0" g="0" b="0"/>
+      </a:effectRef>
+      <a:fontRef idx="minor">
+        <a:schemeClr val="lt1"/>
+      </a:fontRef>
+    </dgm:style>
+  </dgm:styleLbl>
+  <dgm:styleLbl name="asst1">
+    <dgm:scene3d>
+      <a:camera prst="orthographicFront"/>
+      <a:lightRig rig="threePt" dir="t"/>
+    </dgm:scene3d>
+    <dgm:sp3d/>
+    <dgm:txPr/>
+    <dgm:style>
+      <a:lnRef idx="0">
+        <a:scrgbClr r="0" g="0" b="0"/>
+      </a:lnRef>
+      <a:fillRef idx="3">
+        <a:scrgbClr r="0" g="0" b="0"/>
+      </a:fillRef>
+      <a:effectRef idx="2">
+        <a:scrgbClr r="0" g="0" b="0"/>
+      </a:effectRef>
+      <a:fontRef idx="minor">
+        <a:schemeClr val="lt1"/>
+      </a:fontRef>
+    </dgm:style>
+  </dgm:styleLbl>
+  <dgm:styleLbl name="asst2">
+    <dgm:scene3d>
+      <a:camera prst="orthographicFront"/>
+      <a:lightRig rig="threePt" dir="t"/>
+    </dgm:scene3d>
+    <dgm:sp3d/>
+    <dgm:txPr/>
+    <dgm:style>
+      <a:lnRef idx="0">
+        <a:scrgbClr r="0" g="0" b="0"/>
+      </a:lnRef>
+      <a:fillRef idx="3">
+        <a:scrgbClr r="0" g="0" b="0"/>
+      </a:fillRef>
+      <a:effectRef idx="2">
+        <a:scrgbClr r="0" g="0" b="0"/>
+      </a:effectRef>
+      <a:fontRef idx="minor">
+        <a:schemeClr val="lt1"/>
+      </a:fontRef>
+    </dgm:style>
+  </dgm:styleLbl>
+  <dgm:styleLbl name="asst3">
+    <dgm:scene3d>
+      <a:camera prst="orthographicFront"/>
+      <a:lightRig rig="threePt" dir="t"/>
+    </dgm:scene3d>
+    <dgm:sp3d/>
+    <dgm:txPr/>
+    <dgm:style>
+      <a:lnRef idx="0">
+        <a:scrgbClr r="0" g="0" b="0"/>
+      </a:lnRef>
+      <a:fillRef idx="3">
+        <a:scrgbClr r="0" g="0" b="0"/>
+      </a:fillRef>
+      <a:effectRef idx="2">
+        <a:scrgbClr r="0" g="0" b="0"/>
+      </a:effectRef>
+      <a:fontRef idx="minor">
+        <a:schemeClr val="lt1"/>
+      </a:fontRef>
+    </dgm:style>
+  </dgm:styleLbl>
+  <dgm:styleLbl name="asst4">
+    <dgm:scene3d>
+      <a:camera prst="orthographicFront"/>
+      <a:lightRig rig="threePt" dir="t"/>
+    </dgm:scene3d>
+    <dgm:sp3d/>
+    <dgm:txPr/>
+    <dgm:style>
+      <a:lnRef idx="0">
+        <a:scrgbClr r="0" g="0" b="0"/>
+      </a:lnRef>
+      <a:fillRef idx="3">
+        <a:scrgbClr r="0" g="0" b="0"/>
+      </a:fillRef>
+      <a:effectRef idx="2">
+        <a:scrgbClr r="0" g="0" b="0"/>
+      </a:effectRef>
+      <a:fontRef idx="minor">
+        <a:schemeClr val="lt1"/>
+      </a:fontRef>
+    </dgm:style>
+  </dgm:styleLbl>
+  <dgm:styleLbl name="parChTrans2D1">
+    <dgm:scene3d>
+      <a:camera prst="orthographicFront"/>
+      <a:lightRig rig="threePt" dir="t"/>
+    </dgm:scene3d>
+    <dgm:sp3d/>
+    <dgm:txPr/>
+    <dgm:style>
+      <a:lnRef idx="0">
+        <a:scrgbClr r="0" g="0" b="0"/>
+      </a:lnRef>
+      <a:fillRef idx="3">
+        <a:scrgbClr r="0" g="0" b="0"/>
+      </a:fillRef>
+      <a:effectRef idx="2">
+        <a:scrgbClr r="0" g="0" b="0"/>
+      </a:effectRef>
+      <a:fontRef idx="minor">
+        <a:schemeClr val="lt1"/>
+      </a:fontRef>
+    </dgm:style>
+  </dgm:styleLbl>
+  <dgm:styleLbl name="parChTrans2D2">
+    <dgm:scene3d>
+      <a:camera prst="orthographicFront"/>
+      <a:lightRig rig="threePt" dir="t"/>
+    </dgm:scene3d>
+    <dgm:sp3d/>
+    <dgm:txPr/>
+    <dgm:style>
+      <a:lnRef idx="0">
+        <a:scrgbClr r="0" g="0" b="0"/>
+      </a:lnRef>
+      <a:fillRef idx="3">
+        <a:scrgbClr r="0" g="0" b="0"/>
+      </a:fillRef>
+      <a:effectRef idx="2">
+        <a:scrgbClr r="0" g="0" b="0"/>
+      </a:effectRef>
+      <a:fontRef idx="minor">
+        <a:schemeClr val="lt1"/>
+      </a:fontRef>
+    </dgm:style>
+  </dgm:styleLbl>
+  <dgm:styleLbl name="parChTrans2D3">
+    <dgm:scene3d>
+      <a:camera prst="orthographicFront"/>
+      <a:lightRig rig="threePt" dir="t"/>
+    </dgm:scene3d>
+    <dgm:sp3d/>
+    <dgm:txPr/>
+    <dgm:style>
+      <a:lnRef idx="1">
+        <a:scrgbClr r="0" g="0" b="0"/>
+      </a:lnRef>
+      <a:fillRef idx="3">
+        <a:scrgbClr r="0" g="0" b="0"/>
+      </a:fillRef>
+      <a:effectRef idx="2">
+        <a:scrgbClr r="0" g="0" b="0"/>
+      </a:effectRef>
+      <a:fontRef idx="minor">
+        <a:schemeClr val="lt1"/>
+      </a:fontRef>
+    </dgm:style>
+  </dgm:styleLbl>
+  <dgm:styleLbl name="parChTrans2D4">
+    <dgm:scene3d>
+      <a:camera prst="orthographicFront"/>
+      <a:lightRig rig="threePt" dir="t"/>
+    </dgm:scene3d>
+    <dgm:sp3d/>
+    <dgm:txPr/>
+    <dgm:style>
+      <a:lnRef idx="1">
+        <a:scrgbClr r="0" g="0" b="0"/>
+      </a:lnRef>
+      <a:fillRef idx="3">
+        <a:scrgbClr r="0" g="0" b="0"/>
+      </a:fillRef>
+      <a:effectRef idx="2">
+        <a:scrgbClr r="0" g="0" b="0"/>
+      </a:effectRef>
+      <a:fontRef idx="minor">
+        <a:schemeClr val="lt1"/>
+      </a:fontRef>
+    </dgm:style>
+  </dgm:styleLbl>
+  <dgm:styleLbl name="parChTrans1D1">
+    <dgm:scene3d>
+      <a:camera prst="orthographicFront"/>
+      <a:lightRig rig="threePt" dir="t"/>
+    </dgm:scene3d>
+    <dgm:sp3d/>
+    <dgm:txPr/>
+    <dgm:style>
+      <a:lnRef idx="1">
+        <a:scrgbClr r="0" g="0" b="0"/>
+      </a:lnRef>
+      <a:fillRef idx="0">
+        <a:scrgbClr r="0" g="0" b="0"/>
+      </a:fillRef>
+      <a:effectRef idx="0">
+        <a:scrgbClr r="0" g="0" b="0"/>
+      </a:effectRef>
+      <a:fontRef idx="minor"/>
+    </dgm:style>
+  </dgm:styleLbl>
+  <dgm:styleLbl name="parChTrans1D2">
+    <dgm:scene3d>
+      <a:camera prst="orthographicFront"/>
+      <a:lightRig rig="threePt" dir="t"/>
+    </dgm:scene3d>
+    <dgm:sp3d/>
+    <dgm:txPr/>
+    <dgm:style>
+      <a:lnRef idx="1">
+        <a:scrgbClr r="0" g="0" b="0"/>
+      </a:lnRef>
+      <a:fillRef idx="0">
+        <a:scrgbClr r="0" g="0" b="0"/>
+      </a:fillRef>
+      <a:effectRef idx="0">
+        <a:scrgbClr r="0" g="0" b="0"/>
+      </a:effectRef>
+      <a:fontRef idx="minor"/>
+    </dgm:style>
+  </dgm:styleLbl>
+  <dgm:styleLbl name="parChTrans1D3">
+    <dgm:scene3d>
+      <a:camera prst="orthographicFront"/>
+      <a:lightRig rig="threePt" dir="t"/>
+    </dgm:scene3d>
+    <dgm:sp3d/>
+    <dgm:txPr/>
+    <dgm:style>
+      <a:lnRef idx="1">
+        <a:scrgbClr r="0" g="0" b="0"/>
+      </a:lnRef>
+      <a:fillRef idx="0">
+        <a:scrgbClr r="0" g="0" b="0"/>
+      </a:fillRef>
+      <a:effectRef idx="0">
+        <a:scrgbClr r="0" g="0" b="0"/>
+      </a:effectRef>
+      <a:fontRef idx="minor"/>
+    </dgm:style>
+  </dgm:styleLbl>
+  <dgm:styleLbl name="parChTrans1D4">
+    <dgm:scene3d>
+      <a:camera prst="orthographicFront"/>
+      <a:lightRig rig="threePt" dir="t"/>
+    </dgm:scene3d>
+    <dgm:sp3d/>
+    <dgm:txPr/>
+    <dgm:style>
+      <a:lnRef idx="1">
+        <a:scrgbClr r="0" g="0" b="0"/>
+      </a:lnRef>
+      <a:fillRef idx="0">
+        <a:scrgbClr r="0" g="0" b="0"/>
+      </a:fillRef>
+      <a:effectRef idx="0">
+        <a:scrgbClr r="0" g="0" b="0"/>
+      </a:effectRef>
+      <a:fontRef idx="minor"/>
+    </dgm:style>
+  </dgm:styleLbl>
+  <dgm:styleLbl name="fgAcc1">
+    <dgm:scene3d>
+      <a:camera prst="orthographicFront"/>
+      <a:lightRig rig="threePt" dir="t"/>
+    </dgm:scene3d>
+    <dgm:sp3d/>
+    <dgm:txPr/>
+    <dgm:style>
+      <a:lnRef idx="1">
+        <a:scrgbClr r="0" g="0" b="0"/>
+      </a:lnRef>
+      <a:fillRef idx="1">
+        <a:scrgbClr r="0" g="0" b="0"/>
+      </a:fillRef>
+      <a:effectRef idx="0">
+        <a:scrgbClr r="0" g="0" b="0"/>
+      </a:effectRef>
+      <a:fontRef idx="minor"/>
+    </dgm:style>
+  </dgm:styleLbl>
+  <dgm:styleLbl name="conFgAcc1">
+    <dgm:scene3d>
+      <a:camera prst="orthographicFront"/>
+      <a:lightRig rig="threePt" dir="t"/>
+    </dgm:scene3d>
+    <dgm:sp3d/>
+    <dgm:txPr/>
+    <dgm:style>
+      <a:lnRef idx="1">
+        <a:scrgbClr r="0" g="0" b="0"/>
+      </a:lnRef>
+      <a:fillRef idx="1">
+        <a:scrgbClr r="0" g="0" b="0"/>
+      </a:fillRef>
+      <a:effectRef idx="0">
+        <a:scrgbClr r="0" g="0" b="0"/>
+      </a:effectRef>
+      <a:fontRef idx="minor"/>
+    </dgm:style>
+  </dgm:styleLbl>
+  <dgm:styleLbl name="alignAcc1">
+    <dgm:scene3d>
+      <a:camera prst="orthographicFront"/>
+      <a:lightRig rig="threePt" dir="t"/>
+    </dgm:scene3d>
+    <dgm:sp3d/>
+    <dgm:txPr/>
+    <dgm:style>
+      <a:lnRef idx="1">
+        <a:scrgbClr r="0" g="0" b="0"/>
+      </a:lnRef>
+      <a:fillRef idx="1">
+        <a:scrgbClr r="0" g="0" b="0"/>
+      </a:fillRef>
+      <a:effectRef idx="0">
+        <a:scrgbClr r="0" g="0" b="0"/>
+      </a:effectRef>
+      <a:fontRef idx="minor"/>
+    </dgm:style>
+  </dgm:styleLbl>
+  <dgm:styleLbl name="trAlignAcc1">
+    <dgm:scene3d>
+      <a:camera prst="orthographicFront"/>
+      <a:lightRig rig="threePt" dir="t"/>
+    </dgm:scene3d>
+    <dgm:sp3d/>
+    <dgm:txPr/>
+    <dgm:style>
+      <a:lnRef idx="1">
+        <a:scrgbClr r="0" g="0" b="0"/>
+      </a:lnRef>
+      <a:fillRef idx="1">
+        <a:scrgbClr r="0" g="0" b="0"/>
+      </a:fillRef>
+      <a:effectRef idx="0">
+        <a:scrgbClr r="0" g="0" b="0"/>
+      </a:effectRef>
+      <a:fontRef idx="minor"/>
+    </dgm:style>
+  </dgm:styleLbl>
+  <dgm:styleLbl name="bgAcc1">
+    <dgm:scene3d>
+      <a:camera prst="orthographicFront"/>
+      <a:lightRig rig="threePt" dir="t"/>
+    </dgm:scene3d>
+    <dgm:sp3d/>
+    <dgm:txPr/>
+    <dgm:style>
+      <a:lnRef idx="1">
+        <a:scrgbClr r="0" g="0" b="0"/>
+      </a:lnRef>
+      <a:fillRef idx="1">
+        <a:scrgbClr r="0" g="0" b="0"/>
+      </a:fillRef>
+      <a:effectRef idx="0">
+        <a:scrgbClr r="0" g="0" b="0"/>
+      </a:effectRef>
+      <a:fontRef idx="minor"/>
+    </dgm:style>
+  </dgm:styleLbl>
+  <dgm:styleLbl name="solidFgAcc1">
+    <dgm:scene3d>
+      <a:camera prst="orthographicFront"/>
+      <a:lightRig rig="threePt" dir="t"/>
+    </dgm:scene3d>
+    <dgm:sp3d/>
+    <dgm:txPr/>
+    <dgm:style>
+      <a:lnRef idx="1">
+        <a:scrgbClr r="0" g="0" b="0"/>
+      </a:lnRef>
+      <a:fillRef idx="1">
+        <a:scrgbClr r="0" g="0" b="0"/>
+      </a:fillRef>
+      <a:effectRef idx="0">
+        <a:scrgbClr r="0" g="0" b="0"/>
+      </a:effectRef>
+      <a:fontRef idx="minor"/>
+    </dgm:style>
+  </dgm:styleLbl>
+  <dgm:styleLbl name="solidAlignAcc1">
+    <dgm:scene3d>
+      <a:camera prst="orthographicFront"/>
+      <a:lightRig rig="threePt" dir="t"/>
+    </dgm:scene3d>
+    <dgm:sp3d/>
+    <dgm:txPr/>
+    <dgm:style>
+      <a:lnRef idx="1">
+        <a:scrgbClr r="0" g="0" b="0"/>
+      </a:lnRef>
+      <a:fillRef idx="1">
+        <a:scrgbClr r="0" g="0" b="0"/>
+      </a:fillRef>
+      <a:effectRef idx="0">
+        <a:scrgbClr r="0" g="0" b="0"/>
+      </a:effectRef>
+      <a:fontRef idx="minor"/>
+    </dgm:style>
+  </dgm:styleLbl>
+  <dgm:styleLbl name="solidBgAcc1">
+    <dgm:scene3d>
+      <a:camera prst="orthographicFront"/>
+      <a:lightRig rig="threePt" dir="t"/>
+    </dgm:scene3d>
+    <dgm:sp3d/>
+    <dgm:txPr/>
+    <dgm:style>
+      <a:lnRef idx="1">
+        <a:scrgbClr r="0" g="0" b="0"/>
+      </a:lnRef>
+      <a:fillRef idx="1">
+        <a:scrgbClr r="0" g="0" b="0"/>
+      </a:fillRef>
+      <a:effectRef idx="0">
+        <a:scrgbClr r="0" g="0" b="0"/>
+      </a:effectRef>
+      <a:fontRef idx="minor"/>
+    </dgm:style>
+  </dgm:styleLbl>
+  <dgm:styleLbl name="fgAccFollowNode1">
+    <dgm:scene3d>
+      <a:camera prst="orthographicFront"/>
+      <a:lightRig rig="threePt" dir="t"/>
+    </dgm:scene3d>
+    <dgm:sp3d/>
+    <dgm:txPr/>
+    <dgm:style>
+      <a:lnRef idx="1">
+        <a:scrgbClr r="0" g="0" b="0"/>
+      </a:lnRef>
+      <a:fillRef idx="1">
+        <a:scrgbClr r="0" g="0" b="0"/>
+      </a:fillRef>
+      <a:effectRef idx="0">
+        <a:scrgbClr r="0" g="0" b="0"/>
+      </a:effectRef>
+      <a:fontRef idx="minor"/>
+    </dgm:style>
+  </dgm:styleLbl>
+  <dgm:styleLbl name="alignAccFollowNode1">
+    <dgm:scene3d>
+      <a:camera prst="orthographicFront"/>
+      <a:lightRig rig="threePt" dir="t"/>
+    </dgm:scene3d>
+    <dgm:sp3d/>
+    <dgm:txPr/>
+    <dgm:style>
+      <a:lnRef idx="1">
+        <a:scrgbClr r="0" g="0" b="0"/>
+      </a:lnRef>
+      <a:fillRef idx="1">
+        <a:scrgbClr r="0" g="0" b="0"/>
+      </a:fillRef>
+      <a:effectRef idx="0">
+        <a:scrgbClr r="0" g="0" b="0"/>
+      </a:effectRef>
+      <a:fontRef idx="minor"/>
+    </dgm:style>
+  </dgm:styleLbl>
+  <dgm:styleLbl name="bgAccFollowNode1">
+    <dgm:scene3d>
+      <a:camera prst="orthographicFront"/>
+      <a:lightRig rig="threePt" dir="t"/>
+    </dgm:scene3d>
+    <dgm:sp3d/>
+    <dgm:txPr/>
+    <dgm:style>
+      <a:lnRef idx="1">
+        <a:scrgbClr r="0" g="0" b="0"/>
+      </a:lnRef>
+      <a:fillRef idx="1">
+        <a:scrgbClr r="0" g="0" b="0"/>
+      </a:fillRef>
+      <a:effectRef idx="0">
+        <a:scrgbClr r="0" g="0" b="0"/>
+      </a:effectRef>
+      <a:fontRef idx="minor"/>
+    </dgm:style>
+  </dgm:styleLbl>
+  <dgm:styleLbl name="fgAcc0">
+    <dgm:scene3d>
+      <a:camera prst="orthographicFront"/>
+      <a:lightRig rig="threePt" dir="t"/>
+    </dgm:scene3d>
+    <dgm:sp3d/>
+    <dgm:txPr/>
+    <dgm:style>
+      <a:lnRef idx="1">
+        <a:scrgbClr r="0" g="0" b="0"/>
+      </a:lnRef>
+      <a:fillRef idx="1">
+        <a:scrgbClr r="0" g="0" b="0"/>
+      </a:fillRef>
+      <a:effectRef idx="0">
+        <a:scrgbClr r="0" g="0" b="0"/>
+      </a:effectRef>
+      <a:fontRef idx="minor"/>
+    </dgm:style>
+  </dgm:styleLbl>
+  <dgm:styleLbl name="fgAcc2">
+    <dgm:scene3d>
+      <a:camera prst="orthographicFront"/>
+      <a:lightRig rig="threePt" dir="t"/>
+    </dgm:scene3d>
+    <dgm:sp3d/>
+    <dgm:txPr/>
+    <dgm:style>
+      <a:lnRef idx="1">
+        <a:scrgbClr r="0" g="0" b="0"/>
+      </a:lnRef>
+      <a:fillRef idx="1">
+        <a:scrgbClr r="0" g="0" b="0"/>
+      </a:fillRef>
+      <a:effectRef idx="0">
+        <a:scrgbClr r="0" g="0" b="0"/>
+      </a:effectRef>
+      <a:fontRef idx="minor"/>
+    </dgm:style>
+  </dgm:styleLbl>
+  <dgm:styleLbl name="fgAcc3">
+    <dgm:scene3d>
+      <a:camera prst="orthographicFront"/>
+      <a:lightRig rig="threePt" dir="t"/>
+    </dgm:scene3d>
+    <dgm:sp3d/>
+    <dgm:txPr/>
+    <dgm:style>
+      <a:lnRef idx="1">
+        <a:scrgbClr r="0" g="0" b="0"/>
+      </a:lnRef>
+      <a:fillRef idx="1">
+        <a:scrgbClr r="0" g="0" b="0"/>
+      </a:fillRef>
+      <a:effectRef idx="0">
+        <a:scrgbClr r="0" g="0" b="0"/>
+      </a:effectRef>
+      <a:fontRef idx="minor"/>
+    </dgm:style>
+  </dgm:styleLbl>
+  <dgm:styleLbl name="fgAcc4">
+    <dgm:scene3d>
+      <a:camera prst="orthographicFront"/>
+      <a:lightRig rig="threePt" dir="t"/>
+    </dgm:scene3d>
+    <dgm:sp3d/>
+    <dgm:txPr/>
+    <dgm:style>
+      <a:lnRef idx="1">
+        <a:scrgbClr r="0" g="0" b="0"/>
+      </a:lnRef>
+      <a:fillRef idx="1">
+        <a:scrgbClr r="0" g="0" b="0"/>
+      </a:fillRef>
+      <a:effectRef idx="0">
+        <a:scrgbClr r="0" g="0" b="0"/>
+      </a:effectRef>
+      <a:fontRef idx="minor"/>
+    </dgm:style>
+  </dgm:styleLbl>
+  <dgm:styleLbl name="bgShp">
+    <dgm:scene3d>
+      <a:camera prst="orthographicFront"/>
+      <a:lightRig rig="threePt" dir="t"/>
+    </dgm:scene3d>
+    <dgm:sp3d/>
+    <dgm:txPr/>
+    <dgm:style>
+      <a:lnRef idx="0">
+        <a:scrgbClr r="0" g="0" b="0"/>
+      </a:lnRef>
+      <a:fillRef idx="1">
+        <a:scrgbClr r="0" g="0" b="0"/>
+      </a:fillRef>
+      <a:effectRef idx="2">
+        <a:scrgbClr r="0" g="0" b="0"/>
+      </a:effectRef>
+      <a:fontRef idx="minor"/>
+    </dgm:style>
+  </dgm:styleLbl>
+  <dgm:styleLbl name="dkBgShp">
+    <dgm:scene3d>
+      <a:camera prst="orthographicFront"/>
+      <a:lightRig rig="threePt" dir="t"/>
+    </dgm:scene3d>
+    <dgm:sp3d/>
+    <dgm:txPr/>
+    <dgm:style>
+      <a:lnRef idx="0">
+        <a:scrgbClr r="0" g="0" b="0"/>
+      </a:lnRef>
+      <a:fillRef idx="1">
+        <a:scrgbClr r="0" g="0" b="0"/>
+      </a:fillRef>
+      <a:effectRef idx="2">
+        <a:scrgbClr r="0" g="0" b="0"/>
+      </a:effectRef>
+      <a:fontRef idx="minor"/>
+    </dgm:style>
+  </dgm:styleLbl>
+  <dgm:styleLbl name="trBgShp">
+    <dgm:scene3d>
+      <a:camera prst="orthographicFront"/>
+      <a:lightRig rig="threePt" dir="t"/>
+    </dgm:scene3d>
+    <dgm:sp3d/>
+    <dgm:txPr/>
+    <dgm:style>
+      <a:lnRef idx="0">
+        <a:scrgbClr r="0" g="0" b="0"/>
+      </a:lnRef>
+      <a:fillRef idx="1">
+        <a:scrgbClr r="0" g="0" b="0"/>
+      </a:fillRef>
+      <a:effectRef idx="0">
+        <a:scrgbClr r="0" g="0" b="0"/>
+      </a:effectRef>
+      <a:fontRef idx="minor"/>
+    </dgm:style>
+  </dgm:styleLbl>
+  <dgm:styleLbl name="fgShp">
+    <dgm:scene3d>
+      <a:camera prst="orthographicFront"/>
+      <a:lightRig rig="threePt" dir="t"/>
+    </dgm:scene3d>
+    <dgm:sp3d/>
+    <dgm:txPr/>
+    <dgm:style>
+      <a:lnRef idx="0">
+        <a:scrgbClr r="0" g="0" b="0"/>
+      </a:lnRef>
+      <a:fillRef idx="3">
+        <a:scrgbClr r="0" g="0" b="0"/>
+      </a:fillRef>
+      <a:effectRef idx="2">
+        <a:scrgbClr r="0" g="0" b="0"/>
+      </a:effectRef>
+      <a:fontRef idx="minor"/>
+    </dgm:style>
+  </dgm:styleLbl>
+  <dgm:styleLbl name="revTx">
+    <dgm:scene3d>
+      <a:camera prst="orthographicFront"/>
+      <a:lightRig rig="threePt" dir="t"/>
+    </dgm:scene3d>
+    <dgm:sp3d/>
+    <dgm:txPr/>
+    <dgm:style>
+      <a:lnRef idx="0">
+        <a:scrgbClr r="0" g="0" b="0"/>
+      </a:lnRef>
+      <a:fillRef idx="0">
+        <a:scrgbClr r="0" g="0" b="0"/>
+      </a:fillRef>
+      <a:effectRef idx="0">
+        <a:scrgbClr r="0" g="0" b="0"/>
+      </a:effectRef>
+      <a:fontRef idx="minor"/>
+    </dgm:style>
+  </dgm:styleLbl>
+</dgm:styleDef>
+</file>
+
 <file path=ppt/notesMasters/notesMaster1.xml><?xml version="1.0" encoding="utf-8"?>
 <p:notesMaster xmlns:a="http://schemas.openxmlformats.org/drawingml/2006/main" xmlns:r="http://schemas.openxmlformats.org/officeDocument/2006/relationships" xmlns:p="http://schemas.openxmlformats.org/presentationml/2006/main">
   <p:cSld>
@@ -219,6 +6964,11 @@
         </p:txBody>
       </p:sp>
     </p:spTree>
+    <p:extLst>
+      <p:ext uri="{BB962C8B-B14F-4D97-AF65-F5344CB8AC3E}">
+        <p14:creationId xmlns:p14="http://schemas.microsoft.com/office/powerpoint/2010/main" val="178854763"/>
+      </p:ext>
+    </p:extLst>
   </p:cSld>
   <p:clrMap bg1="lt1" tx1="dk1" bg2="lt2" tx2="dk2" accent1="accent1" accent2="accent2" accent3="accent3" accent4="accent4" accent5="accent5" accent6="accent6" hlink="hlink" folHlink="folHlink"/>
   <p:notesStyle>
@@ -511,7 +7261,7 @@
           <a:p>
             <a:fld id="{4AAD347D-5ACD-4C99-B74B-A9C85AD731AF}" type="datetimeFigureOut">
               <a:rPr lang="en-US" dirty="0"/>
-              <a:t>2/17/2019</a:t>
+              <a:t>8/4/19</a:t>
             </a:fld>
             <a:endParaRPr lang="en-US" dirty="0"/>
           </a:p>
@@ -553,7 +7303,7 @@
           <a:p>
             <a:fld id="{86CB4B4D-7CA3-9044-876B-883B54F8677D}" type="slidenum">
               <a:rPr lang="sv-SE" smtClean="0"/>
-              <a:t>‹#›</a:t>
+              <a:t>‹Nr.›</a:t>
             </a:fld>
             <a:endParaRPr lang="sv-SE"/>
           </a:p>
@@ -786,7 +7536,7 @@
           <a:p>
             <a:fld id="{4509A250-FF31-4206-8172-F9D3106AACB1}" type="datetimeFigureOut">
               <a:rPr lang="en-US" dirty="0"/>
-              <a:t>2/17/2019</a:t>
+              <a:t>8/4/19</a:t>
             </a:fld>
             <a:endParaRPr lang="en-US" dirty="0"/>
           </a:p>
@@ -828,7 +7578,7 @@
           <a:p>
             <a:fld id="{86CB4B4D-7CA3-9044-876B-883B54F8677D}" type="slidenum">
               <a:rPr lang="sv-SE" smtClean="0"/>
-              <a:t>‹#›</a:t>
+              <a:t>‹Nr.›</a:t>
             </a:fld>
             <a:endParaRPr lang="sv-SE"/>
           </a:p>
@@ -980,7 +7730,7 @@
           <a:p>
             <a:fld id="{4509A250-FF31-4206-8172-F9D3106AACB1}" type="datetimeFigureOut">
               <a:rPr lang="en-US" dirty="0"/>
-              <a:t>2/17/2019</a:t>
+              <a:t>8/4/19</a:t>
             </a:fld>
             <a:endParaRPr lang="en-US" dirty="0"/>
           </a:p>
@@ -1022,7 +7772,7 @@
           <a:p>
             <a:fld id="{86CB4B4D-7CA3-9044-876B-883B54F8677D}" type="slidenum">
               <a:rPr lang="sv-SE" smtClean="0"/>
-              <a:t>‹#›</a:t>
+              <a:t>‹Nr.›</a:t>
             </a:fld>
             <a:endParaRPr lang="sv-SE"/>
           </a:p>
@@ -1253,7 +8003,7 @@
           <a:p>
             <a:fld id="{4509A250-FF31-4206-8172-F9D3106AACB1}" type="datetimeFigureOut">
               <a:rPr lang="en-US" dirty="0"/>
-              <a:t>2/17/2019</a:t>
+              <a:t>8/4/19</a:t>
             </a:fld>
             <a:endParaRPr lang="en-US" dirty="0"/>
           </a:p>
@@ -1295,7 +8045,7 @@
           <a:p>
             <a:fld id="{86CB4B4D-7CA3-9044-876B-883B54F8677D}" type="slidenum">
               <a:rPr lang="sv-SE" smtClean="0"/>
-              <a:t>‹#›</a:t>
+              <a:t>‹Nr.›</a:t>
             </a:fld>
             <a:endParaRPr lang="sv-SE"/>
           </a:p>
@@ -1594,7 +8344,7 @@
           <a:p>
             <a:fld id="{4509A250-FF31-4206-8172-F9D3106AACB1}" type="datetimeFigureOut">
               <a:rPr lang="en-US" dirty="0"/>
-              <a:t>2/17/2019</a:t>
+              <a:t>8/4/19</a:t>
             </a:fld>
             <a:endParaRPr lang="en-US" dirty="0"/>
           </a:p>
@@ -1636,7 +8386,7 @@
           <a:p>
             <a:fld id="{86CB4B4D-7CA3-9044-876B-883B54F8677D}" type="slidenum">
               <a:rPr lang="sv-SE" smtClean="0"/>
-              <a:t>‹#›</a:t>
+              <a:t>‹Nr.›</a:t>
             </a:fld>
             <a:endParaRPr lang="sv-SE"/>
           </a:p>
@@ -2217,7 +8967,7 @@
           <a:p>
             <a:fld id="{4509A250-FF31-4206-8172-F9D3106AACB1}" type="datetimeFigureOut">
               <a:rPr lang="en-US" dirty="0"/>
-              <a:t>2/17/2019</a:t>
+              <a:t>8/4/19</a:t>
             </a:fld>
             <a:endParaRPr lang="en-US" dirty="0"/>
           </a:p>
@@ -2259,7 +9009,7 @@
           <a:p>
             <a:fld id="{86CB4B4D-7CA3-9044-876B-883B54F8677D}" type="slidenum">
               <a:rPr lang="sv-SE" smtClean="0"/>
-              <a:t>‹#›</a:t>
+              <a:t>‹Nr.›</a:t>
             </a:fld>
             <a:endParaRPr lang="sv-SE"/>
           </a:p>
@@ -3077,7 +9827,7 @@
           <a:p>
             <a:fld id="{4509A250-FF31-4206-8172-F9D3106AACB1}" type="datetimeFigureOut">
               <a:rPr lang="en-US" dirty="0"/>
-              <a:t>2/17/2019</a:t>
+              <a:t>8/4/19</a:t>
             </a:fld>
             <a:endParaRPr lang="en-US" dirty="0"/>
           </a:p>
@@ -3119,7 +9869,7 @@
           <a:p>
             <a:fld id="{86CB4B4D-7CA3-9044-876B-883B54F8677D}" type="slidenum">
               <a:rPr lang="sv-SE" smtClean="0"/>
-              <a:t>‹#›</a:t>
+              <a:t>‹Nr.›</a:t>
             </a:fld>
             <a:endParaRPr lang="sv-SE"/>
           </a:p>
@@ -3247,7 +9997,7 @@
           <a:p>
             <a:fld id="{4509A250-FF31-4206-8172-F9D3106AACB1}" type="datetimeFigureOut">
               <a:rPr lang="en-US" dirty="0"/>
-              <a:t>2/17/2019</a:t>
+              <a:t>8/4/19</a:t>
             </a:fld>
             <a:endParaRPr lang="en-US" dirty="0"/>
           </a:p>
@@ -3289,7 +10039,7 @@
           <a:p>
             <a:fld id="{86CB4B4D-7CA3-9044-876B-883B54F8677D}" type="slidenum">
               <a:rPr lang="sv-SE" smtClean="0"/>
-              <a:t>‹#›</a:t>
+              <a:t>‹Nr.›</a:t>
             </a:fld>
             <a:endParaRPr lang="sv-SE"/>
           </a:p>
@@ -3427,7 +10177,7 @@
           <a:p>
             <a:fld id="{4509A250-FF31-4206-8172-F9D3106AACB1}" type="datetimeFigureOut">
               <a:rPr lang="en-US" dirty="0"/>
-              <a:t>2/17/2019</a:t>
+              <a:t>8/4/19</a:t>
             </a:fld>
             <a:endParaRPr lang="en-US" dirty="0"/>
           </a:p>
@@ -3469,7 +10219,7 @@
           <a:p>
             <a:fld id="{86CB4B4D-7CA3-9044-876B-883B54F8677D}" type="slidenum">
               <a:rPr lang="sv-SE" smtClean="0"/>
-              <a:t>‹#›</a:t>
+              <a:t>‹Nr.›</a:t>
             </a:fld>
             <a:endParaRPr lang="sv-SE"/>
           </a:p>
@@ -3615,7 +10365,7 @@
           <a:lstStyle/>
           <a:p>
             <a:fld id="{86CB4B4D-7CA3-9044-876B-883B54F8677D}" type="slidenum">
-              <a:t>‹#›</a:t>
+              <a:t>‹Nr.›</a:t>
             </a:fld>
             <a:endParaRPr/>
           </a:p>
@@ -3697,7 +10447,7 @@
           <a:lstStyle/>
           <a:p>
             <a:fld id="{86CB4B4D-7CA3-9044-876B-883B54F8677D}" type="slidenum">
-              <a:t>‹#›</a:t>
+              <a:t>‹Nr.›</a:t>
             </a:fld>
             <a:endParaRPr/>
           </a:p>
@@ -3826,7 +10576,7 @@
           <a:p>
             <a:fld id="{4509A250-FF31-4206-8172-F9D3106AACB1}" type="datetimeFigureOut">
               <a:rPr lang="en-US" dirty="0"/>
-              <a:t>2/17/2019</a:t>
+              <a:t>8/4/19</a:t>
             </a:fld>
             <a:endParaRPr lang="en-US" dirty="0"/>
           </a:p>
@@ -3868,7 +10618,7 @@
           <a:p>
             <a:fld id="{86CB4B4D-7CA3-9044-876B-883B54F8677D}" type="slidenum">
               <a:rPr lang="sv-SE" smtClean="0"/>
-              <a:t>‹#›</a:t>
+              <a:t>‹Nr.›</a:t>
             </a:fld>
             <a:endParaRPr lang="sv-SE"/>
           </a:p>
@@ -4011,7 +10761,7 @@
           <a:lstStyle/>
           <a:p>
             <a:fld id="{86CB4B4D-7CA3-9044-876B-883B54F8677D}" type="slidenum">
-              <a:t>‹#›</a:t>
+              <a:t>‹Nr.›</a:t>
             </a:fld>
             <a:endParaRPr/>
           </a:p>
@@ -4068,7 +10818,7 @@
           <a:lstStyle/>
           <a:p>
             <a:fld id="{86CB4B4D-7CA3-9044-876B-883B54F8677D}" type="slidenum">
-              <a:t>‹#›</a:t>
+              <a:t>‹Nr.›</a:t>
             </a:fld>
             <a:endParaRPr/>
           </a:p>
@@ -4274,7 +11024,7 @@
           <a:p>
             <a:fld id="{9796027F-7875-4030-9381-8BD8C4F21935}" type="datetimeFigureOut">
               <a:rPr lang="en-US" dirty="0"/>
-              <a:t>2/17/2019</a:t>
+              <a:t>8/4/19</a:t>
             </a:fld>
             <a:endParaRPr lang="en-US" dirty="0"/>
           </a:p>
@@ -4316,7 +11066,7 @@
           <a:p>
             <a:fld id="{86CB4B4D-7CA3-9044-876B-883B54F8677D}" type="slidenum">
               <a:rPr lang="sv-SE" smtClean="0"/>
-              <a:t>‹#›</a:t>
+              <a:t>‹Nr.›</a:t>
             </a:fld>
             <a:endParaRPr lang="sv-SE"/>
           </a:p>
@@ -4566,7 +11316,7 @@
           <a:p>
             <a:fld id="{9796027F-7875-4030-9381-8BD8C4F21935}" type="datetimeFigureOut">
               <a:rPr lang="en-US" dirty="0"/>
-              <a:t>2/17/2019</a:t>
+              <a:t>8/4/19</a:t>
             </a:fld>
             <a:endParaRPr lang="en-US" dirty="0"/>
           </a:p>
@@ -4608,7 +11358,7 @@
           <a:p>
             <a:fld id="{86CB4B4D-7CA3-9044-876B-883B54F8677D}" type="slidenum">
               <a:rPr lang="sv-SE" smtClean="0"/>
-              <a:t>‹#›</a:t>
+              <a:t>‹Nr.›</a:t>
             </a:fld>
             <a:endParaRPr lang="sv-SE"/>
           </a:p>
@@ -5010,7 +11760,7 @@
           <a:p>
             <a:fld id="{9796027F-7875-4030-9381-8BD8C4F21935}" type="datetimeFigureOut">
               <a:rPr lang="en-US" dirty="0"/>
-              <a:t>2/17/2019</a:t>
+              <a:t>8/4/19</a:t>
             </a:fld>
             <a:endParaRPr lang="en-US" dirty="0"/>
           </a:p>
@@ -5052,7 +11802,7 @@
           <a:p>
             <a:fld id="{86CB4B4D-7CA3-9044-876B-883B54F8677D}" type="slidenum">
               <a:rPr lang="sv-SE" smtClean="0"/>
-              <a:t>‹#›</a:t>
+              <a:t>‹Nr.›</a:t>
             </a:fld>
             <a:endParaRPr lang="sv-SE"/>
           </a:p>
@@ -5128,7 +11878,7 @@
           <a:p>
             <a:fld id="{4509A250-FF31-4206-8172-F9D3106AACB1}" type="datetimeFigureOut">
               <a:rPr lang="en-US" dirty="0"/>
-              <a:t>2/17/2019</a:t>
+              <a:t>8/4/19</a:t>
             </a:fld>
             <a:endParaRPr lang="en-US" dirty="0"/>
           </a:p>
@@ -5170,7 +11920,7 @@
           <a:p>
             <a:fld id="{86CB4B4D-7CA3-9044-876B-883B54F8677D}" type="slidenum">
               <a:rPr lang="sv-SE" smtClean="0"/>
-              <a:t>‹#›</a:t>
+              <a:t>‹Nr.›</a:t>
             </a:fld>
             <a:endParaRPr lang="sv-SE"/>
           </a:p>
@@ -5223,7 +11973,7 @@
           <a:p>
             <a:fld id="{4509A250-FF31-4206-8172-F9D3106AACB1}" type="datetimeFigureOut">
               <a:rPr lang="en-US" dirty="0"/>
-              <a:t>2/17/2019</a:t>
+              <a:t>8/4/19</a:t>
             </a:fld>
             <a:endParaRPr lang="en-US" dirty="0"/>
           </a:p>
@@ -5265,7 +12015,7 @@
           <a:p>
             <a:fld id="{86CB4B4D-7CA3-9044-876B-883B54F8677D}" type="slidenum">
               <a:rPr lang="sv-SE" smtClean="0"/>
-              <a:t>‹#›</a:t>
+              <a:t>‹Nr.›</a:t>
             </a:fld>
             <a:endParaRPr lang="sv-SE"/>
           </a:p>
@@ -5502,7 +12252,7 @@
           <a:p>
             <a:fld id="{4509A250-FF31-4206-8172-F9D3106AACB1}" type="datetimeFigureOut">
               <a:rPr lang="en-US" dirty="0"/>
-              <a:t>2/17/2019</a:t>
+              <a:t>8/4/19</a:t>
             </a:fld>
             <a:endParaRPr lang="en-US" dirty="0"/>
           </a:p>
@@ -5544,7 +12294,7 @@
           <a:p>
             <a:fld id="{86CB4B4D-7CA3-9044-876B-883B54F8677D}" type="slidenum">
               <a:rPr lang="sv-SE" smtClean="0"/>
-              <a:t>‹#›</a:t>
+              <a:t>‹Nr.›</a:t>
             </a:fld>
             <a:endParaRPr lang="sv-SE"/>
           </a:p>
@@ -5777,7 +12527,7 @@
           <a:p>
             <a:fld id="{4509A250-FF31-4206-8172-F9D3106AACB1}" type="datetimeFigureOut">
               <a:rPr lang="en-US" dirty="0"/>
-              <a:t>2/17/2019</a:t>
+              <a:t>8/4/19</a:t>
             </a:fld>
             <a:endParaRPr lang="en-US" dirty="0"/>
           </a:p>
@@ -5819,7 +12569,7 @@
           <a:p>
             <a:fld id="{86CB4B4D-7CA3-9044-876B-883B54F8677D}" type="slidenum">
               <a:rPr lang="sv-SE" smtClean="0"/>
-              <a:t>‹#›</a:t>
+              <a:t>‹Nr.›</a:t>
             </a:fld>
             <a:endParaRPr lang="sv-SE"/>
           </a:p>
@@ -6206,7 +12956,7 @@
           <a:p>
             <a:fld id="{4AAD347D-5ACD-4C99-B74B-A9C85AD731AF}" type="datetimeFigureOut">
               <a:rPr lang="en-US" dirty="0"/>
-              <a:t>2/17/2019</a:t>
+              <a:t>8/4/19</a:t>
             </a:fld>
             <a:endParaRPr lang="en-US" dirty="0"/>
           </a:p>
@@ -6285,7 +13035,7 @@
           <a:p>
             <a:fld id="{86CB4B4D-7CA3-9044-876B-883B54F8677D}" type="slidenum">
               <a:rPr lang="sv-SE" smtClean="0"/>
-              <a:t>‹#›</a:t>
+              <a:t>‹Nr.›</a:t>
             </a:fld>
             <a:endParaRPr lang="sv-SE"/>
           </a:p>
@@ -6795,6 +13545,116 @@
 </p:sld>
 </file>
 
+<file path=ppt/slides/slide10.xml><?xml version="1.0" encoding="utf-8"?>
+<p:sld xmlns:a="http://schemas.openxmlformats.org/drawingml/2006/main" xmlns:r="http://schemas.openxmlformats.org/officeDocument/2006/relationships" xmlns:p="http://schemas.openxmlformats.org/presentationml/2006/main">
+  <p:cSld>
+    <p:spTree>
+      <p:nvGrpSpPr>
+        <p:cNvPr id="1" name=""/>
+        <p:cNvGrpSpPr/>
+        <p:nvPr/>
+      </p:nvGrpSpPr>
+      <p:grpSpPr>
+        <a:xfrm>
+          <a:off x="0" y="0"/>
+          <a:ext cx="0" cy="0"/>
+          <a:chOff x="0" y="0"/>
+          <a:chExt cx="0" cy="0"/>
+        </a:xfrm>
+      </p:grpSpPr>
+      <p:grpSp>
+        <p:nvGrpSpPr>
+          <p:cNvPr id="5" name="Group 4"/>
+          <p:cNvGrpSpPr/>
+          <p:nvPr/>
+        </p:nvGrpSpPr>
+        <p:grpSpPr>
+          <a:xfrm>
+            <a:off x="7281177" y="1274615"/>
+            <a:ext cx="9821646" cy="8302916"/>
+            <a:chOff x="7281177" y="2389431"/>
+            <a:chExt cx="9821646" cy="8302916"/>
+          </a:xfrm>
+        </p:grpSpPr>
+        <p:sp>
+          <p:nvSpPr>
+            <p:cNvPr id="2" name="Rectangle 1"/>
+            <p:cNvSpPr/>
+            <p:nvPr/>
+          </p:nvSpPr>
+          <p:spPr>
+            <a:xfrm>
+              <a:off x="7979949" y="2389431"/>
+              <a:ext cx="8424101" cy="461665"/>
+            </a:xfrm>
+            <a:prstGeom prst="rect">
+              <a:avLst/>
+            </a:prstGeom>
+          </p:spPr>
+          <p:txBody>
+            <a:bodyPr wrap="none">
+              <a:spAutoFit/>
+            </a:bodyPr>
+            <a:lstStyle/>
+            <a:p>
+              <a:r>
+                <a:rPr lang="sv-SE" sz="2400" i="1" dirty="0"/>
+                <a:t>http://lucasmatt.com/2017/08/22/spring-microservices/</a:t>
+              </a:r>
+            </a:p>
+          </p:txBody>
+        </p:sp>
+        <p:pic>
+          <p:nvPicPr>
+            <p:cNvPr id="4" name="Picture 3"/>
+            <p:cNvPicPr>
+              <a:picLocks noChangeAspect="1"/>
+            </p:cNvPicPr>
+            <p:nvPr/>
+          </p:nvPicPr>
+          <p:blipFill>
+            <a:blip r:embed="rId2"/>
+            <a:stretch>
+              <a:fillRect/>
+            </a:stretch>
+          </p:blipFill>
+          <p:spPr>
+            <a:xfrm>
+              <a:off x="7281177" y="3023652"/>
+              <a:ext cx="9821646" cy="7668695"/>
+            </a:xfrm>
+            <a:prstGeom prst="roundRect">
+              <a:avLst>
+                <a:gd name="adj" fmla="val 8594"/>
+              </a:avLst>
+            </a:prstGeom>
+            <a:solidFill>
+              <a:srgbClr val="FFFFFF">
+                <a:shade val="85000"/>
+              </a:srgbClr>
+            </a:solidFill>
+            <a:ln>
+              <a:noFill/>
+            </a:ln>
+            <a:effectLst>
+              <a:reflection blurRad="12700" stA="38000" endPos="28000" dist="5000" dir="5400000" sy="-100000" algn="bl" rotWithShape="0"/>
+            </a:effectLst>
+          </p:spPr>
+        </p:pic>
+      </p:grpSp>
+    </p:spTree>
+    <p:extLst>
+      <p:ext uri="{BB962C8B-B14F-4D97-AF65-F5344CB8AC3E}">
+        <p14:creationId xmlns:p14="http://schemas.microsoft.com/office/powerpoint/2010/main" val="37500772"/>
+      </p:ext>
+    </p:extLst>
+  </p:cSld>
+  <p:clrMapOvr>
+    <a:masterClrMapping/>
+  </p:clrMapOvr>
+</p:sld>
+</file>
+
 <file path=ppt/slides/slide2.xml><?xml version="1.0" encoding="utf-8"?>
 <p:sld xmlns:a="http://schemas.openxmlformats.org/drawingml/2006/main" xmlns:r="http://schemas.openxmlformats.org/officeDocument/2006/relationships" xmlns:p="http://schemas.openxmlformats.org/presentationml/2006/main">
   <p:cSld>
@@ -7125,6 +13985,10 @@
                 </a:solidFill>
               </a:rPr>
             </a:br>
+            <a:r>
+              <a:rPr dirty="0"/>
+              <a:t/>
+            </a:r>
             <a:br>
               <a:rPr dirty="0"/>
             </a:br>
@@ -7454,7 +14318,7 @@
           </a:effectLst>
           <a:extLst>
             <a:ext uri="{C572A759-6A51-4108-AA02-DFA0A04FC94B}">
-              <ma14:wrappingTextBoxFlag xmlns:ma14="http://schemas.microsoft.com/office/mac/drawingml/2011/main" xmlns:a14="http://schemas.microsoft.com/office/drawing/2010/main" xmlns:m="http://schemas.openxmlformats.org/officeDocument/2006/math" xmlns="" val="1"/>
+              <ma14:wrappingTextBoxFlag xmlns:ma14="http://schemas.microsoft.com/office/mac/drawingml/2011/main" val="1"/>
             </a:ext>
           </a:extLst>
         </p:spPr>
@@ -7677,6 +14541,7 @@
           <a:lstStyle/>
           <a:p>
             <a:r>
+              <a:rPr dirty="0"/>
               <a:t>Micro services patterns</a:t>
             </a:r>
           </a:p>
@@ -8094,10 +14959,104 @@
     <a:masterClrMapping/>
   </p:clrMapOvr>
   <p:transition spd="med"/>
+  <p:timing>
+    <p:tnLst>
+      <p:par>
+        <p:cTn id="1" dur="indefinite" restart="never" nodeType="tmRoot"/>
+      </p:par>
+    </p:tnLst>
+  </p:timing>
 </p:sld>
 </file>
 
 <file path=ppt/slides/slide7.xml><?xml version="1.0" encoding="utf-8"?>
+<p:sld xmlns:a="http://schemas.openxmlformats.org/drawingml/2006/main" xmlns:r="http://schemas.openxmlformats.org/officeDocument/2006/relationships" xmlns:p="http://schemas.openxmlformats.org/presentationml/2006/main">
+  <p:cSld>
+    <p:spTree>
+      <p:nvGrpSpPr>
+        <p:cNvPr id="1" name=""/>
+        <p:cNvGrpSpPr/>
+        <p:nvPr/>
+      </p:nvGrpSpPr>
+      <p:grpSpPr>
+        <a:xfrm>
+          <a:off x="0" y="0"/>
+          <a:ext cx="0" cy="0"/>
+          <a:chOff x="0" y="0"/>
+          <a:chExt cx="0" cy="0"/>
+        </a:xfrm>
+      </p:grpSpPr>
+      <p:sp>
+        <p:nvSpPr>
+          <p:cNvPr id="2" name="Rubrik 1"/>
+          <p:cNvSpPr>
+            <a:spLocks noGrp="1"/>
+          </p:cNvSpPr>
+          <p:nvPr>
+            <p:ph type="title"/>
+          </p:nvPr>
+        </p:nvSpPr>
+        <p:spPr/>
+        <p:txBody>
+          <a:bodyPr/>
+          <a:lstStyle/>
+          <a:p>
+            <a:r>
+              <a:rPr lang="sv-SE" dirty="0"/>
+              <a:t>Micro services </a:t>
+            </a:r>
+            <a:r>
+              <a:rPr lang="sv-SE" dirty="0" err="1"/>
+              <a:t>patterns</a:t>
+            </a:r>
+            <a:endParaRPr lang="sv-SE" dirty="0"/>
+          </a:p>
+        </p:txBody>
+      </p:sp>
+      <p:graphicFrame>
+        <p:nvGraphicFramePr>
+          <p:cNvPr id="3" name="Diagram 2"/>
+          <p:cNvGraphicFramePr/>
+          <p:nvPr>
+            <p:extLst>
+              <p:ext uri="{D42A27DB-BD31-4B8C-83A1-F6EECF244321}">
+                <p14:modId xmlns:p14="http://schemas.microsoft.com/office/powerpoint/2010/main" val="2038412636"/>
+              </p:ext>
+            </p:extLst>
+          </p:nvPr>
+        </p:nvGraphicFramePr>
+        <p:xfrm>
+          <a:off x="5994400" y="2455333"/>
+          <a:ext cx="16256000" cy="10837333"/>
+        </p:xfrm>
+        <a:graphic>
+          <a:graphicData uri="http://schemas.openxmlformats.org/drawingml/2006/diagram">
+            <dgm:relIds xmlns:dgm="http://schemas.openxmlformats.org/drawingml/2006/diagram" xmlns:r="http://schemas.openxmlformats.org/officeDocument/2006/relationships" r:dm="rId2" r:lo="rId3" r:qs="rId4" r:cs="rId5"/>
+          </a:graphicData>
+        </a:graphic>
+      </p:graphicFrame>
+    </p:spTree>
+    <p:extLst>
+      <p:ext uri="{BB962C8B-B14F-4D97-AF65-F5344CB8AC3E}">
+        <p14:creationId xmlns:p14="http://schemas.microsoft.com/office/powerpoint/2010/main" val="2107094436"/>
+      </p:ext>
+    </p:extLst>
+  </p:cSld>
+  <p:clrMapOvr>
+    <a:masterClrMapping/>
+  </p:clrMapOvr>
+  <p:transition spd="med"/>
+  <p:timing>
+    <p:tnLst>
+      <p:par>
+        <p:cTn id="1" dur="indefinite" restart="never" nodeType="tmRoot"/>
+      </p:par>
+    </p:tnLst>
+  </p:timing>
+</p:sld>
+</file>
+
+<file path=ppt/slides/slide8.xml><?xml version="1.0" encoding="utf-8"?>
 <p:sld xmlns:a="http://schemas.openxmlformats.org/drawingml/2006/main" xmlns:r="http://schemas.openxmlformats.org/officeDocument/2006/relationships" xmlns:p="http://schemas.openxmlformats.org/presentationml/2006/main">
   <p:cSld>
     <p:spTree>
@@ -8338,6 +15297,10 @@
                 </a:solidFill>
               </a:rPr>
               <a:t>Distributed tracing</a:t>
+            </a:r>
+            <a:r>
+              <a:rPr dirty="0"/>
+              <a:t/>
             </a:r>
             <a:br>
               <a:rPr dirty="0"/>
@@ -8716,10 +15679,17 @@
     <a:masterClrMapping/>
   </p:clrMapOvr>
   <p:transition spd="med"/>
+  <p:timing>
+    <p:tnLst>
+      <p:par>
+        <p:cTn id="1" dur="indefinite" restart="never" nodeType="tmRoot"/>
+      </p:par>
+    </p:tnLst>
+  </p:timing>
 </p:sld>
 </file>
 
-<file path=ppt/slides/slide8.xml><?xml version="1.0" encoding="utf-8"?>
+<file path=ppt/slides/slide9.xml><?xml version="1.0" encoding="utf-8"?>
 <p:sld xmlns:a="http://schemas.openxmlformats.org/drawingml/2006/main" xmlns:r="http://schemas.openxmlformats.org/officeDocument/2006/relationships" xmlns:p="http://schemas.openxmlformats.org/presentationml/2006/main">
   <p:cSld>
     <p:spTree>
@@ -8766,7 +15736,7 @@
           <a:effectLst/>
           <a:extLst>
             <a:ext uri="{C572A759-6A51-4108-AA02-DFA0A04FC94B}">
-              <ma14:wrappingTextBoxFlag xmlns:ma14="http://schemas.microsoft.com/office/mac/drawingml/2011/main" xmlns:a14="http://schemas.microsoft.com/office/drawing/2010/main" xmlns:m="http://schemas.openxmlformats.org/officeDocument/2006/math" xmlns="" val="1"/>
+              <ma14:wrappingTextBoxFlag xmlns:ma14="http://schemas.microsoft.com/office/mac/drawingml/2011/main" val="1"/>
             </a:ext>
           </a:extLst>
         </p:spPr>
@@ -8821,7 +15791,7 @@
           <a:effectLst/>
           <a:extLst>
             <a:ext uri="{C572A759-6A51-4108-AA02-DFA0A04FC94B}">
-              <ma14:wrappingTextBoxFlag xmlns:ma14="http://schemas.microsoft.com/office/mac/drawingml/2011/main" xmlns:a14="http://schemas.microsoft.com/office/drawing/2010/main" xmlns:m="http://schemas.openxmlformats.org/officeDocument/2006/math" xmlns="" val="1"/>
+              <ma14:wrappingTextBoxFlag xmlns:ma14="http://schemas.microsoft.com/office/mac/drawingml/2011/main" val="1"/>
             </a:ext>
           </a:extLst>
         </p:spPr>
@@ -8876,7 +15846,7 @@
           <a:effectLst/>
           <a:extLst>
             <a:ext uri="{C572A759-6A51-4108-AA02-DFA0A04FC94B}">
-              <ma14:wrappingTextBoxFlag xmlns:ma14="http://schemas.microsoft.com/office/mac/drawingml/2011/main" xmlns:a14="http://schemas.microsoft.com/office/drawing/2010/main" xmlns:m="http://schemas.openxmlformats.org/officeDocument/2006/math" xmlns="" val="1"/>
+              <ma14:wrappingTextBoxFlag xmlns:ma14="http://schemas.microsoft.com/office/mac/drawingml/2011/main" val="1"/>
             </a:ext>
           </a:extLst>
         </p:spPr>
@@ -8931,7 +15901,7 @@
           <a:effectLst/>
           <a:extLst>
             <a:ext uri="{C572A759-6A51-4108-AA02-DFA0A04FC94B}">
-              <ma14:wrappingTextBoxFlag xmlns:ma14="http://schemas.microsoft.com/office/mac/drawingml/2011/main" xmlns:a14="http://schemas.microsoft.com/office/drawing/2010/main" xmlns:m="http://schemas.openxmlformats.org/officeDocument/2006/math" xmlns="" val="1"/>
+              <ma14:wrappingTextBoxFlag xmlns:ma14="http://schemas.microsoft.com/office/mac/drawingml/2011/main" val="1"/>
             </a:ext>
           </a:extLst>
         </p:spPr>
@@ -8986,7 +15956,7 @@
           <a:effectLst/>
           <a:extLst>
             <a:ext uri="{C572A759-6A51-4108-AA02-DFA0A04FC94B}">
-              <ma14:wrappingTextBoxFlag xmlns:ma14="http://schemas.microsoft.com/office/mac/drawingml/2011/main" xmlns:a14="http://schemas.microsoft.com/office/drawing/2010/main" xmlns:m="http://schemas.openxmlformats.org/officeDocument/2006/math" xmlns="" val="1"/>
+              <ma14:wrappingTextBoxFlag xmlns:ma14="http://schemas.microsoft.com/office/mac/drawingml/2011/main" val="1"/>
             </a:ext>
           </a:extLst>
         </p:spPr>
@@ -9040,7 +16010,7 @@
           <a:effectLst/>
           <a:extLst>
             <a:ext uri="{C572A759-6A51-4108-AA02-DFA0A04FC94B}">
-              <ma14:wrappingTextBoxFlag xmlns:ma14="http://schemas.microsoft.com/office/mac/drawingml/2011/main" xmlns:a14="http://schemas.microsoft.com/office/drawing/2010/main" xmlns:m="http://schemas.openxmlformats.org/officeDocument/2006/math" xmlns="" val="1"/>
+              <ma14:wrappingTextBoxFlag xmlns:ma14="http://schemas.microsoft.com/office/mac/drawingml/2011/main" val="1"/>
             </a:ext>
           </a:extLst>
         </p:spPr>
@@ -9178,7 +16148,7 @@
           <a:effectLst/>
           <a:extLst>
             <a:ext uri="{C572A759-6A51-4108-AA02-DFA0A04FC94B}">
-              <ma14:wrappingTextBoxFlag xmlns:ma14="http://schemas.microsoft.com/office/mac/drawingml/2011/main" xmlns:a14="http://schemas.microsoft.com/office/drawing/2010/main" xmlns:m="http://schemas.openxmlformats.org/officeDocument/2006/math" xmlns="" val="1"/>
+              <ma14:wrappingTextBoxFlag xmlns:ma14="http://schemas.microsoft.com/office/mac/drawingml/2011/main" val="1"/>
             </a:ext>
           </a:extLst>
         </p:spPr>
@@ -9221,7 +16191,7 @@
           <a:effectLst/>
           <a:extLst>
             <a:ext uri="{C572A759-6A51-4108-AA02-DFA0A04FC94B}">
-              <ma14:wrappingTextBoxFlag xmlns:ma14="http://schemas.microsoft.com/office/mac/drawingml/2011/main" xmlns:a14="http://schemas.microsoft.com/office/drawing/2010/main" xmlns:m="http://schemas.openxmlformats.org/officeDocument/2006/math" xmlns="" val="1"/>
+              <ma14:wrappingTextBoxFlag xmlns:ma14="http://schemas.microsoft.com/office/mac/drawingml/2011/main" val="1"/>
             </a:ext>
           </a:extLst>
         </p:spPr>
@@ -9264,7 +16234,7 @@
           <a:effectLst/>
           <a:extLst>
             <a:ext uri="{C572A759-6A51-4108-AA02-DFA0A04FC94B}">
-              <ma14:wrappingTextBoxFlag xmlns:ma14="http://schemas.microsoft.com/office/mac/drawingml/2011/main" xmlns:a14="http://schemas.microsoft.com/office/drawing/2010/main" xmlns:m="http://schemas.openxmlformats.org/officeDocument/2006/math" xmlns="" val="1"/>
+              <ma14:wrappingTextBoxFlag xmlns:ma14="http://schemas.microsoft.com/office/mac/drawingml/2011/main" val="1"/>
             </a:ext>
           </a:extLst>
         </p:spPr>
@@ -9307,7 +16277,7 @@
           <a:effectLst/>
           <a:extLst>
             <a:ext uri="{C572A759-6A51-4108-AA02-DFA0A04FC94B}">
-              <ma14:wrappingTextBoxFlag xmlns:ma14="http://schemas.microsoft.com/office/mac/drawingml/2011/main" xmlns:a14="http://schemas.microsoft.com/office/drawing/2010/main" xmlns:m="http://schemas.openxmlformats.org/officeDocument/2006/math" xmlns="" val="1"/>
+              <ma14:wrappingTextBoxFlag xmlns:ma14="http://schemas.microsoft.com/office/mac/drawingml/2011/main" val="1"/>
             </a:ext>
           </a:extLst>
         </p:spPr>
@@ -9425,7 +16395,7 @@
           <a:effectLst/>
           <a:extLst>
             <a:ext uri="{C572A759-6A51-4108-AA02-DFA0A04FC94B}">
-              <ma14:wrappingTextBoxFlag xmlns:ma14="http://schemas.microsoft.com/office/mac/drawingml/2011/main" xmlns:a14="http://schemas.microsoft.com/office/drawing/2010/main" xmlns:m="http://schemas.openxmlformats.org/officeDocument/2006/math" xmlns="" val="1"/>
+              <ma14:wrappingTextBoxFlag xmlns:ma14="http://schemas.microsoft.com/office/mac/drawingml/2011/main" val="1"/>
             </a:ext>
           </a:extLst>
         </p:spPr>
@@ -9494,7 +16464,7 @@
             <a:effectLst/>
             <a:extLst>
               <a:ext uri="{C572A759-6A51-4108-AA02-DFA0A04FC94B}">
-                <ma14:wrappingTextBoxFlag xmlns:ma14="http://schemas.microsoft.com/office/mac/drawingml/2011/main" xmlns:a14="http://schemas.microsoft.com/office/drawing/2010/main" xmlns:m="http://schemas.openxmlformats.org/officeDocument/2006/math" xmlns="" val="1"/>
+                <ma14:wrappingTextBoxFlag xmlns:ma14="http://schemas.microsoft.com/office/mac/drawingml/2011/main" val="1"/>
               </a:ext>
             </a:extLst>
           </p:spPr>
@@ -9544,7 +16514,7 @@
             <a:effectLst/>
             <a:extLst>
               <a:ext uri="{C572A759-6A51-4108-AA02-DFA0A04FC94B}">
-                <ma14:wrappingTextBoxFlag xmlns:ma14="http://schemas.microsoft.com/office/mac/drawingml/2011/main" xmlns:a14="http://schemas.microsoft.com/office/drawing/2010/main" xmlns:m="http://schemas.openxmlformats.org/officeDocument/2006/math" xmlns="" val="1"/>
+                <ma14:wrappingTextBoxFlag xmlns:ma14="http://schemas.microsoft.com/office/mac/drawingml/2011/main" val="1"/>
               </a:ext>
             </a:extLst>
           </p:spPr>
@@ -9594,7 +16564,7 @@
             <a:effectLst/>
             <a:extLst>
               <a:ext uri="{C572A759-6A51-4108-AA02-DFA0A04FC94B}">
-                <ma14:wrappingTextBoxFlag xmlns:ma14="http://schemas.microsoft.com/office/mac/drawingml/2011/main" xmlns:a14="http://schemas.microsoft.com/office/drawing/2010/main" xmlns:m="http://schemas.openxmlformats.org/officeDocument/2006/math" xmlns="" val="1"/>
+                <ma14:wrappingTextBoxFlag xmlns:ma14="http://schemas.microsoft.com/office/mac/drawingml/2011/main" val="1"/>
               </a:ext>
             </a:extLst>
           </p:spPr>
@@ -9644,7 +16614,7 @@
             <a:effectLst/>
             <a:extLst>
               <a:ext uri="{C572A759-6A51-4108-AA02-DFA0A04FC94B}">
-                <ma14:wrappingTextBoxFlag xmlns:ma14="http://schemas.microsoft.com/office/mac/drawingml/2011/main" xmlns:a14="http://schemas.microsoft.com/office/drawing/2010/main" xmlns:m="http://schemas.openxmlformats.org/officeDocument/2006/math" xmlns="" val="1"/>
+                <ma14:wrappingTextBoxFlag xmlns:ma14="http://schemas.microsoft.com/office/mac/drawingml/2011/main" val="1"/>
               </a:ext>
             </a:extLst>
           </p:spPr>
@@ -9694,7 +16664,7 @@
             <a:effectLst/>
             <a:extLst>
               <a:ext uri="{C572A759-6A51-4108-AA02-DFA0A04FC94B}">
-                <ma14:wrappingTextBoxFlag xmlns:ma14="http://schemas.microsoft.com/office/mac/drawingml/2011/main" xmlns:a14="http://schemas.microsoft.com/office/drawing/2010/main" xmlns:m="http://schemas.openxmlformats.org/officeDocument/2006/math" xmlns="" val="1"/>
+                <ma14:wrappingTextBoxFlag xmlns:ma14="http://schemas.microsoft.com/office/mac/drawingml/2011/main" val="1"/>
               </a:ext>
             </a:extLst>
           </p:spPr>
@@ -9744,7 +16714,7 @@
             <a:effectLst/>
             <a:extLst>
               <a:ext uri="{C572A759-6A51-4108-AA02-DFA0A04FC94B}">
-                <ma14:wrappingTextBoxFlag xmlns:ma14="http://schemas.microsoft.com/office/mac/drawingml/2011/main" xmlns:a14="http://schemas.microsoft.com/office/drawing/2010/main" xmlns:m="http://schemas.openxmlformats.org/officeDocument/2006/math" xmlns="" val="1"/>
+                <ma14:wrappingTextBoxFlag xmlns:ma14="http://schemas.microsoft.com/office/mac/drawingml/2011/main" val="1"/>
               </a:ext>
             </a:extLst>
           </p:spPr>
@@ -9959,7 +16929,7 @@
           <a:effectLst/>
           <a:extLst>
             <a:ext uri="{C572A759-6A51-4108-AA02-DFA0A04FC94B}">
-              <ma14:wrappingTextBoxFlag xmlns:ma14="http://schemas.microsoft.com/office/mac/drawingml/2011/main" xmlns:a14="http://schemas.microsoft.com/office/drawing/2010/main" xmlns:m="http://schemas.openxmlformats.org/officeDocument/2006/math" xmlns="" val="1"/>
+              <ma14:wrappingTextBoxFlag xmlns:ma14="http://schemas.microsoft.com/office/mac/drawingml/2011/main" val="1"/>
             </a:ext>
           </a:extLst>
         </p:spPr>
@@ -10318,7 +17288,7 @@
             <a:effectLst/>
             <a:extLst>
               <a:ext uri="{C572A759-6A51-4108-AA02-DFA0A04FC94B}">
-                <ma14:wrappingTextBoxFlag xmlns:ma14="http://schemas.microsoft.com/office/mac/drawingml/2011/main" xmlns:a14="http://schemas.microsoft.com/office/drawing/2010/main" xmlns:m="http://schemas.openxmlformats.org/officeDocument/2006/math" xmlns="" val="1"/>
+                <ma14:wrappingTextBoxFlag xmlns:ma14="http://schemas.microsoft.com/office/mac/drawingml/2011/main" val="1"/>
               </a:ext>
             </a:extLst>
           </p:spPr>
@@ -10367,7 +17337,7 @@
             <a:effectLst/>
             <a:extLst>
               <a:ext uri="{C572A759-6A51-4108-AA02-DFA0A04FC94B}">
-                <ma14:wrappingTextBoxFlag xmlns:ma14="http://schemas.microsoft.com/office/mac/drawingml/2011/main" xmlns:a14="http://schemas.microsoft.com/office/drawing/2010/main" xmlns:m="http://schemas.openxmlformats.org/officeDocument/2006/math" xmlns="" val="1"/>
+                <ma14:wrappingTextBoxFlag xmlns:ma14="http://schemas.microsoft.com/office/mac/drawingml/2011/main" val="1"/>
               </a:ext>
             </a:extLst>
           </p:spPr>
@@ -10416,7 +17386,7 @@
             <a:effectLst/>
             <a:extLst>
               <a:ext uri="{C572A759-6A51-4108-AA02-DFA0A04FC94B}">
-                <ma14:wrappingTextBoxFlag xmlns:ma14="http://schemas.microsoft.com/office/mac/drawingml/2011/main" xmlns:a14="http://schemas.microsoft.com/office/drawing/2010/main" xmlns:m="http://schemas.openxmlformats.org/officeDocument/2006/math" xmlns="" val="1"/>
+                <ma14:wrappingTextBoxFlag xmlns:ma14="http://schemas.microsoft.com/office/mac/drawingml/2011/main" val="1"/>
               </a:ext>
             </a:extLst>
           </p:spPr>
@@ -10579,116 +17549,6 @@
       </p:par>
     </p:tnLst>
   </p:timing>
-</p:sld>
-</file>
-
-<file path=ppt/slides/slide9.xml><?xml version="1.0" encoding="utf-8"?>
-<p:sld xmlns:a="http://schemas.openxmlformats.org/drawingml/2006/main" xmlns:r="http://schemas.openxmlformats.org/officeDocument/2006/relationships" xmlns:p="http://schemas.openxmlformats.org/presentationml/2006/main">
-  <p:cSld>
-    <p:spTree>
-      <p:nvGrpSpPr>
-        <p:cNvPr id="1" name=""/>
-        <p:cNvGrpSpPr/>
-        <p:nvPr/>
-      </p:nvGrpSpPr>
-      <p:grpSpPr>
-        <a:xfrm>
-          <a:off x="0" y="0"/>
-          <a:ext cx="0" cy="0"/>
-          <a:chOff x="0" y="0"/>
-          <a:chExt cx="0" cy="0"/>
-        </a:xfrm>
-      </p:grpSpPr>
-      <p:grpSp>
-        <p:nvGrpSpPr>
-          <p:cNvPr id="5" name="Group 4"/>
-          <p:cNvGrpSpPr/>
-          <p:nvPr/>
-        </p:nvGrpSpPr>
-        <p:grpSpPr>
-          <a:xfrm>
-            <a:off x="7281177" y="1274615"/>
-            <a:ext cx="9821646" cy="8302916"/>
-            <a:chOff x="7281177" y="2389431"/>
-            <a:chExt cx="9821646" cy="8302916"/>
-          </a:xfrm>
-        </p:grpSpPr>
-        <p:sp>
-          <p:nvSpPr>
-            <p:cNvPr id="2" name="Rectangle 1"/>
-            <p:cNvSpPr/>
-            <p:nvPr/>
-          </p:nvSpPr>
-          <p:spPr>
-            <a:xfrm>
-              <a:off x="7979949" y="2389431"/>
-              <a:ext cx="8424101" cy="461665"/>
-            </a:xfrm>
-            <a:prstGeom prst="rect">
-              <a:avLst/>
-            </a:prstGeom>
-          </p:spPr>
-          <p:txBody>
-            <a:bodyPr wrap="none">
-              <a:spAutoFit/>
-            </a:bodyPr>
-            <a:lstStyle/>
-            <a:p>
-              <a:r>
-                <a:rPr lang="sv-SE" sz="2400" i="1" dirty="0"/>
-                <a:t>http://lucasmatt.com/2017/08/22/spring-microservices/</a:t>
-              </a:r>
-            </a:p>
-          </p:txBody>
-        </p:sp>
-        <p:pic>
-          <p:nvPicPr>
-            <p:cNvPr id="4" name="Picture 3"/>
-            <p:cNvPicPr>
-              <a:picLocks noChangeAspect="1"/>
-            </p:cNvPicPr>
-            <p:nvPr/>
-          </p:nvPicPr>
-          <p:blipFill>
-            <a:blip r:embed="rId2"/>
-            <a:stretch>
-              <a:fillRect/>
-            </a:stretch>
-          </p:blipFill>
-          <p:spPr>
-            <a:xfrm>
-              <a:off x="7281177" y="3023652"/>
-              <a:ext cx="9821646" cy="7668695"/>
-            </a:xfrm>
-            <a:prstGeom prst="roundRect">
-              <a:avLst>
-                <a:gd name="adj" fmla="val 8594"/>
-              </a:avLst>
-            </a:prstGeom>
-            <a:solidFill>
-              <a:srgbClr val="FFFFFF">
-                <a:shade val="85000"/>
-              </a:srgbClr>
-            </a:solidFill>
-            <a:ln>
-              <a:noFill/>
-            </a:ln>
-            <a:effectLst>
-              <a:reflection blurRad="12700" stA="38000" endPos="28000" dist="5000" dir="5400000" sy="-100000" algn="bl" rotWithShape="0"/>
-            </a:effectLst>
-          </p:spPr>
-        </p:pic>
-      </p:grpSp>
-    </p:spTree>
-    <p:extLst>
-      <p:ext uri="{BB962C8B-B14F-4D97-AF65-F5344CB8AC3E}">
-        <p14:creationId xmlns:p14="http://schemas.microsoft.com/office/powerpoint/2010/main" val="37500772"/>
-      </p:ext>
-    </p:extLst>
-  </p:cSld>
-  <p:clrMapOvr>
-    <a:masterClrMapping/>
-  </p:clrMapOvr>
 </p:sld>
 </file>
 

--- a/micro.pptx
+++ b/micro.pptx
@@ -144,15 +144,27 @@
 </file>
 
 <file path=ppt/diagrams/colors1.xml><?xml version="1.0" encoding="utf-8"?>
-<dgm:colorsDef xmlns:dgm="http://schemas.openxmlformats.org/drawingml/2006/diagram" xmlns:a="http://schemas.openxmlformats.org/drawingml/2006/main" uniqueId="urn:microsoft.com/office/officeart/2005/8/colors/accent1_2">
+<dgm:colorsDef xmlns:dgm="http://schemas.openxmlformats.org/drawingml/2006/diagram" xmlns:a="http://schemas.openxmlformats.org/drawingml/2006/main" uniqueId="urn:microsoft.com/office/officeart/2005/8/colors/accent3_2">
   <dgm:title val=""/>
   <dgm:desc val=""/>
   <dgm:catLst>
-    <dgm:cat type="accent1" pri="11200"/>
+    <dgm:cat type="accent3" pri="11200"/>
   </dgm:catLst>
   <dgm:styleLbl name="node0">
     <dgm:fillClrLst meth="repeat">
-      <a:schemeClr val="accent1"/>
+      <a:schemeClr val="accent3"/>
+    </dgm:fillClrLst>
+    <dgm:linClrLst meth="repeat">
+      <a:schemeClr val="lt1"/>
+    </dgm:linClrLst>
+    <dgm:effectClrLst/>
+    <dgm:txLinClrLst/>
+    <dgm:txFillClrLst/>
+    <dgm:txEffectClrLst/>
+  </dgm:styleLbl>
+  <dgm:styleLbl name="node1">
+    <dgm:fillClrLst meth="repeat">
+      <a:schemeClr val="accent3"/>
     </dgm:fillClrLst>
     <dgm:linClrLst meth="repeat">
       <a:schemeClr val="lt1"/>
@@ -164,22 +176,10 @@
   </dgm:styleLbl>
   <dgm:styleLbl name="alignNode1">
     <dgm:fillClrLst meth="repeat">
-      <a:schemeClr val="accent1"/>
+      <a:schemeClr val="accent3"/>
     </dgm:fillClrLst>
     <dgm:linClrLst meth="repeat">
-      <a:schemeClr val="accent1"/>
-    </dgm:linClrLst>
-    <dgm:effectClrLst/>
-    <dgm:txLinClrLst/>
-    <dgm:txFillClrLst/>
-    <dgm:txEffectClrLst/>
-  </dgm:styleLbl>
-  <dgm:styleLbl name="node1">
-    <dgm:fillClrLst meth="repeat">
-      <a:schemeClr val="accent1"/>
-    </dgm:fillClrLst>
-    <dgm:linClrLst meth="repeat">
-      <a:schemeClr val="lt1"/>
+      <a:schemeClr val="accent3"/>
     </dgm:linClrLst>
     <dgm:effectClrLst/>
     <dgm:txLinClrLst/>
@@ -188,7 +188,7 @@
   </dgm:styleLbl>
   <dgm:styleLbl name="lnNode1">
     <dgm:fillClrLst meth="repeat">
-      <a:schemeClr val="accent1"/>
+      <a:schemeClr val="accent3"/>
     </dgm:fillClrLst>
     <dgm:linClrLst meth="repeat">
       <a:schemeClr val="lt1"/>
@@ -200,7 +200,7 @@
   </dgm:styleLbl>
   <dgm:styleLbl name="vennNode1">
     <dgm:fillClrLst meth="repeat">
-      <a:schemeClr val="accent1">
+      <a:schemeClr val="accent3">
         <a:alpha val="50000"/>
       </a:schemeClr>
     </dgm:fillClrLst>
@@ -214,7 +214,7 @@
   </dgm:styleLbl>
   <dgm:styleLbl name="node2">
     <dgm:fillClrLst meth="repeat">
-      <a:schemeClr val="accent1"/>
+      <a:schemeClr val="accent3"/>
     </dgm:fillClrLst>
     <dgm:linClrLst meth="repeat">
       <a:schemeClr val="lt1"/>
@@ -226,7 +226,7 @@
   </dgm:styleLbl>
   <dgm:styleLbl name="node3">
     <dgm:fillClrLst meth="repeat">
-      <a:schemeClr val="accent1"/>
+      <a:schemeClr val="accent3"/>
     </dgm:fillClrLst>
     <dgm:linClrLst meth="repeat">
       <a:schemeClr val="lt1"/>
@@ -238,7 +238,7 @@
   </dgm:styleLbl>
   <dgm:styleLbl name="node4">
     <dgm:fillClrLst meth="repeat">
-      <a:schemeClr val="accent1"/>
+      <a:schemeClr val="accent3"/>
     </dgm:fillClrLst>
     <dgm:linClrLst meth="repeat">
       <a:schemeClr val="lt1"/>
@@ -250,7 +250,7 @@
   </dgm:styleLbl>
   <dgm:styleLbl name="fgImgPlace1">
     <dgm:fillClrLst meth="repeat">
-      <a:schemeClr val="accent1">
+      <a:schemeClr val="accent3">
         <a:tint val="50000"/>
       </a:schemeClr>
     </dgm:fillClrLst>
@@ -266,7 +266,7 @@
   </dgm:styleLbl>
   <dgm:styleLbl name="alignImgPlace1">
     <dgm:fillClrLst meth="repeat">
-      <a:schemeClr val="accent1">
+      <a:schemeClr val="accent3">
         <a:tint val="50000"/>
       </a:schemeClr>
     </dgm:fillClrLst>
@@ -282,7 +282,7 @@
   </dgm:styleLbl>
   <dgm:styleLbl name="bgImgPlace1">
     <dgm:fillClrLst meth="repeat">
-      <a:schemeClr val="accent1">
+      <a:schemeClr val="accent3">
         <a:tint val="50000"/>
       </a:schemeClr>
     </dgm:fillClrLst>
@@ -298,12 +298,12 @@
   </dgm:styleLbl>
   <dgm:styleLbl name="sibTrans2D1">
     <dgm:fillClrLst meth="repeat">
-      <a:schemeClr val="accent1">
+      <a:schemeClr val="accent3">
         <a:tint val="60000"/>
       </a:schemeClr>
     </dgm:fillClrLst>
     <dgm:linClrLst meth="repeat">
-      <a:schemeClr val="accent1">
+      <a:schemeClr val="accent3">
         <a:tint val="60000"/>
       </a:schemeClr>
     </dgm:linClrLst>
@@ -314,12 +314,12 @@
   </dgm:styleLbl>
   <dgm:styleLbl name="fgSibTrans2D1">
     <dgm:fillClrLst meth="repeat">
-      <a:schemeClr val="accent1">
+      <a:schemeClr val="accent3">
         <a:tint val="60000"/>
       </a:schemeClr>
     </dgm:fillClrLst>
     <dgm:linClrLst meth="repeat">
-      <a:schemeClr val="accent1">
+      <a:schemeClr val="accent3">
         <a:tint val="60000"/>
       </a:schemeClr>
     </dgm:linClrLst>
@@ -330,12 +330,12 @@
   </dgm:styleLbl>
   <dgm:styleLbl name="bgSibTrans2D1">
     <dgm:fillClrLst meth="repeat">
-      <a:schemeClr val="accent1">
+      <a:schemeClr val="accent3">
         <a:tint val="60000"/>
       </a:schemeClr>
     </dgm:fillClrLst>
     <dgm:linClrLst meth="repeat">
-      <a:schemeClr val="accent1">
+      <a:schemeClr val="accent3">
         <a:tint val="60000"/>
       </a:schemeClr>
     </dgm:linClrLst>
@@ -346,10 +346,10 @@
   </dgm:styleLbl>
   <dgm:styleLbl name="sibTrans1D1">
     <dgm:fillClrLst meth="repeat">
-      <a:schemeClr val="accent1"/>
+      <a:schemeClr val="accent3"/>
     </dgm:fillClrLst>
     <dgm:linClrLst meth="repeat">
-      <a:schemeClr val="accent1"/>
+      <a:schemeClr val="accent3"/>
     </dgm:linClrLst>
     <dgm:effectClrLst/>
     <dgm:txLinClrLst/>
@@ -360,10 +360,10 @@
   </dgm:styleLbl>
   <dgm:styleLbl name="callout">
     <dgm:fillClrLst meth="repeat">
-      <a:schemeClr val="accent1"/>
+      <a:schemeClr val="accent3"/>
     </dgm:fillClrLst>
     <dgm:linClrLst meth="repeat">
-      <a:schemeClr val="accent1">
+      <a:schemeClr val="accent3">
         <a:tint val="50000"/>
       </a:schemeClr>
     </dgm:linClrLst>
@@ -376,7 +376,7 @@
   </dgm:styleLbl>
   <dgm:styleLbl name="asst0">
     <dgm:fillClrLst meth="repeat">
-      <a:schemeClr val="accent1"/>
+      <a:schemeClr val="accent3"/>
     </dgm:fillClrLst>
     <dgm:linClrLst meth="repeat">
       <a:schemeClr val="lt1"/>
@@ -388,7 +388,7 @@
   </dgm:styleLbl>
   <dgm:styleLbl name="asst1">
     <dgm:fillClrLst meth="repeat">
-      <a:schemeClr val="accent1"/>
+      <a:schemeClr val="accent3"/>
     </dgm:fillClrLst>
     <dgm:linClrLst meth="repeat">
       <a:schemeClr val="lt1"/>
@@ -400,7 +400,7 @@
   </dgm:styleLbl>
   <dgm:styleLbl name="asst2">
     <dgm:fillClrLst meth="repeat">
-      <a:schemeClr val="accent1"/>
+      <a:schemeClr val="accent3"/>
     </dgm:fillClrLst>
     <dgm:linClrLst meth="repeat">
       <a:schemeClr val="lt1"/>
@@ -412,7 +412,7 @@
   </dgm:styleLbl>
   <dgm:styleLbl name="asst3">
     <dgm:fillClrLst meth="repeat">
-      <a:schemeClr val="accent1"/>
+      <a:schemeClr val="accent3"/>
     </dgm:fillClrLst>
     <dgm:linClrLst meth="repeat">
       <a:schemeClr val="lt1"/>
@@ -424,7 +424,7 @@
   </dgm:styleLbl>
   <dgm:styleLbl name="asst4">
     <dgm:fillClrLst meth="repeat">
-      <a:schemeClr val="accent1"/>
+      <a:schemeClr val="accent3"/>
     </dgm:fillClrLst>
     <dgm:linClrLst meth="repeat">
       <a:schemeClr val="lt1"/>
@@ -436,12 +436,12 @@
   </dgm:styleLbl>
   <dgm:styleLbl name="parChTrans2D1">
     <dgm:fillClrLst meth="repeat">
-      <a:schemeClr val="accent1">
+      <a:schemeClr val="accent3">
         <a:tint val="60000"/>
       </a:schemeClr>
     </dgm:fillClrLst>
     <dgm:linClrLst meth="repeat">
-      <a:schemeClr val="accent1">
+      <a:schemeClr val="accent3">
         <a:tint val="60000"/>
       </a:schemeClr>
     </dgm:linClrLst>
@@ -454,10 +454,10 @@
   </dgm:styleLbl>
   <dgm:styleLbl name="parChTrans2D2">
     <dgm:fillClrLst meth="repeat">
-      <a:schemeClr val="accent1"/>
+      <a:schemeClr val="accent3"/>
     </dgm:fillClrLst>
     <dgm:linClrLst meth="repeat">
-      <a:schemeClr val="accent1"/>
+      <a:schemeClr val="accent3"/>
     </dgm:linClrLst>
     <dgm:effectClrLst/>
     <dgm:txLinClrLst/>
@@ -468,10 +468,10 @@
   </dgm:styleLbl>
   <dgm:styleLbl name="parChTrans2D3">
     <dgm:fillClrLst meth="repeat">
-      <a:schemeClr val="accent1"/>
+      <a:schemeClr val="accent3"/>
     </dgm:fillClrLst>
     <dgm:linClrLst meth="repeat">
-      <a:schemeClr val="accent1"/>
+      <a:schemeClr val="accent3"/>
     </dgm:linClrLst>
     <dgm:effectClrLst/>
     <dgm:txLinClrLst/>
@@ -482,10 +482,10 @@
   </dgm:styleLbl>
   <dgm:styleLbl name="parChTrans2D4">
     <dgm:fillClrLst meth="repeat">
-      <a:schemeClr val="accent1"/>
+      <a:schemeClr val="accent3"/>
     </dgm:fillClrLst>
     <dgm:linClrLst meth="repeat">
-      <a:schemeClr val="accent1"/>
+      <a:schemeClr val="accent3"/>
     </dgm:linClrLst>
     <dgm:effectClrLst/>
     <dgm:txLinClrLst/>
@@ -496,10 +496,10 @@
   </dgm:styleLbl>
   <dgm:styleLbl name="parChTrans1D1">
     <dgm:fillClrLst meth="repeat">
-      <a:schemeClr val="accent1"/>
+      <a:schemeClr val="accent3"/>
     </dgm:fillClrLst>
     <dgm:linClrLst meth="repeat">
-      <a:schemeClr val="accent1">
+      <a:schemeClr val="accent3">
         <a:shade val="60000"/>
       </a:schemeClr>
     </dgm:linClrLst>
@@ -512,10 +512,10 @@
   </dgm:styleLbl>
   <dgm:styleLbl name="parChTrans1D2">
     <dgm:fillClrLst meth="repeat">
-      <a:schemeClr val="accent1"/>
+      <a:schemeClr val="accent3"/>
     </dgm:fillClrLst>
     <dgm:linClrLst meth="repeat">
-      <a:schemeClr val="accent1">
+      <a:schemeClr val="accent3">
         <a:shade val="60000"/>
       </a:schemeClr>
     </dgm:linClrLst>
@@ -528,10 +528,10 @@
   </dgm:styleLbl>
   <dgm:styleLbl name="parChTrans1D3">
     <dgm:fillClrLst meth="repeat">
-      <a:schemeClr val="accent1"/>
+      <a:schemeClr val="accent3"/>
     </dgm:fillClrLst>
     <dgm:linClrLst meth="repeat">
-      <a:schemeClr val="accent1">
+      <a:schemeClr val="accent3">
         <a:shade val="80000"/>
       </a:schemeClr>
     </dgm:linClrLst>
@@ -544,10 +544,10 @@
   </dgm:styleLbl>
   <dgm:styleLbl name="parChTrans1D4">
     <dgm:fillClrLst meth="repeat">
-      <a:schemeClr val="accent1"/>
+      <a:schemeClr val="accent3"/>
     </dgm:fillClrLst>
     <dgm:linClrLst meth="repeat">
-      <a:schemeClr val="accent1">
+      <a:schemeClr val="accent3">
         <a:shade val="80000"/>
       </a:schemeClr>
     </dgm:linClrLst>
@@ -565,7 +565,7 @@
       </a:schemeClr>
     </dgm:fillClrLst>
     <dgm:linClrLst meth="repeat">
-      <a:schemeClr val="accent1"/>
+      <a:schemeClr val="accent3"/>
     </dgm:linClrLst>
     <dgm:effectClrLst/>
     <dgm:txLinClrLst/>
@@ -581,7 +581,7 @@
       </a:schemeClr>
     </dgm:fillClrLst>
     <dgm:linClrLst meth="repeat">
-      <a:schemeClr val="accent1"/>
+      <a:schemeClr val="accent3"/>
     </dgm:linClrLst>
     <dgm:effectClrLst/>
     <dgm:txLinClrLst/>
@@ -597,7 +597,7 @@
       </a:schemeClr>
     </dgm:fillClrLst>
     <dgm:linClrLst meth="repeat">
-      <a:schemeClr val="accent1"/>
+      <a:schemeClr val="accent3"/>
     </dgm:linClrLst>
     <dgm:effectClrLst/>
     <dgm:txLinClrLst/>
@@ -613,7 +613,7 @@
       </a:schemeClr>
     </dgm:fillClrLst>
     <dgm:linClrLst meth="repeat">
-      <a:schemeClr val="accent1"/>
+      <a:schemeClr val="accent3"/>
     </dgm:linClrLst>
     <dgm:effectClrLst/>
     <dgm:txLinClrLst/>
@@ -629,7 +629,7 @@
       </a:schemeClr>
     </dgm:fillClrLst>
     <dgm:linClrLst meth="repeat">
-      <a:schemeClr val="accent1"/>
+      <a:schemeClr val="accent3"/>
     </dgm:linClrLst>
     <dgm:effectClrLst/>
     <dgm:txLinClrLst/>
@@ -643,7 +643,7 @@
       <a:schemeClr val="lt1"/>
     </dgm:fillClrLst>
     <dgm:linClrLst meth="repeat">
-      <a:schemeClr val="accent1"/>
+      <a:schemeClr val="accent3"/>
     </dgm:linClrLst>
     <dgm:effectClrLst/>
     <dgm:txLinClrLst/>
@@ -657,7 +657,7 @@
       <a:schemeClr val="lt1"/>
     </dgm:fillClrLst>
     <dgm:linClrLst meth="repeat">
-      <a:schemeClr val="accent1"/>
+      <a:schemeClr val="accent3"/>
     </dgm:linClrLst>
     <dgm:effectClrLst/>
     <dgm:txLinClrLst/>
@@ -671,7 +671,7 @@
       <a:schemeClr val="lt1"/>
     </dgm:fillClrLst>
     <dgm:linClrLst meth="repeat">
-      <a:schemeClr val="accent1"/>
+      <a:schemeClr val="accent3"/>
     </dgm:linClrLst>
     <dgm:effectClrLst/>
     <dgm:txLinClrLst/>
@@ -682,13 +682,13 @@
   </dgm:styleLbl>
   <dgm:styleLbl name="fgAccFollowNode1">
     <dgm:fillClrLst meth="repeat">
-      <a:schemeClr val="accent1">
+      <a:schemeClr val="accent3">
         <a:alpha val="90000"/>
         <a:tint val="40000"/>
       </a:schemeClr>
     </dgm:fillClrLst>
     <dgm:linClrLst meth="repeat">
-      <a:schemeClr val="accent1">
+      <a:schemeClr val="accent3">
         <a:alpha val="90000"/>
         <a:tint val="40000"/>
       </a:schemeClr>
@@ -702,13 +702,13 @@
   </dgm:styleLbl>
   <dgm:styleLbl name="alignAccFollowNode1">
     <dgm:fillClrLst meth="repeat">
-      <a:schemeClr val="accent1">
+      <a:schemeClr val="accent3">
         <a:alpha val="90000"/>
         <a:tint val="40000"/>
       </a:schemeClr>
     </dgm:fillClrLst>
     <dgm:linClrLst meth="repeat">
-      <a:schemeClr val="accent1">
+      <a:schemeClr val="accent3">
         <a:alpha val="90000"/>
         <a:tint val="40000"/>
       </a:schemeClr>
@@ -722,13 +722,13 @@
   </dgm:styleLbl>
   <dgm:styleLbl name="bgAccFollowNode1">
     <dgm:fillClrLst meth="repeat">
-      <a:schemeClr val="accent1">
+      <a:schemeClr val="accent3">
         <a:alpha val="90000"/>
         <a:tint val="40000"/>
       </a:schemeClr>
     </dgm:fillClrLst>
     <dgm:linClrLst meth="repeat">
-      <a:schemeClr val="accent1">
+      <a:schemeClr val="accent3">
         <a:alpha val="90000"/>
         <a:tint val="40000"/>
       </a:schemeClr>
@@ -747,7 +747,7 @@
       </a:schemeClr>
     </dgm:fillClrLst>
     <dgm:linClrLst meth="repeat">
-      <a:schemeClr val="accent1"/>
+      <a:schemeClr val="accent3"/>
     </dgm:linClrLst>
     <dgm:effectClrLst/>
     <dgm:txLinClrLst/>
@@ -763,7 +763,7 @@
       </a:schemeClr>
     </dgm:fillClrLst>
     <dgm:linClrLst meth="repeat">
-      <a:schemeClr val="accent1"/>
+      <a:schemeClr val="accent3"/>
     </dgm:linClrLst>
     <dgm:effectClrLst/>
     <dgm:txLinClrLst/>
@@ -779,7 +779,7 @@
       </a:schemeClr>
     </dgm:fillClrLst>
     <dgm:linClrLst meth="repeat">
-      <a:schemeClr val="accent1"/>
+      <a:schemeClr val="accent3"/>
     </dgm:linClrLst>
     <dgm:effectClrLst/>
     <dgm:txLinClrLst/>
@@ -795,7 +795,7 @@
       </a:schemeClr>
     </dgm:fillClrLst>
     <dgm:linClrLst meth="repeat">
-      <a:schemeClr val="accent1"/>
+      <a:schemeClr val="accent3"/>
     </dgm:linClrLst>
     <dgm:effectClrLst/>
     <dgm:txLinClrLst/>
@@ -806,12 +806,12 @@
   </dgm:styleLbl>
   <dgm:styleLbl name="bgShp">
     <dgm:fillClrLst meth="repeat">
-      <a:schemeClr val="accent1">
+      <a:schemeClr val="accent3">
         <a:tint val="40000"/>
       </a:schemeClr>
     </dgm:fillClrLst>
     <dgm:linClrLst meth="repeat">
-      <a:schemeClr val="accent1"/>
+      <a:schemeClr val="accent3"/>
     </dgm:linClrLst>
     <dgm:effectClrLst/>
     <dgm:txLinClrLst/>
@@ -822,12 +822,12 @@
   </dgm:styleLbl>
   <dgm:styleLbl name="dkBgShp">
     <dgm:fillClrLst meth="repeat">
-      <a:schemeClr val="accent1">
+      <a:schemeClr val="accent3">
         <a:shade val="80000"/>
       </a:schemeClr>
     </dgm:fillClrLst>
     <dgm:linClrLst meth="repeat">
-      <a:schemeClr val="accent1"/>
+      <a:schemeClr val="accent3"/>
     </dgm:linClrLst>
     <dgm:effectClrLst/>
     <dgm:txLinClrLst/>
@@ -838,13 +838,13 @@
   </dgm:styleLbl>
   <dgm:styleLbl name="trBgShp">
     <dgm:fillClrLst meth="repeat">
-      <a:schemeClr val="accent1">
+      <a:schemeClr val="accent3">
         <a:tint val="50000"/>
         <a:alpha val="40000"/>
       </a:schemeClr>
     </dgm:fillClrLst>
     <dgm:linClrLst meth="repeat">
-      <a:schemeClr val="accent1"/>
+      <a:schemeClr val="accent3"/>
     </dgm:linClrLst>
     <dgm:effectClrLst/>
     <dgm:txLinClrLst/>
@@ -855,7 +855,7 @@
   </dgm:styleLbl>
   <dgm:styleLbl name="fgShp">
     <dgm:fillClrLst meth="repeat">
-      <a:schemeClr val="accent1">
+      <a:schemeClr val="accent3">
         <a:tint val="60000"/>
       </a:schemeClr>
     </dgm:fillClrLst>
@@ -894,7 +894,7 @@
 <dgm:dataModel xmlns:dgm="http://schemas.openxmlformats.org/drawingml/2006/diagram" xmlns:a="http://schemas.openxmlformats.org/drawingml/2006/main">
   <dgm:ptLst>
     <dgm:pt modelId="{8C9E4BFF-CAB2-CA4B-AC38-169F97ACE085}" type="doc">
-      <dgm:prSet loTypeId="urn:microsoft.com/office/officeart/2005/8/layout/hierarchy3" loCatId="hierarchy" qsTypeId="urn:microsoft.com/office/officeart/2005/8/quickstyle/simple4" qsCatId="simple" csTypeId="urn:microsoft.com/office/officeart/2005/8/colors/accent1_2" csCatId="accent1" phldr="1"/>
+      <dgm:prSet loTypeId="urn:microsoft.com/office/officeart/2005/8/layout/hierarchy3" loCatId="hierarchy" qsTypeId="urn:microsoft.com/office/officeart/2005/8/quickstyle/simple4" qsCatId="simple" csTypeId="urn:microsoft.com/office/officeart/2005/8/colors/accent3_2" csCatId="accent3" phldr="1"/>
       <dgm:spPr/>
       <dgm:t>
         <a:bodyPr/>
@@ -912,7 +912,7 @@
         <a:lstStyle/>
         <a:p>
           <a:r>
-            <a:rPr lang="sv-SE" dirty="0" err="1" smtClean="0"/>
+            <a:rPr lang="sv-SE" dirty="0" err="1"/>
             <a:t>Decomposition</a:t>
           </a:r>
           <a:endParaRPr lang="sv-SE" dirty="0"/>
@@ -949,10 +949,9 @@
         <a:lstStyle/>
         <a:p>
           <a:r>
-            <a:rPr lang="sv-SE" dirty="0" smtClean="0"/>
+            <a:rPr lang="sv-SE" dirty="0"/>
             <a:t>Integration</a:t>
           </a:r>
-          <a:endParaRPr lang="sv-SE" dirty="0"/>
         </a:p>
       </dgm:t>
     </dgm:pt>
@@ -986,7 +985,7 @@
         <a:lstStyle/>
         <a:p>
           <a:r>
-            <a:rPr lang="sv-SE" dirty="0" err="1" smtClean="0"/>
+            <a:rPr lang="sv-SE" dirty="0" err="1"/>
             <a:t>Database</a:t>
           </a:r>
           <a:endParaRPr lang="sv-SE" dirty="0"/>
@@ -1023,7 +1022,7 @@
         <a:lstStyle/>
         <a:p>
           <a:r>
-            <a:rPr lang="sv-SE" dirty="0" err="1" smtClean="0"/>
+            <a:rPr lang="sv-SE" dirty="0" err="1"/>
             <a:t>Observability</a:t>
           </a:r>
           <a:endParaRPr lang="sv-SE" dirty="0"/>
@@ -1060,19 +1059,19 @@
         <a:lstStyle/>
         <a:p>
           <a:r>
-            <a:rPr lang="sv-SE" dirty="0" smtClean="0"/>
+            <a:rPr lang="sv-SE" dirty="0"/>
             <a:t>Cross-</a:t>
           </a:r>
           <a:r>
-            <a:rPr lang="sv-SE" dirty="0" err="1" smtClean="0"/>
+            <a:rPr lang="sv-SE" dirty="0" err="1"/>
             <a:t>cutting</a:t>
           </a:r>
           <a:r>
-            <a:rPr lang="sv-SE" dirty="0" smtClean="0"/>
+            <a:rPr lang="sv-SE" dirty="0"/>
             <a:t> </a:t>
           </a:r>
           <a:r>
-            <a:rPr lang="sv-SE" dirty="0" err="1" smtClean="0"/>
+            <a:rPr lang="sv-SE" dirty="0" err="1"/>
             <a:t>concerns</a:t>
           </a:r>
           <a:endParaRPr lang="sv-SE" dirty="0"/>
@@ -1109,15 +1108,15 @@
         <a:lstStyle/>
         <a:p>
           <a:r>
-            <a:rPr lang="sv-SE" dirty="0" err="1" smtClean="0"/>
+            <a:rPr lang="sv-SE" dirty="0" err="1"/>
             <a:t>Decompose</a:t>
           </a:r>
           <a:r>
-            <a:rPr lang="sv-SE" dirty="0" smtClean="0"/>
+            <a:rPr lang="sv-SE" dirty="0"/>
             <a:t> by business </a:t>
           </a:r>
           <a:r>
-            <a:rPr lang="sv-SE" dirty="0" err="1" smtClean="0"/>
+            <a:rPr lang="sv-SE" dirty="0" err="1"/>
             <a:t>capability</a:t>
           </a:r>
           <a:endParaRPr lang="sv-SE" dirty="0"/>
@@ -1154,11 +1153,11 @@
         <a:lstStyle/>
         <a:p>
           <a:r>
-            <a:rPr lang="sv-SE" dirty="0" smtClean="0"/>
+            <a:rPr lang="sv-SE" dirty="0"/>
             <a:t>API </a:t>
           </a:r>
           <a:r>
-            <a:rPr lang="sv-SE" dirty="0" err="1" smtClean="0"/>
+            <a:rPr lang="sv-SE" dirty="0" err="1"/>
             <a:t>gateway</a:t>
           </a:r>
           <a:endParaRPr lang="sv-SE" dirty="0"/>
@@ -1195,14 +1194,13 @@
         <a:lstStyle/>
         <a:p>
           <a:r>
-            <a:rPr lang="sv-SE" dirty="0" err="1" smtClean="0"/>
+            <a:rPr lang="sv-SE" dirty="0" err="1"/>
             <a:t>Database</a:t>
           </a:r>
           <a:r>
-            <a:rPr lang="sv-SE" dirty="0" smtClean="0"/>
+            <a:rPr lang="sv-SE" dirty="0"/>
             <a:t> per service</a:t>
           </a:r>
-          <a:endParaRPr lang="sv-SE" dirty="0"/>
         </a:p>
       </dgm:t>
     </dgm:pt>
@@ -1236,15 +1234,15 @@
         <a:lstStyle/>
         <a:p>
           <a:r>
-            <a:rPr lang="sv-SE" dirty="0" err="1" smtClean="0"/>
+            <a:rPr lang="sv-SE" dirty="0" err="1"/>
             <a:t>Distributed</a:t>
           </a:r>
           <a:r>
-            <a:rPr lang="sv-SE" dirty="0" smtClean="0"/>
+            <a:rPr lang="sv-SE" dirty="0"/>
             <a:t> </a:t>
           </a:r>
           <a:r>
-            <a:rPr lang="sv-SE" dirty="0" err="1" smtClean="0"/>
+            <a:rPr lang="sv-SE" dirty="0" err="1"/>
             <a:t>tracing</a:t>
           </a:r>
           <a:endParaRPr lang="sv-SE" dirty="0"/>
@@ -1281,15 +1279,15 @@
         <a:lstStyle/>
         <a:p>
           <a:r>
-            <a:rPr lang="sv-SE" dirty="0" err="1" smtClean="0"/>
+            <a:rPr lang="sv-SE" dirty="0" err="1"/>
             <a:t>External</a:t>
           </a:r>
           <a:r>
-            <a:rPr lang="sv-SE" dirty="0" smtClean="0"/>
+            <a:rPr lang="sv-SE" dirty="0"/>
             <a:t> </a:t>
           </a:r>
           <a:r>
-            <a:rPr lang="sv-SE" dirty="0" err="1" smtClean="0"/>
+            <a:rPr lang="sv-SE" dirty="0" err="1"/>
             <a:t>configuration</a:t>
           </a:r>
           <a:endParaRPr lang="sv-SE" dirty="0"/>
@@ -1326,11 +1324,11 @@
         <a:lstStyle/>
         <a:p>
           <a:r>
-            <a:rPr lang="sv-SE" dirty="0" smtClean="0"/>
+            <a:rPr lang="sv-SE" dirty="0"/>
             <a:t>Service </a:t>
           </a:r>
           <a:r>
-            <a:rPr lang="sv-SE" dirty="0" err="1" smtClean="0"/>
+            <a:rPr lang="sv-SE" dirty="0" err="1"/>
             <a:t>discovery</a:t>
           </a:r>
           <a:endParaRPr lang="sv-SE" dirty="0"/>
@@ -1367,10 +1365,9 @@
         <a:lstStyle/>
         <a:p>
           <a:r>
-            <a:rPr lang="sv-SE" smtClean="0"/>
+            <a:rPr lang="sv-SE"/>
             <a:t>Circuit breaker</a:t>
           </a:r>
-          <a:endParaRPr lang="sv-SE"/>
         </a:p>
       </dgm:t>
     </dgm:pt>
@@ -1404,19 +1401,19 @@
         <a:lstStyle/>
         <a:p>
           <a:r>
-            <a:rPr lang="sv-SE" dirty="0" err="1" smtClean="0"/>
+            <a:rPr lang="sv-SE" dirty="0" err="1"/>
             <a:t>Blue</a:t>
           </a:r>
           <a:r>
-            <a:rPr lang="sv-SE" dirty="0" smtClean="0"/>
+            <a:rPr lang="sv-SE" dirty="0"/>
             <a:t>-green</a:t>
           </a:r>
           <a:r>
-            <a:rPr lang="sv-SE" baseline="0" dirty="0" smtClean="0"/>
+            <a:rPr lang="sv-SE" baseline="0" dirty="0"/>
             <a:t> </a:t>
           </a:r>
           <a:r>
-            <a:rPr lang="sv-SE" baseline="0" dirty="0" err="1" smtClean="0"/>
+            <a:rPr lang="sv-SE" baseline="0" dirty="0" err="1"/>
             <a:t>deployment</a:t>
           </a:r>
           <a:endParaRPr lang="sv-SE" dirty="0"/>
@@ -1453,10 +1450,9 @@
         <a:lstStyle/>
         <a:p>
           <a:r>
-            <a:rPr lang="sv-SE" dirty="0" smtClean="0"/>
+            <a:rPr lang="sv-SE" dirty="0"/>
             <a:t>Health check API</a:t>
           </a:r>
-          <a:endParaRPr lang="sv-SE" dirty="0"/>
         </a:p>
       </dgm:t>
     </dgm:pt>
@@ -1490,10 +1486,9 @@
         <a:lstStyle/>
         <a:p>
           <a:r>
-            <a:rPr lang="sv-SE" dirty="0" smtClean="0"/>
+            <a:rPr lang="sv-SE" dirty="0"/>
             <a:t>Log aggregation</a:t>
           </a:r>
-          <a:endParaRPr lang="sv-SE" dirty="0"/>
         </a:p>
       </dgm:t>
     </dgm:pt>
@@ -1527,15 +1522,15 @@
         <a:lstStyle/>
         <a:p>
           <a:r>
-            <a:rPr lang="sv-SE" dirty="0" err="1" smtClean="0"/>
+            <a:rPr lang="sv-SE" dirty="0" err="1"/>
             <a:t>Performance</a:t>
           </a:r>
           <a:r>
-            <a:rPr lang="sv-SE" dirty="0" smtClean="0"/>
+            <a:rPr lang="sv-SE" dirty="0"/>
             <a:t> </a:t>
           </a:r>
           <a:r>
-            <a:rPr lang="sv-SE" dirty="0" err="1" smtClean="0"/>
+            <a:rPr lang="sv-SE" dirty="0" err="1"/>
             <a:t>metrics</a:t>
           </a:r>
           <a:endParaRPr lang="sv-SE" dirty="0"/>
@@ -1572,22 +1567,21 @@
         <a:lstStyle/>
         <a:p>
           <a:r>
-            <a:rPr lang="sv-SE" dirty="0" err="1" smtClean="0"/>
+            <a:rPr lang="sv-SE" dirty="0" err="1"/>
             <a:t>Shared</a:t>
           </a:r>
           <a:r>
-            <a:rPr lang="sv-SE" dirty="0" smtClean="0"/>
+            <a:rPr lang="sv-SE" dirty="0"/>
             <a:t> </a:t>
           </a:r>
           <a:r>
-            <a:rPr lang="sv-SE" dirty="0" err="1" smtClean="0"/>
+            <a:rPr lang="sv-SE" dirty="0" err="1"/>
             <a:t>database</a:t>
           </a:r>
           <a:r>
-            <a:rPr lang="sv-SE" dirty="0" smtClean="0"/>
+            <a:rPr lang="sv-SE" dirty="0"/>
             <a:t> per service</a:t>
           </a:r>
-          <a:endParaRPr lang="sv-SE" dirty="0"/>
         </a:p>
       </dgm:t>
     </dgm:pt>
@@ -1621,10 +1615,9 @@
         <a:lstStyle/>
         <a:p>
           <a:r>
-            <a:rPr lang="sv-SE" dirty="0" smtClean="0"/>
+            <a:rPr lang="sv-SE" dirty="0"/>
             <a:t>CQRS</a:t>
           </a:r>
-          <a:endParaRPr lang="sv-SE" dirty="0"/>
         </a:p>
       </dgm:t>
     </dgm:pt>
@@ -1658,11 +1651,11 @@
         <a:lstStyle/>
         <a:p>
           <a:r>
-            <a:rPr lang="sv-SE" dirty="0" smtClean="0"/>
+            <a:rPr lang="sv-SE" dirty="0"/>
             <a:t>Event </a:t>
           </a:r>
           <a:r>
-            <a:rPr lang="sv-SE" dirty="0" err="1" smtClean="0"/>
+            <a:rPr lang="sv-SE" dirty="0" err="1"/>
             <a:t>sourcing</a:t>
           </a:r>
           <a:endParaRPr lang="sv-SE" dirty="0"/>
@@ -1699,10 +1692,9 @@
         <a:lstStyle/>
         <a:p>
           <a:r>
-            <a:rPr lang="sv-SE" dirty="0" smtClean="0"/>
+            <a:rPr lang="sv-SE" dirty="0"/>
             <a:t>Saga</a:t>
           </a:r>
-          <a:endParaRPr lang="sv-SE" dirty="0"/>
         </a:p>
       </dgm:t>
     </dgm:pt>
@@ -1736,10 +1728,9 @@
         <a:lstStyle/>
         <a:p>
           <a:r>
-            <a:rPr lang="sv-SE" dirty="0" smtClean="0"/>
+            <a:rPr lang="sv-SE" dirty="0"/>
             <a:t>Aggregator</a:t>
           </a:r>
-          <a:endParaRPr lang="sv-SE" dirty="0"/>
         </a:p>
       </dgm:t>
     </dgm:pt>
@@ -1773,15 +1764,15 @@
         <a:lstStyle/>
         <a:p>
           <a:r>
-            <a:rPr lang="sv-SE" dirty="0" err="1" smtClean="0"/>
+            <a:rPr lang="sv-SE" dirty="0" err="1"/>
             <a:t>Chained</a:t>
           </a:r>
           <a:r>
-            <a:rPr lang="sv-SE" dirty="0" smtClean="0"/>
+            <a:rPr lang="sv-SE" dirty="0"/>
             <a:t> </a:t>
           </a:r>
           <a:r>
-            <a:rPr lang="sv-SE" dirty="0" err="1" smtClean="0"/>
+            <a:rPr lang="sv-SE" dirty="0" err="1"/>
             <a:t>microservie</a:t>
           </a:r>
           <a:endParaRPr lang="sv-SE" dirty="0"/>
@@ -1818,7 +1809,7 @@
         <a:lstStyle/>
         <a:p>
           <a:r>
-            <a:rPr lang="sv-SE" dirty="0" err="1" smtClean="0"/>
+            <a:rPr lang="sv-SE" dirty="0" err="1"/>
             <a:t>Branch</a:t>
           </a:r>
           <a:endParaRPr lang="sv-SE" dirty="0"/>
@@ -1855,15 +1846,15 @@
         <a:lstStyle/>
         <a:p>
           <a:r>
-            <a:rPr lang="sv-SE" dirty="0" err="1" smtClean="0"/>
+            <a:rPr lang="sv-SE" dirty="0" err="1"/>
             <a:t>Client-side</a:t>
           </a:r>
           <a:r>
-            <a:rPr lang="sv-SE" dirty="0" smtClean="0"/>
+            <a:rPr lang="sv-SE" dirty="0"/>
             <a:t> UI </a:t>
           </a:r>
           <a:r>
-            <a:rPr lang="sv-SE" dirty="0" err="1" smtClean="0"/>
+            <a:rPr lang="sv-SE" dirty="0" err="1"/>
             <a:t>composition</a:t>
           </a:r>
           <a:endParaRPr lang="sv-SE" dirty="0"/>
@@ -1882,6 +1873,231 @@
       </dgm:t>
     </dgm:pt>
     <dgm:pt modelId="{F98D55F2-7ECB-9047-B3EC-CA9CBADD6D87}" type="sibTrans" cxnId="{DE95DFEC-24E5-A042-8EC2-D56A28F7A7D7}">
+      <dgm:prSet/>
+      <dgm:spPr/>
+      <dgm:t>
+        <a:bodyPr/>
+        <a:lstStyle/>
+        <a:p>
+          <a:endParaRPr lang="sv-SE"/>
+        </a:p>
+      </dgm:t>
+    </dgm:pt>
+    <dgm:pt modelId="{5C07CFB4-FDE9-D440-8D99-0CFF4867CA9C}">
+      <dgm:prSet/>
+      <dgm:spPr/>
+      <dgm:t>
+        <a:bodyPr/>
+        <a:lstStyle/>
+        <a:p>
+          <a:r>
+            <a:rPr lang="sv-SE" dirty="0" err="1"/>
+            <a:t>Decompose</a:t>
+          </a:r>
+          <a:r>
+            <a:rPr lang="sv-SE" dirty="0"/>
+            <a:t> by </a:t>
+          </a:r>
+          <a:r>
+            <a:rPr lang="sv-SE" dirty="0" err="1"/>
+            <a:t>subdomain</a:t>
+          </a:r>
+          <a:endParaRPr lang="sv-SE" dirty="0"/>
+        </a:p>
+      </dgm:t>
+    </dgm:pt>
+    <dgm:pt modelId="{36CFA267-AA87-4A47-9C3A-53814F772517}" type="parTrans" cxnId="{4C626388-66EE-0D44-9AA4-31463C7A286A}">
+      <dgm:prSet/>
+      <dgm:spPr/>
+      <dgm:t>
+        <a:bodyPr/>
+        <a:lstStyle/>
+        <a:p>
+          <a:endParaRPr lang="sv-SE"/>
+        </a:p>
+      </dgm:t>
+    </dgm:pt>
+    <dgm:pt modelId="{E6B8325C-34E9-C84E-98AE-252E016ADE0E}" type="sibTrans" cxnId="{4C626388-66EE-0D44-9AA4-31463C7A286A}">
+      <dgm:prSet/>
+      <dgm:spPr/>
+      <dgm:t>
+        <a:bodyPr/>
+        <a:lstStyle/>
+        <a:p>
+          <a:endParaRPr lang="sv-SE"/>
+        </a:p>
+      </dgm:t>
+    </dgm:pt>
+    <dgm:pt modelId="{D7AEA1F4-FA77-B54B-9ED6-705D81DCAE54}">
+      <dgm:prSet/>
+      <dgm:spPr/>
+      <dgm:t>
+        <a:bodyPr/>
+        <a:lstStyle/>
+        <a:p>
+          <a:r>
+            <a:rPr lang="sv-SE" dirty="0" err="1"/>
+            <a:t>Decompose</a:t>
+          </a:r>
+          <a:r>
+            <a:rPr lang="sv-SE" dirty="0"/>
+            <a:t> by </a:t>
+          </a:r>
+          <a:r>
+            <a:rPr lang="sv-SE" dirty="0" err="1"/>
+            <a:t>transactions</a:t>
+          </a:r>
+          <a:endParaRPr lang="sv-SE" dirty="0"/>
+        </a:p>
+      </dgm:t>
+    </dgm:pt>
+    <dgm:pt modelId="{4000708B-94D2-F948-A83E-5254B9BEE8BD}" type="parTrans" cxnId="{0C6F8F8C-0AA2-EF4B-B096-7957FD8C381A}">
+      <dgm:prSet/>
+      <dgm:spPr/>
+      <dgm:t>
+        <a:bodyPr/>
+        <a:lstStyle/>
+        <a:p>
+          <a:endParaRPr lang="sv-SE"/>
+        </a:p>
+      </dgm:t>
+    </dgm:pt>
+    <dgm:pt modelId="{D8B8DE09-3249-7F4C-BE28-AB28A212B94F}" type="sibTrans" cxnId="{0C6F8F8C-0AA2-EF4B-B096-7957FD8C381A}">
+      <dgm:prSet/>
+      <dgm:spPr/>
+      <dgm:t>
+        <a:bodyPr/>
+        <a:lstStyle/>
+        <a:p>
+          <a:endParaRPr lang="sv-SE"/>
+        </a:p>
+      </dgm:t>
+    </dgm:pt>
+    <dgm:pt modelId="{9611D7BD-160F-6B4C-9F1C-BBF6975FA83B}">
+      <dgm:prSet/>
+      <dgm:spPr/>
+      <dgm:t>
+        <a:bodyPr/>
+        <a:lstStyle/>
+        <a:p>
+          <a:r>
+            <a:rPr lang="sv-SE" dirty="0" err="1"/>
+            <a:t>Strangler</a:t>
+          </a:r>
+          <a:r>
+            <a:rPr lang="sv-SE" dirty="0"/>
+            <a:t> </a:t>
+          </a:r>
+          <a:r>
+            <a:rPr lang="sv-SE" dirty="0" err="1"/>
+            <a:t>pattern</a:t>
+          </a:r>
+          <a:endParaRPr lang="sv-SE" dirty="0"/>
+        </a:p>
+      </dgm:t>
+    </dgm:pt>
+    <dgm:pt modelId="{9CAFFB22-4C5F-314C-98B7-10FE901D2124}" type="parTrans" cxnId="{27FA3378-192B-CB40-9643-5F6E19900AD2}">
+      <dgm:prSet/>
+      <dgm:spPr/>
+      <dgm:t>
+        <a:bodyPr/>
+        <a:lstStyle/>
+        <a:p>
+          <a:endParaRPr lang="sv-SE"/>
+        </a:p>
+      </dgm:t>
+    </dgm:pt>
+    <dgm:pt modelId="{D6B9F117-D1A7-B14E-8170-4EAD6B0F0B35}" type="sibTrans" cxnId="{27FA3378-192B-CB40-9643-5F6E19900AD2}">
+      <dgm:prSet/>
+      <dgm:spPr/>
+      <dgm:t>
+        <a:bodyPr/>
+        <a:lstStyle/>
+        <a:p>
+          <a:endParaRPr lang="sv-SE"/>
+        </a:p>
+      </dgm:t>
+    </dgm:pt>
+    <dgm:pt modelId="{3C6CF808-F7D1-7248-87C5-47DB610BB12D}">
+      <dgm:prSet/>
+      <dgm:spPr/>
+      <dgm:t>
+        <a:bodyPr/>
+        <a:lstStyle/>
+        <a:p>
+          <a:r>
+            <a:rPr lang="sv-SE" dirty="0" err="1"/>
+            <a:t>Bulkhead</a:t>
+          </a:r>
+          <a:r>
+            <a:rPr lang="sv-SE" dirty="0"/>
+            <a:t> </a:t>
+          </a:r>
+          <a:r>
+            <a:rPr lang="sv-SE" dirty="0" err="1"/>
+            <a:t>pattern</a:t>
+          </a:r>
+          <a:endParaRPr lang="sv-SE" dirty="0"/>
+        </a:p>
+      </dgm:t>
+    </dgm:pt>
+    <dgm:pt modelId="{937F2E90-D94B-C348-B85D-68ECD7125850}" type="parTrans" cxnId="{637E13EF-88EC-1341-97E0-0639D3EBFA0C}">
+      <dgm:prSet/>
+      <dgm:spPr/>
+      <dgm:t>
+        <a:bodyPr/>
+        <a:lstStyle/>
+        <a:p>
+          <a:endParaRPr lang="sv-SE"/>
+        </a:p>
+      </dgm:t>
+    </dgm:pt>
+    <dgm:pt modelId="{CCCFF032-27A1-4548-B300-4C9E932D5AC0}" type="sibTrans" cxnId="{637E13EF-88EC-1341-97E0-0639D3EBFA0C}">
+      <dgm:prSet/>
+      <dgm:spPr/>
+      <dgm:t>
+        <a:bodyPr/>
+        <a:lstStyle/>
+        <a:p>
+          <a:endParaRPr lang="sv-SE"/>
+        </a:p>
+      </dgm:t>
+    </dgm:pt>
+    <dgm:pt modelId="{FEB5D11E-0C76-CD49-84C0-96785954A74E}">
+      <dgm:prSet/>
+      <dgm:spPr/>
+      <dgm:t>
+        <a:bodyPr/>
+        <a:lstStyle/>
+        <a:p>
+          <a:r>
+            <a:rPr lang="sv-SE" dirty="0" err="1"/>
+            <a:t>Sidecar</a:t>
+          </a:r>
+          <a:r>
+            <a:rPr lang="sv-SE" dirty="0"/>
+            <a:t> </a:t>
+          </a:r>
+          <a:r>
+            <a:rPr lang="sv-SE" dirty="0" err="1"/>
+            <a:t>pattern</a:t>
+          </a:r>
+          <a:endParaRPr lang="sv-SE" dirty="0"/>
+        </a:p>
+      </dgm:t>
+    </dgm:pt>
+    <dgm:pt modelId="{4EE27A40-4DA3-EC4F-A858-1F16E3B08F09}" type="parTrans" cxnId="{B2628A15-729A-7849-917E-35FC40F0878A}">
+      <dgm:prSet/>
+      <dgm:spPr/>
+      <dgm:t>
+        <a:bodyPr/>
+        <a:lstStyle/>
+        <a:p>
+          <a:endParaRPr lang="sv-SE"/>
+        </a:p>
+      </dgm:t>
+    </dgm:pt>
+    <dgm:pt modelId="{248F0514-321E-AF4A-BB01-DEE7F8394C0C}" type="sibTrans" cxnId="{B2628A15-729A-7849-917E-35FC40F0878A}">
       <dgm:prSet/>
       <dgm:spPr/>
       <dgm:t>
@@ -1925,11 +2141,71 @@
       <dgm:spPr/>
     </dgm:pt>
     <dgm:pt modelId="{E86BDBCE-28FF-1442-A35E-A17F0344C8AB}" type="pres">
-      <dgm:prSet presAssocID="{4796CC2A-072E-3B48-B1CE-3CEA109564D7}" presName="Name13" presStyleLbl="parChTrans1D2" presStyleIdx="0" presStyleCnt="19"/>
+      <dgm:prSet presAssocID="{4796CC2A-072E-3B48-B1CE-3CEA109564D7}" presName="Name13" presStyleLbl="parChTrans1D2" presStyleIdx="0" presStyleCnt="24"/>
       <dgm:spPr/>
     </dgm:pt>
     <dgm:pt modelId="{AAF27C23-627A-714A-8558-F43E4B9B12E1}" type="pres">
-      <dgm:prSet presAssocID="{6B033119-D868-E847-9A36-49EE32C4D92D}" presName="childText" presStyleLbl="bgAcc1" presStyleIdx="0" presStyleCnt="19">
+      <dgm:prSet presAssocID="{6B033119-D868-E847-9A36-49EE32C4D92D}" presName="childText" presStyleLbl="bgAcc1" presStyleIdx="0" presStyleCnt="24">
+        <dgm:presLayoutVars>
+          <dgm:bulletEnabled val="1"/>
+        </dgm:presLayoutVars>
+      </dgm:prSet>
+      <dgm:spPr/>
+    </dgm:pt>
+    <dgm:pt modelId="{AF2EA18F-48CE-E443-A344-701DBD5EC4A2}" type="pres">
+      <dgm:prSet presAssocID="{36CFA267-AA87-4A47-9C3A-53814F772517}" presName="Name13" presStyleLbl="parChTrans1D2" presStyleIdx="1" presStyleCnt="24"/>
+      <dgm:spPr/>
+    </dgm:pt>
+    <dgm:pt modelId="{BE803DC1-8420-A24D-9B4A-61E6035FC2A8}" type="pres">
+      <dgm:prSet presAssocID="{5C07CFB4-FDE9-D440-8D99-0CFF4867CA9C}" presName="childText" presStyleLbl="bgAcc1" presStyleIdx="1" presStyleCnt="24">
+        <dgm:presLayoutVars>
+          <dgm:bulletEnabled val="1"/>
+        </dgm:presLayoutVars>
+      </dgm:prSet>
+      <dgm:spPr/>
+    </dgm:pt>
+    <dgm:pt modelId="{2B674F63-6B85-374C-8604-07E24AFC8FF1}" type="pres">
+      <dgm:prSet presAssocID="{4000708B-94D2-F948-A83E-5254B9BEE8BD}" presName="Name13" presStyleLbl="parChTrans1D2" presStyleIdx="2" presStyleCnt="24"/>
+      <dgm:spPr/>
+    </dgm:pt>
+    <dgm:pt modelId="{D3375FEF-A746-3A43-86BD-F5C637F38C61}" type="pres">
+      <dgm:prSet presAssocID="{D7AEA1F4-FA77-B54B-9ED6-705D81DCAE54}" presName="childText" presStyleLbl="bgAcc1" presStyleIdx="2" presStyleCnt="24">
+        <dgm:presLayoutVars>
+          <dgm:bulletEnabled val="1"/>
+        </dgm:presLayoutVars>
+      </dgm:prSet>
+      <dgm:spPr/>
+    </dgm:pt>
+    <dgm:pt modelId="{D0BAF713-2902-7C45-9325-C4EB1F799036}" type="pres">
+      <dgm:prSet presAssocID="{9CAFFB22-4C5F-314C-98B7-10FE901D2124}" presName="Name13" presStyleLbl="parChTrans1D2" presStyleIdx="3" presStyleCnt="24"/>
+      <dgm:spPr/>
+    </dgm:pt>
+    <dgm:pt modelId="{907117EA-DA11-E341-B21F-67DD16B11776}" type="pres">
+      <dgm:prSet presAssocID="{9611D7BD-160F-6B4C-9F1C-BBF6975FA83B}" presName="childText" presStyleLbl="bgAcc1" presStyleIdx="3" presStyleCnt="24">
+        <dgm:presLayoutVars>
+          <dgm:bulletEnabled val="1"/>
+        </dgm:presLayoutVars>
+      </dgm:prSet>
+      <dgm:spPr/>
+    </dgm:pt>
+    <dgm:pt modelId="{2D713C32-8B29-D441-997A-39F81AD572C8}" type="pres">
+      <dgm:prSet presAssocID="{937F2E90-D94B-C348-B85D-68ECD7125850}" presName="Name13" presStyleLbl="parChTrans1D2" presStyleIdx="4" presStyleCnt="24"/>
+      <dgm:spPr/>
+    </dgm:pt>
+    <dgm:pt modelId="{F6CAD6DE-90DE-DB46-AD21-F9A0EBF02119}" type="pres">
+      <dgm:prSet presAssocID="{3C6CF808-F7D1-7248-87C5-47DB610BB12D}" presName="childText" presStyleLbl="bgAcc1" presStyleIdx="4" presStyleCnt="24">
+        <dgm:presLayoutVars>
+          <dgm:bulletEnabled val="1"/>
+        </dgm:presLayoutVars>
+      </dgm:prSet>
+      <dgm:spPr/>
+    </dgm:pt>
+    <dgm:pt modelId="{20B66D0F-B2DB-BB41-B4FA-F8017FD33F43}" type="pres">
+      <dgm:prSet presAssocID="{4EE27A40-4DA3-EC4F-A858-1F16E3B08F09}" presName="Name13" presStyleLbl="parChTrans1D2" presStyleIdx="5" presStyleCnt="24"/>
+      <dgm:spPr/>
+    </dgm:pt>
+    <dgm:pt modelId="{12F036F6-A08F-BA46-BC3F-774A645D2E58}" type="pres">
+      <dgm:prSet presAssocID="{FEB5D11E-0C76-CD49-84C0-96785954A74E}" presName="childText" presStyleLbl="bgAcc1" presStyleIdx="5" presStyleCnt="24">
         <dgm:presLayoutVars>
           <dgm:bulletEnabled val="1"/>
         </dgm:presLayoutVars>
@@ -1957,30 +2233,23 @@
       <dgm:spPr/>
     </dgm:pt>
     <dgm:pt modelId="{AB3E1156-5BE7-A741-9F25-24C31315604D}" type="pres">
-      <dgm:prSet presAssocID="{1BEB4DB2-F3AF-0948-A45F-7A3E4C5D3309}" presName="Name13" presStyleLbl="parChTrans1D2" presStyleIdx="1" presStyleCnt="19"/>
+      <dgm:prSet presAssocID="{1BEB4DB2-F3AF-0948-A45F-7A3E4C5D3309}" presName="Name13" presStyleLbl="parChTrans1D2" presStyleIdx="6" presStyleCnt="24"/>
       <dgm:spPr/>
     </dgm:pt>
     <dgm:pt modelId="{4286BA54-4F69-D546-AF73-7A636A163BB1}" type="pres">
-      <dgm:prSet presAssocID="{95C153EA-CEC5-8E46-BDD0-FF1F5F5D8946}" presName="childText" presStyleLbl="bgAcc1" presStyleIdx="1" presStyleCnt="19">
+      <dgm:prSet presAssocID="{95C153EA-CEC5-8E46-BDD0-FF1F5F5D8946}" presName="childText" presStyleLbl="bgAcc1" presStyleIdx="6" presStyleCnt="24">
         <dgm:presLayoutVars>
           <dgm:bulletEnabled val="1"/>
         </dgm:presLayoutVars>
       </dgm:prSet>
       <dgm:spPr/>
-      <dgm:t>
-        <a:bodyPr/>
-        <a:lstStyle/>
-        <a:p>
-          <a:endParaRPr lang="sv-SE"/>
-        </a:p>
-      </dgm:t>
     </dgm:pt>
     <dgm:pt modelId="{DE746AC9-2AA2-414F-B619-959704074796}" type="pres">
-      <dgm:prSet presAssocID="{FD2CA399-C523-4A4E-90F8-D9BF87E7D3B3}" presName="Name13" presStyleLbl="parChTrans1D2" presStyleIdx="2" presStyleCnt="19"/>
+      <dgm:prSet presAssocID="{FD2CA399-C523-4A4E-90F8-D9BF87E7D3B3}" presName="Name13" presStyleLbl="parChTrans1D2" presStyleIdx="7" presStyleCnt="24"/>
       <dgm:spPr/>
     </dgm:pt>
     <dgm:pt modelId="{C898A761-BEEA-B648-B14B-06DEACEE0937}" type="pres">
-      <dgm:prSet presAssocID="{4A7F969D-6F85-5F49-978D-8EDB2F3FCEDA}" presName="childText" presStyleLbl="bgAcc1" presStyleIdx="2" presStyleCnt="19">
+      <dgm:prSet presAssocID="{4A7F969D-6F85-5F49-978D-8EDB2F3FCEDA}" presName="childText" presStyleLbl="bgAcc1" presStyleIdx="7" presStyleCnt="24">
         <dgm:presLayoutVars>
           <dgm:bulletEnabled val="1"/>
         </dgm:presLayoutVars>
@@ -1988,11 +2257,11 @@
       <dgm:spPr/>
     </dgm:pt>
     <dgm:pt modelId="{D703E236-A92B-2049-94C4-5A5BF4D4DC16}" type="pres">
-      <dgm:prSet presAssocID="{B5B75E05-EF80-E747-9198-DF820A337C1F}" presName="Name13" presStyleLbl="parChTrans1D2" presStyleIdx="3" presStyleCnt="19"/>
+      <dgm:prSet presAssocID="{B5B75E05-EF80-E747-9198-DF820A337C1F}" presName="Name13" presStyleLbl="parChTrans1D2" presStyleIdx="8" presStyleCnt="24"/>
       <dgm:spPr/>
     </dgm:pt>
     <dgm:pt modelId="{054436DC-02A9-5043-9BB8-977BD5DF1A2F}" type="pres">
-      <dgm:prSet presAssocID="{04504A01-5E2C-DD43-B58C-87F73E768EBD}" presName="childText" presStyleLbl="bgAcc1" presStyleIdx="3" presStyleCnt="19">
+      <dgm:prSet presAssocID="{04504A01-5E2C-DD43-B58C-87F73E768EBD}" presName="childText" presStyleLbl="bgAcc1" presStyleIdx="8" presStyleCnt="24">
         <dgm:presLayoutVars>
           <dgm:bulletEnabled val="1"/>
         </dgm:presLayoutVars>
@@ -2000,11 +2269,11 @@
       <dgm:spPr/>
     </dgm:pt>
     <dgm:pt modelId="{AE72C6B8-52CF-5849-BE39-8F0F949C6428}" type="pres">
-      <dgm:prSet presAssocID="{DCA3CA39-85A7-3D45-9EC0-A49266F95969}" presName="Name13" presStyleLbl="parChTrans1D2" presStyleIdx="4" presStyleCnt="19"/>
+      <dgm:prSet presAssocID="{DCA3CA39-85A7-3D45-9EC0-A49266F95969}" presName="Name13" presStyleLbl="parChTrans1D2" presStyleIdx="9" presStyleCnt="24"/>
       <dgm:spPr/>
     </dgm:pt>
     <dgm:pt modelId="{BF27FAB3-9E94-E24B-9966-C37C7445823C}" type="pres">
-      <dgm:prSet presAssocID="{95879CAB-8A88-894F-9319-DC3D9D078ECF}" presName="childText" presStyleLbl="bgAcc1" presStyleIdx="4" presStyleCnt="19">
+      <dgm:prSet presAssocID="{95879CAB-8A88-894F-9319-DC3D9D078ECF}" presName="childText" presStyleLbl="bgAcc1" presStyleIdx="9" presStyleCnt="24">
         <dgm:presLayoutVars>
           <dgm:bulletEnabled val="1"/>
         </dgm:presLayoutVars>
@@ -2012,11 +2281,11 @@
       <dgm:spPr/>
     </dgm:pt>
     <dgm:pt modelId="{677D1732-88D3-704D-9669-242C49F71D92}" type="pres">
-      <dgm:prSet presAssocID="{DDD61991-06ED-1545-BA21-EDD6F9D3A5AE}" presName="Name13" presStyleLbl="parChTrans1D2" presStyleIdx="5" presStyleCnt="19"/>
+      <dgm:prSet presAssocID="{DDD61991-06ED-1545-BA21-EDD6F9D3A5AE}" presName="Name13" presStyleLbl="parChTrans1D2" presStyleIdx="10" presStyleCnt="24"/>
       <dgm:spPr/>
     </dgm:pt>
     <dgm:pt modelId="{9B120F63-1ED7-FC4E-8A4C-FA030E659E54}" type="pres">
-      <dgm:prSet presAssocID="{FF2A1A52-F8A8-504F-884D-16CB55095D85}" presName="childText" presStyleLbl="bgAcc1" presStyleIdx="5" presStyleCnt="19">
+      <dgm:prSet presAssocID="{FF2A1A52-F8A8-504F-884D-16CB55095D85}" presName="childText" presStyleLbl="bgAcc1" presStyleIdx="10" presStyleCnt="24">
         <dgm:presLayoutVars>
           <dgm:bulletEnabled val="1"/>
         </dgm:presLayoutVars>
@@ -2044,11 +2313,11 @@
       <dgm:spPr/>
     </dgm:pt>
     <dgm:pt modelId="{847A49F8-2D89-9044-B496-3261551FA8D4}" type="pres">
-      <dgm:prSet presAssocID="{69269003-88C9-1E45-86D9-81A038AB06BB}" presName="Name13" presStyleLbl="parChTrans1D2" presStyleIdx="6" presStyleCnt="19"/>
+      <dgm:prSet presAssocID="{69269003-88C9-1E45-86D9-81A038AB06BB}" presName="Name13" presStyleLbl="parChTrans1D2" presStyleIdx="11" presStyleCnt="24"/>
       <dgm:spPr/>
     </dgm:pt>
     <dgm:pt modelId="{FA6C4AE9-1911-5845-9F25-DE14F676416A}" type="pres">
-      <dgm:prSet presAssocID="{DB86642D-4804-CC40-BD23-A4F83DF5F0C5}" presName="childText" presStyleLbl="bgAcc1" presStyleIdx="6" presStyleCnt="19">
+      <dgm:prSet presAssocID="{DB86642D-4804-CC40-BD23-A4F83DF5F0C5}" presName="childText" presStyleLbl="bgAcc1" presStyleIdx="11" presStyleCnt="24">
         <dgm:presLayoutVars>
           <dgm:bulletEnabled val="1"/>
         </dgm:presLayoutVars>
@@ -2056,11 +2325,11 @@
       <dgm:spPr/>
     </dgm:pt>
     <dgm:pt modelId="{C7218F20-992C-144C-8D56-AADBEAC09C56}" type="pres">
-      <dgm:prSet presAssocID="{CD96CB7D-C792-5044-B256-0F69152057B2}" presName="Name13" presStyleLbl="parChTrans1D2" presStyleIdx="7" presStyleCnt="19"/>
+      <dgm:prSet presAssocID="{CD96CB7D-C792-5044-B256-0F69152057B2}" presName="Name13" presStyleLbl="parChTrans1D2" presStyleIdx="12" presStyleCnt="24"/>
       <dgm:spPr/>
     </dgm:pt>
     <dgm:pt modelId="{8D712520-BFF8-344F-81A1-47936F22B863}" type="pres">
-      <dgm:prSet presAssocID="{5040CBB7-6B79-F347-8D96-8C21AABC535A}" presName="childText" presStyleLbl="bgAcc1" presStyleIdx="7" presStyleCnt="19">
+      <dgm:prSet presAssocID="{5040CBB7-6B79-F347-8D96-8C21AABC535A}" presName="childText" presStyleLbl="bgAcc1" presStyleIdx="12" presStyleCnt="24">
         <dgm:presLayoutVars>
           <dgm:bulletEnabled val="1"/>
         </dgm:presLayoutVars>
@@ -2068,11 +2337,11 @@
       <dgm:spPr/>
     </dgm:pt>
     <dgm:pt modelId="{FF6E5BDC-A960-F24A-B954-4486C9D91F66}" type="pres">
-      <dgm:prSet presAssocID="{220F5BFE-174B-9B4B-A34D-0FB81B43AB04}" presName="Name13" presStyleLbl="parChTrans1D2" presStyleIdx="8" presStyleCnt="19"/>
+      <dgm:prSet presAssocID="{220F5BFE-174B-9B4B-A34D-0FB81B43AB04}" presName="Name13" presStyleLbl="parChTrans1D2" presStyleIdx="13" presStyleCnt="24"/>
       <dgm:spPr/>
     </dgm:pt>
     <dgm:pt modelId="{D062EF39-DAC3-2140-BDB2-1D18C68FB8BA}" type="pres">
-      <dgm:prSet presAssocID="{AC94164F-EF63-8944-AB99-37867A4A2754}" presName="childText" presStyleLbl="bgAcc1" presStyleIdx="8" presStyleCnt="19">
+      <dgm:prSet presAssocID="{AC94164F-EF63-8944-AB99-37867A4A2754}" presName="childText" presStyleLbl="bgAcc1" presStyleIdx="13" presStyleCnt="24">
         <dgm:presLayoutVars>
           <dgm:bulletEnabled val="1"/>
         </dgm:presLayoutVars>
@@ -2080,11 +2349,11 @@
       <dgm:spPr/>
     </dgm:pt>
     <dgm:pt modelId="{999A89F6-D06D-8948-BFEB-63BAC2CD1842}" type="pres">
-      <dgm:prSet presAssocID="{2E464FC8-372B-0840-9C46-AC51F9DC237D}" presName="Name13" presStyleLbl="parChTrans1D2" presStyleIdx="9" presStyleCnt="19"/>
+      <dgm:prSet presAssocID="{2E464FC8-372B-0840-9C46-AC51F9DC237D}" presName="Name13" presStyleLbl="parChTrans1D2" presStyleIdx="14" presStyleCnt="24"/>
       <dgm:spPr/>
     </dgm:pt>
     <dgm:pt modelId="{790F802C-CF3A-AC42-BDC8-AA98AE54F2C0}" type="pres">
-      <dgm:prSet presAssocID="{022103AC-4018-754D-963C-B499051EFBD4}" presName="childText" presStyleLbl="bgAcc1" presStyleIdx="9" presStyleCnt="19">
+      <dgm:prSet presAssocID="{022103AC-4018-754D-963C-B499051EFBD4}" presName="childText" presStyleLbl="bgAcc1" presStyleIdx="14" presStyleCnt="24">
         <dgm:presLayoutVars>
           <dgm:bulletEnabled val="1"/>
         </dgm:presLayoutVars>
@@ -2092,11 +2361,11 @@
       <dgm:spPr/>
     </dgm:pt>
     <dgm:pt modelId="{A785FC01-3D4C-D74E-9B94-73FB2BCCB0DE}" type="pres">
-      <dgm:prSet presAssocID="{76A8FD56-8E3F-D345-8378-2FEB0F3F5A1B}" presName="Name13" presStyleLbl="parChTrans1D2" presStyleIdx="10" presStyleCnt="19"/>
+      <dgm:prSet presAssocID="{76A8FD56-8E3F-D345-8378-2FEB0F3F5A1B}" presName="Name13" presStyleLbl="parChTrans1D2" presStyleIdx="15" presStyleCnt="24"/>
       <dgm:spPr/>
     </dgm:pt>
     <dgm:pt modelId="{FB581FAE-4DD0-6046-B963-E5390C8095FF}" type="pres">
-      <dgm:prSet presAssocID="{A82CACC5-F42E-064B-8E44-8B9A88624D91}" presName="childText" presStyleLbl="bgAcc1" presStyleIdx="10" presStyleCnt="19">
+      <dgm:prSet presAssocID="{A82CACC5-F42E-064B-8E44-8B9A88624D91}" presName="childText" presStyleLbl="bgAcc1" presStyleIdx="15" presStyleCnt="24">
         <dgm:presLayoutVars>
           <dgm:bulletEnabled val="1"/>
         </dgm:presLayoutVars>
@@ -2124,11 +2393,11 @@
       <dgm:spPr/>
     </dgm:pt>
     <dgm:pt modelId="{0EB9291A-2FC5-AF4E-A7DC-0C56AD37184D}" type="pres">
-      <dgm:prSet presAssocID="{C1E20CDE-4D7D-574E-8B98-EEBFB9DC0575}" presName="Name13" presStyleLbl="parChTrans1D2" presStyleIdx="11" presStyleCnt="19"/>
+      <dgm:prSet presAssocID="{C1E20CDE-4D7D-574E-8B98-EEBFB9DC0575}" presName="Name13" presStyleLbl="parChTrans1D2" presStyleIdx="16" presStyleCnt="24"/>
       <dgm:spPr/>
     </dgm:pt>
     <dgm:pt modelId="{9DC8DFF7-5DC9-5349-B7E6-4A8ADC2EE825}" type="pres">
-      <dgm:prSet presAssocID="{581C3FA8-5094-734C-A750-7E3C676F4D38}" presName="childText" presStyleLbl="bgAcc1" presStyleIdx="11" presStyleCnt="19">
+      <dgm:prSet presAssocID="{581C3FA8-5094-734C-A750-7E3C676F4D38}" presName="childText" presStyleLbl="bgAcc1" presStyleIdx="16" presStyleCnt="24">
         <dgm:presLayoutVars>
           <dgm:bulletEnabled val="1"/>
         </dgm:presLayoutVars>
@@ -2136,30 +2405,23 @@
       <dgm:spPr/>
     </dgm:pt>
     <dgm:pt modelId="{55A9E830-5180-9245-B419-D704E253EB8D}" type="pres">
-      <dgm:prSet presAssocID="{7BAA9D93-6076-1343-865C-57642284A013}" presName="Name13" presStyleLbl="parChTrans1D2" presStyleIdx="12" presStyleCnt="19"/>
+      <dgm:prSet presAssocID="{7BAA9D93-6076-1343-865C-57642284A013}" presName="Name13" presStyleLbl="parChTrans1D2" presStyleIdx="17" presStyleCnt="24"/>
       <dgm:spPr/>
     </dgm:pt>
     <dgm:pt modelId="{EE0B15EE-A370-F14D-B2CE-AC4BF45DF5E3}" type="pres">
-      <dgm:prSet presAssocID="{E4974165-44D4-E343-B37A-06932FBD8C78}" presName="childText" presStyleLbl="bgAcc1" presStyleIdx="12" presStyleCnt="19">
+      <dgm:prSet presAssocID="{E4974165-44D4-E343-B37A-06932FBD8C78}" presName="childText" presStyleLbl="bgAcc1" presStyleIdx="17" presStyleCnt="24">
         <dgm:presLayoutVars>
           <dgm:bulletEnabled val="1"/>
         </dgm:presLayoutVars>
       </dgm:prSet>
       <dgm:spPr/>
-      <dgm:t>
-        <a:bodyPr/>
-        <a:lstStyle/>
-        <a:p>
-          <a:endParaRPr lang="sv-SE"/>
-        </a:p>
-      </dgm:t>
     </dgm:pt>
     <dgm:pt modelId="{7C3221A8-FE6C-8A44-A30C-ABC2FB33B0D1}" type="pres">
-      <dgm:prSet presAssocID="{350A6079-297C-044C-B7DC-7FB116CFBE24}" presName="Name13" presStyleLbl="parChTrans1D2" presStyleIdx="13" presStyleCnt="19"/>
+      <dgm:prSet presAssocID="{350A6079-297C-044C-B7DC-7FB116CFBE24}" presName="Name13" presStyleLbl="parChTrans1D2" presStyleIdx="18" presStyleCnt="24"/>
       <dgm:spPr/>
     </dgm:pt>
     <dgm:pt modelId="{A8A72C08-E272-1C4B-A67A-4AF5CBEADE6C}" type="pres">
-      <dgm:prSet presAssocID="{CED99F05-BCAE-EF45-A3E1-044495CA744A}" presName="childText" presStyleLbl="bgAcc1" presStyleIdx="13" presStyleCnt="19">
+      <dgm:prSet presAssocID="{CED99F05-BCAE-EF45-A3E1-044495CA744A}" presName="childText" presStyleLbl="bgAcc1" presStyleIdx="18" presStyleCnt="24">
         <dgm:presLayoutVars>
           <dgm:bulletEnabled val="1"/>
         </dgm:presLayoutVars>
@@ -2167,11 +2429,11 @@
       <dgm:spPr/>
     </dgm:pt>
     <dgm:pt modelId="{E4DF5847-9D80-BA4A-B9EA-744D6827D637}" type="pres">
-      <dgm:prSet presAssocID="{A7797738-648C-E84B-BEEA-E407527F6133}" presName="Name13" presStyleLbl="parChTrans1D2" presStyleIdx="14" presStyleCnt="19"/>
+      <dgm:prSet presAssocID="{A7797738-648C-E84B-BEEA-E407527F6133}" presName="Name13" presStyleLbl="parChTrans1D2" presStyleIdx="19" presStyleCnt="24"/>
       <dgm:spPr/>
     </dgm:pt>
     <dgm:pt modelId="{260D9F0C-556A-E54D-95B8-9FE74908E1AF}" type="pres">
-      <dgm:prSet presAssocID="{12D85FD8-D8E8-AB40-8D73-5FF52F46408E}" presName="childText" presStyleLbl="bgAcc1" presStyleIdx="14" presStyleCnt="19">
+      <dgm:prSet presAssocID="{12D85FD8-D8E8-AB40-8D73-5FF52F46408E}" presName="childText" presStyleLbl="bgAcc1" presStyleIdx="19" presStyleCnt="24">
         <dgm:presLayoutVars>
           <dgm:bulletEnabled val="1"/>
         </dgm:presLayoutVars>
@@ -2199,11 +2461,11 @@
       <dgm:spPr/>
     </dgm:pt>
     <dgm:pt modelId="{A2FB4E40-6805-9147-822B-0F18CE1F2DA3}" type="pres">
-      <dgm:prSet presAssocID="{9EA4F0D8-AFB8-9C4F-AD38-D863EB144B49}" presName="Name13" presStyleLbl="parChTrans1D2" presStyleIdx="15" presStyleCnt="19"/>
+      <dgm:prSet presAssocID="{9EA4F0D8-AFB8-9C4F-AD38-D863EB144B49}" presName="Name13" presStyleLbl="parChTrans1D2" presStyleIdx="20" presStyleCnt="24"/>
       <dgm:spPr/>
     </dgm:pt>
     <dgm:pt modelId="{DBA91A91-B818-024E-BFD5-B77629F9E05E}" type="pres">
-      <dgm:prSet presAssocID="{1C2BF606-7889-884D-B2C3-8F4329B41B6F}" presName="childText" presStyleLbl="bgAcc1" presStyleIdx="15" presStyleCnt="19">
+      <dgm:prSet presAssocID="{1C2BF606-7889-884D-B2C3-8F4329B41B6F}" presName="childText" presStyleLbl="bgAcc1" presStyleIdx="20" presStyleCnt="24">
         <dgm:presLayoutVars>
           <dgm:bulletEnabled val="1"/>
         </dgm:presLayoutVars>
@@ -2211,11 +2473,11 @@
       <dgm:spPr/>
     </dgm:pt>
     <dgm:pt modelId="{60F5DC4F-591F-5E4D-B152-59F99353A982}" type="pres">
-      <dgm:prSet presAssocID="{E2B9DE80-792B-784C-AC7B-89F49D669051}" presName="Name13" presStyleLbl="parChTrans1D2" presStyleIdx="16" presStyleCnt="19"/>
+      <dgm:prSet presAssocID="{E2B9DE80-792B-784C-AC7B-89F49D669051}" presName="Name13" presStyleLbl="parChTrans1D2" presStyleIdx="21" presStyleCnt="24"/>
       <dgm:spPr/>
     </dgm:pt>
     <dgm:pt modelId="{6273F139-0EB5-B34A-A43D-3760CF98B48F}" type="pres">
-      <dgm:prSet presAssocID="{01EBFDE8-C378-7F4C-BD98-554284A0E5C9}" presName="childText" presStyleLbl="bgAcc1" presStyleIdx="16" presStyleCnt="19">
+      <dgm:prSet presAssocID="{01EBFDE8-C378-7F4C-BD98-554284A0E5C9}" presName="childText" presStyleLbl="bgAcc1" presStyleIdx="21" presStyleCnt="24">
         <dgm:presLayoutVars>
           <dgm:bulletEnabled val="1"/>
         </dgm:presLayoutVars>
@@ -2223,11 +2485,11 @@
       <dgm:spPr/>
     </dgm:pt>
     <dgm:pt modelId="{5B681BFB-1A66-6741-A8B8-2D3628CA9A62}" type="pres">
-      <dgm:prSet presAssocID="{1F97262F-6ACA-1540-A7D7-FBA3F6A00267}" presName="Name13" presStyleLbl="parChTrans1D2" presStyleIdx="17" presStyleCnt="19"/>
+      <dgm:prSet presAssocID="{1F97262F-6ACA-1540-A7D7-FBA3F6A00267}" presName="Name13" presStyleLbl="parChTrans1D2" presStyleIdx="22" presStyleCnt="24"/>
       <dgm:spPr/>
     </dgm:pt>
     <dgm:pt modelId="{58979EEC-3B5B-7345-81E9-57F17AB95FC4}" type="pres">
-      <dgm:prSet presAssocID="{90065FB4-1826-9C42-A95D-E5205B0D2A21}" presName="childText" presStyleLbl="bgAcc1" presStyleIdx="17" presStyleCnt="19">
+      <dgm:prSet presAssocID="{90065FB4-1826-9C42-A95D-E5205B0D2A21}" presName="childText" presStyleLbl="bgAcc1" presStyleIdx="22" presStyleCnt="24">
         <dgm:presLayoutVars>
           <dgm:bulletEnabled val="1"/>
         </dgm:presLayoutVars>
@@ -2235,11 +2497,11 @@
       <dgm:spPr/>
     </dgm:pt>
     <dgm:pt modelId="{AFCA6584-A1E7-C34D-B5E7-B2A61CD0DFE6}" type="pres">
-      <dgm:prSet presAssocID="{2689F9CB-6E19-B94F-B118-EE4267CE3DC1}" presName="Name13" presStyleLbl="parChTrans1D2" presStyleIdx="18" presStyleCnt="19"/>
+      <dgm:prSet presAssocID="{2689F9CB-6E19-B94F-B118-EE4267CE3DC1}" presName="Name13" presStyleLbl="parChTrans1D2" presStyleIdx="23" presStyleCnt="24"/>
       <dgm:spPr/>
     </dgm:pt>
     <dgm:pt modelId="{B7913CDF-40BE-4340-A439-C97A306A7920}" type="pres">
-      <dgm:prSet presAssocID="{E3D77634-0B74-7F49-AED8-EB4E87F0AE16}" presName="childText" presStyleLbl="bgAcc1" presStyleIdx="18" presStyleCnt="19">
+      <dgm:prSet presAssocID="{E3D77634-0B74-7F49-AED8-EB4E87F0AE16}" presName="childText" presStyleLbl="bgAcc1" presStyleIdx="23" presStyleCnt="24">
         <dgm:presLayoutVars>
           <dgm:bulletEnabled val="1"/>
         </dgm:presLayoutVars>
@@ -2248,79 +2510,94 @@
     </dgm:pt>
   </dgm:ptLst>
   <dgm:cxnLst>
+    <dgm:cxn modelId="{073C6200-7121-BD4E-89F1-7C8D1892113B}" type="presOf" srcId="{220F5BFE-174B-9B4B-A34D-0FB81B43AB04}" destId="{FF6E5BDC-A960-F24A-B954-4486C9D91F66}" srcOrd="0" destOrd="0" presId="urn:microsoft.com/office/officeart/2005/8/layout/hierarchy3"/>
+    <dgm:cxn modelId="{426E7902-CDB5-8A44-8A9A-C6CE3392222E}" srcId="{C3B3EE29-7650-D847-BF0E-56E004971D9E}" destId="{AC94164F-EF63-8944-AB99-37867A4A2754}" srcOrd="2" destOrd="0" parTransId="{220F5BFE-174B-9B4B-A34D-0FB81B43AB04}" sibTransId="{B4922AA5-0266-B54E-893C-2BEDBDF77259}"/>
     <dgm:cxn modelId="{7A182209-DCCE-DC41-AD18-B1C6E5068FBB}" type="presOf" srcId="{BC2F6A9C-7E11-8843-909C-7524AC24EF74}" destId="{599F2041-C41F-E94A-B236-37C277C718DA}" srcOrd="0" destOrd="0" presId="urn:microsoft.com/office/officeart/2005/8/layout/hierarchy3"/>
+    <dgm:cxn modelId="{B91E5B0A-04F3-FD47-88D8-E1DDE5C2D32F}" type="presOf" srcId="{CED99F05-BCAE-EF45-A3E1-044495CA744A}" destId="{A8A72C08-E272-1C4B-A67A-4AF5CBEADE6C}" srcOrd="0" destOrd="0" presId="urn:microsoft.com/office/officeart/2005/8/layout/hierarchy3"/>
+    <dgm:cxn modelId="{01A2D111-6E7C-CC40-9EBC-7B0DB789F14E}" srcId="{3B9DD3ED-2748-EF49-8D8F-59F1BD233C77}" destId="{E4974165-44D4-E343-B37A-06932FBD8C78}" srcOrd="1" destOrd="0" parTransId="{7BAA9D93-6076-1343-865C-57642284A013}" sibTransId="{AC86FD35-6CE2-8C43-AA63-2591EC75B29E}"/>
+    <dgm:cxn modelId="{B2628A15-729A-7849-917E-35FC40F0878A}" srcId="{BC2F6A9C-7E11-8843-909C-7524AC24EF74}" destId="{FEB5D11E-0C76-CD49-84C0-96785954A74E}" srcOrd="5" destOrd="0" parTransId="{4EE27A40-4DA3-EC4F-A858-1F16E3B08F09}" sibTransId="{248F0514-321E-AF4A-BB01-DEE7F8394C0C}"/>
+    <dgm:cxn modelId="{E5C5F216-6083-B24E-B64B-86AB45715D0B}" type="presOf" srcId="{5040CBB7-6B79-F347-8D96-8C21AABC535A}" destId="{8D712520-BFF8-344F-81A1-47936F22B863}" srcOrd="0" destOrd="0" presId="urn:microsoft.com/office/officeart/2005/8/layout/hierarchy3"/>
+    <dgm:cxn modelId="{96BBCF17-3F5F-E047-8996-7F5BEE83F214}" srcId="{AB2D4FFB-420B-3B48-A8DD-09165EDEA661}" destId="{E3D77634-0B74-7F49-AED8-EB4E87F0AE16}" srcOrd="3" destOrd="0" parTransId="{2689F9CB-6E19-B94F-B118-EE4267CE3DC1}" sibTransId="{C68287E1-1FAA-EA4B-8373-D4AD80277CD9}"/>
+    <dgm:cxn modelId="{DEE58B18-B376-E049-95D8-2AF669CFCB45}" srcId="{30F79B44-4175-0447-9B90-DC48F80634AA}" destId="{04504A01-5E2C-DD43-B58C-87F73E768EBD}" srcOrd="2" destOrd="0" parTransId="{B5B75E05-EF80-E747-9198-DF820A337C1F}" sibTransId="{4CD87961-0E8E-D442-AC26-753C370EA560}"/>
+    <dgm:cxn modelId="{FE700C19-B1A9-FB4E-BE86-C63F81D8D851}" srcId="{8C9E4BFF-CAB2-CA4B-AC38-169F97ACE085}" destId="{3B9DD3ED-2748-EF49-8D8F-59F1BD233C77}" srcOrd="3" destOrd="0" parTransId="{5451993E-F53E-8641-923A-5B03E2891BF3}" sibTransId="{64FC6623-249D-4043-9F64-66BAE1C720A8}"/>
+    <dgm:cxn modelId="{776D781A-0E29-BE47-B9BD-CF3B8A7848C9}" type="presOf" srcId="{95879CAB-8A88-894F-9319-DC3D9D078ECF}" destId="{BF27FAB3-9E94-E24B-9966-C37C7445823C}" srcOrd="0" destOrd="0" presId="urn:microsoft.com/office/officeart/2005/8/layout/hierarchy3"/>
+    <dgm:cxn modelId="{8654E01E-23C4-4148-8F99-C9A927235C86}" type="presOf" srcId="{FEB5D11E-0C76-CD49-84C0-96785954A74E}" destId="{12F036F6-A08F-BA46-BC3F-774A645D2E58}" srcOrd="0" destOrd="0" presId="urn:microsoft.com/office/officeart/2005/8/layout/hierarchy3"/>
+    <dgm:cxn modelId="{CDED4B28-DEC3-AE4D-A22F-FB87BE18BEA9}" srcId="{8C9E4BFF-CAB2-CA4B-AC38-169F97ACE085}" destId="{AB2D4FFB-420B-3B48-A8DD-09165EDEA661}" srcOrd="4" destOrd="0" parTransId="{4ECB2C74-6544-2149-BE28-D0D712051E2A}" sibTransId="{CE84FCC2-0E78-7742-A72C-81A8AABCB49B}"/>
+    <dgm:cxn modelId="{AB4F9229-AC35-0943-862D-D010A82E02DF}" type="presOf" srcId="{36CFA267-AA87-4A47-9C3A-53814F772517}" destId="{AF2EA18F-48CE-E443-A344-701DBD5EC4A2}" srcOrd="0" destOrd="0" presId="urn:microsoft.com/office/officeart/2005/8/layout/hierarchy3"/>
+    <dgm:cxn modelId="{79CA182F-32AA-DA4D-AF0C-F1AC803060E9}" type="presOf" srcId="{B5B75E05-EF80-E747-9198-DF820A337C1F}" destId="{D703E236-A92B-2049-94C4-5A5BF4D4DC16}" srcOrd="0" destOrd="0" presId="urn:microsoft.com/office/officeart/2005/8/layout/hierarchy3"/>
+    <dgm:cxn modelId="{03657F31-1B6D-364D-B4A7-E287E4626D50}" type="presOf" srcId="{BC2F6A9C-7E11-8843-909C-7524AC24EF74}" destId="{3C079137-847C-034A-9689-46F4555D1345}" srcOrd="1" destOrd="0" presId="urn:microsoft.com/office/officeart/2005/8/layout/hierarchy3"/>
+    <dgm:cxn modelId="{A8878435-3AB3-7448-AA4A-21A3245DD394}" srcId="{AB2D4FFB-420B-3B48-A8DD-09165EDEA661}" destId="{01EBFDE8-C378-7F4C-BD98-554284A0E5C9}" srcOrd="1" destOrd="0" parTransId="{E2B9DE80-792B-784C-AC7B-89F49D669051}" sibTransId="{2AC0B513-8A8D-5343-89EF-BAD248A5EF44}"/>
+    <dgm:cxn modelId="{23909A36-88FD-944C-A7D8-DF6D693C852E}" type="presOf" srcId="{30F79B44-4175-0447-9B90-DC48F80634AA}" destId="{4C6483A4-C398-1447-8656-C8DB469EB102}" srcOrd="0" destOrd="0" presId="urn:microsoft.com/office/officeart/2005/8/layout/hierarchy3"/>
+    <dgm:cxn modelId="{82E5DA36-E4C7-0A4D-B56A-11233658528E}" type="presOf" srcId="{E4974165-44D4-E343-B37A-06932FBD8C78}" destId="{EE0B15EE-A370-F14D-B2CE-AC4BF45DF5E3}" srcOrd="0" destOrd="0" presId="urn:microsoft.com/office/officeart/2005/8/layout/hierarchy3"/>
+    <dgm:cxn modelId="{E3263737-FDEB-1F43-897D-CA63200C64E7}" type="presOf" srcId="{DB86642D-4804-CC40-BD23-A4F83DF5F0C5}" destId="{FA6C4AE9-1911-5845-9F25-DE14F676416A}" srcOrd="0" destOrd="0" presId="urn:microsoft.com/office/officeart/2005/8/layout/hierarchy3"/>
+    <dgm:cxn modelId="{DA3BBB37-7063-B54E-8448-ACFBD71D74A8}" type="presOf" srcId="{E2B9DE80-792B-784C-AC7B-89F49D669051}" destId="{60F5DC4F-591F-5E4D-B152-59F99353A982}" srcOrd="0" destOrd="0" presId="urn:microsoft.com/office/officeart/2005/8/layout/hierarchy3"/>
+    <dgm:cxn modelId="{9A211A38-717E-A244-A049-827C7EFE3F15}" type="presOf" srcId="{CD96CB7D-C792-5044-B256-0F69152057B2}" destId="{C7218F20-992C-144C-8D56-AADBEAC09C56}" srcOrd="0" destOrd="0" presId="urn:microsoft.com/office/officeart/2005/8/layout/hierarchy3"/>
+    <dgm:cxn modelId="{7845A438-4F09-E84C-9DF0-24A1E47492D8}" type="presOf" srcId="{D7AEA1F4-FA77-B54B-9ED6-705D81DCAE54}" destId="{D3375FEF-A746-3A43-86BD-F5C637F38C61}" srcOrd="0" destOrd="0" presId="urn:microsoft.com/office/officeart/2005/8/layout/hierarchy3"/>
+    <dgm:cxn modelId="{0E91F738-F012-4B46-82A9-0CC0C48D798C}" type="presOf" srcId="{FF2A1A52-F8A8-504F-884D-16CB55095D85}" destId="{9B120F63-1ED7-FC4E-8A4C-FA030E659E54}" srcOrd="0" destOrd="0" presId="urn:microsoft.com/office/officeart/2005/8/layout/hierarchy3"/>
+    <dgm:cxn modelId="{A84FBB3D-E797-5E44-B73B-7926030F8239}" type="presOf" srcId="{76A8FD56-8E3F-D345-8378-2FEB0F3F5A1B}" destId="{A785FC01-3D4C-D74E-9B94-73FB2BCCB0DE}" srcOrd="0" destOrd="0" presId="urn:microsoft.com/office/officeart/2005/8/layout/hierarchy3"/>
+    <dgm:cxn modelId="{33818D45-E053-0245-A7C1-63BAF7E1A7C8}" type="presOf" srcId="{1C2BF606-7889-884D-B2C3-8F4329B41B6F}" destId="{DBA91A91-B818-024E-BFD5-B77629F9E05E}" srcOrd="0" destOrd="0" presId="urn:microsoft.com/office/officeart/2005/8/layout/hierarchy3"/>
+    <dgm:cxn modelId="{1B9E4746-0D2F-454B-8F72-FD89BE4973F6}" type="presOf" srcId="{C1E20CDE-4D7D-574E-8B98-EEBFB9DC0575}" destId="{0EB9291A-2FC5-AF4E-A7DC-0C56AD37184D}" srcOrd="0" destOrd="0" presId="urn:microsoft.com/office/officeart/2005/8/layout/hierarchy3"/>
+    <dgm:cxn modelId="{BACA4A4A-3B85-4545-A8FE-B47735B0CA0D}" type="presOf" srcId="{DCA3CA39-85A7-3D45-9EC0-A49266F95969}" destId="{AE72C6B8-52CF-5849-BE39-8F0F949C6428}" srcOrd="0" destOrd="0" presId="urn:microsoft.com/office/officeart/2005/8/layout/hierarchy3"/>
+    <dgm:cxn modelId="{200F874A-4A96-1744-A9AC-25D650945F92}" type="presOf" srcId="{4000708B-94D2-F948-A83E-5254B9BEE8BD}" destId="{2B674F63-6B85-374C-8604-07E24AFC8FF1}" srcOrd="0" destOrd="0" presId="urn:microsoft.com/office/officeart/2005/8/layout/hierarchy3"/>
+    <dgm:cxn modelId="{AC617B54-C499-AA40-9D90-81E18174F363}" type="presOf" srcId="{3B9DD3ED-2748-EF49-8D8F-59F1BD233C77}" destId="{51B69B03-36BA-1745-9EBC-3C5522849354}" srcOrd="1" destOrd="0" presId="urn:microsoft.com/office/officeart/2005/8/layout/hierarchy3"/>
+    <dgm:cxn modelId="{8D7F3960-5DF8-1844-9B1F-1DB3F2E857ED}" srcId="{8C9E4BFF-CAB2-CA4B-AC38-169F97ACE085}" destId="{30F79B44-4175-0447-9B90-DC48F80634AA}" srcOrd="1" destOrd="0" parTransId="{E5A19938-299B-A84E-9871-2A3F83A8B3E2}" sibTransId="{62D51130-FAEC-8F48-9B75-34BB9D61EBF1}"/>
+    <dgm:cxn modelId="{2A4D186A-1E8F-AB47-80F2-AB5536D3D539}" type="presOf" srcId="{04504A01-5E2C-DD43-B58C-87F73E768EBD}" destId="{054436DC-02A9-5043-9BB8-977BD5DF1A2F}" srcOrd="0" destOrd="0" presId="urn:microsoft.com/office/officeart/2005/8/layout/hierarchy3"/>
+    <dgm:cxn modelId="{E63BEF6F-1C76-7F4A-A954-95D6CBD4B417}" srcId="{30F79B44-4175-0447-9B90-DC48F80634AA}" destId="{95879CAB-8A88-894F-9319-DC3D9D078ECF}" srcOrd="3" destOrd="0" parTransId="{DCA3CA39-85A7-3D45-9EC0-A49266F95969}" sibTransId="{538182AB-42EF-F94D-8336-346BF33A0179}"/>
+    <dgm:cxn modelId="{E1EE1B77-1264-D94B-B976-60889EF510D3}" type="presOf" srcId="{022103AC-4018-754D-963C-B499051EFBD4}" destId="{790F802C-CF3A-AC42-BDC8-AA98AE54F2C0}" srcOrd="0" destOrd="0" presId="urn:microsoft.com/office/officeart/2005/8/layout/hierarchy3"/>
+    <dgm:cxn modelId="{7926F177-3C91-4445-886C-C13F1F16656F}" srcId="{30F79B44-4175-0447-9B90-DC48F80634AA}" destId="{4A7F969D-6F85-5F49-978D-8EDB2F3FCEDA}" srcOrd="1" destOrd="0" parTransId="{FD2CA399-C523-4A4E-90F8-D9BF87E7D3B3}" sibTransId="{5C27C758-4485-6A4E-B446-0381D4EF82FB}"/>
+    <dgm:cxn modelId="{27FA3378-192B-CB40-9643-5F6E19900AD2}" srcId="{BC2F6A9C-7E11-8843-909C-7524AC24EF74}" destId="{9611D7BD-160F-6B4C-9F1C-BBF6975FA83B}" srcOrd="3" destOrd="0" parTransId="{9CAFFB22-4C5F-314C-98B7-10FE901D2124}" sibTransId="{D6B9F117-D1A7-B14E-8170-4EAD6B0F0B35}"/>
+    <dgm:cxn modelId="{0F960C79-58A4-954A-B5D3-E5867F8FA9DA}" srcId="{C3B3EE29-7650-D847-BF0E-56E004971D9E}" destId="{5040CBB7-6B79-F347-8D96-8C21AABC535A}" srcOrd="1" destOrd="0" parTransId="{CD96CB7D-C792-5044-B256-0F69152057B2}" sibTransId="{8BE3A325-8F2E-144B-B52F-52BECA564182}"/>
+    <dgm:cxn modelId="{5B0E9879-B7EE-7F43-836A-334013F207AF}" srcId="{3B9DD3ED-2748-EF49-8D8F-59F1BD233C77}" destId="{12D85FD8-D8E8-AB40-8D73-5FF52F46408E}" srcOrd="3" destOrd="0" parTransId="{A7797738-648C-E84B-BEEA-E407527F6133}" sibTransId="{A6A5AB42-BED2-ED45-9D42-0F81DC3AFC99}"/>
+    <dgm:cxn modelId="{AFCD207A-4850-7249-81F7-2663E8A62E60}" type="presOf" srcId="{581C3FA8-5094-734C-A750-7E3C676F4D38}" destId="{9DC8DFF7-5DC9-5349-B7E6-4A8ADC2EE825}" srcOrd="0" destOrd="0" presId="urn:microsoft.com/office/officeart/2005/8/layout/hierarchy3"/>
+    <dgm:cxn modelId="{7C8CC17D-A930-8A4F-B8DF-A6089AACB3B5}" type="presOf" srcId="{3B9DD3ED-2748-EF49-8D8F-59F1BD233C77}" destId="{CA79BDC7-9524-9D4A-8350-EEF56E4E5D3E}" srcOrd="0" destOrd="0" presId="urn:microsoft.com/office/officeart/2005/8/layout/hierarchy3"/>
+    <dgm:cxn modelId="{195E497E-29DE-C34D-9C91-55395ED6805E}" type="presOf" srcId="{C3B3EE29-7650-D847-BF0E-56E004971D9E}" destId="{7991F218-6410-894C-AACB-8A4F29049695}" srcOrd="1" destOrd="0" presId="urn:microsoft.com/office/officeart/2005/8/layout/hierarchy3"/>
+    <dgm:cxn modelId="{2DB43B80-02D7-CC4C-9B3A-244D18559EF5}" type="presOf" srcId="{2E464FC8-372B-0840-9C46-AC51F9DC237D}" destId="{999A89F6-D06D-8948-BFEB-63BAC2CD1842}" srcOrd="0" destOrd="0" presId="urn:microsoft.com/office/officeart/2005/8/layout/hierarchy3"/>
+    <dgm:cxn modelId="{7A2E1986-F470-0140-A31D-DFB38D7AAB54}" srcId="{3B9DD3ED-2748-EF49-8D8F-59F1BD233C77}" destId="{581C3FA8-5094-734C-A750-7E3C676F4D38}" srcOrd="0" destOrd="0" parTransId="{C1E20CDE-4D7D-574E-8B98-EEBFB9DC0575}" sibTransId="{492102E2-3E9D-2248-A643-9AA0881552EC}"/>
+    <dgm:cxn modelId="{C2C02586-AC9A-284B-BD08-5396A1252FF8}" type="presOf" srcId="{4796CC2A-072E-3B48-B1CE-3CEA109564D7}" destId="{E86BDBCE-28FF-1442-A35E-A17F0344C8AB}" srcOrd="0" destOrd="0" presId="urn:microsoft.com/office/officeart/2005/8/layout/hierarchy3"/>
+    <dgm:cxn modelId="{4C626388-66EE-0D44-9AA4-31463C7A286A}" srcId="{BC2F6A9C-7E11-8843-909C-7524AC24EF74}" destId="{5C07CFB4-FDE9-D440-8D99-0CFF4867CA9C}" srcOrd="1" destOrd="0" parTransId="{36CFA267-AA87-4A47-9C3A-53814F772517}" sibTransId="{E6B8325C-34E9-C84E-98AE-252E016ADE0E}"/>
+    <dgm:cxn modelId="{138D2E8A-A7DE-C749-B256-255F837C9B26}" srcId="{8C9E4BFF-CAB2-CA4B-AC38-169F97ACE085}" destId="{BC2F6A9C-7E11-8843-909C-7524AC24EF74}" srcOrd="0" destOrd="0" parTransId="{E74EE543-CA04-F145-8C2C-973726CF888D}" sibTransId="{304072C6-D50F-E241-9949-5D2E6D6A45A6}"/>
+    <dgm:cxn modelId="{CB22B68A-0F99-114A-9ADF-91121AC92E8A}" type="presOf" srcId="{30F79B44-4175-0447-9B90-DC48F80634AA}" destId="{E2EAF38F-076D-D24F-87D9-BF7AEC7F2E3A}" srcOrd="1" destOrd="0" presId="urn:microsoft.com/office/officeart/2005/8/layout/hierarchy3"/>
+    <dgm:cxn modelId="{0C6F8F8C-0AA2-EF4B-B096-7957FD8C381A}" srcId="{BC2F6A9C-7E11-8843-909C-7524AC24EF74}" destId="{D7AEA1F4-FA77-B54B-9ED6-705D81DCAE54}" srcOrd="2" destOrd="0" parTransId="{4000708B-94D2-F948-A83E-5254B9BEE8BD}" sibTransId="{D8B8DE09-3249-7F4C-BE28-AB28A212B94F}"/>
+    <dgm:cxn modelId="{217EE38C-1B2E-4443-871C-0A6E2C1C8F6D}" type="presOf" srcId="{6B033119-D868-E847-9A36-49EE32C4D92D}" destId="{AAF27C23-627A-714A-8558-F43E4B9B12E1}" srcOrd="0" destOrd="0" presId="urn:microsoft.com/office/officeart/2005/8/layout/hierarchy3"/>
+    <dgm:cxn modelId="{24251D92-B672-7444-B075-B0227E298B2C}" srcId="{3B9DD3ED-2748-EF49-8D8F-59F1BD233C77}" destId="{CED99F05-BCAE-EF45-A3E1-044495CA744A}" srcOrd="2" destOrd="0" parTransId="{350A6079-297C-044C-B7DC-7FB116CFBE24}" sibTransId="{5A17B6A8-ABA5-1744-92DE-4DD865BC83EA}"/>
+    <dgm:cxn modelId="{DADF3893-6A10-134F-A55C-69EDB8BFDDD2}" type="presOf" srcId="{E3D77634-0B74-7F49-AED8-EB4E87F0AE16}" destId="{B7913CDF-40BE-4340-A439-C97A306A7920}" srcOrd="0" destOrd="0" presId="urn:microsoft.com/office/officeart/2005/8/layout/hierarchy3"/>
+    <dgm:cxn modelId="{89E42E94-887B-6648-B120-F09C1C1859CF}" type="presOf" srcId="{8C9E4BFF-CAB2-CA4B-AC38-169F97ACE085}" destId="{433D4762-2E07-5742-ACA9-3719AED32337}" srcOrd="0" destOrd="0" presId="urn:microsoft.com/office/officeart/2005/8/layout/hierarchy3"/>
+    <dgm:cxn modelId="{15DD5196-72B1-2E40-8F57-E63A4FD18BE9}" srcId="{C3B3EE29-7650-D847-BF0E-56E004971D9E}" destId="{022103AC-4018-754D-963C-B499051EFBD4}" srcOrd="3" destOrd="0" parTransId="{2E464FC8-372B-0840-9C46-AC51F9DC237D}" sibTransId="{414A506F-D213-4341-87DB-6C6716CA128A}"/>
     <dgm:cxn modelId="{84E04D9C-ED46-5647-B55C-A250275DA983}" type="presOf" srcId="{350A6079-297C-044C-B7DC-7FB116CFBE24}" destId="{7C3221A8-FE6C-8A44-A30C-ABC2FB33B0D1}" srcOrd="0" destOrd="0" presId="urn:microsoft.com/office/officeart/2005/8/layout/hierarchy3"/>
+    <dgm:cxn modelId="{8646569E-B9E0-1945-80EF-FA696F17A476}" type="presOf" srcId="{69269003-88C9-1E45-86D9-81A038AB06BB}" destId="{847A49F8-2D89-9044-B496-3261551FA8D4}" srcOrd="0" destOrd="0" presId="urn:microsoft.com/office/officeart/2005/8/layout/hierarchy3"/>
+    <dgm:cxn modelId="{34CDE49E-536A-0A48-9AEE-5AC06C860CF5}" srcId="{C3B3EE29-7650-D847-BF0E-56E004971D9E}" destId="{A82CACC5-F42E-064B-8E44-8B9A88624D91}" srcOrd="4" destOrd="0" parTransId="{76A8FD56-8E3F-D345-8378-2FEB0F3F5A1B}" sibTransId="{2D96D299-61EF-9F48-8B12-BD717D02CA9A}"/>
+    <dgm:cxn modelId="{C6EBF69F-0BE3-5445-8819-803C9EA67451}" srcId="{AB2D4FFB-420B-3B48-A8DD-09165EDEA661}" destId="{90065FB4-1826-9C42-A95D-E5205B0D2A21}" srcOrd="2" destOrd="0" parTransId="{1F97262F-6ACA-1540-A7D7-FBA3F6A00267}" sibTransId="{3CC6AE1A-D232-654F-A902-07177FE8D332}"/>
+    <dgm:cxn modelId="{CBDFF7A2-0143-DC4A-BD33-988D6582C571}" type="presOf" srcId="{95C153EA-CEC5-8E46-BDD0-FF1F5F5D8946}" destId="{4286BA54-4F69-D546-AF73-7A636A163BB1}" srcOrd="0" destOrd="0" presId="urn:microsoft.com/office/officeart/2005/8/layout/hierarchy3"/>
+    <dgm:cxn modelId="{B7E78BA4-3BC6-004E-96D3-57E46EB9D30A}" type="presOf" srcId="{AC94164F-EF63-8944-AB99-37867A4A2754}" destId="{D062EF39-DAC3-2140-BDB2-1D18C68FB8BA}" srcOrd="0" destOrd="0" presId="urn:microsoft.com/office/officeart/2005/8/layout/hierarchy3"/>
+    <dgm:cxn modelId="{38E032A6-DB6B-ED44-9819-328699F96936}" srcId="{BC2F6A9C-7E11-8843-909C-7524AC24EF74}" destId="{6B033119-D868-E847-9A36-49EE32C4D92D}" srcOrd="0" destOrd="0" parTransId="{4796CC2A-072E-3B48-B1CE-3CEA109564D7}" sibTransId="{5BE100CC-4AF5-F242-B20F-5EC8D82C6022}"/>
+    <dgm:cxn modelId="{76DD47A8-2FBA-DF45-90D3-0B90E9DCBD0E}" type="presOf" srcId="{1F97262F-6ACA-1540-A7D7-FBA3F6A00267}" destId="{5B681BFB-1A66-6741-A8B8-2D3628CA9A62}" srcOrd="0" destOrd="0" presId="urn:microsoft.com/office/officeart/2005/8/layout/hierarchy3"/>
+    <dgm:cxn modelId="{54446EAC-A41A-F34B-84FA-F2BF62FE8AD4}" type="presOf" srcId="{4EE27A40-4DA3-EC4F-A858-1F16E3B08F09}" destId="{20B66D0F-B2DB-BB41-B4FA-F8017FD33F43}" srcOrd="0" destOrd="0" presId="urn:microsoft.com/office/officeart/2005/8/layout/hierarchy3"/>
+    <dgm:cxn modelId="{C38EC5AC-9DB8-514F-A063-AEAABE5187AA}" type="presOf" srcId="{AB2D4FFB-420B-3B48-A8DD-09165EDEA661}" destId="{706E8076-A3D6-5149-ACD8-9B0437D17472}" srcOrd="1" destOrd="0" presId="urn:microsoft.com/office/officeart/2005/8/layout/hierarchy3"/>
+    <dgm:cxn modelId="{55F604B0-56CA-C64F-B3A5-D0D514A25B1E}" type="presOf" srcId="{C3B3EE29-7650-D847-BF0E-56E004971D9E}" destId="{5A1B82EF-2272-0B4E-87A7-1F6DD399FF18}" srcOrd="0" destOrd="0" presId="urn:microsoft.com/office/officeart/2005/8/layout/hierarchy3"/>
+    <dgm:cxn modelId="{AB7883B2-721F-484A-B996-932B95CEC6BC}" type="presOf" srcId="{4A7F969D-6F85-5F49-978D-8EDB2F3FCEDA}" destId="{C898A761-BEEA-B648-B14B-06DEACEE0937}" srcOrd="0" destOrd="0" presId="urn:microsoft.com/office/officeart/2005/8/layout/hierarchy3"/>
+    <dgm:cxn modelId="{F78094B3-029B-734D-B2B3-0692BD59B355}" type="presOf" srcId="{AB2D4FFB-420B-3B48-A8DD-09165EDEA661}" destId="{B8A017BA-55B1-4447-A97A-4D5EC8FEBF7D}" srcOrd="0" destOrd="0" presId="urn:microsoft.com/office/officeart/2005/8/layout/hierarchy3"/>
+    <dgm:cxn modelId="{BD6AAFB6-3851-D045-9193-2118B5E4158E}" type="presOf" srcId="{A7797738-648C-E84B-BEEA-E407527F6133}" destId="{E4DF5847-9D80-BA4A-B9EA-744D6827D637}" srcOrd="0" destOrd="0" presId="urn:microsoft.com/office/officeart/2005/8/layout/hierarchy3"/>
+    <dgm:cxn modelId="{0CBC05C3-F4F7-3849-A54B-7A2E4A02B6B5}" type="presOf" srcId="{DDD61991-06ED-1545-BA21-EDD6F9D3A5AE}" destId="{677D1732-88D3-704D-9669-242C49F71D92}" srcOrd="0" destOrd="0" presId="urn:microsoft.com/office/officeart/2005/8/layout/hierarchy3"/>
+    <dgm:cxn modelId="{794F08C8-D380-FB40-8E71-F2C44EF205C0}" type="presOf" srcId="{2689F9CB-6E19-B94F-B118-EE4267CE3DC1}" destId="{AFCA6584-A1E7-C34D-B5E7-B2A61CD0DFE6}" srcOrd="0" destOrd="0" presId="urn:microsoft.com/office/officeart/2005/8/layout/hierarchy3"/>
+    <dgm:cxn modelId="{8A2C6FC9-B563-F849-8D39-D86AA44EA4C3}" type="presOf" srcId="{9CAFFB22-4C5F-314C-98B7-10FE901D2124}" destId="{D0BAF713-2902-7C45-9325-C4EB1F799036}" srcOrd="0" destOrd="0" presId="urn:microsoft.com/office/officeart/2005/8/layout/hierarchy3"/>
+    <dgm:cxn modelId="{64A752CA-7A14-CD43-B222-7B2D01B88A27}" type="presOf" srcId="{90065FB4-1826-9C42-A95D-E5205B0D2A21}" destId="{58979EEC-3B5B-7345-81E9-57F17AB95FC4}" srcOrd="0" destOrd="0" presId="urn:microsoft.com/office/officeart/2005/8/layout/hierarchy3"/>
     <dgm:cxn modelId="{C7A46ACB-F940-034C-9E36-ED24A0AEE97A}" type="presOf" srcId="{12D85FD8-D8E8-AB40-8D73-5FF52F46408E}" destId="{260D9F0C-556A-E54D-95B8-9FE74908E1AF}" srcOrd="0" destOrd="0" presId="urn:microsoft.com/office/officeart/2005/8/layout/hierarchy3"/>
-    <dgm:cxn modelId="{38E032A6-DB6B-ED44-9819-328699F96936}" srcId="{BC2F6A9C-7E11-8843-909C-7524AC24EF74}" destId="{6B033119-D868-E847-9A36-49EE32C4D92D}" srcOrd="0" destOrd="0" parTransId="{4796CC2A-072E-3B48-B1CE-3CEA109564D7}" sibTransId="{5BE100CC-4AF5-F242-B20F-5EC8D82C6022}"/>
+    <dgm:cxn modelId="{36B249CD-DCCC-244A-94C3-0857079FA123}" type="presOf" srcId="{5C07CFB4-FDE9-D440-8D99-0CFF4867CA9C}" destId="{BE803DC1-8420-A24D-9B4A-61E6035FC2A8}" srcOrd="0" destOrd="0" presId="urn:microsoft.com/office/officeart/2005/8/layout/hierarchy3"/>
+    <dgm:cxn modelId="{5206BAD1-4ABB-A147-88B5-DD79E07A84ED}" type="presOf" srcId="{9EA4F0D8-AFB8-9C4F-AD38-D863EB144B49}" destId="{A2FB4E40-6805-9147-822B-0F18CE1F2DA3}" srcOrd="0" destOrd="0" presId="urn:microsoft.com/office/officeart/2005/8/layout/hierarchy3"/>
     <dgm:cxn modelId="{78E0F2D9-66D1-6A4A-B2C4-CDDD36B5D65E}" srcId="{C3B3EE29-7650-D847-BF0E-56E004971D9E}" destId="{DB86642D-4804-CC40-BD23-A4F83DF5F0C5}" srcOrd="0" destOrd="0" parTransId="{69269003-88C9-1E45-86D9-81A038AB06BB}" sibTransId="{E32880CE-F665-C843-A53E-1A85189ECC70}"/>
-    <dgm:cxn modelId="{E5C5F216-6083-B24E-B64B-86AB45715D0B}" type="presOf" srcId="{5040CBB7-6B79-F347-8D96-8C21AABC535A}" destId="{8D712520-BFF8-344F-81A1-47936F22B863}" srcOrd="0" destOrd="0" presId="urn:microsoft.com/office/officeart/2005/8/layout/hierarchy3"/>
-    <dgm:cxn modelId="{FE700C19-B1A9-FB4E-BE86-C63F81D8D851}" srcId="{8C9E4BFF-CAB2-CA4B-AC38-169F97ACE085}" destId="{3B9DD3ED-2748-EF49-8D8F-59F1BD233C77}" srcOrd="3" destOrd="0" parTransId="{5451993E-F53E-8641-923A-5B03E2891BF3}" sibTransId="{64FC6623-249D-4043-9F64-66BAE1C720A8}"/>
-    <dgm:cxn modelId="{426E7902-CDB5-8A44-8A9A-C6CE3392222E}" srcId="{C3B3EE29-7650-D847-BF0E-56E004971D9E}" destId="{AC94164F-EF63-8944-AB99-37867A4A2754}" srcOrd="2" destOrd="0" parTransId="{220F5BFE-174B-9B4B-A34D-0FB81B43AB04}" sibTransId="{B4922AA5-0266-B54E-893C-2BEDBDF77259}"/>
-    <dgm:cxn modelId="{217EE38C-1B2E-4443-871C-0A6E2C1C8F6D}" type="presOf" srcId="{6B033119-D868-E847-9A36-49EE32C4D92D}" destId="{AAF27C23-627A-714A-8558-F43E4B9B12E1}" srcOrd="0" destOrd="0" presId="urn:microsoft.com/office/officeart/2005/8/layout/hierarchy3"/>
     <dgm:cxn modelId="{A4DF8CDF-AB75-DE41-B761-FA052C0EC3FF}" type="presOf" srcId="{01EBFDE8-C378-7F4C-BD98-554284A0E5C9}" destId="{6273F139-0EB5-B34A-A43D-3760CF98B48F}" srcOrd="0" destOrd="0" presId="urn:microsoft.com/office/officeart/2005/8/layout/hierarchy3"/>
-    <dgm:cxn modelId="{195E497E-29DE-C34D-9C91-55395ED6805E}" type="presOf" srcId="{C3B3EE29-7650-D847-BF0E-56E004971D9E}" destId="{7991F218-6410-894C-AACB-8A4F29049695}" srcOrd="1" destOrd="0" presId="urn:microsoft.com/office/officeart/2005/8/layout/hierarchy3"/>
-    <dgm:cxn modelId="{DEE58B18-B376-E049-95D8-2AF669CFCB45}" srcId="{30F79B44-4175-0447-9B90-DC48F80634AA}" destId="{04504A01-5E2C-DD43-B58C-87F73E768EBD}" srcOrd="2" destOrd="0" parTransId="{B5B75E05-EF80-E747-9198-DF820A337C1F}" sibTransId="{4CD87961-0E8E-D442-AC26-753C370EA560}"/>
-    <dgm:cxn modelId="{89E42E94-887B-6648-B120-F09C1C1859CF}" type="presOf" srcId="{8C9E4BFF-CAB2-CA4B-AC38-169F97ACE085}" destId="{433D4762-2E07-5742-ACA9-3719AED32337}" srcOrd="0" destOrd="0" presId="urn:microsoft.com/office/officeart/2005/8/layout/hierarchy3"/>
-    <dgm:cxn modelId="{34CDE49E-536A-0A48-9AEE-5AC06C860CF5}" srcId="{C3B3EE29-7650-D847-BF0E-56E004971D9E}" destId="{A82CACC5-F42E-064B-8E44-8B9A88624D91}" srcOrd="4" destOrd="0" parTransId="{76A8FD56-8E3F-D345-8378-2FEB0F3F5A1B}" sibTransId="{2D96D299-61EF-9F48-8B12-BD717D02CA9A}"/>
-    <dgm:cxn modelId="{7926F177-3C91-4445-886C-C13F1F16656F}" srcId="{30F79B44-4175-0447-9B90-DC48F80634AA}" destId="{4A7F969D-6F85-5F49-978D-8EDB2F3FCEDA}" srcOrd="1" destOrd="0" parTransId="{FD2CA399-C523-4A4E-90F8-D9BF87E7D3B3}" sibTransId="{5C27C758-4485-6A4E-B446-0381D4EF82FB}"/>
-    <dgm:cxn modelId="{C6EBF69F-0BE3-5445-8819-803C9EA67451}" srcId="{AB2D4FFB-420B-3B48-A8DD-09165EDEA661}" destId="{90065FB4-1826-9C42-A95D-E5205B0D2A21}" srcOrd="2" destOrd="0" parTransId="{1F97262F-6ACA-1540-A7D7-FBA3F6A00267}" sibTransId="{3CC6AE1A-D232-654F-A902-07177FE8D332}"/>
-    <dgm:cxn modelId="{2A4D186A-1E8F-AB47-80F2-AB5536D3D539}" type="presOf" srcId="{04504A01-5E2C-DD43-B58C-87F73E768EBD}" destId="{054436DC-02A9-5043-9BB8-977BD5DF1A2F}" srcOrd="0" destOrd="0" presId="urn:microsoft.com/office/officeart/2005/8/layout/hierarchy3"/>
-    <dgm:cxn modelId="{138D2E8A-A7DE-C749-B256-255F837C9B26}" srcId="{8C9E4BFF-CAB2-CA4B-AC38-169F97ACE085}" destId="{BC2F6A9C-7E11-8843-909C-7524AC24EF74}" srcOrd="0" destOrd="0" parTransId="{E74EE543-CA04-F145-8C2C-973726CF888D}" sibTransId="{304072C6-D50F-E241-9949-5D2E6D6A45A6}"/>
-    <dgm:cxn modelId="{F78094B3-029B-734D-B2B3-0692BD59B355}" type="presOf" srcId="{AB2D4FFB-420B-3B48-A8DD-09165EDEA661}" destId="{B8A017BA-55B1-4447-A97A-4D5EC8FEBF7D}" srcOrd="0" destOrd="0" presId="urn:microsoft.com/office/officeart/2005/8/layout/hierarchy3"/>
-    <dgm:cxn modelId="{03657F31-1B6D-364D-B4A7-E287E4626D50}" type="presOf" srcId="{BC2F6A9C-7E11-8843-909C-7524AC24EF74}" destId="{3C079137-847C-034A-9689-46F4555D1345}" srcOrd="1" destOrd="0" presId="urn:microsoft.com/office/officeart/2005/8/layout/hierarchy3"/>
+    <dgm:cxn modelId="{3F7261E0-331E-A44A-9217-60F0E407931F}" type="presOf" srcId="{3C6CF808-F7D1-7248-87C5-47DB610BB12D}" destId="{F6CAD6DE-90DE-DB46-AD21-F9A0EBF02119}" srcOrd="0" destOrd="0" presId="urn:microsoft.com/office/officeart/2005/8/layout/hierarchy3"/>
+    <dgm:cxn modelId="{1CEBADE3-AAAC-5548-96AA-6BE2E6A6FF63}" srcId="{AB2D4FFB-420B-3B48-A8DD-09165EDEA661}" destId="{1C2BF606-7889-884D-B2C3-8F4329B41B6F}" srcOrd="0" destOrd="0" parTransId="{9EA4F0D8-AFB8-9C4F-AD38-D863EB144B49}" sibTransId="{7A9877DE-B2C8-F94A-8A58-098ABE6B0B45}"/>
+    <dgm:cxn modelId="{E9DF8DE5-F15A-4B41-84B1-E70C161D30B1}" type="presOf" srcId="{A82CACC5-F42E-064B-8E44-8B9A88624D91}" destId="{FB581FAE-4DD0-6046-B963-E5390C8095FF}" srcOrd="0" destOrd="0" presId="urn:microsoft.com/office/officeart/2005/8/layout/hierarchy3"/>
+    <dgm:cxn modelId="{FA0E22E7-7321-A44B-A36A-855F96C2BAE5}" type="presOf" srcId="{FD2CA399-C523-4A4E-90F8-D9BF87E7D3B3}" destId="{DE746AC9-2AA2-414F-B619-959704074796}" srcOrd="0" destOrd="0" presId="urn:microsoft.com/office/officeart/2005/8/layout/hierarchy3"/>
     <dgm:cxn modelId="{DE95DFEC-24E5-A042-8EC2-D56A28F7A7D7}" srcId="{30F79B44-4175-0447-9B90-DC48F80634AA}" destId="{FF2A1A52-F8A8-504F-884D-16CB55095D85}" srcOrd="4" destOrd="0" parTransId="{DDD61991-06ED-1545-BA21-EDD6F9D3A5AE}" sibTransId="{F98D55F2-7ECB-9047-B3EC-CA9CBADD6D87}"/>
-    <dgm:cxn modelId="{01A2D111-6E7C-CC40-9EBC-7B0DB789F14E}" srcId="{3B9DD3ED-2748-EF49-8D8F-59F1BD233C77}" destId="{E4974165-44D4-E343-B37A-06932FBD8C78}" srcOrd="1" destOrd="0" parTransId="{7BAA9D93-6076-1343-865C-57642284A013}" sibTransId="{AC86FD35-6CE2-8C43-AA63-2591EC75B29E}"/>
-    <dgm:cxn modelId="{15DD5196-72B1-2E40-8F57-E63A4FD18BE9}" srcId="{C3B3EE29-7650-D847-BF0E-56E004971D9E}" destId="{022103AC-4018-754D-963C-B499051EFBD4}" srcOrd="3" destOrd="0" parTransId="{2E464FC8-372B-0840-9C46-AC51F9DC237D}" sibTransId="{414A506F-D213-4341-87DB-6C6716CA128A}"/>
-    <dgm:cxn modelId="{BD6AAFB6-3851-D045-9193-2118B5E4158E}" type="presOf" srcId="{A7797738-648C-E84B-BEEA-E407527F6133}" destId="{E4DF5847-9D80-BA4A-B9EA-744D6827D637}" srcOrd="0" destOrd="0" presId="urn:microsoft.com/office/officeart/2005/8/layout/hierarchy3"/>
-    <dgm:cxn modelId="{E63BEF6F-1C76-7F4A-A954-95D6CBD4B417}" srcId="{30F79B44-4175-0447-9B90-DC48F80634AA}" destId="{95879CAB-8A88-894F-9319-DC3D9D078ECF}" srcOrd="3" destOrd="0" parTransId="{DCA3CA39-85A7-3D45-9EC0-A49266F95969}" sibTransId="{538182AB-42EF-F94D-8336-346BF33A0179}"/>
+    <dgm:cxn modelId="{637E13EF-88EC-1341-97E0-0639D3EBFA0C}" srcId="{BC2F6A9C-7E11-8843-909C-7524AC24EF74}" destId="{3C6CF808-F7D1-7248-87C5-47DB610BB12D}" srcOrd="4" destOrd="0" parTransId="{937F2E90-D94B-C348-B85D-68ECD7125850}" sibTransId="{CCCFF032-27A1-4548-B300-4C9E932D5AC0}"/>
+    <dgm:cxn modelId="{95780AF1-5C49-7347-9588-80BE85ECA074}" type="presOf" srcId="{1BEB4DB2-F3AF-0948-A45F-7A3E4C5D3309}" destId="{AB3E1156-5BE7-A741-9F25-24C31315604D}" srcOrd="0" destOrd="0" presId="urn:microsoft.com/office/officeart/2005/8/layout/hierarchy3"/>
+    <dgm:cxn modelId="{8297BDF6-A8B4-3A4E-9588-1544C07E571A}" type="presOf" srcId="{937F2E90-D94B-C348-B85D-68ECD7125850}" destId="{2D713C32-8B29-D441-997A-39F81AD572C8}" srcOrd="0" destOrd="0" presId="urn:microsoft.com/office/officeart/2005/8/layout/hierarchy3"/>
+    <dgm:cxn modelId="{5C153BF9-BFFA-C34E-A312-30728C4D43FD}" type="presOf" srcId="{9611D7BD-160F-6B4C-9F1C-BBF6975FA83B}" destId="{907117EA-DA11-E341-B21F-67DD16B11776}" srcOrd="0" destOrd="0" presId="urn:microsoft.com/office/officeart/2005/8/layout/hierarchy3"/>
     <dgm:cxn modelId="{0CFD0CFC-F410-1346-B2AC-B7BF7F2D1B93}" type="presOf" srcId="{7BAA9D93-6076-1343-865C-57642284A013}" destId="{55A9E830-5180-9245-B419-D704E253EB8D}" srcOrd="0" destOrd="0" presId="urn:microsoft.com/office/officeart/2005/8/layout/hierarchy3"/>
-    <dgm:cxn modelId="{794F08C8-D380-FB40-8E71-F2C44EF205C0}" type="presOf" srcId="{2689F9CB-6E19-B94F-B118-EE4267CE3DC1}" destId="{AFCA6584-A1E7-C34D-B5E7-B2A61CD0DFE6}" srcOrd="0" destOrd="0" presId="urn:microsoft.com/office/officeart/2005/8/layout/hierarchy3"/>
-    <dgm:cxn modelId="{C2C02586-AC9A-284B-BD08-5396A1252FF8}" type="presOf" srcId="{4796CC2A-072E-3B48-B1CE-3CEA109564D7}" destId="{E86BDBCE-28FF-1442-A35E-A17F0344C8AB}" srcOrd="0" destOrd="0" presId="urn:microsoft.com/office/officeart/2005/8/layout/hierarchy3"/>
-    <dgm:cxn modelId="{24251D92-B672-7444-B075-B0227E298B2C}" srcId="{3B9DD3ED-2748-EF49-8D8F-59F1BD233C77}" destId="{CED99F05-BCAE-EF45-A3E1-044495CA744A}" srcOrd="2" destOrd="0" parTransId="{350A6079-297C-044C-B7DC-7FB116CFBE24}" sibTransId="{5A17B6A8-ABA5-1744-92DE-4DD865BC83EA}"/>
-    <dgm:cxn modelId="{1B9E4746-0D2F-454B-8F72-FD89BE4973F6}" type="presOf" srcId="{C1E20CDE-4D7D-574E-8B98-EEBFB9DC0575}" destId="{0EB9291A-2FC5-AF4E-A7DC-0C56AD37184D}" srcOrd="0" destOrd="0" presId="urn:microsoft.com/office/officeart/2005/8/layout/hierarchy3"/>
-    <dgm:cxn modelId="{64A752CA-7A14-CD43-B222-7B2D01B88A27}" type="presOf" srcId="{90065FB4-1826-9C42-A95D-E5205B0D2A21}" destId="{58979EEC-3B5B-7345-81E9-57F17AB95FC4}" srcOrd="0" destOrd="0" presId="urn:microsoft.com/office/officeart/2005/8/layout/hierarchy3"/>
-    <dgm:cxn modelId="{8D7F3960-5DF8-1844-9B1F-1DB3F2E857ED}" srcId="{8C9E4BFF-CAB2-CA4B-AC38-169F97ACE085}" destId="{30F79B44-4175-0447-9B90-DC48F80634AA}" srcOrd="1" destOrd="0" parTransId="{E5A19938-299B-A84E-9871-2A3F83A8B3E2}" sibTransId="{62D51130-FAEC-8F48-9B75-34BB9D61EBF1}"/>
-    <dgm:cxn modelId="{AFCD207A-4850-7249-81F7-2663E8A62E60}" type="presOf" srcId="{581C3FA8-5094-734C-A750-7E3C676F4D38}" destId="{9DC8DFF7-5DC9-5349-B7E6-4A8ADC2EE825}" srcOrd="0" destOrd="0" presId="urn:microsoft.com/office/officeart/2005/8/layout/hierarchy3"/>
-    <dgm:cxn modelId="{CDED4B28-DEC3-AE4D-A22F-FB87BE18BEA9}" srcId="{8C9E4BFF-CAB2-CA4B-AC38-169F97ACE085}" destId="{AB2D4FFB-420B-3B48-A8DD-09165EDEA661}" srcOrd="4" destOrd="0" parTransId="{4ECB2C74-6544-2149-BE28-D0D712051E2A}" sibTransId="{CE84FCC2-0E78-7742-A72C-81A8AABCB49B}"/>
-    <dgm:cxn modelId="{DA3BBB37-7063-B54E-8448-ACFBD71D74A8}" type="presOf" srcId="{E2B9DE80-792B-784C-AC7B-89F49D669051}" destId="{60F5DC4F-591F-5E4D-B152-59F99353A982}" srcOrd="0" destOrd="0" presId="urn:microsoft.com/office/officeart/2005/8/layout/hierarchy3"/>
     <dgm:cxn modelId="{249326FE-BDA2-4A4D-B2E2-64F64E930732}" srcId="{8C9E4BFF-CAB2-CA4B-AC38-169F97ACE085}" destId="{C3B3EE29-7650-D847-BF0E-56E004971D9E}" srcOrd="2" destOrd="0" parTransId="{DF3A4CCB-BB66-AE4C-AB6E-640F0A985BE5}" sibTransId="{A8D07737-9909-0A47-BBFF-A79E106B0DD2}"/>
-    <dgm:cxn modelId="{79CA182F-32AA-DA4D-AF0C-F1AC803060E9}" type="presOf" srcId="{B5B75E05-EF80-E747-9198-DF820A337C1F}" destId="{D703E236-A92B-2049-94C4-5A5BF4D4DC16}" srcOrd="0" destOrd="0" presId="urn:microsoft.com/office/officeart/2005/8/layout/hierarchy3"/>
-    <dgm:cxn modelId="{7C8CC17D-A930-8A4F-B8DF-A6089AACB3B5}" type="presOf" srcId="{3B9DD3ED-2748-EF49-8D8F-59F1BD233C77}" destId="{CA79BDC7-9524-9D4A-8350-EEF56E4E5D3E}" srcOrd="0" destOrd="0" presId="urn:microsoft.com/office/officeart/2005/8/layout/hierarchy3"/>
-    <dgm:cxn modelId="{E9DF8DE5-F15A-4B41-84B1-E70C161D30B1}" type="presOf" srcId="{A82CACC5-F42E-064B-8E44-8B9A88624D91}" destId="{FB581FAE-4DD0-6046-B963-E5390C8095FF}" srcOrd="0" destOrd="0" presId="urn:microsoft.com/office/officeart/2005/8/layout/hierarchy3"/>
-    <dgm:cxn modelId="{A8878435-3AB3-7448-AA4A-21A3245DD394}" srcId="{AB2D4FFB-420B-3B48-A8DD-09165EDEA661}" destId="{01EBFDE8-C378-7F4C-BD98-554284A0E5C9}" srcOrd="1" destOrd="0" parTransId="{E2B9DE80-792B-784C-AC7B-89F49D669051}" sibTransId="{2AC0B513-8A8D-5343-89EF-BAD248A5EF44}"/>
-    <dgm:cxn modelId="{AC617B54-C499-AA40-9D90-81E18174F363}" type="presOf" srcId="{3B9DD3ED-2748-EF49-8D8F-59F1BD233C77}" destId="{51B69B03-36BA-1745-9EBC-3C5522849354}" srcOrd="1" destOrd="0" presId="urn:microsoft.com/office/officeart/2005/8/layout/hierarchy3"/>
-    <dgm:cxn modelId="{AB7883B2-721F-484A-B996-932B95CEC6BC}" type="presOf" srcId="{4A7F969D-6F85-5F49-978D-8EDB2F3FCEDA}" destId="{C898A761-BEEA-B648-B14B-06DEACEE0937}" srcOrd="0" destOrd="0" presId="urn:microsoft.com/office/officeart/2005/8/layout/hierarchy3"/>
-    <dgm:cxn modelId="{776D781A-0E29-BE47-B9BD-CF3B8A7848C9}" type="presOf" srcId="{95879CAB-8A88-894F-9319-DC3D9D078ECF}" destId="{BF27FAB3-9E94-E24B-9966-C37C7445823C}" srcOrd="0" destOrd="0" presId="urn:microsoft.com/office/officeart/2005/8/layout/hierarchy3"/>
-    <dgm:cxn modelId="{23909A36-88FD-944C-A7D8-DF6D693C852E}" type="presOf" srcId="{30F79B44-4175-0447-9B90-DC48F80634AA}" destId="{4C6483A4-C398-1447-8656-C8DB469EB102}" srcOrd="0" destOrd="0" presId="urn:microsoft.com/office/officeart/2005/8/layout/hierarchy3"/>
-    <dgm:cxn modelId="{CBDFF7A2-0143-DC4A-BD33-988D6582C571}" type="presOf" srcId="{95C153EA-CEC5-8E46-BDD0-FF1F5F5D8946}" destId="{4286BA54-4F69-D546-AF73-7A636A163BB1}" srcOrd="0" destOrd="0" presId="urn:microsoft.com/office/officeart/2005/8/layout/hierarchy3"/>
-    <dgm:cxn modelId="{E3263737-FDEB-1F43-897D-CA63200C64E7}" type="presOf" srcId="{DB86642D-4804-CC40-BD23-A4F83DF5F0C5}" destId="{FA6C4AE9-1911-5845-9F25-DE14F676416A}" srcOrd="0" destOrd="0" presId="urn:microsoft.com/office/officeart/2005/8/layout/hierarchy3"/>
     <dgm:cxn modelId="{64DC8CFE-432B-F844-A453-028DEBDDD4F5}" srcId="{30F79B44-4175-0447-9B90-DC48F80634AA}" destId="{95C153EA-CEC5-8E46-BDD0-FF1F5F5D8946}" srcOrd="0" destOrd="0" parTransId="{1BEB4DB2-F3AF-0948-A45F-7A3E4C5D3309}" sibTransId="{38E8EBDC-F70C-3144-AFD4-0DC71818924B}"/>
-    <dgm:cxn modelId="{E1EE1B77-1264-D94B-B976-60889EF510D3}" type="presOf" srcId="{022103AC-4018-754D-963C-B499051EFBD4}" destId="{790F802C-CF3A-AC42-BDC8-AA98AE54F2C0}" srcOrd="0" destOrd="0" presId="urn:microsoft.com/office/officeart/2005/8/layout/hierarchy3"/>
-    <dgm:cxn modelId="{C38EC5AC-9DB8-514F-A063-AEAABE5187AA}" type="presOf" srcId="{AB2D4FFB-420B-3B48-A8DD-09165EDEA661}" destId="{706E8076-A3D6-5149-ACD8-9B0437D17472}" srcOrd="1" destOrd="0" presId="urn:microsoft.com/office/officeart/2005/8/layout/hierarchy3"/>
-    <dgm:cxn modelId="{B91E5B0A-04F3-FD47-88D8-E1DDE5C2D32F}" type="presOf" srcId="{CED99F05-BCAE-EF45-A3E1-044495CA744A}" destId="{A8A72C08-E272-1C4B-A67A-4AF5CBEADE6C}" srcOrd="0" destOrd="0" presId="urn:microsoft.com/office/officeart/2005/8/layout/hierarchy3"/>
-    <dgm:cxn modelId="{5B0E9879-B7EE-7F43-836A-334013F207AF}" srcId="{3B9DD3ED-2748-EF49-8D8F-59F1BD233C77}" destId="{12D85FD8-D8E8-AB40-8D73-5FF52F46408E}" srcOrd="3" destOrd="0" parTransId="{A7797738-648C-E84B-BEEA-E407527F6133}" sibTransId="{A6A5AB42-BED2-ED45-9D42-0F81DC3AFC99}"/>
-    <dgm:cxn modelId="{55F604B0-56CA-C64F-B3A5-D0D514A25B1E}" type="presOf" srcId="{C3B3EE29-7650-D847-BF0E-56E004971D9E}" destId="{5A1B82EF-2272-0B4E-87A7-1F6DD399FF18}" srcOrd="0" destOrd="0" presId="urn:microsoft.com/office/officeart/2005/8/layout/hierarchy3"/>
-    <dgm:cxn modelId="{FA0E22E7-7321-A44B-A36A-855F96C2BAE5}" type="presOf" srcId="{FD2CA399-C523-4A4E-90F8-D9BF87E7D3B3}" destId="{DE746AC9-2AA2-414F-B619-959704074796}" srcOrd="0" destOrd="0" presId="urn:microsoft.com/office/officeart/2005/8/layout/hierarchy3"/>
-    <dgm:cxn modelId="{1CEBADE3-AAAC-5548-96AA-6BE2E6A6FF63}" srcId="{AB2D4FFB-420B-3B48-A8DD-09165EDEA661}" destId="{1C2BF606-7889-884D-B2C3-8F4329B41B6F}" srcOrd="0" destOrd="0" parTransId="{9EA4F0D8-AFB8-9C4F-AD38-D863EB144B49}" sibTransId="{7A9877DE-B2C8-F94A-8A58-098ABE6B0B45}"/>
-    <dgm:cxn modelId="{0CBC05C3-F4F7-3849-A54B-7A2E4A02B6B5}" type="presOf" srcId="{DDD61991-06ED-1545-BA21-EDD6F9D3A5AE}" destId="{677D1732-88D3-704D-9669-242C49F71D92}" srcOrd="0" destOrd="0" presId="urn:microsoft.com/office/officeart/2005/8/layout/hierarchy3"/>
-    <dgm:cxn modelId="{96BBCF17-3F5F-E047-8996-7F5BEE83F214}" srcId="{AB2D4FFB-420B-3B48-A8DD-09165EDEA661}" destId="{E3D77634-0B74-7F49-AED8-EB4E87F0AE16}" srcOrd="3" destOrd="0" parTransId="{2689F9CB-6E19-B94F-B118-EE4267CE3DC1}" sibTransId="{C68287E1-1FAA-EA4B-8373-D4AD80277CD9}"/>
-    <dgm:cxn modelId="{0E91F738-F012-4B46-82A9-0CC0C48D798C}" type="presOf" srcId="{FF2A1A52-F8A8-504F-884D-16CB55095D85}" destId="{9B120F63-1ED7-FC4E-8A4C-FA030E659E54}" srcOrd="0" destOrd="0" presId="urn:microsoft.com/office/officeart/2005/8/layout/hierarchy3"/>
-    <dgm:cxn modelId="{8646569E-B9E0-1945-80EF-FA696F17A476}" type="presOf" srcId="{69269003-88C9-1E45-86D9-81A038AB06BB}" destId="{847A49F8-2D89-9044-B496-3261551FA8D4}" srcOrd="0" destOrd="0" presId="urn:microsoft.com/office/officeart/2005/8/layout/hierarchy3"/>
-    <dgm:cxn modelId="{5206BAD1-4ABB-A147-88B5-DD79E07A84ED}" type="presOf" srcId="{9EA4F0D8-AFB8-9C4F-AD38-D863EB144B49}" destId="{A2FB4E40-6805-9147-822B-0F18CE1F2DA3}" srcOrd="0" destOrd="0" presId="urn:microsoft.com/office/officeart/2005/8/layout/hierarchy3"/>
-    <dgm:cxn modelId="{0F960C79-58A4-954A-B5D3-E5867F8FA9DA}" srcId="{C3B3EE29-7650-D847-BF0E-56E004971D9E}" destId="{5040CBB7-6B79-F347-8D96-8C21AABC535A}" srcOrd="1" destOrd="0" parTransId="{CD96CB7D-C792-5044-B256-0F69152057B2}" sibTransId="{8BE3A325-8F2E-144B-B52F-52BECA564182}"/>
-    <dgm:cxn modelId="{CB22B68A-0F99-114A-9ADF-91121AC92E8A}" type="presOf" srcId="{30F79B44-4175-0447-9B90-DC48F80634AA}" destId="{E2EAF38F-076D-D24F-87D9-BF7AEC7F2E3A}" srcOrd="1" destOrd="0" presId="urn:microsoft.com/office/officeart/2005/8/layout/hierarchy3"/>
-    <dgm:cxn modelId="{9A211A38-717E-A244-A049-827C7EFE3F15}" type="presOf" srcId="{CD96CB7D-C792-5044-B256-0F69152057B2}" destId="{C7218F20-992C-144C-8D56-AADBEAC09C56}" srcOrd="0" destOrd="0" presId="urn:microsoft.com/office/officeart/2005/8/layout/hierarchy3"/>
-    <dgm:cxn modelId="{76DD47A8-2FBA-DF45-90D3-0B90E9DCBD0E}" type="presOf" srcId="{1F97262F-6ACA-1540-A7D7-FBA3F6A00267}" destId="{5B681BFB-1A66-6741-A8B8-2D3628CA9A62}" srcOrd="0" destOrd="0" presId="urn:microsoft.com/office/officeart/2005/8/layout/hierarchy3"/>
-    <dgm:cxn modelId="{7A2E1986-F470-0140-A31D-DFB38D7AAB54}" srcId="{3B9DD3ED-2748-EF49-8D8F-59F1BD233C77}" destId="{581C3FA8-5094-734C-A750-7E3C676F4D38}" srcOrd="0" destOrd="0" parTransId="{C1E20CDE-4D7D-574E-8B98-EEBFB9DC0575}" sibTransId="{492102E2-3E9D-2248-A643-9AA0881552EC}"/>
-    <dgm:cxn modelId="{073C6200-7121-BD4E-89F1-7C8D1892113B}" type="presOf" srcId="{220F5BFE-174B-9B4B-A34D-0FB81B43AB04}" destId="{FF6E5BDC-A960-F24A-B954-4486C9D91F66}" srcOrd="0" destOrd="0" presId="urn:microsoft.com/office/officeart/2005/8/layout/hierarchy3"/>
-    <dgm:cxn modelId="{A84FBB3D-E797-5E44-B73B-7926030F8239}" type="presOf" srcId="{76A8FD56-8E3F-D345-8378-2FEB0F3F5A1B}" destId="{A785FC01-3D4C-D74E-9B94-73FB2BCCB0DE}" srcOrd="0" destOrd="0" presId="urn:microsoft.com/office/officeart/2005/8/layout/hierarchy3"/>
-    <dgm:cxn modelId="{82E5DA36-E4C7-0A4D-B56A-11233658528E}" type="presOf" srcId="{E4974165-44D4-E343-B37A-06932FBD8C78}" destId="{EE0B15EE-A370-F14D-B2CE-AC4BF45DF5E3}" srcOrd="0" destOrd="0" presId="urn:microsoft.com/office/officeart/2005/8/layout/hierarchy3"/>
-    <dgm:cxn modelId="{95780AF1-5C49-7347-9588-80BE85ECA074}" type="presOf" srcId="{1BEB4DB2-F3AF-0948-A45F-7A3E4C5D3309}" destId="{AB3E1156-5BE7-A741-9F25-24C31315604D}" srcOrd="0" destOrd="0" presId="urn:microsoft.com/office/officeart/2005/8/layout/hierarchy3"/>
-    <dgm:cxn modelId="{33818D45-E053-0245-A7C1-63BAF7E1A7C8}" type="presOf" srcId="{1C2BF606-7889-884D-B2C3-8F4329B41B6F}" destId="{DBA91A91-B818-024E-BFD5-B77629F9E05E}" srcOrd="0" destOrd="0" presId="urn:microsoft.com/office/officeart/2005/8/layout/hierarchy3"/>
-    <dgm:cxn modelId="{DADF3893-6A10-134F-A55C-69EDB8BFDDD2}" type="presOf" srcId="{E3D77634-0B74-7F49-AED8-EB4E87F0AE16}" destId="{B7913CDF-40BE-4340-A439-C97A306A7920}" srcOrd="0" destOrd="0" presId="urn:microsoft.com/office/officeart/2005/8/layout/hierarchy3"/>
-    <dgm:cxn modelId="{2DB43B80-02D7-CC4C-9B3A-244D18559EF5}" type="presOf" srcId="{2E464FC8-372B-0840-9C46-AC51F9DC237D}" destId="{999A89F6-D06D-8948-BFEB-63BAC2CD1842}" srcOrd="0" destOrd="0" presId="urn:microsoft.com/office/officeart/2005/8/layout/hierarchy3"/>
-    <dgm:cxn modelId="{B7E78BA4-3BC6-004E-96D3-57E46EB9D30A}" type="presOf" srcId="{AC94164F-EF63-8944-AB99-37867A4A2754}" destId="{D062EF39-DAC3-2140-BDB2-1D18C68FB8BA}" srcOrd="0" destOrd="0" presId="urn:microsoft.com/office/officeart/2005/8/layout/hierarchy3"/>
-    <dgm:cxn modelId="{BACA4A4A-3B85-4545-A8FE-B47735B0CA0D}" type="presOf" srcId="{DCA3CA39-85A7-3D45-9EC0-A49266F95969}" destId="{AE72C6B8-52CF-5849-BE39-8F0F949C6428}" srcOrd="0" destOrd="0" presId="urn:microsoft.com/office/officeart/2005/8/layout/hierarchy3"/>
     <dgm:cxn modelId="{4FE3E477-70FD-094A-8897-7EAF996F7757}" type="presParOf" srcId="{433D4762-2E07-5742-ACA9-3719AED32337}" destId="{226D57C1-439F-8049-B9EE-BB4CC1B2BA0E}" srcOrd="0" destOrd="0" presId="urn:microsoft.com/office/officeart/2005/8/layout/hierarchy3"/>
     <dgm:cxn modelId="{90AB5E40-FD64-D44A-8269-47E2225DDA25}" type="presParOf" srcId="{226D57C1-439F-8049-B9EE-BB4CC1B2BA0E}" destId="{6E0D68F9-5B36-7C47-A238-634E6E8EDD0C}" srcOrd="0" destOrd="0" presId="urn:microsoft.com/office/officeart/2005/8/layout/hierarchy3"/>
     <dgm:cxn modelId="{AF88CE82-A2AD-2E4A-B04D-9A4B9EF48797}" type="presParOf" srcId="{6E0D68F9-5B36-7C47-A238-634E6E8EDD0C}" destId="{599F2041-C41F-E94A-B236-37C277C718DA}" srcOrd="0" destOrd="0" presId="urn:microsoft.com/office/officeart/2005/8/layout/hierarchy3"/>
@@ -2328,6 +2605,16 @@
     <dgm:cxn modelId="{EEE68082-84E3-484F-9442-3D28B7CC43FB}" type="presParOf" srcId="{226D57C1-439F-8049-B9EE-BB4CC1B2BA0E}" destId="{FF789B8E-20F0-9641-AAC8-D3B60800E88A}" srcOrd="1" destOrd="0" presId="urn:microsoft.com/office/officeart/2005/8/layout/hierarchy3"/>
     <dgm:cxn modelId="{351961A2-115A-DE41-9E7B-5C58552F5C06}" type="presParOf" srcId="{FF789B8E-20F0-9641-AAC8-D3B60800E88A}" destId="{E86BDBCE-28FF-1442-A35E-A17F0344C8AB}" srcOrd="0" destOrd="0" presId="urn:microsoft.com/office/officeart/2005/8/layout/hierarchy3"/>
     <dgm:cxn modelId="{86444368-825C-3F4E-BF5B-9DAA7F669B95}" type="presParOf" srcId="{FF789B8E-20F0-9641-AAC8-D3B60800E88A}" destId="{AAF27C23-627A-714A-8558-F43E4B9B12E1}" srcOrd="1" destOrd="0" presId="urn:microsoft.com/office/officeart/2005/8/layout/hierarchy3"/>
+    <dgm:cxn modelId="{03FD2209-3BB7-B34F-807D-CE5F275017AC}" type="presParOf" srcId="{FF789B8E-20F0-9641-AAC8-D3B60800E88A}" destId="{AF2EA18F-48CE-E443-A344-701DBD5EC4A2}" srcOrd="2" destOrd="0" presId="urn:microsoft.com/office/officeart/2005/8/layout/hierarchy3"/>
+    <dgm:cxn modelId="{1F5DB93C-D59E-A64A-9B47-DD985C87D438}" type="presParOf" srcId="{FF789B8E-20F0-9641-AAC8-D3B60800E88A}" destId="{BE803DC1-8420-A24D-9B4A-61E6035FC2A8}" srcOrd="3" destOrd="0" presId="urn:microsoft.com/office/officeart/2005/8/layout/hierarchy3"/>
+    <dgm:cxn modelId="{3C47CD0C-A609-3D41-83D5-2BC50D2C2980}" type="presParOf" srcId="{FF789B8E-20F0-9641-AAC8-D3B60800E88A}" destId="{2B674F63-6B85-374C-8604-07E24AFC8FF1}" srcOrd="4" destOrd="0" presId="urn:microsoft.com/office/officeart/2005/8/layout/hierarchy3"/>
+    <dgm:cxn modelId="{D958E0BE-C1F6-2A49-99AE-4A52C5A2DA2C}" type="presParOf" srcId="{FF789B8E-20F0-9641-AAC8-D3B60800E88A}" destId="{D3375FEF-A746-3A43-86BD-F5C637F38C61}" srcOrd="5" destOrd="0" presId="urn:microsoft.com/office/officeart/2005/8/layout/hierarchy3"/>
+    <dgm:cxn modelId="{6D5AF49A-73E8-E741-A166-D192DD913C5F}" type="presParOf" srcId="{FF789B8E-20F0-9641-AAC8-D3B60800E88A}" destId="{D0BAF713-2902-7C45-9325-C4EB1F799036}" srcOrd="6" destOrd="0" presId="urn:microsoft.com/office/officeart/2005/8/layout/hierarchy3"/>
+    <dgm:cxn modelId="{E3EA95B8-F0CB-224B-92BE-EDD3B50CABCB}" type="presParOf" srcId="{FF789B8E-20F0-9641-AAC8-D3B60800E88A}" destId="{907117EA-DA11-E341-B21F-67DD16B11776}" srcOrd="7" destOrd="0" presId="urn:microsoft.com/office/officeart/2005/8/layout/hierarchy3"/>
+    <dgm:cxn modelId="{050B54F4-0534-214D-B396-8FA97415F5BB}" type="presParOf" srcId="{FF789B8E-20F0-9641-AAC8-D3B60800E88A}" destId="{2D713C32-8B29-D441-997A-39F81AD572C8}" srcOrd="8" destOrd="0" presId="urn:microsoft.com/office/officeart/2005/8/layout/hierarchy3"/>
+    <dgm:cxn modelId="{A7E75945-FDD5-384B-8A64-493A55BE7936}" type="presParOf" srcId="{FF789B8E-20F0-9641-AAC8-D3B60800E88A}" destId="{F6CAD6DE-90DE-DB46-AD21-F9A0EBF02119}" srcOrd="9" destOrd="0" presId="urn:microsoft.com/office/officeart/2005/8/layout/hierarchy3"/>
+    <dgm:cxn modelId="{41EDE7A7-2AD0-0248-980B-0FAB38E7B421}" type="presParOf" srcId="{FF789B8E-20F0-9641-AAC8-D3B60800E88A}" destId="{20B66D0F-B2DB-BB41-B4FA-F8017FD33F43}" srcOrd="10" destOrd="0" presId="urn:microsoft.com/office/officeart/2005/8/layout/hierarchy3"/>
+    <dgm:cxn modelId="{CB753F7D-481B-8E47-9114-BDA5A89B70BC}" type="presParOf" srcId="{FF789B8E-20F0-9641-AAC8-D3B60800E88A}" destId="{12F036F6-A08F-BA46-BC3F-774A645D2E58}" srcOrd="11" destOrd="0" presId="urn:microsoft.com/office/officeart/2005/8/layout/hierarchy3"/>
     <dgm:cxn modelId="{69A018DF-3BC9-0543-ACDA-89D36EC87743}" type="presParOf" srcId="{433D4762-2E07-5742-ACA9-3719AED32337}" destId="{11B5191D-9A3C-3442-B2EA-8D6606FEEB9B}" srcOrd="1" destOrd="0" presId="urn:microsoft.com/office/officeart/2005/8/layout/hierarchy3"/>
     <dgm:cxn modelId="{1D8F54DC-72D6-BE4F-897B-82F8C365C7B0}" type="presParOf" srcId="{11B5191D-9A3C-3442-B2EA-8D6606FEEB9B}" destId="{9F20D259-8F4D-E440-B008-9BDF6067AB83}" srcOrd="0" destOrd="0" presId="urn:microsoft.com/office/officeart/2005/8/layout/hierarchy3"/>
     <dgm:cxn modelId="{7EEE3EE9-574C-5A49-A1F7-E94623CD2F48}" type="presParOf" srcId="{9F20D259-8F4D-E440-B008-9BDF6067AB83}" destId="{4C6483A4-C398-1447-8656-C8DB469EB102}" srcOrd="0" destOrd="0" presId="urn:microsoft.com/office/officeart/2005/8/layout/hierarchy3"/>
@@ -2410,8 +2697,8 @@
       </dsp:nvSpPr>
       <dsp:spPr>
         <a:xfrm>
-          <a:off x="7937" y="512795"/>
-          <a:ext cx="2706687" cy="1353343"/>
+          <a:off x="536388" y="4762"/>
+          <a:ext cx="2822637" cy="1411318"/>
         </a:xfrm>
         <a:prstGeom prst="roundRect">
           <a:avLst>
@@ -2421,7 +2708,7 @@
         <a:gradFill rotWithShape="0">
           <a:gsLst>
             <a:gs pos="0">
-              <a:schemeClr val="accent1">
+              <a:schemeClr val="accent3">
                 <a:hueOff val="0"/>
                 <a:satOff val="0"/>
                 <a:lumOff val="0"/>
@@ -2431,7 +2718,7 @@
               </a:schemeClr>
             </a:gs>
             <a:gs pos="100000">
-              <a:schemeClr val="accent1">
+              <a:schemeClr val="accent3">
                 <a:hueOff val="0"/>
                 <a:satOff val="0"/>
                 <a:lumOff val="0"/>
@@ -2469,12 +2756,12 @@
         </a:fontRef>
       </dsp:style>
       <dsp:txBody>
-        <a:bodyPr spcFirstLastPara="0" vert="horz" wrap="square" lIns="49530" tIns="33020" rIns="49530" bIns="33020" numCol="1" spcCol="1270" anchor="ctr" anchorCtr="0">
+        <a:bodyPr spcFirstLastPara="0" vert="horz" wrap="square" lIns="53340" tIns="35560" rIns="53340" bIns="35560" numCol="1" spcCol="1270" anchor="ctr" anchorCtr="0">
           <a:noAutofit/>
         </a:bodyPr>
         <a:lstStyle/>
         <a:p>
-          <a:pPr lvl="0" algn="ctr" defTabSz="1155700">
+          <a:pPr marL="0" lvl="0" indent="0" algn="ctr" defTabSz="1244600">
             <a:lnSpc>
               <a:spcPct val="90000"/>
             </a:lnSpc>
@@ -2484,17 +2771,18 @@
             <a:spcAft>
               <a:spcPct val="35000"/>
             </a:spcAft>
+            <a:buNone/>
           </a:pPr>
           <a:r>
-            <a:rPr lang="sv-SE" sz="2600" kern="1200" dirty="0" err="1" smtClean="0"/>
+            <a:rPr lang="sv-SE" sz="2800" kern="1200" dirty="0" err="1"/>
             <a:t>Decomposition</a:t>
           </a:r>
-          <a:endParaRPr lang="sv-SE" sz="2600" kern="1200" dirty="0"/>
+          <a:endParaRPr lang="sv-SE" sz="2800" kern="1200" dirty="0"/>
         </a:p>
       </dsp:txBody>
       <dsp:txXfrm>
-        <a:off x="47575" y="552433"/>
-        <a:ext cx="2627411" cy="1274067"/>
+        <a:off x="577724" y="46098"/>
+        <a:ext cx="2739965" cy="1328646"/>
       </dsp:txXfrm>
     </dsp:sp>
     <dsp:sp modelId="{E86BDBCE-28FF-1442-A35E-A17F0344C8AB}">
@@ -2504,8 +2792,8 @@
       </dsp:nvSpPr>
       <dsp:spPr>
         <a:xfrm>
-          <a:off x="278606" y="1866139"/>
-          <a:ext cx="270668" cy="1015007"/>
+          <a:off x="818652" y="1416081"/>
+          <a:ext cx="282263" cy="1058488"/>
         </a:xfrm>
         <a:custGeom>
           <a:avLst/>
@@ -2519,10 +2807,10 @@
                 <a:pt x="0" y="0"/>
               </a:moveTo>
               <a:lnTo>
-                <a:pt x="0" y="1015007"/>
+                <a:pt x="0" y="1058488"/>
               </a:lnTo>
               <a:lnTo>
-                <a:pt x="270668" y="1015007"/>
+                <a:pt x="282263" y="1058488"/>
               </a:lnTo>
             </a:path>
           </a:pathLst>
@@ -2530,7 +2818,7 @@
         <a:noFill/>
         <a:ln w="9525" cap="rnd" cmpd="sng" algn="ctr">
           <a:solidFill>
-            <a:schemeClr val="accent1">
+            <a:schemeClr val="accent3">
               <a:shade val="60000"/>
               <a:hueOff val="0"/>
               <a:satOff val="0"/>
@@ -2562,8 +2850,8 @@
       </dsp:nvSpPr>
       <dsp:spPr>
         <a:xfrm>
-          <a:off x="549275" y="2204475"/>
-          <a:ext cx="2165350" cy="1353343"/>
+          <a:off x="1100916" y="1768910"/>
+          <a:ext cx="2258109" cy="1411318"/>
         </a:xfrm>
         <a:prstGeom prst="roundRect">
           <a:avLst>
@@ -2581,7 +2869,7 @@
         </a:solidFill>
         <a:ln w="9525" cap="rnd" cmpd="sng" algn="ctr">
           <a:solidFill>
-            <a:schemeClr val="accent1">
+            <a:schemeClr val="accent3">
               <a:hueOff val="0"/>
               <a:satOff val="0"/>
               <a:lumOff val="0"/>
@@ -2605,12 +2893,12 @@
         <a:fontRef idx="minor"/>
       </dsp:style>
       <dsp:txBody>
-        <a:bodyPr spcFirstLastPara="0" vert="horz" wrap="square" lIns="45720" tIns="30480" rIns="45720" bIns="30480" numCol="1" spcCol="1270" anchor="ctr" anchorCtr="0">
+        <a:bodyPr spcFirstLastPara="0" vert="horz" wrap="square" lIns="47625" tIns="31750" rIns="47625" bIns="31750" numCol="1" spcCol="1270" anchor="ctr" anchorCtr="0">
           <a:noAutofit/>
         </a:bodyPr>
         <a:lstStyle/>
         <a:p>
-          <a:pPr lvl="0" algn="ctr" defTabSz="1066800">
+          <a:pPr marL="0" lvl="0" indent="0" algn="ctr" defTabSz="1111250">
             <a:lnSpc>
               <a:spcPct val="90000"/>
             </a:lnSpc>
@@ -2620,25 +2908,751 @@
             <a:spcAft>
               <a:spcPct val="35000"/>
             </a:spcAft>
+            <a:buNone/>
           </a:pPr>
           <a:r>
-            <a:rPr lang="sv-SE" sz="2400" kern="1200" dirty="0" err="1" smtClean="0"/>
+            <a:rPr lang="sv-SE" sz="2500" kern="1200" dirty="0" err="1"/>
             <a:t>Decompose</a:t>
           </a:r>
           <a:r>
-            <a:rPr lang="sv-SE" sz="2400" kern="1200" dirty="0" smtClean="0"/>
+            <a:rPr lang="sv-SE" sz="2500" kern="1200" dirty="0"/>
             <a:t> by business </a:t>
           </a:r>
           <a:r>
-            <a:rPr lang="sv-SE" sz="2400" kern="1200" dirty="0" err="1" smtClean="0"/>
+            <a:rPr lang="sv-SE" sz="2500" kern="1200" dirty="0" err="1"/>
             <a:t>capability</a:t>
           </a:r>
-          <a:endParaRPr lang="sv-SE" sz="2400" kern="1200" dirty="0"/>
+          <a:endParaRPr lang="sv-SE" sz="2500" kern="1200" dirty="0"/>
         </a:p>
       </dsp:txBody>
       <dsp:txXfrm>
-        <a:off x="588913" y="2244113"/>
-        <a:ext cx="2086074" cy="1274067"/>
+        <a:off x="1142252" y="1810246"/>
+        <a:ext cx="2175437" cy="1328646"/>
+      </dsp:txXfrm>
+    </dsp:sp>
+    <dsp:sp modelId="{AF2EA18F-48CE-E443-A344-701DBD5EC4A2}">
+      <dsp:nvSpPr>
+        <dsp:cNvPr id="0" name=""/>
+        <dsp:cNvSpPr/>
+      </dsp:nvSpPr>
+      <dsp:spPr>
+        <a:xfrm>
+          <a:off x="818652" y="1416081"/>
+          <a:ext cx="282263" cy="2822637"/>
+        </a:xfrm>
+        <a:custGeom>
+          <a:avLst/>
+          <a:gdLst/>
+          <a:ahLst/>
+          <a:cxnLst/>
+          <a:rect l="0" t="0" r="0" b="0"/>
+          <a:pathLst>
+            <a:path>
+              <a:moveTo>
+                <a:pt x="0" y="0"/>
+              </a:moveTo>
+              <a:lnTo>
+                <a:pt x="0" y="2822637"/>
+              </a:lnTo>
+              <a:lnTo>
+                <a:pt x="282263" y="2822637"/>
+              </a:lnTo>
+            </a:path>
+          </a:pathLst>
+        </a:custGeom>
+        <a:noFill/>
+        <a:ln w="9525" cap="rnd" cmpd="sng" algn="ctr">
+          <a:solidFill>
+            <a:schemeClr val="accent3">
+              <a:shade val="60000"/>
+              <a:hueOff val="0"/>
+              <a:satOff val="0"/>
+              <a:lumOff val="0"/>
+              <a:alphaOff val="0"/>
+            </a:schemeClr>
+          </a:solidFill>
+          <a:prstDash val="solid"/>
+        </a:ln>
+        <a:effectLst/>
+      </dsp:spPr>
+      <dsp:style>
+        <a:lnRef idx="1">
+          <a:scrgbClr r="0" g="0" b="0"/>
+        </a:lnRef>
+        <a:fillRef idx="0">
+          <a:scrgbClr r="0" g="0" b="0"/>
+        </a:fillRef>
+        <a:effectRef idx="0">
+          <a:scrgbClr r="0" g="0" b="0"/>
+        </a:effectRef>
+        <a:fontRef idx="minor"/>
+      </dsp:style>
+    </dsp:sp>
+    <dsp:sp modelId="{BE803DC1-8420-A24D-9B4A-61E6035FC2A8}">
+      <dsp:nvSpPr>
+        <dsp:cNvPr id="0" name=""/>
+        <dsp:cNvSpPr/>
+      </dsp:nvSpPr>
+      <dsp:spPr>
+        <a:xfrm>
+          <a:off x="1100916" y="3533059"/>
+          <a:ext cx="2258109" cy="1411318"/>
+        </a:xfrm>
+        <a:prstGeom prst="roundRect">
+          <a:avLst>
+            <a:gd name="adj" fmla="val 10000"/>
+          </a:avLst>
+        </a:prstGeom>
+        <a:solidFill>
+          <a:schemeClr val="lt1">
+            <a:alpha val="90000"/>
+            <a:hueOff val="0"/>
+            <a:satOff val="0"/>
+            <a:lumOff val="0"/>
+            <a:alphaOff val="0"/>
+          </a:schemeClr>
+        </a:solidFill>
+        <a:ln w="9525" cap="rnd" cmpd="sng" algn="ctr">
+          <a:solidFill>
+            <a:schemeClr val="accent3">
+              <a:hueOff val="0"/>
+              <a:satOff val="0"/>
+              <a:lumOff val="0"/>
+              <a:alphaOff val="0"/>
+            </a:schemeClr>
+          </a:solidFill>
+          <a:prstDash val="solid"/>
+        </a:ln>
+        <a:effectLst/>
+      </dsp:spPr>
+      <dsp:style>
+        <a:lnRef idx="1">
+          <a:scrgbClr r="0" g="0" b="0"/>
+        </a:lnRef>
+        <a:fillRef idx="1">
+          <a:scrgbClr r="0" g="0" b="0"/>
+        </a:fillRef>
+        <a:effectRef idx="0">
+          <a:scrgbClr r="0" g="0" b="0"/>
+        </a:effectRef>
+        <a:fontRef idx="minor"/>
+      </dsp:style>
+      <dsp:txBody>
+        <a:bodyPr spcFirstLastPara="0" vert="horz" wrap="square" lIns="47625" tIns="31750" rIns="47625" bIns="31750" numCol="1" spcCol="1270" anchor="ctr" anchorCtr="0">
+          <a:noAutofit/>
+        </a:bodyPr>
+        <a:lstStyle/>
+        <a:p>
+          <a:pPr marL="0" lvl="0" indent="0" algn="ctr" defTabSz="1111250">
+            <a:lnSpc>
+              <a:spcPct val="90000"/>
+            </a:lnSpc>
+            <a:spcBef>
+              <a:spcPct val="0"/>
+            </a:spcBef>
+            <a:spcAft>
+              <a:spcPct val="35000"/>
+            </a:spcAft>
+            <a:buNone/>
+          </a:pPr>
+          <a:r>
+            <a:rPr lang="sv-SE" sz="2500" kern="1200" dirty="0" err="1"/>
+            <a:t>Decompose</a:t>
+          </a:r>
+          <a:r>
+            <a:rPr lang="sv-SE" sz="2500" kern="1200" dirty="0"/>
+            <a:t> by </a:t>
+          </a:r>
+          <a:r>
+            <a:rPr lang="sv-SE" sz="2500" kern="1200" dirty="0" err="1"/>
+            <a:t>subdomain</a:t>
+          </a:r>
+          <a:endParaRPr lang="sv-SE" sz="2500" kern="1200" dirty="0"/>
+        </a:p>
+      </dsp:txBody>
+      <dsp:txXfrm>
+        <a:off x="1142252" y="3574395"/>
+        <a:ext cx="2175437" cy="1328646"/>
+      </dsp:txXfrm>
+    </dsp:sp>
+    <dsp:sp modelId="{2B674F63-6B85-374C-8604-07E24AFC8FF1}">
+      <dsp:nvSpPr>
+        <dsp:cNvPr id="0" name=""/>
+        <dsp:cNvSpPr/>
+      </dsp:nvSpPr>
+      <dsp:spPr>
+        <a:xfrm>
+          <a:off x="818652" y="1416081"/>
+          <a:ext cx="282263" cy="4586785"/>
+        </a:xfrm>
+        <a:custGeom>
+          <a:avLst/>
+          <a:gdLst/>
+          <a:ahLst/>
+          <a:cxnLst/>
+          <a:rect l="0" t="0" r="0" b="0"/>
+          <a:pathLst>
+            <a:path>
+              <a:moveTo>
+                <a:pt x="0" y="0"/>
+              </a:moveTo>
+              <a:lnTo>
+                <a:pt x="0" y="4586785"/>
+              </a:lnTo>
+              <a:lnTo>
+                <a:pt x="282263" y="4586785"/>
+              </a:lnTo>
+            </a:path>
+          </a:pathLst>
+        </a:custGeom>
+        <a:noFill/>
+        <a:ln w="9525" cap="rnd" cmpd="sng" algn="ctr">
+          <a:solidFill>
+            <a:schemeClr val="accent3">
+              <a:shade val="60000"/>
+              <a:hueOff val="0"/>
+              <a:satOff val="0"/>
+              <a:lumOff val="0"/>
+              <a:alphaOff val="0"/>
+            </a:schemeClr>
+          </a:solidFill>
+          <a:prstDash val="solid"/>
+        </a:ln>
+        <a:effectLst/>
+      </dsp:spPr>
+      <dsp:style>
+        <a:lnRef idx="1">
+          <a:scrgbClr r="0" g="0" b="0"/>
+        </a:lnRef>
+        <a:fillRef idx="0">
+          <a:scrgbClr r="0" g="0" b="0"/>
+        </a:fillRef>
+        <a:effectRef idx="0">
+          <a:scrgbClr r="0" g="0" b="0"/>
+        </a:effectRef>
+        <a:fontRef idx="minor"/>
+      </dsp:style>
+    </dsp:sp>
+    <dsp:sp modelId="{D3375FEF-A746-3A43-86BD-F5C637F38C61}">
+      <dsp:nvSpPr>
+        <dsp:cNvPr id="0" name=""/>
+        <dsp:cNvSpPr/>
+      </dsp:nvSpPr>
+      <dsp:spPr>
+        <a:xfrm>
+          <a:off x="1100916" y="5297207"/>
+          <a:ext cx="2258109" cy="1411318"/>
+        </a:xfrm>
+        <a:prstGeom prst="roundRect">
+          <a:avLst>
+            <a:gd name="adj" fmla="val 10000"/>
+          </a:avLst>
+        </a:prstGeom>
+        <a:solidFill>
+          <a:schemeClr val="lt1">
+            <a:alpha val="90000"/>
+            <a:hueOff val="0"/>
+            <a:satOff val="0"/>
+            <a:lumOff val="0"/>
+            <a:alphaOff val="0"/>
+          </a:schemeClr>
+        </a:solidFill>
+        <a:ln w="9525" cap="rnd" cmpd="sng" algn="ctr">
+          <a:solidFill>
+            <a:schemeClr val="accent3">
+              <a:hueOff val="0"/>
+              <a:satOff val="0"/>
+              <a:lumOff val="0"/>
+              <a:alphaOff val="0"/>
+            </a:schemeClr>
+          </a:solidFill>
+          <a:prstDash val="solid"/>
+        </a:ln>
+        <a:effectLst/>
+      </dsp:spPr>
+      <dsp:style>
+        <a:lnRef idx="1">
+          <a:scrgbClr r="0" g="0" b="0"/>
+        </a:lnRef>
+        <a:fillRef idx="1">
+          <a:scrgbClr r="0" g="0" b="0"/>
+        </a:fillRef>
+        <a:effectRef idx="0">
+          <a:scrgbClr r="0" g="0" b="0"/>
+        </a:effectRef>
+        <a:fontRef idx="minor"/>
+      </dsp:style>
+      <dsp:txBody>
+        <a:bodyPr spcFirstLastPara="0" vert="horz" wrap="square" lIns="47625" tIns="31750" rIns="47625" bIns="31750" numCol="1" spcCol="1270" anchor="ctr" anchorCtr="0">
+          <a:noAutofit/>
+        </a:bodyPr>
+        <a:lstStyle/>
+        <a:p>
+          <a:pPr marL="0" lvl="0" indent="0" algn="ctr" defTabSz="1111250">
+            <a:lnSpc>
+              <a:spcPct val="90000"/>
+            </a:lnSpc>
+            <a:spcBef>
+              <a:spcPct val="0"/>
+            </a:spcBef>
+            <a:spcAft>
+              <a:spcPct val="35000"/>
+            </a:spcAft>
+            <a:buNone/>
+          </a:pPr>
+          <a:r>
+            <a:rPr lang="sv-SE" sz="2500" kern="1200" dirty="0" err="1"/>
+            <a:t>Decompose</a:t>
+          </a:r>
+          <a:r>
+            <a:rPr lang="sv-SE" sz="2500" kern="1200" dirty="0"/>
+            <a:t> by </a:t>
+          </a:r>
+          <a:r>
+            <a:rPr lang="sv-SE" sz="2500" kern="1200" dirty="0" err="1"/>
+            <a:t>transactions</a:t>
+          </a:r>
+          <a:endParaRPr lang="sv-SE" sz="2500" kern="1200" dirty="0"/>
+        </a:p>
+      </dsp:txBody>
+      <dsp:txXfrm>
+        <a:off x="1142252" y="5338543"/>
+        <a:ext cx="2175437" cy="1328646"/>
+      </dsp:txXfrm>
+    </dsp:sp>
+    <dsp:sp modelId="{D0BAF713-2902-7C45-9325-C4EB1F799036}">
+      <dsp:nvSpPr>
+        <dsp:cNvPr id="0" name=""/>
+        <dsp:cNvSpPr/>
+      </dsp:nvSpPr>
+      <dsp:spPr>
+        <a:xfrm>
+          <a:off x="818652" y="1416081"/>
+          <a:ext cx="282263" cy="6350933"/>
+        </a:xfrm>
+        <a:custGeom>
+          <a:avLst/>
+          <a:gdLst/>
+          <a:ahLst/>
+          <a:cxnLst/>
+          <a:rect l="0" t="0" r="0" b="0"/>
+          <a:pathLst>
+            <a:path>
+              <a:moveTo>
+                <a:pt x="0" y="0"/>
+              </a:moveTo>
+              <a:lnTo>
+                <a:pt x="0" y="6350933"/>
+              </a:lnTo>
+              <a:lnTo>
+                <a:pt x="282263" y="6350933"/>
+              </a:lnTo>
+            </a:path>
+          </a:pathLst>
+        </a:custGeom>
+        <a:noFill/>
+        <a:ln w="9525" cap="rnd" cmpd="sng" algn="ctr">
+          <a:solidFill>
+            <a:schemeClr val="accent3">
+              <a:shade val="60000"/>
+              <a:hueOff val="0"/>
+              <a:satOff val="0"/>
+              <a:lumOff val="0"/>
+              <a:alphaOff val="0"/>
+            </a:schemeClr>
+          </a:solidFill>
+          <a:prstDash val="solid"/>
+        </a:ln>
+        <a:effectLst/>
+      </dsp:spPr>
+      <dsp:style>
+        <a:lnRef idx="1">
+          <a:scrgbClr r="0" g="0" b="0"/>
+        </a:lnRef>
+        <a:fillRef idx="0">
+          <a:scrgbClr r="0" g="0" b="0"/>
+        </a:fillRef>
+        <a:effectRef idx="0">
+          <a:scrgbClr r="0" g="0" b="0"/>
+        </a:effectRef>
+        <a:fontRef idx="minor"/>
+      </dsp:style>
+    </dsp:sp>
+    <dsp:sp modelId="{907117EA-DA11-E341-B21F-67DD16B11776}">
+      <dsp:nvSpPr>
+        <dsp:cNvPr id="0" name=""/>
+        <dsp:cNvSpPr/>
+      </dsp:nvSpPr>
+      <dsp:spPr>
+        <a:xfrm>
+          <a:off x="1100916" y="7061355"/>
+          <a:ext cx="2258109" cy="1411318"/>
+        </a:xfrm>
+        <a:prstGeom prst="roundRect">
+          <a:avLst>
+            <a:gd name="adj" fmla="val 10000"/>
+          </a:avLst>
+        </a:prstGeom>
+        <a:solidFill>
+          <a:schemeClr val="lt1">
+            <a:alpha val="90000"/>
+            <a:hueOff val="0"/>
+            <a:satOff val="0"/>
+            <a:lumOff val="0"/>
+            <a:alphaOff val="0"/>
+          </a:schemeClr>
+        </a:solidFill>
+        <a:ln w="9525" cap="rnd" cmpd="sng" algn="ctr">
+          <a:solidFill>
+            <a:schemeClr val="accent3">
+              <a:hueOff val="0"/>
+              <a:satOff val="0"/>
+              <a:lumOff val="0"/>
+              <a:alphaOff val="0"/>
+            </a:schemeClr>
+          </a:solidFill>
+          <a:prstDash val="solid"/>
+        </a:ln>
+        <a:effectLst/>
+      </dsp:spPr>
+      <dsp:style>
+        <a:lnRef idx="1">
+          <a:scrgbClr r="0" g="0" b="0"/>
+        </a:lnRef>
+        <a:fillRef idx="1">
+          <a:scrgbClr r="0" g="0" b="0"/>
+        </a:fillRef>
+        <a:effectRef idx="0">
+          <a:scrgbClr r="0" g="0" b="0"/>
+        </a:effectRef>
+        <a:fontRef idx="minor"/>
+      </dsp:style>
+      <dsp:txBody>
+        <a:bodyPr spcFirstLastPara="0" vert="horz" wrap="square" lIns="47625" tIns="31750" rIns="47625" bIns="31750" numCol="1" spcCol="1270" anchor="ctr" anchorCtr="0">
+          <a:noAutofit/>
+        </a:bodyPr>
+        <a:lstStyle/>
+        <a:p>
+          <a:pPr marL="0" lvl="0" indent="0" algn="ctr" defTabSz="1111250">
+            <a:lnSpc>
+              <a:spcPct val="90000"/>
+            </a:lnSpc>
+            <a:spcBef>
+              <a:spcPct val="0"/>
+            </a:spcBef>
+            <a:spcAft>
+              <a:spcPct val="35000"/>
+            </a:spcAft>
+            <a:buNone/>
+          </a:pPr>
+          <a:r>
+            <a:rPr lang="sv-SE" sz="2500" kern="1200" dirty="0" err="1"/>
+            <a:t>Strangler</a:t>
+          </a:r>
+          <a:r>
+            <a:rPr lang="sv-SE" sz="2500" kern="1200" dirty="0"/>
+            <a:t> </a:t>
+          </a:r>
+          <a:r>
+            <a:rPr lang="sv-SE" sz="2500" kern="1200" dirty="0" err="1"/>
+            <a:t>pattern</a:t>
+          </a:r>
+          <a:endParaRPr lang="sv-SE" sz="2500" kern="1200" dirty="0"/>
+        </a:p>
+      </dsp:txBody>
+      <dsp:txXfrm>
+        <a:off x="1142252" y="7102691"/>
+        <a:ext cx="2175437" cy="1328646"/>
+      </dsp:txXfrm>
+    </dsp:sp>
+    <dsp:sp modelId="{2D713C32-8B29-D441-997A-39F81AD572C8}">
+      <dsp:nvSpPr>
+        <dsp:cNvPr id="0" name=""/>
+        <dsp:cNvSpPr/>
+      </dsp:nvSpPr>
+      <dsp:spPr>
+        <a:xfrm>
+          <a:off x="818652" y="1416081"/>
+          <a:ext cx="282263" cy="8115081"/>
+        </a:xfrm>
+        <a:custGeom>
+          <a:avLst/>
+          <a:gdLst/>
+          <a:ahLst/>
+          <a:cxnLst/>
+          <a:rect l="0" t="0" r="0" b="0"/>
+          <a:pathLst>
+            <a:path>
+              <a:moveTo>
+                <a:pt x="0" y="0"/>
+              </a:moveTo>
+              <a:lnTo>
+                <a:pt x="0" y="8115081"/>
+              </a:lnTo>
+              <a:lnTo>
+                <a:pt x="282263" y="8115081"/>
+              </a:lnTo>
+            </a:path>
+          </a:pathLst>
+        </a:custGeom>
+        <a:noFill/>
+        <a:ln w="9525" cap="rnd" cmpd="sng" algn="ctr">
+          <a:solidFill>
+            <a:schemeClr val="accent3">
+              <a:shade val="60000"/>
+              <a:hueOff val="0"/>
+              <a:satOff val="0"/>
+              <a:lumOff val="0"/>
+              <a:alphaOff val="0"/>
+            </a:schemeClr>
+          </a:solidFill>
+          <a:prstDash val="solid"/>
+        </a:ln>
+        <a:effectLst/>
+      </dsp:spPr>
+      <dsp:style>
+        <a:lnRef idx="1">
+          <a:scrgbClr r="0" g="0" b="0"/>
+        </a:lnRef>
+        <a:fillRef idx="0">
+          <a:scrgbClr r="0" g="0" b="0"/>
+        </a:fillRef>
+        <a:effectRef idx="0">
+          <a:scrgbClr r="0" g="0" b="0"/>
+        </a:effectRef>
+        <a:fontRef idx="minor"/>
+      </dsp:style>
+    </dsp:sp>
+    <dsp:sp modelId="{F6CAD6DE-90DE-DB46-AD21-F9A0EBF02119}">
+      <dsp:nvSpPr>
+        <dsp:cNvPr id="0" name=""/>
+        <dsp:cNvSpPr/>
+      </dsp:nvSpPr>
+      <dsp:spPr>
+        <a:xfrm>
+          <a:off x="1100916" y="8825503"/>
+          <a:ext cx="2258109" cy="1411318"/>
+        </a:xfrm>
+        <a:prstGeom prst="roundRect">
+          <a:avLst>
+            <a:gd name="adj" fmla="val 10000"/>
+          </a:avLst>
+        </a:prstGeom>
+        <a:solidFill>
+          <a:schemeClr val="lt1">
+            <a:alpha val="90000"/>
+            <a:hueOff val="0"/>
+            <a:satOff val="0"/>
+            <a:lumOff val="0"/>
+            <a:alphaOff val="0"/>
+          </a:schemeClr>
+        </a:solidFill>
+        <a:ln w="9525" cap="rnd" cmpd="sng" algn="ctr">
+          <a:solidFill>
+            <a:schemeClr val="accent3">
+              <a:hueOff val="0"/>
+              <a:satOff val="0"/>
+              <a:lumOff val="0"/>
+              <a:alphaOff val="0"/>
+            </a:schemeClr>
+          </a:solidFill>
+          <a:prstDash val="solid"/>
+        </a:ln>
+        <a:effectLst/>
+      </dsp:spPr>
+      <dsp:style>
+        <a:lnRef idx="1">
+          <a:scrgbClr r="0" g="0" b="0"/>
+        </a:lnRef>
+        <a:fillRef idx="1">
+          <a:scrgbClr r="0" g="0" b="0"/>
+        </a:fillRef>
+        <a:effectRef idx="0">
+          <a:scrgbClr r="0" g="0" b="0"/>
+        </a:effectRef>
+        <a:fontRef idx="minor"/>
+      </dsp:style>
+      <dsp:txBody>
+        <a:bodyPr spcFirstLastPara="0" vert="horz" wrap="square" lIns="47625" tIns="31750" rIns="47625" bIns="31750" numCol="1" spcCol="1270" anchor="ctr" anchorCtr="0">
+          <a:noAutofit/>
+        </a:bodyPr>
+        <a:lstStyle/>
+        <a:p>
+          <a:pPr marL="0" lvl="0" indent="0" algn="ctr" defTabSz="1111250">
+            <a:lnSpc>
+              <a:spcPct val="90000"/>
+            </a:lnSpc>
+            <a:spcBef>
+              <a:spcPct val="0"/>
+            </a:spcBef>
+            <a:spcAft>
+              <a:spcPct val="35000"/>
+            </a:spcAft>
+            <a:buNone/>
+          </a:pPr>
+          <a:r>
+            <a:rPr lang="sv-SE" sz="2500" kern="1200" dirty="0" err="1"/>
+            <a:t>Bulkhead</a:t>
+          </a:r>
+          <a:r>
+            <a:rPr lang="sv-SE" sz="2500" kern="1200" dirty="0"/>
+            <a:t> </a:t>
+          </a:r>
+          <a:r>
+            <a:rPr lang="sv-SE" sz="2500" kern="1200" dirty="0" err="1"/>
+            <a:t>pattern</a:t>
+          </a:r>
+          <a:endParaRPr lang="sv-SE" sz="2500" kern="1200" dirty="0"/>
+        </a:p>
+      </dsp:txBody>
+      <dsp:txXfrm>
+        <a:off x="1142252" y="8866839"/>
+        <a:ext cx="2175437" cy="1328646"/>
+      </dsp:txXfrm>
+    </dsp:sp>
+    <dsp:sp modelId="{20B66D0F-B2DB-BB41-B4FA-F8017FD33F43}">
+      <dsp:nvSpPr>
+        <dsp:cNvPr id="0" name=""/>
+        <dsp:cNvSpPr/>
+      </dsp:nvSpPr>
+      <dsp:spPr>
+        <a:xfrm>
+          <a:off x="818652" y="1416081"/>
+          <a:ext cx="282263" cy="9879229"/>
+        </a:xfrm>
+        <a:custGeom>
+          <a:avLst/>
+          <a:gdLst/>
+          <a:ahLst/>
+          <a:cxnLst/>
+          <a:rect l="0" t="0" r="0" b="0"/>
+          <a:pathLst>
+            <a:path>
+              <a:moveTo>
+                <a:pt x="0" y="0"/>
+              </a:moveTo>
+              <a:lnTo>
+                <a:pt x="0" y="9879229"/>
+              </a:lnTo>
+              <a:lnTo>
+                <a:pt x="282263" y="9879229"/>
+              </a:lnTo>
+            </a:path>
+          </a:pathLst>
+        </a:custGeom>
+        <a:noFill/>
+        <a:ln w="9525" cap="rnd" cmpd="sng" algn="ctr">
+          <a:solidFill>
+            <a:schemeClr val="accent3">
+              <a:shade val="60000"/>
+              <a:hueOff val="0"/>
+              <a:satOff val="0"/>
+              <a:lumOff val="0"/>
+              <a:alphaOff val="0"/>
+            </a:schemeClr>
+          </a:solidFill>
+          <a:prstDash val="solid"/>
+        </a:ln>
+        <a:effectLst/>
+      </dsp:spPr>
+      <dsp:style>
+        <a:lnRef idx="1">
+          <a:scrgbClr r="0" g="0" b="0"/>
+        </a:lnRef>
+        <a:fillRef idx="0">
+          <a:scrgbClr r="0" g="0" b="0"/>
+        </a:fillRef>
+        <a:effectRef idx="0">
+          <a:scrgbClr r="0" g="0" b="0"/>
+        </a:effectRef>
+        <a:fontRef idx="minor"/>
+      </dsp:style>
+    </dsp:sp>
+    <dsp:sp modelId="{12F036F6-A08F-BA46-BC3F-774A645D2E58}">
+      <dsp:nvSpPr>
+        <dsp:cNvPr id="0" name=""/>
+        <dsp:cNvSpPr/>
+      </dsp:nvSpPr>
+      <dsp:spPr>
+        <a:xfrm>
+          <a:off x="1100916" y="10589651"/>
+          <a:ext cx="2258109" cy="1411318"/>
+        </a:xfrm>
+        <a:prstGeom prst="roundRect">
+          <a:avLst>
+            <a:gd name="adj" fmla="val 10000"/>
+          </a:avLst>
+        </a:prstGeom>
+        <a:solidFill>
+          <a:schemeClr val="lt1">
+            <a:alpha val="90000"/>
+            <a:hueOff val="0"/>
+            <a:satOff val="0"/>
+            <a:lumOff val="0"/>
+            <a:alphaOff val="0"/>
+          </a:schemeClr>
+        </a:solidFill>
+        <a:ln w="9525" cap="rnd" cmpd="sng" algn="ctr">
+          <a:solidFill>
+            <a:schemeClr val="accent3">
+              <a:hueOff val="0"/>
+              <a:satOff val="0"/>
+              <a:lumOff val="0"/>
+              <a:alphaOff val="0"/>
+            </a:schemeClr>
+          </a:solidFill>
+          <a:prstDash val="solid"/>
+        </a:ln>
+        <a:effectLst/>
+      </dsp:spPr>
+      <dsp:style>
+        <a:lnRef idx="1">
+          <a:scrgbClr r="0" g="0" b="0"/>
+        </a:lnRef>
+        <a:fillRef idx="1">
+          <a:scrgbClr r="0" g="0" b="0"/>
+        </a:fillRef>
+        <a:effectRef idx="0">
+          <a:scrgbClr r="0" g="0" b="0"/>
+        </a:effectRef>
+        <a:fontRef idx="minor"/>
+      </dsp:style>
+      <dsp:txBody>
+        <a:bodyPr spcFirstLastPara="0" vert="horz" wrap="square" lIns="47625" tIns="31750" rIns="47625" bIns="31750" numCol="1" spcCol="1270" anchor="ctr" anchorCtr="0">
+          <a:noAutofit/>
+        </a:bodyPr>
+        <a:lstStyle/>
+        <a:p>
+          <a:pPr marL="0" lvl="0" indent="0" algn="ctr" defTabSz="1111250">
+            <a:lnSpc>
+              <a:spcPct val="90000"/>
+            </a:lnSpc>
+            <a:spcBef>
+              <a:spcPct val="0"/>
+            </a:spcBef>
+            <a:spcAft>
+              <a:spcPct val="35000"/>
+            </a:spcAft>
+            <a:buNone/>
+          </a:pPr>
+          <a:r>
+            <a:rPr lang="sv-SE" sz="2500" kern="1200" dirty="0" err="1"/>
+            <a:t>Sidecar</a:t>
+          </a:r>
+          <a:r>
+            <a:rPr lang="sv-SE" sz="2500" kern="1200" dirty="0"/>
+            <a:t> </a:t>
+          </a:r>
+          <a:r>
+            <a:rPr lang="sv-SE" sz="2500" kern="1200" dirty="0" err="1"/>
+            <a:t>pattern</a:t>
+          </a:r>
+          <a:endParaRPr lang="sv-SE" sz="2500" kern="1200" dirty="0"/>
+        </a:p>
+      </dsp:txBody>
+      <dsp:txXfrm>
+        <a:off x="1142252" y="10630987"/>
+        <a:ext cx="2175437" cy="1328646"/>
       </dsp:txXfrm>
     </dsp:sp>
     <dsp:sp modelId="{4C6483A4-C398-1447-8656-C8DB469EB102}">
@@ -2648,8 +3662,8 @@
       </dsp:nvSpPr>
       <dsp:spPr>
         <a:xfrm>
-          <a:off x="3391296" y="512795"/>
-          <a:ext cx="2706687" cy="1353343"/>
+          <a:off x="4064685" y="4762"/>
+          <a:ext cx="2822637" cy="1411318"/>
         </a:xfrm>
         <a:prstGeom prst="roundRect">
           <a:avLst>
@@ -2659,7 +3673,7 @@
         <a:gradFill rotWithShape="0">
           <a:gsLst>
             <a:gs pos="0">
-              <a:schemeClr val="accent1">
+              <a:schemeClr val="accent3">
                 <a:hueOff val="0"/>
                 <a:satOff val="0"/>
                 <a:lumOff val="0"/>
@@ -2669,7 +3683,7 @@
               </a:schemeClr>
             </a:gs>
             <a:gs pos="100000">
-              <a:schemeClr val="accent1">
+              <a:schemeClr val="accent3">
                 <a:hueOff val="0"/>
                 <a:satOff val="0"/>
                 <a:lumOff val="0"/>
@@ -2707,12 +3721,12 @@
         </a:fontRef>
       </dsp:style>
       <dsp:txBody>
-        <a:bodyPr spcFirstLastPara="0" vert="horz" wrap="square" lIns="49530" tIns="33020" rIns="49530" bIns="33020" numCol="1" spcCol="1270" anchor="ctr" anchorCtr="0">
+        <a:bodyPr spcFirstLastPara="0" vert="horz" wrap="square" lIns="53340" tIns="35560" rIns="53340" bIns="35560" numCol="1" spcCol="1270" anchor="ctr" anchorCtr="0">
           <a:noAutofit/>
         </a:bodyPr>
         <a:lstStyle/>
         <a:p>
-          <a:pPr lvl="0" algn="ctr" defTabSz="1155700">
+          <a:pPr marL="0" lvl="0" indent="0" algn="ctr" defTabSz="1244600">
             <a:lnSpc>
               <a:spcPct val="90000"/>
             </a:lnSpc>
@@ -2722,17 +3736,17 @@
             <a:spcAft>
               <a:spcPct val="35000"/>
             </a:spcAft>
+            <a:buNone/>
           </a:pPr>
           <a:r>
-            <a:rPr lang="sv-SE" sz="2600" kern="1200" dirty="0" smtClean="0"/>
+            <a:rPr lang="sv-SE" sz="2800" kern="1200" dirty="0"/>
             <a:t>Integration</a:t>
           </a:r>
-          <a:endParaRPr lang="sv-SE" sz="2600" kern="1200" dirty="0"/>
         </a:p>
       </dsp:txBody>
       <dsp:txXfrm>
-        <a:off x="3430934" y="552433"/>
-        <a:ext cx="2627411" cy="1274067"/>
+        <a:off x="4106021" y="46098"/>
+        <a:ext cx="2739965" cy="1328646"/>
       </dsp:txXfrm>
     </dsp:sp>
     <dsp:sp modelId="{AB3E1156-5BE7-A741-9F25-24C31315604D}">
@@ -2742,8 +3756,8 @@
       </dsp:nvSpPr>
       <dsp:spPr>
         <a:xfrm>
-          <a:off x="3661965" y="1866139"/>
-          <a:ext cx="270668" cy="1015007"/>
+          <a:off x="4346948" y="1416081"/>
+          <a:ext cx="282263" cy="1058488"/>
         </a:xfrm>
         <a:custGeom>
           <a:avLst/>
@@ -2757,10 +3771,10 @@
                 <a:pt x="0" y="0"/>
               </a:moveTo>
               <a:lnTo>
-                <a:pt x="0" y="1015007"/>
+                <a:pt x="0" y="1058488"/>
               </a:lnTo>
               <a:lnTo>
-                <a:pt x="270668" y="1015007"/>
+                <a:pt x="282263" y="1058488"/>
               </a:lnTo>
             </a:path>
           </a:pathLst>
@@ -2768,7 +3782,7 @@
         <a:noFill/>
         <a:ln w="9525" cap="rnd" cmpd="sng" algn="ctr">
           <a:solidFill>
-            <a:schemeClr val="accent1">
+            <a:schemeClr val="accent3">
               <a:shade val="60000"/>
               <a:hueOff val="0"/>
               <a:satOff val="0"/>
@@ -2800,8 +3814,8 @@
       </dsp:nvSpPr>
       <dsp:spPr>
         <a:xfrm>
-          <a:off x="3932634" y="2204475"/>
-          <a:ext cx="2165350" cy="1353343"/>
+          <a:off x="4629212" y="1768910"/>
+          <a:ext cx="2258109" cy="1411318"/>
         </a:xfrm>
         <a:prstGeom prst="roundRect">
           <a:avLst>
@@ -2819,7 +3833,7 @@
         </a:solidFill>
         <a:ln w="9525" cap="rnd" cmpd="sng" algn="ctr">
           <a:solidFill>
-            <a:schemeClr val="accent1">
+            <a:schemeClr val="accent3">
               <a:hueOff val="0"/>
               <a:satOff val="0"/>
               <a:lumOff val="0"/>
@@ -2843,12 +3857,12 @@
         <a:fontRef idx="minor"/>
       </dsp:style>
       <dsp:txBody>
-        <a:bodyPr spcFirstLastPara="0" vert="horz" wrap="square" lIns="45720" tIns="30480" rIns="45720" bIns="30480" numCol="1" spcCol="1270" anchor="ctr" anchorCtr="0">
+        <a:bodyPr spcFirstLastPara="0" vert="horz" wrap="square" lIns="47625" tIns="31750" rIns="47625" bIns="31750" numCol="1" spcCol="1270" anchor="ctr" anchorCtr="0">
           <a:noAutofit/>
         </a:bodyPr>
         <a:lstStyle/>
         <a:p>
-          <a:pPr lvl="0" algn="ctr" defTabSz="1066800">
+          <a:pPr marL="0" lvl="0" indent="0" algn="ctr" defTabSz="1111250">
             <a:lnSpc>
               <a:spcPct val="90000"/>
             </a:lnSpc>
@@ -2858,21 +3872,22 @@
             <a:spcAft>
               <a:spcPct val="35000"/>
             </a:spcAft>
+            <a:buNone/>
           </a:pPr>
           <a:r>
-            <a:rPr lang="sv-SE" sz="2400" kern="1200" dirty="0" smtClean="0"/>
+            <a:rPr lang="sv-SE" sz="2500" kern="1200" dirty="0"/>
             <a:t>API </a:t>
           </a:r>
           <a:r>
-            <a:rPr lang="sv-SE" sz="2400" kern="1200" dirty="0" err="1" smtClean="0"/>
+            <a:rPr lang="sv-SE" sz="2500" kern="1200" dirty="0" err="1"/>
             <a:t>gateway</a:t>
           </a:r>
-          <a:endParaRPr lang="sv-SE" sz="2400" kern="1200" dirty="0"/>
+          <a:endParaRPr lang="sv-SE" sz="2500" kern="1200" dirty="0"/>
         </a:p>
       </dsp:txBody>
       <dsp:txXfrm>
-        <a:off x="3972272" y="2244113"/>
-        <a:ext cx="2086074" cy="1274067"/>
+        <a:off x="4670548" y="1810246"/>
+        <a:ext cx="2175437" cy="1328646"/>
       </dsp:txXfrm>
     </dsp:sp>
     <dsp:sp modelId="{DE746AC9-2AA2-414F-B619-959704074796}">
@@ -2882,8 +3897,8 @@
       </dsp:nvSpPr>
       <dsp:spPr>
         <a:xfrm>
-          <a:off x="3661965" y="1866139"/>
-          <a:ext cx="270668" cy="2706687"/>
+          <a:off x="4346948" y="1416081"/>
+          <a:ext cx="282263" cy="2822637"/>
         </a:xfrm>
         <a:custGeom>
           <a:avLst/>
@@ -2897,10 +3912,10 @@
                 <a:pt x="0" y="0"/>
               </a:moveTo>
               <a:lnTo>
-                <a:pt x="0" y="2706687"/>
+                <a:pt x="0" y="2822637"/>
               </a:lnTo>
               <a:lnTo>
-                <a:pt x="270668" y="2706687"/>
+                <a:pt x="282263" y="2822637"/>
               </a:lnTo>
             </a:path>
           </a:pathLst>
@@ -2908,7 +3923,7 @@
         <a:noFill/>
         <a:ln w="9525" cap="rnd" cmpd="sng" algn="ctr">
           <a:solidFill>
-            <a:schemeClr val="accent1">
+            <a:schemeClr val="accent3">
               <a:shade val="60000"/>
               <a:hueOff val="0"/>
               <a:satOff val="0"/>
@@ -2940,8 +3955,8 @@
       </dsp:nvSpPr>
       <dsp:spPr>
         <a:xfrm>
-          <a:off x="3932634" y="3896154"/>
-          <a:ext cx="2165350" cy="1353343"/>
+          <a:off x="4629212" y="3533059"/>
+          <a:ext cx="2258109" cy="1411318"/>
         </a:xfrm>
         <a:prstGeom prst="roundRect">
           <a:avLst>
@@ -2959,7 +3974,7 @@
         </a:solidFill>
         <a:ln w="9525" cap="rnd" cmpd="sng" algn="ctr">
           <a:solidFill>
-            <a:schemeClr val="accent1">
+            <a:schemeClr val="accent3">
               <a:hueOff val="0"/>
               <a:satOff val="0"/>
               <a:lumOff val="0"/>
@@ -2983,12 +3998,12 @@
         <a:fontRef idx="minor"/>
       </dsp:style>
       <dsp:txBody>
-        <a:bodyPr spcFirstLastPara="0" vert="horz" wrap="square" lIns="45720" tIns="30480" rIns="45720" bIns="30480" numCol="1" spcCol="1270" anchor="ctr" anchorCtr="0">
+        <a:bodyPr spcFirstLastPara="0" vert="horz" wrap="square" lIns="47625" tIns="31750" rIns="47625" bIns="31750" numCol="1" spcCol="1270" anchor="ctr" anchorCtr="0">
           <a:noAutofit/>
         </a:bodyPr>
         <a:lstStyle/>
         <a:p>
-          <a:pPr lvl="0" algn="ctr" defTabSz="1066800">
+          <a:pPr marL="0" lvl="0" indent="0" algn="ctr" defTabSz="1111250">
             <a:lnSpc>
               <a:spcPct val="90000"/>
             </a:lnSpc>
@@ -2998,17 +4013,17 @@
             <a:spcAft>
               <a:spcPct val="35000"/>
             </a:spcAft>
+            <a:buNone/>
           </a:pPr>
           <a:r>
-            <a:rPr lang="sv-SE" sz="2400" kern="1200" dirty="0" smtClean="0"/>
+            <a:rPr lang="sv-SE" sz="2500" kern="1200" dirty="0"/>
             <a:t>Aggregator</a:t>
           </a:r>
-          <a:endParaRPr lang="sv-SE" sz="2400" kern="1200" dirty="0"/>
         </a:p>
       </dsp:txBody>
       <dsp:txXfrm>
-        <a:off x="3972272" y="3935792"/>
-        <a:ext cx="2086074" cy="1274067"/>
+        <a:off x="4670548" y="3574395"/>
+        <a:ext cx="2175437" cy="1328646"/>
       </dsp:txXfrm>
     </dsp:sp>
     <dsp:sp modelId="{D703E236-A92B-2049-94C4-5A5BF4D4DC16}">
@@ -3018,8 +4033,8 @@
       </dsp:nvSpPr>
       <dsp:spPr>
         <a:xfrm>
-          <a:off x="3661965" y="1866139"/>
-          <a:ext cx="270668" cy="4398367"/>
+          <a:off x="4346948" y="1416081"/>
+          <a:ext cx="282263" cy="4586785"/>
         </a:xfrm>
         <a:custGeom>
           <a:avLst/>
@@ -3033,10 +4048,10 @@
                 <a:pt x="0" y="0"/>
               </a:moveTo>
               <a:lnTo>
-                <a:pt x="0" y="4398367"/>
+                <a:pt x="0" y="4586785"/>
               </a:lnTo>
               <a:lnTo>
-                <a:pt x="270668" y="4398367"/>
+                <a:pt x="282263" y="4586785"/>
               </a:lnTo>
             </a:path>
           </a:pathLst>
@@ -3044,7 +4059,7 @@
         <a:noFill/>
         <a:ln w="9525" cap="rnd" cmpd="sng" algn="ctr">
           <a:solidFill>
-            <a:schemeClr val="accent1">
+            <a:schemeClr val="accent3">
               <a:shade val="60000"/>
               <a:hueOff val="0"/>
               <a:satOff val="0"/>
@@ -3076,8 +4091,8 @@
       </dsp:nvSpPr>
       <dsp:spPr>
         <a:xfrm>
-          <a:off x="3932634" y="5587834"/>
-          <a:ext cx="2165350" cy="1353343"/>
+          <a:off x="4629212" y="5297207"/>
+          <a:ext cx="2258109" cy="1411318"/>
         </a:xfrm>
         <a:prstGeom prst="roundRect">
           <a:avLst>
@@ -3095,7 +4110,7 @@
         </a:solidFill>
         <a:ln w="9525" cap="rnd" cmpd="sng" algn="ctr">
           <a:solidFill>
-            <a:schemeClr val="accent1">
+            <a:schemeClr val="accent3">
               <a:hueOff val="0"/>
               <a:satOff val="0"/>
               <a:lumOff val="0"/>
@@ -3119,12 +4134,12 @@
         <a:fontRef idx="minor"/>
       </dsp:style>
       <dsp:txBody>
-        <a:bodyPr spcFirstLastPara="0" vert="horz" wrap="square" lIns="45720" tIns="30480" rIns="45720" bIns="30480" numCol="1" spcCol="1270" anchor="ctr" anchorCtr="0">
+        <a:bodyPr spcFirstLastPara="0" vert="horz" wrap="square" lIns="47625" tIns="31750" rIns="47625" bIns="31750" numCol="1" spcCol="1270" anchor="ctr" anchorCtr="0">
           <a:noAutofit/>
         </a:bodyPr>
         <a:lstStyle/>
         <a:p>
-          <a:pPr lvl="0" algn="ctr" defTabSz="1066800">
+          <a:pPr marL="0" lvl="0" indent="0" algn="ctr" defTabSz="1111250">
             <a:lnSpc>
               <a:spcPct val="90000"/>
             </a:lnSpc>
@@ -3134,25 +4149,26 @@
             <a:spcAft>
               <a:spcPct val="35000"/>
             </a:spcAft>
+            <a:buNone/>
           </a:pPr>
           <a:r>
-            <a:rPr lang="sv-SE" sz="2400" kern="1200" dirty="0" err="1" smtClean="0"/>
+            <a:rPr lang="sv-SE" sz="2500" kern="1200" dirty="0" err="1"/>
             <a:t>Chained</a:t>
           </a:r>
           <a:r>
-            <a:rPr lang="sv-SE" sz="2400" kern="1200" dirty="0" smtClean="0"/>
+            <a:rPr lang="sv-SE" sz="2500" kern="1200" dirty="0"/>
             <a:t> </a:t>
           </a:r>
           <a:r>
-            <a:rPr lang="sv-SE" sz="2400" kern="1200" dirty="0" err="1" smtClean="0"/>
+            <a:rPr lang="sv-SE" sz="2500" kern="1200" dirty="0" err="1"/>
             <a:t>microservie</a:t>
           </a:r>
-          <a:endParaRPr lang="sv-SE" sz="2400" kern="1200" dirty="0"/>
+          <a:endParaRPr lang="sv-SE" sz="2500" kern="1200" dirty="0"/>
         </a:p>
       </dsp:txBody>
       <dsp:txXfrm>
-        <a:off x="3972272" y="5627472"/>
-        <a:ext cx="2086074" cy="1274067"/>
+        <a:off x="4670548" y="5338543"/>
+        <a:ext cx="2175437" cy="1328646"/>
       </dsp:txXfrm>
     </dsp:sp>
     <dsp:sp modelId="{AE72C6B8-52CF-5849-BE39-8F0F949C6428}">
@@ -3162,8 +4178,8 @@
       </dsp:nvSpPr>
       <dsp:spPr>
         <a:xfrm>
-          <a:off x="3661965" y="1866139"/>
-          <a:ext cx="270668" cy="6090046"/>
+          <a:off x="4346948" y="1416081"/>
+          <a:ext cx="282263" cy="6350933"/>
         </a:xfrm>
         <a:custGeom>
           <a:avLst/>
@@ -3177,10 +4193,10 @@
                 <a:pt x="0" y="0"/>
               </a:moveTo>
               <a:lnTo>
-                <a:pt x="0" y="6090046"/>
+                <a:pt x="0" y="6350933"/>
               </a:lnTo>
               <a:lnTo>
-                <a:pt x="270668" y="6090046"/>
+                <a:pt x="282263" y="6350933"/>
               </a:lnTo>
             </a:path>
           </a:pathLst>
@@ -3188,7 +4204,7 @@
         <a:noFill/>
         <a:ln w="9525" cap="rnd" cmpd="sng" algn="ctr">
           <a:solidFill>
-            <a:schemeClr val="accent1">
+            <a:schemeClr val="accent3">
               <a:shade val="60000"/>
               <a:hueOff val="0"/>
               <a:satOff val="0"/>
@@ -3220,8 +4236,8 @@
       </dsp:nvSpPr>
       <dsp:spPr>
         <a:xfrm>
-          <a:off x="3932634" y="7279514"/>
-          <a:ext cx="2165350" cy="1353343"/>
+          <a:off x="4629212" y="7061355"/>
+          <a:ext cx="2258109" cy="1411318"/>
         </a:xfrm>
         <a:prstGeom prst="roundRect">
           <a:avLst>
@@ -3239,7 +4255,7 @@
         </a:solidFill>
         <a:ln w="9525" cap="rnd" cmpd="sng" algn="ctr">
           <a:solidFill>
-            <a:schemeClr val="accent1">
+            <a:schemeClr val="accent3">
               <a:hueOff val="0"/>
               <a:satOff val="0"/>
               <a:lumOff val="0"/>
@@ -3263,12 +4279,12 @@
         <a:fontRef idx="minor"/>
       </dsp:style>
       <dsp:txBody>
-        <a:bodyPr spcFirstLastPara="0" vert="horz" wrap="square" lIns="45720" tIns="30480" rIns="45720" bIns="30480" numCol="1" spcCol="1270" anchor="ctr" anchorCtr="0">
+        <a:bodyPr spcFirstLastPara="0" vert="horz" wrap="square" lIns="47625" tIns="31750" rIns="47625" bIns="31750" numCol="1" spcCol="1270" anchor="ctr" anchorCtr="0">
           <a:noAutofit/>
         </a:bodyPr>
         <a:lstStyle/>
         <a:p>
-          <a:pPr lvl="0" algn="ctr" defTabSz="1066800">
+          <a:pPr marL="0" lvl="0" indent="0" algn="ctr" defTabSz="1111250">
             <a:lnSpc>
               <a:spcPct val="90000"/>
             </a:lnSpc>
@@ -3278,17 +4294,18 @@
             <a:spcAft>
               <a:spcPct val="35000"/>
             </a:spcAft>
+            <a:buNone/>
           </a:pPr>
           <a:r>
-            <a:rPr lang="sv-SE" sz="2400" kern="1200" dirty="0" err="1" smtClean="0"/>
+            <a:rPr lang="sv-SE" sz="2500" kern="1200" dirty="0" err="1"/>
             <a:t>Branch</a:t>
           </a:r>
-          <a:endParaRPr lang="sv-SE" sz="2400" kern="1200" dirty="0"/>
+          <a:endParaRPr lang="sv-SE" sz="2500" kern="1200" dirty="0"/>
         </a:p>
       </dsp:txBody>
       <dsp:txXfrm>
-        <a:off x="3972272" y="7319152"/>
-        <a:ext cx="2086074" cy="1274067"/>
+        <a:off x="4670548" y="7102691"/>
+        <a:ext cx="2175437" cy="1328646"/>
       </dsp:txXfrm>
     </dsp:sp>
     <dsp:sp modelId="{677D1732-88D3-704D-9669-242C49F71D92}">
@@ -3298,8 +4315,8 @@
       </dsp:nvSpPr>
       <dsp:spPr>
         <a:xfrm>
-          <a:off x="3661965" y="1866139"/>
-          <a:ext cx="270668" cy="7781726"/>
+          <a:off x="4346948" y="1416081"/>
+          <a:ext cx="282263" cy="8115081"/>
         </a:xfrm>
         <a:custGeom>
           <a:avLst/>
@@ -3313,10 +4330,10 @@
                 <a:pt x="0" y="0"/>
               </a:moveTo>
               <a:lnTo>
-                <a:pt x="0" y="7781726"/>
+                <a:pt x="0" y="8115081"/>
               </a:lnTo>
               <a:lnTo>
-                <a:pt x="270668" y="7781726"/>
+                <a:pt x="282263" y="8115081"/>
               </a:lnTo>
             </a:path>
           </a:pathLst>
@@ -3324,7 +4341,7 @@
         <a:noFill/>
         <a:ln w="9525" cap="rnd" cmpd="sng" algn="ctr">
           <a:solidFill>
-            <a:schemeClr val="accent1">
+            <a:schemeClr val="accent3">
               <a:shade val="60000"/>
               <a:hueOff val="0"/>
               <a:satOff val="0"/>
@@ -3356,8 +4373,8 @@
       </dsp:nvSpPr>
       <dsp:spPr>
         <a:xfrm>
-          <a:off x="3932634" y="8971193"/>
-          <a:ext cx="2165350" cy="1353343"/>
+          <a:off x="4629212" y="8825503"/>
+          <a:ext cx="2258109" cy="1411318"/>
         </a:xfrm>
         <a:prstGeom prst="roundRect">
           <a:avLst>
@@ -3375,7 +4392,7 @@
         </a:solidFill>
         <a:ln w="9525" cap="rnd" cmpd="sng" algn="ctr">
           <a:solidFill>
-            <a:schemeClr val="accent1">
+            <a:schemeClr val="accent3">
               <a:hueOff val="0"/>
               <a:satOff val="0"/>
               <a:lumOff val="0"/>
@@ -3399,12 +4416,12 @@
         <a:fontRef idx="minor"/>
       </dsp:style>
       <dsp:txBody>
-        <a:bodyPr spcFirstLastPara="0" vert="horz" wrap="square" lIns="45720" tIns="30480" rIns="45720" bIns="30480" numCol="1" spcCol="1270" anchor="ctr" anchorCtr="0">
+        <a:bodyPr spcFirstLastPara="0" vert="horz" wrap="square" lIns="47625" tIns="31750" rIns="47625" bIns="31750" numCol="1" spcCol="1270" anchor="ctr" anchorCtr="0">
           <a:noAutofit/>
         </a:bodyPr>
         <a:lstStyle/>
         <a:p>
-          <a:pPr lvl="0" algn="ctr" defTabSz="1066800">
+          <a:pPr marL="0" lvl="0" indent="0" algn="ctr" defTabSz="1111250">
             <a:lnSpc>
               <a:spcPct val="90000"/>
             </a:lnSpc>
@@ -3414,25 +4431,26 @@
             <a:spcAft>
               <a:spcPct val="35000"/>
             </a:spcAft>
+            <a:buNone/>
           </a:pPr>
           <a:r>
-            <a:rPr lang="sv-SE" sz="2400" kern="1200" dirty="0" err="1" smtClean="0"/>
+            <a:rPr lang="sv-SE" sz="2500" kern="1200" dirty="0" err="1"/>
             <a:t>Client-side</a:t>
           </a:r>
           <a:r>
-            <a:rPr lang="sv-SE" sz="2400" kern="1200" dirty="0" smtClean="0"/>
+            <a:rPr lang="sv-SE" sz="2500" kern="1200" dirty="0"/>
             <a:t> UI </a:t>
           </a:r>
           <a:r>
-            <a:rPr lang="sv-SE" sz="2400" kern="1200" dirty="0" err="1" smtClean="0"/>
+            <a:rPr lang="sv-SE" sz="2500" kern="1200" dirty="0" err="1"/>
             <a:t>composition</a:t>
           </a:r>
-          <a:endParaRPr lang="sv-SE" sz="2400" kern="1200" dirty="0"/>
+          <a:endParaRPr lang="sv-SE" sz="2500" kern="1200" dirty="0"/>
         </a:p>
       </dsp:txBody>
       <dsp:txXfrm>
-        <a:off x="3972272" y="9010831"/>
-        <a:ext cx="2086074" cy="1274067"/>
+        <a:off x="4670548" y="8866839"/>
+        <a:ext cx="2175437" cy="1328646"/>
       </dsp:txXfrm>
     </dsp:sp>
     <dsp:sp modelId="{5A1B82EF-2272-0B4E-87A7-1F6DD399FF18}">
@@ -3442,8 +4460,8 @@
       </dsp:nvSpPr>
       <dsp:spPr>
         <a:xfrm>
-          <a:off x="6774656" y="512795"/>
-          <a:ext cx="2706687" cy="1353343"/>
+          <a:off x="7592981" y="4762"/>
+          <a:ext cx="2822637" cy="1411318"/>
         </a:xfrm>
         <a:prstGeom prst="roundRect">
           <a:avLst>
@@ -3453,7 +4471,7 @@
         <a:gradFill rotWithShape="0">
           <a:gsLst>
             <a:gs pos="0">
-              <a:schemeClr val="accent1">
+              <a:schemeClr val="accent3">
                 <a:hueOff val="0"/>
                 <a:satOff val="0"/>
                 <a:lumOff val="0"/>
@@ -3463,7 +4481,7 @@
               </a:schemeClr>
             </a:gs>
             <a:gs pos="100000">
-              <a:schemeClr val="accent1">
+              <a:schemeClr val="accent3">
                 <a:hueOff val="0"/>
                 <a:satOff val="0"/>
                 <a:lumOff val="0"/>
@@ -3501,12 +4519,12 @@
         </a:fontRef>
       </dsp:style>
       <dsp:txBody>
-        <a:bodyPr spcFirstLastPara="0" vert="horz" wrap="square" lIns="49530" tIns="33020" rIns="49530" bIns="33020" numCol="1" spcCol="1270" anchor="ctr" anchorCtr="0">
+        <a:bodyPr spcFirstLastPara="0" vert="horz" wrap="square" lIns="53340" tIns="35560" rIns="53340" bIns="35560" numCol="1" spcCol="1270" anchor="ctr" anchorCtr="0">
           <a:noAutofit/>
         </a:bodyPr>
         <a:lstStyle/>
         <a:p>
-          <a:pPr lvl="0" algn="ctr" defTabSz="1155700">
+          <a:pPr marL="0" lvl="0" indent="0" algn="ctr" defTabSz="1244600">
             <a:lnSpc>
               <a:spcPct val="90000"/>
             </a:lnSpc>
@@ -3516,17 +4534,18 @@
             <a:spcAft>
               <a:spcPct val="35000"/>
             </a:spcAft>
+            <a:buNone/>
           </a:pPr>
           <a:r>
-            <a:rPr lang="sv-SE" sz="2600" kern="1200" dirty="0" err="1" smtClean="0"/>
+            <a:rPr lang="sv-SE" sz="2800" kern="1200" dirty="0" err="1"/>
             <a:t>Database</a:t>
           </a:r>
-          <a:endParaRPr lang="sv-SE" sz="2600" kern="1200" dirty="0"/>
+          <a:endParaRPr lang="sv-SE" sz="2800" kern="1200" dirty="0"/>
         </a:p>
       </dsp:txBody>
       <dsp:txXfrm>
-        <a:off x="6814294" y="552433"/>
-        <a:ext cx="2627411" cy="1274067"/>
+        <a:off x="7634317" y="46098"/>
+        <a:ext cx="2739965" cy="1328646"/>
       </dsp:txXfrm>
     </dsp:sp>
     <dsp:sp modelId="{847A49F8-2D89-9044-B496-3261551FA8D4}">
@@ -3536,8 +4555,8 @@
       </dsp:nvSpPr>
       <dsp:spPr>
         <a:xfrm>
-          <a:off x="7045325" y="1866139"/>
-          <a:ext cx="270668" cy="1015007"/>
+          <a:off x="7875245" y="1416081"/>
+          <a:ext cx="282263" cy="1058488"/>
         </a:xfrm>
         <a:custGeom>
           <a:avLst/>
@@ -3551,10 +4570,10 @@
                 <a:pt x="0" y="0"/>
               </a:moveTo>
               <a:lnTo>
-                <a:pt x="0" y="1015007"/>
+                <a:pt x="0" y="1058488"/>
               </a:lnTo>
               <a:lnTo>
-                <a:pt x="270668" y="1015007"/>
+                <a:pt x="282263" y="1058488"/>
               </a:lnTo>
             </a:path>
           </a:pathLst>
@@ -3562,7 +4581,7 @@
         <a:noFill/>
         <a:ln w="9525" cap="rnd" cmpd="sng" algn="ctr">
           <a:solidFill>
-            <a:schemeClr val="accent1">
+            <a:schemeClr val="accent3">
               <a:shade val="60000"/>
               <a:hueOff val="0"/>
               <a:satOff val="0"/>
@@ -3594,8 +4613,8 @@
       </dsp:nvSpPr>
       <dsp:spPr>
         <a:xfrm>
-          <a:off x="7315993" y="2204475"/>
-          <a:ext cx="2165350" cy="1353343"/>
+          <a:off x="8157508" y="1768910"/>
+          <a:ext cx="2258109" cy="1411318"/>
         </a:xfrm>
         <a:prstGeom prst="roundRect">
           <a:avLst>
@@ -3613,7 +4632,7 @@
         </a:solidFill>
         <a:ln w="9525" cap="rnd" cmpd="sng" algn="ctr">
           <a:solidFill>
-            <a:schemeClr val="accent1">
+            <a:schemeClr val="accent3">
               <a:hueOff val="0"/>
               <a:satOff val="0"/>
               <a:lumOff val="0"/>
@@ -3637,12 +4656,12 @@
         <a:fontRef idx="minor"/>
       </dsp:style>
       <dsp:txBody>
-        <a:bodyPr spcFirstLastPara="0" vert="horz" wrap="square" lIns="45720" tIns="30480" rIns="45720" bIns="30480" numCol="1" spcCol="1270" anchor="ctr" anchorCtr="0">
+        <a:bodyPr spcFirstLastPara="0" vert="horz" wrap="square" lIns="47625" tIns="31750" rIns="47625" bIns="31750" numCol="1" spcCol="1270" anchor="ctr" anchorCtr="0">
           <a:noAutofit/>
         </a:bodyPr>
         <a:lstStyle/>
         <a:p>
-          <a:pPr lvl="0" algn="ctr" defTabSz="1066800">
+          <a:pPr marL="0" lvl="0" indent="0" algn="ctr" defTabSz="1111250">
             <a:lnSpc>
               <a:spcPct val="90000"/>
             </a:lnSpc>
@@ -3652,21 +4671,21 @@
             <a:spcAft>
               <a:spcPct val="35000"/>
             </a:spcAft>
+            <a:buNone/>
           </a:pPr>
           <a:r>
-            <a:rPr lang="sv-SE" sz="2400" kern="1200" dirty="0" err="1" smtClean="0"/>
+            <a:rPr lang="sv-SE" sz="2500" kern="1200" dirty="0" err="1"/>
             <a:t>Database</a:t>
           </a:r>
           <a:r>
-            <a:rPr lang="sv-SE" sz="2400" kern="1200" dirty="0" smtClean="0"/>
+            <a:rPr lang="sv-SE" sz="2500" kern="1200" dirty="0"/>
             <a:t> per service</a:t>
           </a:r>
-          <a:endParaRPr lang="sv-SE" sz="2400" kern="1200" dirty="0"/>
         </a:p>
       </dsp:txBody>
       <dsp:txXfrm>
-        <a:off x="7355631" y="2244113"/>
-        <a:ext cx="2086074" cy="1274067"/>
+        <a:off x="8198844" y="1810246"/>
+        <a:ext cx="2175437" cy="1328646"/>
       </dsp:txXfrm>
     </dsp:sp>
     <dsp:sp modelId="{C7218F20-992C-144C-8D56-AADBEAC09C56}">
@@ -3676,8 +4695,8 @@
       </dsp:nvSpPr>
       <dsp:spPr>
         <a:xfrm>
-          <a:off x="7045325" y="1866139"/>
-          <a:ext cx="270668" cy="2706687"/>
+          <a:off x="7875245" y="1416081"/>
+          <a:ext cx="282263" cy="2822637"/>
         </a:xfrm>
         <a:custGeom>
           <a:avLst/>
@@ -3691,10 +4710,10 @@
                 <a:pt x="0" y="0"/>
               </a:moveTo>
               <a:lnTo>
-                <a:pt x="0" y="2706687"/>
+                <a:pt x="0" y="2822637"/>
               </a:lnTo>
               <a:lnTo>
-                <a:pt x="270668" y="2706687"/>
+                <a:pt x="282263" y="2822637"/>
               </a:lnTo>
             </a:path>
           </a:pathLst>
@@ -3702,7 +4721,7 @@
         <a:noFill/>
         <a:ln w="9525" cap="rnd" cmpd="sng" algn="ctr">
           <a:solidFill>
-            <a:schemeClr val="accent1">
+            <a:schemeClr val="accent3">
               <a:shade val="60000"/>
               <a:hueOff val="0"/>
               <a:satOff val="0"/>
@@ -3734,8 +4753,8 @@
       </dsp:nvSpPr>
       <dsp:spPr>
         <a:xfrm>
-          <a:off x="7315993" y="3896154"/>
-          <a:ext cx="2165350" cy="1353343"/>
+          <a:off x="8157508" y="3533059"/>
+          <a:ext cx="2258109" cy="1411318"/>
         </a:xfrm>
         <a:prstGeom prst="roundRect">
           <a:avLst>
@@ -3753,7 +4772,7 @@
         </a:solidFill>
         <a:ln w="9525" cap="rnd" cmpd="sng" algn="ctr">
           <a:solidFill>
-            <a:schemeClr val="accent1">
+            <a:schemeClr val="accent3">
               <a:hueOff val="0"/>
               <a:satOff val="0"/>
               <a:lumOff val="0"/>
@@ -3777,12 +4796,12 @@
         <a:fontRef idx="minor"/>
       </dsp:style>
       <dsp:txBody>
-        <a:bodyPr spcFirstLastPara="0" vert="horz" wrap="square" lIns="45720" tIns="30480" rIns="45720" bIns="30480" numCol="1" spcCol="1270" anchor="ctr" anchorCtr="0">
+        <a:bodyPr spcFirstLastPara="0" vert="horz" wrap="square" lIns="47625" tIns="31750" rIns="47625" bIns="31750" numCol="1" spcCol="1270" anchor="ctr" anchorCtr="0">
           <a:noAutofit/>
         </a:bodyPr>
         <a:lstStyle/>
         <a:p>
-          <a:pPr lvl="0" algn="ctr" defTabSz="1066800">
+          <a:pPr marL="0" lvl="0" indent="0" algn="ctr" defTabSz="1111250">
             <a:lnSpc>
               <a:spcPct val="90000"/>
             </a:lnSpc>
@@ -3792,29 +4811,29 @@
             <a:spcAft>
               <a:spcPct val="35000"/>
             </a:spcAft>
+            <a:buNone/>
           </a:pPr>
           <a:r>
-            <a:rPr lang="sv-SE" sz="2400" kern="1200" dirty="0" err="1" smtClean="0"/>
+            <a:rPr lang="sv-SE" sz="2500" kern="1200" dirty="0" err="1"/>
             <a:t>Shared</a:t>
           </a:r>
           <a:r>
-            <a:rPr lang="sv-SE" sz="2400" kern="1200" dirty="0" smtClean="0"/>
+            <a:rPr lang="sv-SE" sz="2500" kern="1200" dirty="0"/>
             <a:t> </a:t>
           </a:r>
           <a:r>
-            <a:rPr lang="sv-SE" sz="2400" kern="1200" dirty="0" err="1" smtClean="0"/>
+            <a:rPr lang="sv-SE" sz="2500" kern="1200" dirty="0" err="1"/>
             <a:t>database</a:t>
           </a:r>
           <a:r>
-            <a:rPr lang="sv-SE" sz="2400" kern="1200" dirty="0" smtClean="0"/>
+            <a:rPr lang="sv-SE" sz="2500" kern="1200" dirty="0"/>
             <a:t> per service</a:t>
           </a:r>
-          <a:endParaRPr lang="sv-SE" sz="2400" kern="1200" dirty="0"/>
         </a:p>
       </dsp:txBody>
       <dsp:txXfrm>
-        <a:off x="7355631" y="3935792"/>
-        <a:ext cx="2086074" cy="1274067"/>
+        <a:off x="8198844" y="3574395"/>
+        <a:ext cx="2175437" cy="1328646"/>
       </dsp:txXfrm>
     </dsp:sp>
     <dsp:sp modelId="{FF6E5BDC-A960-F24A-B954-4486C9D91F66}">
@@ -3824,8 +4843,8 @@
       </dsp:nvSpPr>
       <dsp:spPr>
         <a:xfrm>
-          <a:off x="7045325" y="1866139"/>
-          <a:ext cx="270668" cy="4398367"/>
+          <a:off x="7875245" y="1416081"/>
+          <a:ext cx="282263" cy="4586785"/>
         </a:xfrm>
         <a:custGeom>
           <a:avLst/>
@@ -3839,10 +4858,10 @@
                 <a:pt x="0" y="0"/>
               </a:moveTo>
               <a:lnTo>
-                <a:pt x="0" y="4398367"/>
+                <a:pt x="0" y="4586785"/>
               </a:lnTo>
               <a:lnTo>
-                <a:pt x="270668" y="4398367"/>
+                <a:pt x="282263" y="4586785"/>
               </a:lnTo>
             </a:path>
           </a:pathLst>
@@ -3850,7 +4869,7 @@
         <a:noFill/>
         <a:ln w="9525" cap="rnd" cmpd="sng" algn="ctr">
           <a:solidFill>
-            <a:schemeClr val="accent1">
+            <a:schemeClr val="accent3">
               <a:shade val="60000"/>
               <a:hueOff val="0"/>
               <a:satOff val="0"/>
@@ -3882,8 +4901,8 @@
       </dsp:nvSpPr>
       <dsp:spPr>
         <a:xfrm>
-          <a:off x="7315993" y="5587834"/>
-          <a:ext cx="2165350" cy="1353343"/>
+          <a:off x="8157508" y="5297207"/>
+          <a:ext cx="2258109" cy="1411318"/>
         </a:xfrm>
         <a:prstGeom prst="roundRect">
           <a:avLst>
@@ -3901,7 +4920,7 @@
         </a:solidFill>
         <a:ln w="9525" cap="rnd" cmpd="sng" algn="ctr">
           <a:solidFill>
-            <a:schemeClr val="accent1">
+            <a:schemeClr val="accent3">
               <a:hueOff val="0"/>
               <a:satOff val="0"/>
               <a:lumOff val="0"/>
@@ -3925,12 +4944,12 @@
         <a:fontRef idx="minor"/>
       </dsp:style>
       <dsp:txBody>
-        <a:bodyPr spcFirstLastPara="0" vert="horz" wrap="square" lIns="45720" tIns="30480" rIns="45720" bIns="30480" numCol="1" spcCol="1270" anchor="ctr" anchorCtr="0">
+        <a:bodyPr spcFirstLastPara="0" vert="horz" wrap="square" lIns="47625" tIns="31750" rIns="47625" bIns="31750" numCol="1" spcCol="1270" anchor="ctr" anchorCtr="0">
           <a:noAutofit/>
         </a:bodyPr>
         <a:lstStyle/>
         <a:p>
-          <a:pPr lvl="0" algn="ctr" defTabSz="1066800">
+          <a:pPr marL="0" lvl="0" indent="0" algn="ctr" defTabSz="1111250">
             <a:lnSpc>
               <a:spcPct val="90000"/>
             </a:lnSpc>
@@ -3940,17 +4959,17 @@
             <a:spcAft>
               <a:spcPct val="35000"/>
             </a:spcAft>
+            <a:buNone/>
           </a:pPr>
           <a:r>
-            <a:rPr lang="sv-SE" sz="2400" kern="1200" dirty="0" smtClean="0"/>
+            <a:rPr lang="sv-SE" sz="2500" kern="1200" dirty="0"/>
             <a:t>CQRS</a:t>
           </a:r>
-          <a:endParaRPr lang="sv-SE" sz="2400" kern="1200" dirty="0"/>
         </a:p>
       </dsp:txBody>
       <dsp:txXfrm>
-        <a:off x="7355631" y="5627472"/>
-        <a:ext cx="2086074" cy="1274067"/>
+        <a:off x="8198844" y="5338543"/>
+        <a:ext cx="2175437" cy="1328646"/>
       </dsp:txXfrm>
     </dsp:sp>
     <dsp:sp modelId="{999A89F6-D06D-8948-BFEB-63BAC2CD1842}">
@@ -3960,8 +4979,8 @@
       </dsp:nvSpPr>
       <dsp:spPr>
         <a:xfrm>
-          <a:off x="7045325" y="1866139"/>
-          <a:ext cx="270668" cy="6090046"/>
+          <a:off x="7875245" y="1416081"/>
+          <a:ext cx="282263" cy="6350933"/>
         </a:xfrm>
         <a:custGeom>
           <a:avLst/>
@@ -3975,10 +4994,10 @@
                 <a:pt x="0" y="0"/>
               </a:moveTo>
               <a:lnTo>
-                <a:pt x="0" y="6090046"/>
+                <a:pt x="0" y="6350933"/>
               </a:lnTo>
               <a:lnTo>
-                <a:pt x="270668" y="6090046"/>
+                <a:pt x="282263" y="6350933"/>
               </a:lnTo>
             </a:path>
           </a:pathLst>
@@ -3986,7 +5005,7 @@
         <a:noFill/>
         <a:ln w="9525" cap="rnd" cmpd="sng" algn="ctr">
           <a:solidFill>
-            <a:schemeClr val="accent1">
+            <a:schemeClr val="accent3">
               <a:shade val="60000"/>
               <a:hueOff val="0"/>
               <a:satOff val="0"/>
@@ -4018,8 +5037,8 @@
       </dsp:nvSpPr>
       <dsp:spPr>
         <a:xfrm>
-          <a:off x="7315993" y="7279514"/>
-          <a:ext cx="2165350" cy="1353343"/>
+          <a:off x="8157508" y="7061355"/>
+          <a:ext cx="2258109" cy="1411318"/>
         </a:xfrm>
         <a:prstGeom prst="roundRect">
           <a:avLst>
@@ -4037,7 +5056,7 @@
         </a:solidFill>
         <a:ln w="9525" cap="rnd" cmpd="sng" algn="ctr">
           <a:solidFill>
-            <a:schemeClr val="accent1">
+            <a:schemeClr val="accent3">
               <a:hueOff val="0"/>
               <a:satOff val="0"/>
               <a:lumOff val="0"/>
@@ -4061,12 +5080,12 @@
         <a:fontRef idx="minor"/>
       </dsp:style>
       <dsp:txBody>
-        <a:bodyPr spcFirstLastPara="0" vert="horz" wrap="square" lIns="45720" tIns="30480" rIns="45720" bIns="30480" numCol="1" spcCol="1270" anchor="ctr" anchorCtr="0">
+        <a:bodyPr spcFirstLastPara="0" vert="horz" wrap="square" lIns="47625" tIns="31750" rIns="47625" bIns="31750" numCol="1" spcCol="1270" anchor="ctr" anchorCtr="0">
           <a:noAutofit/>
         </a:bodyPr>
         <a:lstStyle/>
         <a:p>
-          <a:pPr lvl="0" algn="ctr" defTabSz="1066800">
+          <a:pPr marL="0" lvl="0" indent="0" algn="ctr" defTabSz="1111250">
             <a:lnSpc>
               <a:spcPct val="90000"/>
             </a:lnSpc>
@@ -4076,21 +5095,22 @@
             <a:spcAft>
               <a:spcPct val="35000"/>
             </a:spcAft>
+            <a:buNone/>
           </a:pPr>
           <a:r>
-            <a:rPr lang="sv-SE" sz="2400" kern="1200" dirty="0" smtClean="0"/>
+            <a:rPr lang="sv-SE" sz="2500" kern="1200" dirty="0"/>
             <a:t>Event </a:t>
           </a:r>
           <a:r>
-            <a:rPr lang="sv-SE" sz="2400" kern="1200" dirty="0" err="1" smtClean="0"/>
+            <a:rPr lang="sv-SE" sz="2500" kern="1200" dirty="0" err="1"/>
             <a:t>sourcing</a:t>
           </a:r>
-          <a:endParaRPr lang="sv-SE" sz="2400" kern="1200" dirty="0"/>
+          <a:endParaRPr lang="sv-SE" sz="2500" kern="1200" dirty="0"/>
         </a:p>
       </dsp:txBody>
       <dsp:txXfrm>
-        <a:off x="7355631" y="7319152"/>
-        <a:ext cx="2086074" cy="1274067"/>
+        <a:off x="8198844" y="7102691"/>
+        <a:ext cx="2175437" cy="1328646"/>
       </dsp:txXfrm>
     </dsp:sp>
     <dsp:sp modelId="{A785FC01-3D4C-D74E-9B94-73FB2BCCB0DE}">
@@ -4100,8 +5120,8 @@
       </dsp:nvSpPr>
       <dsp:spPr>
         <a:xfrm>
-          <a:off x="7045325" y="1866139"/>
-          <a:ext cx="270668" cy="7781726"/>
+          <a:off x="7875245" y="1416081"/>
+          <a:ext cx="282263" cy="8115081"/>
         </a:xfrm>
         <a:custGeom>
           <a:avLst/>
@@ -4115,10 +5135,10 @@
                 <a:pt x="0" y="0"/>
               </a:moveTo>
               <a:lnTo>
-                <a:pt x="0" y="7781726"/>
+                <a:pt x="0" y="8115081"/>
               </a:lnTo>
               <a:lnTo>
-                <a:pt x="270668" y="7781726"/>
+                <a:pt x="282263" y="8115081"/>
               </a:lnTo>
             </a:path>
           </a:pathLst>
@@ -4126,7 +5146,7 @@
         <a:noFill/>
         <a:ln w="9525" cap="rnd" cmpd="sng" algn="ctr">
           <a:solidFill>
-            <a:schemeClr val="accent1">
+            <a:schemeClr val="accent3">
               <a:shade val="60000"/>
               <a:hueOff val="0"/>
               <a:satOff val="0"/>
@@ -4158,8 +5178,8 @@
       </dsp:nvSpPr>
       <dsp:spPr>
         <a:xfrm>
-          <a:off x="7315993" y="8971193"/>
-          <a:ext cx="2165350" cy="1353343"/>
+          <a:off x="8157508" y="8825503"/>
+          <a:ext cx="2258109" cy="1411318"/>
         </a:xfrm>
         <a:prstGeom prst="roundRect">
           <a:avLst>
@@ -4177,7 +5197,7 @@
         </a:solidFill>
         <a:ln w="9525" cap="rnd" cmpd="sng" algn="ctr">
           <a:solidFill>
-            <a:schemeClr val="accent1">
+            <a:schemeClr val="accent3">
               <a:hueOff val="0"/>
               <a:satOff val="0"/>
               <a:lumOff val="0"/>
@@ -4201,12 +5221,12 @@
         <a:fontRef idx="minor"/>
       </dsp:style>
       <dsp:txBody>
-        <a:bodyPr spcFirstLastPara="0" vert="horz" wrap="square" lIns="45720" tIns="30480" rIns="45720" bIns="30480" numCol="1" spcCol="1270" anchor="ctr" anchorCtr="0">
+        <a:bodyPr spcFirstLastPara="0" vert="horz" wrap="square" lIns="47625" tIns="31750" rIns="47625" bIns="31750" numCol="1" spcCol="1270" anchor="ctr" anchorCtr="0">
           <a:noAutofit/>
         </a:bodyPr>
         <a:lstStyle/>
         <a:p>
-          <a:pPr lvl="0" algn="ctr" defTabSz="1066800">
+          <a:pPr marL="0" lvl="0" indent="0" algn="ctr" defTabSz="1111250">
             <a:lnSpc>
               <a:spcPct val="90000"/>
             </a:lnSpc>
@@ -4216,17 +5236,17 @@
             <a:spcAft>
               <a:spcPct val="35000"/>
             </a:spcAft>
+            <a:buNone/>
           </a:pPr>
           <a:r>
-            <a:rPr lang="sv-SE" sz="2400" kern="1200" dirty="0" smtClean="0"/>
+            <a:rPr lang="sv-SE" sz="2500" kern="1200" dirty="0"/>
             <a:t>Saga</a:t>
           </a:r>
-          <a:endParaRPr lang="sv-SE" sz="2400" kern="1200" dirty="0"/>
         </a:p>
       </dsp:txBody>
       <dsp:txXfrm>
-        <a:off x="7355631" y="9010831"/>
-        <a:ext cx="2086074" cy="1274067"/>
+        <a:off x="8198844" y="8866839"/>
+        <a:ext cx="2175437" cy="1328646"/>
       </dsp:txXfrm>
     </dsp:sp>
     <dsp:sp modelId="{CA79BDC7-9524-9D4A-8350-EEF56E4E5D3E}">
@@ -4236,8 +5256,8 @@
       </dsp:nvSpPr>
       <dsp:spPr>
         <a:xfrm>
-          <a:off x="10158015" y="512795"/>
-          <a:ext cx="2706687" cy="1353343"/>
+          <a:off x="11121277" y="4762"/>
+          <a:ext cx="2822637" cy="1411318"/>
         </a:xfrm>
         <a:prstGeom prst="roundRect">
           <a:avLst>
@@ -4247,7 +5267,7 @@
         <a:gradFill rotWithShape="0">
           <a:gsLst>
             <a:gs pos="0">
-              <a:schemeClr val="accent1">
+              <a:schemeClr val="accent3">
                 <a:hueOff val="0"/>
                 <a:satOff val="0"/>
                 <a:lumOff val="0"/>
@@ -4257,7 +5277,7 @@
               </a:schemeClr>
             </a:gs>
             <a:gs pos="100000">
-              <a:schemeClr val="accent1">
+              <a:schemeClr val="accent3">
                 <a:hueOff val="0"/>
                 <a:satOff val="0"/>
                 <a:lumOff val="0"/>
@@ -4295,12 +5315,12 @@
         </a:fontRef>
       </dsp:style>
       <dsp:txBody>
-        <a:bodyPr spcFirstLastPara="0" vert="horz" wrap="square" lIns="49530" tIns="33020" rIns="49530" bIns="33020" numCol="1" spcCol="1270" anchor="ctr" anchorCtr="0">
+        <a:bodyPr spcFirstLastPara="0" vert="horz" wrap="square" lIns="53340" tIns="35560" rIns="53340" bIns="35560" numCol="1" spcCol="1270" anchor="ctr" anchorCtr="0">
           <a:noAutofit/>
         </a:bodyPr>
         <a:lstStyle/>
         <a:p>
-          <a:pPr lvl="0" algn="ctr" defTabSz="1155700">
+          <a:pPr marL="0" lvl="0" indent="0" algn="ctr" defTabSz="1244600">
             <a:lnSpc>
               <a:spcPct val="90000"/>
             </a:lnSpc>
@@ -4310,17 +5330,18 @@
             <a:spcAft>
               <a:spcPct val="35000"/>
             </a:spcAft>
+            <a:buNone/>
           </a:pPr>
           <a:r>
-            <a:rPr lang="sv-SE" sz="2600" kern="1200" dirty="0" err="1" smtClean="0"/>
+            <a:rPr lang="sv-SE" sz="2800" kern="1200" dirty="0" err="1"/>
             <a:t>Observability</a:t>
           </a:r>
-          <a:endParaRPr lang="sv-SE" sz="2600" kern="1200" dirty="0"/>
+          <a:endParaRPr lang="sv-SE" sz="2800" kern="1200" dirty="0"/>
         </a:p>
       </dsp:txBody>
       <dsp:txXfrm>
-        <a:off x="10197653" y="552433"/>
-        <a:ext cx="2627411" cy="1274067"/>
+        <a:off x="11162613" y="46098"/>
+        <a:ext cx="2739965" cy="1328646"/>
       </dsp:txXfrm>
     </dsp:sp>
     <dsp:sp modelId="{0EB9291A-2FC5-AF4E-A7DC-0C56AD37184D}">
@@ -4330,8 +5351,8 @@
       </dsp:nvSpPr>
       <dsp:spPr>
         <a:xfrm>
-          <a:off x="10428684" y="1866139"/>
-          <a:ext cx="270668" cy="1015007"/>
+          <a:off x="11403541" y="1416081"/>
+          <a:ext cx="282263" cy="1058488"/>
         </a:xfrm>
         <a:custGeom>
           <a:avLst/>
@@ -4345,10 +5366,10 @@
                 <a:pt x="0" y="0"/>
               </a:moveTo>
               <a:lnTo>
-                <a:pt x="0" y="1015007"/>
+                <a:pt x="0" y="1058488"/>
               </a:lnTo>
               <a:lnTo>
-                <a:pt x="270668" y="1015007"/>
+                <a:pt x="282263" y="1058488"/>
               </a:lnTo>
             </a:path>
           </a:pathLst>
@@ -4356,7 +5377,7 @@
         <a:noFill/>
         <a:ln w="9525" cap="rnd" cmpd="sng" algn="ctr">
           <a:solidFill>
-            <a:schemeClr val="accent1">
+            <a:schemeClr val="accent3">
               <a:shade val="60000"/>
               <a:hueOff val="0"/>
               <a:satOff val="0"/>
@@ -4388,8 +5409,8 @@
       </dsp:nvSpPr>
       <dsp:spPr>
         <a:xfrm>
-          <a:off x="10699353" y="2204475"/>
-          <a:ext cx="2165350" cy="1353343"/>
+          <a:off x="11685805" y="1768910"/>
+          <a:ext cx="2258109" cy="1411318"/>
         </a:xfrm>
         <a:prstGeom prst="roundRect">
           <a:avLst>
@@ -4407,7 +5428,7 @@
         </a:solidFill>
         <a:ln w="9525" cap="rnd" cmpd="sng" algn="ctr">
           <a:solidFill>
-            <a:schemeClr val="accent1">
+            <a:schemeClr val="accent3">
               <a:hueOff val="0"/>
               <a:satOff val="0"/>
               <a:lumOff val="0"/>
@@ -4431,12 +5452,12 @@
         <a:fontRef idx="minor"/>
       </dsp:style>
       <dsp:txBody>
-        <a:bodyPr spcFirstLastPara="0" vert="horz" wrap="square" lIns="45720" tIns="30480" rIns="45720" bIns="30480" numCol="1" spcCol="1270" anchor="ctr" anchorCtr="0">
+        <a:bodyPr spcFirstLastPara="0" vert="horz" wrap="square" lIns="47625" tIns="31750" rIns="47625" bIns="31750" numCol="1" spcCol="1270" anchor="ctr" anchorCtr="0">
           <a:noAutofit/>
         </a:bodyPr>
         <a:lstStyle/>
         <a:p>
-          <a:pPr lvl="0" algn="ctr" defTabSz="1066800">
+          <a:pPr marL="0" lvl="0" indent="0" algn="ctr" defTabSz="1111250">
             <a:lnSpc>
               <a:spcPct val="90000"/>
             </a:lnSpc>
@@ -4446,25 +5467,26 @@
             <a:spcAft>
               <a:spcPct val="35000"/>
             </a:spcAft>
+            <a:buNone/>
           </a:pPr>
           <a:r>
-            <a:rPr lang="sv-SE" sz="2400" kern="1200" dirty="0" err="1" smtClean="0"/>
+            <a:rPr lang="sv-SE" sz="2500" kern="1200" dirty="0" err="1"/>
             <a:t>Distributed</a:t>
           </a:r>
           <a:r>
-            <a:rPr lang="sv-SE" sz="2400" kern="1200" dirty="0" smtClean="0"/>
+            <a:rPr lang="sv-SE" sz="2500" kern="1200" dirty="0"/>
             <a:t> </a:t>
           </a:r>
           <a:r>
-            <a:rPr lang="sv-SE" sz="2400" kern="1200" dirty="0" err="1" smtClean="0"/>
+            <a:rPr lang="sv-SE" sz="2500" kern="1200" dirty="0" err="1"/>
             <a:t>tracing</a:t>
           </a:r>
-          <a:endParaRPr lang="sv-SE" sz="2400" kern="1200" dirty="0"/>
+          <a:endParaRPr lang="sv-SE" sz="2500" kern="1200" dirty="0"/>
         </a:p>
       </dsp:txBody>
       <dsp:txXfrm>
-        <a:off x="10738991" y="2244113"/>
-        <a:ext cx="2086074" cy="1274067"/>
+        <a:off x="11727141" y="1810246"/>
+        <a:ext cx="2175437" cy="1328646"/>
       </dsp:txXfrm>
     </dsp:sp>
     <dsp:sp modelId="{55A9E830-5180-9245-B419-D704E253EB8D}">
@@ -4474,8 +5496,8 @@
       </dsp:nvSpPr>
       <dsp:spPr>
         <a:xfrm>
-          <a:off x="10428684" y="1866139"/>
-          <a:ext cx="270668" cy="2706687"/>
+          <a:off x="11403541" y="1416081"/>
+          <a:ext cx="282263" cy="2822637"/>
         </a:xfrm>
         <a:custGeom>
           <a:avLst/>
@@ -4489,10 +5511,10 @@
                 <a:pt x="0" y="0"/>
               </a:moveTo>
               <a:lnTo>
-                <a:pt x="0" y="2706687"/>
+                <a:pt x="0" y="2822637"/>
               </a:lnTo>
               <a:lnTo>
-                <a:pt x="270668" y="2706687"/>
+                <a:pt x="282263" y="2822637"/>
               </a:lnTo>
             </a:path>
           </a:pathLst>
@@ -4500,7 +5522,7 @@
         <a:noFill/>
         <a:ln w="9525" cap="rnd" cmpd="sng" algn="ctr">
           <a:solidFill>
-            <a:schemeClr val="accent1">
+            <a:schemeClr val="accent3">
               <a:shade val="60000"/>
               <a:hueOff val="0"/>
               <a:satOff val="0"/>
@@ -4532,8 +5554,8 @@
       </dsp:nvSpPr>
       <dsp:spPr>
         <a:xfrm>
-          <a:off x="10699353" y="3896154"/>
-          <a:ext cx="2165350" cy="1353343"/>
+          <a:off x="11685805" y="3533059"/>
+          <a:ext cx="2258109" cy="1411318"/>
         </a:xfrm>
         <a:prstGeom prst="roundRect">
           <a:avLst>
@@ -4551,7 +5573,7 @@
         </a:solidFill>
         <a:ln w="9525" cap="rnd" cmpd="sng" algn="ctr">
           <a:solidFill>
-            <a:schemeClr val="accent1">
+            <a:schemeClr val="accent3">
               <a:hueOff val="0"/>
               <a:satOff val="0"/>
               <a:lumOff val="0"/>
@@ -4575,12 +5597,12 @@
         <a:fontRef idx="minor"/>
       </dsp:style>
       <dsp:txBody>
-        <a:bodyPr spcFirstLastPara="0" vert="horz" wrap="square" lIns="45720" tIns="30480" rIns="45720" bIns="30480" numCol="1" spcCol="1270" anchor="ctr" anchorCtr="0">
+        <a:bodyPr spcFirstLastPara="0" vert="horz" wrap="square" lIns="47625" tIns="31750" rIns="47625" bIns="31750" numCol="1" spcCol="1270" anchor="ctr" anchorCtr="0">
           <a:noAutofit/>
         </a:bodyPr>
         <a:lstStyle/>
         <a:p>
-          <a:pPr lvl="0" algn="ctr" defTabSz="1066800">
+          <a:pPr marL="0" lvl="0" indent="0" algn="ctr" defTabSz="1111250">
             <a:lnSpc>
               <a:spcPct val="90000"/>
             </a:lnSpc>
@@ -4590,17 +5612,17 @@
             <a:spcAft>
               <a:spcPct val="35000"/>
             </a:spcAft>
+            <a:buNone/>
           </a:pPr>
           <a:r>
-            <a:rPr lang="sv-SE" sz="2400" kern="1200" dirty="0" smtClean="0"/>
+            <a:rPr lang="sv-SE" sz="2500" kern="1200" dirty="0"/>
             <a:t>Health check API</a:t>
           </a:r>
-          <a:endParaRPr lang="sv-SE" sz="2400" kern="1200" dirty="0"/>
         </a:p>
       </dsp:txBody>
       <dsp:txXfrm>
-        <a:off x="10738991" y="3935792"/>
-        <a:ext cx="2086074" cy="1274067"/>
+        <a:off x="11727141" y="3574395"/>
+        <a:ext cx="2175437" cy="1328646"/>
       </dsp:txXfrm>
     </dsp:sp>
     <dsp:sp modelId="{7C3221A8-FE6C-8A44-A30C-ABC2FB33B0D1}">
@@ -4610,8 +5632,8 @@
       </dsp:nvSpPr>
       <dsp:spPr>
         <a:xfrm>
-          <a:off x="10428684" y="1866139"/>
-          <a:ext cx="270668" cy="4398367"/>
+          <a:off x="11403541" y="1416081"/>
+          <a:ext cx="282263" cy="4586785"/>
         </a:xfrm>
         <a:custGeom>
           <a:avLst/>
@@ -4625,10 +5647,10 @@
                 <a:pt x="0" y="0"/>
               </a:moveTo>
               <a:lnTo>
-                <a:pt x="0" y="4398367"/>
+                <a:pt x="0" y="4586785"/>
               </a:lnTo>
               <a:lnTo>
-                <a:pt x="270668" y="4398367"/>
+                <a:pt x="282263" y="4586785"/>
               </a:lnTo>
             </a:path>
           </a:pathLst>
@@ -4636,7 +5658,7 @@
         <a:noFill/>
         <a:ln w="9525" cap="rnd" cmpd="sng" algn="ctr">
           <a:solidFill>
-            <a:schemeClr val="accent1">
+            <a:schemeClr val="accent3">
               <a:shade val="60000"/>
               <a:hueOff val="0"/>
               <a:satOff val="0"/>
@@ -4668,8 +5690,8 @@
       </dsp:nvSpPr>
       <dsp:spPr>
         <a:xfrm>
-          <a:off x="10699353" y="5587834"/>
-          <a:ext cx="2165350" cy="1353343"/>
+          <a:off x="11685805" y="5297207"/>
+          <a:ext cx="2258109" cy="1411318"/>
         </a:xfrm>
         <a:prstGeom prst="roundRect">
           <a:avLst>
@@ -4687,7 +5709,7 @@
         </a:solidFill>
         <a:ln w="9525" cap="rnd" cmpd="sng" algn="ctr">
           <a:solidFill>
-            <a:schemeClr val="accent1">
+            <a:schemeClr val="accent3">
               <a:hueOff val="0"/>
               <a:satOff val="0"/>
               <a:lumOff val="0"/>
@@ -4711,12 +5733,12 @@
         <a:fontRef idx="minor"/>
       </dsp:style>
       <dsp:txBody>
-        <a:bodyPr spcFirstLastPara="0" vert="horz" wrap="square" lIns="45720" tIns="30480" rIns="45720" bIns="30480" numCol="1" spcCol="1270" anchor="ctr" anchorCtr="0">
+        <a:bodyPr spcFirstLastPara="0" vert="horz" wrap="square" lIns="47625" tIns="31750" rIns="47625" bIns="31750" numCol="1" spcCol="1270" anchor="ctr" anchorCtr="0">
           <a:noAutofit/>
         </a:bodyPr>
         <a:lstStyle/>
         <a:p>
-          <a:pPr lvl="0" algn="ctr" defTabSz="1066800">
+          <a:pPr marL="0" lvl="0" indent="0" algn="ctr" defTabSz="1111250">
             <a:lnSpc>
               <a:spcPct val="90000"/>
             </a:lnSpc>
@@ -4726,17 +5748,17 @@
             <a:spcAft>
               <a:spcPct val="35000"/>
             </a:spcAft>
+            <a:buNone/>
           </a:pPr>
           <a:r>
-            <a:rPr lang="sv-SE" sz="2400" kern="1200" dirty="0" smtClean="0"/>
+            <a:rPr lang="sv-SE" sz="2500" kern="1200" dirty="0"/>
             <a:t>Log aggregation</a:t>
           </a:r>
-          <a:endParaRPr lang="sv-SE" sz="2400" kern="1200" dirty="0"/>
         </a:p>
       </dsp:txBody>
       <dsp:txXfrm>
-        <a:off x="10738991" y="5627472"/>
-        <a:ext cx="2086074" cy="1274067"/>
+        <a:off x="11727141" y="5338543"/>
+        <a:ext cx="2175437" cy="1328646"/>
       </dsp:txXfrm>
     </dsp:sp>
     <dsp:sp modelId="{E4DF5847-9D80-BA4A-B9EA-744D6827D637}">
@@ -4746,8 +5768,8 @@
       </dsp:nvSpPr>
       <dsp:spPr>
         <a:xfrm>
-          <a:off x="10428684" y="1866139"/>
-          <a:ext cx="270668" cy="6090046"/>
+          <a:off x="11403541" y="1416081"/>
+          <a:ext cx="282263" cy="6350933"/>
         </a:xfrm>
         <a:custGeom>
           <a:avLst/>
@@ -4761,10 +5783,10 @@
                 <a:pt x="0" y="0"/>
               </a:moveTo>
               <a:lnTo>
-                <a:pt x="0" y="6090046"/>
+                <a:pt x="0" y="6350933"/>
               </a:lnTo>
               <a:lnTo>
-                <a:pt x="270668" y="6090046"/>
+                <a:pt x="282263" y="6350933"/>
               </a:lnTo>
             </a:path>
           </a:pathLst>
@@ -4772,7 +5794,7 @@
         <a:noFill/>
         <a:ln w="9525" cap="rnd" cmpd="sng" algn="ctr">
           <a:solidFill>
-            <a:schemeClr val="accent1">
+            <a:schemeClr val="accent3">
               <a:shade val="60000"/>
               <a:hueOff val="0"/>
               <a:satOff val="0"/>
@@ -4804,8 +5826,8 @@
       </dsp:nvSpPr>
       <dsp:spPr>
         <a:xfrm>
-          <a:off x="10699353" y="7279514"/>
-          <a:ext cx="2165350" cy="1353343"/>
+          <a:off x="11685805" y="7061355"/>
+          <a:ext cx="2258109" cy="1411318"/>
         </a:xfrm>
         <a:prstGeom prst="roundRect">
           <a:avLst>
@@ -4823,7 +5845,7 @@
         </a:solidFill>
         <a:ln w="9525" cap="rnd" cmpd="sng" algn="ctr">
           <a:solidFill>
-            <a:schemeClr val="accent1">
+            <a:schemeClr val="accent3">
               <a:hueOff val="0"/>
               <a:satOff val="0"/>
               <a:lumOff val="0"/>
@@ -4847,12 +5869,12 @@
         <a:fontRef idx="minor"/>
       </dsp:style>
       <dsp:txBody>
-        <a:bodyPr spcFirstLastPara="0" vert="horz" wrap="square" lIns="45720" tIns="30480" rIns="45720" bIns="30480" numCol="1" spcCol="1270" anchor="ctr" anchorCtr="0">
+        <a:bodyPr spcFirstLastPara="0" vert="horz" wrap="square" lIns="47625" tIns="31750" rIns="47625" bIns="31750" numCol="1" spcCol="1270" anchor="ctr" anchorCtr="0">
           <a:noAutofit/>
         </a:bodyPr>
         <a:lstStyle/>
         <a:p>
-          <a:pPr lvl="0" algn="ctr" defTabSz="1066800">
+          <a:pPr marL="0" lvl="0" indent="0" algn="ctr" defTabSz="1111250">
             <a:lnSpc>
               <a:spcPct val="90000"/>
             </a:lnSpc>
@@ -4862,25 +5884,26 @@
             <a:spcAft>
               <a:spcPct val="35000"/>
             </a:spcAft>
+            <a:buNone/>
           </a:pPr>
           <a:r>
-            <a:rPr lang="sv-SE" sz="2400" kern="1200" dirty="0" err="1" smtClean="0"/>
+            <a:rPr lang="sv-SE" sz="2500" kern="1200" dirty="0" err="1"/>
             <a:t>Performance</a:t>
           </a:r>
           <a:r>
-            <a:rPr lang="sv-SE" sz="2400" kern="1200" dirty="0" smtClean="0"/>
+            <a:rPr lang="sv-SE" sz="2500" kern="1200" dirty="0"/>
             <a:t> </a:t>
           </a:r>
           <a:r>
-            <a:rPr lang="sv-SE" sz="2400" kern="1200" dirty="0" err="1" smtClean="0"/>
+            <a:rPr lang="sv-SE" sz="2500" kern="1200" dirty="0" err="1"/>
             <a:t>metrics</a:t>
           </a:r>
-          <a:endParaRPr lang="sv-SE" sz="2400" kern="1200" dirty="0"/>
+          <a:endParaRPr lang="sv-SE" sz="2500" kern="1200" dirty="0"/>
         </a:p>
       </dsp:txBody>
       <dsp:txXfrm>
-        <a:off x="10738991" y="7319152"/>
-        <a:ext cx="2086074" cy="1274067"/>
+        <a:off x="11727141" y="7102691"/>
+        <a:ext cx="2175437" cy="1328646"/>
       </dsp:txXfrm>
     </dsp:sp>
     <dsp:sp modelId="{B8A017BA-55B1-4447-A97A-4D5EC8FEBF7D}">
@@ -4890,8 +5913,8 @@
       </dsp:nvSpPr>
       <dsp:spPr>
         <a:xfrm>
-          <a:off x="13541374" y="512795"/>
-          <a:ext cx="2706687" cy="1353343"/>
+          <a:off x="14649574" y="4762"/>
+          <a:ext cx="2822637" cy="1411318"/>
         </a:xfrm>
         <a:prstGeom prst="roundRect">
           <a:avLst>
@@ -4901,7 +5924,7 @@
         <a:gradFill rotWithShape="0">
           <a:gsLst>
             <a:gs pos="0">
-              <a:schemeClr val="accent1">
+              <a:schemeClr val="accent3">
                 <a:hueOff val="0"/>
                 <a:satOff val="0"/>
                 <a:lumOff val="0"/>
@@ -4911,7 +5934,7 @@
               </a:schemeClr>
             </a:gs>
             <a:gs pos="100000">
-              <a:schemeClr val="accent1">
+              <a:schemeClr val="accent3">
                 <a:hueOff val="0"/>
                 <a:satOff val="0"/>
                 <a:lumOff val="0"/>
@@ -4949,12 +5972,12 @@
         </a:fontRef>
       </dsp:style>
       <dsp:txBody>
-        <a:bodyPr spcFirstLastPara="0" vert="horz" wrap="square" lIns="49530" tIns="33020" rIns="49530" bIns="33020" numCol="1" spcCol="1270" anchor="ctr" anchorCtr="0">
+        <a:bodyPr spcFirstLastPara="0" vert="horz" wrap="square" lIns="53340" tIns="35560" rIns="53340" bIns="35560" numCol="1" spcCol="1270" anchor="ctr" anchorCtr="0">
           <a:noAutofit/>
         </a:bodyPr>
         <a:lstStyle/>
         <a:p>
-          <a:pPr lvl="0" algn="ctr" defTabSz="1155700">
+          <a:pPr marL="0" lvl="0" indent="0" algn="ctr" defTabSz="1244600">
             <a:lnSpc>
               <a:spcPct val="90000"/>
             </a:lnSpc>
@@ -4964,29 +5987,30 @@
             <a:spcAft>
               <a:spcPct val="35000"/>
             </a:spcAft>
+            <a:buNone/>
           </a:pPr>
           <a:r>
-            <a:rPr lang="sv-SE" sz="2600" kern="1200" dirty="0" smtClean="0"/>
+            <a:rPr lang="sv-SE" sz="2800" kern="1200" dirty="0"/>
             <a:t>Cross-</a:t>
           </a:r>
           <a:r>
-            <a:rPr lang="sv-SE" sz="2600" kern="1200" dirty="0" err="1" smtClean="0"/>
+            <a:rPr lang="sv-SE" sz="2800" kern="1200" dirty="0" err="1"/>
             <a:t>cutting</a:t>
           </a:r>
           <a:r>
-            <a:rPr lang="sv-SE" sz="2600" kern="1200" dirty="0" smtClean="0"/>
+            <a:rPr lang="sv-SE" sz="2800" kern="1200" dirty="0"/>
             <a:t> </a:t>
           </a:r>
           <a:r>
-            <a:rPr lang="sv-SE" sz="2600" kern="1200" dirty="0" err="1" smtClean="0"/>
+            <a:rPr lang="sv-SE" sz="2800" kern="1200" dirty="0" err="1"/>
             <a:t>concerns</a:t>
           </a:r>
-          <a:endParaRPr lang="sv-SE" sz="2600" kern="1200" dirty="0"/>
+          <a:endParaRPr lang="sv-SE" sz="2800" kern="1200" dirty="0"/>
         </a:p>
       </dsp:txBody>
       <dsp:txXfrm>
-        <a:off x="13581012" y="552433"/>
-        <a:ext cx="2627411" cy="1274067"/>
+        <a:off x="14690910" y="46098"/>
+        <a:ext cx="2739965" cy="1328646"/>
       </dsp:txXfrm>
     </dsp:sp>
     <dsp:sp modelId="{A2FB4E40-6805-9147-822B-0F18CE1F2DA3}">
@@ -4996,8 +6020,8 @@
       </dsp:nvSpPr>
       <dsp:spPr>
         <a:xfrm>
-          <a:off x="13812043" y="1866139"/>
-          <a:ext cx="270668" cy="1015007"/>
+          <a:off x="14931837" y="1416081"/>
+          <a:ext cx="282263" cy="1058488"/>
         </a:xfrm>
         <a:custGeom>
           <a:avLst/>
@@ -5011,10 +6035,10 @@
                 <a:pt x="0" y="0"/>
               </a:moveTo>
               <a:lnTo>
-                <a:pt x="0" y="1015007"/>
+                <a:pt x="0" y="1058488"/>
               </a:lnTo>
               <a:lnTo>
-                <a:pt x="270668" y="1015007"/>
+                <a:pt x="282263" y="1058488"/>
               </a:lnTo>
             </a:path>
           </a:pathLst>
@@ -5022,7 +6046,7 @@
         <a:noFill/>
         <a:ln w="9525" cap="rnd" cmpd="sng" algn="ctr">
           <a:solidFill>
-            <a:schemeClr val="accent1">
+            <a:schemeClr val="accent3">
               <a:shade val="60000"/>
               <a:hueOff val="0"/>
               <a:satOff val="0"/>
@@ -5054,8 +6078,8 @@
       </dsp:nvSpPr>
       <dsp:spPr>
         <a:xfrm>
-          <a:off x="14082712" y="2204475"/>
-          <a:ext cx="2165350" cy="1353343"/>
+          <a:off x="15214101" y="1768910"/>
+          <a:ext cx="2258109" cy="1411318"/>
         </a:xfrm>
         <a:prstGeom prst="roundRect">
           <a:avLst>
@@ -5073,7 +6097,7 @@
         </a:solidFill>
         <a:ln w="9525" cap="rnd" cmpd="sng" algn="ctr">
           <a:solidFill>
-            <a:schemeClr val="accent1">
+            <a:schemeClr val="accent3">
               <a:hueOff val="0"/>
               <a:satOff val="0"/>
               <a:lumOff val="0"/>
@@ -5097,12 +6121,12 @@
         <a:fontRef idx="minor"/>
       </dsp:style>
       <dsp:txBody>
-        <a:bodyPr spcFirstLastPara="0" vert="horz" wrap="square" lIns="45720" tIns="30480" rIns="45720" bIns="30480" numCol="1" spcCol="1270" anchor="ctr" anchorCtr="0">
+        <a:bodyPr spcFirstLastPara="0" vert="horz" wrap="square" lIns="47625" tIns="31750" rIns="47625" bIns="31750" numCol="1" spcCol="1270" anchor="ctr" anchorCtr="0">
           <a:noAutofit/>
         </a:bodyPr>
         <a:lstStyle/>
         <a:p>
-          <a:pPr lvl="0" algn="ctr" defTabSz="1066800">
+          <a:pPr marL="0" lvl="0" indent="0" algn="ctr" defTabSz="1111250">
             <a:lnSpc>
               <a:spcPct val="90000"/>
             </a:lnSpc>
@@ -5112,25 +6136,26 @@
             <a:spcAft>
               <a:spcPct val="35000"/>
             </a:spcAft>
+            <a:buNone/>
           </a:pPr>
           <a:r>
-            <a:rPr lang="sv-SE" sz="2400" kern="1200" dirty="0" err="1" smtClean="0"/>
+            <a:rPr lang="sv-SE" sz="2500" kern="1200" dirty="0" err="1"/>
             <a:t>External</a:t>
           </a:r>
           <a:r>
-            <a:rPr lang="sv-SE" sz="2400" kern="1200" dirty="0" smtClean="0"/>
+            <a:rPr lang="sv-SE" sz="2500" kern="1200" dirty="0"/>
             <a:t> </a:t>
           </a:r>
           <a:r>
-            <a:rPr lang="sv-SE" sz="2400" kern="1200" dirty="0" err="1" smtClean="0"/>
+            <a:rPr lang="sv-SE" sz="2500" kern="1200" dirty="0" err="1"/>
             <a:t>configuration</a:t>
           </a:r>
-          <a:endParaRPr lang="sv-SE" sz="2400" kern="1200" dirty="0"/>
+          <a:endParaRPr lang="sv-SE" sz="2500" kern="1200" dirty="0"/>
         </a:p>
       </dsp:txBody>
       <dsp:txXfrm>
-        <a:off x="14122350" y="2244113"/>
-        <a:ext cx="2086074" cy="1274067"/>
+        <a:off x="15255437" y="1810246"/>
+        <a:ext cx="2175437" cy="1328646"/>
       </dsp:txXfrm>
     </dsp:sp>
     <dsp:sp modelId="{60F5DC4F-591F-5E4D-B152-59F99353A982}">
@@ -5140,8 +6165,8 @@
       </dsp:nvSpPr>
       <dsp:spPr>
         <a:xfrm>
-          <a:off x="13812043" y="1866139"/>
-          <a:ext cx="270668" cy="2706687"/>
+          <a:off x="14931837" y="1416081"/>
+          <a:ext cx="282263" cy="2822637"/>
         </a:xfrm>
         <a:custGeom>
           <a:avLst/>
@@ -5155,10 +6180,10 @@
                 <a:pt x="0" y="0"/>
               </a:moveTo>
               <a:lnTo>
-                <a:pt x="0" y="2706687"/>
+                <a:pt x="0" y="2822637"/>
               </a:lnTo>
               <a:lnTo>
-                <a:pt x="270668" y="2706687"/>
+                <a:pt x="282263" y="2822637"/>
               </a:lnTo>
             </a:path>
           </a:pathLst>
@@ -5166,7 +6191,7 @@
         <a:noFill/>
         <a:ln w="9525" cap="rnd" cmpd="sng" algn="ctr">
           <a:solidFill>
-            <a:schemeClr val="accent1">
+            <a:schemeClr val="accent3">
               <a:shade val="60000"/>
               <a:hueOff val="0"/>
               <a:satOff val="0"/>
@@ -5198,8 +6223,8 @@
       </dsp:nvSpPr>
       <dsp:spPr>
         <a:xfrm>
-          <a:off x="14082712" y="3896154"/>
-          <a:ext cx="2165350" cy="1353343"/>
+          <a:off x="15214101" y="3533059"/>
+          <a:ext cx="2258109" cy="1411318"/>
         </a:xfrm>
         <a:prstGeom prst="roundRect">
           <a:avLst>
@@ -5217,7 +6242,7 @@
         </a:solidFill>
         <a:ln w="9525" cap="rnd" cmpd="sng" algn="ctr">
           <a:solidFill>
-            <a:schemeClr val="accent1">
+            <a:schemeClr val="accent3">
               <a:hueOff val="0"/>
               <a:satOff val="0"/>
               <a:lumOff val="0"/>
@@ -5241,12 +6266,12 @@
         <a:fontRef idx="minor"/>
       </dsp:style>
       <dsp:txBody>
-        <a:bodyPr spcFirstLastPara="0" vert="horz" wrap="square" lIns="45720" tIns="30480" rIns="45720" bIns="30480" numCol="1" spcCol="1270" anchor="ctr" anchorCtr="0">
+        <a:bodyPr spcFirstLastPara="0" vert="horz" wrap="square" lIns="47625" tIns="31750" rIns="47625" bIns="31750" numCol="1" spcCol="1270" anchor="ctr" anchorCtr="0">
           <a:noAutofit/>
         </a:bodyPr>
         <a:lstStyle/>
         <a:p>
-          <a:pPr lvl="0" algn="ctr" defTabSz="1066800">
+          <a:pPr marL="0" lvl="0" indent="0" algn="ctr" defTabSz="1111250">
             <a:lnSpc>
               <a:spcPct val="90000"/>
             </a:lnSpc>
@@ -5256,21 +6281,22 @@
             <a:spcAft>
               <a:spcPct val="35000"/>
             </a:spcAft>
+            <a:buNone/>
           </a:pPr>
           <a:r>
-            <a:rPr lang="sv-SE" sz="2400" kern="1200" dirty="0" smtClean="0"/>
+            <a:rPr lang="sv-SE" sz="2500" kern="1200" dirty="0"/>
             <a:t>Service </a:t>
           </a:r>
           <a:r>
-            <a:rPr lang="sv-SE" sz="2400" kern="1200" dirty="0" err="1" smtClean="0"/>
+            <a:rPr lang="sv-SE" sz="2500" kern="1200" dirty="0" err="1"/>
             <a:t>discovery</a:t>
           </a:r>
-          <a:endParaRPr lang="sv-SE" sz="2400" kern="1200" dirty="0"/>
+          <a:endParaRPr lang="sv-SE" sz="2500" kern="1200" dirty="0"/>
         </a:p>
       </dsp:txBody>
       <dsp:txXfrm>
-        <a:off x="14122350" y="3935792"/>
-        <a:ext cx="2086074" cy="1274067"/>
+        <a:off x="15255437" y="3574395"/>
+        <a:ext cx="2175437" cy="1328646"/>
       </dsp:txXfrm>
     </dsp:sp>
     <dsp:sp modelId="{5B681BFB-1A66-6741-A8B8-2D3628CA9A62}">
@@ -5280,8 +6306,8 @@
       </dsp:nvSpPr>
       <dsp:spPr>
         <a:xfrm>
-          <a:off x="13812043" y="1866139"/>
-          <a:ext cx="270668" cy="4398367"/>
+          <a:off x="14931837" y="1416081"/>
+          <a:ext cx="282263" cy="4586785"/>
         </a:xfrm>
         <a:custGeom>
           <a:avLst/>
@@ -5295,10 +6321,10 @@
                 <a:pt x="0" y="0"/>
               </a:moveTo>
               <a:lnTo>
-                <a:pt x="0" y="4398367"/>
+                <a:pt x="0" y="4586785"/>
               </a:lnTo>
               <a:lnTo>
-                <a:pt x="270668" y="4398367"/>
+                <a:pt x="282263" y="4586785"/>
               </a:lnTo>
             </a:path>
           </a:pathLst>
@@ -5306,7 +6332,7 @@
         <a:noFill/>
         <a:ln w="9525" cap="rnd" cmpd="sng" algn="ctr">
           <a:solidFill>
-            <a:schemeClr val="accent1">
+            <a:schemeClr val="accent3">
               <a:shade val="60000"/>
               <a:hueOff val="0"/>
               <a:satOff val="0"/>
@@ -5338,8 +6364,8 @@
       </dsp:nvSpPr>
       <dsp:spPr>
         <a:xfrm>
-          <a:off x="14082712" y="5587834"/>
-          <a:ext cx="2165350" cy="1353343"/>
+          <a:off x="15214101" y="5297207"/>
+          <a:ext cx="2258109" cy="1411318"/>
         </a:xfrm>
         <a:prstGeom prst="roundRect">
           <a:avLst>
@@ -5357,7 +6383,7 @@
         </a:solidFill>
         <a:ln w="9525" cap="rnd" cmpd="sng" algn="ctr">
           <a:solidFill>
-            <a:schemeClr val="accent1">
+            <a:schemeClr val="accent3">
               <a:hueOff val="0"/>
               <a:satOff val="0"/>
               <a:lumOff val="0"/>
@@ -5381,12 +6407,12 @@
         <a:fontRef idx="minor"/>
       </dsp:style>
       <dsp:txBody>
-        <a:bodyPr spcFirstLastPara="0" vert="horz" wrap="square" lIns="45720" tIns="30480" rIns="45720" bIns="30480" numCol="1" spcCol="1270" anchor="ctr" anchorCtr="0">
+        <a:bodyPr spcFirstLastPara="0" vert="horz" wrap="square" lIns="47625" tIns="31750" rIns="47625" bIns="31750" numCol="1" spcCol="1270" anchor="ctr" anchorCtr="0">
           <a:noAutofit/>
         </a:bodyPr>
         <a:lstStyle/>
         <a:p>
-          <a:pPr lvl="0" algn="ctr" defTabSz="1066800">
+          <a:pPr marL="0" lvl="0" indent="0" algn="ctr" defTabSz="1111250">
             <a:lnSpc>
               <a:spcPct val="90000"/>
             </a:lnSpc>
@@ -5396,17 +6422,17 @@
             <a:spcAft>
               <a:spcPct val="35000"/>
             </a:spcAft>
+            <a:buNone/>
           </a:pPr>
           <a:r>
-            <a:rPr lang="sv-SE" sz="2400" kern="1200" smtClean="0"/>
+            <a:rPr lang="sv-SE" sz="2500" kern="1200"/>
             <a:t>Circuit breaker</a:t>
           </a:r>
-          <a:endParaRPr lang="sv-SE" sz="2400" kern="1200"/>
         </a:p>
       </dsp:txBody>
       <dsp:txXfrm>
-        <a:off x="14122350" y="5627472"/>
-        <a:ext cx="2086074" cy="1274067"/>
+        <a:off x="15255437" y="5338543"/>
+        <a:ext cx="2175437" cy="1328646"/>
       </dsp:txXfrm>
     </dsp:sp>
     <dsp:sp modelId="{AFCA6584-A1E7-C34D-B5E7-B2A61CD0DFE6}">
@@ -5416,8 +6442,8 @@
       </dsp:nvSpPr>
       <dsp:spPr>
         <a:xfrm>
-          <a:off x="13812043" y="1866139"/>
-          <a:ext cx="270668" cy="6090046"/>
+          <a:off x="14931837" y="1416081"/>
+          <a:ext cx="282263" cy="6350933"/>
         </a:xfrm>
         <a:custGeom>
           <a:avLst/>
@@ -5431,10 +6457,10 @@
                 <a:pt x="0" y="0"/>
               </a:moveTo>
               <a:lnTo>
-                <a:pt x="0" y="6090046"/>
+                <a:pt x="0" y="6350933"/>
               </a:lnTo>
               <a:lnTo>
-                <a:pt x="270668" y="6090046"/>
+                <a:pt x="282263" y="6350933"/>
               </a:lnTo>
             </a:path>
           </a:pathLst>
@@ -5442,7 +6468,7 @@
         <a:noFill/>
         <a:ln w="9525" cap="rnd" cmpd="sng" algn="ctr">
           <a:solidFill>
-            <a:schemeClr val="accent1">
+            <a:schemeClr val="accent3">
               <a:shade val="60000"/>
               <a:hueOff val="0"/>
               <a:satOff val="0"/>
@@ -5474,8 +6500,8 @@
       </dsp:nvSpPr>
       <dsp:spPr>
         <a:xfrm>
-          <a:off x="14082712" y="7279514"/>
-          <a:ext cx="2165350" cy="1353343"/>
+          <a:off x="15214101" y="7061355"/>
+          <a:ext cx="2258109" cy="1411318"/>
         </a:xfrm>
         <a:prstGeom prst="roundRect">
           <a:avLst>
@@ -5493,7 +6519,7 @@
         </a:solidFill>
         <a:ln w="9525" cap="rnd" cmpd="sng" algn="ctr">
           <a:solidFill>
-            <a:schemeClr val="accent1">
+            <a:schemeClr val="accent3">
               <a:hueOff val="0"/>
               <a:satOff val="0"/>
               <a:lumOff val="0"/>
@@ -5517,12 +6543,12 @@
         <a:fontRef idx="minor"/>
       </dsp:style>
       <dsp:txBody>
-        <a:bodyPr spcFirstLastPara="0" vert="horz" wrap="square" lIns="45720" tIns="30480" rIns="45720" bIns="30480" numCol="1" spcCol="1270" anchor="ctr" anchorCtr="0">
+        <a:bodyPr spcFirstLastPara="0" vert="horz" wrap="square" lIns="47625" tIns="31750" rIns="47625" bIns="31750" numCol="1" spcCol="1270" anchor="ctr" anchorCtr="0">
           <a:noAutofit/>
         </a:bodyPr>
         <a:lstStyle/>
         <a:p>
-          <a:pPr lvl="0" algn="ctr" defTabSz="1066800">
+          <a:pPr marL="0" lvl="0" indent="0" algn="ctr" defTabSz="1111250">
             <a:lnSpc>
               <a:spcPct val="90000"/>
             </a:lnSpc>
@@ -5532,29 +6558,30 @@
             <a:spcAft>
               <a:spcPct val="35000"/>
             </a:spcAft>
+            <a:buNone/>
           </a:pPr>
           <a:r>
-            <a:rPr lang="sv-SE" sz="2400" kern="1200" dirty="0" err="1" smtClean="0"/>
+            <a:rPr lang="sv-SE" sz="2500" kern="1200" dirty="0" err="1"/>
             <a:t>Blue</a:t>
           </a:r>
           <a:r>
-            <a:rPr lang="sv-SE" sz="2400" kern="1200" dirty="0" smtClean="0"/>
+            <a:rPr lang="sv-SE" sz="2500" kern="1200" dirty="0"/>
             <a:t>-green</a:t>
           </a:r>
           <a:r>
-            <a:rPr lang="sv-SE" sz="2400" kern="1200" baseline="0" dirty="0" smtClean="0"/>
+            <a:rPr lang="sv-SE" sz="2500" kern="1200" baseline="0" dirty="0"/>
             <a:t> </a:t>
           </a:r>
           <a:r>
-            <a:rPr lang="sv-SE" sz="2400" kern="1200" baseline="0" dirty="0" err="1" smtClean="0"/>
+            <a:rPr lang="sv-SE" sz="2500" kern="1200" baseline="0" dirty="0" err="1"/>
             <a:t>deployment</a:t>
           </a:r>
-          <a:endParaRPr lang="sv-SE" sz="2400" kern="1200" dirty="0"/>
+          <a:endParaRPr lang="sv-SE" sz="2500" kern="1200" dirty="0"/>
         </a:p>
       </dsp:txBody>
       <dsp:txXfrm>
-        <a:off x="14122350" y="7319152"/>
-        <a:ext cx="2086074" cy="1274067"/>
+        <a:off x="15255437" y="7102691"/>
+        <a:ext cx="2175437" cy="1328646"/>
       </dsp:txXfrm>
     </dsp:sp>
   </dsp:spTree>
@@ -7303,7 +8330,7 @@
           <a:p>
             <a:fld id="{86CB4B4D-7CA3-9044-876B-883B54F8677D}" type="slidenum">
               <a:rPr lang="sv-SE" smtClean="0"/>
-              <a:t>‹Nr.›</a:t>
+              <a:t>‹#›</a:t>
             </a:fld>
             <a:endParaRPr lang="sv-SE"/>
           </a:p>
@@ -7578,7 +8605,7 @@
           <a:p>
             <a:fld id="{86CB4B4D-7CA3-9044-876B-883B54F8677D}" type="slidenum">
               <a:rPr lang="sv-SE" smtClean="0"/>
-              <a:t>‹Nr.›</a:t>
+              <a:t>‹#›</a:t>
             </a:fld>
             <a:endParaRPr lang="sv-SE"/>
           </a:p>
@@ -7772,7 +8799,7 @@
           <a:p>
             <a:fld id="{86CB4B4D-7CA3-9044-876B-883B54F8677D}" type="slidenum">
               <a:rPr lang="sv-SE" smtClean="0"/>
-              <a:t>‹Nr.›</a:t>
+              <a:t>‹#›</a:t>
             </a:fld>
             <a:endParaRPr lang="sv-SE"/>
           </a:p>
@@ -8045,7 +9072,7 @@
           <a:p>
             <a:fld id="{86CB4B4D-7CA3-9044-876B-883B54F8677D}" type="slidenum">
               <a:rPr lang="sv-SE" smtClean="0"/>
-              <a:t>‹Nr.›</a:t>
+              <a:t>‹#›</a:t>
             </a:fld>
             <a:endParaRPr lang="sv-SE"/>
           </a:p>
@@ -8386,7 +9413,7 @@
           <a:p>
             <a:fld id="{86CB4B4D-7CA3-9044-876B-883B54F8677D}" type="slidenum">
               <a:rPr lang="sv-SE" smtClean="0"/>
-              <a:t>‹Nr.›</a:t>
+              <a:t>‹#›</a:t>
             </a:fld>
             <a:endParaRPr lang="sv-SE"/>
           </a:p>
@@ -9009,7 +10036,7 @@
           <a:p>
             <a:fld id="{86CB4B4D-7CA3-9044-876B-883B54F8677D}" type="slidenum">
               <a:rPr lang="sv-SE" smtClean="0"/>
-              <a:t>‹Nr.›</a:t>
+              <a:t>‹#›</a:t>
             </a:fld>
             <a:endParaRPr lang="sv-SE"/>
           </a:p>
@@ -9869,7 +10896,7 @@
           <a:p>
             <a:fld id="{86CB4B4D-7CA3-9044-876B-883B54F8677D}" type="slidenum">
               <a:rPr lang="sv-SE" smtClean="0"/>
-              <a:t>‹Nr.›</a:t>
+              <a:t>‹#›</a:t>
             </a:fld>
             <a:endParaRPr lang="sv-SE"/>
           </a:p>
@@ -10039,7 +11066,7 @@
           <a:p>
             <a:fld id="{86CB4B4D-7CA3-9044-876B-883B54F8677D}" type="slidenum">
               <a:rPr lang="sv-SE" smtClean="0"/>
-              <a:t>‹Nr.›</a:t>
+              <a:t>‹#›</a:t>
             </a:fld>
             <a:endParaRPr lang="sv-SE"/>
           </a:p>
@@ -10219,7 +11246,7 @@
           <a:p>
             <a:fld id="{86CB4B4D-7CA3-9044-876B-883B54F8677D}" type="slidenum">
               <a:rPr lang="sv-SE" smtClean="0"/>
-              <a:t>‹Nr.›</a:t>
+              <a:t>‹#›</a:t>
             </a:fld>
             <a:endParaRPr lang="sv-SE"/>
           </a:p>
@@ -10365,7 +11392,7 @@
           <a:lstStyle/>
           <a:p>
             <a:fld id="{86CB4B4D-7CA3-9044-876B-883B54F8677D}" type="slidenum">
-              <a:t>‹Nr.›</a:t>
+              <a:t>‹#›</a:t>
             </a:fld>
             <a:endParaRPr/>
           </a:p>
@@ -10447,7 +11474,7 @@
           <a:lstStyle/>
           <a:p>
             <a:fld id="{86CB4B4D-7CA3-9044-876B-883B54F8677D}" type="slidenum">
-              <a:t>‹Nr.›</a:t>
+              <a:t>‹#›</a:t>
             </a:fld>
             <a:endParaRPr/>
           </a:p>
@@ -10618,7 +11645,7 @@
           <a:p>
             <a:fld id="{86CB4B4D-7CA3-9044-876B-883B54F8677D}" type="slidenum">
               <a:rPr lang="sv-SE" smtClean="0"/>
-              <a:t>‹Nr.›</a:t>
+              <a:t>‹#›</a:t>
             </a:fld>
             <a:endParaRPr lang="sv-SE"/>
           </a:p>
@@ -10761,7 +11788,7 @@
           <a:lstStyle/>
           <a:p>
             <a:fld id="{86CB4B4D-7CA3-9044-876B-883B54F8677D}" type="slidenum">
-              <a:t>‹Nr.›</a:t>
+              <a:t>‹#›</a:t>
             </a:fld>
             <a:endParaRPr/>
           </a:p>
@@ -10818,7 +11845,7 @@
           <a:lstStyle/>
           <a:p>
             <a:fld id="{86CB4B4D-7CA3-9044-876B-883B54F8677D}" type="slidenum">
-              <a:t>‹Nr.›</a:t>
+              <a:t>‹#›</a:t>
             </a:fld>
             <a:endParaRPr/>
           </a:p>
@@ -11066,7 +12093,7 @@
           <a:p>
             <a:fld id="{86CB4B4D-7CA3-9044-876B-883B54F8677D}" type="slidenum">
               <a:rPr lang="sv-SE" smtClean="0"/>
-              <a:t>‹Nr.›</a:t>
+              <a:t>‹#›</a:t>
             </a:fld>
             <a:endParaRPr lang="sv-SE"/>
           </a:p>
@@ -11358,7 +12385,7 @@
           <a:p>
             <a:fld id="{86CB4B4D-7CA3-9044-876B-883B54F8677D}" type="slidenum">
               <a:rPr lang="sv-SE" smtClean="0"/>
-              <a:t>‹Nr.›</a:t>
+              <a:t>‹#›</a:t>
             </a:fld>
             <a:endParaRPr lang="sv-SE"/>
           </a:p>
@@ -11802,7 +12829,7 @@
           <a:p>
             <a:fld id="{86CB4B4D-7CA3-9044-876B-883B54F8677D}" type="slidenum">
               <a:rPr lang="sv-SE" smtClean="0"/>
-              <a:t>‹Nr.›</a:t>
+              <a:t>‹#›</a:t>
             </a:fld>
             <a:endParaRPr lang="sv-SE"/>
           </a:p>
@@ -11920,7 +12947,7 @@
           <a:p>
             <a:fld id="{86CB4B4D-7CA3-9044-876B-883B54F8677D}" type="slidenum">
               <a:rPr lang="sv-SE" smtClean="0"/>
-              <a:t>‹Nr.›</a:t>
+              <a:t>‹#›</a:t>
             </a:fld>
             <a:endParaRPr lang="sv-SE"/>
           </a:p>
@@ -12015,7 +13042,7 @@
           <a:p>
             <a:fld id="{86CB4B4D-7CA3-9044-876B-883B54F8677D}" type="slidenum">
               <a:rPr lang="sv-SE" smtClean="0"/>
-              <a:t>‹Nr.›</a:t>
+              <a:t>‹#›</a:t>
             </a:fld>
             <a:endParaRPr lang="sv-SE"/>
           </a:p>
@@ -12294,7 +13321,7 @@
           <a:p>
             <a:fld id="{86CB4B4D-7CA3-9044-876B-883B54F8677D}" type="slidenum">
               <a:rPr lang="sv-SE" smtClean="0"/>
-              <a:t>‹Nr.›</a:t>
+              <a:t>‹#›</a:t>
             </a:fld>
             <a:endParaRPr lang="sv-SE"/>
           </a:p>
@@ -12569,7 +13596,7 @@
           <a:p>
             <a:fld id="{86CB4B4D-7CA3-9044-876B-883B54F8677D}" type="slidenum">
               <a:rPr lang="sv-SE" smtClean="0"/>
-              <a:t>‹Nr.›</a:t>
+              <a:t>‹#›</a:t>
             </a:fld>
             <a:endParaRPr lang="sv-SE"/>
           </a:p>
@@ -13035,7 +14062,7 @@
           <a:p>
             <a:fld id="{86CB4B4D-7CA3-9044-876B-883B54F8677D}" type="slidenum">
               <a:rPr lang="sv-SE" smtClean="0"/>
-              <a:t>‹Nr.›</a:t>
+              <a:t>‹#›</a:t>
             </a:fld>
             <a:endParaRPr lang="sv-SE"/>
           </a:p>
@@ -13985,10 +15012,6 @@
                 </a:solidFill>
               </a:rPr>
             </a:br>
-            <a:r>
-              <a:rPr dirty="0"/>
-              <a:t/>
-            </a:r>
             <a:br>
               <a:rPr dirty="0"/>
             </a:br>
@@ -14318,7 +15341,7 @@
           </a:effectLst>
           <a:extLst>
             <a:ext uri="{C572A759-6A51-4108-AA02-DFA0A04FC94B}">
-              <ma14:wrappingTextBoxFlag xmlns:ma14="http://schemas.microsoft.com/office/mac/drawingml/2011/main" val="1"/>
+              <ma14:wrappingTextBoxFlag xmlns:ma14="http://schemas.microsoft.com/office/mac/drawingml/2011/main" xmlns="" val="1"/>
             </a:ext>
           </a:extLst>
         </p:spPr>
@@ -14959,13 +15982,6 @@
     <a:masterClrMapping/>
   </p:clrMapOvr>
   <p:transition spd="med"/>
-  <p:timing>
-    <p:tnLst>
-      <p:par>
-        <p:cTn id="1" dur="indefinite" restart="never" nodeType="tmRoot"/>
-      </p:par>
-    </p:tnLst>
-  </p:timing>
 </p:sld>
 </file>
 
@@ -14996,7 +16012,12 @@
             <p:ph type="title"/>
           </p:nvPr>
         </p:nvSpPr>
-        <p:spPr/>
+        <p:spPr>
+          <a:xfrm rot="16200000">
+            <a:off x="-7318377" y="2150036"/>
+            <a:ext cx="18809446" cy="2801060"/>
+          </a:xfrm>
+        </p:spPr>
         <p:txBody>
           <a:bodyPr/>
           <a:lstStyle/>
@@ -15020,14 +16041,14 @@
           <p:nvPr>
             <p:extLst>
               <p:ext uri="{D42A27DB-BD31-4B8C-83A1-F6EECF244321}">
-                <p14:modId xmlns:p14="http://schemas.microsoft.com/office/powerpoint/2010/main" val="2038412636"/>
+                <p14:modId xmlns:p14="http://schemas.microsoft.com/office/powerpoint/2010/main" val="676733040"/>
               </p:ext>
             </p:extLst>
           </p:nvPr>
         </p:nvGraphicFramePr>
         <p:xfrm>
-          <a:off x="5994400" y="2455333"/>
-          <a:ext cx="16256000" cy="10837333"/>
+          <a:off x="2489200" y="880532"/>
+          <a:ext cx="18008600" cy="12005733"/>
         </p:xfrm>
         <a:graphic>
           <a:graphicData uri="http://schemas.openxmlformats.org/drawingml/2006/diagram">
@@ -15035,6 +16056,285 @@
           </a:graphicData>
         </a:graphic>
       </p:graphicFrame>
+      <p:sp>
+        <p:nvSpPr>
+          <p:cNvPr id="5" name="Höger 4">
+            <a:extLst>
+              <a:ext uri="{FF2B5EF4-FFF2-40B4-BE49-F238E27FC236}">
+                <a16:creationId xmlns:a16="http://schemas.microsoft.com/office/drawing/2014/main" id="{CAD5AF97-AF62-F241-A281-8FFCB3D621F4}"/>
+              </a:ext>
+            </a:extLst>
+          </p:cNvPr>
+          <p:cNvSpPr/>
+          <p:nvPr/>
+        </p:nvSpPr>
+        <p:spPr>
+          <a:xfrm rot="10800000">
+            <a:off x="9553938" y="3098800"/>
+            <a:ext cx="533400" cy="660400"/>
+          </a:xfrm>
+          <a:prstGeom prst="rightArrow">
+            <a:avLst/>
+          </a:prstGeom>
+          <a:solidFill>
+            <a:schemeClr val="accent1"/>
+          </a:solidFill>
+        </p:spPr>
+        <p:style>
+          <a:lnRef idx="3">
+            <a:schemeClr val="lt1"/>
+          </a:lnRef>
+          <a:fillRef idx="1">
+            <a:schemeClr val="accent3"/>
+          </a:fillRef>
+          <a:effectRef idx="1">
+            <a:schemeClr val="accent3"/>
+          </a:effectRef>
+          <a:fontRef idx="minor">
+            <a:schemeClr val="lt1"/>
+          </a:fontRef>
+        </p:style>
+        <p:txBody>
+          <a:bodyPr rtlCol="0" anchor="ctr"/>
+          <a:lstStyle/>
+          <a:p>
+            <a:pPr algn="ctr"/>
+            <a:endParaRPr lang="sv-SE"/>
+          </a:p>
+        </p:txBody>
+      </p:sp>
+      <p:sp>
+        <p:nvSpPr>
+          <p:cNvPr id="7" name="Höger 6">
+            <a:extLst>
+              <a:ext uri="{FF2B5EF4-FFF2-40B4-BE49-F238E27FC236}">
+                <a16:creationId xmlns:a16="http://schemas.microsoft.com/office/drawing/2014/main" id="{ADDAF2BF-B2E9-E643-83A0-8A39E175E6CB}"/>
+              </a:ext>
+            </a:extLst>
+          </p:cNvPr>
+          <p:cNvSpPr/>
+          <p:nvPr/>
+        </p:nvSpPr>
+        <p:spPr>
+          <a:xfrm rot="10800000">
+            <a:off x="25831800" y="4953000"/>
+            <a:ext cx="533400" cy="660400"/>
+          </a:xfrm>
+          <a:prstGeom prst="rightArrow">
+            <a:avLst/>
+          </a:prstGeom>
+        </p:spPr>
+        <p:style>
+          <a:lnRef idx="3">
+            <a:schemeClr val="lt1"/>
+          </a:lnRef>
+          <a:fillRef idx="1">
+            <a:schemeClr val="accent3"/>
+          </a:fillRef>
+          <a:effectRef idx="1">
+            <a:schemeClr val="accent3"/>
+          </a:effectRef>
+          <a:fontRef idx="minor">
+            <a:schemeClr val="lt1"/>
+          </a:fontRef>
+        </p:style>
+        <p:txBody>
+          <a:bodyPr rtlCol="0" anchor="ctr"/>
+          <a:lstStyle/>
+          <a:p>
+            <a:pPr algn="ctr"/>
+            <a:endParaRPr lang="sv-SE"/>
+          </a:p>
+        </p:txBody>
+      </p:sp>
+      <p:sp>
+        <p:nvSpPr>
+          <p:cNvPr id="11" name="Höger 10">
+            <a:extLst>
+              <a:ext uri="{FF2B5EF4-FFF2-40B4-BE49-F238E27FC236}">
+                <a16:creationId xmlns:a16="http://schemas.microsoft.com/office/drawing/2014/main" id="{6A374B5D-3813-9F43-ADAD-A63EC409F505}"/>
+              </a:ext>
+            </a:extLst>
+          </p:cNvPr>
+          <p:cNvSpPr/>
+          <p:nvPr/>
+        </p:nvSpPr>
+        <p:spPr>
+          <a:xfrm rot="10800000">
+            <a:off x="16586200" y="3098800"/>
+            <a:ext cx="533400" cy="660400"/>
+          </a:xfrm>
+          <a:prstGeom prst="rightArrow">
+            <a:avLst/>
+          </a:prstGeom>
+          <a:solidFill>
+            <a:schemeClr val="accent1"/>
+          </a:solidFill>
+        </p:spPr>
+        <p:style>
+          <a:lnRef idx="3">
+            <a:schemeClr val="lt1"/>
+          </a:lnRef>
+          <a:fillRef idx="1">
+            <a:schemeClr val="accent3"/>
+          </a:fillRef>
+          <a:effectRef idx="1">
+            <a:schemeClr val="accent3"/>
+          </a:effectRef>
+          <a:fontRef idx="minor">
+            <a:schemeClr val="lt1"/>
+          </a:fontRef>
+        </p:style>
+        <p:txBody>
+          <a:bodyPr rtlCol="0" anchor="ctr"/>
+          <a:lstStyle/>
+          <a:p>
+            <a:pPr algn="ctr"/>
+            <a:endParaRPr lang="sv-SE"/>
+          </a:p>
+        </p:txBody>
+      </p:sp>
+      <p:sp>
+        <p:nvSpPr>
+          <p:cNvPr id="12" name="Höger 11">
+            <a:extLst>
+              <a:ext uri="{FF2B5EF4-FFF2-40B4-BE49-F238E27FC236}">
+                <a16:creationId xmlns:a16="http://schemas.microsoft.com/office/drawing/2014/main" id="{B6C8844C-820B-0D41-A499-02A995FC081A}"/>
+              </a:ext>
+            </a:extLst>
+          </p:cNvPr>
+          <p:cNvSpPr/>
+          <p:nvPr/>
+        </p:nvSpPr>
+        <p:spPr>
+          <a:xfrm rot="10800000">
+            <a:off x="16586200" y="4749800"/>
+            <a:ext cx="533400" cy="660400"/>
+          </a:xfrm>
+          <a:prstGeom prst="rightArrow">
+            <a:avLst/>
+          </a:prstGeom>
+          <a:solidFill>
+            <a:schemeClr val="accent1"/>
+          </a:solidFill>
+        </p:spPr>
+        <p:style>
+          <a:lnRef idx="3">
+            <a:schemeClr val="lt1"/>
+          </a:lnRef>
+          <a:fillRef idx="1">
+            <a:schemeClr val="accent3"/>
+          </a:fillRef>
+          <a:effectRef idx="1">
+            <a:schemeClr val="accent3"/>
+          </a:effectRef>
+          <a:fontRef idx="minor">
+            <a:schemeClr val="lt1"/>
+          </a:fontRef>
+        </p:style>
+        <p:txBody>
+          <a:bodyPr rtlCol="0" anchor="ctr"/>
+          <a:lstStyle/>
+          <a:p>
+            <a:pPr algn="ctr"/>
+            <a:endParaRPr lang="sv-SE"/>
+          </a:p>
+        </p:txBody>
+      </p:sp>
+      <p:sp>
+        <p:nvSpPr>
+          <p:cNvPr id="13" name="Höger 12">
+            <a:extLst>
+              <a:ext uri="{FF2B5EF4-FFF2-40B4-BE49-F238E27FC236}">
+                <a16:creationId xmlns:a16="http://schemas.microsoft.com/office/drawing/2014/main" id="{90BFC559-6D3C-7F43-8160-7C79319D59CB}"/>
+              </a:ext>
+            </a:extLst>
+          </p:cNvPr>
+          <p:cNvSpPr/>
+          <p:nvPr/>
+        </p:nvSpPr>
+        <p:spPr>
+          <a:xfrm rot="10800000">
+            <a:off x="20116800" y="3098800"/>
+            <a:ext cx="533400" cy="660400"/>
+          </a:xfrm>
+          <a:prstGeom prst="rightArrow">
+            <a:avLst/>
+          </a:prstGeom>
+          <a:solidFill>
+            <a:schemeClr val="accent1"/>
+          </a:solidFill>
+        </p:spPr>
+        <p:style>
+          <a:lnRef idx="3">
+            <a:schemeClr val="lt1"/>
+          </a:lnRef>
+          <a:fillRef idx="1">
+            <a:schemeClr val="accent3"/>
+          </a:fillRef>
+          <a:effectRef idx="1">
+            <a:schemeClr val="accent3"/>
+          </a:effectRef>
+          <a:fontRef idx="minor">
+            <a:schemeClr val="lt1"/>
+          </a:fontRef>
+        </p:style>
+        <p:txBody>
+          <a:bodyPr rtlCol="0" anchor="ctr"/>
+          <a:lstStyle/>
+          <a:p>
+            <a:pPr algn="ctr"/>
+            <a:endParaRPr lang="sv-SE"/>
+          </a:p>
+        </p:txBody>
+      </p:sp>
+      <p:sp>
+        <p:nvSpPr>
+          <p:cNvPr id="14" name="Höger 13">
+            <a:extLst>
+              <a:ext uri="{FF2B5EF4-FFF2-40B4-BE49-F238E27FC236}">
+                <a16:creationId xmlns:a16="http://schemas.microsoft.com/office/drawing/2014/main" id="{457F6174-C513-254F-B4E2-9B09DC73A51E}"/>
+              </a:ext>
+            </a:extLst>
+          </p:cNvPr>
+          <p:cNvSpPr/>
+          <p:nvPr/>
+        </p:nvSpPr>
+        <p:spPr>
+          <a:xfrm rot="10800000">
+            <a:off x="20116800" y="4749800"/>
+            <a:ext cx="533400" cy="660400"/>
+          </a:xfrm>
+          <a:prstGeom prst="rightArrow">
+            <a:avLst/>
+          </a:prstGeom>
+          <a:solidFill>
+            <a:schemeClr val="accent1"/>
+          </a:solidFill>
+        </p:spPr>
+        <p:style>
+          <a:lnRef idx="3">
+            <a:schemeClr val="lt1"/>
+          </a:lnRef>
+          <a:fillRef idx="1">
+            <a:schemeClr val="accent3"/>
+          </a:fillRef>
+          <a:effectRef idx="1">
+            <a:schemeClr val="accent3"/>
+          </a:effectRef>
+          <a:fontRef idx="minor">
+            <a:schemeClr val="lt1"/>
+          </a:fontRef>
+        </p:style>
+        <p:txBody>
+          <a:bodyPr rtlCol="0" anchor="ctr"/>
+          <a:lstStyle/>
+          <a:p>
+            <a:pPr algn="ctr"/>
+            <a:endParaRPr lang="sv-SE"/>
+          </a:p>
+        </p:txBody>
+      </p:sp>
     </p:spTree>
     <p:extLst>
       <p:ext uri="{BB962C8B-B14F-4D97-AF65-F5344CB8AC3E}">
@@ -15046,13 +16346,6 @@
     <a:masterClrMapping/>
   </p:clrMapOvr>
   <p:transition spd="med"/>
-  <p:timing>
-    <p:tnLst>
-      <p:par>
-        <p:cTn id="1" dur="indefinite" restart="never" nodeType="tmRoot"/>
-      </p:par>
-    </p:tnLst>
-  </p:timing>
 </p:sld>
 </file>
 
@@ -15297,10 +16590,6 @@
                 </a:solidFill>
               </a:rPr>
               <a:t>Distributed tracing</a:t>
-            </a:r>
-            <a:r>
-              <a:rPr dirty="0"/>
-              <a:t/>
             </a:r>
             <a:br>
               <a:rPr dirty="0"/>
@@ -15679,13 +16968,6 @@
     <a:masterClrMapping/>
   </p:clrMapOvr>
   <p:transition spd="med"/>
-  <p:timing>
-    <p:tnLst>
-      <p:par>
-        <p:cTn id="1" dur="indefinite" restart="never" nodeType="tmRoot"/>
-      </p:par>
-    </p:tnLst>
-  </p:timing>
 </p:sld>
 </file>
 
@@ -15736,7 +17018,7 @@
           <a:effectLst/>
           <a:extLst>
             <a:ext uri="{C572A759-6A51-4108-AA02-DFA0A04FC94B}">
-              <ma14:wrappingTextBoxFlag xmlns:ma14="http://schemas.microsoft.com/office/mac/drawingml/2011/main" val="1"/>
+              <ma14:wrappingTextBoxFlag xmlns:ma14="http://schemas.microsoft.com/office/mac/drawingml/2011/main" xmlns="" val="1"/>
             </a:ext>
           </a:extLst>
         </p:spPr>
@@ -15791,7 +17073,7 @@
           <a:effectLst/>
           <a:extLst>
             <a:ext uri="{C572A759-6A51-4108-AA02-DFA0A04FC94B}">
-              <ma14:wrappingTextBoxFlag xmlns:ma14="http://schemas.microsoft.com/office/mac/drawingml/2011/main" val="1"/>
+              <ma14:wrappingTextBoxFlag xmlns:ma14="http://schemas.microsoft.com/office/mac/drawingml/2011/main" xmlns="" val="1"/>
             </a:ext>
           </a:extLst>
         </p:spPr>
@@ -15846,7 +17128,7 @@
           <a:effectLst/>
           <a:extLst>
             <a:ext uri="{C572A759-6A51-4108-AA02-DFA0A04FC94B}">
-              <ma14:wrappingTextBoxFlag xmlns:ma14="http://schemas.microsoft.com/office/mac/drawingml/2011/main" val="1"/>
+              <ma14:wrappingTextBoxFlag xmlns:ma14="http://schemas.microsoft.com/office/mac/drawingml/2011/main" xmlns="" val="1"/>
             </a:ext>
           </a:extLst>
         </p:spPr>
@@ -15901,7 +17183,7 @@
           <a:effectLst/>
           <a:extLst>
             <a:ext uri="{C572A759-6A51-4108-AA02-DFA0A04FC94B}">
-              <ma14:wrappingTextBoxFlag xmlns:ma14="http://schemas.microsoft.com/office/mac/drawingml/2011/main" val="1"/>
+              <ma14:wrappingTextBoxFlag xmlns:ma14="http://schemas.microsoft.com/office/mac/drawingml/2011/main" xmlns="" val="1"/>
             </a:ext>
           </a:extLst>
         </p:spPr>
@@ -15956,7 +17238,7 @@
           <a:effectLst/>
           <a:extLst>
             <a:ext uri="{C572A759-6A51-4108-AA02-DFA0A04FC94B}">
-              <ma14:wrappingTextBoxFlag xmlns:ma14="http://schemas.microsoft.com/office/mac/drawingml/2011/main" val="1"/>
+              <ma14:wrappingTextBoxFlag xmlns:ma14="http://schemas.microsoft.com/office/mac/drawingml/2011/main" xmlns="" val="1"/>
             </a:ext>
           </a:extLst>
         </p:spPr>
@@ -16010,7 +17292,7 @@
           <a:effectLst/>
           <a:extLst>
             <a:ext uri="{C572A759-6A51-4108-AA02-DFA0A04FC94B}">
-              <ma14:wrappingTextBoxFlag xmlns:ma14="http://schemas.microsoft.com/office/mac/drawingml/2011/main" val="1"/>
+              <ma14:wrappingTextBoxFlag xmlns:ma14="http://schemas.microsoft.com/office/mac/drawingml/2011/main" xmlns="" val="1"/>
             </a:ext>
           </a:extLst>
         </p:spPr>
@@ -16148,7 +17430,7 @@
           <a:effectLst/>
           <a:extLst>
             <a:ext uri="{C572A759-6A51-4108-AA02-DFA0A04FC94B}">
-              <ma14:wrappingTextBoxFlag xmlns:ma14="http://schemas.microsoft.com/office/mac/drawingml/2011/main" val="1"/>
+              <ma14:wrappingTextBoxFlag xmlns:ma14="http://schemas.microsoft.com/office/mac/drawingml/2011/main" xmlns="" val="1"/>
             </a:ext>
           </a:extLst>
         </p:spPr>
@@ -16191,7 +17473,7 @@
           <a:effectLst/>
           <a:extLst>
             <a:ext uri="{C572A759-6A51-4108-AA02-DFA0A04FC94B}">
-              <ma14:wrappingTextBoxFlag xmlns:ma14="http://schemas.microsoft.com/office/mac/drawingml/2011/main" val="1"/>
+              <ma14:wrappingTextBoxFlag xmlns:ma14="http://schemas.microsoft.com/office/mac/drawingml/2011/main" xmlns="" val="1"/>
             </a:ext>
           </a:extLst>
         </p:spPr>
@@ -16234,7 +17516,7 @@
           <a:effectLst/>
           <a:extLst>
             <a:ext uri="{C572A759-6A51-4108-AA02-DFA0A04FC94B}">
-              <ma14:wrappingTextBoxFlag xmlns:ma14="http://schemas.microsoft.com/office/mac/drawingml/2011/main" val="1"/>
+              <ma14:wrappingTextBoxFlag xmlns:ma14="http://schemas.microsoft.com/office/mac/drawingml/2011/main" xmlns="" val="1"/>
             </a:ext>
           </a:extLst>
         </p:spPr>
@@ -16277,7 +17559,7 @@
           <a:effectLst/>
           <a:extLst>
             <a:ext uri="{C572A759-6A51-4108-AA02-DFA0A04FC94B}">
-              <ma14:wrappingTextBoxFlag xmlns:ma14="http://schemas.microsoft.com/office/mac/drawingml/2011/main" val="1"/>
+              <ma14:wrappingTextBoxFlag xmlns:ma14="http://schemas.microsoft.com/office/mac/drawingml/2011/main" xmlns="" val="1"/>
             </a:ext>
           </a:extLst>
         </p:spPr>
@@ -16395,7 +17677,7 @@
           <a:effectLst/>
           <a:extLst>
             <a:ext uri="{C572A759-6A51-4108-AA02-DFA0A04FC94B}">
-              <ma14:wrappingTextBoxFlag xmlns:ma14="http://schemas.microsoft.com/office/mac/drawingml/2011/main" val="1"/>
+              <ma14:wrappingTextBoxFlag xmlns:ma14="http://schemas.microsoft.com/office/mac/drawingml/2011/main" xmlns="" val="1"/>
             </a:ext>
           </a:extLst>
         </p:spPr>
@@ -16464,7 +17746,7 @@
             <a:effectLst/>
             <a:extLst>
               <a:ext uri="{C572A759-6A51-4108-AA02-DFA0A04FC94B}">
-                <ma14:wrappingTextBoxFlag xmlns:ma14="http://schemas.microsoft.com/office/mac/drawingml/2011/main" val="1"/>
+                <ma14:wrappingTextBoxFlag xmlns:ma14="http://schemas.microsoft.com/office/mac/drawingml/2011/main" xmlns="" val="1"/>
               </a:ext>
             </a:extLst>
           </p:spPr>
@@ -16514,7 +17796,7 @@
             <a:effectLst/>
             <a:extLst>
               <a:ext uri="{C572A759-6A51-4108-AA02-DFA0A04FC94B}">
-                <ma14:wrappingTextBoxFlag xmlns:ma14="http://schemas.microsoft.com/office/mac/drawingml/2011/main" val="1"/>
+                <ma14:wrappingTextBoxFlag xmlns:ma14="http://schemas.microsoft.com/office/mac/drawingml/2011/main" xmlns="" val="1"/>
               </a:ext>
             </a:extLst>
           </p:spPr>
@@ -16564,7 +17846,7 @@
             <a:effectLst/>
             <a:extLst>
               <a:ext uri="{C572A759-6A51-4108-AA02-DFA0A04FC94B}">
-                <ma14:wrappingTextBoxFlag xmlns:ma14="http://schemas.microsoft.com/office/mac/drawingml/2011/main" val="1"/>
+                <ma14:wrappingTextBoxFlag xmlns:ma14="http://schemas.microsoft.com/office/mac/drawingml/2011/main" xmlns="" val="1"/>
               </a:ext>
             </a:extLst>
           </p:spPr>
@@ -16614,7 +17896,7 @@
             <a:effectLst/>
             <a:extLst>
               <a:ext uri="{C572A759-6A51-4108-AA02-DFA0A04FC94B}">
-                <ma14:wrappingTextBoxFlag xmlns:ma14="http://schemas.microsoft.com/office/mac/drawingml/2011/main" val="1"/>
+                <ma14:wrappingTextBoxFlag xmlns:ma14="http://schemas.microsoft.com/office/mac/drawingml/2011/main" xmlns="" val="1"/>
               </a:ext>
             </a:extLst>
           </p:spPr>
@@ -16664,7 +17946,7 @@
             <a:effectLst/>
             <a:extLst>
               <a:ext uri="{C572A759-6A51-4108-AA02-DFA0A04FC94B}">
-                <ma14:wrappingTextBoxFlag xmlns:ma14="http://schemas.microsoft.com/office/mac/drawingml/2011/main" val="1"/>
+                <ma14:wrappingTextBoxFlag xmlns:ma14="http://schemas.microsoft.com/office/mac/drawingml/2011/main" xmlns="" val="1"/>
               </a:ext>
             </a:extLst>
           </p:spPr>
@@ -16714,7 +17996,7 @@
             <a:effectLst/>
             <a:extLst>
               <a:ext uri="{C572A759-6A51-4108-AA02-DFA0A04FC94B}">
-                <ma14:wrappingTextBoxFlag xmlns:ma14="http://schemas.microsoft.com/office/mac/drawingml/2011/main" val="1"/>
+                <ma14:wrappingTextBoxFlag xmlns:ma14="http://schemas.microsoft.com/office/mac/drawingml/2011/main" xmlns="" val="1"/>
               </a:ext>
             </a:extLst>
           </p:spPr>
@@ -16929,7 +18211,7 @@
           <a:effectLst/>
           <a:extLst>
             <a:ext uri="{C572A759-6A51-4108-AA02-DFA0A04FC94B}">
-              <ma14:wrappingTextBoxFlag xmlns:ma14="http://schemas.microsoft.com/office/mac/drawingml/2011/main" val="1"/>
+              <ma14:wrappingTextBoxFlag xmlns:ma14="http://schemas.microsoft.com/office/mac/drawingml/2011/main" xmlns="" val="1"/>
             </a:ext>
           </a:extLst>
         </p:spPr>
@@ -17288,7 +18570,7 @@
             <a:effectLst/>
             <a:extLst>
               <a:ext uri="{C572A759-6A51-4108-AA02-DFA0A04FC94B}">
-                <ma14:wrappingTextBoxFlag xmlns:ma14="http://schemas.microsoft.com/office/mac/drawingml/2011/main" val="1"/>
+                <ma14:wrappingTextBoxFlag xmlns:ma14="http://schemas.microsoft.com/office/mac/drawingml/2011/main" xmlns="" val="1"/>
               </a:ext>
             </a:extLst>
           </p:spPr>
@@ -17337,7 +18619,7 @@
             <a:effectLst/>
             <a:extLst>
               <a:ext uri="{C572A759-6A51-4108-AA02-DFA0A04FC94B}">
-                <ma14:wrappingTextBoxFlag xmlns:ma14="http://schemas.microsoft.com/office/mac/drawingml/2011/main" val="1"/>
+                <ma14:wrappingTextBoxFlag xmlns:ma14="http://schemas.microsoft.com/office/mac/drawingml/2011/main" xmlns="" val="1"/>
               </a:ext>
             </a:extLst>
           </p:spPr>
@@ -17386,7 +18668,7 @@
             <a:effectLst/>
             <a:extLst>
               <a:ext uri="{C572A759-6A51-4108-AA02-DFA0A04FC94B}">
-                <ma14:wrappingTextBoxFlag xmlns:ma14="http://schemas.microsoft.com/office/mac/drawingml/2011/main" val="1"/>
+                <ma14:wrappingTextBoxFlag xmlns:ma14="http://schemas.microsoft.com/office/mac/drawingml/2011/main" xmlns="" val="1"/>
               </a:ext>
             </a:extLst>
           </p:spPr>

--- a/micro.pptx
+++ b/micro.pptx
@@ -16,7 +16,7 @@
     <p:sldId id="257" r:id="rId7"/>
     <p:sldId id="267" r:id="rId8"/>
     <p:sldId id="259" r:id="rId9"/>
-    <p:sldId id="260" r:id="rId10"/>
+    <p:sldId id="268" r:id="rId10"/>
     <p:sldId id="266" r:id="rId11"/>
   </p:sldIdLst>
   <p:sldSz cx="24384000" cy="13716000"/>
@@ -133,14 +133,6 @@
     </p:ext>
   </p:extLst>
 </p:presentation>
-</file>
-
-<file path=ppt/revisionInfo.xml><?xml version="1.0" encoding="utf-8"?>
-<p1510:revInfo xmlns:a="http://schemas.openxmlformats.org/drawingml/2006/main" xmlns:r="http://schemas.openxmlformats.org/officeDocument/2006/relationships" xmlns:p1510="http://schemas.microsoft.com/office/powerpoint/2015/10/main">
-  <p1510:revLst>
-    <p1510:client id="{52611670-E0A4-EE9B-0F1F-FCB4BA232FFC}" v="1" dt="2019-02-17T08:43:30.075"/>
-  </p1510:revLst>
-</p1510:revInfo>
 </file>
 
 <file path=ppt/diagrams/colors1.xml><?xml version="1.0" encoding="utf-8"?>
@@ -8288,7 +8280,7 @@
           <a:p>
             <a:fld id="{4AAD347D-5ACD-4C99-B74B-A9C85AD731AF}" type="datetimeFigureOut">
               <a:rPr lang="en-US" dirty="0"/>
-              <a:t>8/4/19</a:t>
+              <a:t>9/15/19</a:t>
             </a:fld>
             <a:endParaRPr lang="en-US" dirty="0"/>
           </a:p>
@@ -8563,7 +8555,7 @@
           <a:p>
             <a:fld id="{4509A250-FF31-4206-8172-F9D3106AACB1}" type="datetimeFigureOut">
               <a:rPr lang="en-US" dirty="0"/>
-              <a:t>8/4/19</a:t>
+              <a:t>9/15/19</a:t>
             </a:fld>
             <a:endParaRPr lang="en-US" dirty="0"/>
           </a:p>
@@ -8757,7 +8749,7 @@
           <a:p>
             <a:fld id="{4509A250-FF31-4206-8172-F9D3106AACB1}" type="datetimeFigureOut">
               <a:rPr lang="en-US" dirty="0"/>
-              <a:t>8/4/19</a:t>
+              <a:t>9/15/19</a:t>
             </a:fld>
             <a:endParaRPr lang="en-US" dirty="0"/>
           </a:p>
@@ -9030,7 +9022,7 @@
           <a:p>
             <a:fld id="{4509A250-FF31-4206-8172-F9D3106AACB1}" type="datetimeFigureOut">
               <a:rPr lang="en-US" dirty="0"/>
-              <a:t>8/4/19</a:t>
+              <a:t>9/15/19</a:t>
             </a:fld>
             <a:endParaRPr lang="en-US" dirty="0"/>
           </a:p>
@@ -9371,7 +9363,7 @@
           <a:p>
             <a:fld id="{4509A250-FF31-4206-8172-F9D3106AACB1}" type="datetimeFigureOut">
               <a:rPr lang="en-US" dirty="0"/>
-              <a:t>8/4/19</a:t>
+              <a:t>9/15/19</a:t>
             </a:fld>
             <a:endParaRPr lang="en-US" dirty="0"/>
           </a:p>
@@ -9994,7 +9986,7 @@
           <a:p>
             <a:fld id="{4509A250-FF31-4206-8172-F9D3106AACB1}" type="datetimeFigureOut">
               <a:rPr lang="en-US" dirty="0"/>
-              <a:t>8/4/19</a:t>
+              <a:t>9/15/19</a:t>
             </a:fld>
             <a:endParaRPr lang="en-US" dirty="0"/>
           </a:p>
@@ -10854,7 +10846,7 @@
           <a:p>
             <a:fld id="{4509A250-FF31-4206-8172-F9D3106AACB1}" type="datetimeFigureOut">
               <a:rPr lang="en-US" dirty="0"/>
-              <a:t>8/4/19</a:t>
+              <a:t>9/15/19</a:t>
             </a:fld>
             <a:endParaRPr lang="en-US" dirty="0"/>
           </a:p>
@@ -11024,7 +11016,7 @@
           <a:p>
             <a:fld id="{4509A250-FF31-4206-8172-F9D3106AACB1}" type="datetimeFigureOut">
               <a:rPr lang="en-US" dirty="0"/>
-              <a:t>8/4/19</a:t>
+              <a:t>9/15/19</a:t>
             </a:fld>
             <a:endParaRPr lang="en-US" dirty="0"/>
           </a:p>
@@ -11204,7 +11196,7 @@
           <a:p>
             <a:fld id="{4509A250-FF31-4206-8172-F9D3106AACB1}" type="datetimeFigureOut">
               <a:rPr lang="en-US" dirty="0"/>
-              <a:t>8/4/19</a:t>
+              <a:t>9/15/19</a:t>
             </a:fld>
             <a:endParaRPr lang="en-US" dirty="0"/>
           </a:p>
@@ -11603,7 +11595,7 @@
           <a:p>
             <a:fld id="{4509A250-FF31-4206-8172-F9D3106AACB1}" type="datetimeFigureOut">
               <a:rPr lang="en-US" dirty="0"/>
-              <a:t>8/4/19</a:t>
+              <a:t>9/15/19</a:t>
             </a:fld>
             <a:endParaRPr lang="en-US" dirty="0"/>
           </a:p>
@@ -12051,7 +12043,7 @@
           <a:p>
             <a:fld id="{9796027F-7875-4030-9381-8BD8C4F21935}" type="datetimeFigureOut">
               <a:rPr lang="en-US" dirty="0"/>
-              <a:t>8/4/19</a:t>
+              <a:t>9/15/19</a:t>
             </a:fld>
             <a:endParaRPr lang="en-US" dirty="0"/>
           </a:p>
@@ -12343,7 +12335,7 @@
           <a:p>
             <a:fld id="{9796027F-7875-4030-9381-8BD8C4F21935}" type="datetimeFigureOut">
               <a:rPr lang="en-US" dirty="0"/>
-              <a:t>8/4/19</a:t>
+              <a:t>9/15/19</a:t>
             </a:fld>
             <a:endParaRPr lang="en-US" dirty="0"/>
           </a:p>
@@ -12787,7 +12779,7 @@
           <a:p>
             <a:fld id="{9796027F-7875-4030-9381-8BD8C4F21935}" type="datetimeFigureOut">
               <a:rPr lang="en-US" dirty="0"/>
-              <a:t>8/4/19</a:t>
+              <a:t>9/15/19</a:t>
             </a:fld>
             <a:endParaRPr lang="en-US" dirty="0"/>
           </a:p>
@@ -12905,7 +12897,7 @@
           <a:p>
             <a:fld id="{4509A250-FF31-4206-8172-F9D3106AACB1}" type="datetimeFigureOut">
               <a:rPr lang="en-US" dirty="0"/>
-              <a:t>8/4/19</a:t>
+              <a:t>9/15/19</a:t>
             </a:fld>
             <a:endParaRPr lang="en-US" dirty="0"/>
           </a:p>
@@ -13000,7 +12992,7 @@
           <a:p>
             <a:fld id="{4509A250-FF31-4206-8172-F9D3106AACB1}" type="datetimeFigureOut">
               <a:rPr lang="en-US" dirty="0"/>
-              <a:t>8/4/19</a:t>
+              <a:t>9/15/19</a:t>
             </a:fld>
             <a:endParaRPr lang="en-US" dirty="0"/>
           </a:p>
@@ -13279,7 +13271,7 @@
           <a:p>
             <a:fld id="{4509A250-FF31-4206-8172-F9D3106AACB1}" type="datetimeFigureOut">
               <a:rPr lang="en-US" dirty="0"/>
-              <a:t>8/4/19</a:t>
+              <a:t>9/15/19</a:t>
             </a:fld>
             <a:endParaRPr lang="en-US" dirty="0"/>
           </a:p>
@@ -13554,7 +13546,7 @@
           <a:p>
             <a:fld id="{4509A250-FF31-4206-8172-F9D3106AACB1}" type="datetimeFigureOut">
               <a:rPr lang="en-US" dirty="0"/>
-              <a:t>8/4/19</a:t>
+              <a:t>9/15/19</a:t>
             </a:fld>
             <a:endParaRPr lang="en-US" dirty="0"/>
           </a:p>
@@ -13983,7 +13975,7 @@
           <a:p>
             <a:fld id="{4AAD347D-5ACD-4C99-B74B-A9C85AD731AF}" type="datetimeFigureOut">
               <a:rPr lang="en-US" dirty="0"/>
-              <a:t>8/4/19</a:t>
+              <a:t>9/15/19</a:t>
             </a:fld>
             <a:endParaRPr lang="en-US" dirty="0"/>
           </a:p>
@@ -15341,7 +15333,7 @@
           </a:effectLst>
           <a:extLst>
             <a:ext uri="{C572A759-6A51-4108-AA02-DFA0A04FC94B}">
-              <ma14:wrappingTextBoxFlag xmlns:ma14="http://schemas.microsoft.com/office/mac/drawingml/2011/main" xmlns="" val="1"/>
+              <ma14:wrappingTextBoxFlag xmlns="" xmlns:ma14="http://schemas.microsoft.com/office/mac/drawingml/2011/main" val="1"/>
             </a:ext>
           </a:extLst>
         </p:spPr>
@@ -16988,171 +16980,55 @@
           <a:chExt cx="0" cy="0"/>
         </a:xfrm>
       </p:grpSpPr>
-      <p:sp>
-        <p:nvSpPr>
-          <p:cNvPr id="144" name="Gateway"/>
-          <p:cNvSpPr/>
+      <p:cxnSp>
+        <p:nvCxnSpPr>
+          <p:cNvPr id="49" name="Straight Arrow Connector 42">
+            <a:extLst>
+              <a:ext uri="{FF2B5EF4-FFF2-40B4-BE49-F238E27FC236}">
+                <a16:creationId xmlns:a16="http://schemas.microsoft.com/office/drawing/2014/main" id="{6138F8E3-BA76-B54A-A7A8-9F76EA05A4A0}"/>
+              </a:ext>
+            </a:extLst>
+          </p:cNvPr>
+          <p:cNvCxnSpPr>
+            <a:cxnSpLocks/>
+            <a:stCxn id="145" idx="2"/>
+            <a:endCxn id="45" idx="0"/>
+          </p:cNvCxnSpPr>
           <p:nvPr/>
-        </p:nvSpPr>
+        </p:nvCxnSpPr>
         <p:spPr>
-          <a:xfrm>
-            <a:off x="7830460" y="3256065"/>
-            <a:ext cx="2573468" cy="1198889"/>
+          <a:xfrm flipH="1">
+            <a:off x="8230211" y="6592788"/>
+            <a:ext cx="1367472" cy="860628"/>
           </a:xfrm>
-          <a:prstGeom prst="roundRect">
-            <a:avLst>
-              <a:gd name="adj" fmla="val 19510"/>
-            </a:avLst>
+          <a:prstGeom prst="straightConnector1">
+            <a:avLst/>
           </a:prstGeom>
-          <a:solidFill>
-            <a:schemeClr val="accent3">
-              <a:hueOff val="-365725"/>
-              <a:satOff val="-32500"/>
-              <a:lumOff val="18235"/>
-            </a:schemeClr>
-          </a:solidFill>
-          <a:ln w="12700" cap="flat">
-            <a:noFill/>
+          <a:noFill/>
+          <a:ln w="25400" cap="flat">
+            <a:solidFill>
+              <a:srgbClr val="FFFFFF"/>
+            </a:solidFill>
+            <a:prstDash val="solid"/>
             <a:miter lim="400000"/>
+            <a:tailEnd type="triangle"/>
           </a:ln>
           <a:effectLst/>
-          <a:extLst>
-            <a:ext uri="{C572A759-6A51-4108-AA02-DFA0A04FC94B}">
-              <ma14:wrappingTextBoxFlag xmlns:ma14="http://schemas.microsoft.com/office/mac/drawingml/2011/main" xmlns="" val="1"/>
-            </a:ext>
-          </a:extLst>
+          <a:sp3d/>
         </p:spPr>
-        <p:txBody>
-          <a:bodyPr wrap="square" lIns="50800" tIns="50800" rIns="50800" bIns="50800" numCol="1" anchor="ctr">
-            <a:noAutofit/>
-          </a:bodyPr>
-          <a:lstStyle>
-            <a:lvl1pPr>
-              <a:defRPr sz="2400" b="0">
-                <a:latin typeface="+mn-lt"/>
-                <a:ea typeface="+mn-ea"/>
-                <a:cs typeface="+mn-cs"/>
-                <a:sym typeface="Helvetica Neue Medium"/>
-              </a:defRPr>
-            </a:lvl1pPr>
-          </a:lstStyle>
-          <a:p>
-            <a:r>
-              <a:t>Gateway</a:t>
-            </a:r>
-          </a:p>
-        </p:txBody>
-      </p:sp>
-      <p:sp>
-        <p:nvSpPr>
-          <p:cNvPr id="145" name="Web Api"/>
-          <p:cNvSpPr/>
-          <p:nvPr/>
-        </p:nvSpPr>
-        <p:spPr>
-          <a:xfrm>
-            <a:off x="7861799" y="4959982"/>
-            <a:ext cx="2523491" cy="1175606"/>
-          </a:xfrm>
-          <a:prstGeom prst="roundRect">
-            <a:avLst>
-              <a:gd name="adj" fmla="val 19510"/>
-            </a:avLst>
-          </a:prstGeom>
-          <a:solidFill>
-            <a:schemeClr val="accent3">
-              <a:hueOff val="-365725"/>
-              <a:satOff val="-32500"/>
-              <a:lumOff val="18235"/>
-            </a:schemeClr>
-          </a:solidFill>
-          <a:ln w="12700" cap="flat">
-            <a:noFill/>
-            <a:miter lim="400000"/>
-          </a:ln>
-          <a:effectLst/>
-          <a:extLst>
-            <a:ext uri="{C572A759-6A51-4108-AA02-DFA0A04FC94B}">
-              <ma14:wrappingTextBoxFlag xmlns:ma14="http://schemas.microsoft.com/office/mac/drawingml/2011/main" xmlns="" val="1"/>
-            </a:ext>
-          </a:extLst>
-        </p:spPr>
-        <p:txBody>
-          <a:bodyPr wrap="square" lIns="50800" tIns="50800" rIns="50800" bIns="50800" numCol="1" anchor="ctr">
-            <a:noAutofit/>
-          </a:bodyPr>
-          <a:lstStyle>
-            <a:lvl1pPr>
-              <a:defRPr sz="2400" b="0">
-                <a:latin typeface="+mn-lt"/>
-                <a:ea typeface="+mn-ea"/>
-                <a:cs typeface="+mn-cs"/>
-                <a:sym typeface="Helvetica Neue Medium"/>
-              </a:defRPr>
-            </a:lvl1pPr>
-          </a:lstStyle>
-          <a:p>
-            <a:r>
-              <a:t>Web Api</a:t>
-            </a:r>
-          </a:p>
-        </p:txBody>
-      </p:sp>
-      <p:sp>
-        <p:nvSpPr>
-          <p:cNvPr id="146" name="Items Service"/>
-          <p:cNvSpPr/>
-          <p:nvPr/>
-        </p:nvSpPr>
-        <p:spPr>
-          <a:xfrm>
-            <a:off x="7861799" y="6640616"/>
-            <a:ext cx="2523491" cy="1175606"/>
-          </a:xfrm>
-          <a:prstGeom prst="roundRect">
-            <a:avLst>
-              <a:gd name="adj" fmla="val 19510"/>
-            </a:avLst>
-          </a:prstGeom>
-          <a:solidFill>
-            <a:schemeClr val="accent3">
-              <a:hueOff val="-365725"/>
-              <a:satOff val="-32500"/>
-              <a:lumOff val="18235"/>
-            </a:schemeClr>
-          </a:solidFill>
-          <a:ln w="12700" cap="flat">
-            <a:noFill/>
-            <a:miter lim="400000"/>
-          </a:ln>
-          <a:effectLst/>
-          <a:extLst>
-            <a:ext uri="{C572A759-6A51-4108-AA02-DFA0A04FC94B}">
-              <ma14:wrappingTextBoxFlag xmlns:ma14="http://schemas.microsoft.com/office/mac/drawingml/2011/main" xmlns="" val="1"/>
-            </a:ext>
-          </a:extLst>
-        </p:spPr>
-        <p:txBody>
-          <a:bodyPr wrap="square" lIns="50800" tIns="50800" rIns="50800" bIns="50800" numCol="1" anchor="ctr">
-            <a:noAutofit/>
-          </a:bodyPr>
-          <a:lstStyle>
-            <a:lvl1pPr>
-              <a:defRPr sz="2400" b="0">
-                <a:latin typeface="+mn-lt"/>
-                <a:ea typeface="+mn-ea"/>
-                <a:cs typeface="+mn-cs"/>
-                <a:sym typeface="Helvetica Neue Medium"/>
-              </a:defRPr>
-            </a:lvl1pPr>
-          </a:lstStyle>
-          <a:p>
-            <a:r>
-              <a:t>Items Service</a:t>
-            </a:r>
-          </a:p>
-        </p:txBody>
-      </p:sp>
+        <p:style>
+          <a:lnRef idx="0">
+            <a:scrgbClr r="0" g="0" b="0"/>
+          </a:lnRef>
+          <a:fillRef idx="0">
+            <a:scrgbClr r="0" g="0" b="0"/>
+          </a:fillRef>
+          <a:effectRef idx="0">
+            <a:scrgbClr r="0" g="0" b="0"/>
+          </a:effectRef>
+          <a:fontRef idx="none"/>
+        </p:style>
+      </p:cxnSp>
       <p:sp>
         <p:nvSpPr>
           <p:cNvPr id="147" name="Config Server"/>
@@ -17183,7 +17059,7 @@
           <a:effectLst/>
           <a:extLst>
             <a:ext uri="{C572A759-6A51-4108-AA02-DFA0A04FC94B}">
-              <ma14:wrappingTextBoxFlag xmlns:ma14="http://schemas.microsoft.com/office/mac/drawingml/2011/main" xmlns="" val="1"/>
+              <ma14:wrappingTextBoxFlag xmlns="" xmlns:ma14="http://schemas.microsoft.com/office/mac/drawingml/2011/main" val="1"/>
             </a:ext>
           </a:extLst>
         </p:spPr>
@@ -17203,63 +17079,8 @@
           </a:lstStyle>
           <a:p>
             <a:r>
+              <a:rPr sz="2000" dirty="0"/>
               <a:t>Config Server</a:t>
-            </a:r>
-          </a:p>
-        </p:txBody>
-      </p:sp>
-      <p:sp>
-        <p:nvSpPr>
-          <p:cNvPr id="148" name="Service Discovery Server"/>
-          <p:cNvSpPr/>
-          <p:nvPr/>
-        </p:nvSpPr>
-        <p:spPr>
-          <a:xfrm>
-            <a:off x="12172924" y="3256065"/>
-            <a:ext cx="2573469" cy="1198889"/>
-          </a:xfrm>
-          <a:prstGeom prst="roundRect">
-            <a:avLst>
-              <a:gd name="adj" fmla="val 19510"/>
-            </a:avLst>
-          </a:prstGeom>
-          <a:solidFill>
-            <a:schemeClr val="accent3">
-              <a:hueOff val="-365725"/>
-              <a:satOff val="-32500"/>
-              <a:lumOff val="18235"/>
-            </a:schemeClr>
-          </a:solidFill>
-          <a:ln w="12700" cap="flat">
-            <a:noFill/>
-            <a:miter lim="400000"/>
-          </a:ln>
-          <a:effectLst/>
-          <a:extLst>
-            <a:ext uri="{C572A759-6A51-4108-AA02-DFA0A04FC94B}">
-              <ma14:wrappingTextBoxFlag xmlns:ma14="http://schemas.microsoft.com/office/mac/drawingml/2011/main" xmlns="" val="1"/>
-            </a:ext>
-          </a:extLst>
-        </p:spPr>
-        <p:txBody>
-          <a:bodyPr wrap="square" lIns="50800" tIns="50800" rIns="50800" bIns="50800" numCol="1" anchor="ctr">
-            <a:noAutofit/>
-          </a:bodyPr>
-          <a:lstStyle>
-            <a:lvl1pPr>
-              <a:defRPr sz="2400" b="0">
-                <a:latin typeface="+mn-lt"/>
-                <a:ea typeface="+mn-ea"/>
-                <a:cs typeface="+mn-cs"/>
-                <a:sym typeface="Helvetica Neue Medium"/>
-              </a:defRPr>
-            </a:lvl1pPr>
-          </a:lstStyle>
-          <a:p>
-            <a:r>
-              <a:rPr dirty="0"/>
-              <a:t>Service Discovery</a:t>
             </a:r>
           </a:p>
         </p:txBody>
@@ -17272,7 +17093,7 @@
         </p:nvSpPr>
         <p:spPr>
           <a:xfrm>
-            <a:off x="7830460" y="914224"/>
+            <a:off x="8304598" y="914224"/>
             <a:ext cx="2573468" cy="1198888"/>
           </a:xfrm>
           <a:prstGeom prst="roundRect">
@@ -17292,7 +17113,7 @@
           <a:effectLst/>
           <a:extLst>
             <a:ext uri="{C572A759-6A51-4108-AA02-DFA0A04FC94B}">
-              <ma14:wrappingTextBoxFlag xmlns:ma14="http://schemas.microsoft.com/office/mac/drawingml/2011/main" xmlns="" val="1"/>
+              <ma14:wrappingTextBoxFlag xmlns="" xmlns:ma14="http://schemas.microsoft.com/office/mac/drawingml/2011/main" val="1"/>
             </a:ext>
           </a:extLst>
         </p:spPr>
@@ -17311,7 +17132,9 @@
             </a:lvl1pPr>
           </a:lstStyle>
           <a:p>
+            <a:pPr algn="ctr"/>
             <a:r>
+              <a:rPr sz="2000" dirty="0"/>
               <a:t>Browser/Client</a:t>
             </a:r>
           </a:p>
@@ -17328,72 +17151,11 @@
         </p:nvCxnSpPr>
         <p:spPr>
           <a:xfrm flipV="1">
-            <a:off x="10385290" y="4454954"/>
-            <a:ext cx="3074369" cy="2773465"/>
+            <a:off x="12332628" y="4454954"/>
+            <a:ext cx="2193831" cy="3586265"/>
           </a:xfrm>
           <a:prstGeom prst="bentConnector2">
             <a:avLst/>
-          </a:prstGeom>
-          <a:ln w="25400" cap="flat">
-            <a:solidFill>
-              <a:srgbClr val="FFFFFF"/>
-            </a:solidFill>
-            <a:custDash>
-              <a:ds d="200000" sp="200000"/>
-            </a:custDash>
-            <a:miter lim="400000"/>
-            <a:tailEnd type="stealth" w="med" len="med"/>
-          </a:ln>
-          <a:effectLst/>
-        </p:spPr>
-      </p:cxnSp>
-      <p:cxnSp>
-        <p:nvCxnSpPr>
-          <p:cNvPr id="158" name="Anslutningslinje"/>
-          <p:cNvCxnSpPr>
-            <a:stCxn id="145" idx="3"/>
-            <a:endCxn id="148" idx="2"/>
-          </p:cNvCxnSpPr>
-          <p:nvPr/>
-        </p:nvCxnSpPr>
-        <p:spPr>
-          <a:xfrm flipV="1">
-            <a:off x="10385290" y="4454954"/>
-            <a:ext cx="3074369" cy="1092831"/>
-          </a:xfrm>
-          <a:prstGeom prst="bentConnector2">
-            <a:avLst/>
-          </a:prstGeom>
-          <a:ln w="25400" cap="flat">
-            <a:solidFill>
-              <a:srgbClr val="FFFFFF"/>
-            </a:solidFill>
-            <a:custDash>
-              <a:ds d="200000" sp="200000"/>
-            </a:custDash>
-            <a:miter lim="400000"/>
-            <a:tailEnd type="stealth" w="med" len="med"/>
-          </a:ln>
-          <a:effectLst/>
-        </p:spPr>
-      </p:cxnSp>
-      <p:cxnSp>
-        <p:nvCxnSpPr>
-          <p:cNvPr id="159" name="Anslutningslinje"/>
-          <p:cNvCxnSpPr>
-            <a:endCxn id="148" idx="1"/>
-          </p:cNvCxnSpPr>
-          <p:nvPr/>
-        </p:nvCxnSpPr>
-        <p:spPr>
-          <a:xfrm>
-            <a:off x="10403930" y="3854814"/>
-            <a:ext cx="1768994" cy="696"/>
-          </a:xfrm>
-          <a:prstGeom prst="bentConnector3">
-            <a:avLst>
-              <a:gd name="adj1" fmla="val 50000"/>
-            </a:avLst>
           </a:prstGeom>
           <a:ln w="25400" cap="flat">
             <a:solidFill>
@@ -17430,7 +17192,7 @@
           <a:effectLst/>
           <a:extLst>
             <a:ext uri="{C572A759-6A51-4108-AA02-DFA0A04FC94B}">
-              <ma14:wrappingTextBoxFlag xmlns:ma14="http://schemas.microsoft.com/office/mac/drawingml/2011/main" xmlns="" val="1"/>
+              <ma14:wrappingTextBoxFlag xmlns="" xmlns:ma14="http://schemas.microsoft.com/office/mac/drawingml/2011/main" val="1"/>
             </a:ext>
           </a:extLst>
         </p:spPr>
@@ -17459,7 +17221,7 @@
         </p:nvSpPr>
         <p:spPr>
           <a:xfrm>
-            <a:off x="6850655" y="5058751"/>
+            <a:off x="6850655" y="5363554"/>
             <a:ext cx="829311" cy="399289"/>
           </a:xfrm>
           <a:prstGeom prst="rect">
@@ -17473,7 +17235,7 @@
           <a:effectLst/>
           <a:extLst>
             <a:ext uri="{C572A759-6A51-4108-AA02-DFA0A04FC94B}">
-              <ma14:wrappingTextBoxFlag xmlns:ma14="http://schemas.microsoft.com/office/mac/drawingml/2011/main" xmlns="" val="1"/>
+              <ma14:wrappingTextBoxFlag xmlns="" xmlns:ma14="http://schemas.microsoft.com/office/mac/drawingml/2011/main" val="1"/>
             </a:ext>
           </a:extLst>
         </p:spPr>
@@ -17502,7 +17264,7 @@
         </p:nvSpPr>
         <p:spPr>
           <a:xfrm>
-            <a:off x="6850655" y="6639560"/>
+            <a:off x="4346623" y="6640616"/>
             <a:ext cx="829311" cy="399289"/>
           </a:xfrm>
           <a:prstGeom prst="rect">
@@ -17516,7 +17278,7 @@
           <a:effectLst/>
           <a:extLst>
             <a:ext uri="{C572A759-6A51-4108-AA02-DFA0A04FC94B}">
-              <ma14:wrappingTextBoxFlag xmlns:ma14="http://schemas.microsoft.com/office/mac/drawingml/2011/main" xmlns="" val="1"/>
+              <ma14:wrappingTextBoxFlag xmlns="" xmlns:ma14="http://schemas.microsoft.com/office/mac/drawingml/2011/main" val="1"/>
             </a:ext>
           </a:extLst>
         </p:spPr>
@@ -17545,7 +17307,7 @@
         </p:nvSpPr>
         <p:spPr>
           <a:xfrm>
-            <a:off x="10568937" y="5872498"/>
+            <a:off x="11644203" y="6211164"/>
             <a:ext cx="2654047" cy="1008889"/>
           </a:xfrm>
           <a:prstGeom prst="rect">
@@ -17559,7 +17321,7 @@
           <a:effectLst/>
           <a:extLst>
             <a:ext uri="{C572A759-6A51-4108-AA02-DFA0A04FC94B}">
-              <ma14:wrappingTextBoxFlag xmlns:ma14="http://schemas.microsoft.com/office/mac/drawingml/2011/main" xmlns="" val="1"/>
+              <ma14:wrappingTextBoxFlag xmlns="" xmlns:ma14="http://schemas.microsoft.com/office/mac/drawingml/2011/main" val="1"/>
             </a:ext>
           </a:extLst>
         </p:spPr>
@@ -17605,8 +17367,8 @@
         </p:nvSpPr>
         <p:spPr>
           <a:xfrm>
-            <a:off x="1571212" y="2368536"/>
-            <a:ext cx="15091966" cy="5843097"/>
+            <a:off x="1930400" y="2368535"/>
+            <a:ext cx="16425334" cy="7991617"/>
           </a:xfrm>
           <a:prstGeom prst="roundRect">
             <a:avLst>
@@ -17649,14 +17411,14 @@
       </p:sp>
       <p:sp>
         <p:nvSpPr>
-          <p:cNvPr id="165" name="Client Load Balancer"/>
+          <p:cNvPr id="145" name="Web Api"/>
           <p:cNvSpPr/>
           <p:nvPr/>
         </p:nvSpPr>
         <p:spPr>
           <a:xfrm>
-            <a:off x="13679717" y="4313590"/>
-            <a:ext cx="2573469" cy="1198889"/>
+            <a:off x="8335937" y="5417182"/>
+            <a:ext cx="2523491" cy="1175606"/>
           </a:xfrm>
           <a:prstGeom prst="roundRect">
             <a:avLst>
@@ -17677,7 +17439,7 @@
           <a:effectLst/>
           <a:extLst>
             <a:ext uri="{C572A759-6A51-4108-AA02-DFA0A04FC94B}">
-              <ma14:wrappingTextBoxFlag xmlns:ma14="http://schemas.microsoft.com/office/mac/drawingml/2011/main" xmlns="" val="1"/>
+              <ma14:wrappingTextBoxFlag xmlns="" xmlns:ma14="http://schemas.microsoft.com/office/mac/drawingml/2011/main" val="1"/>
             </a:ext>
           </a:extLst>
         </p:spPr>
@@ -17697,326 +17459,73 @@
           </a:lstStyle>
           <a:p>
             <a:r>
-              <a:t>Client Load Balancer</a:t>
+              <a:rPr sz="2000" dirty="0"/>
+              <a:t>Web </a:t>
             </a:r>
+            <a:r>
+              <a:rPr sz="2000" dirty="0" err="1"/>
+              <a:t>Api</a:t>
+            </a:r>
+            <a:endParaRPr sz="2000" dirty="0"/>
           </a:p>
         </p:txBody>
       </p:sp>
-      <p:grpSp>
-        <p:nvGrpSpPr>
-          <p:cNvPr id="173" name="Gruppera"/>
-          <p:cNvGrpSpPr/>
+      <p:sp>
+        <p:nvSpPr>
+          <p:cNvPr id="146" name="Items Service"/>
+          <p:cNvSpPr/>
           <p:nvPr/>
-        </p:nvGrpSpPr>
-        <p:grpSpPr>
+        </p:nvSpPr>
+        <p:spPr>
           <a:xfrm>
-            <a:off x="3235847" y="4265557"/>
-            <a:ext cx="9961279" cy="4207084"/>
-            <a:chOff x="0" y="0"/>
-            <a:chExt cx="9961277" cy="4207083"/>
+            <a:off x="9809137" y="7453416"/>
+            <a:ext cx="2523491" cy="1175606"/>
           </a:xfrm>
-        </p:grpSpPr>
-        <p:sp>
-          <p:nvSpPr>
-            <p:cNvPr id="167" name="20202"/>
-            <p:cNvSpPr/>
-            <p:nvPr/>
-          </p:nvSpPr>
-          <p:spPr>
-            <a:xfrm>
-              <a:off x="4364603" y="0"/>
-              <a:ext cx="1388051" cy="527414"/>
-            </a:xfrm>
-            <a:prstGeom prst="roundRect">
-              <a:avLst>
-                <a:gd name="adj" fmla="val 36120"/>
-              </a:avLst>
-            </a:prstGeom>
-            <a:solidFill>
-              <a:schemeClr val="accent5">
-                <a:hueOff val="-36178"/>
-                <a:satOff val="6507"/>
-                <a:lumOff val="-23518"/>
-              </a:schemeClr>
-            </a:solidFill>
-            <a:ln w="12700" cap="flat">
-              <a:noFill/>
-              <a:miter lim="400000"/>
-            </a:ln>
-            <a:effectLst/>
-            <a:extLst>
-              <a:ext uri="{C572A759-6A51-4108-AA02-DFA0A04FC94B}">
-                <ma14:wrappingTextBoxFlag xmlns:ma14="http://schemas.microsoft.com/office/mac/drawingml/2011/main" xmlns="" val="1"/>
-              </a:ext>
-            </a:extLst>
-          </p:spPr>
-          <p:txBody>
-            <a:bodyPr wrap="square" lIns="50800" tIns="50800" rIns="50800" bIns="50800" numCol="1" anchor="ctr">
-              <a:noAutofit/>
-            </a:bodyPr>
-            <a:lstStyle>
-              <a:lvl1pPr>
-                <a:defRPr sz="2000" b="0"/>
-              </a:lvl1pPr>
-            </a:lstStyle>
-            <a:p>
-              <a:r>
-                <a:t>20202</a:t>
-              </a:r>
-            </a:p>
-          </p:txBody>
-        </p:sp>
-        <p:sp>
-          <p:nvSpPr>
-            <p:cNvPr id="168" name="8761"/>
-            <p:cNvSpPr/>
-            <p:nvPr/>
-          </p:nvSpPr>
-          <p:spPr>
-            <a:xfrm>
-              <a:off x="8573227" y="0"/>
-              <a:ext cx="1388051" cy="527414"/>
-            </a:xfrm>
-            <a:prstGeom prst="roundRect">
-              <a:avLst>
-                <a:gd name="adj" fmla="val 36120"/>
-              </a:avLst>
-            </a:prstGeom>
-            <a:solidFill>
-              <a:schemeClr val="accent5">
-                <a:hueOff val="-36178"/>
-                <a:satOff val="6507"/>
-                <a:lumOff val="-23518"/>
-              </a:schemeClr>
-            </a:solidFill>
-            <a:ln w="12700" cap="flat">
-              <a:noFill/>
-              <a:miter lim="400000"/>
-            </a:ln>
-            <a:effectLst/>
-            <a:extLst>
-              <a:ext uri="{C572A759-6A51-4108-AA02-DFA0A04FC94B}">
-                <ma14:wrappingTextBoxFlag xmlns:ma14="http://schemas.microsoft.com/office/mac/drawingml/2011/main" xmlns="" val="1"/>
-              </a:ext>
-            </a:extLst>
-          </p:spPr>
-          <p:txBody>
-            <a:bodyPr wrap="square" lIns="50800" tIns="50800" rIns="50800" bIns="50800" numCol="1" anchor="ctr">
-              <a:noAutofit/>
-            </a:bodyPr>
-            <a:lstStyle>
-              <a:lvl1pPr>
-                <a:defRPr sz="2000" b="0"/>
-              </a:lvl1pPr>
-            </a:lstStyle>
-            <a:p>
-              <a:r>
-                <a:t>8761</a:t>
-              </a:r>
-            </a:p>
-          </p:txBody>
-        </p:sp>
-        <p:sp>
-          <p:nvSpPr>
-            <p:cNvPr id="169" name="8100"/>
-            <p:cNvSpPr/>
-            <p:nvPr/>
-          </p:nvSpPr>
-          <p:spPr>
-            <a:xfrm>
-              <a:off x="4364603" y="1670826"/>
-              <a:ext cx="1388051" cy="527415"/>
-            </a:xfrm>
-            <a:prstGeom prst="roundRect">
-              <a:avLst>
-                <a:gd name="adj" fmla="val 36120"/>
-              </a:avLst>
-            </a:prstGeom>
-            <a:solidFill>
-              <a:schemeClr val="accent5">
-                <a:hueOff val="-36178"/>
-                <a:satOff val="6507"/>
-                <a:lumOff val="-23518"/>
-              </a:schemeClr>
-            </a:solidFill>
-            <a:ln w="12700" cap="flat">
-              <a:noFill/>
-              <a:miter lim="400000"/>
-            </a:ln>
-            <a:effectLst/>
-            <a:extLst>
-              <a:ext uri="{C572A759-6A51-4108-AA02-DFA0A04FC94B}">
-                <ma14:wrappingTextBoxFlag xmlns:ma14="http://schemas.microsoft.com/office/mac/drawingml/2011/main" xmlns="" val="1"/>
-              </a:ext>
-            </a:extLst>
-          </p:spPr>
-          <p:txBody>
-            <a:bodyPr wrap="square" lIns="50800" tIns="50800" rIns="50800" bIns="50800" numCol="1" anchor="ctr">
-              <a:noAutofit/>
-            </a:bodyPr>
-            <a:lstStyle>
-              <a:lvl1pPr>
-                <a:defRPr sz="2000" b="0"/>
-              </a:lvl1pPr>
-            </a:lstStyle>
-            <a:p>
-              <a:r>
-                <a:t>8100</a:t>
-              </a:r>
-            </a:p>
-          </p:txBody>
-        </p:sp>
-        <p:sp>
-          <p:nvSpPr>
-            <p:cNvPr id="170" name="8080"/>
-            <p:cNvSpPr/>
-            <p:nvPr/>
-          </p:nvSpPr>
-          <p:spPr>
-            <a:xfrm>
-              <a:off x="4364603" y="3291165"/>
-              <a:ext cx="1388051" cy="527414"/>
-            </a:xfrm>
-            <a:prstGeom prst="roundRect">
-              <a:avLst>
-                <a:gd name="adj" fmla="val 36120"/>
-              </a:avLst>
-            </a:prstGeom>
-            <a:solidFill>
-              <a:schemeClr val="accent5">
-                <a:hueOff val="-36178"/>
-                <a:satOff val="6507"/>
-                <a:lumOff val="-23518"/>
-              </a:schemeClr>
-            </a:solidFill>
-            <a:ln w="12700" cap="flat">
-              <a:noFill/>
-              <a:miter lim="400000"/>
-            </a:ln>
-            <a:effectLst/>
-            <a:extLst>
-              <a:ext uri="{C572A759-6A51-4108-AA02-DFA0A04FC94B}">
-                <ma14:wrappingTextBoxFlag xmlns:ma14="http://schemas.microsoft.com/office/mac/drawingml/2011/main" xmlns="" val="1"/>
-              </a:ext>
-            </a:extLst>
-          </p:spPr>
-          <p:txBody>
-            <a:bodyPr wrap="square" lIns="50800" tIns="50800" rIns="50800" bIns="50800" numCol="1" anchor="ctr">
-              <a:noAutofit/>
-            </a:bodyPr>
-            <a:lstStyle>
-              <a:lvl1pPr>
-                <a:defRPr sz="2000" b="0"/>
-              </a:lvl1pPr>
-            </a:lstStyle>
-            <a:p>
-              <a:r>
-                <a:t>8080</a:t>
-              </a:r>
-            </a:p>
-          </p:txBody>
-        </p:sp>
-        <p:sp>
-          <p:nvSpPr>
-            <p:cNvPr id="171" name="8888"/>
-            <p:cNvSpPr/>
-            <p:nvPr/>
-          </p:nvSpPr>
-          <p:spPr>
-            <a:xfrm>
-              <a:off x="0" y="0"/>
-              <a:ext cx="1388051" cy="527414"/>
-            </a:xfrm>
-            <a:prstGeom prst="roundRect">
-              <a:avLst>
-                <a:gd name="adj" fmla="val 36120"/>
-              </a:avLst>
-            </a:prstGeom>
-            <a:solidFill>
-              <a:schemeClr val="accent5">
-                <a:hueOff val="-36178"/>
-                <a:satOff val="6507"/>
-                <a:lumOff val="-23518"/>
-              </a:schemeClr>
-            </a:solidFill>
-            <a:ln w="12700" cap="flat">
-              <a:noFill/>
-              <a:miter lim="400000"/>
-            </a:ln>
-            <a:effectLst/>
-            <a:extLst>
-              <a:ext uri="{C572A759-6A51-4108-AA02-DFA0A04FC94B}">
-                <ma14:wrappingTextBoxFlag xmlns:ma14="http://schemas.microsoft.com/office/mac/drawingml/2011/main" xmlns="" val="1"/>
-              </a:ext>
-            </a:extLst>
-          </p:spPr>
-          <p:txBody>
-            <a:bodyPr wrap="square" lIns="50800" tIns="50800" rIns="50800" bIns="50800" numCol="1" anchor="ctr">
-              <a:noAutofit/>
-            </a:bodyPr>
-            <a:lstStyle>
-              <a:lvl1pPr>
-                <a:defRPr sz="2000" b="0"/>
-              </a:lvl1pPr>
-            </a:lstStyle>
-            <a:p>
-              <a:r>
-                <a:t>8888</a:t>
-              </a:r>
-            </a:p>
-          </p:txBody>
-        </p:sp>
-        <p:sp>
-          <p:nvSpPr>
-            <p:cNvPr id="172" name="8085"/>
-            <p:cNvSpPr/>
-            <p:nvPr/>
-          </p:nvSpPr>
-          <p:spPr>
-            <a:xfrm>
-              <a:off x="4555048" y="3679670"/>
-              <a:ext cx="1388051" cy="527414"/>
-            </a:xfrm>
-            <a:prstGeom prst="roundRect">
-              <a:avLst>
-                <a:gd name="adj" fmla="val 36120"/>
-              </a:avLst>
-            </a:prstGeom>
-            <a:solidFill>
-              <a:schemeClr val="accent5">
-                <a:hueOff val="-36178"/>
-                <a:satOff val="6507"/>
-                <a:lumOff val="-23518"/>
-              </a:schemeClr>
-            </a:solidFill>
-            <a:ln w="12700" cap="flat">
-              <a:noFill/>
-              <a:miter lim="400000"/>
-            </a:ln>
-            <a:effectLst/>
-            <a:extLst>
-              <a:ext uri="{C572A759-6A51-4108-AA02-DFA0A04FC94B}">
-                <ma14:wrappingTextBoxFlag xmlns:ma14="http://schemas.microsoft.com/office/mac/drawingml/2011/main" xmlns="" val="1"/>
-              </a:ext>
-            </a:extLst>
-          </p:spPr>
-          <p:txBody>
-            <a:bodyPr wrap="square" lIns="50800" tIns="50800" rIns="50800" bIns="50800" numCol="1" anchor="ctr">
-              <a:noAutofit/>
-            </a:bodyPr>
-            <a:lstStyle>
-              <a:lvl1pPr>
-                <a:defRPr sz="2000" b="0"/>
-              </a:lvl1pPr>
-            </a:lstStyle>
-            <a:p>
-              <a:r>
-                <a:t>8085</a:t>
-              </a:r>
-            </a:p>
-          </p:txBody>
-        </p:sp>
-      </p:grpSp>
+          <a:prstGeom prst="roundRect">
+            <a:avLst>
+              <a:gd name="adj" fmla="val 19510"/>
+            </a:avLst>
+          </a:prstGeom>
+          <a:solidFill>
+            <a:schemeClr val="accent3">
+              <a:hueOff val="-365725"/>
+              <a:satOff val="-32500"/>
+              <a:lumOff val="18235"/>
+            </a:schemeClr>
+          </a:solidFill>
+          <a:ln w="12700" cap="flat">
+            <a:noFill/>
+            <a:miter lim="400000"/>
+          </a:ln>
+          <a:effectLst/>
+          <a:extLst>
+            <a:ext uri="{C572A759-6A51-4108-AA02-DFA0A04FC94B}">
+              <ma14:wrappingTextBoxFlag xmlns="" xmlns:ma14="http://schemas.microsoft.com/office/mac/drawingml/2011/main" val="1"/>
+            </a:ext>
+          </a:extLst>
+        </p:spPr>
+        <p:txBody>
+          <a:bodyPr wrap="square" lIns="50800" tIns="50800" rIns="50800" bIns="50800" numCol="1" anchor="ctr">
+            <a:noAutofit/>
+          </a:bodyPr>
+          <a:lstStyle>
+            <a:lvl1pPr>
+              <a:defRPr sz="2400" b="0">
+                <a:latin typeface="+mn-lt"/>
+                <a:ea typeface="+mn-ea"/>
+                <a:cs typeface="+mn-cs"/>
+                <a:sym typeface="Helvetica Neue Medium"/>
+              </a:defRPr>
+            </a:lvl1pPr>
+          </a:lstStyle>
+          <a:p>
+            <a:r>
+              <a:rPr sz="2000" dirty="0"/>
+              <a:t>Items Service</a:t>
+            </a:r>
+          </a:p>
+        </p:txBody>
+      </p:sp>
       <p:cxnSp>
         <p:nvCxnSpPr>
           <p:cNvPr id="5" name="Straight Arrow Connector 4"/>
@@ -18028,12 +17537,12 @@
         </p:nvCxnSpPr>
         <p:spPr>
           <a:xfrm rot="16200000" flipV="1">
-            <a:off x="9117195" y="-1086399"/>
-            <a:ext cx="12700" cy="8684928"/>
+            <a:off x="9650595" y="-1619799"/>
+            <a:ext cx="12700" cy="9751728"/>
           </a:xfrm>
           <a:prstGeom prst="curvedConnector3">
             <a:avLst>
-              <a:gd name="adj1" fmla="val 4275000"/>
+              <a:gd name="adj1" fmla="val 3133331"/>
             </a:avLst>
           </a:prstGeom>
           <a:noFill/>
@@ -18073,7 +17582,7 @@
         <p:spPr>
           <a:xfrm rot="10800000">
             <a:off x="4774731" y="4454955"/>
-            <a:ext cx="3087068" cy="1092831"/>
+            <a:ext cx="3561206" cy="1550031"/>
           </a:xfrm>
           <a:prstGeom prst="curvedConnector2">
             <a:avLst/>
@@ -18115,7 +17624,7 @@
         <p:spPr>
           <a:xfrm rot="10800000">
             <a:off x="4774731" y="4454955"/>
-            <a:ext cx="3087068" cy="2773465"/>
+            <a:ext cx="5034406" cy="3586265"/>
           </a:xfrm>
           <a:prstGeom prst="curvedConnector2">
             <a:avLst/>
@@ -18157,11 +17666,11 @@
         <p:spPr>
           <a:xfrm rot="10800000">
             <a:off x="6061466" y="3855510"/>
-            <a:ext cx="1768995" cy="12700"/>
+            <a:ext cx="2243133" cy="12700"/>
           </a:xfrm>
           <a:prstGeom prst="curvedConnector3">
             <a:avLst>
-              <a:gd name="adj1" fmla="val 56998"/>
+              <a:gd name="adj1" fmla="val 50000"/>
             </a:avLst>
           </a:prstGeom>
           <a:noFill/>
@@ -18211,7 +17720,7 @@
           <a:effectLst/>
           <a:extLst>
             <a:ext uri="{C572A759-6A51-4108-AA02-DFA0A04FC94B}">
-              <ma14:wrappingTextBoxFlag xmlns:ma14="http://schemas.microsoft.com/office/mac/drawingml/2011/main" xmlns="" val="1"/>
+              <ma14:wrappingTextBoxFlag xmlns="" xmlns:ma14="http://schemas.microsoft.com/office/mac/drawingml/2011/main" val="1"/>
             </a:ext>
           </a:extLst>
         </p:spPr>
@@ -18243,7 +17752,7 @@
         </p:nvCxnSpPr>
         <p:spPr>
           <a:xfrm>
-            <a:off x="9117194" y="2113112"/>
+            <a:off x="9591332" y="2113112"/>
             <a:ext cx="0" cy="1142953"/>
           </a:xfrm>
           <a:prstGeom prst="straightConnector1">
@@ -18285,8 +17794,8 @@
         </p:nvCxnSpPr>
         <p:spPr>
           <a:xfrm>
-            <a:off x="9117194" y="4454954"/>
-            <a:ext cx="6351" cy="505028"/>
+            <a:off x="9591332" y="4454954"/>
+            <a:ext cx="6351" cy="962228"/>
           </a:xfrm>
           <a:prstGeom prst="straightConnector1">
             <a:avLst/>
@@ -18327,8 +17836,8 @@
         </p:nvCxnSpPr>
         <p:spPr>
           <a:xfrm>
-            <a:off x="9123545" y="6135588"/>
-            <a:ext cx="0" cy="505028"/>
+            <a:off x="9597683" y="6592788"/>
+            <a:ext cx="1473200" cy="860628"/>
           </a:xfrm>
           <a:prstGeom prst="straightConnector1">
             <a:avLst/>
@@ -18358,199 +17867,418 @@
           <a:fontRef idx="none"/>
         </p:style>
       </p:cxnSp>
+      <p:sp>
+        <p:nvSpPr>
+          <p:cNvPr id="148" name="Service Discovery Server"/>
+          <p:cNvSpPr/>
+          <p:nvPr/>
+        </p:nvSpPr>
+        <p:spPr>
+          <a:xfrm>
+            <a:off x="13239724" y="3256065"/>
+            <a:ext cx="2573469" cy="1198889"/>
+          </a:xfrm>
+          <a:prstGeom prst="roundRect">
+            <a:avLst>
+              <a:gd name="adj" fmla="val 19510"/>
+            </a:avLst>
+          </a:prstGeom>
+          <a:solidFill>
+            <a:schemeClr val="accent3">
+              <a:hueOff val="-365725"/>
+              <a:satOff val="-32500"/>
+              <a:lumOff val="18235"/>
+            </a:schemeClr>
+          </a:solidFill>
+          <a:ln w="12700" cap="flat">
+            <a:noFill/>
+            <a:miter lim="400000"/>
+          </a:ln>
+          <a:effectLst/>
+          <a:extLst>
+            <a:ext uri="{C572A759-6A51-4108-AA02-DFA0A04FC94B}">
+              <ma14:wrappingTextBoxFlag xmlns="" xmlns:ma14="http://schemas.microsoft.com/office/mac/drawingml/2011/main" val="1"/>
+            </a:ext>
+          </a:extLst>
+        </p:spPr>
+        <p:txBody>
+          <a:bodyPr wrap="square" lIns="50800" tIns="50800" rIns="50800" bIns="50800" numCol="1" anchor="ctr">
+            <a:noAutofit/>
+          </a:bodyPr>
+          <a:lstStyle>
+            <a:lvl1pPr>
+              <a:defRPr sz="2400" b="0">
+                <a:latin typeface="+mn-lt"/>
+                <a:ea typeface="+mn-ea"/>
+                <a:cs typeface="+mn-cs"/>
+                <a:sym typeface="Helvetica Neue Medium"/>
+              </a:defRPr>
+            </a:lvl1pPr>
+          </a:lstStyle>
+          <a:p>
+            <a:r>
+              <a:rPr sz="2000" dirty="0"/>
+              <a:t>Service Discovery</a:t>
+            </a:r>
+          </a:p>
+        </p:txBody>
+      </p:sp>
+      <p:sp>
+        <p:nvSpPr>
+          <p:cNvPr id="174" name="Eureka"/>
+          <p:cNvSpPr/>
+          <p:nvPr/>
+        </p:nvSpPr>
+        <p:spPr>
+          <a:xfrm>
+            <a:off x="14677291" y="3002918"/>
+            <a:ext cx="1388052" cy="527414"/>
+          </a:xfrm>
+          <a:prstGeom prst="roundRect">
+            <a:avLst>
+              <a:gd name="adj" fmla="val 36120"/>
+            </a:avLst>
+          </a:prstGeom>
+          <a:solidFill>
+            <a:schemeClr val="accent2">
+              <a:hueOff val="89372"/>
+              <a:lumOff val="-8823"/>
+            </a:schemeClr>
+          </a:solidFill>
+          <a:ln w="12700" cap="flat">
+            <a:noFill/>
+            <a:miter lim="400000"/>
+          </a:ln>
+          <a:effectLst/>
+          <a:extLst>
+            <a:ext uri="{C572A759-6A51-4108-AA02-DFA0A04FC94B}">
+              <ma14:wrappingTextBoxFlag xmlns="" xmlns:ma14="http://schemas.microsoft.com/office/mac/drawingml/2011/main" val="1"/>
+            </a:ext>
+          </a:extLst>
+        </p:spPr>
+        <p:txBody>
+          <a:bodyPr wrap="square" lIns="50800" tIns="50800" rIns="50800" bIns="50800" numCol="1" anchor="ctr">
+            <a:noAutofit/>
+          </a:bodyPr>
+          <a:lstStyle>
+            <a:lvl1pPr>
+              <a:defRPr sz="2000" b="0"/>
+            </a:lvl1pPr>
+          </a:lstStyle>
+          <a:p>
+            <a:r>
+              <a:t>Eureka</a:t>
+            </a:r>
+          </a:p>
+        </p:txBody>
+      </p:sp>
+      <p:sp>
+        <p:nvSpPr>
+          <p:cNvPr id="165" name="Client Load Balancer"/>
+          <p:cNvSpPr/>
+          <p:nvPr/>
+        </p:nvSpPr>
+        <p:spPr>
+          <a:xfrm>
+            <a:off x="14746517" y="4313590"/>
+            <a:ext cx="2573469" cy="1198889"/>
+          </a:xfrm>
+          <a:prstGeom prst="roundRect">
+            <a:avLst>
+              <a:gd name="adj" fmla="val 19510"/>
+            </a:avLst>
+          </a:prstGeom>
+          <a:solidFill>
+            <a:schemeClr val="accent3">
+              <a:hueOff val="-365725"/>
+              <a:satOff val="-32500"/>
+              <a:lumOff val="18235"/>
+            </a:schemeClr>
+          </a:solidFill>
+          <a:ln w="12700" cap="flat">
+            <a:noFill/>
+            <a:miter lim="400000"/>
+          </a:ln>
+          <a:effectLst/>
+          <a:extLst>
+            <a:ext uri="{C572A759-6A51-4108-AA02-DFA0A04FC94B}">
+              <ma14:wrappingTextBoxFlag xmlns="" xmlns:ma14="http://schemas.microsoft.com/office/mac/drawingml/2011/main" val="1"/>
+            </a:ext>
+          </a:extLst>
+        </p:spPr>
+        <p:txBody>
+          <a:bodyPr wrap="square" lIns="50800" tIns="50800" rIns="50800" bIns="50800" numCol="1" anchor="ctr">
+            <a:noAutofit/>
+          </a:bodyPr>
+          <a:lstStyle>
+            <a:lvl1pPr>
+              <a:defRPr sz="2400" b="0">
+                <a:latin typeface="+mn-lt"/>
+                <a:ea typeface="+mn-ea"/>
+                <a:cs typeface="+mn-cs"/>
+                <a:sym typeface="Helvetica Neue Medium"/>
+              </a:defRPr>
+            </a:lvl1pPr>
+          </a:lstStyle>
+          <a:p>
+            <a:r>
+              <a:rPr sz="2000" dirty="0"/>
+              <a:t>Client Load Balancer</a:t>
+            </a:r>
+          </a:p>
+        </p:txBody>
+      </p:sp>
+      <p:sp>
+        <p:nvSpPr>
+          <p:cNvPr id="175" name="Ribbon"/>
+          <p:cNvSpPr/>
+          <p:nvPr/>
+        </p:nvSpPr>
+        <p:spPr>
+          <a:xfrm>
+            <a:off x="16157784" y="3975850"/>
+            <a:ext cx="1388051" cy="527414"/>
+          </a:xfrm>
+          <a:prstGeom prst="roundRect">
+            <a:avLst>
+              <a:gd name="adj" fmla="val 36120"/>
+            </a:avLst>
+          </a:prstGeom>
+          <a:solidFill>
+            <a:schemeClr val="accent2">
+              <a:hueOff val="89372"/>
+              <a:lumOff val="-8823"/>
+            </a:schemeClr>
+          </a:solidFill>
+          <a:ln w="12700" cap="flat">
+            <a:noFill/>
+            <a:miter lim="400000"/>
+          </a:ln>
+          <a:effectLst/>
+          <a:extLst>
+            <a:ext uri="{C572A759-6A51-4108-AA02-DFA0A04FC94B}">
+              <ma14:wrappingTextBoxFlag xmlns="" xmlns:ma14="http://schemas.microsoft.com/office/mac/drawingml/2011/main" val="1"/>
+            </a:ext>
+          </a:extLst>
+        </p:spPr>
+        <p:txBody>
+          <a:bodyPr wrap="square" lIns="50800" tIns="50800" rIns="50800" bIns="50800" numCol="1" anchor="ctr">
+            <a:noAutofit/>
+          </a:bodyPr>
+          <a:lstStyle>
+            <a:lvl1pPr>
+              <a:defRPr sz="2000" b="0"/>
+            </a:lvl1pPr>
+          </a:lstStyle>
+          <a:p>
+            <a:r>
+              <a:t>Ribbon</a:t>
+            </a:r>
+          </a:p>
+        </p:txBody>
+      </p:sp>
+      <p:sp>
+        <p:nvSpPr>
+          <p:cNvPr id="144" name="Gateway"/>
+          <p:cNvSpPr/>
+          <p:nvPr/>
+        </p:nvSpPr>
+        <p:spPr>
+          <a:xfrm>
+            <a:off x="8304598" y="3256065"/>
+            <a:ext cx="2573468" cy="1198889"/>
+          </a:xfrm>
+          <a:prstGeom prst="roundRect">
+            <a:avLst>
+              <a:gd name="adj" fmla="val 19510"/>
+            </a:avLst>
+          </a:prstGeom>
+          <a:solidFill>
+            <a:schemeClr val="accent3">
+              <a:hueOff val="-365725"/>
+              <a:satOff val="-32500"/>
+              <a:lumOff val="18235"/>
+            </a:schemeClr>
+          </a:solidFill>
+          <a:ln w="12700" cap="flat">
+            <a:noFill/>
+            <a:miter lim="400000"/>
+          </a:ln>
+          <a:effectLst/>
+          <a:extLst>
+            <a:ext uri="{C572A759-6A51-4108-AA02-DFA0A04FC94B}">
+              <ma14:wrappingTextBoxFlag xmlns="" xmlns:ma14="http://schemas.microsoft.com/office/mac/drawingml/2011/main" val="1"/>
+            </a:ext>
+          </a:extLst>
+        </p:spPr>
+        <p:txBody>
+          <a:bodyPr wrap="square" lIns="50800" tIns="50800" rIns="50800" bIns="50800" numCol="1" anchor="ctr">
+            <a:noAutofit/>
+          </a:bodyPr>
+          <a:lstStyle>
+            <a:lvl1pPr>
+              <a:defRPr sz="2400" b="0">
+                <a:latin typeface="+mn-lt"/>
+                <a:ea typeface="+mn-ea"/>
+                <a:cs typeface="+mn-cs"/>
+                <a:sym typeface="Helvetica Neue Medium"/>
+              </a:defRPr>
+            </a:lvl1pPr>
+          </a:lstStyle>
+          <a:p>
+            <a:r>
+              <a:rPr sz="2000" dirty="0"/>
+              <a:t>Gateway</a:t>
+            </a:r>
+            <a:endParaRPr dirty="0"/>
+          </a:p>
+        </p:txBody>
+      </p:sp>
+      <p:sp>
+        <p:nvSpPr>
+          <p:cNvPr id="176" name="Zuul"/>
+          <p:cNvSpPr/>
+          <p:nvPr/>
+        </p:nvSpPr>
+        <p:spPr>
+          <a:xfrm>
+            <a:off x="9791633" y="3002918"/>
+            <a:ext cx="1388051" cy="527414"/>
+          </a:xfrm>
+          <a:prstGeom prst="roundRect">
+            <a:avLst>
+              <a:gd name="adj" fmla="val 36120"/>
+            </a:avLst>
+          </a:prstGeom>
+          <a:solidFill>
+            <a:schemeClr val="accent2">
+              <a:hueOff val="89372"/>
+              <a:lumOff val="-8823"/>
+            </a:schemeClr>
+          </a:solidFill>
+          <a:ln w="12700" cap="flat">
+            <a:noFill/>
+            <a:miter lim="400000"/>
+          </a:ln>
+          <a:effectLst/>
+          <a:extLst>
+            <a:ext uri="{C572A759-6A51-4108-AA02-DFA0A04FC94B}">
+              <ma14:wrappingTextBoxFlag xmlns="" xmlns:ma14="http://schemas.microsoft.com/office/mac/drawingml/2011/main" val="1"/>
+            </a:ext>
+          </a:extLst>
+        </p:spPr>
+        <p:txBody>
+          <a:bodyPr wrap="square" lIns="50800" tIns="50800" rIns="50800" bIns="50800" numCol="1" anchor="ctr">
+            <a:noAutofit/>
+          </a:bodyPr>
+          <a:lstStyle>
+            <a:lvl1pPr>
+              <a:defRPr sz="2000" b="0"/>
+            </a:lvl1pPr>
+          </a:lstStyle>
+          <a:p>
+            <a:r>
+              <a:t>Zuul</a:t>
+            </a:r>
+          </a:p>
+        </p:txBody>
+      </p:sp>
+      <p:sp>
+        <p:nvSpPr>
+          <p:cNvPr id="45" name="Items Service">
+            <a:extLst>
+              <a:ext uri="{FF2B5EF4-FFF2-40B4-BE49-F238E27FC236}">
+                <a16:creationId xmlns:a16="http://schemas.microsoft.com/office/drawing/2014/main" id="{F8ED8E6D-D908-0340-8481-13AE03BF3906}"/>
+              </a:ext>
+            </a:extLst>
+          </p:cNvPr>
+          <p:cNvSpPr/>
+          <p:nvPr/>
+        </p:nvSpPr>
+        <p:spPr>
+          <a:xfrm>
+            <a:off x="6968465" y="7453416"/>
+            <a:ext cx="2523491" cy="1175606"/>
+          </a:xfrm>
+          <a:prstGeom prst="roundRect">
+            <a:avLst>
+              <a:gd name="adj" fmla="val 19510"/>
+            </a:avLst>
+          </a:prstGeom>
+          <a:solidFill>
+            <a:schemeClr val="accent3">
+              <a:hueOff val="-365725"/>
+              <a:satOff val="-32500"/>
+              <a:lumOff val="18235"/>
+            </a:schemeClr>
+          </a:solidFill>
+          <a:ln w="12700" cap="flat">
+            <a:noFill/>
+            <a:miter lim="400000"/>
+          </a:ln>
+          <a:effectLst/>
+          <a:extLst>
+            <a:ext uri="{C572A759-6A51-4108-AA02-DFA0A04FC94B}">
+              <ma14:wrappingTextBoxFlag xmlns="" xmlns:ma14="http://schemas.microsoft.com/office/mac/drawingml/2011/main" val="1"/>
+            </a:ext>
+          </a:extLst>
+        </p:spPr>
+        <p:txBody>
+          <a:bodyPr wrap="square" lIns="50800" tIns="50800" rIns="50800" bIns="50800" numCol="1" anchor="ctr">
+            <a:noAutofit/>
+          </a:bodyPr>
+          <a:lstStyle>
+            <a:lvl1pPr>
+              <a:defRPr sz="2400" b="0">
+                <a:latin typeface="+mn-lt"/>
+                <a:ea typeface="+mn-ea"/>
+                <a:cs typeface="+mn-cs"/>
+                <a:sym typeface="Helvetica Neue Medium"/>
+              </a:defRPr>
+            </a:lvl1pPr>
+          </a:lstStyle>
+          <a:p>
+            <a:r>
+              <a:rPr lang="sv-SE" sz="2000" dirty="0"/>
+              <a:t>Reviews</a:t>
+            </a:r>
+            <a:r>
+              <a:rPr sz="2000" dirty="0"/>
+              <a:t> Service</a:t>
+            </a:r>
+          </a:p>
+        </p:txBody>
+      </p:sp>
       <p:grpSp>
         <p:nvGrpSpPr>
-          <p:cNvPr id="54" name="Group 53"/>
+          <p:cNvPr id="23" name="Grupp 22">
+            <a:extLst>
+              <a:ext uri="{FF2B5EF4-FFF2-40B4-BE49-F238E27FC236}">
+                <a16:creationId xmlns:a16="http://schemas.microsoft.com/office/drawing/2014/main" id="{0BB15493-004C-684D-AFDF-AED8EACDDABF}"/>
+              </a:ext>
+            </a:extLst>
+          </p:cNvPr>
           <p:cNvGrpSpPr/>
           <p:nvPr/>
         </p:nvGrpSpPr>
         <p:grpSpPr>
           <a:xfrm>
-            <a:off x="9317495" y="3002918"/>
-            <a:ext cx="13119440" cy="9613447"/>
-            <a:chOff x="9317495" y="3002918"/>
-            <a:chExt cx="13119440" cy="9613447"/>
+            <a:off x="3235847" y="4265557"/>
+            <a:ext cx="11028080" cy="5019885"/>
+            <a:chOff x="3235847" y="4265557"/>
+            <a:chExt cx="11028080" cy="5019885"/>
           </a:xfrm>
         </p:grpSpPr>
         <p:sp>
           <p:nvSpPr>
-            <p:cNvPr id="53" name="Rectangle 52"/>
+            <p:cNvPr id="169" name="8100"/>
             <p:cNvSpPr/>
             <p:nvPr/>
           </p:nvSpPr>
           <p:spPr>
             <a:xfrm>
-              <a:off x="14478000" y="6816627"/>
-              <a:ext cx="7958935" cy="5799738"/>
-            </a:xfrm>
-            <a:prstGeom prst="rect">
-              <a:avLst/>
-            </a:prstGeom>
-            <a:gradFill flip="none" rotWithShape="1">
-              <a:gsLst>
-                <a:gs pos="0">
-                  <a:schemeClr val="accent4">
-                    <a:shade val="30000"/>
-                    <a:satMod val="115000"/>
-                  </a:schemeClr>
-                </a:gs>
-                <a:gs pos="50000">
-                  <a:schemeClr val="accent4">
-                    <a:shade val="67500"/>
-                    <a:satMod val="115000"/>
-                  </a:schemeClr>
-                </a:gs>
-                <a:gs pos="100000">
-                  <a:schemeClr val="accent4">
-                    <a:shade val="100000"/>
-                    <a:satMod val="115000"/>
-                  </a:schemeClr>
-                </a:gs>
-              </a:gsLst>
-              <a:lin ang="13500000" scaled="1"/>
-              <a:tileRect/>
-            </a:gradFill>
-            <a:ln w="34925"/>
-          </p:spPr>
-          <p:style>
-            <a:lnRef idx="2">
-              <a:schemeClr val="accent4">
-                <a:shade val="50000"/>
-              </a:schemeClr>
-            </a:lnRef>
-            <a:fillRef idx="1">
-              <a:schemeClr val="accent4"/>
-            </a:fillRef>
-            <a:effectRef idx="0">
-              <a:schemeClr val="accent4"/>
-            </a:effectRef>
-            <a:fontRef idx="minor">
-              <a:schemeClr val="lt1"/>
-            </a:fontRef>
-          </p:style>
-          <p:txBody>
-            <a:bodyPr rtlCol="0" anchor="ctr"/>
-            <a:lstStyle/>
-            <a:p>
-              <a:pPr>
-                <a:lnSpc>
-                  <a:spcPct val="150000"/>
-                </a:lnSpc>
-                <a:defRPr sz="2400" i="1"/>
-              </a:pPr>
-              <a:r>
-                <a:rPr lang="sv-SE" dirty="0"/>
-                <a:t>	org.springframework.cloud:</a:t>
-              </a:r>
-            </a:p>
-            <a:p>
-              <a:pPr lvl="3">
-                <a:lnSpc>
-                  <a:spcPct val="150000"/>
-                </a:lnSpc>
-                <a:defRPr sz="2400" i="1"/>
-              </a:pPr>
-              <a:r>
-                <a:rPr lang="sv-SE" dirty="0"/>
-                <a:t>spring-cloud-config-server</a:t>
-              </a:r>
-            </a:p>
-            <a:p>
-              <a:pPr lvl="3">
-                <a:lnSpc>
-                  <a:spcPct val="150000"/>
-                </a:lnSpc>
-                <a:defRPr sz="2400" i="1"/>
-              </a:pPr>
-              <a:r>
-                <a:rPr lang="sv-SE" dirty="0"/>
-                <a:t>spring-cloud-config-client</a:t>
-              </a:r>
-            </a:p>
-            <a:p>
-              <a:pPr lvl="3">
-                <a:lnSpc>
-                  <a:spcPct val="150000"/>
-                </a:lnSpc>
-                <a:defRPr sz="2400" i="1"/>
-              </a:pPr>
-              <a:r>
-                <a:rPr lang="sv-SE" dirty="0"/>
-                <a:t>spring-cloud-starter-netflix-eureka-server</a:t>
-              </a:r>
-            </a:p>
-            <a:p>
-              <a:pPr lvl="3">
-                <a:lnSpc>
-                  <a:spcPct val="150000"/>
-                </a:lnSpc>
-                <a:defRPr sz="2400" i="1"/>
-              </a:pPr>
-              <a:r>
-                <a:rPr lang="sv-SE" dirty="0"/>
-                <a:t>spring-cloud-starter-netflix-eureka-client</a:t>
-              </a:r>
-            </a:p>
-            <a:p>
-              <a:pPr lvl="3">
-                <a:lnSpc>
-                  <a:spcPct val="150000"/>
-                </a:lnSpc>
-                <a:defRPr sz="2400" i="1"/>
-              </a:pPr>
-              <a:r>
-                <a:rPr lang="sv-SE" dirty="0"/>
-                <a:t>spring-cloud-starter-netflix-ribbon</a:t>
-              </a:r>
-            </a:p>
-            <a:p>
-              <a:pPr lvl="3">
-                <a:lnSpc>
-                  <a:spcPct val="150000"/>
-                </a:lnSpc>
-                <a:defRPr sz="2400" i="1"/>
-              </a:pPr>
-              <a:r>
-                <a:rPr lang="sv-SE" dirty="0"/>
-                <a:t>spring-cloud-starter-netflix-zuul</a:t>
-              </a:r>
-            </a:p>
-            <a:p>
-              <a:pPr lvl="3">
-                <a:lnSpc>
-                  <a:spcPct val="150000"/>
-                </a:lnSpc>
-                <a:defRPr sz="2400" i="1"/>
-              </a:pPr>
-              <a:r>
-                <a:rPr lang="sv-SE" dirty="0"/>
-                <a:t>spring-cloud-starter-openfeign</a:t>
-              </a:r>
-            </a:p>
-            <a:p>
-              <a:pPr lvl="3">
-                <a:lnSpc>
-                  <a:spcPct val="150000"/>
-                </a:lnSpc>
-                <a:defRPr sz="2400" i="1"/>
-              </a:pPr>
-              <a:r>
-                <a:rPr lang="sv-SE" dirty="0"/>
-                <a:t>spring-cloud-starter-sleuth</a:t>
-              </a:r>
-            </a:p>
-          </p:txBody>
-        </p:sp>
-        <p:sp>
-          <p:nvSpPr>
-            <p:cNvPr id="174" name="Eureka"/>
-            <p:cNvSpPr/>
-            <p:nvPr/>
-          </p:nvSpPr>
-          <p:spPr>
-            <a:xfrm>
-              <a:off x="13610491" y="3002918"/>
-              <a:ext cx="1388052" cy="527414"/>
+              <a:off x="8074588" y="6393583"/>
+              <a:ext cx="1388051" cy="527415"/>
             </a:xfrm>
             <a:prstGeom prst="roundRect">
               <a:avLst>
@@ -18558,9 +18286,10 @@
               </a:avLst>
             </a:prstGeom>
             <a:solidFill>
-              <a:schemeClr val="accent2">
-                <a:hueOff val="89372"/>
-                <a:lumOff val="-8823"/>
+              <a:schemeClr val="accent5">
+                <a:hueOff val="-36178"/>
+                <a:satOff val="6507"/>
+                <a:lumOff val="-23518"/>
               </a:schemeClr>
             </a:solidFill>
             <a:ln w="12700" cap="flat">
@@ -18570,7 +18299,7 @@
             <a:effectLst/>
             <a:extLst>
               <a:ext uri="{C572A759-6A51-4108-AA02-DFA0A04FC94B}">
-                <ma14:wrappingTextBoxFlag xmlns:ma14="http://schemas.microsoft.com/office/mac/drawingml/2011/main" xmlns="" val="1"/>
+                <ma14:wrappingTextBoxFlag xmlns="" xmlns:ma14="http://schemas.microsoft.com/office/mac/drawingml/2011/main" val="1"/>
               </a:ext>
             </a:extLst>
           </p:spPr>
@@ -18585,20 +18314,20 @@
             </a:lstStyle>
             <a:p>
               <a:r>
-                <a:t>Eureka</a:t>
+                <a:t>8100</a:t>
               </a:r>
             </a:p>
           </p:txBody>
         </p:sp>
         <p:sp>
           <p:nvSpPr>
-            <p:cNvPr id="175" name="Ribbon"/>
+            <p:cNvPr id="171" name="8888"/>
             <p:cNvSpPr/>
             <p:nvPr/>
           </p:nvSpPr>
           <p:spPr>
             <a:xfrm>
-              <a:off x="15090984" y="3975850"/>
+              <a:off x="3235847" y="4265557"/>
               <a:ext cx="1388051" cy="527414"/>
             </a:xfrm>
             <a:prstGeom prst="roundRect">
@@ -18607,9 +18336,10 @@
               </a:avLst>
             </a:prstGeom>
             <a:solidFill>
-              <a:schemeClr val="accent2">
-                <a:hueOff val="89372"/>
-                <a:lumOff val="-8823"/>
+              <a:schemeClr val="accent5">
+                <a:hueOff val="-36178"/>
+                <a:satOff val="6507"/>
+                <a:lumOff val="-23518"/>
               </a:schemeClr>
             </a:solidFill>
             <a:ln w="12700" cap="flat">
@@ -18619,7 +18349,7 @@
             <a:effectLst/>
             <a:extLst>
               <a:ext uri="{C572A759-6A51-4108-AA02-DFA0A04FC94B}">
-                <ma14:wrappingTextBoxFlag xmlns:ma14="http://schemas.microsoft.com/office/mac/drawingml/2011/main" xmlns="" val="1"/>
+                <ma14:wrappingTextBoxFlag xmlns="" xmlns:ma14="http://schemas.microsoft.com/office/mac/drawingml/2011/main" val="1"/>
               </a:ext>
             </a:extLst>
           </p:spPr>
@@ -18634,20 +18364,21 @@
             </a:lstStyle>
             <a:p>
               <a:r>
-                <a:t>Ribbon</a:t>
+                <a:rPr dirty="0"/>
+                <a:t>8888</a:t>
               </a:r>
             </a:p>
           </p:txBody>
         </p:sp>
         <p:sp>
           <p:nvSpPr>
-            <p:cNvPr id="176" name="Zuul"/>
+            <p:cNvPr id="170" name="8080"/>
             <p:cNvSpPr/>
             <p:nvPr/>
           </p:nvSpPr>
           <p:spPr>
             <a:xfrm>
-              <a:off x="9317495" y="3002918"/>
+              <a:off x="9547789" y="8369523"/>
               <a:ext cx="1388051" cy="527414"/>
             </a:xfrm>
             <a:prstGeom prst="roundRect">
@@ -18656,9 +18387,10 @@
               </a:avLst>
             </a:prstGeom>
             <a:solidFill>
-              <a:schemeClr val="accent2">
-                <a:hueOff val="89372"/>
-                <a:lumOff val="-8823"/>
+              <a:schemeClr val="accent5">
+                <a:hueOff val="-36178"/>
+                <a:satOff val="6507"/>
+                <a:lumOff val="-23518"/>
               </a:schemeClr>
             </a:solidFill>
             <a:ln w="12700" cap="flat">
@@ -18668,7 +18400,7 @@
             <a:effectLst/>
             <a:extLst>
               <a:ext uri="{C572A759-6A51-4108-AA02-DFA0A04FC94B}">
-                <ma14:wrappingTextBoxFlag xmlns:ma14="http://schemas.microsoft.com/office/mac/drawingml/2011/main" xmlns="" val="1"/>
+                <ma14:wrappingTextBoxFlag xmlns="" xmlns:ma14="http://schemas.microsoft.com/office/mac/drawingml/2011/main" val="1"/>
               </a:ext>
             </a:extLst>
           </p:spPr>
@@ -18683,13 +18415,851 @@
             </a:lstStyle>
             <a:p>
               <a:r>
-                <a:t>Zuul</a:t>
+                <a:rPr dirty="0"/>
+                <a:t>8080</a:t>
+              </a:r>
+            </a:p>
+          </p:txBody>
+        </p:sp>
+        <p:sp>
+          <p:nvSpPr>
+            <p:cNvPr id="172" name="8085"/>
+            <p:cNvSpPr/>
+            <p:nvPr/>
+          </p:nvSpPr>
+          <p:spPr>
+            <a:xfrm>
+              <a:off x="9738234" y="8758028"/>
+              <a:ext cx="1388051" cy="527414"/>
+            </a:xfrm>
+            <a:prstGeom prst="roundRect">
+              <a:avLst>
+                <a:gd name="adj" fmla="val 36120"/>
+              </a:avLst>
+            </a:prstGeom>
+            <a:solidFill>
+              <a:schemeClr val="accent5">
+                <a:hueOff val="-36178"/>
+                <a:satOff val="6507"/>
+                <a:lumOff val="-23518"/>
+              </a:schemeClr>
+            </a:solidFill>
+            <a:ln w="12700" cap="flat">
+              <a:noFill/>
+              <a:miter lim="400000"/>
+            </a:ln>
+            <a:effectLst/>
+            <a:extLst>
+              <a:ext uri="{C572A759-6A51-4108-AA02-DFA0A04FC94B}">
+                <ma14:wrappingTextBoxFlag xmlns="" xmlns:ma14="http://schemas.microsoft.com/office/mac/drawingml/2011/main" val="1"/>
+              </a:ext>
+            </a:extLst>
+          </p:spPr>
+          <p:txBody>
+            <a:bodyPr wrap="square" lIns="50800" tIns="50800" rIns="50800" bIns="50800" numCol="1" anchor="ctr">
+              <a:noAutofit/>
+            </a:bodyPr>
+            <a:lstStyle>
+              <a:lvl1pPr>
+                <a:defRPr sz="2000" b="0"/>
+              </a:lvl1pPr>
+            </a:lstStyle>
+            <a:p>
+              <a:r>
+                <a:rPr dirty="0"/>
+                <a:t>8085</a:t>
+              </a:r>
+            </a:p>
+          </p:txBody>
+        </p:sp>
+        <p:sp>
+          <p:nvSpPr>
+            <p:cNvPr id="168" name="8761"/>
+            <p:cNvSpPr/>
+            <p:nvPr/>
+          </p:nvSpPr>
+          <p:spPr>
+            <a:xfrm>
+              <a:off x="12875876" y="4265557"/>
+              <a:ext cx="1388051" cy="527414"/>
+            </a:xfrm>
+            <a:prstGeom prst="roundRect">
+              <a:avLst>
+                <a:gd name="adj" fmla="val 36120"/>
+              </a:avLst>
+            </a:prstGeom>
+            <a:solidFill>
+              <a:schemeClr val="accent5">
+                <a:hueOff val="-36178"/>
+                <a:satOff val="6507"/>
+                <a:lumOff val="-23518"/>
+              </a:schemeClr>
+            </a:solidFill>
+            <a:ln w="12700" cap="flat">
+              <a:noFill/>
+              <a:miter lim="400000"/>
+            </a:ln>
+            <a:effectLst/>
+            <a:extLst>
+              <a:ext uri="{C572A759-6A51-4108-AA02-DFA0A04FC94B}">
+                <ma14:wrappingTextBoxFlag xmlns="" xmlns:ma14="http://schemas.microsoft.com/office/mac/drawingml/2011/main" val="1"/>
+              </a:ext>
+            </a:extLst>
+          </p:spPr>
+          <p:txBody>
+            <a:bodyPr wrap="square" lIns="50800" tIns="50800" rIns="50800" bIns="50800" numCol="1" anchor="ctr">
+              <a:noAutofit/>
+            </a:bodyPr>
+            <a:lstStyle>
+              <a:lvl1pPr>
+                <a:defRPr sz="2000" b="0"/>
+              </a:lvl1pPr>
+            </a:lstStyle>
+            <a:p>
+              <a:r>
+                <a:rPr dirty="0"/>
+                <a:t>8761</a:t>
+              </a:r>
+            </a:p>
+          </p:txBody>
+        </p:sp>
+        <p:sp>
+          <p:nvSpPr>
+            <p:cNvPr id="167" name="20202"/>
+            <p:cNvSpPr/>
+            <p:nvPr/>
+          </p:nvSpPr>
+          <p:spPr>
+            <a:xfrm>
+              <a:off x="8074589" y="4265557"/>
+              <a:ext cx="1388051" cy="527414"/>
+            </a:xfrm>
+            <a:prstGeom prst="roundRect">
+              <a:avLst>
+                <a:gd name="adj" fmla="val 36120"/>
+              </a:avLst>
+            </a:prstGeom>
+            <a:solidFill>
+              <a:schemeClr val="accent5">
+                <a:hueOff val="-36178"/>
+                <a:satOff val="6507"/>
+                <a:lumOff val="-23518"/>
+              </a:schemeClr>
+            </a:solidFill>
+            <a:ln w="12700" cap="flat">
+              <a:noFill/>
+              <a:miter lim="400000"/>
+            </a:ln>
+            <a:effectLst/>
+            <a:extLst>
+              <a:ext uri="{C572A759-6A51-4108-AA02-DFA0A04FC94B}">
+                <ma14:wrappingTextBoxFlag xmlns="" xmlns:ma14="http://schemas.microsoft.com/office/mac/drawingml/2011/main" val="1"/>
+              </a:ext>
+            </a:extLst>
+          </p:spPr>
+          <p:txBody>
+            <a:bodyPr wrap="square" lIns="50800" tIns="50800" rIns="50800" bIns="50800" numCol="1" anchor="ctr">
+              <a:noAutofit/>
+            </a:bodyPr>
+            <a:lstStyle>
+              <a:lvl1pPr>
+                <a:defRPr sz="2000" b="0"/>
+              </a:lvl1pPr>
+            </a:lstStyle>
+            <a:p>
+              <a:r>
+                <a:rPr dirty="0"/>
+                <a:t>20202</a:t>
+              </a:r>
+            </a:p>
+          </p:txBody>
+        </p:sp>
+        <p:sp>
+          <p:nvSpPr>
+            <p:cNvPr id="46" name="8080">
+              <a:extLst>
+                <a:ext uri="{FF2B5EF4-FFF2-40B4-BE49-F238E27FC236}">
+                  <a16:creationId xmlns:a16="http://schemas.microsoft.com/office/drawing/2014/main" id="{FFAEA2B9-5318-2344-AF6C-B708C8D6C88A}"/>
+                </a:ext>
+              </a:extLst>
+            </p:cNvPr>
+            <p:cNvSpPr/>
+            <p:nvPr/>
+          </p:nvSpPr>
+          <p:spPr>
+            <a:xfrm>
+              <a:off x="6707117" y="8369523"/>
+              <a:ext cx="1388051" cy="527414"/>
+            </a:xfrm>
+            <a:prstGeom prst="roundRect">
+              <a:avLst>
+                <a:gd name="adj" fmla="val 36120"/>
+              </a:avLst>
+            </a:prstGeom>
+            <a:solidFill>
+              <a:schemeClr val="accent5">
+                <a:hueOff val="-36178"/>
+                <a:satOff val="6507"/>
+                <a:lumOff val="-23518"/>
+              </a:schemeClr>
+            </a:solidFill>
+            <a:ln w="12700" cap="flat">
+              <a:noFill/>
+              <a:miter lim="400000"/>
+            </a:ln>
+            <a:effectLst/>
+            <a:extLst>
+              <a:ext uri="{C572A759-6A51-4108-AA02-DFA0A04FC94B}">
+                <ma14:wrappingTextBoxFlag xmlns="" xmlns:ma14="http://schemas.microsoft.com/office/mac/drawingml/2011/main" val="1"/>
+              </a:ext>
+            </a:extLst>
+          </p:spPr>
+          <p:txBody>
+            <a:bodyPr wrap="square" lIns="50800" tIns="50800" rIns="50800" bIns="50800" numCol="1" anchor="ctr">
+              <a:noAutofit/>
+            </a:bodyPr>
+            <a:lstStyle>
+              <a:lvl1pPr>
+                <a:defRPr sz="2000" b="0"/>
+              </a:lvl1pPr>
+            </a:lstStyle>
+            <a:p>
+              <a:r>
+                <a:rPr lang="sv-SE" dirty="0"/>
+                <a:t>9</a:t>
+              </a:r>
+              <a:r>
+                <a:rPr dirty="0"/>
+                <a:t>0</a:t>
+              </a:r>
+              <a:r>
+                <a:rPr lang="sv-SE" dirty="0"/>
+                <a:t>9</a:t>
+              </a:r>
+              <a:r>
+                <a:rPr dirty="0"/>
+                <a:t>0</a:t>
+              </a:r>
+            </a:p>
+          </p:txBody>
+        </p:sp>
+        <p:sp>
+          <p:nvSpPr>
+            <p:cNvPr id="47" name="8085">
+              <a:extLst>
+                <a:ext uri="{FF2B5EF4-FFF2-40B4-BE49-F238E27FC236}">
+                  <a16:creationId xmlns:a16="http://schemas.microsoft.com/office/drawing/2014/main" id="{BEB21E58-3386-E443-A922-021DF030088D}"/>
+                </a:ext>
+              </a:extLst>
+            </p:cNvPr>
+            <p:cNvSpPr/>
+            <p:nvPr/>
+          </p:nvSpPr>
+          <p:spPr>
+            <a:xfrm>
+              <a:off x="6897562" y="8758028"/>
+              <a:ext cx="1388051" cy="527414"/>
+            </a:xfrm>
+            <a:prstGeom prst="roundRect">
+              <a:avLst>
+                <a:gd name="adj" fmla="val 36120"/>
+              </a:avLst>
+            </a:prstGeom>
+            <a:solidFill>
+              <a:schemeClr val="accent5">
+                <a:hueOff val="-36178"/>
+                <a:satOff val="6507"/>
+                <a:lumOff val="-23518"/>
+              </a:schemeClr>
+            </a:solidFill>
+            <a:ln w="12700" cap="flat">
+              <a:noFill/>
+              <a:miter lim="400000"/>
+            </a:ln>
+            <a:effectLst/>
+            <a:extLst>
+              <a:ext uri="{C572A759-6A51-4108-AA02-DFA0A04FC94B}">
+                <ma14:wrappingTextBoxFlag xmlns="" xmlns:ma14="http://schemas.microsoft.com/office/mac/drawingml/2011/main" val="1"/>
+              </a:ext>
+            </a:extLst>
+          </p:spPr>
+          <p:txBody>
+            <a:bodyPr wrap="square" lIns="50800" tIns="50800" rIns="50800" bIns="50800" numCol="1" anchor="ctr">
+              <a:noAutofit/>
+            </a:bodyPr>
+            <a:lstStyle>
+              <a:lvl1pPr>
+                <a:defRPr sz="2000" b="0"/>
+              </a:lvl1pPr>
+            </a:lstStyle>
+            <a:p>
+              <a:r>
+                <a:rPr lang="sv-SE" dirty="0"/>
+                <a:t>909</a:t>
+              </a:r>
+              <a:r>
+                <a:rPr dirty="0"/>
+                <a:t>5</a:t>
               </a:r>
             </a:p>
           </p:txBody>
         </p:sp>
       </p:grpSp>
+      <p:cxnSp>
+        <p:nvCxnSpPr>
+          <p:cNvPr id="48" name="Straight Arrow Connector 4">
+            <a:extLst>
+              <a:ext uri="{FF2B5EF4-FFF2-40B4-BE49-F238E27FC236}">
+                <a16:creationId xmlns:a16="http://schemas.microsoft.com/office/drawing/2014/main" id="{4FEB388C-805F-8342-9336-16DAD5AFB35A}"/>
+              </a:ext>
+            </a:extLst>
+          </p:cNvPr>
+          <p:cNvCxnSpPr>
+            <a:cxnSpLocks/>
+            <a:stCxn id="45" idx="1"/>
+            <a:endCxn id="147" idx="2"/>
+          </p:cNvCxnSpPr>
+          <p:nvPr/>
+        </p:nvCxnSpPr>
+        <p:spPr>
+          <a:xfrm rot="10800000">
+            <a:off x="4774731" y="4454955"/>
+            <a:ext cx="2193734" cy="3586265"/>
+          </a:xfrm>
+          <a:prstGeom prst="curvedConnector2">
+            <a:avLst/>
+          </a:prstGeom>
+          <a:noFill/>
+          <a:ln w="25400" cap="flat">
+            <a:solidFill>
+              <a:srgbClr val="FFFFFF"/>
+            </a:solidFill>
+            <a:prstDash val="lgDash"/>
+            <a:miter lim="400000"/>
+            <a:tailEnd type="triangle" w="med" len="lg"/>
+          </a:ln>
+          <a:effectLst/>
+          <a:sp3d/>
+        </p:spPr>
+        <p:style>
+          <a:lnRef idx="0">
+            <a:scrgbClr r="0" g="0" b="0"/>
+          </a:lnRef>
+          <a:fillRef idx="0">
+            <a:scrgbClr r="0" g="0" b="0"/>
+          </a:fillRef>
+          <a:effectRef idx="0">
+            <a:scrgbClr r="0" g="0" b="0"/>
+          </a:effectRef>
+          <a:fontRef idx="none"/>
+        </p:style>
+      </p:cxnSp>
+      <p:cxnSp>
+        <p:nvCxnSpPr>
+          <p:cNvPr id="18" name="Rak 17">
+            <a:extLst>
+              <a:ext uri="{FF2B5EF4-FFF2-40B4-BE49-F238E27FC236}">
+                <a16:creationId xmlns:a16="http://schemas.microsoft.com/office/drawing/2014/main" id="{00376B07-5495-2F40-94CD-F7183FCB9586}"/>
+              </a:ext>
+            </a:extLst>
+          </p:cNvPr>
+          <p:cNvCxnSpPr>
+            <a:cxnSpLocks/>
+            <a:stCxn id="145" idx="3"/>
+          </p:cNvCxnSpPr>
+          <p:nvPr/>
+        </p:nvCxnSpPr>
+        <p:spPr>
+          <a:xfrm>
+            <a:off x="10859428" y="6004985"/>
+            <a:ext cx="3673381" cy="2"/>
+          </a:xfrm>
+          <a:prstGeom prst="line">
+            <a:avLst/>
+          </a:prstGeom>
+          <a:ln>
+            <a:solidFill>
+              <a:schemeClr val="tx1"/>
+            </a:solidFill>
+            <a:prstDash val="sysDash"/>
+          </a:ln>
+        </p:spPr>
+        <p:style>
+          <a:lnRef idx="1">
+            <a:schemeClr val="accent1"/>
+          </a:lnRef>
+          <a:fillRef idx="0">
+            <a:schemeClr val="accent1"/>
+          </a:fillRef>
+          <a:effectRef idx="0">
+            <a:schemeClr val="accent1"/>
+          </a:effectRef>
+          <a:fontRef idx="minor">
+            <a:schemeClr val="tx1"/>
+          </a:fontRef>
+        </p:style>
+      </p:cxnSp>
+      <p:sp>
+        <p:nvSpPr>
+          <p:cNvPr id="63" name="Rectangle 52">
+            <a:extLst>
+              <a:ext uri="{FF2B5EF4-FFF2-40B4-BE49-F238E27FC236}">
+                <a16:creationId xmlns:a16="http://schemas.microsoft.com/office/drawing/2014/main" id="{4B63F8EF-ECA4-3D46-89FB-D820547B14BD}"/>
+              </a:ext>
+            </a:extLst>
+          </p:cNvPr>
+          <p:cNvSpPr/>
+          <p:nvPr/>
+        </p:nvSpPr>
+        <p:spPr>
+          <a:xfrm>
+            <a:off x="15272532" y="6848671"/>
+            <a:ext cx="7958935" cy="5799738"/>
+          </a:xfrm>
+          <a:prstGeom prst="rect">
+            <a:avLst/>
+          </a:prstGeom>
+          <a:gradFill flip="none" rotWithShape="1">
+            <a:gsLst>
+              <a:gs pos="0">
+                <a:schemeClr val="accent4">
+                  <a:shade val="30000"/>
+                  <a:satMod val="115000"/>
+                </a:schemeClr>
+              </a:gs>
+              <a:gs pos="50000">
+                <a:schemeClr val="accent4">
+                  <a:shade val="67500"/>
+                  <a:satMod val="115000"/>
+                </a:schemeClr>
+              </a:gs>
+              <a:gs pos="100000">
+                <a:schemeClr val="accent4">
+                  <a:shade val="100000"/>
+                  <a:satMod val="115000"/>
+                </a:schemeClr>
+              </a:gs>
+            </a:gsLst>
+            <a:lin ang="13500000" scaled="1"/>
+            <a:tileRect/>
+          </a:gradFill>
+          <a:ln w="34925"/>
+        </p:spPr>
+        <p:style>
+          <a:lnRef idx="2">
+            <a:schemeClr val="accent4">
+              <a:shade val="50000"/>
+            </a:schemeClr>
+          </a:lnRef>
+          <a:fillRef idx="1">
+            <a:schemeClr val="accent4"/>
+          </a:fillRef>
+          <a:effectRef idx="0">
+            <a:schemeClr val="accent4"/>
+          </a:effectRef>
+          <a:fontRef idx="minor">
+            <a:schemeClr val="lt1"/>
+          </a:fontRef>
+        </p:style>
+        <p:txBody>
+          <a:bodyPr rtlCol="0" anchor="ctr"/>
+          <a:lstStyle/>
+          <a:p>
+            <a:pPr>
+              <a:lnSpc>
+                <a:spcPct val="150000"/>
+              </a:lnSpc>
+              <a:defRPr sz="2400" i="1"/>
+            </a:pPr>
+            <a:r>
+              <a:rPr lang="sv-SE" dirty="0"/>
+              <a:t>	org.springframework.cloud:</a:t>
+            </a:r>
+          </a:p>
+          <a:p>
+            <a:pPr lvl="3">
+              <a:lnSpc>
+                <a:spcPct val="150000"/>
+              </a:lnSpc>
+              <a:defRPr sz="2400" i="1"/>
+            </a:pPr>
+            <a:r>
+              <a:rPr lang="sv-SE" dirty="0"/>
+              <a:t>spring-cloud-config-server</a:t>
+            </a:r>
+          </a:p>
+          <a:p>
+            <a:pPr lvl="3">
+              <a:lnSpc>
+                <a:spcPct val="150000"/>
+              </a:lnSpc>
+              <a:defRPr sz="2400" i="1"/>
+            </a:pPr>
+            <a:r>
+              <a:rPr lang="sv-SE" dirty="0"/>
+              <a:t>spring-cloud-config-client</a:t>
+            </a:r>
+          </a:p>
+          <a:p>
+            <a:pPr lvl="3">
+              <a:lnSpc>
+                <a:spcPct val="150000"/>
+              </a:lnSpc>
+              <a:defRPr sz="2400" i="1"/>
+            </a:pPr>
+            <a:r>
+              <a:rPr lang="sv-SE" dirty="0"/>
+              <a:t>spring-cloud-starter-netflix-eureka-server</a:t>
+            </a:r>
+          </a:p>
+          <a:p>
+            <a:pPr lvl="3">
+              <a:lnSpc>
+                <a:spcPct val="150000"/>
+              </a:lnSpc>
+              <a:defRPr sz="2400" i="1"/>
+            </a:pPr>
+            <a:r>
+              <a:rPr lang="sv-SE" dirty="0"/>
+              <a:t>spring-cloud-starter-netflix-eureka-client</a:t>
+            </a:r>
+          </a:p>
+          <a:p>
+            <a:pPr lvl="3">
+              <a:lnSpc>
+                <a:spcPct val="150000"/>
+              </a:lnSpc>
+              <a:defRPr sz="2400" i="1"/>
+            </a:pPr>
+            <a:r>
+              <a:rPr lang="sv-SE" dirty="0"/>
+              <a:t>spring-cloud-starter-netflix-ribbon</a:t>
+            </a:r>
+          </a:p>
+          <a:p>
+            <a:pPr lvl="3">
+              <a:lnSpc>
+                <a:spcPct val="150000"/>
+              </a:lnSpc>
+              <a:defRPr sz="2400" i="1"/>
+            </a:pPr>
+            <a:r>
+              <a:rPr lang="sv-SE" dirty="0"/>
+              <a:t>spring-cloud-starter-netflix-zuul</a:t>
+            </a:r>
+          </a:p>
+          <a:p>
+            <a:pPr lvl="3">
+              <a:lnSpc>
+                <a:spcPct val="150000"/>
+              </a:lnSpc>
+              <a:defRPr sz="2400" i="1"/>
+            </a:pPr>
+            <a:r>
+              <a:rPr lang="sv-SE" dirty="0"/>
+              <a:t>spring-cloud-starter-openfeign</a:t>
+            </a:r>
+          </a:p>
+          <a:p>
+            <a:pPr lvl="3">
+              <a:lnSpc>
+                <a:spcPct val="150000"/>
+              </a:lnSpc>
+              <a:defRPr sz="2400" i="1"/>
+            </a:pPr>
+            <a:r>
+              <a:rPr lang="sv-SE" dirty="0"/>
+              <a:t>spring-cloud-starter-sleuth</a:t>
+            </a:r>
+          </a:p>
+        </p:txBody>
+      </p:sp>
+      <p:cxnSp>
+        <p:nvCxnSpPr>
+          <p:cNvPr id="25" name="Rak pil 24">
+            <a:extLst>
+              <a:ext uri="{FF2B5EF4-FFF2-40B4-BE49-F238E27FC236}">
+                <a16:creationId xmlns:a16="http://schemas.microsoft.com/office/drawing/2014/main" id="{F245D107-860B-AA43-AE2F-FCE8C37F9305}"/>
+              </a:ext>
+            </a:extLst>
+          </p:cNvPr>
+          <p:cNvCxnSpPr>
+            <a:stCxn id="144" idx="3"/>
+            <a:endCxn id="148" idx="1"/>
+          </p:cNvCxnSpPr>
+          <p:nvPr/>
+        </p:nvCxnSpPr>
+        <p:spPr>
+          <a:xfrm>
+            <a:off x="10878066" y="3855510"/>
+            <a:ext cx="2361658" cy="0"/>
+          </a:xfrm>
+          <a:prstGeom prst="straightConnector1">
+            <a:avLst/>
+          </a:prstGeom>
+          <a:ln>
+            <a:solidFill>
+              <a:schemeClr val="tx1"/>
+            </a:solidFill>
+            <a:prstDash val="sysDash"/>
+            <a:tailEnd type="triangle"/>
+          </a:ln>
+        </p:spPr>
+        <p:style>
+          <a:lnRef idx="1">
+            <a:schemeClr val="accent1"/>
+          </a:lnRef>
+          <a:fillRef idx="0">
+            <a:schemeClr val="accent1"/>
+          </a:fillRef>
+          <a:effectRef idx="0">
+            <a:schemeClr val="accent1"/>
+          </a:effectRef>
+          <a:fontRef idx="minor">
+            <a:schemeClr val="tx1"/>
+          </a:fontRef>
+        </p:style>
+      </p:cxnSp>
+      <p:grpSp>
+        <p:nvGrpSpPr>
+          <p:cNvPr id="35" name="Grupp 34">
+            <a:extLst>
+              <a:ext uri="{FF2B5EF4-FFF2-40B4-BE49-F238E27FC236}">
+                <a16:creationId xmlns:a16="http://schemas.microsoft.com/office/drawing/2014/main" id="{5BA3AE85-B96D-0A49-B6DB-EF6A01751F8B}"/>
+              </a:ext>
+            </a:extLst>
+          </p:cNvPr>
+          <p:cNvGrpSpPr/>
+          <p:nvPr/>
+        </p:nvGrpSpPr>
+        <p:grpSpPr>
+          <a:xfrm>
+            <a:off x="8576039" y="8629022"/>
+            <a:ext cx="675816" cy="1311351"/>
+            <a:chOff x="8576039" y="8629022"/>
+            <a:chExt cx="675816" cy="1311351"/>
+          </a:xfrm>
+        </p:grpSpPr>
+        <p:sp>
+          <p:nvSpPr>
+            <p:cNvPr id="27" name="Cylinder 26">
+              <a:extLst>
+                <a:ext uri="{FF2B5EF4-FFF2-40B4-BE49-F238E27FC236}">
+                  <a16:creationId xmlns:a16="http://schemas.microsoft.com/office/drawing/2014/main" id="{787F2BAE-1125-EA4F-9348-22630D786B63}"/>
+                </a:ext>
+              </a:extLst>
+            </p:cNvPr>
+            <p:cNvSpPr/>
+            <p:nvPr/>
+          </p:nvSpPr>
+          <p:spPr>
+            <a:xfrm>
+              <a:off x="8576039" y="9161440"/>
+              <a:ext cx="675816" cy="778933"/>
+            </a:xfrm>
+            <a:prstGeom prst="can">
+              <a:avLst/>
+            </a:prstGeom>
+            <a:solidFill>
+              <a:schemeClr val="accent2"/>
+            </a:solidFill>
+          </p:spPr>
+          <p:style>
+            <a:lnRef idx="2">
+              <a:schemeClr val="accent1">
+                <a:shade val="50000"/>
+              </a:schemeClr>
+            </a:lnRef>
+            <a:fillRef idx="1">
+              <a:schemeClr val="accent1"/>
+            </a:fillRef>
+            <a:effectRef idx="0">
+              <a:schemeClr val="accent1"/>
+            </a:effectRef>
+            <a:fontRef idx="minor">
+              <a:schemeClr val="lt1"/>
+            </a:fontRef>
+          </p:style>
+          <p:txBody>
+            <a:bodyPr rtlCol="0" anchor="ctr"/>
+            <a:lstStyle/>
+            <a:p>
+              <a:pPr algn="ctr"/>
+              <a:endParaRPr lang="sv-SE"/>
+            </a:p>
+          </p:txBody>
+        </p:sp>
+        <p:cxnSp>
+          <p:nvCxnSpPr>
+            <p:cNvPr id="32" name="Rak pil 31">
+              <a:extLst>
+                <a:ext uri="{FF2B5EF4-FFF2-40B4-BE49-F238E27FC236}">
+                  <a16:creationId xmlns:a16="http://schemas.microsoft.com/office/drawing/2014/main" id="{5909F06F-2688-8B42-8FE8-3BD0E709DAB5}"/>
+                </a:ext>
+              </a:extLst>
+            </p:cNvPr>
+            <p:cNvCxnSpPr>
+              <a:cxnSpLocks/>
+              <a:stCxn id="27" idx="1"/>
+            </p:cNvCxnSpPr>
+            <p:nvPr/>
+          </p:nvCxnSpPr>
+          <p:spPr>
+            <a:xfrm flipV="1">
+              <a:off x="8913947" y="8629022"/>
+              <a:ext cx="0" cy="532418"/>
+            </a:xfrm>
+            <a:prstGeom prst="straightConnector1">
+              <a:avLst/>
+            </a:prstGeom>
+            <a:ln>
+              <a:solidFill>
+                <a:schemeClr val="tx1"/>
+              </a:solidFill>
+              <a:prstDash val="sysDash"/>
+              <a:headEnd type="triangle"/>
+              <a:tailEnd type="none"/>
+            </a:ln>
+          </p:spPr>
+          <p:style>
+            <a:lnRef idx="1">
+              <a:schemeClr val="accent1"/>
+            </a:lnRef>
+            <a:fillRef idx="0">
+              <a:schemeClr val="accent1"/>
+            </a:fillRef>
+            <a:effectRef idx="0">
+              <a:schemeClr val="accent1"/>
+            </a:effectRef>
+            <a:fontRef idx="minor">
+              <a:schemeClr val="tx1"/>
+            </a:fontRef>
+          </p:style>
+        </p:cxnSp>
+      </p:grpSp>
+      <p:grpSp>
+        <p:nvGrpSpPr>
+          <p:cNvPr id="76" name="Grupp 75">
+            <a:extLst>
+              <a:ext uri="{FF2B5EF4-FFF2-40B4-BE49-F238E27FC236}">
+                <a16:creationId xmlns:a16="http://schemas.microsoft.com/office/drawing/2014/main" id="{4B5F3FC3-E4E0-7F4F-BF28-9A5152CEFB27}"/>
+              </a:ext>
+            </a:extLst>
+          </p:cNvPr>
+          <p:cNvGrpSpPr/>
+          <p:nvPr/>
+        </p:nvGrpSpPr>
+        <p:grpSpPr>
+          <a:xfrm>
+            <a:off x="11422219" y="8633230"/>
+            <a:ext cx="675816" cy="1311351"/>
+            <a:chOff x="8576039" y="8629022"/>
+            <a:chExt cx="675816" cy="1311351"/>
+          </a:xfrm>
+        </p:grpSpPr>
+        <p:sp>
+          <p:nvSpPr>
+            <p:cNvPr id="77" name="Cylinder 76">
+              <a:extLst>
+                <a:ext uri="{FF2B5EF4-FFF2-40B4-BE49-F238E27FC236}">
+                  <a16:creationId xmlns:a16="http://schemas.microsoft.com/office/drawing/2014/main" id="{E5B5E8CE-FBE7-D74F-8599-54800F1772B2}"/>
+                </a:ext>
+              </a:extLst>
+            </p:cNvPr>
+            <p:cNvSpPr/>
+            <p:nvPr/>
+          </p:nvSpPr>
+          <p:spPr>
+            <a:xfrm>
+              <a:off x="8576039" y="9161440"/>
+              <a:ext cx="675816" cy="778933"/>
+            </a:xfrm>
+            <a:prstGeom prst="can">
+              <a:avLst/>
+            </a:prstGeom>
+            <a:solidFill>
+              <a:schemeClr val="accent2"/>
+            </a:solidFill>
+          </p:spPr>
+          <p:style>
+            <a:lnRef idx="2">
+              <a:schemeClr val="accent1">
+                <a:shade val="50000"/>
+              </a:schemeClr>
+            </a:lnRef>
+            <a:fillRef idx="1">
+              <a:schemeClr val="accent1"/>
+            </a:fillRef>
+            <a:effectRef idx="0">
+              <a:schemeClr val="accent1"/>
+            </a:effectRef>
+            <a:fontRef idx="minor">
+              <a:schemeClr val="lt1"/>
+            </a:fontRef>
+          </p:style>
+          <p:txBody>
+            <a:bodyPr rtlCol="0" anchor="ctr"/>
+            <a:lstStyle/>
+            <a:p>
+              <a:pPr algn="ctr"/>
+              <a:endParaRPr lang="sv-SE"/>
+            </a:p>
+          </p:txBody>
+        </p:sp>
+        <p:cxnSp>
+          <p:nvCxnSpPr>
+            <p:cNvPr id="78" name="Rak pil 77">
+              <a:extLst>
+                <a:ext uri="{FF2B5EF4-FFF2-40B4-BE49-F238E27FC236}">
+                  <a16:creationId xmlns:a16="http://schemas.microsoft.com/office/drawing/2014/main" id="{F6D00C74-4BCC-574A-8374-CB903F7D5CC2}"/>
+                </a:ext>
+              </a:extLst>
+            </p:cNvPr>
+            <p:cNvCxnSpPr>
+              <a:cxnSpLocks/>
+              <a:stCxn id="77" idx="1"/>
+            </p:cNvCxnSpPr>
+            <p:nvPr/>
+          </p:nvCxnSpPr>
+          <p:spPr>
+            <a:xfrm flipV="1">
+              <a:off x="8913947" y="8629022"/>
+              <a:ext cx="0" cy="532418"/>
+            </a:xfrm>
+            <a:prstGeom prst="straightConnector1">
+              <a:avLst/>
+            </a:prstGeom>
+            <a:ln>
+              <a:solidFill>
+                <a:schemeClr val="tx1"/>
+              </a:solidFill>
+              <a:prstDash val="sysDash"/>
+              <a:headEnd type="triangle"/>
+              <a:tailEnd type="none"/>
+            </a:ln>
+          </p:spPr>
+          <p:style>
+            <a:lnRef idx="1">
+              <a:schemeClr val="accent1"/>
+            </a:lnRef>
+            <a:fillRef idx="0">
+              <a:schemeClr val="accent1"/>
+            </a:fillRef>
+            <a:effectRef idx="0">
+              <a:schemeClr val="accent1"/>
+            </a:effectRef>
+            <a:fontRef idx="minor">
+              <a:schemeClr val="tx1"/>
+            </a:fontRef>
+          </p:style>
+        </p:cxnSp>
+      </p:grpSp>
     </p:spTree>
+    <p:extLst>
+      <p:ext uri="{BB962C8B-B14F-4D97-AF65-F5344CB8AC3E}">
+        <p14:creationId xmlns:p14="http://schemas.microsoft.com/office/powerpoint/2010/main" val="1276259570"/>
+      </p:ext>
+    </p:extLst>
   </p:cSld>
   <p:clrMapOvr>
     <a:masterClrMapping/>
@@ -18700,8 +19270,8 @@
       <p:par>
         <p:cTn id="1" dur="indefinite" restart="never" fill="hold" nodeType="tmRoot">
           <p:childTnLst>
-            <p:seq concurrent="1" prevAc="none" nextAc="seek">
-              <p:cTn id="2" dur="indefinite" fill="hold" nodeType="mainSeq">
+            <p:seq concurrent="1" nextAc="seek">
+              <p:cTn id="2" dur="indefinite" nodeType="mainSeq">
                 <p:childTnLst>
                   <p:par>
                     <p:cTn id="3" fill="hold">
@@ -18729,7 +19299,7 @@
                                           </p:stCondLst>
                                         </p:cTn>
                                         <p:tgtEl>
-                                          <p:spTgt spid="54"/>
+                                          <p:spTgt spid="23"/>
                                         </p:tgtEl>
                                         <p:attrNameLst>
                                           <p:attrName>style.visibility</p:attrName>
@@ -18743,60 +19313,7 @@
                                       <p:cBhvr>
                                         <p:cTn id="7" dur="500"/>
                                         <p:tgtEl>
-                                          <p:spTgt spid="54"/>
-                                        </p:tgtEl>
-                                      </p:cBhvr>
-                                    </p:animEffect>
-                                  </p:childTnLst>
-                                </p:cTn>
-                              </p:par>
-                            </p:childTnLst>
-                          </p:cTn>
-                        </p:par>
-                      </p:childTnLst>
-                    </p:cTn>
-                  </p:par>
-                  <p:par>
-                    <p:cTn id="8" fill="hold">
-                      <p:stCondLst>
-                        <p:cond delay="indefinite"/>
-                      </p:stCondLst>
-                      <p:childTnLst>
-                        <p:par>
-                          <p:cTn id="9" fill="hold">
-                            <p:stCondLst>
-                              <p:cond delay="0"/>
-                            </p:stCondLst>
-                            <p:childTnLst>
-                              <p:par>
-                                <p:cTn id="10" presetID="10" presetClass="entr" presetSubtype="0" fill="hold" nodeType="clickEffect">
-                                  <p:stCondLst>
-                                    <p:cond delay="0"/>
-                                  </p:stCondLst>
-                                  <p:childTnLst>
-                                    <p:set>
-                                      <p:cBhvr>
-                                        <p:cTn id="11" dur="1" fill="hold">
-                                          <p:stCondLst>
-                                            <p:cond delay="0"/>
-                                          </p:stCondLst>
-                                        </p:cTn>
-                                        <p:tgtEl>
-                                          <p:spTgt spid="173"/>
-                                        </p:tgtEl>
-                                        <p:attrNameLst>
-                                          <p:attrName>style.visibility</p:attrName>
-                                        </p:attrNameLst>
-                                      </p:cBhvr>
-                                      <p:to>
-                                        <p:strVal val="visible"/>
-                                      </p:to>
-                                    </p:set>
-                                    <p:animEffect transition="in" filter="fade">
-                                      <p:cBhvr>
-                                        <p:cTn id="12" dur="500"/>
-                                        <p:tgtEl>
-                                          <p:spTgt spid="173"/>
+                                          <p:spTgt spid="23"/>
                                         </p:tgtEl>
                                       </p:cBhvr>
                                     </p:animEffect>
